--- a/SAS/Planejamento/Docs/Apresentação do projeto.pptx
+++ b/SAS/Planejamento/Docs/Apresentação do projeto.pptx
@@ -2,13 +2,13 @@
 <file path=ppt/presentation.xml><?xml version="1.0" encoding="utf-8"?>
 <p:presentation xmlns:a="http://schemas.openxmlformats.org/drawingml/2006/main" xmlns:r="http://schemas.openxmlformats.org/officeDocument/2006/relationships" xmlns:p="http://schemas.openxmlformats.org/presentationml/2006/main" saveSubsetFonts="1">
   <p:sldMasterIdLst>
-    <p:sldMasterId id="2147483720" r:id="rId1"/>
+    <p:sldMasterId id="2147483792" r:id="rId1"/>
   </p:sldMasterIdLst>
   <p:sldIdLst>
     <p:sldId id="256" r:id="rId2"/>
     <p:sldId id="257" r:id="rId3"/>
     <p:sldId id="258" r:id="rId4"/>
-    <p:sldId id="259" r:id="rId5"/>
+    <p:sldId id="260" r:id="rId5"/>
   </p:sldIdLst>
   <p:sldSz cx="9144000" cy="6858000" type="screen4x3"/>
   <p:notesSz cx="6858000" cy="9144000"/>
@@ -108,6 +108,7627 @@
     </a:lvl9pPr>
   </p:defaultTextStyle>
 </p:presentation>
+</file>
+
+<file path=ppt/diagrams/colors1.xml><?xml version="1.0" encoding="utf-8"?>
+<dgm:colorsDef xmlns:dgm="http://schemas.openxmlformats.org/drawingml/2006/diagram" xmlns:a="http://schemas.openxmlformats.org/drawingml/2006/main" uniqueId="urn:microsoft.com/office/officeart/2005/8/colors/accent1_2">
+  <dgm:title val=""/>
+  <dgm:desc val=""/>
+  <dgm:catLst>
+    <dgm:cat type="accent1" pri="11200"/>
+  </dgm:catLst>
+  <dgm:styleLbl name="node0">
+    <dgm:fillClrLst meth="repeat">
+      <a:schemeClr val="accent1"/>
+    </dgm:fillClrLst>
+    <dgm:linClrLst meth="repeat">
+      <a:schemeClr val="lt1"/>
+    </dgm:linClrLst>
+    <dgm:effectClrLst/>
+    <dgm:txLinClrLst/>
+    <dgm:txFillClrLst/>
+    <dgm:txEffectClrLst/>
+  </dgm:styleLbl>
+  <dgm:styleLbl name="alignNode1">
+    <dgm:fillClrLst meth="repeat">
+      <a:schemeClr val="accent1"/>
+    </dgm:fillClrLst>
+    <dgm:linClrLst meth="repeat">
+      <a:schemeClr val="accent1"/>
+    </dgm:linClrLst>
+    <dgm:effectClrLst/>
+    <dgm:txLinClrLst/>
+    <dgm:txFillClrLst/>
+    <dgm:txEffectClrLst/>
+  </dgm:styleLbl>
+  <dgm:styleLbl name="node1">
+    <dgm:fillClrLst meth="repeat">
+      <a:schemeClr val="accent1"/>
+    </dgm:fillClrLst>
+    <dgm:linClrLst meth="repeat">
+      <a:schemeClr val="lt1"/>
+    </dgm:linClrLst>
+    <dgm:effectClrLst/>
+    <dgm:txLinClrLst/>
+    <dgm:txFillClrLst/>
+    <dgm:txEffectClrLst/>
+  </dgm:styleLbl>
+  <dgm:styleLbl name="lnNode1">
+    <dgm:fillClrLst meth="repeat">
+      <a:schemeClr val="accent1"/>
+    </dgm:fillClrLst>
+    <dgm:linClrLst meth="repeat">
+      <a:schemeClr val="lt1"/>
+    </dgm:linClrLst>
+    <dgm:effectClrLst/>
+    <dgm:txLinClrLst/>
+    <dgm:txFillClrLst/>
+    <dgm:txEffectClrLst/>
+  </dgm:styleLbl>
+  <dgm:styleLbl name="vennNode1">
+    <dgm:fillClrLst meth="repeat">
+      <a:schemeClr val="accent1">
+        <a:alpha val="50000"/>
+      </a:schemeClr>
+    </dgm:fillClrLst>
+    <dgm:linClrLst meth="repeat">
+      <a:schemeClr val="lt1"/>
+    </dgm:linClrLst>
+    <dgm:effectClrLst/>
+    <dgm:txLinClrLst/>
+    <dgm:txFillClrLst/>
+    <dgm:txEffectClrLst/>
+  </dgm:styleLbl>
+  <dgm:styleLbl name="node2">
+    <dgm:fillClrLst meth="repeat">
+      <a:schemeClr val="accent1"/>
+    </dgm:fillClrLst>
+    <dgm:linClrLst meth="repeat">
+      <a:schemeClr val="lt1"/>
+    </dgm:linClrLst>
+    <dgm:effectClrLst/>
+    <dgm:txLinClrLst/>
+    <dgm:txFillClrLst/>
+    <dgm:txEffectClrLst/>
+  </dgm:styleLbl>
+  <dgm:styleLbl name="node3">
+    <dgm:fillClrLst meth="repeat">
+      <a:schemeClr val="accent1"/>
+    </dgm:fillClrLst>
+    <dgm:linClrLst meth="repeat">
+      <a:schemeClr val="lt1"/>
+    </dgm:linClrLst>
+    <dgm:effectClrLst/>
+    <dgm:txLinClrLst/>
+    <dgm:txFillClrLst/>
+    <dgm:txEffectClrLst/>
+  </dgm:styleLbl>
+  <dgm:styleLbl name="node4">
+    <dgm:fillClrLst meth="repeat">
+      <a:schemeClr val="accent1"/>
+    </dgm:fillClrLst>
+    <dgm:linClrLst meth="repeat">
+      <a:schemeClr val="lt1"/>
+    </dgm:linClrLst>
+    <dgm:effectClrLst/>
+    <dgm:txLinClrLst/>
+    <dgm:txFillClrLst/>
+    <dgm:txEffectClrLst/>
+  </dgm:styleLbl>
+  <dgm:styleLbl name="fgImgPlace1">
+    <dgm:fillClrLst meth="repeat">
+      <a:schemeClr val="accent1">
+        <a:tint val="50000"/>
+      </a:schemeClr>
+    </dgm:fillClrLst>
+    <dgm:linClrLst meth="repeat">
+      <a:schemeClr val="lt1"/>
+    </dgm:linClrLst>
+    <dgm:effectClrLst/>
+    <dgm:txLinClrLst/>
+    <dgm:txFillClrLst meth="repeat">
+      <a:schemeClr val="lt1"/>
+    </dgm:txFillClrLst>
+    <dgm:txEffectClrLst/>
+  </dgm:styleLbl>
+  <dgm:styleLbl name="alignImgPlace1">
+    <dgm:fillClrLst meth="repeat">
+      <a:schemeClr val="accent1">
+        <a:tint val="50000"/>
+      </a:schemeClr>
+    </dgm:fillClrLst>
+    <dgm:linClrLst meth="repeat">
+      <a:schemeClr val="lt1"/>
+    </dgm:linClrLst>
+    <dgm:effectClrLst/>
+    <dgm:txLinClrLst/>
+    <dgm:txFillClrLst meth="repeat">
+      <a:schemeClr val="lt1"/>
+    </dgm:txFillClrLst>
+    <dgm:txEffectClrLst/>
+  </dgm:styleLbl>
+  <dgm:styleLbl name="bgImgPlace1">
+    <dgm:fillClrLst meth="repeat">
+      <a:schemeClr val="accent1">
+        <a:tint val="50000"/>
+      </a:schemeClr>
+    </dgm:fillClrLst>
+    <dgm:linClrLst meth="repeat">
+      <a:schemeClr val="lt1"/>
+    </dgm:linClrLst>
+    <dgm:effectClrLst/>
+    <dgm:txLinClrLst/>
+    <dgm:txFillClrLst meth="repeat">
+      <a:schemeClr val="lt1"/>
+    </dgm:txFillClrLst>
+    <dgm:txEffectClrLst/>
+  </dgm:styleLbl>
+  <dgm:styleLbl name="sibTrans2D1">
+    <dgm:fillClrLst meth="repeat">
+      <a:schemeClr val="accent1">
+        <a:tint val="60000"/>
+      </a:schemeClr>
+    </dgm:fillClrLst>
+    <dgm:linClrLst meth="repeat">
+      <a:schemeClr val="accent1">
+        <a:tint val="60000"/>
+      </a:schemeClr>
+    </dgm:linClrLst>
+    <dgm:effectClrLst/>
+    <dgm:txLinClrLst/>
+    <dgm:txFillClrLst/>
+    <dgm:txEffectClrLst/>
+  </dgm:styleLbl>
+  <dgm:styleLbl name="fgSibTrans2D1">
+    <dgm:fillClrLst meth="repeat">
+      <a:schemeClr val="accent1">
+        <a:tint val="60000"/>
+      </a:schemeClr>
+    </dgm:fillClrLst>
+    <dgm:linClrLst meth="repeat">
+      <a:schemeClr val="accent1">
+        <a:tint val="60000"/>
+      </a:schemeClr>
+    </dgm:linClrLst>
+    <dgm:effectClrLst/>
+    <dgm:txLinClrLst/>
+    <dgm:txFillClrLst/>
+    <dgm:txEffectClrLst/>
+  </dgm:styleLbl>
+  <dgm:styleLbl name="bgSibTrans2D1">
+    <dgm:fillClrLst meth="repeat">
+      <a:schemeClr val="accent1">
+        <a:tint val="60000"/>
+      </a:schemeClr>
+    </dgm:fillClrLst>
+    <dgm:linClrLst meth="repeat">
+      <a:schemeClr val="accent1">
+        <a:tint val="60000"/>
+      </a:schemeClr>
+    </dgm:linClrLst>
+    <dgm:effectClrLst/>
+    <dgm:txLinClrLst/>
+    <dgm:txFillClrLst/>
+    <dgm:txEffectClrLst/>
+  </dgm:styleLbl>
+  <dgm:styleLbl name="sibTrans1D1">
+    <dgm:fillClrLst meth="repeat">
+      <a:schemeClr val="accent1"/>
+    </dgm:fillClrLst>
+    <dgm:linClrLst meth="repeat">
+      <a:schemeClr val="accent1"/>
+    </dgm:linClrLst>
+    <dgm:effectClrLst/>
+    <dgm:txLinClrLst/>
+    <dgm:txFillClrLst meth="repeat">
+      <a:schemeClr val="tx1"/>
+    </dgm:txFillClrLst>
+    <dgm:txEffectClrLst/>
+  </dgm:styleLbl>
+  <dgm:styleLbl name="callout">
+    <dgm:fillClrLst meth="repeat">
+      <a:schemeClr val="accent1"/>
+    </dgm:fillClrLst>
+    <dgm:linClrLst meth="repeat">
+      <a:schemeClr val="accent1">
+        <a:tint val="50000"/>
+      </a:schemeClr>
+    </dgm:linClrLst>
+    <dgm:effectClrLst/>
+    <dgm:txLinClrLst/>
+    <dgm:txFillClrLst meth="repeat">
+      <a:schemeClr val="tx1"/>
+    </dgm:txFillClrLst>
+    <dgm:txEffectClrLst/>
+  </dgm:styleLbl>
+  <dgm:styleLbl name="asst0">
+    <dgm:fillClrLst meth="repeat">
+      <a:schemeClr val="accent1"/>
+    </dgm:fillClrLst>
+    <dgm:linClrLst meth="repeat">
+      <a:schemeClr val="lt1"/>
+    </dgm:linClrLst>
+    <dgm:effectClrLst/>
+    <dgm:txLinClrLst/>
+    <dgm:txFillClrLst/>
+    <dgm:txEffectClrLst/>
+  </dgm:styleLbl>
+  <dgm:styleLbl name="asst1">
+    <dgm:fillClrLst meth="repeat">
+      <a:schemeClr val="accent1"/>
+    </dgm:fillClrLst>
+    <dgm:linClrLst meth="repeat">
+      <a:schemeClr val="lt1"/>
+    </dgm:linClrLst>
+    <dgm:effectClrLst/>
+    <dgm:txLinClrLst/>
+    <dgm:txFillClrLst/>
+    <dgm:txEffectClrLst/>
+  </dgm:styleLbl>
+  <dgm:styleLbl name="asst2">
+    <dgm:fillClrLst meth="repeat">
+      <a:schemeClr val="accent1"/>
+    </dgm:fillClrLst>
+    <dgm:linClrLst meth="repeat">
+      <a:schemeClr val="lt1"/>
+    </dgm:linClrLst>
+    <dgm:effectClrLst/>
+    <dgm:txLinClrLst/>
+    <dgm:txFillClrLst/>
+    <dgm:txEffectClrLst/>
+  </dgm:styleLbl>
+  <dgm:styleLbl name="asst3">
+    <dgm:fillClrLst meth="repeat">
+      <a:schemeClr val="accent1"/>
+    </dgm:fillClrLst>
+    <dgm:linClrLst meth="repeat">
+      <a:schemeClr val="lt1"/>
+    </dgm:linClrLst>
+    <dgm:effectClrLst/>
+    <dgm:txLinClrLst/>
+    <dgm:txFillClrLst/>
+    <dgm:txEffectClrLst/>
+  </dgm:styleLbl>
+  <dgm:styleLbl name="asst4">
+    <dgm:fillClrLst meth="repeat">
+      <a:schemeClr val="accent1"/>
+    </dgm:fillClrLst>
+    <dgm:linClrLst meth="repeat">
+      <a:schemeClr val="lt1"/>
+    </dgm:linClrLst>
+    <dgm:effectClrLst/>
+    <dgm:txLinClrLst/>
+    <dgm:txFillClrLst/>
+    <dgm:txEffectClrLst/>
+  </dgm:styleLbl>
+  <dgm:styleLbl name="parChTrans2D1">
+    <dgm:fillClrLst meth="repeat">
+      <a:schemeClr val="accent1">
+        <a:tint val="60000"/>
+      </a:schemeClr>
+    </dgm:fillClrLst>
+    <dgm:linClrLst meth="repeat">
+      <a:schemeClr val="accent1">
+        <a:tint val="60000"/>
+      </a:schemeClr>
+    </dgm:linClrLst>
+    <dgm:effectClrLst/>
+    <dgm:txLinClrLst/>
+    <dgm:txFillClrLst meth="repeat">
+      <a:schemeClr val="lt1"/>
+    </dgm:txFillClrLst>
+    <dgm:txEffectClrLst/>
+  </dgm:styleLbl>
+  <dgm:styleLbl name="parChTrans2D2">
+    <dgm:fillClrLst meth="repeat">
+      <a:schemeClr val="accent1"/>
+    </dgm:fillClrLst>
+    <dgm:linClrLst meth="repeat">
+      <a:schemeClr val="accent1"/>
+    </dgm:linClrLst>
+    <dgm:effectClrLst/>
+    <dgm:txLinClrLst/>
+    <dgm:txFillClrLst meth="repeat">
+      <a:schemeClr val="lt1"/>
+    </dgm:txFillClrLst>
+    <dgm:txEffectClrLst/>
+  </dgm:styleLbl>
+  <dgm:styleLbl name="parChTrans2D3">
+    <dgm:fillClrLst meth="repeat">
+      <a:schemeClr val="accent1"/>
+    </dgm:fillClrLst>
+    <dgm:linClrLst meth="repeat">
+      <a:schemeClr val="accent1"/>
+    </dgm:linClrLst>
+    <dgm:effectClrLst/>
+    <dgm:txLinClrLst/>
+    <dgm:txFillClrLst meth="repeat">
+      <a:schemeClr val="lt1"/>
+    </dgm:txFillClrLst>
+    <dgm:txEffectClrLst/>
+  </dgm:styleLbl>
+  <dgm:styleLbl name="parChTrans2D4">
+    <dgm:fillClrLst meth="repeat">
+      <a:schemeClr val="accent1"/>
+    </dgm:fillClrLst>
+    <dgm:linClrLst meth="repeat">
+      <a:schemeClr val="accent1"/>
+    </dgm:linClrLst>
+    <dgm:effectClrLst/>
+    <dgm:txLinClrLst/>
+    <dgm:txFillClrLst meth="repeat">
+      <a:schemeClr val="lt1"/>
+    </dgm:txFillClrLst>
+    <dgm:txEffectClrLst/>
+  </dgm:styleLbl>
+  <dgm:styleLbl name="parChTrans1D1">
+    <dgm:fillClrLst meth="repeat">
+      <a:schemeClr val="accent1"/>
+    </dgm:fillClrLst>
+    <dgm:linClrLst meth="repeat">
+      <a:schemeClr val="accent1">
+        <a:shade val="60000"/>
+      </a:schemeClr>
+    </dgm:linClrLst>
+    <dgm:effectClrLst/>
+    <dgm:txLinClrLst/>
+    <dgm:txFillClrLst meth="repeat">
+      <a:schemeClr val="tx1"/>
+    </dgm:txFillClrLst>
+    <dgm:txEffectClrLst/>
+  </dgm:styleLbl>
+  <dgm:styleLbl name="parChTrans1D2">
+    <dgm:fillClrLst meth="repeat">
+      <a:schemeClr val="accent1"/>
+    </dgm:fillClrLst>
+    <dgm:linClrLst meth="repeat">
+      <a:schemeClr val="accent1">
+        <a:shade val="60000"/>
+      </a:schemeClr>
+    </dgm:linClrLst>
+    <dgm:effectClrLst/>
+    <dgm:txLinClrLst/>
+    <dgm:txFillClrLst meth="repeat">
+      <a:schemeClr val="tx1"/>
+    </dgm:txFillClrLst>
+    <dgm:txEffectClrLst/>
+  </dgm:styleLbl>
+  <dgm:styleLbl name="parChTrans1D3">
+    <dgm:fillClrLst meth="repeat">
+      <a:schemeClr val="accent1"/>
+    </dgm:fillClrLst>
+    <dgm:linClrLst meth="repeat">
+      <a:schemeClr val="accent1">
+        <a:shade val="80000"/>
+      </a:schemeClr>
+    </dgm:linClrLst>
+    <dgm:effectClrLst/>
+    <dgm:txLinClrLst/>
+    <dgm:txFillClrLst meth="repeat">
+      <a:schemeClr val="tx1"/>
+    </dgm:txFillClrLst>
+    <dgm:txEffectClrLst/>
+  </dgm:styleLbl>
+  <dgm:styleLbl name="parChTrans1D4">
+    <dgm:fillClrLst meth="repeat">
+      <a:schemeClr val="accent1"/>
+    </dgm:fillClrLst>
+    <dgm:linClrLst meth="repeat">
+      <a:schemeClr val="accent1">
+        <a:shade val="80000"/>
+      </a:schemeClr>
+    </dgm:linClrLst>
+    <dgm:effectClrLst/>
+    <dgm:txLinClrLst/>
+    <dgm:txFillClrLst meth="repeat">
+      <a:schemeClr val="tx1"/>
+    </dgm:txFillClrLst>
+    <dgm:txEffectClrLst/>
+  </dgm:styleLbl>
+  <dgm:styleLbl name="fgAcc1">
+    <dgm:fillClrLst meth="repeat">
+      <a:schemeClr val="lt1">
+        <a:alpha val="90000"/>
+      </a:schemeClr>
+    </dgm:fillClrLst>
+    <dgm:linClrLst meth="repeat">
+      <a:schemeClr val="accent1"/>
+    </dgm:linClrLst>
+    <dgm:effectClrLst/>
+    <dgm:txLinClrLst/>
+    <dgm:txFillClrLst meth="repeat">
+      <a:schemeClr val="dk1"/>
+    </dgm:txFillClrLst>
+    <dgm:txEffectClrLst/>
+  </dgm:styleLbl>
+  <dgm:styleLbl name="conFgAcc1">
+    <dgm:fillClrLst meth="repeat">
+      <a:schemeClr val="lt1">
+        <a:alpha val="90000"/>
+      </a:schemeClr>
+    </dgm:fillClrLst>
+    <dgm:linClrLst meth="repeat">
+      <a:schemeClr val="accent1"/>
+    </dgm:linClrLst>
+    <dgm:effectClrLst/>
+    <dgm:txLinClrLst/>
+    <dgm:txFillClrLst meth="repeat">
+      <a:schemeClr val="dk1"/>
+    </dgm:txFillClrLst>
+    <dgm:txEffectClrLst/>
+  </dgm:styleLbl>
+  <dgm:styleLbl name="alignAcc1">
+    <dgm:fillClrLst meth="repeat">
+      <a:schemeClr val="lt1">
+        <a:alpha val="90000"/>
+      </a:schemeClr>
+    </dgm:fillClrLst>
+    <dgm:linClrLst meth="repeat">
+      <a:schemeClr val="accent1"/>
+    </dgm:linClrLst>
+    <dgm:effectClrLst/>
+    <dgm:txLinClrLst/>
+    <dgm:txFillClrLst meth="repeat">
+      <a:schemeClr val="dk1"/>
+    </dgm:txFillClrLst>
+    <dgm:txEffectClrLst/>
+  </dgm:styleLbl>
+  <dgm:styleLbl name="trAlignAcc1">
+    <dgm:fillClrLst meth="repeat">
+      <a:schemeClr val="lt1">
+        <a:alpha val="40000"/>
+      </a:schemeClr>
+    </dgm:fillClrLst>
+    <dgm:linClrLst meth="repeat">
+      <a:schemeClr val="accent1"/>
+    </dgm:linClrLst>
+    <dgm:effectClrLst/>
+    <dgm:txLinClrLst/>
+    <dgm:txFillClrLst meth="repeat">
+      <a:schemeClr val="dk1"/>
+    </dgm:txFillClrLst>
+    <dgm:txEffectClrLst/>
+  </dgm:styleLbl>
+  <dgm:styleLbl name="bgAcc1">
+    <dgm:fillClrLst meth="repeat">
+      <a:schemeClr val="lt1">
+        <a:alpha val="90000"/>
+      </a:schemeClr>
+    </dgm:fillClrLst>
+    <dgm:linClrLst meth="repeat">
+      <a:schemeClr val="accent1"/>
+    </dgm:linClrLst>
+    <dgm:effectClrLst/>
+    <dgm:txLinClrLst/>
+    <dgm:txFillClrLst meth="repeat">
+      <a:schemeClr val="dk1"/>
+    </dgm:txFillClrLst>
+    <dgm:txEffectClrLst/>
+  </dgm:styleLbl>
+  <dgm:styleLbl name="solidFgAcc1">
+    <dgm:fillClrLst meth="repeat">
+      <a:schemeClr val="lt1"/>
+    </dgm:fillClrLst>
+    <dgm:linClrLst meth="repeat">
+      <a:schemeClr val="accent1"/>
+    </dgm:linClrLst>
+    <dgm:effectClrLst/>
+    <dgm:txLinClrLst/>
+    <dgm:txFillClrLst meth="repeat">
+      <a:schemeClr val="dk1"/>
+    </dgm:txFillClrLst>
+    <dgm:txEffectClrLst/>
+  </dgm:styleLbl>
+  <dgm:styleLbl name="solidAlignAcc1">
+    <dgm:fillClrLst meth="repeat">
+      <a:schemeClr val="lt1"/>
+    </dgm:fillClrLst>
+    <dgm:linClrLst meth="repeat">
+      <a:schemeClr val="accent1"/>
+    </dgm:linClrLst>
+    <dgm:effectClrLst/>
+    <dgm:txLinClrLst/>
+    <dgm:txFillClrLst meth="repeat">
+      <a:schemeClr val="dk1"/>
+    </dgm:txFillClrLst>
+    <dgm:txEffectClrLst/>
+  </dgm:styleLbl>
+  <dgm:styleLbl name="solidBgAcc1">
+    <dgm:fillClrLst meth="repeat">
+      <a:schemeClr val="lt1"/>
+    </dgm:fillClrLst>
+    <dgm:linClrLst meth="repeat">
+      <a:schemeClr val="accent1"/>
+    </dgm:linClrLst>
+    <dgm:effectClrLst/>
+    <dgm:txLinClrLst/>
+    <dgm:txFillClrLst meth="repeat">
+      <a:schemeClr val="dk1"/>
+    </dgm:txFillClrLst>
+    <dgm:txEffectClrLst/>
+  </dgm:styleLbl>
+  <dgm:styleLbl name="fgAccFollowNode1">
+    <dgm:fillClrLst meth="repeat">
+      <a:schemeClr val="accent1">
+        <a:alpha val="90000"/>
+        <a:tint val="40000"/>
+      </a:schemeClr>
+    </dgm:fillClrLst>
+    <dgm:linClrLst meth="repeat">
+      <a:schemeClr val="accent1">
+        <a:alpha val="90000"/>
+        <a:tint val="40000"/>
+      </a:schemeClr>
+    </dgm:linClrLst>
+    <dgm:effectClrLst/>
+    <dgm:txLinClrLst/>
+    <dgm:txFillClrLst meth="repeat">
+      <a:schemeClr val="dk1"/>
+    </dgm:txFillClrLst>
+    <dgm:txEffectClrLst/>
+  </dgm:styleLbl>
+  <dgm:styleLbl name="alignAccFollowNode1">
+    <dgm:fillClrLst meth="repeat">
+      <a:schemeClr val="accent1">
+        <a:alpha val="90000"/>
+        <a:tint val="40000"/>
+      </a:schemeClr>
+    </dgm:fillClrLst>
+    <dgm:linClrLst meth="repeat">
+      <a:schemeClr val="accent1">
+        <a:alpha val="90000"/>
+        <a:tint val="40000"/>
+      </a:schemeClr>
+    </dgm:linClrLst>
+    <dgm:effectClrLst/>
+    <dgm:txLinClrLst/>
+    <dgm:txFillClrLst meth="repeat">
+      <a:schemeClr val="dk1"/>
+    </dgm:txFillClrLst>
+    <dgm:txEffectClrLst/>
+  </dgm:styleLbl>
+  <dgm:styleLbl name="bgAccFollowNode1">
+    <dgm:fillClrLst meth="repeat">
+      <a:schemeClr val="accent1">
+        <a:alpha val="90000"/>
+        <a:tint val="40000"/>
+      </a:schemeClr>
+    </dgm:fillClrLst>
+    <dgm:linClrLst meth="repeat">
+      <a:schemeClr val="accent1">
+        <a:alpha val="90000"/>
+        <a:tint val="40000"/>
+      </a:schemeClr>
+    </dgm:linClrLst>
+    <dgm:effectClrLst/>
+    <dgm:txLinClrLst/>
+    <dgm:txFillClrLst meth="repeat">
+      <a:schemeClr val="dk1"/>
+    </dgm:txFillClrLst>
+    <dgm:txEffectClrLst/>
+  </dgm:styleLbl>
+  <dgm:styleLbl name="fgAcc0">
+    <dgm:fillClrLst meth="repeat">
+      <a:schemeClr val="lt1">
+        <a:alpha val="90000"/>
+      </a:schemeClr>
+    </dgm:fillClrLst>
+    <dgm:linClrLst meth="repeat">
+      <a:schemeClr val="accent1"/>
+    </dgm:linClrLst>
+    <dgm:effectClrLst/>
+    <dgm:txLinClrLst/>
+    <dgm:txFillClrLst meth="repeat">
+      <a:schemeClr val="dk1"/>
+    </dgm:txFillClrLst>
+    <dgm:txEffectClrLst/>
+  </dgm:styleLbl>
+  <dgm:styleLbl name="fgAcc2">
+    <dgm:fillClrLst meth="repeat">
+      <a:schemeClr val="lt1">
+        <a:alpha val="90000"/>
+      </a:schemeClr>
+    </dgm:fillClrLst>
+    <dgm:linClrLst meth="repeat">
+      <a:schemeClr val="accent1"/>
+    </dgm:linClrLst>
+    <dgm:effectClrLst/>
+    <dgm:txLinClrLst/>
+    <dgm:txFillClrLst meth="repeat">
+      <a:schemeClr val="dk1"/>
+    </dgm:txFillClrLst>
+    <dgm:txEffectClrLst/>
+  </dgm:styleLbl>
+  <dgm:styleLbl name="fgAcc3">
+    <dgm:fillClrLst meth="repeat">
+      <a:schemeClr val="lt1">
+        <a:alpha val="90000"/>
+      </a:schemeClr>
+    </dgm:fillClrLst>
+    <dgm:linClrLst meth="repeat">
+      <a:schemeClr val="accent1"/>
+    </dgm:linClrLst>
+    <dgm:effectClrLst/>
+    <dgm:txLinClrLst/>
+    <dgm:txFillClrLst meth="repeat">
+      <a:schemeClr val="dk1"/>
+    </dgm:txFillClrLst>
+    <dgm:txEffectClrLst/>
+  </dgm:styleLbl>
+  <dgm:styleLbl name="fgAcc4">
+    <dgm:fillClrLst meth="repeat">
+      <a:schemeClr val="lt1">
+        <a:alpha val="90000"/>
+      </a:schemeClr>
+    </dgm:fillClrLst>
+    <dgm:linClrLst meth="repeat">
+      <a:schemeClr val="accent1"/>
+    </dgm:linClrLst>
+    <dgm:effectClrLst/>
+    <dgm:txLinClrLst/>
+    <dgm:txFillClrLst meth="repeat">
+      <a:schemeClr val="dk1"/>
+    </dgm:txFillClrLst>
+    <dgm:txEffectClrLst/>
+  </dgm:styleLbl>
+  <dgm:styleLbl name="bgShp">
+    <dgm:fillClrLst meth="repeat">
+      <a:schemeClr val="accent1">
+        <a:tint val="40000"/>
+      </a:schemeClr>
+    </dgm:fillClrLst>
+    <dgm:linClrLst meth="repeat">
+      <a:schemeClr val="accent1"/>
+    </dgm:linClrLst>
+    <dgm:effectClrLst/>
+    <dgm:txLinClrLst/>
+    <dgm:txFillClrLst meth="repeat">
+      <a:schemeClr val="dk1"/>
+    </dgm:txFillClrLst>
+    <dgm:txEffectClrLst/>
+  </dgm:styleLbl>
+  <dgm:styleLbl name="dkBgShp">
+    <dgm:fillClrLst meth="repeat">
+      <a:schemeClr val="accent1">
+        <a:shade val="80000"/>
+      </a:schemeClr>
+    </dgm:fillClrLst>
+    <dgm:linClrLst meth="repeat">
+      <a:schemeClr val="accent1"/>
+    </dgm:linClrLst>
+    <dgm:effectClrLst/>
+    <dgm:txLinClrLst/>
+    <dgm:txFillClrLst meth="repeat">
+      <a:schemeClr val="lt1"/>
+    </dgm:txFillClrLst>
+    <dgm:txEffectClrLst/>
+  </dgm:styleLbl>
+  <dgm:styleLbl name="trBgShp">
+    <dgm:fillClrLst meth="repeat">
+      <a:schemeClr val="accent1">
+        <a:tint val="50000"/>
+        <a:alpha val="40000"/>
+      </a:schemeClr>
+    </dgm:fillClrLst>
+    <dgm:linClrLst meth="repeat">
+      <a:schemeClr val="accent1"/>
+    </dgm:linClrLst>
+    <dgm:effectClrLst/>
+    <dgm:txLinClrLst/>
+    <dgm:txFillClrLst meth="repeat">
+      <a:schemeClr val="lt1"/>
+    </dgm:txFillClrLst>
+    <dgm:txEffectClrLst/>
+  </dgm:styleLbl>
+  <dgm:styleLbl name="fgShp">
+    <dgm:fillClrLst meth="repeat">
+      <a:schemeClr val="accent1">
+        <a:tint val="60000"/>
+      </a:schemeClr>
+    </dgm:fillClrLst>
+    <dgm:linClrLst meth="repeat">
+      <a:schemeClr val="lt1"/>
+    </dgm:linClrLst>
+    <dgm:effectClrLst/>
+    <dgm:txLinClrLst/>
+    <dgm:txFillClrLst meth="repeat">
+      <a:schemeClr val="dk1"/>
+    </dgm:txFillClrLst>
+    <dgm:txEffectClrLst/>
+  </dgm:styleLbl>
+  <dgm:styleLbl name="revTx">
+    <dgm:fillClrLst meth="repeat">
+      <a:schemeClr val="lt1">
+        <a:alpha val="0"/>
+      </a:schemeClr>
+    </dgm:fillClrLst>
+    <dgm:linClrLst meth="repeat">
+      <a:schemeClr val="dk1">
+        <a:alpha val="0"/>
+      </a:schemeClr>
+    </dgm:linClrLst>
+    <dgm:effectClrLst/>
+    <dgm:txLinClrLst/>
+    <dgm:txFillClrLst meth="repeat">
+      <a:schemeClr val="tx1"/>
+    </dgm:txFillClrLst>
+    <dgm:txEffectClrLst/>
+  </dgm:styleLbl>
+</dgm:colorsDef>
+</file>
+
+<file path=ppt/diagrams/colors2.xml><?xml version="1.0" encoding="utf-8"?>
+<dgm:colorsDef xmlns:dgm="http://schemas.openxmlformats.org/drawingml/2006/diagram" xmlns:a="http://schemas.openxmlformats.org/drawingml/2006/main" uniqueId="urn:microsoft.com/office/officeart/2005/8/colors/accent2_1">
+  <dgm:title val=""/>
+  <dgm:desc val=""/>
+  <dgm:catLst>
+    <dgm:cat type="accent2" pri="11100"/>
+  </dgm:catLst>
+  <dgm:styleLbl name="node0">
+    <dgm:fillClrLst meth="repeat">
+      <a:schemeClr val="lt1"/>
+    </dgm:fillClrLst>
+    <dgm:linClrLst meth="repeat">
+      <a:schemeClr val="accent2">
+        <a:shade val="80000"/>
+      </a:schemeClr>
+    </dgm:linClrLst>
+    <dgm:effectClrLst/>
+    <dgm:txLinClrLst/>
+    <dgm:txFillClrLst meth="repeat">
+      <a:schemeClr val="dk1"/>
+    </dgm:txFillClrLst>
+    <dgm:txEffectClrLst/>
+  </dgm:styleLbl>
+  <dgm:styleLbl name="node1">
+    <dgm:fillClrLst meth="repeat">
+      <a:schemeClr val="lt1"/>
+    </dgm:fillClrLst>
+    <dgm:linClrLst meth="repeat">
+      <a:schemeClr val="accent2">
+        <a:shade val="80000"/>
+      </a:schemeClr>
+    </dgm:linClrLst>
+    <dgm:effectClrLst/>
+    <dgm:txLinClrLst/>
+    <dgm:txFillClrLst meth="repeat">
+      <a:schemeClr val="dk1"/>
+    </dgm:txFillClrLst>
+    <dgm:txEffectClrLst/>
+  </dgm:styleLbl>
+  <dgm:styleLbl name="alignNode1">
+    <dgm:fillClrLst meth="repeat">
+      <a:schemeClr val="lt1"/>
+    </dgm:fillClrLst>
+    <dgm:linClrLst meth="repeat">
+      <a:schemeClr val="accent2">
+        <a:shade val="80000"/>
+      </a:schemeClr>
+    </dgm:linClrLst>
+    <dgm:effectClrLst/>
+    <dgm:txLinClrLst/>
+    <dgm:txFillClrLst meth="repeat">
+      <a:schemeClr val="dk1"/>
+    </dgm:txFillClrLst>
+    <dgm:txEffectClrLst/>
+  </dgm:styleLbl>
+  <dgm:styleLbl name="lnNode1">
+    <dgm:fillClrLst meth="repeat">
+      <a:schemeClr val="lt1"/>
+    </dgm:fillClrLst>
+    <dgm:linClrLst meth="repeat">
+      <a:schemeClr val="accent2">
+        <a:shade val="80000"/>
+      </a:schemeClr>
+    </dgm:linClrLst>
+    <dgm:effectClrLst/>
+    <dgm:txLinClrLst/>
+    <dgm:txFillClrLst meth="repeat">
+      <a:schemeClr val="dk1"/>
+    </dgm:txFillClrLst>
+    <dgm:txEffectClrLst/>
+  </dgm:styleLbl>
+  <dgm:styleLbl name="vennNode1">
+    <dgm:fillClrLst meth="repeat">
+      <a:schemeClr val="lt1">
+        <a:alpha val="50000"/>
+      </a:schemeClr>
+    </dgm:fillClrLst>
+    <dgm:linClrLst meth="repeat">
+      <a:schemeClr val="accent2">
+        <a:shade val="80000"/>
+      </a:schemeClr>
+    </dgm:linClrLst>
+    <dgm:effectClrLst/>
+    <dgm:txLinClrLst/>
+    <dgm:txFillClrLst/>
+    <dgm:txEffectClrLst/>
+  </dgm:styleLbl>
+  <dgm:styleLbl name="node2">
+    <dgm:fillClrLst meth="repeat">
+      <a:schemeClr val="lt1"/>
+    </dgm:fillClrLst>
+    <dgm:linClrLst meth="repeat">
+      <a:schemeClr val="accent2">
+        <a:shade val="80000"/>
+      </a:schemeClr>
+    </dgm:linClrLst>
+    <dgm:effectClrLst/>
+    <dgm:txLinClrLst/>
+    <dgm:txFillClrLst meth="repeat">
+      <a:schemeClr val="dk1"/>
+    </dgm:txFillClrLst>
+    <dgm:txEffectClrLst/>
+  </dgm:styleLbl>
+  <dgm:styleLbl name="node3">
+    <dgm:fillClrLst meth="repeat">
+      <a:schemeClr val="lt1"/>
+    </dgm:fillClrLst>
+    <dgm:linClrLst meth="repeat">
+      <a:schemeClr val="accent2">
+        <a:shade val="80000"/>
+      </a:schemeClr>
+    </dgm:linClrLst>
+    <dgm:effectClrLst/>
+    <dgm:txLinClrLst/>
+    <dgm:txFillClrLst meth="repeat">
+      <a:schemeClr val="dk1"/>
+    </dgm:txFillClrLst>
+    <dgm:txEffectClrLst/>
+  </dgm:styleLbl>
+  <dgm:styleLbl name="node4">
+    <dgm:fillClrLst meth="repeat">
+      <a:schemeClr val="lt1"/>
+    </dgm:fillClrLst>
+    <dgm:linClrLst meth="repeat">
+      <a:schemeClr val="accent2">
+        <a:shade val="80000"/>
+      </a:schemeClr>
+    </dgm:linClrLst>
+    <dgm:effectClrLst/>
+    <dgm:txLinClrLst/>
+    <dgm:txFillClrLst meth="repeat">
+      <a:schemeClr val="dk1"/>
+    </dgm:txFillClrLst>
+    <dgm:txEffectClrLst/>
+  </dgm:styleLbl>
+  <dgm:styleLbl name="fgImgPlace1">
+    <dgm:fillClrLst meth="repeat">
+      <a:schemeClr val="accent2">
+        <a:tint val="40000"/>
+      </a:schemeClr>
+    </dgm:fillClrLst>
+    <dgm:linClrLst meth="repeat">
+      <a:schemeClr val="accent2">
+        <a:shade val="80000"/>
+      </a:schemeClr>
+    </dgm:linClrLst>
+    <dgm:effectClrLst/>
+    <dgm:txLinClrLst/>
+    <dgm:txFillClrLst meth="repeat">
+      <a:schemeClr val="lt1"/>
+    </dgm:txFillClrLst>
+    <dgm:txEffectClrLst/>
+  </dgm:styleLbl>
+  <dgm:styleLbl name="alignImgPlace1">
+    <dgm:fillClrLst meth="repeat">
+      <a:schemeClr val="accent2">
+        <a:tint val="40000"/>
+      </a:schemeClr>
+    </dgm:fillClrLst>
+    <dgm:linClrLst meth="repeat">
+      <a:schemeClr val="accent2">
+        <a:shade val="80000"/>
+      </a:schemeClr>
+    </dgm:linClrLst>
+    <dgm:effectClrLst/>
+    <dgm:txLinClrLst/>
+    <dgm:txFillClrLst meth="repeat">
+      <a:schemeClr val="lt1"/>
+    </dgm:txFillClrLst>
+    <dgm:txEffectClrLst/>
+  </dgm:styleLbl>
+  <dgm:styleLbl name="bgImgPlace1">
+    <dgm:fillClrLst meth="repeat">
+      <a:schemeClr val="accent2">
+        <a:tint val="40000"/>
+      </a:schemeClr>
+    </dgm:fillClrLst>
+    <dgm:linClrLst meth="repeat">
+      <a:schemeClr val="accent2">
+        <a:shade val="80000"/>
+      </a:schemeClr>
+    </dgm:linClrLst>
+    <dgm:effectClrLst/>
+    <dgm:txLinClrLst/>
+    <dgm:txFillClrLst meth="repeat">
+      <a:schemeClr val="lt1"/>
+    </dgm:txFillClrLst>
+    <dgm:txEffectClrLst/>
+  </dgm:styleLbl>
+  <dgm:styleLbl name="sibTrans2D1">
+    <dgm:fillClrLst meth="repeat">
+      <a:schemeClr val="accent2">
+        <a:tint val="60000"/>
+      </a:schemeClr>
+    </dgm:fillClrLst>
+    <dgm:linClrLst meth="repeat">
+      <a:schemeClr val="accent2">
+        <a:tint val="60000"/>
+      </a:schemeClr>
+    </dgm:linClrLst>
+    <dgm:effectClrLst/>
+    <dgm:txLinClrLst/>
+    <dgm:txFillClrLst meth="repeat">
+      <a:schemeClr val="dk1"/>
+    </dgm:txFillClrLst>
+    <dgm:txEffectClrLst/>
+  </dgm:styleLbl>
+  <dgm:styleLbl name="fgSibTrans2D1">
+    <dgm:fillClrLst meth="repeat">
+      <a:schemeClr val="accent2">
+        <a:tint val="60000"/>
+      </a:schemeClr>
+    </dgm:fillClrLst>
+    <dgm:linClrLst meth="repeat">
+      <a:schemeClr val="accent2">
+        <a:tint val="60000"/>
+      </a:schemeClr>
+    </dgm:linClrLst>
+    <dgm:effectClrLst/>
+    <dgm:txLinClrLst/>
+    <dgm:txFillClrLst meth="repeat">
+      <a:schemeClr val="dk1"/>
+    </dgm:txFillClrLst>
+    <dgm:txEffectClrLst/>
+  </dgm:styleLbl>
+  <dgm:styleLbl name="bgSibTrans2D1">
+    <dgm:fillClrLst meth="repeat">
+      <a:schemeClr val="accent2">
+        <a:tint val="60000"/>
+      </a:schemeClr>
+    </dgm:fillClrLst>
+    <dgm:linClrLst meth="repeat">
+      <a:schemeClr val="accent2">
+        <a:tint val="60000"/>
+      </a:schemeClr>
+    </dgm:linClrLst>
+    <dgm:effectClrLst/>
+    <dgm:txLinClrLst/>
+    <dgm:txFillClrLst meth="repeat">
+      <a:schemeClr val="dk1"/>
+    </dgm:txFillClrLst>
+    <dgm:txEffectClrLst/>
+  </dgm:styleLbl>
+  <dgm:styleLbl name="sibTrans1D1">
+    <dgm:fillClrLst meth="repeat">
+      <a:schemeClr val="accent2"/>
+    </dgm:fillClrLst>
+    <dgm:linClrLst meth="repeat">
+      <a:schemeClr val="accent2"/>
+    </dgm:linClrLst>
+    <dgm:effectClrLst/>
+    <dgm:txLinClrLst/>
+    <dgm:txFillClrLst meth="repeat">
+      <a:schemeClr val="tx1"/>
+    </dgm:txFillClrLst>
+    <dgm:txEffectClrLst/>
+  </dgm:styleLbl>
+  <dgm:styleLbl name="callout">
+    <dgm:fillClrLst meth="repeat">
+      <a:schemeClr val="accent2"/>
+    </dgm:fillClrLst>
+    <dgm:linClrLst meth="repeat">
+      <a:schemeClr val="accent2"/>
+    </dgm:linClrLst>
+    <dgm:effectClrLst/>
+    <dgm:txLinClrLst/>
+    <dgm:txFillClrLst meth="repeat">
+      <a:schemeClr val="tx1"/>
+    </dgm:txFillClrLst>
+    <dgm:txEffectClrLst/>
+  </dgm:styleLbl>
+  <dgm:styleLbl name="asst0">
+    <dgm:fillClrLst meth="repeat">
+      <a:schemeClr val="lt1"/>
+    </dgm:fillClrLst>
+    <dgm:linClrLst meth="repeat">
+      <a:schemeClr val="accent2">
+        <a:shade val="80000"/>
+      </a:schemeClr>
+    </dgm:linClrLst>
+    <dgm:effectClrLst/>
+    <dgm:txLinClrLst/>
+    <dgm:txFillClrLst meth="repeat">
+      <a:schemeClr val="dk1"/>
+    </dgm:txFillClrLst>
+    <dgm:txEffectClrLst/>
+  </dgm:styleLbl>
+  <dgm:styleLbl name="asst1">
+    <dgm:fillClrLst meth="repeat">
+      <a:schemeClr val="lt1"/>
+    </dgm:fillClrLst>
+    <dgm:linClrLst meth="repeat">
+      <a:schemeClr val="accent2">
+        <a:shade val="80000"/>
+      </a:schemeClr>
+    </dgm:linClrLst>
+    <dgm:effectClrLst/>
+    <dgm:txLinClrLst/>
+    <dgm:txFillClrLst meth="repeat">
+      <a:schemeClr val="dk1"/>
+    </dgm:txFillClrLst>
+    <dgm:txEffectClrLst/>
+  </dgm:styleLbl>
+  <dgm:styleLbl name="asst2">
+    <dgm:fillClrLst meth="repeat">
+      <a:schemeClr val="lt1"/>
+    </dgm:fillClrLst>
+    <dgm:linClrLst meth="repeat">
+      <a:schemeClr val="accent2">
+        <a:shade val="80000"/>
+      </a:schemeClr>
+    </dgm:linClrLst>
+    <dgm:effectClrLst/>
+    <dgm:txLinClrLst/>
+    <dgm:txFillClrLst meth="repeat">
+      <a:schemeClr val="dk1"/>
+    </dgm:txFillClrLst>
+    <dgm:txEffectClrLst/>
+  </dgm:styleLbl>
+  <dgm:styleLbl name="asst3">
+    <dgm:fillClrLst meth="repeat">
+      <a:schemeClr val="lt1"/>
+    </dgm:fillClrLst>
+    <dgm:linClrLst meth="repeat">
+      <a:schemeClr val="accent2">
+        <a:shade val="80000"/>
+      </a:schemeClr>
+    </dgm:linClrLst>
+    <dgm:effectClrLst/>
+    <dgm:txLinClrLst/>
+    <dgm:txFillClrLst meth="repeat">
+      <a:schemeClr val="dk1"/>
+    </dgm:txFillClrLst>
+    <dgm:txEffectClrLst/>
+  </dgm:styleLbl>
+  <dgm:styleLbl name="asst4">
+    <dgm:fillClrLst meth="repeat">
+      <a:schemeClr val="lt1"/>
+    </dgm:fillClrLst>
+    <dgm:linClrLst meth="repeat">
+      <a:schemeClr val="accent2">
+        <a:shade val="80000"/>
+      </a:schemeClr>
+    </dgm:linClrLst>
+    <dgm:effectClrLst/>
+    <dgm:txLinClrLst/>
+    <dgm:txFillClrLst meth="repeat">
+      <a:schemeClr val="dk1"/>
+    </dgm:txFillClrLst>
+    <dgm:txEffectClrLst/>
+  </dgm:styleLbl>
+  <dgm:styleLbl name="parChTrans2D1">
+    <dgm:fillClrLst meth="repeat">
+      <a:schemeClr val="accent2">
+        <a:tint val="60000"/>
+      </a:schemeClr>
+    </dgm:fillClrLst>
+    <dgm:linClrLst meth="repeat">
+      <a:schemeClr val="accent2">
+        <a:tint val="60000"/>
+      </a:schemeClr>
+    </dgm:linClrLst>
+    <dgm:effectClrLst/>
+    <dgm:txLinClrLst/>
+    <dgm:txFillClrLst/>
+    <dgm:txEffectClrLst/>
+  </dgm:styleLbl>
+  <dgm:styleLbl name="parChTrans2D2">
+    <dgm:fillClrLst meth="repeat">
+      <a:schemeClr val="accent2"/>
+    </dgm:fillClrLst>
+    <dgm:linClrLst meth="repeat">
+      <a:schemeClr val="accent2"/>
+    </dgm:linClrLst>
+    <dgm:effectClrLst/>
+    <dgm:txLinClrLst/>
+    <dgm:txFillClrLst/>
+    <dgm:txEffectClrLst/>
+  </dgm:styleLbl>
+  <dgm:styleLbl name="parChTrans2D3">
+    <dgm:fillClrLst meth="repeat">
+      <a:schemeClr val="accent2"/>
+    </dgm:fillClrLst>
+    <dgm:linClrLst meth="repeat">
+      <a:schemeClr val="accent2"/>
+    </dgm:linClrLst>
+    <dgm:effectClrLst/>
+    <dgm:txLinClrLst/>
+    <dgm:txFillClrLst/>
+    <dgm:txEffectClrLst/>
+  </dgm:styleLbl>
+  <dgm:styleLbl name="parChTrans2D4">
+    <dgm:fillClrLst meth="repeat">
+      <a:schemeClr val="accent2"/>
+    </dgm:fillClrLst>
+    <dgm:linClrLst meth="repeat">
+      <a:schemeClr val="accent2"/>
+    </dgm:linClrLst>
+    <dgm:effectClrLst/>
+    <dgm:txLinClrLst/>
+    <dgm:txFillClrLst meth="repeat">
+      <a:schemeClr val="lt1"/>
+    </dgm:txFillClrLst>
+    <dgm:txEffectClrLst/>
+  </dgm:styleLbl>
+  <dgm:styleLbl name="parChTrans1D1">
+    <dgm:fillClrLst meth="repeat">
+      <a:schemeClr val="accent2"/>
+    </dgm:fillClrLst>
+    <dgm:linClrLst meth="repeat">
+      <a:schemeClr val="accent2">
+        <a:shade val="60000"/>
+      </a:schemeClr>
+    </dgm:linClrLst>
+    <dgm:effectClrLst/>
+    <dgm:txLinClrLst/>
+    <dgm:txFillClrLst meth="repeat">
+      <a:schemeClr val="tx1"/>
+    </dgm:txFillClrLst>
+    <dgm:txEffectClrLst/>
+  </dgm:styleLbl>
+  <dgm:styleLbl name="parChTrans1D2">
+    <dgm:fillClrLst meth="repeat">
+      <a:schemeClr val="accent2"/>
+    </dgm:fillClrLst>
+    <dgm:linClrLst meth="repeat">
+      <a:schemeClr val="accent2">
+        <a:shade val="60000"/>
+      </a:schemeClr>
+    </dgm:linClrLst>
+    <dgm:effectClrLst/>
+    <dgm:txLinClrLst/>
+    <dgm:txFillClrLst meth="repeat">
+      <a:schemeClr val="tx1"/>
+    </dgm:txFillClrLst>
+    <dgm:txEffectClrLst/>
+  </dgm:styleLbl>
+  <dgm:styleLbl name="parChTrans1D3">
+    <dgm:fillClrLst meth="repeat">
+      <a:schemeClr val="accent2"/>
+    </dgm:fillClrLst>
+    <dgm:linClrLst meth="repeat">
+      <a:schemeClr val="accent2">
+        <a:shade val="80000"/>
+      </a:schemeClr>
+    </dgm:linClrLst>
+    <dgm:effectClrLst/>
+    <dgm:txLinClrLst/>
+    <dgm:txFillClrLst meth="repeat">
+      <a:schemeClr val="tx1"/>
+    </dgm:txFillClrLst>
+    <dgm:txEffectClrLst/>
+  </dgm:styleLbl>
+  <dgm:styleLbl name="parChTrans1D4">
+    <dgm:fillClrLst meth="repeat">
+      <a:schemeClr val="accent2"/>
+    </dgm:fillClrLst>
+    <dgm:linClrLst meth="repeat">
+      <a:schemeClr val="accent2">
+        <a:shade val="80000"/>
+      </a:schemeClr>
+    </dgm:linClrLst>
+    <dgm:effectClrLst/>
+    <dgm:txLinClrLst/>
+    <dgm:txFillClrLst meth="repeat">
+      <a:schemeClr val="tx1"/>
+    </dgm:txFillClrLst>
+    <dgm:txEffectClrLst/>
+  </dgm:styleLbl>
+  <dgm:styleLbl name="fgAcc1">
+    <dgm:fillClrLst meth="repeat">
+      <a:schemeClr val="accent2">
+        <a:alpha val="90000"/>
+        <a:tint val="40000"/>
+      </a:schemeClr>
+    </dgm:fillClrLst>
+    <dgm:linClrLst meth="repeat">
+      <a:schemeClr val="accent2"/>
+    </dgm:linClrLst>
+    <dgm:effectClrLst/>
+    <dgm:txLinClrLst/>
+    <dgm:txFillClrLst meth="repeat">
+      <a:schemeClr val="dk1"/>
+    </dgm:txFillClrLst>
+    <dgm:txEffectClrLst/>
+  </dgm:styleLbl>
+  <dgm:styleLbl name="conFgAcc1">
+    <dgm:fillClrLst meth="repeat">
+      <a:schemeClr val="accent2">
+        <a:alpha val="90000"/>
+        <a:tint val="40000"/>
+      </a:schemeClr>
+    </dgm:fillClrLst>
+    <dgm:linClrLst meth="repeat">
+      <a:schemeClr val="accent2"/>
+    </dgm:linClrLst>
+    <dgm:effectClrLst/>
+    <dgm:txLinClrLst/>
+    <dgm:txFillClrLst meth="repeat">
+      <a:schemeClr val="dk1"/>
+    </dgm:txFillClrLst>
+    <dgm:txEffectClrLst/>
+  </dgm:styleLbl>
+  <dgm:styleLbl name="alignAcc1">
+    <dgm:fillClrLst meth="repeat">
+      <a:schemeClr val="accent2">
+        <a:alpha val="90000"/>
+        <a:tint val="40000"/>
+      </a:schemeClr>
+    </dgm:fillClrLst>
+    <dgm:linClrLst meth="repeat">
+      <a:schemeClr val="accent2"/>
+    </dgm:linClrLst>
+    <dgm:effectClrLst/>
+    <dgm:txLinClrLst/>
+    <dgm:txFillClrLst meth="repeat">
+      <a:schemeClr val="dk1"/>
+    </dgm:txFillClrLst>
+    <dgm:txEffectClrLst/>
+  </dgm:styleLbl>
+  <dgm:styleLbl name="trAlignAcc1">
+    <dgm:fillClrLst meth="repeat">
+      <a:schemeClr val="accent2">
+        <a:alpha val="40000"/>
+        <a:tint val="40000"/>
+      </a:schemeClr>
+    </dgm:fillClrLst>
+    <dgm:linClrLst meth="repeat">
+      <a:schemeClr val="accent2"/>
+    </dgm:linClrLst>
+    <dgm:effectClrLst/>
+    <dgm:txLinClrLst/>
+    <dgm:txFillClrLst meth="repeat">
+      <a:schemeClr val="dk1"/>
+    </dgm:txFillClrLst>
+    <dgm:txEffectClrLst/>
+  </dgm:styleLbl>
+  <dgm:styleLbl name="bgAcc1">
+    <dgm:fillClrLst meth="repeat">
+      <a:schemeClr val="accent2">
+        <a:alpha val="90000"/>
+        <a:tint val="40000"/>
+      </a:schemeClr>
+    </dgm:fillClrLst>
+    <dgm:linClrLst meth="repeat">
+      <a:schemeClr val="accent2"/>
+    </dgm:linClrLst>
+    <dgm:effectClrLst/>
+    <dgm:txLinClrLst/>
+    <dgm:txFillClrLst meth="repeat">
+      <a:schemeClr val="dk1"/>
+    </dgm:txFillClrLst>
+    <dgm:txEffectClrLst/>
+  </dgm:styleLbl>
+  <dgm:styleLbl name="solidFgAcc1">
+    <dgm:fillClrLst meth="repeat">
+      <a:schemeClr val="lt1"/>
+    </dgm:fillClrLst>
+    <dgm:linClrLst meth="repeat">
+      <a:schemeClr val="accent2"/>
+    </dgm:linClrLst>
+    <dgm:effectClrLst/>
+    <dgm:txLinClrLst/>
+    <dgm:txFillClrLst meth="repeat">
+      <a:schemeClr val="dk1"/>
+    </dgm:txFillClrLst>
+    <dgm:txEffectClrLst/>
+  </dgm:styleLbl>
+  <dgm:styleLbl name="solidAlignAcc1">
+    <dgm:fillClrLst meth="repeat">
+      <a:schemeClr val="lt1"/>
+    </dgm:fillClrLst>
+    <dgm:linClrLst meth="repeat">
+      <a:schemeClr val="accent2"/>
+    </dgm:linClrLst>
+    <dgm:effectClrLst/>
+    <dgm:txLinClrLst/>
+    <dgm:txFillClrLst meth="repeat">
+      <a:schemeClr val="dk1"/>
+    </dgm:txFillClrLst>
+    <dgm:txEffectClrLst/>
+  </dgm:styleLbl>
+  <dgm:styleLbl name="solidBgAcc1">
+    <dgm:fillClrLst meth="repeat">
+      <a:schemeClr val="lt1"/>
+    </dgm:fillClrLst>
+    <dgm:linClrLst meth="repeat">
+      <a:schemeClr val="accent2"/>
+    </dgm:linClrLst>
+    <dgm:effectClrLst/>
+    <dgm:txLinClrLst/>
+    <dgm:txFillClrLst meth="repeat">
+      <a:schemeClr val="dk1"/>
+    </dgm:txFillClrLst>
+    <dgm:txEffectClrLst/>
+  </dgm:styleLbl>
+  <dgm:styleLbl name="fgAccFollowNode1">
+    <dgm:fillClrLst meth="repeat">
+      <a:schemeClr val="lt1">
+        <a:alpha val="90000"/>
+        <a:tint val="40000"/>
+      </a:schemeClr>
+    </dgm:fillClrLst>
+    <dgm:linClrLst meth="repeat">
+      <a:schemeClr val="accent2">
+        <a:alpha val="90000"/>
+      </a:schemeClr>
+    </dgm:linClrLst>
+    <dgm:effectClrLst/>
+    <dgm:txLinClrLst/>
+    <dgm:txFillClrLst meth="repeat">
+      <a:schemeClr val="dk1"/>
+    </dgm:txFillClrLst>
+    <dgm:txEffectClrLst/>
+  </dgm:styleLbl>
+  <dgm:styleLbl name="alignAccFollowNode1">
+    <dgm:fillClrLst meth="repeat">
+      <a:schemeClr val="lt1">
+        <a:alpha val="90000"/>
+        <a:tint val="40000"/>
+      </a:schemeClr>
+    </dgm:fillClrLst>
+    <dgm:linClrLst meth="repeat">
+      <a:schemeClr val="accent2">
+        <a:alpha val="90000"/>
+      </a:schemeClr>
+    </dgm:linClrLst>
+    <dgm:effectClrLst/>
+    <dgm:txLinClrLst/>
+    <dgm:txFillClrLst meth="repeat">
+      <a:schemeClr val="dk1"/>
+    </dgm:txFillClrLst>
+    <dgm:txEffectClrLst/>
+  </dgm:styleLbl>
+  <dgm:styleLbl name="bgAccFollowNode1">
+    <dgm:fillClrLst meth="repeat">
+      <a:schemeClr val="lt1">
+        <a:alpha val="90000"/>
+        <a:tint val="40000"/>
+      </a:schemeClr>
+    </dgm:fillClrLst>
+    <dgm:linClrLst meth="repeat">
+      <a:schemeClr val="accent2">
+        <a:alpha val="90000"/>
+      </a:schemeClr>
+    </dgm:linClrLst>
+    <dgm:effectClrLst/>
+    <dgm:txLinClrLst/>
+    <dgm:txFillClrLst meth="repeat">
+      <a:schemeClr val="dk1"/>
+    </dgm:txFillClrLst>
+    <dgm:txEffectClrLst/>
+  </dgm:styleLbl>
+  <dgm:styleLbl name="fgAcc0">
+    <dgm:fillClrLst meth="repeat">
+      <a:schemeClr val="accent2">
+        <a:alpha val="90000"/>
+        <a:tint val="40000"/>
+      </a:schemeClr>
+    </dgm:fillClrLst>
+    <dgm:linClrLst meth="repeat">
+      <a:schemeClr val="accent2"/>
+    </dgm:linClrLst>
+    <dgm:effectClrLst/>
+    <dgm:txLinClrLst/>
+    <dgm:txFillClrLst meth="repeat">
+      <a:schemeClr val="dk1"/>
+    </dgm:txFillClrLst>
+    <dgm:txEffectClrLst/>
+  </dgm:styleLbl>
+  <dgm:styleLbl name="fgAcc2">
+    <dgm:fillClrLst meth="repeat">
+      <a:schemeClr val="accent2">
+        <a:alpha val="90000"/>
+        <a:tint val="40000"/>
+      </a:schemeClr>
+    </dgm:fillClrLst>
+    <dgm:linClrLst meth="repeat">
+      <a:schemeClr val="accent2"/>
+    </dgm:linClrLst>
+    <dgm:effectClrLst/>
+    <dgm:txLinClrLst/>
+    <dgm:txFillClrLst meth="repeat">
+      <a:schemeClr val="dk1"/>
+    </dgm:txFillClrLst>
+    <dgm:txEffectClrLst/>
+  </dgm:styleLbl>
+  <dgm:styleLbl name="fgAcc3">
+    <dgm:fillClrLst meth="repeat">
+      <a:schemeClr val="accent2">
+        <a:alpha val="90000"/>
+        <a:tint val="40000"/>
+      </a:schemeClr>
+    </dgm:fillClrLst>
+    <dgm:linClrLst meth="repeat">
+      <a:schemeClr val="accent2"/>
+    </dgm:linClrLst>
+    <dgm:effectClrLst/>
+    <dgm:txLinClrLst/>
+    <dgm:txFillClrLst meth="repeat">
+      <a:schemeClr val="dk1"/>
+    </dgm:txFillClrLst>
+    <dgm:txEffectClrLst/>
+  </dgm:styleLbl>
+  <dgm:styleLbl name="fgAcc4">
+    <dgm:fillClrLst meth="repeat">
+      <a:schemeClr val="accent2">
+        <a:alpha val="90000"/>
+        <a:tint val="40000"/>
+      </a:schemeClr>
+    </dgm:fillClrLst>
+    <dgm:linClrLst meth="repeat">
+      <a:schemeClr val="accent2"/>
+    </dgm:linClrLst>
+    <dgm:effectClrLst/>
+    <dgm:txLinClrLst/>
+    <dgm:txFillClrLst meth="repeat">
+      <a:schemeClr val="dk1"/>
+    </dgm:txFillClrLst>
+    <dgm:txEffectClrLst/>
+  </dgm:styleLbl>
+  <dgm:styleLbl name="bgShp">
+    <dgm:fillClrLst meth="repeat">
+      <a:schemeClr val="accent2">
+        <a:tint val="40000"/>
+      </a:schemeClr>
+    </dgm:fillClrLst>
+    <dgm:linClrLst meth="repeat">
+      <a:schemeClr val="accent2"/>
+    </dgm:linClrLst>
+    <dgm:effectClrLst/>
+    <dgm:txLinClrLst/>
+    <dgm:txFillClrLst meth="repeat">
+      <a:schemeClr val="dk1"/>
+    </dgm:txFillClrLst>
+    <dgm:txEffectClrLst/>
+  </dgm:styleLbl>
+  <dgm:styleLbl name="dkBgShp">
+    <dgm:fillClrLst meth="repeat">
+      <a:schemeClr val="accent2">
+        <a:shade val="80000"/>
+      </a:schemeClr>
+    </dgm:fillClrLst>
+    <dgm:linClrLst meth="repeat">
+      <a:schemeClr val="accent2"/>
+    </dgm:linClrLst>
+    <dgm:effectClrLst/>
+    <dgm:txLinClrLst/>
+    <dgm:txFillClrLst meth="repeat">
+      <a:schemeClr val="lt1"/>
+    </dgm:txFillClrLst>
+    <dgm:txEffectClrLst/>
+  </dgm:styleLbl>
+  <dgm:styleLbl name="trBgShp">
+    <dgm:fillClrLst meth="repeat">
+      <a:schemeClr val="accent2">
+        <a:tint val="50000"/>
+        <a:alpha val="40000"/>
+      </a:schemeClr>
+    </dgm:fillClrLst>
+    <dgm:linClrLst meth="repeat">
+      <a:schemeClr val="accent2"/>
+    </dgm:linClrLst>
+    <dgm:effectClrLst/>
+    <dgm:txLinClrLst/>
+    <dgm:txFillClrLst meth="repeat">
+      <a:schemeClr val="lt1"/>
+    </dgm:txFillClrLst>
+    <dgm:txEffectClrLst/>
+  </dgm:styleLbl>
+  <dgm:styleLbl name="fgShp">
+    <dgm:fillClrLst meth="repeat">
+      <a:schemeClr val="accent2">
+        <a:tint val="60000"/>
+      </a:schemeClr>
+    </dgm:fillClrLst>
+    <dgm:linClrLst meth="repeat">
+      <a:schemeClr val="lt1"/>
+    </dgm:linClrLst>
+    <dgm:effectClrLst/>
+    <dgm:txLinClrLst/>
+    <dgm:txFillClrLst meth="repeat">
+      <a:schemeClr val="dk1"/>
+    </dgm:txFillClrLst>
+    <dgm:txEffectClrLst/>
+  </dgm:styleLbl>
+  <dgm:styleLbl name="revTx">
+    <dgm:fillClrLst meth="repeat">
+      <a:schemeClr val="lt1">
+        <a:alpha val="0"/>
+      </a:schemeClr>
+    </dgm:fillClrLst>
+    <dgm:linClrLst meth="repeat">
+      <a:schemeClr val="dk1">
+        <a:alpha val="0"/>
+      </a:schemeClr>
+    </dgm:linClrLst>
+    <dgm:effectClrLst/>
+    <dgm:txLinClrLst/>
+    <dgm:txFillClrLst meth="repeat">
+      <a:schemeClr val="tx1"/>
+    </dgm:txFillClrLst>
+    <dgm:txEffectClrLst/>
+  </dgm:styleLbl>
+</dgm:colorsDef>
+</file>
+
+<file path=ppt/diagrams/data1.xml><?xml version="1.0" encoding="utf-8"?>
+<dgm:dataModel xmlns:dgm="http://schemas.openxmlformats.org/drawingml/2006/diagram" xmlns:a="http://schemas.openxmlformats.org/drawingml/2006/main">
+  <dgm:ptLst>
+    <dgm:pt modelId="{739AC528-84CD-4C4C-9AAA-944987E13663}" type="doc">
+      <dgm:prSet loTypeId="urn:microsoft.com/office/officeart/2005/8/layout/list1" loCatId="list" qsTypeId="urn:microsoft.com/office/officeart/2005/8/quickstyle/simple1" qsCatId="simple" csTypeId="urn:microsoft.com/office/officeart/2005/8/colors/accent1_2" csCatId="accent1" phldr="1"/>
+      <dgm:spPr/>
+      <dgm:t>
+        <a:bodyPr/>
+        <a:lstStyle/>
+        <a:p>
+          <a:endParaRPr lang="pt-BR"/>
+        </a:p>
+      </dgm:t>
+    </dgm:pt>
+    <dgm:pt modelId="{64726959-BFCF-468E-8583-201CF07ACAB4}">
+      <dgm:prSet phldrT="[Texto]"/>
+      <dgm:spPr/>
+      <dgm:t>
+        <a:bodyPr/>
+        <a:lstStyle/>
+        <a:p>
+          <a:r>
+            <a:rPr lang="pt-BR" dirty="0" smtClean="0"/>
+            <a:t>Dinamização de registro de atividades</a:t>
+          </a:r>
+          <a:endParaRPr lang="pt-BR" dirty="0"/>
+        </a:p>
+      </dgm:t>
+    </dgm:pt>
+    <dgm:pt modelId="{1621746A-50DC-494D-BB5D-7D8ADC851307}" type="parTrans" cxnId="{B7B87462-1DAB-4820-9D8D-39215A0FD83D}">
+      <dgm:prSet/>
+      <dgm:spPr/>
+      <dgm:t>
+        <a:bodyPr/>
+        <a:lstStyle/>
+        <a:p>
+          <a:endParaRPr lang="pt-BR"/>
+        </a:p>
+      </dgm:t>
+    </dgm:pt>
+    <dgm:pt modelId="{8835803B-4868-4BFF-8B3A-814A6D4954C8}" type="sibTrans" cxnId="{B7B87462-1DAB-4820-9D8D-39215A0FD83D}">
+      <dgm:prSet/>
+      <dgm:spPr/>
+      <dgm:t>
+        <a:bodyPr/>
+        <a:lstStyle/>
+        <a:p>
+          <a:endParaRPr lang="pt-BR"/>
+        </a:p>
+      </dgm:t>
+    </dgm:pt>
+    <dgm:pt modelId="{EBE94DE7-18A9-4985-A440-D262D93A6316}">
+      <dgm:prSet phldrT="[Texto]"/>
+      <dgm:spPr/>
+      <dgm:t>
+        <a:bodyPr/>
+        <a:lstStyle/>
+        <a:p>
+          <a:r>
+            <a:rPr lang="pt-BR" dirty="0" smtClean="0"/>
+            <a:t> Acesso web em dispositivos moveis</a:t>
+          </a:r>
+          <a:endParaRPr lang="pt-BR" dirty="0"/>
+        </a:p>
+      </dgm:t>
+    </dgm:pt>
+    <dgm:pt modelId="{7151D90C-DDED-45CE-9D5D-F45918DF7AF3}" type="parTrans" cxnId="{98F30085-95A3-4899-83ED-263051B4121C}">
+      <dgm:prSet/>
+      <dgm:spPr/>
+      <dgm:t>
+        <a:bodyPr/>
+        <a:lstStyle/>
+        <a:p>
+          <a:endParaRPr lang="pt-BR"/>
+        </a:p>
+      </dgm:t>
+    </dgm:pt>
+    <dgm:pt modelId="{11D717CD-56AA-45FC-9323-4DF14FDC4A6F}" type="sibTrans" cxnId="{98F30085-95A3-4899-83ED-263051B4121C}">
+      <dgm:prSet/>
+      <dgm:spPr/>
+      <dgm:t>
+        <a:bodyPr/>
+        <a:lstStyle/>
+        <a:p>
+          <a:endParaRPr lang="pt-BR"/>
+        </a:p>
+      </dgm:t>
+    </dgm:pt>
+    <dgm:pt modelId="{22558875-04DE-48A8-8D08-7DF713D16D36}">
+      <dgm:prSet phldrT="[Texto]"/>
+      <dgm:spPr/>
+      <dgm:t>
+        <a:bodyPr/>
+        <a:lstStyle/>
+        <a:p>
+          <a:r>
+            <a:rPr lang="pt-BR" dirty="0" smtClean="0"/>
+            <a:t>Trabalho em grupo em ambiente multiusuário</a:t>
+          </a:r>
+          <a:endParaRPr lang="pt-BR" dirty="0"/>
+        </a:p>
+      </dgm:t>
+    </dgm:pt>
+    <dgm:pt modelId="{AEADCE07-7102-4416-8E67-31648F62FFBE}" type="parTrans" cxnId="{4650B4FA-5E46-4507-BF35-61AB090D393E}">
+      <dgm:prSet/>
+      <dgm:spPr/>
+      <dgm:t>
+        <a:bodyPr/>
+        <a:lstStyle/>
+        <a:p>
+          <a:endParaRPr lang="pt-BR"/>
+        </a:p>
+      </dgm:t>
+    </dgm:pt>
+    <dgm:pt modelId="{6C26663C-5E0F-469C-A84B-4E7D60C2ACED}" type="sibTrans" cxnId="{4650B4FA-5E46-4507-BF35-61AB090D393E}">
+      <dgm:prSet/>
+      <dgm:spPr/>
+      <dgm:t>
+        <a:bodyPr/>
+        <a:lstStyle/>
+        <a:p>
+          <a:endParaRPr lang="pt-BR"/>
+        </a:p>
+      </dgm:t>
+    </dgm:pt>
+    <dgm:pt modelId="{C0424938-EAAD-4AFD-89AA-F9DAA339B8CE}">
+      <dgm:prSet phldrT="[Texto]"/>
+      <dgm:spPr/>
+      <dgm:t>
+        <a:bodyPr/>
+        <a:lstStyle/>
+        <a:p>
+          <a:r>
+            <a:rPr lang="pt-BR" dirty="0" smtClean="0"/>
+            <a:t>Controles de acadêmicos </a:t>
+          </a:r>
+          <a:endParaRPr lang="pt-BR" dirty="0"/>
+        </a:p>
+      </dgm:t>
+    </dgm:pt>
+    <dgm:pt modelId="{D85B5D0B-0237-4236-B15A-3AC15A4C8D6A}" type="parTrans" cxnId="{F9C7EEAC-7918-45CA-816F-B33C04B8B070}">
+      <dgm:prSet/>
+      <dgm:spPr/>
+      <dgm:t>
+        <a:bodyPr/>
+        <a:lstStyle/>
+        <a:p>
+          <a:endParaRPr lang="pt-BR"/>
+        </a:p>
+      </dgm:t>
+    </dgm:pt>
+    <dgm:pt modelId="{EBF62A40-6125-4DD5-8EDA-1F45E06B9030}" type="sibTrans" cxnId="{F9C7EEAC-7918-45CA-816F-B33C04B8B070}">
+      <dgm:prSet/>
+      <dgm:spPr/>
+      <dgm:t>
+        <a:bodyPr/>
+        <a:lstStyle/>
+        <a:p>
+          <a:endParaRPr lang="pt-BR"/>
+        </a:p>
+      </dgm:t>
+    </dgm:pt>
+    <dgm:pt modelId="{B682214D-3E19-400B-B148-C04F02C27327}">
+      <dgm:prSet phldrT="[Texto]"/>
+      <dgm:spPr/>
+      <dgm:t>
+        <a:bodyPr/>
+        <a:lstStyle/>
+        <a:p>
+          <a:r>
+            <a:rPr lang="pt-BR" dirty="0" smtClean="0"/>
+            <a:t>Controles financeiros</a:t>
+          </a:r>
+          <a:endParaRPr lang="pt-BR" dirty="0"/>
+        </a:p>
+      </dgm:t>
+    </dgm:pt>
+    <dgm:pt modelId="{328229DF-DAE6-431B-9EB1-E273DFF5EA70}" type="parTrans" cxnId="{E7BB10A8-4E7A-44F2-865F-A7389730AEBC}">
+      <dgm:prSet/>
+      <dgm:spPr/>
+      <dgm:t>
+        <a:bodyPr/>
+        <a:lstStyle/>
+        <a:p>
+          <a:endParaRPr lang="pt-BR"/>
+        </a:p>
+      </dgm:t>
+    </dgm:pt>
+    <dgm:pt modelId="{4037F445-FC2C-47AE-89AE-E418F2282E02}" type="sibTrans" cxnId="{E7BB10A8-4E7A-44F2-865F-A7389730AEBC}">
+      <dgm:prSet/>
+      <dgm:spPr/>
+      <dgm:t>
+        <a:bodyPr/>
+        <a:lstStyle/>
+        <a:p>
+          <a:endParaRPr lang="pt-BR"/>
+        </a:p>
+      </dgm:t>
+    </dgm:pt>
+    <dgm:pt modelId="{34E518D1-49BF-45FE-BD69-68CCC11C553D}">
+      <dgm:prSet phldrT="[Texto]"/>
+      <dgm:spPr/>
+      <dgm:t>
+        <a:bodyPr/>
+        <a:lstStyle/>
+        <a:p>
+          <a:r>
+            <a:rPr lang="pt-BR" dirty="0" smtClean="0"/>
+            <a:t>Controle de contas a pagar</a:t>
+          </a:r>
+          <a:endParaRPr lang="pt-BR" dirty="0"/>
+        </a:p>
+      </dgm:t>
+    </dgm:pt>
+    <dgm:pt modelId="{6E148B5F-7DF9-4BF6-BE15-08EA16D770D4}" type="parTrans" cxnId="{492DC469-18AA-4F1C-B5CB-83AA42592B95}">
+      <dgm:prSet/>
+      <dgm:spPr/>
+      <dgm:t>
+        <a:bodyPr/>
+        <a:lstStyle/>
+        <a:p>
+          <a:endParaRPr lang="pt-BR"/>
+        </a:p>
+      </dgm:t>
+    </dgm:pt>
+    <dgm:pt modelId="{23E81CB5-6F0A-42EB-ADC8-9150ECA984D5}" type="sibTrans" cxnId="{492DC469-18AA-4F1C-B5CB-83AA42592B95}">
+      <dgm:prSet/>
+      <dgm:spPr/>
+      <dgm:t>
+        <a:bodyPr/>
+        <a:lstStyle/>
+        <a:p>
+          <a:endParaRPr lang="pt-BR"/>
+        </a:p>
+      </dgm:t>
+    </dgm:pt>
+    <dgm:pt modelId="{5C305753-02C2-4005-B25D-F75DD4B08137}" type="pres">
+      <dgm:prSet presAssocID="{739AC528-84CD-4C4C-9AAA-944987E13663}" presName="linear" presStyleCnt="0">
+        <dgm:presLayoutVars>
+          <dgm:dir/>
+          <dgm:animLvl val="lvl"/>
+          <dgm:resizeHandles val="exact"/>
+        </dgm:presLayoutVars>
+      </dgm:prSet>
+      <dgm:spPr/>
+    </dgm:pt>
+    <dgm:pt modelId="{B34D6D7E-5F2E-4AC9-BD73-0DDE9F8BB618}" type="pres">
+      <dgm:prSet presAssocID="{64726959-BFCF-468E-8583-201CF07ACAB4}" presName="parentLin" presStyleCnt="0"/>
+      <dgm:spPr/>
+    </dgm:pt>
+    <dgm:pt modelId="{5CF09D25-445D-4024-9E09-27B9086F12C2}" type="pres">
+      <dgm:prSet presAssocID="{64726959-BFCF-468E-8583-201CF07ACAB4}" presName="parentLeftMargin" presStyleLbl="node1" presStyleIdx="0" presStyleCnt="6"/>
+      <dgm:spPr/>
+    </dgm:pt>
+    <dgm:pt modelId="{B171C0C5-1265-474F-9A24-5267C4DEA6BB}" type="pres">
+      <dgm:prSet presAssocID="{64726959-BFCF-468E-8583-201CF07ACAB4}" presName="parentText" presStyleLbl="node1" presStyleIdx="0" presStyleCnt="6">
+        <dgm:presLayoutVars>
+          <dgm:chMax val="0"/>
+          <dgm:bulletEnabled val="1"/>
+        </dgm:presLayoutVars>
+      </dgm:prSet>
+      <dgm:spPr/>
+      <dgm:t>
+        <a:bodyPr/>
+        <a:lstStyle/>
+        <a:p>
+          <a:endParaRPr lang="pt-BR"/>
+        </a:p>
+      </dgm:t>
+    </dgm:pt>
+    <dgm:pt modelId="{7AD01FD0-F69D-4BCE-A896-8ABB35BAACA9}" type="pres">
+      <dgm:prSet presAssocID="{64726959-BFCF-468E-8583-201CF07ACAB4}" presName="negativeSpace" presStyleCnt="0"/>
+      <dgm:spPr/>
+    </dgm:pt>
+    <dgm:pt modelId="{AA8514B8-7EBB-4287-ACDB-81BB8EE3A65E}" type="pres">
+      <dgm:prSet presAssocID="{64726959-BFCF-468E-8583-201CF07ACAB4}" presName="childText" presStyleLbl="conFgAcc1" presStyleIdx="0" presStyleCnt="6">
+        <dgm:presLayoutVars>
+          <dgm:bulletEnabled val="1"/>
+        </dgm:presLayoutVars>
+      </dgm:prSet>
+      <dgm:spPr/>
+    </dgm:pt>
+    <dgm:pt modelId="{5F326BF0-420D-4866-A2BD-614369AB09BD}" type="pres">
+      <dgm:prSet presAssocID="{8835803B-4868-4BFF-8B3A-814A6D4954C8}" presName="spaceBetweenRectangles" presStyleCnt="0"/>
+      <dgm:spPr/>
+    </dgm:pt>
+    <dgm:pt modelId="{170F142A-5E5C-46E4-829F-5448D761498F}" type="pres">
+      <dgm:prSet presAssocID="{EBE94DE7-18A9-4985-A440-D262D93A6316}" presName="parentLin" presStyleCnt="0"/>
+      <dgm:spPr/>
+    </dgm:pt>
+    <dgm:pt modelId="{62A2C154-6AB5-4321-A742-C06A0E020873}" type="pres">
+      <dgm:prSet presAssocID="{EBE94DE7-18A9-4985-A440-D262D93A6316}" presName="parentLeftMargin" presStyleLbl="node1" presStyleIdx="0" presStyleCnt="6"/>
+      <dgm:spPr/>
+    </dgm:pt>
+    <dgm:pt modelId="{9939078C-FCDB-4354-9260-A7140D211969}" type="pres">
+      <dgm:prSet presAssocID="{EBE94DE7-18A9-4985-A440-D262D93A6316}" presName="parentText" presStyleLbl="node1" presStyleIdx="1" presStyleCnt="6">
+        <dgm:presLayoutVars>
+          <dgm:chMax val="0"/>
+          <dgm:bulletEnabled val="1"/>
+        </dgm:presLayoutVars>
+      </dgm:prSet>
+      <dgm:spPr/>
+      <dgm:t>
+        <a:bodyPr/>
+        <a:lstStyle/>
+        <a:p>
+          <a:endParaRPr lang="pt-BR"/>
+        </a:p>
+      </dgm:t>
+    </dgm:pt>
+    <dgm:pt modelId="{6402AF25-A1ED-4143-822D-2DE397E15ECF}" type="pres">
+      <dgm:prSet presAssocID="{EBE94DE7-18A9-4985-A440-D262D93A6316}" presName="negativeSpace" presStyleCnt="0"/>
+      <dgm:spPr/>
+    </dgm:pt>
+    <dgm:pt modelId="{122429B3-75B2-4400-B819-CC67C8478699}" type="pres">
+      <dgm:prSet presAssocID="{EBE94DE7-18A9-4985-A440-D262D93A6316}" presName="childText" presStyleLbl="conFgAcc1" presStyleIdx="1" presStyleCnt="6">
+        <dgm:presLayoutVars>
+          <dgm:bulletEnabled val="1"/>
+        </dgm:presLayoutVars>
+      </dgm:prSet>
+      <dgm:spPr/>
+    </dgm:pt>
+    <dgm:pt modelId="{32DA1C74-5B5F-427E-8C8D-CACF3F061A44}" type="pres">
+      <dgm:prSet presAssocID="{11D717CD-56AA-45FC-9323-4DF14FDC4A6F}" presName="spaceBetweenRectangles" presStyleCnt="0"/>
+      <dgm:spPr/>
+    </dgm:pt>
+    <dgm:pt modelId="{849981CC-C8B4-4BA1-B450-ED50D8A4886D}" type="pres">
+      <dgm:prSet presAssocID="{22558875-04DE-48A8-8D08-7DF713D16D36}" presName="parentLin" presStyleCnt="0"/>
+      <dgm:spPr/>
+    </dgm:pt>
+    <dgm:pt modelId="{7CCD4125-60BB-4322-B726-7F91B5CDFF30}" type="pres">
+      <dgm:prSet presAssocID="{22558875-04DE-48A8-8D08-7DF713D16D36}" presName="parentLeftMargin" presStyleLbl="node1" presStyleIdx="1" presStyleCnt="6"/>
+      <dgm:spPr/>
+    </dgm:pt>
+    <dgm:pt modelId="{D78DBF14-3A29-4E42-B56E-7380E92A6552}" type="pres">
+      <dgm:prSet presAssocID="{22558875-04DE-48A8-8D08-7DF713D16D36}" presName="parentText" presStyleLbl="node1" presStyleIdx="2" presStyleCnt="6">
+        <dgm:presLayoutVars>
+          <dgm:chMax val="0"/>
+          <dgm:bulletEnabled val="1"/>
+        </dgm:presLayoutVars>
+      </dgm:prSet>
+      <dgm:spPr/>
+      <dgm:t>
+        <a:bodyPr/>
+        <a:lstStyle/>
+        <a:p>
+          <a:endParaRPr lang="pt-BR"/>
+        </a:p>
+      </dgm:t>
+    </dgm:pt>
+    <dgm:pt modelId="{91B10306-6E6E-43CB-B07F-95D2F566D304}" type="pres">
+      <dgm:prSet presAssocID="{22558875-04DE-48A8-8D08-7DF713D16D36}" presName="negativeSpace" presStyleCnt="0"/>
+      <dgm:spPr/>
+    </dgm:pt>
+    <dgm:pt modelId="{06A3C85D-CDEB-4A13-9986-AD53F22D8EA9}" type="pres">
+      <dgm:prSet presAssocID="{22558875-04DE-48A8-8D08-7DF713D16D36}" presName="childText" presStyleLbl="conFgAcc1" presStyleIdx="2" presStyleCnt="6">
+        <dgm:presLayoutVars>
+          <dgm:bulletEnabled val="1"/>
+        </dgm:presLayoutVars>
+      </dgm:prSet>
+      <dgm:spPr/>
+    </dgm:pt>
+    <dgm:pt modelId="{80A60F21-F2F5-418D-853F-D7EBBA576D8F}" type="pres">
+      <dgm:prSet presAssocID="{6C26663C-5E0F-469C-A84B-4E7D60C2ACED}" presName="spaceBetweenRectangles" presStyleCnt="0"/>
+      <dgm:spPr/>
+    </dgm:pt>
+    <dgm:pt modelId="{A9AF5B02-C771-4CE1-AF38-8D7E7F443749}" type="pres">
+      <dgm:prSet presAssocID="{C0424938-EAAD-4AFD-89AA-F9DAA339B8CE}" presName="parentLin" presStyleCnt="0"/>
+      <dgm:spPr/>
+    </dgm:pt>
+    <dgm:pt modelId="{3572EF4A-4D38-4BBD-9DE4-D188D70E2CAD}" type="pres">
+      <dgm:prSet presAssocID="{C0424938-EAAD-4AFD-89AA-F9DAA339B8CE}" presName="parentLeftMargin" presStyleLbl="node1" presStyleIdx="2" presStyleCnt="6"/>
+      <dgm:spPr/>
+    </dgm:pt>
+    <dgm:pt modelId="{6C17C5F1-150A-491F-92CE-A1BE931BB55D}" type="pres">
+      <dgm:prSet presAssocID="{C0424938-EAAD-4AFD-89AA-F9DAA339B8CE}" presName="parentText" presStyleLbl="node1" presStyleIdx="3" presStyleCnt="6">
+        <dgm:presLayoutVars>
+          <dgm:chMax val="0"/>
+          <dgm:bulletEnabled val="1"/>
+        </dgm:presLayoutVars>
+      </dgm:prSet>
+      <dgm:spPr/>
+      <dgm:t>
+        <a:bodyPr/>
+        <a:lstStyle/>
+        <a:p>
+          <a:endParaRPr lang="pt-BR"/>
+        </a:p>
+      </dgm:t>
+    </dgm:pt>
+    <dgm:pt modelId="{D97F3F94-0B46-4D37-A8E1-1DAC68B681CD}" type="pres">
+      <dgm:prSet presAssocID="{C0424938-EAAD-4AFD-89AA-F9DAA339B8CE}" presName="negativeSpace" presStyleCnt="0"/>
+      <dgm:spPr/>
+    </dgm:pt>
+    <dgm:pt modelId="{BC58E8B0-740A-43C6-B230-1401E78D7A5B}" type="pres">
+      <dgm:prSet presAssocID="{C0424938-EAAD-4AFD-89AA-F9DAA339B8CE}" presName="childText" presStyleLbl="conFgAcc1" presStyleIdx="3" presStyleCnt="6">
+        <dgm:presLayoutVars>
+          <dgm:bulletEnabled val="1"/>
+        </dgm:presLayoutVars>
+      </dgm:prSet>
+      <dgm:spPr/>
+    </dgm:pt>
+    <dgm:pt modelId="{61A1A8FC-AD23-4E2F-A533-544CD04D1CA9}" type="pres">
+      <dgm:prSet presAssocID="{EBF62A40-6125-4DD5-8EDA-1F45E06B9030}" presName="spaceBetweenRectangles" presStyleCnt="0"/>
+      <dgm:spPr/>
+    </dgm:pt>
+    <dgm:pt modelId="{74BE06AF-D1B6-41E2-B7D7-F20A5E34FB20}" type="pres">
+      <dgm:prSet presAssocID="{B682214D-3E19-400B-B148-C04F02C27327}" presName="parentLin" presStyleCnt="0"/>
+      <dgm:spPr/>
+    </dgm:pt>
+    <dgm:pt modelId="{846A3F17-1641-4BB9-AC38-13C0E8AB7383}" type="pres">
+      <dgm:prSet presAssocID="{B682214D-3E19-400B-B148-C04F02C27327}" presName="parentLeftMargin" presStyleLbl="node1" presStyleIdx="3" presStyleCnt="6"/>
+      <dgm:spPr/>
+    </dgm:pt>
+    <dgm:pt modelId="{231A70AB-9760-4FFF-B875-5D31C52D60AE}" type="pres">
+      <dgm:prSet presAssocID="{B682214D-3E19-400B-B148-C04F02C27327}" presName="parentText" presStyleLbl="node1" presStyleIdx="4" presStyleCnt="6">
+        <dgm:presLayoutVars>
+          <dgm:chMax val="0"/>
+          <dgm:bulletEnabled val="1"/>
+        </dgm:presLayoutVars>
+      </dgm:prSet>
+      <dgm:spPr/>
+      <dgm:t>
+        <a:bodyPr/>
+        <a:lstStyle/>
+        <a:p>
+          <a:endParaRPr lang="pt-BR"/>
+        </a:p>
+      </dgm:t>
+    </dgm:pt>
+    <dgm:pt modelId="{8C9EB15F-97BA-48C2-B233-1F99DD2283F3}" type="pres">
+      <dgm:prSet presAssocID="{B682214D-3E19-400B-B148-C04F02C27327}" presName="negativeSpace" presStyleCnt="0"/>
+      <dgm:spPr/>
+    </dgm:pt>
+    <dgm:pt modelId="{7D8B9C6D-02C3-420B-906C-B43C36EE3306}" type="pres">
+      <dgm:prSet presAssocID="{B682214D-3E19-400B-B148-C04F02C27327}" presName="childText" presStyleLbl="conFgAcc1" presStyleIdx="4" presStyleCnt="6">
+        <dgm:presLayoutVars>
+          <dgm:bulletEnabled val="1"/>
+        </dgm:presLayoutVars>
+      </dgm:prSet>
+      <dgm:spPr/>
+    </dgm:pt>
+    <dgm:pt modelId="{27077A43-AF2C-4BB7-B135-57882141D0A7}" type="pres">
+      <dgm:prSet presAssocID="{4037F445-FC2C-47AE-89AE-E418F2282E02}" presName="spaceBetweenRectangles" presStyleCnt="0"/>
+      <dgm:spPr/>
+    </dgm:pt>
+    <dgm:pt modelId="{211C6EE7-56DB-4520-8C76-4F6B73CA2F85}" type="pres">
+      <dgm:prSet presAssocID="{34E518D1-49BF-45FE-BD69-68CCC11C553D}" presName="parentLin" presStyleCnt="0"/>
+      <dgm:spPr/>
+    </dgm:pt>
+    <dgm:pt modelId="{390F44BF-71AC-4D9F-BF5E-075FA28FE010}" type="pres">
+      <dgm:prSet presAssocID="{34E518D1-49BF-45FE-BD69-68CCC11C553D}" presName="parentLeftMargin" presStyleLbl="node1" presStyleIdx="4" presStyleCnt="6"/>
+      <dgm:spPr/>
+    </dgm:pt>
+    <dgm:pt modelId="{029B9D8C-4A77-4645-9520-CB1F079C0081}" type="pres">
+      <dgm:prSet presAssocID="{34E518D1-49BF-45FE-BD69-68CCC11C553D}" presName="parentText" presStyleLbl="node1" presStyleIdx="5" presStyleCnt="6">
+        <dgm:presLayoutVars>
+          <dgm:chMax val="0"/>
+          <dgm:bulletEnabled val="1"/>
+        </dgm:presLayoutVars>
+      </dgm:prSet>
+      <dgm:spPr/>
+      <dgm:t>
+        <a:bodyPr/>
+        <a:lstStyle/>
+        <a:p>
+          <a:endParaRPr lang="pt-BR"/>
+        </a:p>
+      </dgm:t>
+    </dgm:pt>
+    <dgm:pt modelId="{B327A79A-4795-4643-80F9-37F2D55457DE}" type="pres">
+      <dgm:prSet presAssocID="{34E518D1-49BF-45FE-BD69-68CCC11C553D}" presName="negativeSpace" presStyleCnt="0"/>
+      <dgm:spPr/>
+    </dgm:pt>
+    <dgm:pt modelId="{338DDB9A-A6BB-4D1C-8303-E07E7D076CB7}" type="pres">
+      <dgm:prSet presAssocID="{34E518D1-49BF-45FE-BD69-68CCC11C553D}" presName="childText" presStyleLbl="conFgAcc1" presStyleIdx="5" presStyleCnt="6">
+        <dgm:presLayoutVars>
+          <dgm:bulletEnabled val="1"/>
+        </dgm:presLayoutVars>
+      </dgm:prSet>
+      <dgm:spPr/>
+    </dgm:pt>
+  </dgm:ptLst>
+  <dgm:cxnLst>
+    <dgm:cxn modelId="{B7B87462-1DAB-4820-9D8D-39215A0FD83D}" srcId="{739AC528-84CD-4C4C-9AAA-944987E13663}" destId="{64726959-BFCF-468E-8583-201CF07ACAB4}" srcOrd="0" destOrd="0" parTransId="{1621746A-50DC-494D-BB5D-7D8ADC851307}" sibTransId="{8835803B-4868-4BFF-8B3A-814A6D4954C8}"/>
+    <dgm:cxn modelId="{7E93702C-2125-4942-BCFA-451032FA8C07}" type="presOf" srcId="{22558875-04DE-48A8-8D08-7DF713D16D36}" destId="{D78DBF14-3A29-4E42-B56E-7380E92A6552}" srcOrd="1" destOrd="0" presId="urn:microsoft.com/office/officeart/2005/8/layout/list1"/>
+    <dgm:cxn modelId="{BC163CB6-4CBD-44DB-AD17-AFC4FDDC684C}" type="presOf" srcId="{EBE94DE7-18A9-4985-A440-D262D93A6316}" destId="{62A2C154-6AB5-4321-A742-C06A0E020873}" srcOrd="0" destOrd="0" presId="urn:microsoft.com/office/officeart/2005/8/layout/list1"/>
+    <dgm:cxn modelId="{E7BB10A8-4E7A-44F2-865F-A7389730AEBC}" srcId="{739AC528-84CD-4C4C-9AAA-944987E13663}" destId="{B682214D-3E19-400B-B148-C04F02C27327}" srcOrd="4" destOrd="0" parTransId="{328229DF-DAE6-431B-9EB1-E273DFF5EA70}" sibTransId="{4037F445-FC2C-47AE-89AE-E418F2282E02}"/>
+    <dgm:cxn modelId="{4650B4FA-5E46-4507-BF35-61AB090D393E}" srcId="{739AC528-84CD-4C4C-9AAA-944987E13663}" destId="{22558875-04DE-48A8-8D08-7DF713D16D36}" srcOrd="2" destOrd="0" parTransId="{AEADCE07-7102-4416-8E67-31648F62FFBE}" sibTransId="{6C26663C-5E0F-469C-A84B-4E7D60C2ACED}"/>
+    <dgm:cxn modelId="{265C6533-7DF8-4BF6-8C28-3C782A037CF3}" type="presOf" srcId="{B682214D-3E19-400B-B148-C04F02C27327}" destId="{846A3F17-1641-4BB9-AC38-13C0E8AB7383}" srcOrd="0" destOrd="0" presId="urn:microsoft.com/office/officeart/2005/8/layout/list1"/>
+    <dgm:cxn modelId="{F9C7EEAC-7918-45CA-816F-B33C04B8B070}" srcId="{739AC528-84CD-4C4C-9AAA-944987E13663}" destId="{C0424938-EAAD-4AFD-89AA-F9DAA339B8CE}" srcOrd="3" destOrd="0" parTransId="{D85B5D0B-0237-4236-B15A-3AC15A4C8D6A}" sibTransId="{EBF62A40-6125-4DD5-8EDA-1F45E06B9030}"/>
+    <dgm:cxn modelId="{09CDA0F1-41AD-4AA3-BABC-AB3C68FE1F20}" type="presOf" srcId="{B682214D-3E19-400B-B148-C04F02C27327}" destId="{231A70AB-9760-4FFF-B875-5D31C52D60AE}" srcOrd="1" destOrd="0" presId="urn:microsoft.com/office/officeart/2005/8/layout/list1"/>
+    <dgm:cxn modelId="{1842B81B-6CE1-4E7A-B9A2-8AECFE2C9FD1}" type="presOf" srcId="{34E518D1-49BF-45FE-BD69-68CCC11C553D}" destId="{029B9D8C-4A77-4645-9520-CB1F079C0081}" srcOrd="1" destOrd="0" presId="urn:microsoft.com/office/officeart/2005/8/layout/list1"/>
+    <dgm:cxn modelId="{DC3681F8-CC97-4E15-8231-5EBA82EFEFD3}" type="presOf" srcId="{22558875-04DE-48A8-8D08-7DF713D16D36}" destId="{7CCD4125-60BB-4322-B726-7F91B5CDFF30}" srcOrd="0" destOrd="0" presId="urn:microsoft.com/office/officeart/2005/8/layout/list1"/>
+    <dgm:cxn modelId="{D6B9F938-FD89-4765-A5F4-595BA2C69F68}" type="presOf" srcId="{34E518D1-49BF-45FE-BD69-68CCC11C553D}" destId="{390F44BF-71AC-4D9F-BF5E-075FA28FE010}" srcOrd="0" destOrd="0" presId="urn:microsoft.com/office/officeart/2005/8/layout/list1"/>
+    <dgm:cxn modelId="{08B77D2D-50A3-4665-B5BC-776198A4C49D}" type="presOf" srcId="{64726959-BFCF-468E-8583-201CF07ACAB4}" destId="{5CF09D25-445D-4024-9E09-27B9086F12C2}" srcOrd="0" destOrd="0" presId="urn:microsoft.com/office/officeart/2005/8/layout/list1"/>
+    <dgm:cxn modelId="{492DC469-18AA-4F1C-B5CB-83AA42592B95}" srcId="{739AC528-84CD-4C4C-9AAA-944987E13663}" destId="{34E518D1-49BF-45FE-BD69-68CCC11C553D}" srcOrd="5" destOrd="0" parTransId="{6E148B5F-7DF9-4BF6-BE15-08EA16D770D4}" sibTransId="{23E81CB5-6F0A-42EB-ADC8-9150ECA984D5}"/>
+    <dgm:cxn modelId="{0E9F3CED-8870-48EB-AC03-616E89BB9C2E}" type="presOf" srcId="{64726959-BFCF-468E-8583-201CF07ACAB4}" destId="{B171C0C5-1265-474F-9A24-5267C4DEA6BB}" srcOrd="1" destOrd="0" presId="urn:microsoft.com/office/officeart/2005/8/layout/list1"/>
+    <dgm:cxn modelId="{E58C8AA9-859D-436C-829F-177A8BC2DA06}" type="presOf" srcId="{C0424938-EAAD-4AFD-89AA-F9DAA339B8CE}" destId="{6C17C5F1-150A-491F-92CE-A1BE931BB55D}" srcOrd="1" destOrd="0" presId="urn:microsoft.com/office/officeart/2005/8/layout/list1"/>
+    <dgm:cxn modelId="{0E348F8C-122A-48CD-A8DB-40A9364F57F3}" type="presOf" srcId="{EBE94DE7-18A9-4985-A440-D262D93A6316}" destId="{9939078C-FCDB-4354-9260-A7140D211969}" srcOrd="1" destOrd="0" presId="urn:microsoft.com/office/officeart/2005/8/layout/list1"/>
+    <dgm:cxn modelId="{917C61F7-4EFA-4F87-8A86-AA04AD093EB6}" type="presOf" srcId="{C0424938-EAAD-4AFD-89AA-F9DAA339B8CE}" destId="{3572EF4A-4D38-4BBD-9DE4-D188D70E2CAD}" srcOrd="0" destOrd="0" presId="urn:microsoft.com/office/officeart/2005/8/layout/list1"/>
+    <dgm:cxn modelId="{98F30085-95A3-4899-83ED-263051B4121C}" srcId="{739AC528-84CD-4C4C-9AAA-944987E13663}" destId="{EBE94DE7-18A9-4985-A440-D262D93A6316}" srcOrd="1" destOrd="0" parTransId="{7151D90C-DDED-45CE-9D5D-F45918DF7AF3}" sibTransId="{11D717CD-56AA-45FC-9323-4DF14FDC4A6F}"/>
+    <dgm:cxn modelId="{81B323AF-A255-4CEA-BAE8-041C43CF3A80}" type="presOf" srcId="{739AC528-84CD-4C4C-9AAA-944987E13663}" destId="{5C305753-02C2-4005-B25D-F75DD4B08137}" srcOrd="0" destOrd="0" presId="urn:microsoft.com/office/officeart/2005/8/layout/list1"/>
+    <dgm:cxn modelId="{5CEE8E5E-6F76-4967-8862-364C72A0F09D}" type="presParOf" srcId="{5C305753-02C2-4005-B25D-F75DD4B08137}" destId="{B34D6D7E-5F2E-4AC9-BD73-0DDE9F8BB618}" srcOrd="0" destOrd="0" presId="urn:microsoft.com/office/officeart/2005/8/layout/list1"/>
+    <dgm:cxn modelId="{49AB42FC-D96F-419C-AA12-35C9654D957E}" type="presParOf" srcId="{B34D6D7E-5F2E-4AC9-BD73-0DDE9F8BB618}" destId="{5CF09D25-445D-4024-9E09-27B9086F12C2}" srcOrd="0" destOrd="0" presId="urn:microsoft.com/office/officeart/2005/8/layout/list1"/>
+    <dgm:cxn modelId="{16B0EBB0-1939-4496-898C-63BE915DB1B6}" type="presParOf" srcId="{B34D6D7E-5F2E-4AC9-BD73-0DDE9F8BB618}" destId="{B171C0C5-1265-474F-9A24-5267C4DEA6BB}" srcOrd="1" destOrd="0" presId="urn:microsoft.com/office/officeart/2005/8/layout/list1"/>
+    <dgm:cxn modelId="{2FD301FF-C00C-4AFC-81D5-C410F3287342}" type="presParOf" srcId="{5C305753-02C2-4005-B25D-F75DD4B08137}" destId="{7AD01FD0-F69D-4BCE-A896-8ABB35BAACA9}" srcOrd="1" destOrd="0" presId="urn:microsoft.com/office/officeart/2005/8/layout/list1"/>
+    <dgm:cxn modelId="{E81504CA-AF73-46C1-AFC0-55171DBAF7E4}" type="presParOf" srcId="{5C305753-02C2-4005-B25D-F75DD4B08137}" destId="{AA8514B8-7EBB-4287-ACDB-81BB8EE3A65E}" srcOrd="2" destOrd="0" presId="urn:microsoft.com/office/officeart/2005/8/layout/list1"/>
+    <dgm:cxn modelId="{3AC328DC-47FD-41B1-892F-5168C44700A1}" type="presParOf" srcId="{5C305753-02C2-4005-B25D-F75DD4B08137}" destId="{5F326BF0-420D-4866-A2BD-614369AB09BD}" srcOrd="3" destOrd="0" presId="urn:microsoft.com/office/officeart/2005/8/layout/list1"/>
+    <dgm:cxn modelId="{38E7EA4E-F92F-441F-8EBA-49E4E223DAF4}" type="presParOf" srcId="{5C305753-02C2-4005-B25D-F75DD4B08137}" destId="{170F142A-5E5C-46E4-829F-5448D761498F}" srcOrd="4" destOrd="0" presId="urn:microsoft.com/office/officeart/2005/8/layout/list1"/>
+    <dgm:cxn modelId="{E5576BAD-9FA2-453D-815A-AC1A6BA949B6}" type="presParOf" srcId="{170F142A-5E5C-46E4-829F-5448D761498F}" destId="{62A2C154-6AB5-4321-A742-C06A0E020873}" srcOrd="0" destOrd="0" presId="urn:microsoft.com/office/officeart/2005/8/layout/list1"/>
+    <dgm:cxn modelId="{87746917-4099-4021-8686-D8E2AE8BB2CE}" type="presParOf" srcId="{170F142A-5E5C-46E4-829F-5448D761498F}" destId="{9939078C-FCDB-4354-9260-A7140D211969}" srcOrd="1" destOrd="0" presId="urn:microsoft.com/office/officeart/2005/8/layout/list1"/>
+    <dgm:cxn modelId="{91503F7C-0C47-4E50-BBA6-D1791F2EDB54}" type="presParOf" srcId="{5C305753-02C2-4005-B25D-F75DD4B08137}" destId="{6402AF25-A1ED-4143-822D-2DE397E15ECF}" srcOrd="5" destOrd="0" presId="urn:microsoft.com/office/officeart/2005/8/layout/list1"/>
+    <dgm:cxn modelId="{BB2D810A-FEE8-42D8-B3AA-6D892BED142B}" type="presParOf" srcId="{5C305753-02C2-4005-B25D-F75DD4B08137}" destId="{122429B3-75B2-4400-B819-CC67C8478699}" srcOrd="6" destOrd="0" presId="urn:microsoft.com/office/officeart/2005/8/layout/list1"/>
+    <dgm:cxn modelId="{5E39AEE9-5501-4B78-8CE9-4A329CCAB536}" type="presParOf" srcId="{5C305753-02C2-4005-B25D-F75DD4B08137}" destId="{32DA1C74-5B5F-427E-8C8D-CACF3F061A44}" srcOrd="7" destOrd="0" presId="urn:microsoft.com/office/officeart/2005/8/layout/list1"/>
+    <dgm:cxn modelId="{EDB8F007-0FE6-41D6-8FB2-F481FE2E5D81}" type="presParOf" srcId="{5C305753-02C2-4005-B25D-F75DD4B08137}" destId="{849981CC-C8B4-4BA1-B450-ED50D8A4886D}" srcOrd="8" destOrd="0" presId="urn:microsoft.com/office/officeart/2005/8/layout/list1"/>
+    <dgm:cxn modelId="{E2CA3B05-BB89-4684-A41D-D66DC320A110}" type="presParOf" srcId="{849981CC-C8B4-4BA1-B450-ED50D8A4886D}" destId="{7CCD4125-60BB-4322-B726-7F91B5CDFF30}" srcOrd="0" destOrd="0" presId="urn:microsoft.com/office/officeart/2005/8/layout/list1"/>
+    <dgm:cxn modelId="{EB5C052D-8605-4F9D-96F9-FD1C9EC188D8}" type="presParOf" srcId="{849981CC-C8B4-4BA1-B450-ED50D8A4886D}" destId="{D78DBF14-3A29-4E42-B56E-7380E92A6552}" srcOrd="1" destOrd="0" presId="urn:microsoft.com/office/officeart/2005/8/layout/list1"/>
+    <dgm:cxn modelId="{6110C8D9-011C-4EBE-A844-8BCEC6679E72}" type="presParOf" srcId="{5C305753-02C2-4005-B25D-F75DD4B08137}" destId="{91B10306-6E6E-43CB-B07F-95D2F566D304}" srcOrd="9" destOrd="0" presId="urn:microsoft.com/office/officeart/2005/8/layout/list1"/>
+    <dgm:cxn modelId="{DAE746B5-7CF4-40F1-B056-DD038006954F}" type="presParOf" srcId="{5C305753-02C2-4005-B25D-F75DD4B08137}" destId="{06A3C85D-CDEB-4A13-9986-AD53F22D8EA9}" srcOrd="10" destOrd="0" presId="urn:microsoft.com/office/officeart/2005/8/layout/list1"/>
+    <dgm:cxn modelId="{7F53C315-70DB-4C70-9110-F543703C8625}" type="presParOf" srcId="{5C305753-02C2-4005-B25D-F75DD4B08137}" destId="{80A60F21-F2F5-418D-853F-D7EBBA576D8F}" srcOrd="11" destOrd="0" presId="urn:microsoft.com/office/officeart/2005/8/layout/list1"/>
+    <dgm:cxn modelId="{527E9B72-2C32-4D7A-9141-37A49C6CA6F8}" type="presParOf" srcId="{5C305753-02C2-4005-B25D-F75DD4B08137}" destId="{A9AF5B02-C771-4CE1-AF38-8D7E7F443749}" srcOrd="12" destOrd="0" presId="urn:microsoft.com/office/officeart/2005/8/layout/list1"/>
+    <dgm:cxn modelId="{ACD74D6E-F954-42CF-83A8-A27B663A7EA1}" type="presParOf" srcId="{A9AF5B02-C771-4CE1-AF38-8D7E7F443749}" destId="{3572EF4A-4D38-4BBD-9DE4-D188D70E2CAD}" srcOrd="0" destOrd="0" presId="urn:microsoft.com/office/officeart/2005/8/layout/list1"/>
+    <dgm:cxn modelId="{9F2DEFA9-2136-4492-A38F-3A957EEB0FD1}" type="presParOf" srcId="{A9AF5B02-C771-4CE1-AF38-8D7E7F443749}" destId="{6C17C5F1-150A-491F-92CE-A1BE931BB55D}" srcOrd="1" destOrd="0" presId="urn:microsoft.com/office/officeart/2005/8/layout/list1"/>
+    <dgm:cxn modelId="{B68C9834-D03A-4B12-AD62-5E916AD0F202}" type="presParOf" srcId="{5C305753-02C2-4005-B25D-F75DD4B08137}" destId="{D97F3F94-0B46-4D37-A8E1-1DAC68B681CD}" srcOrd="13" destOrd="0" presId="urn:microsoft.com/office/officeart/2005/8/layout/list1"/>
+    <dgm:cxn modelId="{BBDFEAF1-9EF8-451F-A2D5-20C316236A23}" type="presParOf" srcId="{5C305753-02C2-4005-B25D-F75DD4B08137}" destId="{BC58E8B0-740A-43C6-B230-1401E78D7A5B}" srcOrd="14" destOrd="0" presId="urn:microsoft.com/office/officeart/2005/8/layout/list1"/>
+    <dgm:cxn modelId="{35989019-3D0C-4151-8803-33F32D0AF139}" type="presParOf" srcId="{5C305753-02C2-4005-B25D-F75DD4B08137}" destId="{61A1A8FC-AD23-4E2F-A533-544CD04D1CA9}" srcOrd="15" destOrd="0" presId="urn:microsoft.com/office/officeart/2005/8/layout/list1"/>
+    <dgm:cxn modelId="{64C94016-3BFE-4C52-8B68-3598BAB7ED6F}" type="presParOf" srcId="{5C305753-02C2-4005-B25D-F75DD4B08137}" destId="{74BE06AF-D1B6-41E2-B7D7-F20A5E34FB20}" srcOrd="16" destOrd="0" presId="urn:microsoft.com/office/officeart/2005/8/layout/list1"/>
+    <dgm:cxn modelId="{A877C959-689A-4AB3-A85E-F26FFBEA4BAB}" type="presParOf" srcId="{74BE06AF-D1B6-41E2-B7D7-F20A5E34FB20}" destId="{846A3F17-1641-4BB9-AC38-13C0E8AB7383}" srcOrd="0" destOrd="0" presId="urn:microsoft.com/office/officeart/2005/8/layout/list1"/>
+    <dgm:cxn modelId="{925AC7F5-B033-4067-8A44-35A1BB0C8B9F}" type="presParOf" srcId="{74BE06AF-D1B6-41E2-B7D7-F20A5E34FB20}" destId="{231A70AB-9760-4FFF-B875-5D31C52D60AE}" srcOrd="1" destOrd="0" presId="urn:microsoft.com/office/officeart/2005/8/layout/list1"/>
+    <dgm:cxn modelId="{75CDC6C9-D17C-4E5C-95FD-99E229AA088F}" type="presParOf" srcId="{5C305753-02C2-4005-B25D-F75DD4B08137}" destId="{8C9EB15F-97BA-48C2-B233-1F99DD2283F3}" srcOrd="17" destOrd="0" presId="urn:microsoft.com/office/officeart/2005/8/layout/list1"/>
+    <dgm:cxn modelId="{40EBBCDD-6E9B-412C-A2E4-98FF50E57A85}" type="presParOf" srcId="{5C305753-02C2-4005-B25D-F75DD4B08137}" destId="{7D8B9C6D-02C3-420B-906C-B43C36EE3306}" srcOrd="18" destOrd="0" presId="urn:microsoft.com/office/officeart/2005/8/layout/list1"/>
+    <dgm:cxn modelId="{6FF547C4-FF28-42B1-B537-FADB4AD5F9AC}" type="presParOf" srcId="{5C305753-02C2-4005-B25D-F75DD4B08137}" destId="{27077A43-AF2C-4BB7-B135-57882141D0A7}" srcOrd="19" destOrd="0" presId="urn:microsoft.com/office/officeart/2005/8/layout/list1"/>
+    <dgm:cxn modelId="{4AE42CFD-7165-4AAC-AB6A-E3E43C82BF90}" type="presParOf" srcId="{5C305753-02C2-4005-B25D-F75DD4B08137}" destId="{211C6EE7-56DB-4520-8C76-4F6B73CA2F85}" srcOrd="20" destOrd="0" presId="urn:microsoft.com/office/officeart/2005/8/layout/list1"/>
+    <dgm:cxn modelId="{939F922E-46B9-4AB4-96A1-CA04EA4964F6}" type="presParOf" srcId="{211C6EE7-56DB-4520-8C76-4F6B73CA2F85}" destId="{390F44BF-71AC-4D9F-BF5E-075FA28FE010}" srcOrd="0" destOrd="0" presId="urn:microsoft.com/office/officeart/2005/8/layout/list1"/>
+    <dgm:cxn modelId="{80A1A168-C10C-448B-9763-055B267C4B5E}" type="presParOf" srcId="{211C6EE7-56DB-4520-8C76-4F6B73CA2F85}" destId="{029B9D8C-4A77-4645-9520-CB1F079C0081}" srcOrd="1" destOrd="0" presId="urn:microsoft.com/office/officeart/2005/8/layout/list1"/>
+    <dgm:cxn modelId="{547AB6DE-747B-442B-AC76-AA050F0C99A4}" type="presParOf" srcId="{5C305753-02C2-4005-B25D-F75DD4B08137}" destId="{B327A79A-4795-4643-80F9-37F2D55457DE}" srcOrd="21" destOrd="0" presId="urn:microsoft.com/office/officeart/2005/8/layout/list1"/>
+    <dgm:cxn modelId="{6BBD468D-B441-42EF-967F-A8A1C37D42CF}" type="presParOf" srcId="{5C305753-02C2-4005-B25D-F75DD4B08137}" destId="{338DDB9A-A6BB-4D1C-8303-E07E7D076CB7}" srcOrd="22" destOrd="0" presId="urn:microsoft.com/office/officeart/2005/8/layout/list1"/>
+  </dgm:cxnLst>
+  <dgm:bg/>
+  <dgm:whole/>
+  <dgm:extLst>
+    <a:ext uri="http://schemas.microsoft.com/office/drawing/2008/diagram">
+      <dsp:dataModelExt xmlns:dsp="http://schemas.microsoft.com/office/drawing/2008/diagram" xmlns="" relId="rId6" minVer="http://schemas.openxmlformats.org/drawingml/2006/diagram"/>
+    </a:ext>
+  </dgm:extLst>
+</dgm:dataModel>
+</file>
+
+<file path=ppt/diagrams/data2.xml><?xml version="1.0" encoding="utf-8"?>
+<dgm:dataModel xmlns:dgm="http://schemas.openxmlformats.org/drawingml/2006/diagram" xmlns:a="http://schemas.openxmlformats.org/drawingml/2006/main">
+  <dgm:ptLst>
+    <dgm:pt modelId="{4412B91F-CF8D-4A42-83DF-7CDCCDA80F7D}" type="doc">
+      <dgm:prSet loTypeId="urn:microsoft.com/office/officeart/2005/8/layout/hProcess4" loCatId="process" qsTypeId="urn:microsoft.com/office/officeart/2005/8/quickstyle/3d1" qsCatId="3D" csTypeId="urn:microsoft.com/office/officeart/2005/8/colors/accent2_1" csCatId="accent2" phldr="1"/>
+      <dgm:spPr/>
+      <dgm:t>
+        <a:bodyPr/>
+        <a:lstStyle/>
+        <a:p>
+          <a:endParaRPr lang="pt-BR"/>
+        </a:p>
+      </dgm:t>
+    </dgm:pt>
+    <dgm:pt modelId="{7DFE07BF-9A88-4152-9E58-09C9E20DB3CE}">
+      <dgm:prSet phldrT="[Texto]" custT="1">
+        <dgm:style>
+          <a:lnRef idx="0">
+            <a:schemeClr val="accent6"/>
+          </a:lnRef>
+          <a:fillRef idx="3">
+            <a:schemeClr val="accent6"/>
+          </a:fillRef>
+          <a:effectRef idx="3">
+            <a:schemeClr val="accent6"/>
+          </a:effectRef>
+          <a:fontRef idx="minor">
+            <a:schemeClr val="lt1"/>
+          </a:fontRef>
+        </dgm:style>
+      </dgm:prSet>
+      <dgm:spPr/>
+      <dgm:t>
+        <a:bodyPr/>
+        <a:lstStyle/>
+        <a:p>
+          <a:r>
+            <a:rPr lang="pt-BR" sz="2000" b="1" dirty="0" smtClean="0">
+              <a:solidFill>
+                <a:srgbClr val="0070C0"/>
+              </a:solidFill>
+            </a:rPr>
+            <a:t>Base de dados </a:t>
+          </a:r>
+          <a:endParaRPr lang="pt-BR" sz="2000" b="1" dirty="0">
+            <a:solidFill>
+              <a:srgbClr val="0070C0"/>
+            </a:solidFill>
+          </a:endParaRPr>
+        </a:p>
+      </dgm:t>
+    </dgm:pt>
+    <dgm:pt modelId="{F2C6A117-64F1-4ED9-9C2B-9510107D76CB}" type="parTrans" cxnId="{F52A89F1-D611-4436-8916-14DEFBEAC79D}">
+      <dgm:prSet/>
+      <dgm:spPr/>
+      <dgm:t>
+        <a:bodyPr/>
+        <a:lstStyle/>
+        <a:p>
+          <a:endParaRPr lang="pt-BR"/>
+        </a:p>
+      </dgm:t>
+    </dgm:pt>
+    <dgm:pt modelId="{E68D9850-B3A4-4979-A4D0-E3D401A29AB5}" type="sibTrans" cxnId="{F52A89F1-D611-4436-8916-14DEFBEAC79D}">
+      <dgm:prSet/>
+      <dgm:spPr/>
+      <dgm:t>
+        <a:bodyPr/>
+        <a:lstStyle/>
+        <a:p>
+          <a:endParaRPr lang="pt-BR"/>
+        </a:p>
+      </dgm:t>
+    </dgm:pt>
+    <dgm:pt modelId="{3865D5FF-DA00-4906-B6F5-07C839464584}">
+      <dgm:prSet phldrT="[Texto]" custT="1">
+        <dgm:style>
+          <a:lnRef idx="0">
+            <a:schemeClr val="accent6"/>
+          </a:lnRef>
+          <a:fillRef idx="3">
+            <a:schemeClr val="accent6"/>
+          </a:fillRef>
+          <a:effectRef idx="3">
+            <a:schemeClr val="accent6"/>
+          </a:effectRef>
+          <a:fontRef idx="minor">
+            <a:schemeClr val="lt1"/>
+          </a:fontRef>
+        </dgm:style>
+      </dgm:prSet>
+      <dgm:spPr/>
+      <dgm:t>
+        <a:bodyPr/>
+        <a:lstStyle/>
+        <a:p>
+          <a:r>
+            <a:rPr lang="pt-BR" sz="2000" b="1" dirty="0" smtClean="0">
+              <a:solidFill>
+                <a:srgbClr val="0070C0"/>
+              </a:solidFill>
+            </a:rPr>
+            <a:t>Aplicação</a:t>
+          </a:r>
+          <a:endParaRPr lang="pt-BR" sz="2000" b="1" dirty="0">
+            <a:solidFill>
+              <a:srgbClr val="0070C0"/>
+            </a:solidFill>
+          </a:endParaRPr>
+        </a:p>
+      </dgm:t>
+    </dgm:pt>
+    <dgm:pt modelId="{49FB8D0F-E70F-4A66-9F99-3E0F33864CA6}" type="parTrans" cxnId="{C9D8935F-6C23-483A-8258-A9CABF3C76B0}">
+      <dgm:prSet/>
+      <dgm:spPr/>
+      <dgm:t>
+        <a:bodyPr/>
+        <a:lstStyle/>
+        <a:p>
+          <a:endParaRPr lang="pt-BR"/>
+        </a:p>
+      </dgm:t>
+    </dgm:pt>
+    <dgm:pt modelId="{CFF97A55-CF3E-4E1D-AF04-5A3631D6CB6D}" type="sibTrans" cxnId="{C9D8935F-6C23-483A-8258-A9CABF3C76B0}">
+      <dgm:prSet/>
+      <dgm:spPr/>
+      <dgm:t>
+        <a:bodyPr/>
+        <a:lstStyle/>
+        <a:p>
+          <a:endParaRPr lang="pt-BR"/>
+        </a:p>
+      </dgm:t>
+    </dgm:pt>
+    <dgm:pt modelId="{F3A2DAB8-2AB9-419A-82D3-D743A16978C8}">
+      <dgm:prSet phldrT="[Texto]" custT="1">
+        <dgm:style>
+          <a:lnRef idx="0">
+            <a:schemeClr val="accent6"/>
+          </a:lnRef>
+          <a:fillRef idx="3">
+            <a:schemeClr val="accent6"/>
+          </a:fillRef>
+          <a:effectRef idx="3">
+            <a:schemeClr val="accent6"/>
+          </a:effectRef>
+          <a:fontRef idx="minor">
+            <a:schemeClr val="lt1"/>
+          </a:fontRef>
+        </dgm:style>
+      </dgm:prSet>
+      <dgm:spPr/>
+      <dgm:t>
+        <a:bodyPr/>
+        <a:lstStyle/>
+        <a:p>
+          <a:r>
+            <a:rPr lang="pt-BR" sz="2000" b="1" dirty="0" smtClean="0">
+              <a:solidFill>
+                <a:srgbClr val="0070C0"/>
+              </a:solidFill>
+            </a:rPr>
+            <a:t>Usuário</a:t>
+          </a:r>
+          <a:endParaRPr lang="pt-BR" sz="2000" b="1" dirty="0">
+            <a:solidFill>
+              <a:srgbClr val="0070C0"/>
+            </a:solidFill>
+          </a:endParaRPr>
+        </a:p>
+      </dgm:t>
+    </dgm:pt>
+    <dgm:pt modelId="{62C15E06-9F1B-4472-A7B4-FEFADBC7E807}" type="parTrans" cxnId="{4A7FA099-9464-4ACD-A790-6102C1584AD1}">
+      <dgm:prSet/>
+      <dgm:spPr/>
+      <dgm:t>
+        <a:bodyPr/>
+        <a:lstStyle/>
+        <a:p>
+          <a:endParaRPr lang="pt-BR"/>
+        </a:p>
+      </dgm:t>
+    </dgm:pt>
+    <dgm:pt modelId="{401344D0-ED0B-4340-9FCD-FF07FE375E6C}" type="sibTrans" cxnId="{4A7FA099-9464-4ACD-A790-6102C1584AD1}">
+      <dgm:prSet/>
+      <dgm:spPr/>
+      <dgm:t>
+        <a:bodyPr/>
+        <a:lstStyle/>
+        <a:p>
+          <a:endParaRPr lang="pt-BR"/>
+        </a:p>
+      </dgm:t>
+    </dgm:pt>
+    <dgm:pt modelId="{3608A19D-5895-4CCB-AE7C-602B7B47F013}">
+      <dgm:prSet phldrT="[Texto]" custT="1">
+        <dgm:style>
+          <a:lnRef idx="1">
+            <a:schemeClr val="accent4"/>
+          </a:lnRef>
+          <a:fillRef idx="3">
+            <a:schemeClr val="accent4"/>
+          </a:fillRef>
+          <a:effectRef idx="2">
+            <a:schemeClr val="accent4"/>
+          </a:effectRef>
+          <a:fontRef idx="minor">
+            <a:schemeClr val="lt1"/>
+          </a:fontRef>
+        </dgm:style>
+      </dgm:prSet>
+      <dgm:spPr>
+        <a:solidFill>
+          <a:srgbClr val="C00000"/>
+        </a:solidFill>
+        <a:effectLst>
+          <a:reflection blurRad="6350" stA="52000" endA="300" endPos="35000" dir="5400000" sy="-100000" algn="bl" rotWithShape="0"/>
+        </a:effectLst>
+      </dgm:spPr>
+      <dgm:t>
+        <a:bodyPr/>
+        <a:lstStyle/>
+        <a:p>
+          <a:r>
+            <a:rPr lang="pt-BR" sz="1600" b="1" dirty="0" smtClean="0">
+              <a:solidFill>
+                <a:schemeClr val="accent6">
+                  <a:lumMod val="60000"/>
+                  <a:lumOff val="40000"/>
+                </a:schemeClr>
+              </a:solidFill>
+            </a:rPr>
+            <a:t>Ambiente de servidor</a:t>
+          </a:r>
+          <a:endParaRPr lang="pt-BR" sz="1600" b="1" dirty="0">
+            <a:solidFill>
+              <a:schemeClr val="accent6">
+                <a:lumMod val="60000"/>
+                <a:lumOff val="40000"/>
+              </a:schemeClr>
+            </a:solidFill>
+          </a:endParaRPr>
+        </a:p>
+      </dgm:t>
+    </dgm:pt>
+    <dgm:pt modelId="{F6ED7F5C-3473-4CB6-A854-8AAB4553A7BF}" type="parTrans" cxnId="{84076030-E45A-4466-9EAA-5CA3C5F3D1A7}">
+      <dgm:prSet/>
+      <dgm:spPr/>
+      <dgm:t>
+        <a:bodyPr/>
+        <a:lstStyle/>
+        <a:p>
+          <a:endParaRPr lang="pt-BR"/>
+        </a:p>
+      </dgm:t>
+    </dgm:pt>
+    <dgm:pt modelId="{B8867D9A-5291-4E44-8E27-7C2CE1750192}" type="sibTrans" cxnId="{84076030-E45A-4466-9EAA-5CA3C5F3D1A7}">
+      <dgm:prSet/>
+      <dgm:spPr/>
+      <dgm:t>
+        <a:bodyPr/>
+        <a:lstStyle/>
+        <a:p>
+          <a:endParaRPr lang="pt-BR"/>
+        </a:p>
+      </dgm:t>
+    </dgm:pt>
+    <dgm:pt modelId="{17C36E47-B60A-48AF-9203-3A426FDDC061}">
+      <dgm:prSet phldrT="[Texto]" custT="1">
+        <dgm:style>
+          <a:lnRef idx="1">
+            <a:schemeClr val="accent4"/>
+          </a:lnRef>
+          <a:fillRef idx="3">
+            <a:schemeClr val="accent4"/>
+          </a:fillRef>
+          <a:effectRef idx="2">
+            <a:schemeClr val="accent4"/>
+          </a:effectRef>
+          <a:fontRef idx="minor">
+            <a:schemeClr val="lt1"/>
+          </a:fontRef>
+        </dgm:style>
+      </dgm:prSet>
+      <dgm:spPr>
+        <a:solidFill>
+          <a:srgbClr val="C00000"/>
+        </a:solidFill>
+        <a:effectLst>
+          <a:reflection blurRad="6350" stA="52000" endA="300" endPos="35000" dir="5400000" sy="-100000" algn="bl" rotWithShape="0"/>
+        </a:effectLst>
+      </dgm:spPr>
+      <dgm:t>
+        <a:bodyPr/>
+        <a:lstStyle/>
+        <a:p>
+          <a:r>
+            <a:rPr lang="pt-BR" sz="1600" b="1" dirty="0" smtClean="0">
+              <a:solidFill>
+                <a:schemeClr val="accent6">
+                  <a:lumMod val="60000"/>
+                  <a:lumOff val="40000"/>
+                </a:schemeClr>
+              </a:solidFill>
+            </a:rPr>
+            <a:t>Processamento de solicitações de usuários</a:t>
+          </a:r>
+          <a:endParaRPr lang="pt-BR" sz="1600" b="1" dirty="0">
+            <a:solidFill>
+              <a:schemeClr val="accent6">
+                <a:lumMod val="60000"/>
+                <a:lumOff val="40000"/>
+              </a:schemeClr>
+            </a:solidFill>
+          </a:endParaRPr>
+        </a:p>
+      </dgm:t>
+    </dgm:pt>
+    <dgm:pt modelId="{5D184643-6CAF-4BEF-9B8E-9CEF559E3FA0}" type="parTrans" cxnId="{389F34DF-E799-4B31-BA52-DA4BE4D473D3}">
+      <dgm:prSet/>
+      <dgm:spPr/>
+      <dgm:t>
+        <a:bodyPr/>
+        <a:lstStyle/>
+        <a:p>
+          <a:endParaRPr lang="pt-BR"/>
+        </a:p>
+      </dgm:t>
+    </dgm:pt>
+    <dgm:pt modelId="{D9FFAE66-B2AA-420E-97F1-1E782654582A}" type="sibTrans" cxnId="{389F34DF-E799-4B31-BA52-DA4BE4D473D3}">
+      <dgm:prSet/>
+      <dgm:spPr/>
+      <dgm:t>
+        <a:bodyPr/>
+        <a:lstStyle/>
+        <a:p>
+          <a:endParaRPr lang="pt-BR"/>
+        </a:p>
+      </dgm:t>
+    </dgm:pt>
+    <dgm:pt modelId="{2D163772-13E5-4074-928D-7A5A7DBF63A5}">
+      <dgm:prSet phldrT="[Texto]" custT="1">
+        <dgm:style>
+          <a:lnRef idx="1">
+            <a:schemeClr val="accent4"/>
+          </a:lnRef>
+          <a:fillRef idx="3">
+            <a:schemeClr val="accent4"/>
+          </a:fillRef>
+          <a:effectRef idx="2">
+            <a:schemeClr val="accent4"/>
+          </a:effectRef>
+          <a:fontRef idx="minor">
+            <a:schemeClr val="lt1"/>
+          </a:fontRef>
+        </dgm:style>
+      </dgm:prSet>
+      <dgm:spPr>
+        <a:solidFill>
+          <a:srgbClr val="C00000"/>
+        </a:solidFill>
+        <a:effectLst>
+          <a:reflection blurRad="6350" stA="52000" endA="300" endPos="35000" dir="5400000" sy="-100000" algn="bl" rotWithShape="0"/>
+        </a:effectLst>
+      </dgm:spPr>
+      <dgm:t>
+        <a:bodyPr/>
+        <a:lstStyle/>
+        <a:p>
+          <a:endParaRPr lang="pt-BR" sz="1600" b="1" dirty="0">
+            <a:solidFill>
+              <a:srgbClr val="0070C0"/>
+            </a:solidFill>
+          </a:endParaRPr>
+        </a:p>
+      </dgm:t>
+    </dgm:pt>
+    <dgm:pt modelId="{757ACCF4-9AEE-4064-80DF-9850B6B60C93}" type="parTrans" cxnId="{DE132E6E-2775-4267-BE23-76DFED146DF3}">
+      <dgm:prSet/>
+      <dgm:spPr/>
+      <dgm:t>
+        <a:bodyPr/>
+        <a:lstStyle/>
+        <a:p>
+          <a:endParaRPr lang="pt-BR"/>
+        </a:p>
+      </dgm:t>
+    </dgm:pt>
+    <dgm:pt modelId="{EADCE4D3-E256-4844-B0A4-83F42236A03B}" type="sibTrans" cxnId="{DE132E6E-2775-4267-BE23-76DFED146DF3}">
+      <dgm:prSet/>
+      <dgm:spPr/>
+      <dgm:t>
+        <a:bodyPr/>
+        <a:lstStyle/>
+        <a:p>
+          <a:endParaRPr lang="pt-BR"/>
+        </a:p>
+      </dgm:t>
+    </dgm:pt>
+    <dgm:pt modelId="{2F3DF7DE-E5C9-4440-80D1-538313244BE6}">
+      <dgm:prSet phldrT="[Texto]" custT="1">
+        <dgm:style>
+          <a:lnRef idx="1">
+            <a:schemeClr val="accent4"/>
+          </a:lnRef>
+          <a:fillRef idx="3">
+            <a:schemeClr val="accent4"/>
+          </a:fillRef>
+          <a:effectRef idx="2">
+            <a:schemeClr val="accent4"/>
+          </a:effectRef>
+          <a:fontRef idx="minor">
+            <a:schemeClr val="lt1"/>
+          </a:fontRef>
+        </dgm:style>
+      </dgm:prSet>
+      <dgm:spPr>
+        <a:solidFill>
+          <a:srgbClr val="C00000"/>
+        </a:solidFill>
+        <a:effectLst>
+          <a:reflection blurRad="6350" stA="52000" endA="300" endPos="35000" dir="5400000" sy="-100000" algn="bl" rotWithShape="0"/>
+        </a:effectLst>
+      </dgm:spPr>
+      <dgm:t>
+        <a:bodyPr/>
+        <a:lstStyle/>
+        <a:p>
+          <a:endParaRPr lang="pt-BR" sz="1600" b="1" dirty="0">
+            <a:solidFill>
+              <a:schemeClr val="accent6">
+                <a:lumMod val="60000"/>
+                <a:lumOff val="40000"/>
+              </a:schemeClr>
+            </a:solidFill>
+          </a:endParaRPr>
+        </a:p>
+      </dgm:t>
+    </dgm:pt>
+    <dgm:pt modelId="{3C0BC7DD-F66C-4719-92AE-5E9E7825604D}" type="parTrans" cxnId="{D058A61E-2631-4792-87A9-3570D8D2DB0F}">
+      <dgm:prSet/>
+      <dgm:spPr/>
+      <dgm:t>
+        <a:bodyPr/>
+        <a:lstStyle/>
+        <a:p>
+          <a:endParaRPr lang="pt-BR"/>
+        </a:p>
+      </dgm:t>
+    </dgm:pt>
+    <dgm:pt modelId="{4569B2FB-90CA-4536-9206-69C81C9FC0BD}" type="sibTrans" cxnId="{D058A61E-2631-4792-87A9-3570D8D2DB0F}">
+      <dgm:prSet/>
+      <dgm:spPr/>
+      <dgm:t>
+        <a:bodyPr/>
+        <a:lstStyle/>
+        <a:p>
+          <a:endParaRPr lang="pt-BR"/>
+        </a:p>
+      </dgm:t>
+    </dgm:pt>
+    <dgm:pt modelId="{15C81867-89A5-4131-BC4C-32819ECB9224}">
+      <dgm:prSet phldrT="[Texto]" custT="1">
+        <dgm:style>
+          <a:lnRef idx="1">
+            <a:schemeClr val="accent6"/>
+          </a:lnRef>
+          <a:fillRef idx="3">
+            <a:schemeClr val="accent6"/>
+          </a:fillRef>
+          <a:effectRef idx="2">
+            <a:schemeClr val="accent6"/>
+          </a:effectRef>
+          <a:fontRef idx="minor">
+            <a:schemeClr val="lt1"/>
+          </a:fontRef>
+        </dgm:style>
+      </dgm:prSet>
+      <dgm:spPr>
+        <a:solidFill>
+          <a:srgbClr val="C00000"/>
+        </a:solidFill>
+        <a:effectLst>
+          <a:reflection blurRad="6350" stA="52000" endA="300" endPos="35000" dir="5400000" sy="-100000" algn="bl" rotWithShape="0"/>
+        </a:effectLst>
+      </dgm:spPr>
+      <dgm:t>
+        <a:bodyPr/>
+        <a:lstStyle/>
+        <a:p>
+          <a:r>
+            <a:rPr lang="pt-BR" sz="1600" b="1" dirty="0" smtClean="0">
+              <a:solidFill>
+                <a:schemeClr val="accent6">
+                  <a:lumMod val="60000"/>
+                  <a:lumOff val="40000"/>
+                </a:schemeClr>
+              </a:solidFill>
+            </a:rPr>
+            <a:t>Dispositivo de acesso do usuário</a:t>
+          </a:r>
+          <a:endParaRPr lang="pt-BR" sz="1600" b="1" dirty="0">
+            <a:solidFill>
+              <a:schemeClr val="accent6">
+                <a:lumMod val="60000"/>
+                <a:lumOff val="40000"/>
+              </a:schemeClr>
+            </a:solidFill>
+          </a:endParaRPr>
+        </a:p>
+      </dgm:t>
+    </dgm:pt>
+    <dgm:pt modelId="{BEAE1DAF-4E1C-4B73-9668-E693D0170F93}" type="parTrans" cxnId="{C423E00E-A025-461E-AC42-F12191D105F6}">
+      <dgm:prSet/>
+      <dgm:spPr/>
+      <dgm:t>
+        <a:bodyPr/>
+        <a:lstStyle/>
+        <a:p>
+          <a:endParaRPr lang="pt-BR"/>
+        </a:p>
+      </dgm:t>
+    </dgm:pt>
+    <dgm:pt modelId="{4032F790-153B-41F0-BA2B-917C36EF37DC}" type="sibTrans" cxnId="{C423E00E-A025-461E-AC42-F12191D105F6}">
+      <dgm:prSet/>
+      <dgm:spPr/>
+      <dgm:t>
+        <a:bodyPr/>
+        <a:lstStyle/>
+        <a:p>
+          <a:endParaRPr lang="pt-BR"/>
+        </a:p>
+      </dgm:t>
+    </dgm:pt>
+    <dgm:pt modelId="{50C663CD-616C-44EE-98F1-BB5FDDDEDCC8}" type="pres">
+      <dgm:prSet presAssocID="{4412B91F-CF8D-4A42-83DF-7CDCCDA80F7D}" presName="Name0" presStyleCnt="0">
+        <dgm:presLayoutVars>
+          <dgm:dir/>
+          <dgm:animLvl val="lvl"/>
+          <dgm:resizeHandles val="exact"/>
+        </dgm:presLayoutVars>
+      </dgm:prSet>
+      <dgm:spPr/>
+    </dgm:pt>
+    <dgm:pt modelId="{138CD9C0-127E-45DD-BA5D-F929D722FD16}" type="pres">
+      <dgm:prSet presAssocID="{4412B91F-CF8D-4A42-83DF-7CDCCDA80F7D}" presName="tSp" presStyleCnt="0"/>
+      <dgm:spPr/>
+    </dgm:pt>
+    <dgm:pt modelId="{EF0649EA-CFC7-443D-9E0B-71BBF1A268A7}" type="pres">
+      <dgm:prSet presAssocID="{4412B91F-CF8D-4A42-83DF-7CDCCDA80F7D}" presName="bSp" presStyleCnt="0"/>
+      <dgm:spPr/>
+    </dgm:pt>
+    <dgm:pt modelId="{2FA38D1F-3777-488A-AF41-E467FA0BCCBE}" type="pres">
+      <dgm:prSet presAssocID="{4412B91F-CF8D-4A42-83DF-7CDCCDA80F7D}" presName="process" presStyleCnt="0"/>
+      <dgm:spPr/>
+    </dgm:pt>
+    <dgm:pt modelId="{89DDC4F3-F3F3-4239-A83C-C491858470CF}" type="pres">
+      <dgm:prSet presAssocID="{7DFE07BF-9A88-4152-9E58-09C9E20DB3CE}" presName="composite1" presStyleCnt="0"/>
+      <dgm:spPr/>
+    </dgm:pt>
+    <dgm:pt modelId="{CE4C2E72-3724-46B2-B8A7-7325163EB628}" type="pres">
+      <dgm:prSet presAssocID="{7DFE07BF-9A88-4152-9E58-09C9E20DB3CE}" presName="dummyNode1" presStyleLbl="node1" presStyleIdx="0" presStyleCnt="3"/>
+      <dgm:spPr/>
+    </dgm:pt>
+    <dgm:pt modelId="{77351131-57DF-4AF2-A89D-95AF9C6149DC}" type="pres">
+      <dgm:prSet presAssocID="{7DFE07BF-9A88-4152-9E58-09C9E20DB3CE}" presName="childNode1" presStyleLbl="bgAcc1" presStyleIdx="0" presStyleCnt="3">
+        <dgm:presLayoutVars>
+          <dgm:bulletEnabled val="1"/>
+        </dgm:presLayoutVars>
+        <dgm:style>
+          <a:lnRef idx="1">
+            <a:schemeClr val="accent3"/>
+          </a:lnRef>
+          <a:fillRef idx="3">
+            <a:schemeClr val="accent3"/>
+          </a:fillRef>
+          <a:effectRef idx="2">
+            <a:schemeClr val="accent3"/>
+          </a:effectRef>
+          <a:fontRef idx="minor">
+            <a:schemeClr val="lt1"/>
+          </a:fontRef>
+        </dgm:style>
+      </dgm:prSet>
+      <dgm:spPr/>
+      <dgm:t>
+        <a:bodyPr/>
+        <a:lstStyle/>
+        <a:p>
+          <a:endParaRPr lang="pt-BR"/>
+        </a:p>
+      </dgm:t>
+    </dgm:pt>
+    <dgm:pt modelId="{CEA85225-BA33-4729-B542-7DD51242ADCB}" type="pres">
+      <dgm:prSet presAssocID="{7DFE07BF-9A88-4152-9E58-09C9E20DB3CE}" presName="childNode1tx" presStyleLbl="bgAcc1" presStyleIdx="0" presStyleCnt="3">
+        <dgm:presLayoutVars>
+          <dgm:bulletEnabled val="1"/>
+        </dgm:presLayoutVars>
+      </dgm:prSet>
+      <dgm:spPr/>
+      <dgm:t>
+        <a:bodyPr/>
+        <a:lstStyle/>
+        <a:p>
+          <a:endParaRPr lang="pt-BR"/>
+        </a:p>
+      </dgm:t>
+    </dgm:pt>
+    <dgm:pt modelId="{168FD8A5-9BA3-47FA-8D32-ED60BCA98D24}" type="pres">
+      <dgm:prSet presAssocID="{7DFE07BF-9A88-4152-9E58-09C9E20DB3CE}" presName="parentNode1" presStyleLbl="node1" presStyleIdx="0" presStyleCnt="3">
+        <dgm:presLayoutVars>
+          <dgm:chMax val="1"/>
+          <dgm:bulletEnabled val="1"/>
+        </dgm:presLayoutVars>
+      </dgm:prSet>
+      <dgm:spPr/>
+      <dgm:t>
+        <a:bodyPr/>
+        <a:lstStyle/>
+        <a:p>
+          <a:endParaRPr lang="pt-BR"/>
+        </a:p>
+      </dgm:t>
+    </dgm:pt>
+    <dgm:pt modelId="{19E0FD0D-A5E1-4500-9E66-9120DFF7FD2E}" type="pres">
+      <dgm:prSet presAssocID="{7DFE07BF-9A88-4152-9E58-09C9E20DB3CE}" presName="connSite1" presStyleCnt="0"/>
+      <dgm:spPr/>
+    </dgm:pt>
+    <dgm:pt modelId="{BB47B8A7-A69A-47BA-8429-499D75D98923}" type="pres">
+      <dgm:prSet presAssocID="{E68D9850-B3A4-4979-A4D0-E3D401A29AB5}" presName="Name9" presStyleLbl="sibTrans2D1" presStyleIdx="0" presStyleCnt="2"/>
+      <dgm:spPr/>
+    </dgm:pt>
+    <dgm:pt modelId="{F416103B-C45A-486D-81AB-4454CBBAB63C}" type="pres">
+      <dgm:prSet presAssocID="{3865D5FF-DA00-4906-B6F5-07C839464584}" presName="composite2" presStyleCnt="0"/>
+      <dgm:spPr/>
+    </dgm:pt>
+    <dgm:pt modelId="{62D91DAE-84AE-4F97-8159-CA8D1E702613}" type="pres">
+      <dgm:prSet presAssocID="{3865D5FF-DA00-4906-B6F5-07C839464584}" presName="dummyNode2" presStyleLbl="node1" presStyleIdx="0" presStyleCnt="3"/>
+      <dgm:spPr/>
+    </dgm:pt>
+    <dgm:pt modelId="{0C27C69B-3C82-4A7E-9AEC-146B678149A2}" type="pres">
+      <dgm:prSet presAssocID="{3865D5FF-DA00-4906-B6F5-07C839464584}" presName="childNode2" presStyleLbl="bgAcc1" presStyleIdx="1" presStyleCnt="3">
+        <dgm:presLayoutVars>
+          <dgm:bulletEnabled val="1"/>
+        </dgm:presLayoutVars>
+        <dgm:style>
+          <a:lnRef idx="1">
+            <a:schemeClr val="accent3"/>
+          </a:lnRef>
+          <a:fillRef idx="3">
+            <a:schemeClr val="accent3"/>
+          </a:fillRef>
+          <a:effectRef idx="2">
+            <a:schemeClr val="accent3"/>
+          </a:effectRef>
+          <a:fontRef idx="minor">
+            <a:schemeClr val="lt1"/>
+          </a:fontRef>
+        </dgm:style>
+      </dgm:prSet>
+      <dgm:spPr/>
+      <dgm:t>
+        <a:bodyPr/>
+        <a:lstStyle/>
+        <a:p>
+          <a:endParaRPr lang="pt-BR"/>
+        </a:p>
+      </dgm:t>
+    </dgm:pt>
+    <dgm:pt modelId="{39B7AE1B-7006-4AD9-AFC0-AD9AB09ED28C}" type="pres">
+      <dgm:prSet presAssocID="{3865D5FF-DA00-4906-B6F5-07C839464584}" presName="childNode2tx" presStyleLbl="bgAcc1" presStyleIdx="1" presStyleCnt="3">
+        <dgm:presLayoutVars>
+          <dgm:bulletEnabled val="1"/>
+        </dgm:presLayoutVars>
+      </dgm:prSet>
+      <dgm:spPr/>
+      <dgm:t>
+        <a:bodyPr/>
+        <a:lstStyle/>
+        <a:p>
+          <a:endParaRPr lang="pt-BR"/>
+        </a:p>
+      </dgm:t>
+    </dgm:pt>
+    <dgm:pt modelId="{85BA2879-403E-43AC-A59E-A90A5FACC251}" type="pres">
+      <dgm:prSet presAssocID="{3865D5FF-DA00-4906-B6F5-07C839464584}" presName="parentNode2" presStyleLbl="node1" presStyleIdx="1" presStyleCnt="3">
+        <dgm:presLayoutVars>
+          <dgm:chMax val="0"/>
+          <dgm:bulletEnabled val="1"/>
+        </dgm:presLayoutVars>
+      </dgm:prSet>
+      <dgm:spPr/>
+    </dgm:pt>
+    <dgm:pt modelId="{38974F4D-A258-43E3-9D7E-91A1D78BB4C2}" type="pres">
+      <dgm:prSet presAssocID="{3865D5FF-DA00-4906-B6F5-07C839464584}" presName="connSite2" presStyleCnt="0"/>
+      <dgm:spPr/>
+    </dgm:pt>
+    <dgm:pt modelId="{E5E8036A-476D-4F9C-9D7B-4ED08A33C842}" type="pres">
+      <dgm:prSet presAssocID="{CFF97A55-CF3E-4E1D-AF04-5A3631D6CB6D}" presName="Name18" presStyleLbl="sibTrans2D1" presStyleIdx="1" presStyleCnt="2"/>
+      <dgm:spPr/>
+    </dgm:pt>
+    <dgm:pt modelId="{AD1ED0EA-8DA3-4054-AB1B-26226A9CAF81}" type="pres">
+      <dgm:prSet presAssocID="{F3A2DAB8-2AB9-419A-82D3-D743A16978C8}" presName="composite1" presStyleCnt="0"/>
+      <dgm:spPr/>
+    </dgm:pt>
+    <dgm:pt modelId="{B1E2031A-7AD3-4EBE-A697-E6D795AD0EF2}" type="pres">
+      <dgm:prSet presAssocID="{F3A2DAB8-2AB9-419A-82D3-D743A16978C8}" presName="dummyNode1" presStyleLbl="node1" presStyleIdx="1" presStyleCnt="3"/>
+      <dgm:spPr/>
+    </dgm:pt>
+    <dgm:pt modelId="{AE566E9F-D101-4F88-9692-208EF2AE8557}" type="pres">
+      <dgm:prSet presAssocID="{F3A2DAB8-2AB9-419A-82D3-D743A16978C8}" presName="childNode1" presStyleLbl="bgAcc1" presStyleIdx="2" presStyleCnt="3">
+        <dgm:presLayoutVars>
+          <dgm:bulletEnabled val="1"/>
+        </dgm:presLayoutVars>
+        <dgm:style>
+          <a:lnRef idx="1">
+            <a:schemeClr val="accent3"/>
+          </a:lnRef>
+          <a:fillRef idx="3">
+            <a:schemeClr val="accent3"/>
+          </a:fillRef>
+          <a:effectRef idx="2">
+            <a:schemeClr val="accent3"/>
+          </a:effectRef>
+          <a:fontRef idx="minor">
+            <a:schemeClr val="lt1"/>
+          </a:fontRef>
+        </dgm:style>
+      </dgm:prSet>
+      <dgm:spPr/>
+      <dgm:t>
+        <a:bodyPr/>
+        <a:lstStyle/>
+        <a:p>
+          <a:endParaRPr lang="pt-BR"/>
+        </a:p>
+      </dgm:t>
+    </dgm:pt>
+    <dgm:pt modelId="{388BBD37-9C2B-4172-8678-CDF3BB968BFB}" type="pres">
+      <dgm:prSet presAssocID="{F3A2DAB8-2AB9-419A-82D3-D743A16978C8}" presName="childNode1tx" presStyleLbl="bgAcc1" presStyleIdx="2" presStyleCnt="3">
+        <dgm:presLayoutVars>
+          <dgm:bulletEnabled val="1"/>
+        </dgm:presLayoutVars>
+      </dgm:prSet>
+      <dgm:spPr/>
+      <dgm:t>
+        <a:bodyPr/>
+        <a:lstStyle/>
+        <a:p>
+          <a:endParaRPr lang="pt-BR"/>
+        </a:p>
+      </dgm:t>
+    </dgm:pt>
+    <dgm:pt modelId="{301F9B7A-61FD-4D71-8D0E-DCB457B0DAC9}" type="pres">
+      <dgm:prSet presAssocID="{F3A2DAB8-2AB9-419A-82D3-D743A16978C8}" presName="parentNode1" presStyleLbl="node1" presStyleIdx="2" presStyleCnt="3">
+        <dgm:presLayoutVars>
+          <dgm:chMax val="1"/>
+          <dgm:bulletEnabled val="1"/>
+        </dgm:presLayoutVars>
+      </dgm:prSet>
+      <dgm:spPr/>
+      <dgm:t>
+        <a:bodyPr/>
+        <a:lstStyle/>
+        <a:p>
+          <a:endParaRPr lang="pt-BR"/>
+        </a:p>
+      </dgm:t>
+    </dgm:pt>
+    <dgm:pt modelId="{078A6A3C-B76D-4C3E-B6DC-01589DDA040C}" type="pres">
+      <dgm:prSet presAssocID="{F3A2DAB8-2AB9-419A-82D3-D743A16978C8}" presName="connSite1" presStyleCnt="0"/>
+      <dgm:spPr/>
+    </dgm:pt>
+  </dgm:ptLst>
+  <dgm:cxnLst>
+    <dgm:cxn modelId="{1826DE69-BCA5-4CC2-AB59-256DBC7E4BC8}" type="presOf" srcId="{F3A2DAB8-2AB9-419A-82D3-D743A16978C8}" destId="{301F9B7A-61FD-4D71-8D0E-DCB457B0DAC9}" srcOrd="0" destOrd="0" presId="urn:microsoft.com/office/officeart/2005/8/layout/hProcess4"/>
+    <dgm:cxn modelId="{6D0A7A03-30F7-44B7-932A-6B9A0E02B815}" type="presOf" srcId="{3608A19D-5895-4CCB-AE7C-602B7B47F013}" destId="{77351131-57DF-4AF2-A89D-95AF9C6149DC}" srcOrd="0" destOrd="0" presId="urn:microsoft.com/office/officeart/2005/8/layout/hProcess4"/>
+    <dgm:cxn modelId="{C423E00E-A025-461E-AC42-F12191D105F6}" srcId="{F3A2DAB8-2AB9-419A-82D3-D743A16978C8}" destId="{15C81867-89A5-4131-BC4C-32819ECB9224}" srcOrd="0" destOrd="0" parTransId="{BEAE1DAF-4E1C-4B73-9668-E693D0170F93}" sibTransId="{4032F790-153B-41F0-BA2B-917C36EF37DC}"/>
+    <dgm:cxn modelId="{C807233E-7AF8-4376-8C44-360C1AC79F85}" type="presOf" srcId="{2D163772-13E5-4074-928D-7A5A7DBF63A5}" destId="{39B7AE1B-7006-4AD9-AFC0-AD9AB09ED28C}" srcOrd="1" destOrd="0" presId="urn:microsoft.com/office/officeart/2005/8/layout/hProcess4"/>
+    <dgm:cxn modelId="{84076030-E45A-4466-9EAA-5CA3C5F3D1A7}" srcId="{7DFE07BF-9A88-4152-9E58-09C9E20DB3CE}" destId="{3608A19D-5895-4CCB-AE7C-602B7B47F013}" srcOrd="0" destOrd="0" parTransId="{F6ED7F5C-3473-4CB6-A854-8AAB4553A7BF}" sibTransId="{B8867D9A-5291-4E44-8E27-7C2CE1750192}"/>
+    <dgm:cxn modelId="{C730B313-4D1D-4229-8314-A3150E0294B1}" type="presOf" srcId="{E68D9850-B3A4-4979-A4D0-E3D401A29AB5}" destId="{BB47B8A7-A69A-47BA-8429-499D75D98923}" srcOrd="0" destOrd="0" presId="urn:microsoft.com/office/officeart/2005/8/layout/hProcess4"/>
+    <dgm:cxn modelId="{389F34DF-E799-4B31-BA52-DA4BE4D473D3}" srcId="{3865D5FF-DA00-4906-B6F5-07C839464584}" destId="{17C36E47-B60A-48AF-9203-3A426FDDC061}" srcOrd="2" destOrd="0" parTransId="{5D184643-6CAF-4BEF-9B8E-9CEF559E3FA0}" sibTransId="{D9FFAE66-B2AA-420E-97F1-1E782654582A}"/>
+    <dgm:cxn modelId="{D058A61E-2631-4792-87A9-3570D8D2DB0F}" srcId="{3865D5FF-DA00-4906-B6F5-07C839464584}" destId="{2F3DF7DE-E5C9-4440-80D1-538313244BE6}" srcOrd="1" destOrd="0" parTransId="{3C0BC7DD-F66C-4719-92AE-5E9E7825604D}" sibTransId="{4569B2FB-90CA-4536-9206-69C81C9FC0BD}"/>
+    <dgm:cxn modelId="{454AD78F-2D17-4EB0-B913-79380716CE39}" type="presOf" srcId="{2D163772-13E5-4074-928D-7A5A7DBF63A5}" destId="{0C27C69B-3C82-4A7E-9AEC-146B678149A2}" srcOrd="0" destOrd="0" presId="urn:microsoft.com/office/officeart/2005/8/layout/hProcess4"/>
+    <dgm:cxn modelId="{FCD6A96D-054B-4471-90ED-6EB5ED0EBFF9}" type="presOf" srcId="{CFF97A55-CF3E-4E1D-AF04-5A3631D6CB6D}" destId="{E5E8036A-476D-4F9C-9D7B-4ED08A33C842}" srcOrd="0" destOrd="0" presId="urn:microsoft.com/office/officeart/2005/8/layout/hProcess4"/>
+    <dgm:cxn modelId="{4A7FA099-9464-4ACD-A790-6102C1584AD1}" srcId="{4412B91F-CF8D-4A42-83DF-7CDCCDA80F7D}" destId="{F3A2DAB8-2AB9-419A-82D3-D743A16978C8}" srcOrd="2" destOrd="0" parTransId="{62C15E06-9F1B-4472-A7B4-FEFADBC7E807}" sibTransId="{401344D0-ED0B-4340-9FCD-FF07FE375E6C}"/>
+    <dgm:cxn modelId="{F6F5BFB7-87A2-418B-8A67-5193C4B8B5C2}" type="presOf" srcId="{3865D5FF-DA00-4906-B6F5-07C839464584}" destId="{85BA2879-403E-43AC-A59E-A90A5FACC251}" srcOrd="0" destOrd="0" presId="urn:microsoft.com/office/officeart/2005/8/layout/hProcess4"/>
+    <dgm:cxn modelId="{DE132E6E-2775-4267-BE23-76DFED146DF3}" srcId="{3865D5FF-DA00-4906-B6F5-07C839464584}" destId="{2D163772-13E5-4074-928D-7A5A7DBF63A5}" srcOrd="0" destOrd="0" parTransId="{757ACCF4-9AEE-4064-80DF-9850B6B60C93}" sibTransId="{EADCE4D3-E256-4844-B0A4-83F42236A03B}"/>
+    <dgm:cxn modelId="{901AD719-F247-413A-B1B3-109C2FFB2AE5}" type="presOf" srcId="{17C36E47-B60A-48AF-9203-3A426FDDC061}" destId="{39B7AE1B-7006-4AD9-AFC0-AD9AB09ED28C}" srcOrd="1" destOrd="2" presId="urn:microsoft.com/office/officeart/2005/8/layout/hProcess4"/>
+    <dgm:cxn modelId="{78BD922F-CC17-4C21-97FA-865DD57CC5F7}" type="presOf" srcId="{2F3DF7DE-E5C9-4440-80D1-538313244BE6}" destId="{39B7AE1B-7006-4AD9-AFC0-AD9AB09ED28C}" srcOrd="1" destOrd="1" presId="urn:microsoft.com/office/officeart/2005/8/layout/hProcess4"/>
+    <dgm:cxn modelId="{18A399E8-969F-433E-8129-BAB90BC4BA5D}" type="presOf" srcId="{15C81867-89A5-4131-BC4C-32819ECB9224}" destId="{AE566E9F-D101-4F88-9692-208EF2AE8557}" srcOrd="0" destOrd="0" presId="urn:microsoft.com/office/officeart/2005/8/layout/hProcess4"/>
+    <dgm:cxn modelId="{C03BE492-3E48-4B5B-B223-BD9B09A0499C}" type="presOf" srcId="{4412B91F-CF8D-4A42-83DF-7CDCCDA80F7D}" destId="{50C663CD-616C-44EE-98F1-BB5FDDDEDCC8}" srcOrd="0" destOrd="0" presId="urn:microsoft.com/office/officeart/2005/8/layout/hProcess4"/>
+    <dgm:cxn modelId="{35C165A5-5C5A-4F4B-AE9D-49DC63B3E5AF}" type="presOf" srcId="{15C81867-89A5-4131-BC4C-32819ECB9224}" destId="{388BBD37-9C2B-4172-8678-CDF3BB968BFB}" srcOrd="1" destOrd="0" presId="urn:microsoft.com/office/officeart/2005/8/layout/hProcess4"/>
+    <dgm:cxn modelId="{96F1515C-012C-4FBA-939B-73396FC64F01}" type="presOf" srcId="{7DFE07BF-9A88-4152-9E58-09C9E20DB3CE}" destId="{168FD8A5-9BA3-47FA-8D32-ED60BCA98D24}" srcOrd="0" destOrd="0" presId="urn:microsoft.com/office/officeart/2005/8/layout/hProcess4"/>
+    <dgm:cxn modelId="{F52A89F1-D611-4436-8916-14DEFBEAC79D}" srcId="{4412B91F-CF8D-4A42-83DF-7CDCCDA80F7D}" destId="{7DFE07BF-9A88-4152-9E58-09C9E20DB3CE}" srcOrd="0" destOrd="0" parTransId="{F2C6A117-64F1-4ED9-9C2B-9510107D76CB}" sibTransId="{E68D9850-B3A4-4979-A4D0-E3D401A29AB5}"/>
+    <dgm:cxn modelId="{AD41FD1E-945F-4B08-9162-F2D9E765F538}" type="presOf" srcId="{3608A19D-5895-4CCB-AE7C-602B7B47F013}" destId="{CEA85225-BA33-4729-B542-7DD51242ADCB}" srcOrd="1" destOrd="0" presId="urn:microsoft.com/office/officeart/2005/8/layout/hProcess4"/>
+    <dgm:cxn modelId="{6C7CF280-7813-4669-8A3A-FAF603EE06E7}" type="presOf" srcId="{17C36E47-B60A-48AF-9203-3A426FDDC061}" destId="{0C27C69B-3C82-4A7E-9AEC-146B678149A2}" srcOrd="0" destOrd="2" presId="urn:microsoft.com/office/officeart/2005/8/layout/hProcess4"/>
+    <dgm:cxn modelId="{C9D8935F-6C23-483A-8258-A9CABF3C76B0}" srcId="{4412B91F-CF8D-4A42-83DF-7CDCCDA80F7D}" destId="{3865D5FF-DA00-4906-B6F5-07C839464584}" srcOrd="1" destOrd="0" parTransId="{49FB8D0F-E70F-4A66-9F99-3E0F33864CA6}" sibTransId="{CFF97A55-CF3E-4E1D-AF04-5A3631D6CB6D}"/>
+    <dgm:cxn modelId="{CDA29DBF-6C67-4174-9590-4FD1FFC822A3}" type="presOf" srcId="{2F3DF7DE-E5C9-4440-80D1-538313244BE6}" destId="{0C27C69B-3C82-4A7E-9AEC-146B678149A2}" srcOrd="0" destOrd="1" presId="urn:microsoft.com/office/officeart/2005/8/layout/hProcess4"/>
+    <dgm:cxn modelId="{DC8F0603-A30F-4881-8DB3-C28DAA5234EB}" type="presParOf" srcId="{50C663CD-616C-44EE-98F1-BB5FDDDEDCC8}" destId="{138CD9C0-127E-45DD-BA5D-F929D722FD16}" srcOrd="0" destOrd="0" presId="urn:microsoft.com/office/officeart/2005/8/layout/hProcess4"/>
+    <dgm:cxn modelId="{5A02F5F5-BF03-478E-AB04-0CF1957AA6B2}" type="presParOf" srcId="{50C663CD-616C-44EE-98F1-BB5FDDDEDCC8}" destId="{EF0649EA-CFC7-443D-9E0B-71BBF1A268A7}" srcOrd="1" destOrd="0" presId="urn:microsoft.com/office/officeart/2005/8/layout/hProcess4"/>
+    <dgm:cxn modelId="{28FB9728-D277-4EA0-9D1D-8BA739CBDE26}" type="presParOf" srcId="{50C663CD-616C-44EE-98F1-BB5FDDDEDCC8}" destId="{2FA38D1F-3777-488A-AF41-E467FA0BCCBE}" srcOrd="2" destOrd="0" presId="urn:microsoft.com/office/officeart/2005/8/layout/hProcess4"/>
+    <dgm:cxn modelId="{B58891CF-FDF0-4FBA-83A4-C8836AF099D3}" type="presParOf" srcId="{2FA38D1F-3777-488A-AF41-E467FA0BCCBE}" destId="{89DDC4F3-F3F3-4239-A83C-C491858470CF}" srcOrd="0" destOrd="0" presId="urn:microsoft.com/office/officeart/2005/8/layout/hProcess4"/>
+    <dgm:cxn modelId="{20E5F93C-D8B7-4EF2-A6EB-F905380C2A2E}" type="presParOf" srcId="{89DDC4F3-F3F3-4239-A83C-C491858470CF}" destId="{CE4C2E72-3724-46B2-B8A7-7325163EB628}" srcOrd="0" destOrd="0" presId="urn:microsoft.com/office/officeart/2005/8/layout/hProcess4"/>
+    <dgm:cxn modelId="{A8A1A255-3E87-4E10-8244-32B98B48A13D}" type="presParOf" srcId="{89DDC4F3-F3F3-4239-A83C-C491858470CF}" destId="{77351131-57DF-4AF2-A89D-95AF9C6149DC}" srcOrd="1" destOrd="0" presId="urn:microsoft.com/office/officeart/2005/8/layout/hProcess4"/>
+    <dgm:cxn modelId="{074878F7-E244-4FA3-B3B9-EA7B3A6B6D49}" type="presParOf" srcId="{89DDC4F3-F3F3-4239-A83C-C491858470CF}" destId="{CEA85225-BA33-4729-B542-7DD51242ADCB}" srcOrd="2" destOrd="0" presId="urn:microsoft.com/office/officeart/2005/8/layout/hProcess4"/>
+    <dgm:cxn modelId="{34AD79C7-7E88-4A7A-8ACD-164C172AA6DE}" type="presParOf" srcId="{89DDC4F3-F3F3-4239-A83C-C491858470CF}" destId="{168FD8A5-9BA3-47FA-8D32-ED60BCA98D24}" srcOrd="3" destOrd="0" presId="urn:microsoft.com/office/officeart/2005/8/layout/hProcess4"/>
+    <dgm:cxn modelId="{FE251607-E5BC-4965-A4D8-D06645C487EA}" type="presParOf" srcId="{89DDC4F3-F3F3-4239-A83C-C491858470CF}" destId="{19E0FD0D-A5E1-4500-9E66-9120DFF7FD2E}" srcOrd="4" destOrd="0" presId="urn:microsoft.com/office/officeart/2005/8/layout/hProcess4"/>
+    <dgm:cxn modelId="{AE90600B-7E71-40E5-BC8A-298E3EFBB91A}" type="presParOf" srcId="{2FA38D1F-3777-488A-AF41-E467FA0BCCBE}" destId="{BB47B8A7-A69A-47BA-8429-499D75D98923}" srcOrd="1" destOrd="0" presId="urn:microsoft.com/office/officeart/2005/8/layout/hProcess4"/>
+    <dgm:cxn modelId="{6ED4AE1D-981F-4F73-94B8-791A297085BA}" type="presParOf" srcId="{2FA38D1F-3777-488A-AF41-E467FA0BCCBE}" destId="{F416103B-C45A-486D-81AB-4454CBBAB63C}" srcOrd="2" destOrd="0" presId="urn:microsoft.com/office/officeart/2005/8/layout/hProcess4"/>
+    <dgm:cxn modelId="{272DBB41-C26A-47B9-91F6-7D3E6B81390A}" type="presParOf" srcId="{F416103B-C45A-486D-81AB-4454CBBAB63C}" destId="{62D91DAE-84AE-4F97-8159-CA8D1E702613}" srcOrd="0" destOrd="0" presId="urn:microsoft.com/office/officeart/2005/8/layout/hProcess4"/>
+    <dgm:cxn modelId="{C1ACCFE2-3AA6-4638-A840-E429ED6247E3}" type="presParOf" srcId="{F416103B-C45A-486D-81AB-4454CBBAB63C}" destId="{0C27C69B-3C82-4A7E-9AEC-146B678149A2}" srcOrd="1" destOrd="0" presId="urn:microsoft.com/office/officeart/2005/8/layout/hProcess4"/>
+    <dgm:cxn modelId="{653DF506-4E38-4B3F-94D9-1BFF43945A2D}" type="presParOf" srcId="{F416103B-C45A-486D-81AB-4454CBBAB63C}" destId="{39B7AE1B-7006-4AD9-AFC0-AD9AB09ED28C}" srcOrd="2" destOrd="0" presId="urn:microsoft.com/office/officeart/2005/8/layout/hProcess4"/>
+    <dgm:cxn modelId="{B705B85E-226F-4966-ACF6-7A7BCFDD84A6}" type="presParOf" srcId="{F416103B-C45A-486D-81AB-4454CBBAB63C}" destId="{85BA2879-403E-43AC-A59E-A90A5FACC251}" srcOrd="3" destOrd="0" presId="urn:microsoft.com/office/officeart/2005/8/layout/hProcess4"/>
+    <dgm:cxn modelId="{3D72DD0F-3B54-42F8-8D17-2142FC7E1173}" type="presParOf" srcId="{F416103B-C45A-486D-81AB-4454CBBAB63C}" destId="{38974F4D-A258-43E3-9D7E-91A1D78BB4C2}" srcOrd="4" destOrd="0" presId="urn:microsoft.com/office/officeart/2005/8/layout/hProcess4"/>
+    <dgm:cxn modelId="{6AC860F9-0BA5-429A-BB0A-5289735A89D0}" type="presParOf" srcId="{2FA38D1F-3777-488A-AF41-E467FA0BCCBE}" destId="{E5E8036A-476D-4F9C-9D7B-4ED08A33C842}" srcOrd="3" destOrd="0" presId="urn:microsoft.com/office/officeart/2005/8/layout/hProcess4"/>
+    <dgm:cxn modelId="{C8711B08-E5DD-4F81-A28E-B6ABD1A5A8BF}" type="presParOf" srcId="{2FA38D1F-3777-488A-AF41-E467FA0BCCBE}" destId="{AD1ED0EA-8DA3-4054-AB1B-26226A9CAF81}" srcOrd="4" destOrd="0" presId="urn:microsoft.com/office/officeart/2005/8/layout/hProcess4"/>
+    <dgm:cxn modelId="{BF36E7D1-787B-4E5C-A424-C554C9756329}" type="presParOf" srcId="{AD1ED0EA-8DA3-4054-AB1B-26226A9CAF81}" destId="{B1E2031A-7AD3-4EBE-A697-E6D795AD0EF2}" srcOrd="0" destOrd="0" presId="urn:microsoft.com/office/officeart/2005/8/layout/hProcess4"/>
+    <dgm:cxn modelId="{F2D27704-B637-4B51-A4F8-BBE948A05622}" type="presParOf" srcId="{AD1ED0EA-8DA3-4054-AB1B-26226A9CAF81}" destId="{AE566E9F-D101-4F88-9692-208EF2AE8557}" srcOrd="1" destOrd="0" presId="urn:microsoft.com/office/officeart/2005/8/layout/hProcess4"/>
+    <dgm:cxn modelId="{D74EB6C2-20EA-4497-9FF7-2230481C0310}" type="presParOf" srcId="{AD1ED0EA-8DA3-4054-AB1B-26226A9CAF81}" destId="{388BBD37-9C2B-4172-8678-CDF3BB968BFB}" srcOrd="2" destOrd="0" presId="urn:microsoft.com/office/officeart/2005/8/layout/hProcess4"/>
+    <dgm:cxn modelId="{4C99789F-073F-4CC4-92F2-20610A639C5A}" type="presParOf" srcId="{AD1ED0EA-8DA3-4054-AB1B-26226A9CAF81}" destId="{301F9B7A-61FD-4D71-8D0E-DCB457B0DAC9}" srcOrd="3" destOrd="0" presId="urn:microsoft.com/office/officeart/2005/8/layout/hProcess4"/>
+    <dgm:cxn modelId="{83BC5137-E146-4B49-A3DE-A5E0360077A2}" type="presParOf" srcId="{AD1ED0EA-8DA3-4054-AB1B-26226A9CAF81}" destId="{078A6A3C-B76D-4C3E-B6DC-01589DDA040C}" srcOrd="4" destOrd="0" presId="urn:microsoft.com/office/officeart/2005/8/layout/hProcess4"/>
+  </dgm:cxnLst>
+  <dgm:bg/>
+  <dgm:whole/>
+  <dgm:extLst>
+    <a:ext uri="http://schemas.microsoft.com/office/drawing/2008/diagram">
+      <dsp:dataModelExt xmlns:dsp="http://schemas.microsoft.com/office/drawing/2008/diagram" xmlns="" relId="rId6" minVer="http://schemas.openxmlformats.org/drawingml/2006/diagram"/>
+    </a:ext>
+  </dgm:extLst>
+</dgm:dataModel>
+</file>
+
+<file path=ppt/diagrams/drawing1.xml><?xml version="1.0" encoding="utf-8"?>
+<dsp:drawing xmlns:dgm="http://schemas.openxmlformats.org/drawingml/2006/diagram" xmlns:a="http://schemas.openxmlformats.org/drawingml/2006/main" xmlns:dsp="http://schemas.microsoft.com/office/drawing/2008/diagram">
+  <dsp:spTree>
+    <dsp:nvGrpSpPr>
+      <dsp:cNvPr id="0" name=""/>
+      <dsp:cNvGrpSpPr/>
+    </dsp:nvGrpSpPr>
+    <dsp:grpSpPr/>
+    <dsp:sp modelId="{AA8514B8-7EBB-4287-ACDB-81BB8EE3A65E}">
+      <dsp:nvSpPr>
+        <dsp:cNvPr id="0" name=""/>
+        <dsp:cNvSpPr/>
+      </dsp:nvSpPr>
+      <dsp:spPr>
+        <a:xfrm>
+          <a:off x="0" y="327899"/>
+          <a:ext cx="8686800" cy="504000"/>
+        </a:xfrm>
+        <a:prstGeom prst="rect">
+          <a:avLst/>
+        </a:prstGeom>
+        <a:solidFill>
+          <a:schemeClr val="lt1">
+            <a:alpha val="90000"/>
+            <a:hueOff val="0"/>
+            <a:satOff val="0"/>
+            <a:lumOff val="0"/>
+            <a:alphaOff val="0"/>
+          </a:schemeClr>
+        </a:solidFill>
+        <a:ln w="25400" cap="flat" cmpd="sng" algn="ctr">
+          <a:solidFill>
+            <a:schemeClr val="accent1">
+              <a:hueOff val="0"/>
+              <a:satOff val="0"/>
+              <a:lumOff val="0"/>
+              <a:alphaOff val="0"/>
+            </a:schemeClr>
+          </a:solidFill>
+          <a:prstDash val="solid"/>
+        </a:ln>
+        <a:effectLst/>
+      </dsp:spPr>
+      <dsp:style>
+        <a:lnRef idx="2">
+          <a:scrgbClr r="0" g="0" b="0"/>
+        </a:lnRef>
+        <a:fillRef idx="1">
+          <a:scrgbClr r="0" g="0" b="0"/>
+        </a:fillRef>
+        <a:effectRef idx="0">
+          <a:scrgbClr r="0" g="0" b="0"/>
+        </a:effectRef>
+        <a:fontRef idx="minor"/>
+      </dsp:style>
+    </dsp:sp>
+    <dsp:sp modelId="{B171C0C5-1265-474F-9A24-5267C4DEA6BB}">
+      <dsp:nvSpPr>
+        <dsp:cNvPr id="0" name=""/>
+        <dsp:cNvSpPr/>
+      </dsp:nvSpPr>
+      <dsp:spPr>
+        <a:xfrm>
+          <a:off x="434340" y="32699"/>
+          <a:ext cx="6080760" cy="590400"/>
+        </a:xfrm>
+        <a:prstGeom prst="roundRect">
+          <a:avLst/>
+        </a:prstGeom>
+        <a:solidFill>
+          <a:schemeClr val="accent1">
+            <a:hueOff val="0"/>
+            <a:satOff val="0"/>
+            <a:lumOff val="0"/>
+            <a:alphaOff val="0"/>
+          </a:schemeClr>
+        </a:solidFill>
+        <a:ln w="25400" cap="flat" cmpd="sng" algn="ctr">
+          <a:solidFill>
+            <a:schemeClr val="lt1">
+              <a:hueOff val="0"/>
+              <a:satOff val="0"/>
+              <a:lumOff val="0"/>
+              <a:alphaOff val="0"/>
+            </a:schemeClr>
+          </a:solidFill>
+          <a:prstDash val="solid"/>
+        </a:ln>
+        <a:effectLst/>
+      </dsp:spPr>
+      <dsp:style>
+        <a:lnRef idx="2">
+          <a:scrgbClr r="0" g="0" b="0"/>
+        </a:lnRef>
+        <a:fillRef idx="1">
+          <a:scrgbClr r="0" g="0" b="0"/>
+        </a:fillRef>
+        <a:effectRef idx="0">
+          <a:scrgbClr r="0" g="0" b="0"/>
+        </a:effectRef>
+        <a:fontRef idx="minor">
+          <a:schemeClr val="lt1"/>
+        </a:fontRef>
+      </dsp:style>
+      <dsp:txBody>
+        <a:bodyPr spcFirstLastPara="0" vert="horz" wrap="square" lIns="229838" tIns="0" rIns="229838" bIns="0" numCol="1" spcCol="1270" anchor="ctr" anchorCtr="0">
+          <a:noAutofit/>
+        </a:bodyPr>
+        <a:lstStyle/>
+        <a:p>
+          <a:pPr lvl="0" algn="l" defTabSz="889000">
+            <a:lnSpc>
+              <a:spcPct val="90000"/>
+            </a:lnSpc>
+            <a:spcBef>
+              <a:spcPct val="0"/>
+            </a:spcBef>
+            <a:spcAft>
+              <a:spcPct val="35000"/>
+            </a:spcAft>
+          </a:pPr>
+          <a:r>
+            <a:rPr lang="pt-BR" sz="2000" kern="1200" dirty="0" smtClean="0"/>
+            <a:t>Dinamização de registro de atividades</a:t>
+          </a:r>
+          <a:endParaRPr lang="pt-BR" sz="2000" kern="1200" dirty="0"/>
+        </a:p>
+      </dsp:txBody>
+      <dsp:txXfrm>
+        <a:off x="434340" y="32699"/>
+        <a:ext cx="6080760" cy="590400"/>
+      </dsp:txXfrm>
+    </dsp:sp>
+    <dsp:sp modelId="{122429B3-75B2-4400-B819-CC67C8478699}">
+      <dsp:nvSpPr>
+        <dsp:cNvPr id="0" name=""/>
+        <dsp:cNvSpPr/>
+      </dsp:nvSpPr>
+      <dsp:spPr>
+        <a:xfrm>
+          <a:off x="0" y="1235099"/>
+          <a:ext cx="8686800" cy="504000"/>
+        </a:xfrm>
+        <a:prstGeom prst="rect">
+          <a:avLst/>
+        </a:prstGeom>
+        <a:solidFill>
+          <a:schemeClr val="lt1">
+            <a:alpha val="90000"/>
+            <a:hueOff val="0"/>
+            <a:satOff val="0"/>
+            <a:lumOff val="0"/>
+            <a:alphaOff val="0"/>
+          </a:schemeClr>
+        </a:solidFill>
+        <a:ln w="25400" cap="flat" cmpd="sng" algn="ctr">
+          <a:solidFill>
+            <a:schemeClr val="accent1">
+              <a:hueOff val="0"/>
+              <a:satOff val="0"/>
+              <a:lumOff val="0"/>
+              <a:alphaOff val="0"/>
+            </a:schemeClr>
+          </a:solidFill>
+          <a:prstDash val="solid"/>
+        </a:ln>
+        <a:effectLst/>
+      </dsp:spPr>
+      <dsp:style>
+        <a:lnRef idx="2">
+          <a:scrgbClr r="0" g="0" b="0"/>
+        </a:lnRef>
+        <a:fillRef idx="1">
+          <a:scrgbClr r="0" g="0" b="0"/>
+        </a:fillRef>
+        <a:effectRef idx="0">
+          <a:scrgbClr r="0" g="0" b="0"/>
+        </a:effectRef>
+        <a:fontRef idx="minor"/>
+      </dsp:style>
+    </dsp:sp>
+    <dsp:sp modelId="{9939078C-FCDB-4354-9260-A7140D211969}">
+      <dsp:nvSpPr>
+        <dsp:cNvPr id="0" name=""/>
+        <dsp:cNvSpPr/>
+      </dsp:nvSpPr>
+      <dsp:spPr>
+        <a:xfrm>
+          <a:off x="434340" y="939899"/>
+          <a:ext cx="6080760" cy="590400"/>
+        </a:xfrm>
+        <a:prstGeom prst="roundRect">
+          <a:avLst/>
+        </a:prstGeom>
+        <a:solidFill>
+          <a:schemeClr val="accent1">
+            <a:hueOff val="0"/>
+            <a:satOff val="0"/>
+            <a:lumOff val="0"/>
+            <a:alphaOff val="0"/>
+          </a:schemeClr>
+        </a:solidFill>
+        <a:ln w="25400" cap="flat" cmpd="sng" algn="ctr">
+          <a:solidFill>
+            <a:schemeClr val="lt1">
+              <a:hueOff val="0"/>
+              <a:satOff val="0"/>
+              <a:lumOff val="0"/>
+              <a:alphaOff val="0"/>
+            </a:schemeClr>
+          </a:solidFill>
+          <a:prstDash val="solid"/>
+        </a:ln>
+        <a:effectLst/>
+      </dsp:spPr>
+      <dsp:style>
+        <a:lnRef idx="2">
+          <a:scrgbClr r="0" g="0" b="0"/>
+        </a:lnRef>
+        <a:fillRef idx="1">
+          <a:scrgbClr r="0" g="0" b="0"/>
+        </a:fillRef>
+        <a:effectRef idx="0">
+          <a:scrgbClr r="0" g="0" b="0"/>
+        </a:effectRef>
+        <a:fontRef idx="minor">
+          <a:schemeClr val="lt1"/>
+        </a:fontRef>
+      </dsp:style>
+      <dsp:txBody>
+        <a:bodyPr spcFirstLastPara="0" vert="horz" wrap="square" lIns="229838" tIns="0" rIns="229838" bIns="0" numCol="1" spcCol="1270" anchor="ctr" anchorCtr="0">
+          <a:noAutofit/>
+        </a:bodyPr>
+        <a:lstStyle/>
+        <a:p>
+          <a:pPr lvl="0" algn="l" defTabSz="889000">
+            <a:lnSpc>
+              <a:spcPct val="90000"/>
+            </a:lnSpc>
+            <a:spcBef>
+              <a:spcPct val="0"/>
+            </a:spcBef>
+            <a:spcAft>
+              <a:spcPct val="35000"/>
+            </a:spcAft>
+          </a:pPr>
+          <a:r>
+            <a:rPr lang="pt-BR" sz="2000" kern="1200" dirty="0" smtClean="0"/>
+            <a:t> Acesso web em dispositivos moveis</a:t>
+          </a:r>
+          <a:endParaRPr lang="pt-BR" sz="2000" kern="1200" dirty="0"/>
+        </a:p>
+      </dsp:txBody>
+      <dsp:txXfrm>
+        <a:off x="434340" y="939899"/>
+        <a:ext cx="6080760" cy="590400"/>
+      </dsp:txXfrm>
+    </dsp:sp>
+    <dsp:sp modelId="{06A3C85D-CDEB-4A13-9986-AD53F22D8EA9}">
+      <dsp:nvSpPr>
+        <dsp:cNvPr id="0" name=""/>
+        <dsp:cNvSpPr/>
+      </dsp:nvSpPr>
+      <dsp:spPr>
+        <a:xfrm>
+          <a:off x="0" y="2142299"/>
+          <a:ext cx="8686800" cy="504000"/>
+        </a:xfrm>
+        <a:prstGeom prst="rect">
+          <a:avLst/>
+        </a:prstGeom>
+        <a:solidFill>
+          <a:schemeClr val="lt1">
+            <a:alpha val="90000"/>
+            <a:hueOff val="0"/>
+            <a:satOff val="0"/>
+            <a:lumOff val="0"/>
+            <a:alphaOff val="0"/>
+          </a:schemeClr>
+        </a:solidFill>
+        <a:ln w="25400" cap="flat" cmpd="sng" algn="ctr">
+          <a:solidFill>
+            <a:schemeClr val="accent1">
+              <a:hueOff val="0"/>
+              <a:satOff val="0"/>
+              <a:lumOff val="0"/>
+              <a:alphaOff val="0"/>
+            </a:schemeClr>
+          </a:solidFill>
+          <a:prstDash val="solid"/>
+        </a:ln>
+        <a:effectLst/>
+      </dsp:spPr>
+      <dsp:style>
+        <a:lnRef idx="2">
+          <a:scrgbClr r="0" g="0" b="0"/>
+        </a:lnRef>
+        <a:fillRef idx="1">
+          <a:scrgbClr r="0" g="0" b="0"/>
+        </a:fillRef>
+        <a:effectRef idx="0">
+          <a:scrgbClr r="0" g="0" b="0"/>
+        </a:effectRef>
+        <a:fontRef idx="minor"/>
+      </dsp:style>
+    </dsp:sp>
+    <dsp:sp modelId="{D78DBF14-3A29-4E42-B56E-7380E92A6552}">
+      <dsp:nvSpPr>
+        <dsp:cNvPr id="0" name=""/>
+        <dsp:cNvSpPr/>
+      </dsp:nvSpPr>
+      <dsp:spPr>
+        <a:xfrm>
+          <a:off x="434340" y="1847099"/>
+          <a:ext cx="6080760" cy="590400"/>
+        </a:xfrm>
+        <a:prstGeom prst="roundRect">
+          <a:avLst/>
+        </a:prstGeom>
+        <a:solidFill>
+          <a:schemeClr val="accent1">
+            <a:hueOff val="0"/>
+            <a:satOff val="0"/>
+            <a:lumOff val="0"/>
+            <a:alphaOff val="0"/>
+          </a:schemeClr>
+        </a:solidFill>
+        <a:ln w="25400" cap="flat" cmpd="sng" algn="ctr">
+          <a:solidFill>
+            <a:schemeClr val="lt1">
+              <a:hueOff val="0"/>
+              <a:satOff val="0"/>
+              <a:lumOff val="0"/>
+              <a:alphaOff val="0"/>
+            </a:schemeClr>
+          </a:solidFill>
+          <a:prstDash val="solid"/>
+        </a:ln>
+        <a:effectLst/>
+      </dsp:spPr>
+      <dsp:style>
+        <a:lnRef idx="2">
+          <a:scrgbClr r="0" g="0" b="0"/>
+        </a:lnRef>
+        <a:fillRef idx="1">
+          <a:scrgbClr r="0" g="0" b="0"/>
+        </a:fillRef>
+        <a:effectRef idx="0">
+          <a:scrgbClr r="0" g="0" b="0"/>
+        </a:effectRef>
+        <a:fontRef idx="minor">
+          <a:schemeClr val="lt1"/>
+        </a:fontRef>
+      </dsp:style>
+      <dsp:txBody>
+        <a:bodyPr spcFirstLastPara="0" vert="horz" wrap="square" lIns="229838" tIns="0" rIns="229838" bIns="0" numCol="1" spcCol="1270" anchor="ctr" anchorCtr="0">
+          <a:noAutofit/>
+        </a:bodyPr>
+        <a:lstStyle/>
+        <a:p>
+          <a:pPr lvl="0" algn="l" defTabSz="889000">
+            <a:lnSpc>
+              <a:spcPct val="90000"/>
+            </a:lnSpc>
+            <a:spcBef>
+              <a:spcPct val="0"/>
+            </a:spcBef>
+            <a:spcAft>
+              <a:spcPct val="35000"/>
+            </a:spcAft>
+          </a:pPr>
+          <a:r>
+            <a:rPr lang="pt-BR" sz="2000" kern="1200" dirty="0" smtClean="0"/>
+            <a:t>Trabalho em grupo em ambiente multiusuário</a:t>
+          </a:r>
+          <a:endParaRPr lang="pt-BR" sz="2000" kern="1200" dirty="0"/>
+        </a:p>
+      </dsp:txBody>
+      <dsp:txXfrm>
+        <a:off x="434340" y="1847099"/>
+        <a:ext cx="6080760" cy="590400"/>
+      </dsp:txXfrm>
+    </dsp:sp>
+    <dsp:sp modelId="{BC58E8B0-740A-43C6-B230-1401E78D7A5B}">
+      <dsp:nvSpPr>
+        <dsp:cNvPr id="0" name=""/>
+        <dsp:cNvSpPr/>
+      </dsp:nvSpPr>
+      <dsp:spPr>
+        <a:xfrm>
+          <a:off x="0" y="3049499"/>
+          <a:ext cx="8686800" cy="504000"/>
+        </a:xfrm>
+        <a:prstGeom prst="rect">
+          <a:avLst/>
+        </a:prstGeom>
+        <a:solidFill>
+          <a:schemeClr val="lt1">
+            <a:alpha val="90000"/>
+            <a:hueOff val="0"/>
+            <a:satOff val="0"/>
+            <a:lumOff val="0"/>
+            <a:alphaOff val="0"/>
+          </a:schemeClr>
+        </a:solidFill>
+        <a:ln w="25400" cap="flat" cmpd="sng" algn="ctr">
+          <a:solidFill>
+            <a:schemeClr val="accent1">
+              <a:hueOff val="0"/>
+              <a:satOff val="0"/>
+              <a:lumOff val="0"/>
+              <a:alphaOff val="0"/>
+            </a:schemeClr>
+          </a:solidFill>
+          <a:prstDash val="solid"/>
+        </a:ln>
+        <a:effectLst/>
+      </dsp:spPr>
+      <dsp:style>
+        <a:lnRef idx="2">
+          <a:scrgbClr r="0" g="0" b="0"/>
+        </a:lnRef>
+        <a:fillRef idx="1">
+          <a:scrgbClr r="0" g="0" b="0"/>
+        </a:fillRef>
+        <a:effectRef idx="0">
+          <a:scrgbClr r="0" g="0" b="0"/>
+        </a:effectRef>
+        <a:fontRef idx="minor"/>
+      </dsp:style>
+    </dsp:sp>
+    <dsp:sp modelId="{6C17C5F1-150A-491F-92CE-A1BE931BB55D}">
+      <dsp:nvSpPr>
+        <dsp:cNvPr id="0" name=""/>
+        <dsp:cNvSpPr/>
+      </dsp:nvSpPr>
+      <dsp:spPr>
+        <a:xfrm>
+          <a:off x="434340" y="2754299"/>
+          <a:ext cx="6080760" cy="590400"/>
+        </a:xfrm>
+        <a:prstGeom prst="roundRect">
+          <a:avLst/>
+        </a:prstGeom>
+        <a:solidFill>
+          <a:schemeClr val="accent1">
+            <a:hueOff val="0"/>
+            <a:satOff val="0"/>
+            <a:lumOff val="0"/>
+            <a:alphaOff val="0"/>
+          </a:schemeClr>
+        </a:solidFill>
+        <a:ln w="25400" cap="flat" cmpd="sng" algn="ctr">
+          <a:solidFill>
+            <a:schemeClr val="lt1">
+              <a:hueOff val="0"/>
+              <a:satOff val="0"/>
+              <a:lumOff val="0"/>
+              <a:alphaOff val="0"/>
+            </a:schemeClr>
+          </a:solidFill>
+          <a:prstDash val="solid"/>
+        </a:ln>
+        <a:effectLst/>
+      </dsp:spPr>
+      <dsp:style>
+        <a:lnRef idx="2">
+          <a:scrgbClr r="0" g="0" b="0"/>
+        </a:lnRef>
+        <a:fillRef idx="1">
+          <a:scrgbClr r="0" g="0" b="0"/>
+        </a:fillRef>
+        <a:effectRef idx="0">
+          <a:scrgbClr r="0" g="0" b="0"/>
+        </a:effectRef>
+        <a:fontRef idx="minor">
+          <a:schemeClr val="lt1"/>
+        </a:fontRef>
+      </dsp:style>
+      <dsp:txBody>
+        <a:bodyPr spcFirstLastPara="0" vert="horz" wrap="square" lIns="229838" tIns="0" rIns="229838" bIns="0" numCol="1" spcCol="1270" anchor="ctr" anchorCtr="0">
+          <a:noAutofit/>
+        </a:bodyPr>
+        <a:lstStyle/>
+        <a:p>
+          <a:pPr lvl="0" algn="l" defTabSz="889000">
+            <a:lnSpc>
+              <a:spcPct val="90000"/>
+            </a:lnSpc>
+            <a:spcBef>
+              <a:spcPct val="0"/>
+            </a:spcBef>
+            <a:spcAft>
+              <a:spcPct val="35000"/>
+            </a:spcAft>
+          </a:pPr>
+          <a:r>
+            <a:rPr lang="pt-BR" sz="2000" kern="1200" dirty="0" smtClean="0"/>
+            <a:t>Controles de acadêmicos </a:t>
+          </a:r>
+          <a:endParaRPr lang="pt-BR" sz="2000" kern="1200" dirty="0"/>
+        </a:p>
+      </dsp:txBody>
+      <dsp:txXfrm>
+        <a:off x="434340" y="2754299"/>
+        <a:ext cx="6080760" cy="590400"/>
+      </dsp:txXfrm>
+    </dsp:sp>
+    <dsp:sp modelId="{7D8B9C6D-02C3-420B-906C-B43C36EE3306}">
+      <dsp:nvSpPr>
+        <dsp:cNvPr id="0" name=""/>
+        <dsp:cNvSpPr/>
+      </dsp:nvSpPr>
+      <dsp:spPr>
+        <a:xfrm>
+          <a:off x="0" y="3956699"/>
+          <a:ext cx="8686800" cy="504000"/>
+        </a:xfrm>
+        <a:prstGeom prst="rect">
+          <a:avLst/>
+        </a:prstGeom>
+        <a:solidFill>
+          <a:schemeClr val="lt1">
+            <a:alpha val="90000"/>
+            <a:hueOff val="0"/>
+            <a:satOff val="0"/>
+            <a:lumOff val="0"/>
+            <a:alphaOff val="0"/>
+          </a:schemeClr>
+        </a:solidFill>
+        <a:ln w="25400" cap="flat" cmpd="sng" algn="ctr">
+          <a:solidFill>
+            <a:schemeClr val="accent1">
+              <a:hueOff val="0"/>
+              <a:satOff val="0"/>
+              <a:lumOff val="0"/>
+              <a:alphaOff val="0"/>
+            </a:schemeClr>
+          </a:solidFill>
+          <a:prstDash val="solid"/>
+        </a:ln>
+        <a:effectLst/>
+      </dsp:spPr>
+      <dsp:style>
+        <a:lnRef idx="2">
+          <a:scrgbClr r="0" g="0" b="0"/>
+        </a:lnRef>
+        <a:fillRef idx="1">
+          <a:scrgbClr r="0" g="0" b="0"/>
+        </a:fillRef>
+        <a:effectRef idx="0">
+          <a:scrgbClr r="0" g="0" b="0"/>
+        </a:effectRef>
+        <a:fontRef idx="minor"/>
+      </dsp:style>
+    </dsp:sp>
+    <dsp:sp modelId="{231A70AB-9760-4FFF-B875-5D31C52D60AE}">
+      <dsp:nvSpPr>
+        <dsp:cNvPr id="0" name=""/>
+        <dsp:cNvSpPr/>
+      </dsp:nvSpPr>
+      <dsp:spPr>
+        <a:xfrm>
+          <a:off x="434340" y="3661499"/>
+          <a:ext cx="6080760" cy="590400"/>
+        </a:xfrm>
+        <a:prstGeom prst="roundRect">
+          <a:avLst/>
+        </a:prstGeom>
+        <a:solidFill>
+          <a:schemeClr val="accent1">
+            <a:hueOff val="0"/>
+            <a:satOff val="0"/>
+            <a:lumOff val="0"/>
+            <a:alphaOff val="0"/>
+          </a:schemeClr>
+        </a:solidFill>
+        <a:ln w="25400" cap="flat" cmpd="sng" algn="ctr">
+          <a:solidFill>
+            <a:schemeClr val="lt1">
+              <a:hueOff val="0"/>
+              <a:satOff val="0"/>
+              <a:lumOff val="0"/>
+              <a:alphaOff val="0"/>
+            </a:schemeClr>
+          </a:solidFill>
+          <a:prstDash val="solid"/>
+        </a:ln>
+        <a:effectLst/>
+      </dsp:spPr>
+      <dsp:style>
+        <a:lnRef idx="2">
+          <a:scrgbClr r="0" g="0" b="0"/>
+        </a:lnRef>
+        <a:fillRef idx="1">
+          <a:scrgbClr r="0" g="0" b="0"/>
+        </a:fillRef>
+        <a:effectRef idx="0">
+          <a:scrgbClr r="0" g="0" b="0"/>
+        </a:effectRef>
+        <a:fontRef idx="minor">
+          <a:schemeClr val="lt1"/>
+        </a:fontRef>
+      </dsp:style>
+      <dsp:txBody>
+        <a:bodyPr spcFirstLastPara="0" vert="horz" wrap="square" lIns="229838" tIns="0" rIns="229838" bIns="0" numCol="1" spcCol="1270" anchor="ctr" anchorCtr="0">
+          <a:noAutofit/>
+        </a:bodyPr>
+        <a:lstStyle/>
+        <a:p>
+          <a:pPr lvl="0" algn="l" defTabSz="889000">
+            <a:lnSpc>
+              <a:spcPct val="90000"/>
+            </a:lnSpc>
+            <a:spcBef>
+              <a:spcPct val="0"/>
+            </a:spcBef>
+            <a:spcAft>
+              <a:spcPct val="35000"/>
+            </a:spcAft>
+          </a:pPr>
+          <a:r>
+            <a:rPr lang="pt-BR" sz="2000" kern="1200" dirty="0" smtClean="0"/>
+            <a:t>Controles financeiros</a:t>
+          </a:r>
+          <a:endParaRPr lang="pt-BR" sz="2000" kern="1200" dirty="0"/>
+        </a:p>
+      </dsp:txBody>
+      <dsp:txXfrm>
+        <a:off x="434340" y="3661499"/>
+        <a:ext cx="6080760" cy="590400"/>
+      </dsp:txXfrm>
+    </dsp:sp>
+    <dsp:sp modelId="{338DDB9A-A6BB-4D1C-8303-E07E7D076CB7}">
+      <dsp:nvSpPr>
+        <dsp:cNvPr id="0" name=""/>
+        <dsp:cNvSpPr/>
+      </dsp:nvSpPr>
+      <dsp:spPr>
+        <a:xfrm>
+          <a:off x="0" y="4863899"/>
+          <a:ext cx="8686800" cy="504000"/>
+        </a:xfrm>
+        <a:prstGeom prst="rect">
+          <a:avLst/>
+        </a:prstGeom>
+        <a:solidFill>
+          <a:schemeClr val="lt1">
+            <a:alpha val="90000"/>
+            <a:hueOff val="0"/>
+            <a:satOff val="0"/>
+            <a:lumOff val="0"/>
+            <a:alphaOff val="0"/>
+          </a:schemeClr>
+        </a:solidFill>
+        <a:ln w="25400" cap="flat" cmpd="sng" algn="ctr">
+          <a:solidFill>
+            <a:schemeClr val="accent1">
+              <a:hueOff val="0"/>
+              <a:satOff val="0"/>
+              <a:lumOff val="0"/>
+              <a:alphaOff val="0"/>
+            </a:schemeClr>
+          </a:solidFill>
+          <a:prstDash val="solid"/>
+        </a:ln>
+        <a:effectLst/>
+      </dsp:spPr>
+      <dsp:style>
+        <a:lnRef idx="2">
+          <a:scrgbClr r="0" g="0" b="0"/>
+        </a:lnRef>
+        <a:fillRef idx="1">
+          <a:scrgbClr r="0" g="0" b="0"/>
+        </a:fillRef>
+        <a:effectRef idx="0">
+          <a:scrgbClr r="0" g="0" b="0"/>
+        </a:effectRef>
+        <a:fontRef idx="minor"/>
+      </dsp:style>
+    </dsp:sp>
+    <dsp:sp modelId="{029B9D8C-4A77-4645-9520-CB1F079C0081}">
+      <dsp:nvSpPr>
+        <dsp:cNvPr id="0" name=""/>
+        <dsp:cNvSpPr/>
+      </dsp:nvSpPr>
+      <dsp:spPr>
+        <a:xfrm>
+          <a:off x="434340" y="4568699"/>
+          <a:ext cx="6080760" cy="590400"/>
+        </a:xfrm>
+        <a:prstGeom prst="roundRect">
+          <a:avLst/>
+        </a:prstGeom>
+        <a:solidFill>
+          <a:schemeClr val="accent1">
+            <a:hueOff val="0"/>
+            <a:satOff val="0"/>
+            <a:lumOff val="0"/>
+            <a:alphaOff val="0"/>
+          </a:schemeClr>
+        </a:solidFill>
+        <a:ln w="25400" cap="flat" cmpd="sng" algn="ctr">
+          <a:solidFill>
+            <a:schemeClr val="lt1">
+              <a:hueOff val="0"/>
+              <a:satOff val="0"/>
+              <a:lumOff val="0"/>
+              <a:alphaOff val="0"/>
+            </a:schemeClr>
+          </a:solidFill>
+          <a:prstDash val="solid"/>
+        </a:ln>
+        <a:effectLst/>
+      </dsp:spPr>
+      <dsp:style>
+        <a:lnRef idx="2">
+          <a:scrgbClr r="0" g="0" b="0"/>
+        </a:lnRef>
+        <a:fillRef idx="1">
+          <a:scrgbClr r="0" g="0" b="0"/>
+        </a:fillRef>
+        <a:effectRef idx="0">
+          <a:scrgbClr r="0" g="0" b="0"/>
+        </a:effectRef>
+        <a:fontRef idx="minor">
+          <a:schemeClr val="lt1"/>
+        </a:fontRef>
+      </dsp:style>
+      <dsp:txBody>
+        <a:bodyPr spcFirstLastPara="0" vert="horz" wrap="square" lIns="229838" tIns="0" rIns="229838" bIns="0" numCol="1" spcCol="1270" anchor="ctr" anchorCtr="0">
+          <a:noAutofit/>
+        </a:bodyPr>
+        <a:lstStyle/>
+        <a:p>
+          <a:pPr lvl="0" algn="l" defTabSz="889000">
+            <a:lnSpc>
+              <a:spcPct val="90000"/>
+            </a:lnSpc>
+            <a:spcBef>
+              <a:spcPct val="0"/>
+            </a:spcBef>
+            <a:spcAft>
+              <a:spcPct val="35000"/>
+            </a:spcAft>
+          </a:pPr>
+          <a:r>
+            <a:rPr lang="pt-BR" sz="2000" kern="1200" dirty="0" smtClean="0"/>
+            <a:t>Controle de contas a pagar</a:t>
+          </a:r>
+          <a:endParaRPr lang="pt-BR" sz="2000" kern="1200" dirty="0"/>
+        </a:p>
+      </dsp:txBody>
+      <dsp:txXfrm>
+        <a:off x="434340" y="4568699"/>
+        <a:ext cx="6080760" cy="590400"/>
+      </dsp:txXfrm>
+    </dsp:sp>
+  </dsp:spTree>
+</dsp:drawing>
+</file>
+
+<file path=ppt/diagrams/drawing2.xml><?xml version="1.0" encoding="utf-8"?>
+<dsp:drawing xmlns:dgm="http://schemas.openxmlformats.org/drawingml/2006/diagram" xmlns:a="http://schemas.openxmlformats.org/drawingml/2006/main" xmlns:dsp="http://schemas.microsoft.com/office/drawing/2008/diagram">
+  <dsp:spTree>
+    <dsp:nvGrpSpPr>
+      <dsp:cNvPr id="0" name=""/>
+      <dsp:cNvGrpSpPr/>
+    </dsp:nvGrpSpPr>
+    <dsp:grpSpPr/>
+    <dsp:sp modelId="{77351131-57DF-4AF2-A89D-95AF9C6149DC}">
+      <dsp:nvSpPr>
+        <dsp:cNvPr id="0" name=""/>
+        <dsp:cNvSpPr/>
+      </dsp:nvSpPr>
+      <dsp:spPr>
+        <a:xfrm>
+          <a:off x="3739" y="1284064"/>
+          <a:ext cx="2373731" cy="1957832"/>
+        </a:xfrm>
+        <a:prstGeom prst="roundRect">
+          <a:avLst>
+            <a:gd name="adj" fmla="val 10000"/>
+          </a:avLst>
+        </a:prstGeom>
+        <a:solidFill>
+          <a:srgbClr val="C00000"/>
+        </a:solidFill>
+        <a:ln w="10000" cap="flat" cmpd="sng" algn="ctr">
+          <a:solidFill>
+            <a:schemeClr val="accent3"/>
+          </a:solidFill>
+          <a:prstDash val="solid"/>
+        </a:ln>
+        <a:effectLst>
+          <a:reflection blurRad="6350" stA="52000" endA="300" endPos="35000" dir="5400000" sy="-100000" algn="bl" rotWithShape="0"/>
+        </a:effectLst>
+        <a:scene3d>
+          <a:camera prst="orthographicFront"/>
+          <a:lightRig rig="flat" dir="t"/>
+        </a:scene3d>
+        <a:sp3d z="-190500" extrusionH="12700" prstMaterial="metal">
+          <a:bevelT w="10000" h="10000"/>
+        </a:sp3d>
+      </dsp:spPr>
+      <dsp:style>
+        <a:lnRef idx="1">
+          <a:schemeClr val="accent3"/>
+        </a:lnRef>
+        <a:fillRef idx="3">
+          <a:schemeClr val="accent3"/>
+        </a:fillRef>
+        <a:effectRef idx="2">
+          <a:schemeClr val="accent3"/>
+        </a:effectRef>
+        <a:fontRef idx="minor">
+          <a:schemeClr val="lt1"/>
+        </a:fontRef>
+      </dsp:style>
+      <dsp:txBody>
+        <a:bodyPr spcFirstLastPara="0" vert="horz" wrap="square" lIns="123825" tIns="123825" rIns="123825" bIns="123825" numCol="1" spcCol="1270" anchor="t" anchorCtr="0">
+          <a:noAutofit/>
+        </a:bodyPr>
+        <a:lstStyle/>
+        <a:p>
+          <a:pPr marL="171450" lvl="1" indent="-171450" algn="l" defTabSz="711200">
+            <a:lnSpc>
+              <a:spcPct val="90000"/>
+            </a:lnSpc>
+            <a:spcBef>
+              <a:spcPct val="0"/>
+            </a:spcBef>
+            <a:spcAft>
+              <a:spcPct val="15000"/>
+            </a:spcAft>
+            <a:buChar char="••"/>
+          </a:pPr>
+          <a:r>
+            <a:rPr lang="pt-BR" sz="1600" b="1" kern="1200" dirty="0" smtClean="0">
+              <a:solidFill>
+                <a:schemeClr val="accent6">
+                  <a:lumMod val="60000"/>
+                  <a:lumOff val="40000"/>
+                </a:schemeClr>
+              </a:solidFill>
+            </a:rPr>
+            <a:t>Ambiente de servidor</a:t>
+          </a:r>
+          <a:endParaRPr lang="pt-BR" sz="1600" b="1" kern="1200" dirty="0">
+            <a:solidFill>
+              <a:schemeClr val="accent6">
+                <a:lumMod val="60000"/>
+                <a:lumOff val="40000"/>
+              </a:schemeClr>
+            </a:solidFill>
+          </a:endParaRPr>
+        </a:p>
+      </dsp:txBody>
+      <dsp:txXfrm>
+        <a:off x="3739" y="1284064"/>
+        <a:ext cx="2373731" cy="1538296"/>
+      </dsp:txXfrm>
+    </dsp:sp>
+    <dsp:sp modelId="{BB47B8A7-A69A-47BA-8429-499D75D98923}">
+      <dsp:nvSpPr>
+        <dsp:cNvPr id="0" name=""/>
+        <dsp:cNvSpPr/>
+      </dsp:nvSpPr>
+      <dsp:spPr>
+        <a:xfrm>
+          <a:off x="1340670" y="1760974"/>
+          <a:ext cx="2602103" cy="2602103"/>
+        </a:xfrm>
+        <a:prstGeom prst="leftCircularArrow">
+          <a:avLst>
+            <a:gd name="adj1" fmla="val 3095"/>
+            <a:gd name="adj2" fmla="val 380284"/>
+            <a:gd name="adj3" fmla="val 2155794"/>
+            <a:gd name="adj4" fmla="val 9024489"/>
+            <a:gd name="adj5" fmla="val 3610"/>
+          </a:avLst>
+        </a:prstGeom>
+        <a:gradFill rotWithShape="0">
+          <a:gsLst>
+            <a:gs pos="0">
+              <a:schemeClr val="accent2">
+                <a:tint val="60000"/>
+                <a:hueOff val="0"/>
+                <a:satOff val="0"/>
+                <a:lumOff val="0"/>
+                <a:alphaOff val="0"/>
+                <a:tint val="75000"/>
+                <a:shade val="85000"/>
+                <a:satMod val="230000"/>
+              </a:schemeClr>
+            </a:gs>
+            <a:gs pos="25000">
+              <a:schemeClr val="accent2">
+                <a:tint val="60000"/>
+                <a:hueOff val="0"/>
+                <a:satOff val="0"/>
+                <a:lumOff val="0"/>
+                <a:alphaOff val="0"/>
+                <a:tint val="90000"/>
+                <a:shade val="70000"/>
+                <a:satMod val="220000"/>
+              </a:schemeClr>
+            </a:gs>
+            <a:gs pos="50000">
+              <a:schemeClr val="accent2">
+                <a:tint val="60000"/>
+                <a:hueOff val="0"/>
+                <a:satOff val="0"/>
+                <a:lumOff val="0"/>
+                <a:alphaOff val="0"/>
+                <a:tint val="90000"/>
+                <a:shade val="58000"/>
+                <a:satMod val="225000"/>
+              </a:schemeClr>
+            </a:gs>
+            <a:gs pos="65000">
+              <a:schemeClr val="accent2">
+                <a:tint val="60000"/>
+                <a:hueOff val="0"/>
+                <a:satOff val="0"/>
+                <a:lumOff val="0"/>
+                <a:alphaOff val="0"/>
+                <a:tint val="90000"/>
+                <a:shade val="58000"/>
+                <a:satMod val="225000"/>
+              </a:schemeClr>
+            </a:gs>
+            <a:gs pos="80000">
+              <a:schemeClr val="accent2">
+                <a:tint val="60000"/>
+                <a:hueOff val="0"/>
+                <a:satOff val="0"/>
+                <a:lumOff val="0"/>
+                <a:alphaOff val="0"/>
+                <a:tint val="90000"/>
+                <a:shade val="69000"/>
+                <a:satMod val="220000"/>
+              </a:schemeClr>
+            </a:gs>
+            <a:gs pos="100000">
+              <a:schemeClr val="accent2">
+                <a:tint val="60000"/>
+                <a:hueOff val="0"/>
+                <a:satOff val="0"/>
+                <a:lumOff val="0"/>
+                <a:alphaOff val="0"/>
+                <a:tint val="77000"/>
+                <a:shade val="80000"/>
+                <a:satMod val="230000"/>
+              </a:schemeClr>
+            </a:gs>
+          </a:gsLst>
+          <a:lin ang="5400000" scaled="1"/>
+        </a:gradFill>
+        <a:ln>
+          <a:noFill/>
+        </a:ln>
+        <a:effectLst>
+          <a:outerShdw blurRad="76200" dist="50800" dir="5400000" rotWithShape="0">
+            <a:srgbClr val="4E3B30">
+              <a:alpha val="60000"/>
+            </a:srgbClr>
+          </a:outerShdw>
+        </a:effectLst>
+        <a:scene3d>
+          <a:camera prst="orthographicFront"/>
+          <a:lightRig rig="flat" dir="t"/>
+        </a:scene3d>
+        <a:sp3d z="-80000" prstMaterial="plastic">
+          <a:bevelT w="50800" h="50800"/>
+          <a:bevelB w="25400" h="25400" prst="angle"/>
+        </a:sp3d>
+      </dsp:spPr>
+      <dsp:style>
+        <a:lnRef idx="0">
+          <a:scrgbClr r="0" g="0" b="0"/>
+        </a:lnRef>
+        <a:fillRef idx="3">
+          <a:scrgbClr r="0" g="0" b="0"/>
+        </a:fillRef>
+        <a:effectRef idx="2">
+          <a:scrgbClr r="0" g="0" b="0"/>
+        </a:effectRef>
+        <a:fontRef idx="minor">
+          <a:schemeClr val="lt1"/>
+        </a:fontRef>
+      </dsp:style>
+    </dsp:sp>
+    <dsp:sp modelId="{168FD8A5-9BA3-47FA-8D32-ED60BCA98D24}">
+      <dsp:nvSpPr>
+        <dsp:cNvPr id="0" name=""/>
+        <dsp:cNvSpPr/>
+      </dsp:nvSpPr>
+      <dsp:spPr>
+        <a:xfrm>
+          <a:off x="531235" y="2822361"/>
+          <a:ext cx="2109983" cy="839070"/>
+        </a:xfrm>
+        <a:prstGeom prst="roundRect">
+          <a:avLst>
+            <a:gd name="adj" fmla="val 10000"/>
+          </a:avLst>
+        </a:prstGeom>
+        <a:gradFill rotWithShape="1">
+          <a:gsLst>
+            <a:gs pos="0">
+              <a:schemeClr val="accent6">
+                <a:tint val="75000"/>
+                <a:shade val="85000"/>
+                <a:satMod val="230000"/>
+              </a:schemeClr>
+            </a:gs>
+            <a:gs pos="25000">
+              <a:schemeClr val="accent6">
+                <a:tint val="90000"/>
+                <a:shade val="70000"/>
+                <a:satMod val="220000"/>
+              </a:schemeClr>
+            </a:gs>
+            <a:gs pos="50000">
+              <a:schemeClr val="accent6">
+                <a:tint val="90000"/>
+                <a:shade val="58000"/>
+                <a:satMod val="225000"/>
+              </a:schemeClr>
+            </a:gs>
+            <a:gs pos="65000">
+              <a:schemeClr val="accent6">
+                <a:tint val="90000"/>
+                <a:shade val="58000"/>
+                <a:satMod val="225000"/>
+              </a:schemeClr>
+            </a:gs>
+            <a:gs pos="80000">
+              <a:schemeClr val="accent6">
+                <a:tint val="90000"/>
+                <a:shade val="69000"/>
+                <a:satMod val="220000"/>
+              </a:schemeClr>
+            </a:gs>
+            <a:gs pos="100000">
+              <a:schemeClr val="accent6">
+                <a:tint val="77000"/>
+                <a:shade val="80000"/>
+                <a:satMod val="230000"/>
+              </a:schemeClr>
+            </a:gs>
+          </a:gsLst>
+          <a:lin ang="5400000" scaled="1"/>
+        </a:gradFill>
+        <a:ln>
+          <a:noFill/>
+        </a:ln>
+        <a:effectLst>
+          <a:outerShdw blurRad="76200" dist="50800" dir="5400000" rotWithShape="0">
+            <a:srgbClr val="4E3B30">
+              <a:alpha val="60000"/>
+            </a:srgbClr>
+          </a:outerShdw>
+        </a:effectLst>
+        <a:scene3d>
+          <a:camera prst="orthographicFront"/>
+          <a:lightRig rig="flat" dir="t"/>
+        </a:scene3d>
+        <a:sp3d contourW="12700" prstMaterial="matte">
+          <a:bevelT w="60000" h="50800"/>
+          <a:contourClr>
+            <a:schemeClr val="accent6">
+              <a:shade val="60000"/>
+              <a:satMod val="110000"/>
+            </a:schemeClr>
+          </a:contourClr>
+        </a:sp3d>
+      </dsp:spPr>
+      <dsp:style>
+        <a:lnRef idx="0">
+          <a:schemeClr val="accent6"/>
+        </a:lnRef>
+        <a:fillRef idx="3">
+          <a:schemeClr val="accent6"/>
+        </a:fillRef>
+        <a:effectRef idx="3">
+          <a:schemeClr val="accent6"/>
+        </a:effectRef>
+        <a:fontRef idx="minor">
+          <a:schemeClr val="lt1"/>
+        </a:fontRef>
+      </dsp:style>
+      <dsp:txBody>
+        <a:bodyPr spcFirstLastPara="0" vert="horz" wrap="square" lIns="38100" tIns="25400" rIns="38100" bIns="25400" numCol="1" spcCol="1270" anchor="ctr" anchorCtr="0">
+          <a:noAutofit/>
+        </a:bodyPr>
+        <a:lstStyle/>
+        <a:p>
+          <a:pPr lvl="0" algn="ctr" defTabSz="889000">
+            <a:lnSpc>
+              <a:spcPct val="90000"/>
+            </a:lnSpc>
+            <a:spcBef>
+              <a:spcPct val="0"/>
+            </a:spcBef>
+            <a:spcAft>
+              <a:spcPct val="35000"/>
+            </a:spcAft>
+          </a:pPr>
+          <a:r>
+            <a:rPr lang="pt-BR" sz="2000" b="1" kern="1200" dirty="0" smtClean="0">
+              <a:solidFill>
+                <a:srgbClr val="0070C0"/>
+              </a:solidFill>
+            </a:rPr>
+            <a:t>Base de dados </a:t>
+          </a:r>
+          <a:endParaRPr lang="pt-BR" sz="2000" b="1" kern="1200" dirty="0">
+            <a:solidFill>
+              <a:srgbClr val="0070C0"/>
+            </a:solidFill>
+          </a:endParaRPr>
+        </a:p>
+      </dsp:txBody>
+      <dsp:txXfrm>
+        <a:off x="531235" y="2822361"/>
+        <a:ext cx="2109983" cy="839070"/>
+      </dsp:txXfrm>
+    </dsp:sp>
+    <dsp:sp modelId="{0C27C69B-3C82-4A7E-9AEC-146B678149A2}">
+      <dsp:nvSpPr>
+        <dsp:cNvPr id="0" name=""/>
+        <dsp:cNvSpPr/>
+      </dsp:nvSpPr>
+      <dsp:spPr>
+        <a:xfrm>
+          <a:off x="3024660" y="1284064"/>
+          <a:ext cx="2373731" cy="1957832"/>
+        </a:xfrm>
+        <a:prstGeom prst="roundRect">
+          <a:avLst>
+            <a:gd name="adj" fmla="val 10000"/>
+          </a:avLst>
+        </a:prstGeom>
+        <a:solidFill>
+          <a:srgbClr val="C00000"/>
+        </a:solidFill>
+        <a:ln w="10000" cap="flat" cmpd="sng" algn="ctr">
+          <a:solidFill>
+            <a:schemeClr val="accent3"/>
+          </a:solidFill>
+          <a:prstDash val="solid"/>
+        </a:ln>
+        <a:effectLst>
+          <a:reflection blurRad="6350" stA="52000" endA="300" endPos="35000" dir="5400000" sy="-100000" algn="bl" rotWithShape="0"/>
+        </a:effectLst>
+        <a:scene3d>
+          <a:camera prst="orthographicFront"/>
+          <a:lightRig rig="flat" dir="t"/>
+        </a:scene3d>
+        <a:sp3d z="-190500" extrusionH="12700" prstMaterial="metal">
+          <a:bevelT w="10000" h="10000"/>
+        </a:sp3d>
+      </dsp:spPr>
+      <dsp:style>
+        <a:lnRef idx="1">
+          <a:schemeClr val="accent3"/>
+        </a:lnRef>
+        <a:fillRef idx="3">
+          <a:schemeClr val="accent3"/>
+        </a:fillRef>
+        <a:effectRef idx="2">
+          <a:schemeClr val="accent3"/>
+        </a:effectRef>
+        <a:fontRef idx="minor">
+          <a:schemeClr val="lt1"/>
+        </a:fontRef>
+      </dsp:style>
+      <dsp:txBody>
+        <a:bodyPr spcFirstLastPara="0" vert="horz" wrap="square" lIns="123825" tIns="123825" rIns="123825" bIns="123825" numCol="1" spcCol="1270" anchor="t" anchorCtr="0">
+          <a:noAutofit/>
+        </a:bodyPr>
+        <a:lstStyle/>
+        <a:p>
+          <a:pPr marL="171450" lvl="1" indent="-171450" algn="l" defTabSz="711200">
+            <a:lnSpc>
+              <a:spcPct val="90000"/>
+            </a:lnSpc>
+            <a:spcBef>
+              <a:spcPct val="0"/>
+            </a:spcBef>
+            <a:spcAft>
+              <a:spcPct val="15000"/>
+            </a:spcAft>
+            <a:buChar char="••"/>
+          </a:pPr>
+          <a:endParaRPr lang="pt-BR" sz="1600" b="1" kern="1200" dirty="0">
+            <a:solidFill>
+              <a:srgbClr val="0070C0"/>
+            </a:solidFill>
+          </a:endParaRPr>
+        </a:p>
+        <a:p>
+          <a:pPr marL="171450" lvl="1" indent="-171450" algn="l" defTabSz="711200">
+            <a:lnSpc>
+              <a:spcPct val="90000"/>
+            </a:lnSpc>
+            <a:spcBef>
+              <a:spcPct val="0"/>
+            </a:spcBef>
+            <a:spcAft>
+              <a:spcPct val="15000"/>
+            </a:spcAft>
+            <a:buChar char="••"/>
+          </a:pPr>
+          <a:endParaRPr lang="pt-BR" sz="1600" b="1" kern="1200" dirty="0">
+            <a:solidFill>
+              <a:schemeClr val="accent6">
+                <a:lumMod val="60000"/>
+                <a:lumOff val="40000"/>
+              </a:schemeClr>
+            </a:solidFill>
+          </a:endParaRPr>
+        </a:p>
+        <a:p>
+          <a:pPr marL="171450" lvl="1" indent="-171450" algn="l" defTabSz="711200">
+            <a:lnSpc>
+              <a:spcPct val="90000"/>
+            </a:lnSpc>
+            <a:spcBef>
+              <a:spcPct val="0"/>
+            </a:spcBef>
+            <a:spcAft>
+              <a:spcPct val="15000"/>
+            </a:spcAft>
+            <a:buChar char="••"/>
+          </a:pPr>
+          <a:r>
+            <a:rPr lang="pt-BR" sz="1600" b="1" kern="1200" dirty="0" smtClean="0">
+              <a:solidFill>
+                <a:schemeClr val="accent6">
+                  <a:lumMod val="60000"/>
+                  <a:lumOff val="40000"/>
+                </a:schemeClr>
+              </a:solidFill>
+            </a:rPr>
+            <a:t>Processamento de solicitações de usuários</a:t>
+          </a:r>
+          <a:endParaRPr lang="pt-BR" sz="1600" b="1" kern="1200" dirty="0">
+            <a:solidFill>
+              <a:schemeClr val="accent6">
+                <a:lumMod val="60000"/>
+                <a:lumOff val="40000"/>
+              </a:schemeClr>
+            </a:solidFill>
+          </a:endParaRPr>
+        </a:p>
+      </dsp:txBody>
+      <dsp:txXfrm>
+        <a:off x="3024660" y="1703600"/>
+        <a:ext cx="2373731" cy="1538296"/>
+      </dsp:txXfrm>
+    </dsp:sp>
+    <dsp:sp modelId="{E5E8036A-476D-4F9C-9D7B-4ED08A33C842}">
+      <dsp:nvSpPr>
+        <dsp:cNvPr id="0" name=""/>
+        <dsp:cNvSpPr/>
+      </dsp:nvSpPr>
+      <dsp:spPr>
+        <a:xfrm>
+          <a:off x="4341809" y="86118"/>
+          <a:ext cx="2905414" cy="2905414"/>
+        </a:xfrm>
+        <a:prstGeom prst="circularArrow">
+          <a:avLst>
+            <a:gd name="adj1" fmla="val 2771"/>
+            <a:gd name="adj2" fmla="val 338012"/>
+            <a:gd name="adj3" fmla="val 19486478"/>
+            <a:gd name="adj4" fmla="val 12575511"/>
+            <a:gd name="adj5" fmla="val 3233"/>
+          </a:avLst>
+        </a:prstGeom>
+        <a:gradFill rotWithShape="0">
+          <a:gsLst>
+            <a:gs pos="0">
+              <a:schemeClr val="accent2">
+                <a:tint val="60000"/>
+                <a:hueOff val="0"/>
+                <a:satOff val="0"/>
+                <a:lumOff val="0"/>
+                <a:alphaOff val="0"/>
+                <a:tint val="75000"/>
+                <a:shade val="85000"/>
+                <a:satMod val="230000"/>
+              </a:schemeClr>
+            </a:gs>
+            <a:gs pos="25000">
+              <a:schemeClr val="accent2">
+                <a:tint val="60000"/>
+                <a:hueOff val="0"/>
+                <a:satOff val="0"/>
+                <a:lumOff val="0"/>
+                <a:alphaOff val="0"/>
+                <a:tint val="90000"/>
+                <a:shade val="70000"/>
+                <a:satMod val="220000"/>
+              </a:schemeClr>
+            </a:gs>
+            <a:gs pos="50000">
+              <a:schemeClr val="accent2">
+                <a:tint val="60000"/>
+                <a:hueOff val="0"/>
+                <a:satOff val="0"/>
+                <a:lumOff val="0"/>
+                <a:alphaOff val="0"/>
+                <a:tint val="90000"/>
+                <a:shade val="58000"/>
+                <a:satMod val="225000"/>
+              </a:schemeClr>
+            </a:gs>
+            <a:gs pos="65000">
+              <a:schemeClr val="accent2">
+                <a:tint val="60000"/>
+                <a:hueOff val="0"/>
+                <a:satOff val="0"/>
+                <a:lumOff val="0"/>
+                <a:alphaOff val="0"/>
+                <a:tint val="90000"/>
+                <a:shade val="58000"/>
+                <a:satMod val="225000"/>
+              </a:schemeClr>
+            </a:gs>
+            <a:gs pos="80000">
+              <a:schemeClr val="accent2">
+                <a:tint val="60000"/>
+                <a:hueOff val="0"/>
+                <a:satOff val="0"/>
+                <a:lumOff val="0"/>
+                <a:alphaOff val="0"/>
+                <a:tint val="90000"/>
+                <a:shade val="69000"/>
+                <a:satMod val="220000"/>
+              </a:schemeClr>
+            </a:gs>
+            <a:gs pos="100000">
+              <a:schemeClr val="accent2">
+                <a:tint val="60000"/>
+                <a:hueOff val="0"/>
+                <a:satOff val="0"/>
+                <a:lumOff val="0"/>
+                <a:alphaOff val="0"/>
+                <a:tint val="77000"/>
+                <a:shade val="80000"/>
+                <a:satMod val="230000"/>
+              </a:schemeClr>
+            </a:gs>
+          </a:gsLst>
+          <a:lin ang="5400000" scaled="1"/>
+        </a:gradFill>
+        <a:ln>
+          <a:noFill/>
+        </a:ln>
+        <a:effectLst>
+          <a:outerShdw blurRad="76200" dist="50800" dir="5400000" rotWithShape="0">
+            <a:srgbClr val="4E3B30">
+              <a:alpha val="60000"/>
+            </a:srgbClr>
+          </a:outerShdw>
+        </a:effectLst>
+        <a:scene3d>
+          <a:camera prst="orthographicFront"/>
+          <a:lightRig rig="flat" dir="t"/>
+        </a:scene3d>
+        <a:sp3d z="-80000" prstMaterial="plastic">
+          <a:bevelT w="50800" h="50800"/>
+          <a:bevelB w="25400" h="25400" prst="angle"/>
+        </a:sp3d>
+      </dsp:spPr>
+      <dsp:style>
+        <a:lnRef idx="0">
+          <a:scrgbClr r="0" g="0" b="0"/>
+        </a:lnRef>
+        <a:fillRef idx="3">
+          <a:scrgbClr r="0" g="0" b="0"/>
+        </a:fillRef>
+        <a:effectRef idx="2">
+          <a:scrgbClr r="0" g="0" b="0"/>
+        </a:effectRef>
+        <a:fontRef idx="minor">
+          <a:schemeClr val="lt1"/>
+        </a:fontRef>
+      </dsp:style>
+    </dsp:sp>
+    <dsp:sp modelId="{85BA2879-403E-43AC-A59E-A90A5FACC251}">
+      <dsp:nvSpPr>
+        <dsp:cNvPr id="0" name=""/>
+        <dsp:cNvSpPr/>
+      </dsp:nvSpPr>
+      <dsp:spPr>
+        <a:xfrm>
+          <a:off x="3552156" y="864529"/>
+          <a:ext cx="2109983" cy="839070"/>
+        </a:xfrm>
+        <a:prstGeom prst="roundRect">
+          <a:avLst>
+            <a:gd name="adj" fmla="val 10000"/>
+          </a:avLst>
+        </a:prstGeom>
+        <a:gradFill rotWithShape="1">
+          <a:gsLst>
+            <a:gs pos="0">
+              <a:schemeClr val="accent6">
+                <a:tint val="75000"/>
+                <a:shade val="85000"/>
+                <a:satMod val="230000"/>
+              </a:schemeClr>
+            </a:gs>
+            <a:gs pos="25000">
+              <a:schemeClr val="accent6">
+                <a:tint val="90000"/>
+                <a:shade val="70000"/>
+                <a:satMod val="220000"/>
+              </a:schemeClr>
+            </a:gs>
+            <a:gs pos="50000">
+              <a:schemeClr val="accent6">
+                <a:tint val="90000"/>
+                <a:shade val="58000"/>
+                <a:satMod val="225000"/>
+              </a:schemeClr>
+            </a:gs>
+            <a:gs pos="65000">
+              <a:schemeClr val="accent6">
+                <a:tint val="90000"/>
+                <a:shade val="58000"/>
+                <a:satMod val="225000"/>
+              </a:schemeClr>
+            </a:gs>
+            <a:gs pos="80000">
+              <a:schemeClr val="accent6">
+                <a:tint val="90000"/>
+                <a:shade val="69000"/>
+                <a:satMod val="220000"/>
+              </a:schemeClr>
+            </a:gs>
+            <a:gs pos="100000">
+              <a:schemeClr val="accent6">
+                <a:tint val="77000"/>
+                <a:shade val="80000"/>
+                <a:satMod val="230000"/>
+              </a:schemeClr>
+            </a:gs>
+          </a:gsLst>
+          <a:lin ang="5400000" scaled="1"/>
+        </a:gradFill>
+        <a:ln>
+          <a:noFill/>
+        </a:ln>
+        <a:effectLst>
+          <a:outerShdw blurRad="76200" dist="50800" dir="5400000" rotWithShape="0">
+            <a:srgbClr val="4E3B30">
+              <a:alpha val="60000"/>
+            </a:srgbClr>
+          </a:outerShdw>
+        </a:effectLst>
+        <a:scene3d>
+          <a:camera prst="orthographicFront"/>
+          <a:lightRig rig="flat" dir="t"/>
+        </a:scene3d>
+        <a:sp3d contourW="12700" prstMaterial="matte">
+          <a:bevelT w="60000" h="50800"/>
+          <a:contourClr>
+            <a:schemeClr val="accent6">
+              <a:shade val="60000"/>
+              <a:satMod val="110000"/>
+            </a:schemeClr>
+          </a:contourClr>
+        </a:sp3d>
+      </dsp:spPr>
+      <dsp:style>
+        <a:lnRef idx="0">
+          <a:schemeClr val="accent6"/>
+        </a:lnRef>
+        <a:fillRef idx="3">
+          <a:schemeClr val="accent6"/>
+        </a:fillRef>
+        <a:effectRef idx="3">
+          <a:schemeClr val="accent6"/>
+        </a:effectRef>
+        <a:fontRef idx="minor">
+          <a:schemeClr val="lt1"/>
+        </a:fontRef>
+      </dsp:style>
+      <dsp:txBody>
+        <a:bodyPr spcFirstLastPara="0" vert="horz" wrap="square" lIns="38100" tIns="25400" rIns="38100" bIns="25400" numCol="1" spcCol="1270" anchor="ctr" anchorCtr="0">
+          <a:noAutofit/>
+        </a:bodyPr>
+        <a:lstStyle/>
+        <a:p>
+          <a:pPr lvl="0" algn="ctr" defTabSz="889000">
+            <a:lnSpc>
+              <a:spcPct val="90000"/>
+            </a:lnSpc>
+            <a:spcBef>
+              <a:spcPct val="0"/>
+            </a:spcBef>
+            <a:spcAft>
+              <a:spcPct val="35000"/>
+            </a:spcAft>
+          </a:pPr>
+          <a:r>
+            <a:rPr lang="pt-BR" sz="2000" b="1" kern="1200" dirty="0" smtClean="0">
+              <a:solidFill>
+                <a:srgbClr val="0070C0"/>
+              </a:solidFill>
+            </a:rPr>
+            <a:t>Aplicação</a:t>
+          </a:r>
+          <a:endParaRPr lang="pt-BR" sz="2000" b="1" kern="1200" dirty="0">
+            <a:solidFill>
+              <a:srgbClr val="0070C0"/>
+            </a:solidFill>
+          </a:endParaRPr>
+        </a:p>
+      </dsp:txBody>
+      <dsp:txXfrm>
+        <a:off x="3552156" y="864529"/>
+        <a:ext cx="2109983" cy="839070"/>
+      </dsp:txXfrm>
+    </dsp:sp>
+    <dsp:sp modelId="{AE566E9F-D101-4F88-9692-208EF2AE8557}">
+      <dsp:nvSpPr>
+        <dsp:cNvPr id="0" name=""/>
+        <dsp:cNvSpPr/>
+      </dsp:nvSpPr>
+      <dsp:spPr>
+        <a:xfrm>
+          <a:off x="6045580" y="1284064"/>
+          <a:ext cx="2373731" cy="1957832"/>
+        </a:xfrm>
+        <a:prstGeom prst="roundRect">
+          <a:avLst>
+            <a:gd name="adj" fmla="val 10000"/>
+          </a:avLst>
+        </a:prstGeom>
+        <a:solidFill>
+          <a:srgbClr val="C00000"/>
+        </a:solidFill>
+        <a:ln w="10000" cap="flat" cmpd="sng" algn="ctr">
+          <a:solidFill>
+            <a:schemeClr val="accent3"/>
+          </a:solidFill>
+          <a:prstDash val="solid"/>
+        </a:ln>
+        <a:effectLst>
+          <a:reflection blurRad="6350" stA="52000" endA="300" endPos="35000" dir="5400000" sy="-100000" algn="bl" rotWithShape="0"/>
+        </a:effectLst>
+        <a:scene3d>
+          <a:camera prst="orthographicFront"/>
+          <a:lightRig rig="flat" dir="t"/>
+        </a:scene3d>
+        <a:sp3d z="-190500" extrusionH="12700" prstMaterial="metal">
+          <a:bevelT w="10000" h="10000"/>
+        </a:sp3d>
+      </dsp:spPr>
+      <dsp:style>
+        <a:lnRef idx="1">
+          <a:schemeClr val="accent3"/>
+        </a:lnRef>
+        <a:fillRef idx="3">
+          <a:schemeClr val="accent3"/>
+        </a:fillRef>
+        <a:effectRef idx="2">
+          <a:schemeClr val="accent3"/>
+        </a:effectRef>
+        <a:fontRef idx="minor">
+          <a:schemeClr val="lt1"/>
+        </a:fontRef>
+      </dsp:style>
+      <dsp:txBody>
+        <a:bodyPr spcFirstLastPara="0" vert="horz" wrap="square" lIns="123825" tIns="123825" rIns="123825" bIns="123825" numCol="1" spcCol="1270" anchor="t" anchorCtr="0">
+          <a:noAutofit/>
+        </a:bodyPr>
+        <a:lstStyle/>
+        <a:p>
+          <a:pPr marL="171450" lvl="1" indent="-171450" algn="l" defTabSz="711200">
+            <a:lnSpc>
+              <a:spcPct val="90000"/>
+            </a:lnSpc>
+            <a:spcBef>
+              <a:spcPct val="0"/>
+            </a:spcBef>
+            <a:spcAft>
+              <a:spcPct val="15000"/>
+            </a:spcAft>
+            <a:buChar char="••"/>
+          </a:pPr>
+          <a:r>
+            <a:rPr lang="pt-BR" sz="1600" b="1" kern="1200" dirty="0" smtClean="0">
+              <a:solidFill>
+                <a:schemeClr val="accent6">
+                  <a:lumMod val="60000"/>
+                  <a:lumOff val="40000"/>
+                </a:schemeClr>
+              </a:solidFill>
+            </a:rPr>
+            <a:t>Dispositivo de acesso do usuário</a:t>
+          </a:r>
+          <a:endParaRPr lang="pt-BR" sz="1600" b="1" kern="1200" dirty="0">
+            <a:solidFill>
+              <a:schemeClr val="accent6">
+                <a:lumMod val="60000"/>
+                <a:lumOff val="40000"/>
+              </a:schemeClr>
+            </a:solidFill>
+          </a:endParaRPr>
+        </a:p>
+      </dsp:txBody>
+      <dsp:txXfrm>
+        <a:off x="6045580" y="1284064"/>
+        <a:ext cx="2373731" cy="1538296"/>
+      </dsp:txXfrm>
+    </dsp:sp>
+    <dsp:sp modelId="{301F9B7A-61FD-4D71-8D0E-DCB457B0DAC9}">
+      <dsp:nvSpPr>
+        <dsp:cNvPr id="0" name=""/>
+        <dsp:cNvSpPr/>
+      </dsp:nvSpPr>
+      <dsp:spPr>
+        <a:xfrm>
+          <a:off x="6573076" y="2822361"/>
+          <a:ext cx="2109983" cy="839070"/>
+        </a:xfrm>
+        <a:prstGeom prst="roundRect">
+          <a:avLst>
+            <a:gd name="adj" fmla="val 10000"/>
+          </a:avLst>
+        </a:prstGeom>
+        <a:gradFill rotWithShape="1">
+          <a:gsLst>
+            <a:gs pos="0">
+              <a:schemeClr val="accent6">
+                <a:tint val="75000"/>
+                <a:shade val="85000"/>
+                <a:satMod val="230000"/>
+              </a:schemeClr>
+            </a:gs>
+            <a:gs pos="25000">
+              <a:schemeClr val="accent6">
+                <a:tint val="90000"/>
+                <a:shade val="70000"/>
+                <a:satMod val="220000"/>
+              </a:schemeClr>
+            </a:gs>
+            <a:gs pos="50000">
+              <a:schemeClr val="accent6">
+                <a:tint val="90000"/>
+                <a:shade val="58000"/>
+                <a:satMod val="225000"/>
+              </a:schemeClr>
+            </a:gs>
+            <a:gs pos="65000">
+              <a:schemeClr val="accent6">
+                <a:tint val="90000"/>
+                <a:shade val="58000"/>
+                <a:satMod val="225000"/>
+              </a:schemeClr>
+            </a:gs>
+            <a:gs pos="80000">
+              <a:schemeClr val="accent6">
+                <a:tint val="90000"/>
+                <a:shade val="69000"/>
+                <a:satMod val="220000"/>
+              </a:schemeClr>
+            </a:gs>
+            <a:gs pos="100000">
+              <a:schemeClr val="accent6">
+                <a:tint val="77000"/>
+                <a:shade val="80000"/>
+                <a:satMod val="230000"/>
+              </a:schemeClr>
+            </a:gs>
+          </a:gsLst>
+          <a:lin ang="5400000" scaled="1"/>
+        </a:gradFill>
+        <a:ln>
+          <a:noFill/>
+        </a:ln>
+        <a:effectLst>
+          <a:outerShdw blurRad="76200" dist="50800" dir="5400000" rotWithShape="0">
+            <a:srgbClr val="4E3B30">
+              <a:alpha val="60000"/>
+            </a:srgbClr>
+          </a:outerShdw>
+        </a:effectLst>
+        <a:scene3d>
+          <a:camera prst="orthographicFront"/>
+          <a:lightRig rig="flat" dir="t"/>
+        </a:scene3d>
+        <a:sp3d contourW="12700" prstMaterial="matte">
+          <a:bevelT w="60000" h="50800"/>
+          <a:contourClr>
+            <a:schemeClr val="accent6">
+              <a:shade val="60000"/>
+              <a:satMod val="110000"/>
+            </a:schemeClr>
+          </a:contourClr>
+        </a:sp3d>
+      </dsp:spPr>
+      <dsp:style>
+        <a:lnRef idx="0">
+          <a:schemeClr val="accent6"/>
+        </a:lnRef>
+        <a:fillRef idx="3">
+          <a:schemeClr val="accent6"/>
+        </a:fillRef>
+        <a:effectRef idx="3">
+          <a:schemeClr val="accent6"/>
+        </a:effectRef>
+        <a:fontRef idx="minor">
+          <a:schemeClr val="lt1"/>
+        </a:fontRef>
+      </dsp:style>
+      <dsp:txBody>
+        <a:bodyPr spcFirstLastPara="0" vert="horz" wrap="square" lIns="38100" tIns="25400" rIns="38100" bIns="25400" numCol="1" spcCol="1270" anchor="ctr" anchorCtr="0">
+          <a:noAutofit/>
+        </a:bodyPr>
+        <a:lstStyle/>
+        <a:p>
+          <a:pPr lvl="0" algn="ctr" defTabSz="889000">
+            <a:lnSpc>
+              <a:spcPct val="90000"/>
+            </a:lnSpc>
+            <a:spcBef>
+              <a:spcPct val="0"/>
+            </a:spcBef>
+            <a:spcAft>
+              <a:spcPct val="35000"/>
+            </a:spcAft>
+          </a:pPr>
+          <a:r>
+            <a:rPr lang="pt-BR" sz="2000" b="1" kern="1200" dirty="0" smtClean="0">
+              <a:solidFill>
+                <a:srgbClr val="0070C0"/>
+              </a:solidFill>
+            </a:rPr>
+            <a:t>Usuário</a:t>
+          </a:r>
+          <a:endParaRPr lang="pt-BR" sz="2000" b="1" kern="1200" dirty="0">
+            <a:solidFill>
+              <a:srgbClr val="0070C0"/>
+            </a:solidFill>
+          </a:endParaRPr>
+        </a:p>
+      </dsp:txBody>
+      <dsp:txXfrm>
+        <a:off x="6573076" y="2822361"/>
+        <a:ext cx="2109983" cy="839070"/>
+      </dsp:txXfrm>
+    </dsp:sp>
+  </dsp:spTree>
+</dsp:drawing>
+</file>
+
+<file path=ppt/diagrams/layout1.xml><?xml version="1.0" encoding="utf-8"?>
+<dgm:layoutDef xmlns:dgm="http://schemas.openxmlformats.org/drawingml/2006/diagram" xmlns:a="http://schemas.openxmlformats.org/drawingml/2006/main" uniqueId="urn:microsoft.com/office/officeart/2005/8/layout/list1">
+  <dgm:title val=""/>
+  <dgm:desc val=""/>
+  <dgm:catLst>
+    <dgm:cat type="list" pri="4000"/>
+  </dgm:catLst>
+  <dgm:sampData>
+    <dgm:dataModel>
+      <dgm:ptLst>
+        <dgm:pt modelId="0" type="doc"/>
+        <dgm:pt modelId="1">
+          <dgm:prSet phldr="1"/>
+        </dgm:pt>
+        <dgm:pt modelId="2">
+          <dgm:prSet phldr="1"/>
+        </dgm:pt>
+        <dgm:pt modelId="3">
+          <dgm:prSet phldr="1"/>
+        </dgm:pt>
+      </dgm:ptLst>
+      <dgm:cxnLst>
+        <dgm:cxn modelId="4" srcId="0" destId="1" srcOrd="0" destOrd="0"/>
+        <dgm:cxn modelId="5" srcId="0" destId="2" srcOrd="1" destOrd="0"/>
+        <dgm:cxn modelId="6" srcId="0" destId="3" srcOrd="2" destOrd="0"/>
+      </dgm:cxnLst>
+      <dgm:bg/>
+      <dgm:whole/>
+    </dgm:dataModel>
+  </dgm:sampData>
+  <dgm:styleData>
+    <dgm:dataModel>
+      <dgm:ptLst>
+        <dgm:pt modelId="0" type="doc"/>
+        <dgm:pt modelId="1"/>
+        <dgm:pt modelId="2"/>
+      </dgm:ptLst>
+      <dgm:cxnLst>
+        <dgm:cxn modelId="4" srcId="0" destId="1" srcOrd="0" destOrd="0"/>
+        <dgm:cxn modelId="5" srcId="0" destId="2" srcOrd="1" destOrd="0"/>
+      </dgm:cxnLst>
+      <dgm:bg/>
+      <dgm:whole/>
+    </dgm:dataModel>
+  </dgm:styleData>
+  <dgm:clrData>
+    <dgm:dataModel>
+      <dgm:ptLst>
+        <dgm:pt modelId="0" type="doc"/>
+        <dgm:pt modelId="1"/>
+        <dgm:pt modelId="2"/>
+        <dgm:pt modelId="3"/>
+        <dgm:pt modelId="4"/>
+      </dgm:ptLst>
+      <dgm:cxnLst>
+        <dgm:cxn modelId="5" srcId="0" destId="1" srcOrd="0" destOrd="0"/>
+        <dgm:cxn modelId="6" srcId="0" destId="2" srcOrd="1" destOrd="0"/>
+        <dgm:cxn modelId="7" srcId="0" destId="3" srcOrd="2" destOrd="0"/>
+        <dgm:cxn modelId="8" srcId="0" destId="4" srcOrd="3" destOrd="0"/>
+      </dgm:cxnLst>
+      <dgm:bg/>
+      <dgm:whole/>
+    </dgm:dataModel>
+  </dgm:clrData>
+  <dgm:layoutNode name="linear">
+    <dgm:varLst>
+      <dgm:dir/>
+      <dgm:animLvl val="lvl"/>
+      <dgm:resizeHandles val="exact"/>
+    </dgm:varLst>
+    <dgm:choose name="Name0">
+      <dgm:if name="Name1" func="var" arg="dir" op="equ" val="norm">
+        <dgm:alg type="lin">
+          <dgm:param type="linDir" val="fromT"/>
+          <dgm:param type="vertAlign" val="mid"/>
+          <dgm:param type="horzAlign" val="l"/>
+          <dgm:param type="nodeHorzAlign" val="l"/>
+        </dgm:alg>
+      </dgm:if>
+      <dgm:else name="Name2">
+        <dgm:alg type="lin">
+          <dgm:param type="linDir" val="fromT"/>
+          <dgm:param type="vertAlign" val="mid"/>
+          <dgm:param type="horzAlign" val="r"/>
+          <dgm:param type="nodeHorzAlign" val="r"/>
+        </dgm:alg>
+      </dgm:else>
+    </dgm:choose>
+    <dgm:shape xmlns:r="http://schemas.openxmlformats.org/officeDocument/2006/relationships" r:blip="">
+      <dgm:adjLst/>
+    </dgm:shape>
+    <dgm:presOf/>
+    <dgm:constrLst>
+      <dgm:constr type="w" for="ch" forName="parentLin" refType="w"/>
+      <dgm:constr type="h" for="ch" forName="parentLin" val="INF"/>
+      <dgm:constr type="w" for="des" forName="parentLeftMargin" refType="w" fact="0.05"/>
+      <dgm:constr type="w" for="des" forName="parentText" refType="w" fact="0.7"/>
+      <dgm:constr type="h" for="des" forName="parentText" refType="primFontSz" refFor="des" refForName="parentText" fact="0.82"/>
+      <dgm:constr type="h" for="ch" forName="negativeSpace" refType="primFontSz" refFor="des" refForName="parentText" fact="-0.41"/>
+      <dgm:constr type="h" for="ch" forName="negativeSpace" refType="h" refFor="des" refForName="parentText" op="lte" fact="-0.82"/>
+      <dgm:constr type="h" for="ch" forName="negativeSpace" refType="h" refFor="des" refForName="parentText" op="gte" fact="-0.82"/>
+      <dgm:constr type="w" for="ch" forName="childText" refType="w"/>
+      <dgm:constr type="h" for="ch" forName="childText" refType="primFontSz" refFor="des" refForName="parentText" fact="0.7"/>
+      <dgm:constr type="primFontSz" for="des" forName="parentText" val="65"/>
+      <dgm:constr type="primFontSz" for="ch" forName="childText" refType="primFontSz" refFor="des" refForName="parentText"/>
+      <dgm:constr type="tMarg" for="ch" forName="childText" refType="primFontSz" refFor="des" refForName="parentText" fact="1.64"/>
+      <dgm:constr type="tMarg" for="ch" forName="childText" refType="h" refFor="des" refForName="parentText" op="lte" fact="3.28"/>
+      <dgm:constr type="tMarg" for="ch" forName="childText" refType="h" refFor="des" refForName="parentText" op="gte" fact="3.28"/>
+      <dgm:constr type="lMarg" for="ch" forName="childText" refType="w" fact="0.22"/>
+      <dgm:constr type="rMarg" for="ch" forName="childText" refType="lMarg" refFor="ch" refForName="childText"/>
+      <dgm:constr type="lMarg" for="des" forName="parentText" refType="w" fact="0.075"/>
+      <dgm:constr type="rMarg" for="des" forName="parentText" refType="lMarg" refFor="des" refForName="parentText"/>
+      <dgm:constr type="h" for="ch" forName="spaceBetweenRectangles" refType="primFontSz" refFor="des" refForName="parentText" fact="0.15"/>
+    </dgm:constrLst>
+    <dgm:ruleLst>
+      <dgm:rule type="primFontSz" for="des" forName="parentText" val="5" fact="NaN" max="NaN"/>
+    </dgm:ruleLst>
+    <dgm:forEach name="Name3" axis="ch" ptType="node">
+      <dgm:layoutNode name="parentLin">
+        <dgm:choose name="Name4">
+          <dgm:if name="Name5" func="var" arg="dir" op="equ" val="norm">
+            <dgm:alg type="lin">
+              <dgm:param type="linDir" val="fromL"/>
+              <dgm:param type="horzAlign" val="l"/>
+              <dgm:param type="nodeHorzAlign" val="l"/>
+            </dgm:alg>
+          </dgm:if>
+          <dgm:else name="Name6">
+            <dgm:alg type="lin">
+              <dgm:param type="linDir" val="fromR"/>
+              <dgm:param type="horzAlign" val="r"/>
+              <dgm:param type="nodeHorzAlign" val="r"/>
+            </dgm:alg>
+          </dgm:else>
+        </dgm:choose>
+        <dgm:shape xmlns:r="http://schemas.openxmlformats.org/officeDocument/2006/relationships" r:blip="">
+          <dgm:adjLst/>
+        </dgm:shape>
+        <dgm:presOf/>
+        <dgm:constrLst/>
+        <dgm:ruleLst/>
+        <dgm:layoutNode name="parentLeftMargin">
+          <dgm:alg type="sp"/>
+          <dgm:shape xmlns:r="http://schemas.openxmlformats.org/officeDocument/2006/relationships" type="rect" r:blip="" hideGeom="1">
+            <dgm:adjLst/>
+          </dgm:shape>
+          <dgm:presOf axis="self"/>
+          <dgm:constrLst>
+            <dgm:constr type="h"/>
+          </dgm:constrLst>
+          <dgm:ruleLst/>
+        </dgm:layoutNode>
+        <dgm:layoutNode name="parentText" styleLbl="node1">
+          <dgm:varLst>
+            <dgm:chMax val="0"/>
+            <dgm:bulletEnabled val="1"/>
+          </dgm:varLst>
+          <dgm:choose name="Name7">
+            <dgm:if name="Name8" func="var" arg="dir" op="equ" val="norm">
+              <dgm:alg type="tx">
+                <dgm:param type="parTxLTRAlign" val="l"/>
+                <dgm:param type="parTxRTLAlign" val="l"/>
+              </dgm:alg>
+            </dgm:if>
+            <dgm:else name="Name9">
+              <dgm:alg type="tx">
+                <dgm:param type="parTxLTRAlign" val="r"/>
+                <dgm:param type="parTxRTLAlign" val="r"/>
+              </dgm:alg>
+            </dgm:else>
+          </dgm:choose>
+          <dgm:shape xmlns:r="http://schemas.openxmlformats.org/officeDocument/2006/relationships" type="roundRect" r:blip="">
+            <dgm:adjLst/>
+          </dgm:shape>
+          <dgm:presOf axis="self" ptType="node"/>
+          <dgm:constrLst>
+            <dgm:constr type="tMarg"/>
+            <dgm:constr type="bMarg"/>
+          </dgm:constrLst>
+          <dgm:ruleLst/>
+        </dgm:layoutNode>
+      </dgm:layoutNode>
+      <dgm:layoutNode name="negativeSpace">
+        <dgm:alg type="sp"/>
+        <dgm:shape xmlns:r="http://schemas.openxmlformats.org/officeDocument/2006/relationships" r:blip="">
+          <dgm:adjLst/>
+        </dgm:shape>
+        <dgm:presOf/>
+        <dgm:constrLst/>
+        <dgm:ruleLst/>
+      </dgm:layoutNode>
+      <dgm:layoutNode name="childText" styleLbl="conFgAcc1">
+        <dgm:varLst>
+          <dgm:bulletEnabled val="1"/>
+        </dgm:varLst>
+        <dgm:alg type="tx">
+          <dgm:param type="stBulletLvl" val="1"/>
+        </dgm:alg>
+        <dgm:shape xmlns:r="http://schemas.openxmlformats.org/officeDocument/2006/relationships" type="rect" r:blip="" zOrderOff="-2">
+          <dgm:adjLst/>
+        </dgm:shape>
+        <dgm:presOf axis="des" ptType="node"/>
+        <dgm:constrLst>
+          <dgm:constr type="secFontSz" refType="primFontSz"/>
+        </dgm:constrLst>
+        <dgm:ruleLst>
+          <dgm:rule type="h" val="INF" fact="NaN" max="NaN"/>
+        </dgm:ruleLst>
+      </dgm:layoutNode>
+      <dgm:forEach name="Name10" axis="followSib" ptType="sibTrans" cnt="1">
+        <dgm:layoutNode name="spaceBetweenRectangles">
+          <dgm:alg type="sp"/>
+          <dgm:shape xmlns:r="http://schemas.openxmlformats.org/officeDocument/2006/relationships" r:blip="">
+            <dgm:adjLst/>
+          </dgm:shape>
+          <dgm:presOf/>
+          <dgm:constrLst/>
+          <dgm:ruleLst/>
+        </dgm:layoutNode>
+      </dgm:forEach>
+    </dgm:forEach>
+  </dgm:layoutNode>
+</dgm:layoutDef>
+</file>
+
+<file path=ppt/diagrams/layout2.xml><?xml version="1.0" encoding="utf-8"?>
+<dgm:layoutDef xmlns:dgm="http://schemas.openxmlformats.org/drawingml/2006/diagram" xmlns:a="http://schemas.openxmlformats.org/drawingml/2006/main" uniqueId="urn:microsoft.com/office/officeart/2005/8/layout/hProcess4">
+  <dgm:title val=""/>
+  <dgm:desc val=""/>
+  <dgm:catLst>
+    <dgm:cat type="process" pri="4000"/>
+  </dgm:catLst>
+  <dgm:sampData>
+    <dgm:dataModel>
+      <dgm:ptLst>
+        <dgm:pt modelId="0" type="doc"/>
+        <dgm:pt modelId="1">
+          <dgm:prSet phldr="1"/>
+        </dgm:pt>
+        <dgm:pt modelId="11">
+          <dgm:prSet phldr="1"/>
+        </dgm:pt>
+        <dgm:pt modelId="12">
+          <dgm:prSet phldr="1"/>
+        </dgm:pt>
+        <dgm:pt modelId="2">
+          <dgm:prSet phldr="1"/>
+        </dgm:pt>
+        <dgm:pt modelId="21">
+          <dgm:prSet phldr="1"/>
+        </dgm:pt>
+        <dgm:pt modelId="22">
+          <dgm:prSet phldr="1"/>
+        </dgm:pt>
+        <dgm:pt modelId="3">
+          <dgm:prSet phldr="1"/>
+        </dgm:pt>
+        <dgm:pt modelId="31">
+          <dgm:prSet phldr="1"/>
+        </dgm:pt>
+        <dgm:pt modelId="32">
+          <dgm:prSet phldr="1"/>
+        </dgm:pt>
+      </dgm:ptLst>
+      <dgm:cxnLst>
+        <dgm:cxn modelId="4" srcId="0" destId="1" srcOrd="0" destOrd="0"/>
+        <dgm:cxn modelId="5" srcId="0" destId="2" srcOrd="1" destOrd="0"/>
+        <dgm:cxn modelId="6" srcId="0" destId="3" srcOrd="2" destOrd="0"/>
+        <dgm:cxn modelId="13" srcId="1" destId="11" srcOrd="0" destOrd="0"/>
+        <dgm:cxn modelId="14" srcId="1" destId="12" srcOrd="1" destOrd="0"/>
+        <dgm:cxn modelId="23" srcId="2" destId="21" srcOrd="0" destOrd="0"/>
+        <dgm:cxn modelId="24" srcId="2" destId="22" srcOrd="1" destOrd="0"/>
+        <dgm:cxn modelId="33" srcId="3" destId="31" srcOrd="0" destOrd="0"/>
+        <dgm:cxn modelId="34" srcId="3" destId="32" srcOrd="1" destOrd="0"/>
+      </dgm:cxnLst>
+      <dgm:bg/>
+      <dgm:whole/>
+    </dgm:dataModel>
+  </dgm:sampData>
+  <dgm:styleData>
+    <dgm:dataModel>
+      <dgm:ptLst>
+        <dgm:pt modelId="0" type="doc"/>
+        <dgm:pt modelId="1"/>
+        <dgm:pt modelId="11"/>
+        <dgm:pt modelId="2"/>
+        <dgm:pt modelId="21"/>
+      </dgm:ptLst>
+      <dgm:cxnLst>
+        <dgm:cxn modelId="4" srcId="0" destId="1" srcOrd="0" destOrd="0"/>
+        <dgm:cxn modelId="5" srcId="0" destId="2" srcOrd="1" destOrd="0"/>
+        <dgm:cxn modelId="13" srcId="1" destId="11" srcOrd="0" destOrd="0"/>
+        <dgm:cxn modelId="23" srcId="2" destId="21" srcOrd="0" destOrd="0"/>
+      </dgm:cxnLst>
+      <dgm:bg/>
+      <dgm:whole/>
+    </dgm:dataModel>
+  </dgm:styleData>
+  <dgm:clrData>
+    <dgm:dataModel>
+      <dgm:ptLst>
+        <dgm:pt modelId="0" type="doc"/>
+        <dgm:pt modelId="1"/>
+        <dgm:pt modelId="11"/>
+        <dgm:pt modelId="2"/>
+        <dgm:pt modelId="21"/>
+        <dgm:pt modelId="3"/>
+        <dgm:pt modelId="31"/>
+        <dgm:pt modelId="4"/>
+        <dgm:pt modelId="41"/>
+      </dgm:ptLst>
+      <dgm:cxnLst>
+        <dgm:cxn modelId="5" srcId="0" destId="1" srcOrd="0" destOrd="0"/>
+        <dgm:cxn modelId="6" srcId="0" destId="2" srcOrd="1" destOrd="0"/>
+        <dgm:cxn modelId="7" srcId="0" destId="3" srcOrd="2" destOrd="0"/>
+        <dgm:cxn modelId="8" srcId="0" destId="4" srcOrd="3" destOrd="0"/>
+        <dgm:cxn modelId="13" srcId="1" destId="11" srcOrd="0" destOrd="0"/>
+        <dgm:cxn modelId="23" srcId="2" destId="21" srcOrd="0" destOrd="0"/>
+        <dgm:cxn modelId="33" srcId="3" destId="31" srcOrd="0" destOrd="0"/>
+        <dgm:cxn modelId="43" srcId="4" destId="41" srcOrd="0" destOrd="0"/>
+      </dgm:cxnLst>
+      <dgm:bg/>
+      <dgm:whole/>
+    </dgm:dataModel>
+  </dgm:clrData>
+  <dgm:layoutNode name="Name0">
+    <dgm:varLst>
+      <dgm:dir/>
+      <dgm:animLvl val="lvl"/>
+      <dgm:resizeHandles val="exact"/>
+    </dgm:varLst>
+    <dgm:alg type="composite"/>
+    <dgm:shape xmlns:r="http://schemas.openxmlformats.org/officeDocument/2006/relationships" r:blip="">
+      <dgm:adjLst/>
+    </dgm:shape>
+    <dgm:presOf/>
+    <dgm:constrLst>
+      <dgm:constr type="w" for="ch" forName="tSp" refType="w"/>
+      <dgm:constr type="h" for="ch" forName="tSp" refType="h" fact="0.15"/>
+      <dgm:constr type="l" for="ch" forName="tSp"/>
+      <dgm:constr type="t" for="ch" forName="tSp"/>
+      <dgm:constr type="w" for="ch" forName="bSp" refType="w"/>
+      <dgm:constr type="h" for="ch" forName="bSp" refType="h" fact="0.15"/>
+      <dgm:constr type="l" for="ch" forName="bSp"/>
+      <dgm:constr type="t" for="ch" forName="bSp" refType="h" fact="0.85"/>
+      <dgm:constr type="w" for="ch" forName="process" refType="w"/>
+      <dgm:constr type="h" for="ch" forName="process" refType="h" fact="0.7"/>
+      <dgm:constr type="l" for="ch" forName="process"/>
+      <dgm:constr type="t" for="ch" forName="process" refType="h" fact="0.15"/>
+    </dgm:constrLst>
+    <dgm:ruleLst/>
+    <dgm:layoutNode name="tSp">
+      <dgm:alg type="sp"/>
+      <dgm:shape xmlns:r="http://schemas.openxmlformats.org/officeDocument/2006/relationships" r:blip="">
+        <dgm:adjLst/>
+      </dgm:shape>
+      <dgm:presOf/>
+      <dgm:constrLst/>
+      <dgm:ruleLst/>
+    </dgm:layoutNode>
+    <dgm:layoutNode name="bSp">
+      <dgm:alg type="sp"/>
+      <dgm:shape xmlns:r="http://schemas.openxmlformats.org/officeDocument/2006/relationships" r:blip="">
+        <dgm:adjLst/>
+      </dgm:shape>
+      <dgm:presOf/>
+      <dgm:constrLst/>
+      <dgm:ruleLst/>
+    </dgm:layoutNode>
+    <dgm:layoutNode name="process">
+      <dgm:choose name="Name1">
+        <dgm:if name="Name2" func="var" arg="dir" op="equ" val="norm">
+          <dgm:alg type="lin">
+            <dgm:param type="linDir" val="fromL"/>
+          </dgm:alg>
+        </dgm:if>
+        <dgm:else name="Name3">
+          <dgm:alg type="lin">
+            <dgm:param type="linDir" val="fromR"/>
+          </dgm:alg>
+        </dgm:else>
+      </dgm:choose>
+      <dgm:shape xmlns:r="http://schemas.openxmlformats.org/officeDocument/2006/relationships" r:blip="">
+        <dgm:adjLst/>
+      </dgm:shape>
+      <dgm:presOf/>
+      <dgm:constrLst>
+        <dgm:constr type="w" for="ch" forName="composite1" refType="w"/>
+        <dgm:constr type="w" for="ch" forName="composite2" refType="w" refFor="ch" refForName="composite1" op="equ"/>
+        <dgm:constr type="h" for="ch" forName="composite1" refType="h"/>
+        <dgm:constr type="h" for="ch" forName="composite2" refType="h" refFor="ch" refForName="composite1" op="equ"/>
+        <dgm:constr type="primFontSz" for="des" forName="parentNode1" val="65"/>
+        <dgm:constr type="primFontSz" for="des" forName="parentNode2" refType="primFontSz" refFor="des" refForName="parentNode1" op="equ"/>
+        <dgm:constr type="secFontSz" for="des" forName="childNode1tx" val="65"/>
+        <dgm:constr type="secFontSz" for="des" forName="childNode2tx" refType="secFontSz" refFor="des" refForName="childNode1tx" op="equ"/>
+        <dgm:constr type="w" for="des" ptType="sibTrans" refType="w" refFor="ch" refForName="composite1" op="equ" fact="0.05"/>
+      </dgm:constrLst>
+      <dgm:ruleLst/>
+      <dgm:forEach name="Name4" axis="ch" ptType="node" step="2">
+        <dgm:layoutNode name="composite1">
+          <dgm:alg type="composite">
+            <dgm:param type="ar" val="0.943"/>
+          </dgm:alg>
+          <dgm:shape xmlns:r="http://schemas.openxmlformats.org/officeDocument/2006/relationships" r:blip="">
+            <dgm:adjLst/>
+          </dgm:shape>
+          <dgm:presOf/>
+          <dgm:choose name="Name5">
+            <dgm:if name="Name6" func="var" arg="dir" op="equ" val="norm">
+              <dgm:constrLst>
+                <dgm:constr type="h" refType="w" fact="1.06"/>
+                <dgm:constr type="w" for="ch" forName="dummyNode1" refType="w"/>
+                <dgm:constr type="h" for="ch" forName="dummyNode1" refType="h"/>
+                <dgm:constr type="t" for="ch" forName="dummyNode1"/>
+                <dgm:constr type="l" for="ch" forName="dummyNode1"/>
+                <dgm:constr type="w" for="ch" forName="childNode1" refType="w" fact="0.9"/>
+                <dgm:constr type="h" for="ch" forName="childNode1" refType="h" fact="0.7"/>
+                <dgm:constr type="t" for="ch" forName="childNode1" refType="h" fact="0.15"/>
+                <dgm:constr type="l" for="ch" forName="childNode1"/>
+                <dgm:constr type="w" for="ch" forName="childNode1tx" refType="w" fact="0.9"/>
+                <dgm:constr type="h" for="ch" forName="childNode1tx" refType="h" fact="0.55"/>
+                <dgm:constr type="t" for="ch" forName="childNode1tx" refType="h" fact="0.15"/>
+                <dgm:constr type="l" for="ch" forName="childNode1tx"/>
+                <dgm:constr type="w" for="ch" forName="parentNode1" refType="w" fact="0.8"/>
+                <dgm:constr type="h" for="ch" forName="parentNode1" refType="h" fact="0.3"/>
+                <dgm:constr type="t" for="ch" forName="parentNode1" refType="h" fact="0.7"/>
+                <dgm:constr type="l" for="ch" forName="parentNode1" refType="w" fact="0.2"/>
+                <dgm:constr type="w" for="ch" forName="connSite1" refType="w" fact="0.01"/>
+                <dgm:constr type="h" for="ch" forName="connSite1" refType="h" fact="0.01"/>
+                <dgm:constr type="t" for="ch" forName="connSite1"/>
+                <dgm:constr type="l" for="ch" forName="connSite1" refType="w" fact="0.35"/>
+              </dgm:constrLst>
+            </dgm:if>
+            <dgm:else name="Name7">
+              <dgm:constrLst>
+                <dgm:constr type="h" refType="w" fact="1.06"/>
+                <dgm:constr type="w" for="ch" forName="dummyNode1" refType="w"/>
+                <dgm:constr type="h" for="ch" forName="dummyNode1" refType="h"/>
+                <dgm:constr type="t" for="ch" forName="dummyNode1"/>
+                <dgm:constr type="l" for="ch" forName="dummyNode1"/>
+                <dgm:constr type="w" for="ch" forName="childNode1" refType="w" fact="0.9"/>
+                <dgm:constr type="h" for="ch" forName="childNode1" refType="h" fact="0.7"/>
+                <dgm:constr type="t" for="ch" forName="childNode1" refType="h" fact="0.15"/>
+                <dgm:constr type="l" for="ch" forName="childNode1" refType="w" fact="0.1"/>
+                <dgm:constr type="w" for="ch" forName="childNode1tx" refType="w" fact="0.9"/>
+                <dgm:constr type="h" for="ch" forName="childNode1tx" refType="h" fact="0.55"/>
+                <dgm:constr type="t" for="ch" forName="childNode1tx" refType="h" fact="0.15"/>
+                <dgm:constr type="l" for="ch" forName="childNode1tx" refType="w" fact="0.1"/>
+                <dgm:constr type="w" for="ch" forName="parentNode1" refType="w" fact="0.8"/>
+                <dgm:constr type="h" for="ch" forName="parentNode1" refType="h" fact="0.3"/>
+                <dgm:constr type="t" for="ch" forName="parentNode1" refType="h" fact="0.7"/>
+                <dgm:constr type="l" for="ch" forName="parentNode1"/>
+                <dgm:constr type="w" for="ch" forName="connSite1" refType="w" fact="0.01"/>
+                <dgm:constr type="h" for="ch" forName="connSite1" refType="h" fact="0.01"/>
+                <dgm:constr type="t" for="ch" forName="connSite1"/>
+                <dgm:constr type="l" for="ch" forName="connSite1" refType="w" fact="0.65"/>
+              </dgm:constrLst>
+            </dgm:else>
+          </dgm:choose>
+          <dgm:ruleLst/>
+          <dgm:layoutNode name="dummyNode1">
+            <dgm:alg type="sp"/>
+            <dgm:shape xmlns:r="http://schemas.openxmlformats.org/officeDocument/2006/relationships" type="rect" r:blip="" hideGeom="1">
+              <dgm:adjLst/>
+            </dgm:shape>
+            <dgm:presOf/>
+            <dgm:constrLst/>
+            <dgm:ruleLst/>
+          </dgm:layoutNode>
+          <dgm:layoutNode name="childNode1" styleLbl="bgAcc1">
+            <dgm:varLst>
+              <dgm:bulletEnabled val="1"/>
+            </dgm:varLst>
+            <dgm:alg type="sp"/>
+            <dgm:shape xmlns:r="http://schemas.openxmlformats.org/officeDocument/2006/relationships" type="roundRect" r:blip="">
+              <dgm:adjLst>
+                <dgm:adj idx="1" val="0.1"/>
+              </dgm:adjLst>
+            </dgm:shape>
+            <dgm:presOf axis="des" ptType="node"/>
+            <dgm:constrLst/>
+            <dgm:ruleLst/>
+          </dgm:layoutNode>
+          <dgm:layoutNode name="childNode1tx" styleLbl="bgAcc1">
+            <dgm:varLst>
+              <dgm:bulletEnabled val="1"/>
+            </dgm:varLst>
+            <dgm:alg type="tx">
+              <dgm:param type="stBulletLvl" val="1"/>
+            </dgm:alg>
+            <dgm:shape xmlns:r="http://schemas.openxmlformats.org/officeDocument/2006/relationships" type="roundRect" r:blip="" hideGeom="1">
+              <dgm:adjLst>
+                <dgm:adj idx="1" val="0.1"/>
+              </dgm:adjLst>
+            </dgm:shape>
+            <dgm:presOf axis="des" ptType="node"/>
+            <dgm:constrLst>
+              <dgm:constr type="secFontSz" val="65"/>
+              <dgm:constr type="primFontSz" refType="secFontSz"/>
+              <dgm:constr type="tMarg" refType="secFontSz" fact="0.15"/>
+              <dgm:constr type="bMarg" refType="secFontSz" fact="0.15"/>
+              <dgm:constr type="lMarg" refType="secFontSz" fact="0.15"/>
+              <dgm:constr type="rMarg" refType="secFontSz" fact="0.15"/>
+            </dgm:constrLst>
+            <dgm:ruleLst>
+              <dgm:rule type="secFontSz" val="5" fact="NaN" max="NaN"/>
+            </dgm:ruleLst>
+          </dgm:layoutNode>
+          <dgm:layoutNode name="parentNode1" styleLbl="node1">
+            <dgm:varLst>
+              <dgm:chMax val="1"/>
+              <dgm:bulletEnabled val="1"/>
+            </dgm:varLst>
+            <dgm:alg type="tx"/>
+            <dgm:shape xmlns:r="http://schemas.openxmlformats.org/officeDocument/2006/relationships" type="roundRect" r:blip="">
+              <dgm:adjLst>
+                <dgm:adj idx="1" val="0.1"/>
+              </dgm:adjLst>
+            </dgm:shape>
+            <dgm:presOf axis="self"/>
+            <dgm:constrLst>
+              <dgm:constr type="tMarg" refType="primFontSz" fact="0.1"/>
+              <dgm:constr type="bMarg" refType="primFontSz" fact="0.1"/>
+              <dgm:constr type="lMarg" refType="primFontSz" fact="0.15"/>
+              <dgm:constr type="rMarg" refType="primFontSz" fact="0.15"/>
+            </dgm:constrLst>
+            <dgm:ruleLst>
+              <dgm:rule type="primFontSz" val="5" fact="NaN" max="NaN"/>
+            </dgm:ruleLst>
+          </dgm:layoutNode>
+          <dgm:layoutNode name="connSite1" moveWith="childNode1">
+            <dgm:alg type="sp"/>
+            <dgm:shape xmlns:r="http://schemas.openxmlformats.org/officeDocument/2006/relationships" r:blip="">
+              <dgm:adjLst/>
+            </dgm:shape>
+            <dgm:presOf/>
+            <dgm:constrLst/>
+            <dgm:ruleLst/>
+          </dgm:layoutNode>
+        </dgm:layoutNode>
+        <dgm:forEach name="Name8" axis="followSib" ptType="sibTrans" cnt="1">
+          <dgm:layoutNode name="Name9">
+            <dgm:alg type="conn">
+              <dgm:param type="connRout" val="curve"/>
+              <dgm:param type="srcNode" val="parentNode1"/>
+              <dgm:param type="dstNode" val="connSite2"/>
+              <dgm:param type="begPts" val="bCtr"/>
+              <dgm:param type="endPts" val="bCtr"/>
+            </dgm:alg>
+            <dgm:shape xmlns:r="http://schemas.openxmlformats.org/officeDocument/2006/relationships" type="conn" r:blip="" zOrderOff="-2">
+              <dgm:adjLst/>
+            </dgm:shape>
+            <dgm:presOf axis="self"/>
+            <dgm:choose name="Name10">
+              <dgm:if name="Name11" func="var" arg="dir" op="equ" val="norm">
+                <dgm:constrLst>
+                  <dgm:constr type="h" refType="w" fact="0.35"/>
+                  <dgm:constr type="wArH" refType="h"/>
+                  <dgm:constr type="hArH" refType="h"/>
+                  <dgm:constr type="connDist"/>
+                  <dgm:constr type="diam" refType="connDist" fact="-1.15"/>
+                  <dgm:constr type="begPad"/>
+                  <dgm:constr type="endPad"/>
+                </dgm:constrLst>
+              </dgm:if>
+              <dgm:else name="Name12">
+                <dgm:constrLst>
+                  <dgm:constr type="h" refType="w" fact="0.35"/>
+                  <dgm:constr type="wArH" refType="h"/>
+                  <dgm:constr type="hArH" refType="h"/>
+                  <dgm:constr type="connDist"/>
+                  <dgm:constr type="diam" refType="connDist" fact="1.15"/>
+                  <dgm:constr type="begPad"/>
+                  <dgm:constr type="endPad"/>
+                </dgm:constrLst>
+              </dgm:else>
+            </dgm:choose>
+            <dgm:ruleLst/>
+          </dgm:layoutNode>
+        </dgm:forEach>
+        <dgm:forEach name="Name13" axis="followSib" ptType="node" cnt="1">
+          <dgm:layoutNode name="composite2">
+            <dgm:alg type="composite">
+              <dgm:param type="ar" val="0.943"/>
+            </dgm:alg>
+            <dgm:shape xmlns:r="http://schemas.openxmlformats.org/officeDocument/2006/relationships" r:blip="">
+              <dgm:adjLst/>
+            </dgm:shape>
+            <dgm:presOf/>
+            <dgm:choose name="Name14">
+              <dgm:if name="Name15" func="var" arg="dir" op="equ" val="norm">
+                <dgm:constrLst>
+                  <dgm:constr type="h" refType="w" fact="1.06"/>
+                  <dgm:constr type="w" for="ch" forName="dummyNode2" refType="w"/>
+                  <dgm:constr type="h" for="ch" forName="dummyNode2" refType="h"/>
+                  <dgm:constr type="t" for="ch" forName="dummyNode2"/>
+                  <dgm:constr type="l" for="ch" forName="dummyNode2"/>
+                  <dgm:constr type="w" for="ch" forName="childNode2" refType="w" fact="0.9"/>
+                  <dgm:constr type="h" for="ch" forName="childNode2" refType="h" fact="0.7"/>
+                  <dgm:constr type="t" for="ch" forName="childNode2" refType="h" fact="0.15"/>
+                  <dgm:constr type="l" for="ch" forName="childNode2"/>
+                  <dgm:constr type="w" for="ch" forName="childNode2tx" refType="w" fact="0.9"/>
+                  <dgm:constr type="h" for="ch" forName="childNode2tx" refType="h" fact="0.55"/>
+                  <dgm:constr type="t" for="ch" forName="childNode2tx" refType="h" fact="0.3"/>
+                  <dgm:constr type="l" for="ch" forName="childNode2tx"/>
+                  <dgm:constr type="w" for="ch" forName="parentNode2" refType="w" fact="0.8"/>
+                  <dgm:constr type="h" for="ch" forName="parentNode2" refType="h" fact="0.3"/>
+                  <dgm:constr type="t" for="ch" forName="parentNode2"/>
+                  <dgm:constr type="l" for="ch" forName="parentNode2" refType="w" fact="0.2"/>
+                  <dgm:constr type="w" for="ch" forName="connSite2" refType="w" fact="0.01"/>
+                  <dgm:constr type="h" for="ch" forName="connSite2" refType="h" fact="0.01"/>
+                  <dgm:constr type="t" for="ch" forName="connSite2" refType="h" fact="0.99"/>
+                  <dgm:constr type="l" for="ch" forName="connSite2" refType="w" fact="0.25"/>
+                </dgm:constrLst>
+              </dgm:if>
+              <dgm:else name="Name16">
+                <dgm:constrLst>
+                  <dgm:constr type="h" refType="w" fact="1.06"/>
+                  <dgm:constr type="w" for="ch" forName="dummyNode2" refType="w"/>
+                  <dgm:constr type="h" for="ch" forName="dummyNode2" refType="h"/>
+                  <dgm:constr type="t" for="ch" forName="dummyNode2"/>
+                  <dgm:constr type="l" for="ch" forName="dummyNode2"/>
+                  <dgm:constr type="w" for="ch" forName="childNode2" refType="w" fact="0.9"/>
+                  <dgm:constr type="h" for="ch" forName="childNode2" refType="h" fact="0.7"/>
+                  <dgm:constr type="t" for="ch" forName="childNode2" refType="h" fact="0.15"/>
+                  <dgm:constr type="l" for="ch" forName="childNode2" refType="w" fact="0.1"/>
+                  <dgm:constr type="w" for="ch" forName="childNode2tx" refType="w" fact="0.9"/>
+                  <dgm:constr type="h" for="ch" forName="childNode2tx" refType="h" fact="0.55"/>
+                  <dgm:constr type="t" for="ch" forName="childNode2tx" refType="h" fact="0.3"/>
+                  <dgm:constr type="l" for="ch" forName="childNode2tx" refType="w" fact="0.1"/>
+                  <dgm:constr type="w" for="ch" forName="parentNode2" refType="w" fact="0.8"/>
+                  <dgm:constr type="h" for="ch" forName="parentNode2" refType="h" fact="0.3"/>
+                  <dgm:constr type="t" for="ch" forName="parentNode2"/>
+                  <dgm:constr type="l" for="ch" forName="parentNode2"/>
+                  <dgm:constr type="w" for="ch" forName="connSite2" refType="w" fact="0.01"/>
+                  <dgm:constr type="h" for="ch" forName="connSite2" refType="h" fact="0.01"/>
+                  <dgm:constr type="t" for="ch" forName="connSite2" refType="h" fact="0.99"/>
+                  <dgm:constr type="l" for="ch" forName="connSite2" refType="w" fact="0.85"/>
+                </dgm:constrLst>
+              </dgm:else>
+            </dgm:choose>
+            <dgm:ruleLst/>
+            <dgm:layoutNode name="dummyNode2">
+              <dgm:alg type="sp"/>
+              <dgm:shape xmlns:r="http://schemas.openxmlformats.org/officeDocument/2006/relationships" type="rect" r:blip="" hideGeom="1">
+                <dgm:adjLst/>
+              </dgm:shape>
+              <dgm:presOf/>
+              <dgm:constrLst/>
+              <dgm:ruleLst/>
+            </dgm:layoutNode>
+            <dgm:layoutNode name="childNode2" styleLbl="bgAcc1">
+              <dgm:varLst>
+                <dgm:bulletEnabled val="1"/>
+              </dgm:varLst>
+              <dgm:alg type="sp"/>
+              <dgm:shape xmlns:r="http://schemas.openxmlformats.org/officeDocument/2006/relationships" type="roundRect" r:blip="">
+                <dgm:adjLst>
+                  <dgm:adj idx="1" val="0.1"/>
+                </dgm:adjLst>
+              </dgm:shape>
+              <dgm:presOf axis="des" ptType="node"/>
+              <dgm:constrLst/>
+              <dgm:ruleLst/>
+            </dgm:layoutNode>
+            <dgm:layoutNode name="childNode2tx" styleLbl="bgAcc1">
+              <dgm:varLst>
+                <dgm:bulletEnabled val="1"/>
+              </dgm:varLst>
+              <dgm:alg type="tx">
+                <dgm:param type="stBulletLvl" val="1"/>
+              </dgm:alg>
+              <dgm:shape xmlns:r="http://schemas.openxmlformats.org/officeDocument/2006/relationships" type="roundRect" r:blip="" hideGeom="1">
+                <dgm:adjLst>
+                  <dgm:adj idx="1" val="0.1"/>
+                </dgm:adjLst>
+              </dgm:shape>
+              <dgm:presOf axis="des" ptType="node"/>
+              <dgm:constrLst>
+                <dgm:constr type="secFontSz" val="65"/>
+                <dgm:constr type="primFontSz" refType="secFontSz"/>
+                <dgm:constr type="tMarg" refType="secFontSz" fact="0.15"/>
+                <dgm:constr type="bMarg" refType="secFontSz" fact="0.15"/>
+                <dgm:constr type="lMarg" refType="secFontSz" fact="0.15"/>
+                <dgm:constr type="rMarg" refType="secFontSz" fact="0.15"/>
+              </dgm:constrLst>
+              <dgm:ruleLst>
+                <dgm:rule type="secFontSz" val="5" fact="NaN" max="NaN"/>
+              </dgm:ruleLst>
+            </dgm:layoutNode>
+            <dgm:layoutNode name="parentNode2" styleLbl="node1">
+              <dgm:varLst>
+                <dgm:chMax val="0"/>
+                <dgm:bulletEnabled val="1"/>
+              </dgm:varLst>
+              <dgm:alg type="tx"/>
+              <dgm:shape xmlns:r="http://schemas.openxmlformats.org/officeDocument/2006/relationships" type="roundRect" r:blip="">
+                <dgm:adjLst>
+                  <dgm:adj idx="1" val="0.1"/>
+                </dgm:adjLst>
+              </dgm:shape>
+              <dgm:presOf axis="self"/>
+              <dgm:constrLst>
+                <dgm:constr type="tMarg" refType="primFontSz" fact="0.1"/>
+                <dgm:constr type="bMarg" refType="primFontSz" fact="0.1"/>
+                <dgm:constr type="lMarg" refType="primFontSz" fact="0.15"/>
+                <dgm:constr type="rMarg" refType="primFontSz" fact="0.15"/>
+              </dgm:constrLst>
+              <dgm:ruleLst>
+                <dgm:rule type="primFontSz" val="5" fact="NaN" max="NaN"/>
+              </dgm:ruleLst>
+            </dgm:layoutNode>
+            <dgm:layoutNode name="connSite2" moveWith="childNode2">
+              <dgm:alg type="sp"/>
+              <dgm:shape xmlns:r="http://schemas.openxmlformats.org/officeDocument/2006/relationships" r:blip="">
+                <dgm:adjLst/>
+              </dgm:shape>
+              <dgm:presOf/>
+              <dgm:constrLst/>
+              <dgm:ruleLst/>
+            </dgm:layoutNode>
+          </dgm:layoutNode>
+          <dgm:forEach name="Name17" axis="followSib" ptType="sibTrans" cnt="1">
+            <dgm:layoutNode name="Name18">
+              <dgm:alg type="conn">
+                <dgm:param type="connRout" val="curve"/>
+                <dgm:param type="srcNode" val="parentNode2"/>
+                <dgm:param type="dstNode" val="connSite1"/>
+                <dgm:param type="begPts" val="tCtr"/>
+                <dgm:param type="endPts" val="tCtr"/>
+              </dgm:alg>
+              <dgm:shape xmlns:r="http://schemas.openxmlformats.org/officeDocument/2006/relationships" type="conn" r:blip="" zOrderOff="-2">
+                <dgm:adjLst/>
+              </dgm:shape>
+              <dgm:presOf axis="self"/>
+              <dgm:choose name="Name19">
+                <dgm:if name="Name20" func="var" arg="dir" op="equ" val="norm">
+                  <dgm:constrLst>
+                    <dgm:constr type="h" refType="w" fact="0.35"/>
+                    <dgm:constr type="wArH" refType="h"/>
+                    <dgm:constr type="hArH" refType="h"/>
+                    <dgm:constr type="connDist"/>
+                    <dgm:constr type="diam" refType="connDist" fact="1.15"/>
+                    <dgm:constr type="begPad"/>
+                    <dgm:constr type="endPad"/>
+                  </dgm:constrLst>
+                </dgm:if>
+                <dgm:else name="Name21">
+                  <dgm:constrLst>
+                    <dgm:constr type="h" refType="w" fact="0.35"/>
+                    <dgm:constr type="wArH" refType="h"/>
+                    <dgm:constr type="hArH" refType="h"/>
+                    <dgm:constr type="connDist"/>
+                    <dgm:constr type="diam" refType="connDist" fact="-1.15"/>
+                    <dgm:constr type="begPad"/>
+                    <dgm:constr type="endPad"/>
+                  </dgm:constrLst>
+                </dgm:else>
+              </dgm:choose>
+              <dgm:ruleLst/>
+            </dgm:layoutNode>
+          </dgm:forEach>
+        </dgm:forEach>
+      </dgm:forEach>
+    </dgm:layoutNode>
+  </dgm:layoutNode>
+</dgm:layoutDef>
+</file>
+
+<file path=ppt/diagrams/quickStyle1.xml><?xml version="1.0" encoding="utf-8"?>
+<dgm:styleDef xmlns:dgm="http://schemas.openxmlformats.org/drawingml/2006/diagram" xmlns:a="http://schemas.openxmlformats.org/drawingml/2006/main" uniqueId="urn:microsoft.com/office/officeart/2005/8/quickstyle/simple1">
+  <dgm:title val=""/>
+  <dgm:desc val=""/>
+  <dgm:catLst>
+    <dgm:cat type="simple" pri="10100"/>
+  </dgm:catLst>
+  <dgm:scene3d>
+    <a:camera prst="orthographicFront"/>
+    <a:lightRig rig="threePt" dir="t"/>
+  </dgm:scene3d>
+  <dgm:styleLbl name="node0">
+    <dgm:scene3d>
+      <a:camera prst="orthographicFront"/>
+      <a:lightRig rig="threePt" dir="t"/>
+    </dgm:scene3d>
+    <dgm:sp3d/>
+    <dgm:txPr/>
+    <dgm:style>
+      <a:lnRef idx="2">
+        <a:scrgbClr r="0" g="0" b="0"/>
+      </a:lnRef>
+      <a:fillRef idx="1">
+        <a:scrgbClr r="0" g="0" b="0"/>
+      </a:fillRef>
+      <a:effectRef idx="0">
+        <a:scrgbClr r="0" g="0" b="0"/>
+      </a:effectRef>
+      <a:fontRef idx="minor">
+        <a:schemeClr val="lt1"/>
+      </a:fontRef>
+    </dgm:style>
+  </dgm:styleLbl>
+  <dgm:styleLbl name="lnNode1">
+    <dgm:scene3d>
+      <a:camera prst="orthographicFront"/>
+      <a:lightRig rig="threePt" dir="t"/>
+    </dgm:scene3d>
+    <dgm:sp3d/>
+    <dgm:txPr/>
+    <dgm:style>
+      <a:lnRef idx="2">
+        <a:scrgbClr r="0" g="0" b="0"/>
+      </a:lnRef>
+      <a:fillRef idx="1">
+        <a:scrgbClr r="0" g="0" b="0"/>
+      </a:fillRef>
+      <a:effectRef idx="0">
+        <a:scrgbClr r="0" g="0" b="0"/>
+      </a:effectRef>
+      <a:fontRef idx="minor">
+        <a:schemeClr val="lt1"/>
+      </a:fontRef>
+    </dgm:style>
+  </dgm:styleLbl>
+  <dgm:styleLbl name="vennNode1">
+    <dgm:scene3d>
+      <a:camera prst="orthographicFront"/>
+      <a:lightRig rig="threePt" dir="t"/>
+    </dgm:scene3d>
+    <dgm:sp3d/>
+    <dgm:txPr/>
+    <dgm:style>
+      <a:lnRef idx="2">
+        <a:scrgbClr r="0" g="0" b="0"/>
+      </a:lnRef>
+      <a:fillRef idx="1">
+        <a:scrgbClr r="0" g="0" b="0"/>
+      </a:fillRef>
+      <a:effectRef idx="0">
+        <a:scrgbClr r="0" g="0" b="0"/>
+      </a:effectRef>
+      <a:fontRef idx="minor">
+        <a:schemeClr val="tx1"/>
+      </a:fontRef>
+    </dgm:style>
+  </dgm:styleLbl>
+  <dgm:styleLbl name="alignNode1">
+    <dgm:scene3d>
+      <a:camera prst="orthographicFront"/>
+      <a:lightRig rig="threePt" dir="t"/>
+    </dgm:scene3d>
+    <dgm:sp3d/>
+    <dgm:txPr/>
+    <dgm:style>
+      <a:lnRef idx="2">
+        <a:scrgbClr r="0" g="0" b="0"/>
+      </a:lnRef>
+      <a:fillRef idx="1">
+        <a:scrgbClr r="0" g="0" b="0"/>
+      </a:fillRef>
+      <a:effectRef idx="0">
+        <a:scrgbClr r="0" g="0" b="0"/>
+      </a:effectRef>
+      <a:fontRef idx="minor">
+        <a:schemeClr val="lt1"/>
+      </a:fontRef>
+    </dgm:style>
+  </dgm:styleLbl>
+  <dgm:styleLbl name="node1">
+    <dgm:scene3d>
+      <a:camera prst="orthographicFront"/>
+      <a:lightRig rig="threePt" dir="t"/>
+    </dgm:scene3d>
+    <dgm:sp3d/>
+    <dgm:txPr/>
+    <dgm:style>
+      <a:lnRef idx="2">
+        <a:scrgbClr r="0" g="0" b="0"/>
+      </a:lnRef>
+      <a:fillRef idx="1">
+        <a:scrgbClr r="0" g="0" b="0"/>
+      </a:fillRef>
+      <a:effectRef idx="0">
+        <a:scrgbClr r="0" g="0" b="0"/>
+      </a:effectRef>
+      <a:fontRef idx="minor">
+        <a:schemeClr val="lt1"/>
+      </a:fontRef>
+    </dgm:style>
+  </dgm:styleLbl>
+  <dgm:styleLbl name="node2">
+    <dgm:scene3d>
+      <a:camera prst="orthographicFront"/>
+      <a:lightRig rig="threePt" dir="t"/>
+    </dgm:scene3d>
+    <dgm:sp3d/>
+    <dgm:txPr/>
+    <dgm:style>
+      <a:lnRef idx="2">
+        <a:scrgbClr r="0" g="0" b="0"/>
+      </a:lnRef>
+      <a:fillRef idx="1">
+        <a:scrgbClr r="0" g="0" b="0"/>
+      </a:fillRef>
+      <a:effectRef idx="0">
+        <a:scrgbClr r="0" g="0" b="0"/>
+      </a:effectRef>
+      <a:fontRef idx="minor">
+        <a:schemeClr val="lt1"/>
+      </a:fontRef>
+    </dgm:style>
+  </dgm:styleLbl>
+  <dgm:styleLbl name="node3">
+    <dgm:scene3d>
+      <a:camera prst="orthographicFront"/>
+      <a:lightRig rig="threePt" dir="t"/>
+    </dgm:scene3d>
+    <dgm:sp3d/>
+    <dgm:txPr/>
+    <dgm:style>
+      <a:lnRef idx="2">
+        <a:scrgbClr r="0" g="0" b="0"/>
+      </a:lnRef>
+      <a:fillRef idx="1">
+        <a:scrgbClr r="0" g="0" b="0"/>
+      </a:fillRef>
+      <a:effectRef idx="0">
+        <a:scrgbClr r="0" g="0" b="0"/>
+      </a:effectRef>
+      <a:fontRef idx="minor">
+        <a:schemeClr val="lt1"/>
+      </a:fontRef>
+    </dgm:style>
+  </dgm:styleLbl>
+  <dgm:styleLbl name="node4">
+    <dgm:scene3d>
+      <a:camera prst="orthographicFront"/>
+      <a:lightRig rig="threePt" dir="t"/>
+    </dgm:scene3d>
+    <dgm:sp3d/>
+    <dgm:txPr/>
+    <dgm:style>
+      <a:lnRef idx="2">
+        <a:scrgbClr r="0" g="0" b="0"/>
+      </a:lnRef>
+      <a:fillRef idx="1">
+        <a:scrgbClr r="0" g="0" b="0"/>
+      </a:fillRef>
+      <a:effectRef idx="0">
+        <a:scrgbClr r="0" g="0" b="0"/>
+      </a:effectRef>
+      <a:fontRef idx="minor">
+        <a:schemeClr val="lt1"/>
+      </a:fontRef>
+    </dgm:style>
+  </dgm:styleLbl>
+  <dgm:styleLbl name="fgImgPlace1">
+    <dgm:scene3d>
+      <a:camera prst="orthographicFront"/>
+      <a:lightRig rig="threePt" dir="t"/>
+    </dgm:scene3d>
+    <dgm:sp3d/>
+    <dgm:txPr/>
+    <dgm:style>
+      <a:lnRef idx="2">
+        <a:scrgbClr r="0" g="0" b="0"/>
+      </a:lnRef>
+      <a:fillRef idx="1">
+        <a:scrgbClr r="0" g="0" b="0"/>
+      </a:fillRef>
+      <a:effectRef idx="0">
+        <a:scrgbClr r="0" g="0" b="0"/>
+      </a:effectRef>
+      <a:fontRef idx="minor"/>
+    </dgm:style>
+  </dgm:styleLbl>
+  <dgm:styleLbl name="alignImgPlace1">
+    <dgm:scene3d>
+      <a:camera prst="orthographicFront"/>
+      <a:lightRig rig="threePt" dir="t"/>
+    </dgm:scene3d>
+    <dgm:sp3d/>
+    <dgm:txPr/>
+    <dgm:style>
+      <a:lnRef idx="2">
+        <a:scrgbClr r="0" g="0" b="0"/>
+      </a:lnRef>
+      <a:fillRef idx="1">
+        <a:scrgbClr r="0" g="0" b="0"/>
+      </a:fillRef>
+      <a:effectRef idx="0">
+        <a:scrgbClr r="0" g="0" b="0"/>
+      </a:effectRef>
+      <a:fontRef idx="minor"/>
+    </dgm:style>
+  </dgm:styleLbl>
+  <dgm:styleLbl name="bgImgPlace1">
+    <dgm:scene3d>
+      <a:camera prst="orthographicFront"/>
+      <a:lightRig rig="threePt" dir="t"/>
+    </dgm:scene3d>
+    <dgm:sp3d/>
+    <dgm:txPr/>
+    <dgm:style>
+      <a:lnRef idx="2">
+        <a:scrgbClr r="0" g="0" b="0"/>
+      </a:lnRef>
+      <a:fillRef idx="1">
+        <a:scrgbClr r="0" g="0" b="0"/>
+      </a:fillRef>
+      <a:effectRef idx="0">
+        <a:scrgbClr r="0" g="0" b="0"/>
+      </a:effectRef>
+      <a:fontRef idx="minor"/>
+    </dgm:style>
+  </dgm:styleLbl>
+  <dgm:styleLbl name="sibTrans2D1">
+    <dgm:scene3d>
+      <a:camera prst="orthographicFront"/>
+      <a:lightRig rig="threePt" dir="t"/>
+    </dgm:scene3d>
+    <dgm:sp3d/>
+    <dgm:txPr/>
+    <dgm:style>
+      <a:lnRef idx="0">
+        <a:scrgbClr r="0" g="0" b="0"/>
+      </a:lnRef>
+      <a:fillRef idx="1">
+        <a:scrgbClr r="0" g="0" b="0"/>
+      </a:fillRef>
+      <a:effectRef idx="0">
+        <a:scrgbClr r="0" g="0" b="0"/>
+      </a:effectRef>
+      <a:fontRef idx="minor">
+        <a:schemeClr val="lt1"/>
+      </a:fontRef>
+    </dgm:style>
+  </dgm:styleLbl>
+  <dgm:styleLbl name="fgSibTrans2D1">
+    <dgm:scene3d>
+      <a:camera prst="orthographicFront"/>
+      <a:lightRig rig="threePt" dir="t"/>
+    </dgm:scene3d>
+    <dgm:sp3d/>
+    <dgm:txPr/>
+    <dgm:style>
+      <a:lnRef idx="0">
+        <a:scrgbClr r="0" g="0" b="0"/>
+      </a:lnRef>
+      <a:fillRef idx="1">
+        <a:scrgbClr r="0" g="0" b="0"/>
+      </a:fillRef>
+      <a:effectRef idx="0">
+        <a:scrgbClr r="0" g="0" b="0"/>
+      </a:effectRef>
+      <a:fontRef idx="minor">
+        <a:schemeClr val="lt1"/>
+      </a:fontRef>
+    </dgm:style>
+  </dgm:styleLbl>
+  <dgm:styleLbl name="bgSibTrans2D1">
+    <dgm:scene3d>
+      <a:camera prst="orthographicFront"/>
+      <a:lightRig rig="threePt" dir="t"/>
+    </dgm:scene3d>
+    <dgm:sp3d/>
+    <dgm:txPr/>
+    <dgm:style>
+      <a:lnRef idx="0">
+        <a:scrgbClr r="0" g="0" b="0"/>
+      </a:lnRef>
+      <a:fillRef idx="1">
+        <a:scrgbClr r="0" g="0" b="0"/>
+      </a:fillRef>
+      <a:effectRef idx="0">
+        <a:scrgbClr r="0" g="0" b="0"/>
+      </a:effectRef>
+      <a:fontRef idx="minor">
+        <a:schemeClr val="lt1"/>
+      </a:fontRef>
+    </dgm:style>
+  </dgm:styleLbl>
+  <dgm:styleLbl name="sibTrans1D1">
+    <dgm:scene3d>
+      <a:camera prst="orthographicFront"/>
+      <a:lightRig rig="threePt" dir="t"/>
+    </dgm:scene3d>
+    <dgm:sp3d/>
+    <dgm:txPr/>
+    <dgm:style>
+      <a:lnRef idx="1">
+        <a:scrgbClr r="0" g="0" b="0"/>
+      </a:lnRef>
+      <a:fillRef idx="0">
+        <a:scrgbClr r="0" g="0" b="0"/>
+      </a:fillRef>
+      <a:effectRef idx="0">
+        <a:scrgbClr r="0" g="0" b="0"/>
+      </a:effectRef>
+      <a:fontRef idx="minor"/>
+    </dgm:style>
+  </dgm:styleLbl>
+  <dgm:styleLbl name="callout">
+    <dgm:scene3d>
+      <a:camera prst="orthographicFront"/>
+      <a:lightRig rig="threePt" dir="t"/>
+    </dgm:scene3d>
+    <dgm:sp3d/>
+    <dgm:txPr/>
+    <dgm:style>
+      <a:lnRef idx="2">
+        <a:scrgbClr r="0" g="0" b="0"/>
+      </a:lnRef>
+      <a:fillRef idx="1">
+        <a:scrgbClr r="0" g="0" b="0"/>
+      </a:fillRef>
+      <a:effectRef idx="0">
+        <a:scrgbClr r="0" g="0" b="0"/>
+      </a:effectRef>
+      <a:fontRef idx="minor"/>
+    </dgm:style>
+  </dgm:styleLbl>
+  <dgm:styleLbl name="asst0">
+    <dgm:scene3d>
+      <a:camera prst="orthographicFront"/>
+      <a:lightRig rig="threePt" dir="t"/>
+    </dgm:scene3d>
+    <dgm:sp3d/>
+    <dgm:txPr/>
+    <dgm:style>
+      <a:lnRef idx="2">
+        <a:scrgbClr r="0" g="0" b="0"/>
+      </a:lnRef>
+      <a:fillRef idx="1">
+        <a:scrgbClr r="0" g="0" b="0"/>
+      </a:fillRef>
+      <a:effectRef idx="0">
+        <a:scrgbClr r="0" g="0" b="0"/>
+      </a:effectRef>
+      <a:fontRef idx="minor">
+        <a:schemeClr val="lt1"/>
+      </a:fontRef>
+    </dgm:style>
+  </dgm:styleLbl>
+  <dgm:styleLbl name="asst1">
+    <dgm:scene3d>
+      <a:camera prst="orthographicFront"/>
+      <a:lightRig rig="threePt" dir="t"/>
+    </dgm:scene3d>
+    <dgm:sp3d/>
+    <dgm:txPr/>
+    <dgm:style>
+      <a:lnRef idx="2">
+        <a:scrgbClr r="0" g="0" b="0"/>
+      </a:lnRef>
+      <a:fillRef idx="1">
+        <a:scrgbClr r="0" g="0" b="0"/>
+      </a:fillRef>
+      <a:effectRef idx="0">
+        <a:scrgbClr r="0" g="0" b="0"/>
+      </a:effectRef>
+      <a:fontRef idx="minor">
+        <a:schemeClr val="lt1"/>
+      </a:fontRef>
+    </dgm:style>
+  </dgm:styleLbl>
+  <dgm:styleLbl name="asst2">
+    <dgm:scene3d>
+      <a:camera prst="orthographicFront"/>
+      <a:lightRig rig="threePt" dir="t"/>
+    </dgm:scene3d>
+    <dgm:sp3d/>
+    <dgm:txPr/>
+    <dgm:style>
+      <a:lnRef idx="2">
+        <a:scrgbClr r="0" g="0" b="0"/>
+      </a:lnRef>
+      <a:fillRef idx="1">
+        <a:scrgbClr r="0" g="0" b="0"/>
+      </a:fillRef>
+      <a:effectRef idx="0">
+        <a:scrgbClr r="0" g="0" b="0"/>
+      </a:effectRef>
+      <a:fontRef idx="minor">
+        <a:schemeClr val="lt1"/>
+      </a:fontRef>
+    </dgm:style>
+  </dgm:styleLbl>
+  <dgm:styleLbl name="asst3">
+    <dgm:scene3d>
+      <a:camera prst="orthographicFront"/>
+      <a:lightRig rig="threePt" dir="t"/>
+    </dgm:scene3d>
+    <dgm:sp3d/>
+    <dgm:txPr/>
+    <dgm:style>
+      <a:lnRef idx="2">
+        <a:scrgbClr r="0" g="0" b="0"/>
+      </a:lnRef>
+      <a:fillRef idx="1">
+        <a:scrgbClr r="0" g="0" b="0"/>
+      </a:fillRef>
+      <a:effectRef idx="0">
+        <a:scrgbClr r="0" g="0" b="0"/>
+      </a:effectRef>
+      <a:fontRef idx="minor">
+        <a:schemeClr val="lt1"/>
+      </a:fontRef>
+    </dgm:style>
+  </dgm:styleLbl>
+  <dgm:styleLbl name="asst4">
+    <dgm:scene3d>
+      <a:camera prst="orthographicFront"/>
+      <a:lightRig rig="threePt" dir="t"/>
+    </dgm:scene3d>
+    <dgm:sp3d/>
+    <dgm:txPr/>
+    <dgm:style>
+      <a:lnRef idx="2">
+        <a:scrgbClr r="0" g="0" b="0"/>
+      </a:lnRef>
+      <a:fillRef idx="1">
+        <a:scrgbClr r="0" g="0" b="0"/>
+      </a:fillRef>
+      <a:effectRef idx="0">
+        <a:scrgbClr r="0" g="0" b="0"/>
+      </a:effectRef>
+      <a:fontRef idx="minor">
+        <a:schemeClr val="lt1"/>
+      </a:fontRef>
+    </dgm:style>
+  </dgm:styleLbl>
+  <dgm:styleLbl name="parChTrans2D1">
+    <dgm:scene3d>
+      <a:camera prst="orthographicFront"/>
+      <a:lightRig rig="threePt" dir="t"/>
+    </dgm:scene3d>
+    <dgm:sp3d/>
+    <dgm:txPr/>
+    <dgm:style>
+      <a:lnRef idx="2">
+        <a:scrgbClr r="0" g="0" b="0"/>
+      </a:lnRef>
+      <a:fillRef idx="1">
+        <a:scrgbClr r="0" g="0" b="0"/>
+      </a:fillRef>
+      <a:effectRef idx="0">
+        <a:scrgbClr r="0" g="0" b="0"/>
+      </a:effectRef>
+      <a:fontRef idx="minor">
+        <a:schemeClr val="lt1"/>
+      </a:fontRef>
+    </dgm:style>
+  </dgm:styleLbl>
+  <dgm:styleLbl name="parChTrans2D2">
+    <dgm:scene3d>
+      <a:camera prst="orthographicFront"/>
+      <a:lightRig rig="threePt" dir="t"/>
+    </dgm:scene3d>
+    <dgm:sp3d/>
+    <dgm:txPr/>
+    <dgm:style>
+      <a:lnRef idx="2">
+        <a:scrgbClr r="0" g="0" b="0"/>
+      </a:lnRef>
+      <a:fillRef idx="1">
+        <a:scrgbClr r="0" g="0" b="0"/>
+      </a:fillRef>
+      <a:effectRef idx="0">
+        <a:scrgbClr r="0" g="0" b="0"/>
+      </a:effectRef>
+      <a:fontRef idx="minor">
+        <a:schemeClr val="lt1"/>
+      </a:fontRef>
+    </dgm:style>
+  </dgm:styleLbl>
+  <dgm:styleLbl name="parChTrans2D3">
+    <dgm:scene3d>
+      <a:camera prst="orthographicFront"/>
+      <a:lightRig rig="threePt" dir="t"/>
+    </dgm:scene3d>
+    <dgm:sp3d/>
+    <dgm:txPr/>
+    <dgm:style>
+      <a:lnRef idx="2">
+        <a:scrgbClr r="0" g="0" b="0"/>
+      </a:lnRef>
+      <a:fillRef idx="1">
+        <a:scrgbClr r="0" g="0" b="0"/>
+      </a:fillRef>
+      <a:effectRef idx="0">
+        <a:scrgbClr r="0" g="0" b="0"/>
+      </a:effectRef>
+      <a:fontRef idx="minor">
+        <a:schemeClr val="lt1"/>
+      </a:fontRef>
+    </dgm:style>
+  </dgm:styleLbl>
+  <dgm:styleLbl name="parChTrans2D4">
+    <dgm:scene3d>
+      <a:camera prst="orthographicFront"/>
+      <a:lightRig rig="threePt" dir="t"/>
+    </dgm:scene3d>
+    <dgm:sp3d/>
+    <dgm:txPr/>
+    <dgm:style>
+      <a:lnRef idx="2">
+        <a:scrgbClr r="0" g="0" b="0"/>
+      </a:lnRef>
+      <a:fillRef idx="1">
+        <a:scrgbClr r="0" g="0" b="0"/>
+      </a:fillRef>
+      <a:effectRef idx="0">
+        <a:scrgbClr r="0" g="0" b="0"/>
+      </a:effectRef>
+      <a:fontRef idx="minor">
+        <a:schemeClr val="lt1"/>
+      </a:fontRef>
+    </dgm:style>
+  </dgm:styleLbl>
+  <dgm:styleLbl name="parChTrans1D1">
+    <dgm:scene3d>
+      <a:camera prst="orthographicFront"/>
+      <a:lightRig rig="threePt" dir="t"/>
+    </dgm:scene3d>
+    <dgm:sp3d/>
+    <dgm:txPr/>
+    <dgm:style>
+      <a:lnRef idx="2">
+        <a:scrgbClr r="0" g="0" b="0"/>
+      </a:lnRef>
+      <a:fillRef idx="0">
+        <a:scrgbClr r="0" g="0" b="0"/>
+      </a:fillRef>
+      <a:effectRef idx="0">
+        <a:scrgbClr r="0" g="0" b="0"/>
+      </a:effectRef>
+      <a:fontRef idx="minor"/>
+    </dgm:style>
+  </dgm:styleLbl>
+  <dgm:styleLbl name="parChTrans1D2">
+    <dgm:scene3d>
+      <a:camera prst="orthographicFront"/>
+      <a:lightRig rig="threePt" dir="t"/>
+    </dgm:scene3d>
+    <dgm:sp3d/>
+    <dgm:txPr/>
+    <dgm:style>
+      <a:lnRef idx="2">
+        <a:scrgbClr r="0" g="0" b="0"/>
+      </a:lnRef>
+      <a:fillRef idx="0">
+        <a:scrgbClr r="0" g="0" b="0"/>
+      </a:fillRef>
+      <a:effectRef idx="0">
+        <a:scrgbClr r="0" g="0" b="0"/>
+      </a:effectRef>
+      <a:fontRef idx="minor"/>
+    </dgm:style>
+  </dgm:styleLbl>
+  <dgm:styleLbl name="parChTrans1D3">
+    <dgm:scene3d>
+      <a:camera prst="orthographicFront"/>
+      <a:lightRig rig="threePt" dir="t"/>
+    </dgm:scene3d>
+    <dgm:sp3d/>
+    <dgm:txPr/>
+    <dgm:style>
+      <a:lnRef idx="2">
+        <a:scrgbClr r="0" g="0" b="0"/>
+      </a:lnRef>
+      <a:fillRef idx="0">
+        <a:scrgbClr r="0" g="0" b="0"/>
+      </a:fillRef>
+      <a:effectRef idx="0">
+        <a:scrgbClr r="0" g="0" b="0"/>
+      </a:effectRef>
+      <a:fontRef idx="minor"/>
+    </dgm:style>
+  </dgm:styleLbl>
+  <dgm:styleLbl name="parChTrans1D4">
+    <dgm:scene3d>
+      <a:camera prst="orthographicFront"/>
+      <a:lightRig rig="threePt" dir="t"/>
+    </dgm:scene3d>
+    <dgm:sp3d/>
+    <dgm:txPr/>
+    <dgm:style>
+      <a:lnRef idx="2">
+        <a:scrgbClr r="0" g="0" b="0"/>
+      </a:lnRef>
+      <a:fillRef idx="0">
+        <a:scrgbClr r="0" g="0" b="0"/>
+      </a:fillRef>
+      <a:effectRef idx="0">
+        <a:scrgbClr r="0" g="0" b="0"/>
+      </a:effectRef>
+      <a:fontRef idx="minor"/>
+    </dgm:style>
+  </dgm:styleLbl>
+  <dgm:styleLbl name="fgAcc1">
+    <dgm:scene3d>
+      <a:camera prst="orthographicFront"/>
+      <a:lightRig rig="threePt" dir="t"/>
+    </dgm:scene3d>
+    <dgm:sp3d/>
+    <dgm:txPr/>
+    <dgm:style>
+      <a:lnRef idx="2">
+        <a:scrgbClr r="0" g="0" b="0"/>
+      </a:lnRef>
+      <a:fillRef idx="1">
+        <a:scrgbClr r="0" g="0" b="0"/>
+      </a:fillRef>
+      <a:effectRef idx="0">
+        <a:scrgbClr r="0" g="0" b="0"/>
+      </a:effectRef>
+      <a:fontRef idx="minor"/>
+    </dgm:style>
+  </dgm:styleLbl>
+  <dgm:styleLbl name="conFgAcc1">
+    <dgm:scene3d>
+      <a:camera prst="orthographicFront"/>
+      <a:lightRig rig="threePt" dir="t"/>
+    </dgm:scene3d>
+    <dgm:sp3d/>
+    <dgm:txPr/>
+    <dgm:style>
+      <a:lnRef idx="2">
+        <a:scrgbClr r="0" g="0" b="0"/>
+      </a:lnRef>
+      <a:fillRef idx="1">
+        <a:scrgbClr r="0" g="0" b="0"/>
+      </a:fillRef>
+      <a:effectRef idx="0">
+        <a:scrgbClr r="0" g="0" b="0"/>
+      </a:effectRef>
+      <a:fontRef idx="minor"/>
+    </dgm:style>
+  </dgm:styleLbl>
+  <dgm:styleLbl name="alignAcc1">
+    <dgm:scene3d>
+      <a:camera prst="orthographicFront"/>
+      <a:lightRig rig="threePt" dir="t"/>
+    </dgm:scene3d>
+    <dgm:sp3d/>
+    <dgm:txPr/>
+    <dgm:style>
+      <a:lnRef idx="2">
+        <a:scrgbClr r="0" g="0" b="0"/>
+      </a:lnRef>
+      <a:fillRef idx="1">
+        <a:scrgbClr r="0" g="0" b="0"/>
+      </a:fillRef>
+      <a:effectRef idx="0">
+        <a:scrgbClr r="0" g="0" b="0"/>
+      </a:effectRef>
+      <a:fontRef idx="minor"/>
+    </dgm:style>
+  </dgm:styleLbl>
+  <dgm:styleLbl name="trAlignAcc1">
+    <dgm:scene3d>
+      <a:camera prst="orthographicFront"/>
+      <a:lightRig rig="threePt" dir="t"/>
+    </dgm:scene3d>
+    <dgm:sp3d/>
+    <dgm:txPr/>
+    <dgm:style>
+      <a:lnRef idx="1">
+        <a:scrgbClr r="0" g="0" b="0"/>
+      </a:lnRef>
+      <a:fillRef idx="1">
+        <a:scrgbClr r="0" g="0" b="0"/>
+      </a:fillRef>
+      <a:effectRef idx="0">
+        <a:scrgbClr r="0" g="0" b="0"/>
+      </a:effectRef>
+      <a:fontRef idx="minor"/>
+    </dgm:style>
+  </dgm:styleLbl>
+  <dgm:styleLbl name="bgAcc1">
+    <dgm:scene3d>
+      <a:camera prst="orthographicFront"/>
+      <a:lightRig rig="threePt" dir="t"/>
+    </dgm:scene3d>
+    <dgm:sp3d/>
+    <dgm:txPr/>
+    <dgm:style>
+      <a:lnRef idx="2">
+        <a:scrgbClr r="0" g="0" b="0"/>
+      </a:lnRef>
+      <a:fillRef idx="1">
+        <a:scrgbClr r="0" g="0" b="0"/>
+      </a:fillRef>
+      <a:effectRef idx="0">
+        <a:scrgbClr r="0" g="0" b="0"/>
+      </a:effectRef>
+      <a:fontRef idx="minor"/>
+    </dgm:style>
+  </dgm:styleLbl>
+  <dgm:styleLbl name="solidFgAcc1">
+    <dgm:scene3d>
+      <a:camera prst="orthographicFront"/>
+      <a:lightRig rig="threePt" dir="t"/>
+    </dgm:scene3d>
+    <dgm:sp3d/>
+    <dgm:txPr/>
+    <dgm:style>
+      <a:lnRef idx="2">
+        <a:scrgbClr r="0" g="0" b="0"/>
+      </a:lnRef>
+      <a:fillRef idx="1">
+        <a:scrgbClr r="0" g="0" b="0"/>
+      </a:fillRef>
+      <a:effectRef idx="0">
+        <a:scrgbClr r="0" g="0" b="0"/>
+      </a:effectRef>
+      <a:fontRef idx="minor"/>
+    </dgm:style>
+  </dgm:styleLbl>
+  <dgm:styleLbl name="solidAlignAcc1">
+    <dgm:scene3d>
+      <a:camera prst="orthographicFront"/>
+      <a:lightRig rig="threePt" dir="t"/>
+    </dgm:scene3d>
+    <dgm:sp3d/>
+    <dgm:txPr/>
+    <dgm:style>
+      <a:lnRef idx="2">
+        <a:scrgbClr r="0" g="0" b="0"/>
+      </a:lnRef>
+      <a:fillRef idx="1">
+        <a:scrgbClr r="0" g="0" b="0"/>
+      </a:fillRef>
+      <a:effectRef idx="0">
+        <a:scrgbClr r="0" g="0" b="0"/>
+      </a:effectRef>
+      <a:fontRef idx="minor"/>
+    </dgm:style>
+  </dgm:styleLbl>
+  <dgm:styleLbl name="solidBgAcc1">
+    <dgm:scene3d>
+      <a:camera prst="orthographicFront"/>
+      <a:lightRig rig="threePt" dir="t"/>
+    </dgm:scene3d>
+    <dgm:sp3d/>
+    <dgm:txPr/>
+    <dgm:style>
+      <a:lnRef idx="2">
+        <a:scrgbClr r="0" g="0" b="0"/>
+      </a:lnRef>
+      <a:fillRef idx="1">
+        <a:scrgbClr r="0" g="0" b="0"/>
+      </a:fillRef>
+      <a:effectRef idx="0">
+        <a:scrgbClr r="0" g="0" b="0"/>
+      </a:effectRef>
+      <a:fontRef idx="minor"/>
+    </dgm:style>
+  </dgm:styleLbl>
+  <dgm:styleLbl name="fgAccFollowNode1">
+    <dgm:scene3d>
+      <a:camera prst="orthographicFront"/>
+      <a:lightRig rig="threePt" dir="t"/>
+    </dgm:scene3d>
+    <dgm:sp3d/>
+    <dgm:txPr/>
+    <dgm:style>
+      <a:lnRef idx="2">
+        <a:scrgbClr r="0" g="0" b="0"/>
+      </a:lnRef>
+      <a:fillRef idx="1">
+        <a:scrgbClr r="0" g="0" b="0"/>
+      </a:fillRef>
+      <a:effectRef idx="0">
+        <a:scrgbClr r="0" g="0" b="0"/>
+      </a:effectRef>
+      <a:fontRef idx="minor"/>
+    </dgm:style>
+  </dgm:styleLbl>
+  <dgm:styleLbl name="alignAccFollowNode1">
+    <dgm:scene3d>
+      <a:camera prst="orthographicFront"/>
+      <a:lightRig rig="threePt" dir="t"/>
+    </dgm:scene3d>
+    <dgm:sp3d/>
+    <dgm:txPr/>
+    <dgm:style>
+      <a:lnRef idx="2">
+        <a:scrgbClr r="0" g="0" b="0"/>
+      </a:lnRef>
+      <a:fillRef idx="1">
+        <a:scrgbClr r="0" g="0" b="0"/>
+      </a:fillRef>
+      <a:effectRef idx="0">
+        <a:scrgbClr r="0" g="0" b="0"/>
+      </a:effectRef>
+      <a:fontRef idx="minor"/>
+    </dgm:style>
+  </dgm:styleLbl>
+  <dgm:styleLbl name="bgAccFollowNode1">
+    <dgm:scene3d>
+      <a:camera prst="orthographicFront"/>
+      <a:lightRig rig="threePt" dir="t"/>
+    </dgm:scene3d>
+    <dgm:sp3d/>
+    <dgm:txPr/>
+    <dgm:style>
+      <a:lnRef idx="2">
+        <a:scrgbClr r="0" g="0" b="0"/>
+      </a:lnRef>
+      <a:fillRef idx="1">
+        <a:scrgbClr r="0" g="0" b="0"/>
+      </a:fillRef>
+      <a:effectRef idx="0">
+        <a:scrgbClr r="0" g="0" b="0"/>
+      </a:effectRef>
+      <a:fontRef idx="minor"/>
+    </dgm:style>
+  </dgm:styleLbl>
+  <dgm:styleLbl name="fgAcc0">
+    <dgm:scene3d>
+      <a:camera prst="orthographicFront"/>
+      <a:lightRig rig="threePt" dir="t"/>
+    </dgm:scene3d>
+    <dgm:sp3d/>
+    <dgm:txPr/>
+    <dgm:style>
+      <a:lnRef idx="2">
+        <a:scrgbClr r="0" g="0" b="0"/>
+      </a:lnRef>
+      <a:fillRef idx="1">
+        <a:scrgbClr r="0" g="0" b="0"/>
+      </a:fillRef>
+      <a:effectRef idx="0">
+        <a:scrgbClr r="0" g="0" b="0"/>
+      </a:effectRef>
+      <a:fontRef idx="minor"/>
+    </dgm:style>
+  </dgm:styleLbl>
+  <dgm:styleLbl name="fgAcc2">
+    <dgm:scene3d>
+      <a:camera prst="orthographicFront"/>
+      <a:lightRig rig="threePt" dir="t"/>
+    </dgm:scene3d>
+    <dgm:sp3d/>
+    <dgm:txPr/>
+    <dgm:style>
+      <a:lnRef idx="2">
+        <a:scrgbClr r="0" g="0" b="0"/>
+      </a:lnRef>
+      <a:fillRef idx="1">
+        <a:scrgbClr r="0" g="0" b="0"/>
+      </a:fillRef>
+      <a:effectRef idx="0">
+        <a:scrgbClr r="0" g="0" b="0"/>
+      </a:effectRef>
+      <a:fontRef idx="minor"/>
+    </dgm:style>
+  </dgm:styleLbl>
+  <dgm:styleLbl name="fgAcc3">
+    <dgm:scene3d>
+      <a:camera prst="orthographicFront"/>
+      <a:lightRig rig="threePt" dir="t"/>
+    </dgm:scene3d>
+    <dgm:sp3d/>
+    <dgm:txPr/>
+    <dgm:style>
+      <a:lnRef idx="2">
+        <a:scrgbClr r="0" g="0" b="0"/>
+      </a:lnRef>
+      <a:fillRef idx="1">
+        <a:scrgbClr r="0" g="0" b="0"/>
+      </a:fillRef>
+      <a:effectRef idx="0">
+        <a:scrgbClr r="0" g="0" b="0"/>
+      </a:effectRef>
+      <a:fontRef idx="minor"/>
+    </dgm:style>
+  </dgm:styleLbl>
+  <dgm:styleLbl name="fgAcc4">
+    <dgm:scene3d>
+      <a:camera prst="orthographicFront"/>
+      <a:lightRig rig="threePt" dir="t"/>
+    </dgm:scene3d>
+    <dgm:sp3d/>
+    <dgm:txPr/>
+    <dgm:style>
+      <a:lnRef idx="2">
+        <a:scrgbClr r="0" g="0" b="0"/>
+      </a:lnRef>
+      <a:fillRef idx="1">
+        <a:scrgbClr r="0" g="0" b="0"/>
+      </a:fillRef>
+      <a:effectRef idx="0">
+        <a:scrgbClr r="0" g="0" b="0"/>
+      </a:effectRef>
+      <a:fontRef idx="minor"/>
+    </dgm:style>
+  </dgm:styleLbl>
+  <dgm:styleLbl name="bgShp">
+    <dgm:scene3d>
+      <a:camera prst="orthographicFront"/>
+      <a:lightRig rig="threePt" dir="t"/>
+    </dgm:scene3d>
+    <dgm:sp3d/>
+    <dgm:txPr/>
+    <dgm:style>
+      <a:lnRef idx="0">
+        <a:scrgbClr r="0" g="0" b="0"/>
+      </a:lnRef>
+      <a:fillRef idx="1">
+        <a:scrgbClr r="0" g="0" b="0"/>
+      </a:fillRef>
+      <a:effectRef idx="0">
+        <a:scrgbClr r="0" g="0" b="0"/>
+      </a:effectRef>
+      <a:fontRef idx="minor"/>
+    </dgm:style>
+  </dgm:styleLbl>
+  <dgm:styleLbl name="dkBgShp">
+    <dgm:scene3d>
+      <a:camera prst="orthographicFront"/>
+      <a:lightRig rig="threePt" dir="t"/>
+    </dgm:scene3d>
+    <dgm:sp3d/>
+    <dgm:txPr/>
+    <dgm:style>
+      <a:lnRef idx="0">
+        <a:scrgbClr r="0" g="0" b="0"/>
+      </a:lnRef>
+      <a:fillRef idx="1">
+        <a:scrgbClr r="0" g="0" b="0"/>
+      </a:fillRef>
+      <a:effectRef idx="0">
+        <a:scrgbClr r="0" g="0" b="0"/>
+      </a:effectRef>
+      <a:fontRef idx="minor"/>
+    </dgm:style>
+  </dgm:styleLbl>
+  <dgm:styleLbl name="trBgShp">
+    <dgm:scene3d>
+      <a:camera prst="orthographicFront"/>
+      <a:lightRig rig="threePt" dir="t"/>
+    </dgm:scene3d>
+    <dgm:sp3d/>
+    <dgm:txPr/>
+    <dgm:style>
+      <a:lnRef idx="0">
+        <a:scrgbClr r="0" g="0" b="0"/>
+      </a:lnRef>
+      <a:fillRef idx="1">
+        <a:scrgbClr r="0" g="0" b="0"/>
+      </a:fillRef>
+      <a:effectRef idx="0">
+        <a:scrgbClr r="0" g="0" b="0"/>
+      </a:effectRef>
+      <a:fontRef idx="minor"/>
+    </dgm:style>
+  </dgm:styleLbl>
+  <dgm:styleLbl name="fgShp">
+    <dgm:scene3d>
+      <a:camera prst="orthographicFront"/>
+      <a:lightRig rig="threePt" dir="t"/>
+    </dgm:scene3d>
+    <dgm:sp3d/>
+    <dgm:txPr/>
+    <dgm:style>
+      <a:lnRef idx="2">
+        <a:scrgbClr r="0" g="0" b="0"/>
+      </a:lnRef>
+      <a:fillRef idx="1">
+        <a:scrgbClr r="0" g="0" b="0"/>
+      </a:fillRef>
+      <a:effectRef idx="0">
+        <a:scrgbClr r="0" g="0" b="0"/>
+      </a:effectRef>
+      <a:fontRef idx="minor"/>
+    </dgm:style>
+  </dgm:styleLbl>
+  <dgm:styleLbl name="revTx">
+    <dgm:scene3d>
+      <a:camera prst="orthographicFront"/>
+      <a:lightRig rig="threePt" dir="t"/>
+    </dgm:scene3d>
+    <dgm:sp3d/>
+    <dgm:txPr/>
+    <dgm:style>
+      <a:lnRef idx="0">
+        <a:scrgbClr r="0" g="0" b="0"/>
+      </a:lnRef>
+      <a:fillRef idx="0">
+        <a:scrgbClr r="0" g="0" b="0"/>
+      </a:fillRef>
+      <a:effectRef idx="0">
+        <a:scrgbClr r="0" g="0" b="0"/>
+      </a:effectRef>
+      <a:fontRef idx="minor"/>
+    </dgm:style>
+  </dgm:styleLbl>
+</dgm:styleDef>
+</file>
+
+<file path=ppt/diagrams/quickStyle2.xml><?xml version="1.0" encoding="utf-8"?>
+<dgm:styleDef xmlns:dgm="http://schemas.openxmlformats.org/drawingml/2006/diagram" xmlns:a="http://schemas.openxmlformats.org/drawingml/2006/main" uniqueId="urn:microsoft.com/office/officeart/2005/8/quickstyle/3d1">
+  <dgm:title val=""/>
+  <dgm:desc val=""/>
+  <dgm:catLst>
+    <dgm:cat type="3D" pri="11100"/>
+  </dgm:catLst>
+  <dgm:scene3d>
+    <a:camera prst="orthographicFront"/>
+    <a:lightRig rig="threePt" dir="t"/>
+  </dgm:scene3d>
+  <dgm:styleLbl name="node0">
+    <dgm:scene3d>
+      <a:camera prst="orthographicFront"/>
+      <a:lightRig rig="flat" dir="t"/>
+    </dgm:scene3d>
+    <dgm:sp3d prstMaterial="plastic">
+      <a:bevelT w="120900" h="88900"/>
+      <a:bevelB w="88900" h="31750" prst="angle"/>
+    </dgm:sp3d>
+    <dgm:txPr/>
+    <dgm:style>
+      <a:lnRef idx="0">
+        <a:scrgbClr r="0" g="0" b="0"/>
+      </a:lnRef>
+      <a:fillRef idx="3">
+        <a:scrgbClr r="0" g="0" b="0"/>
+      </a:fillRef>
+      <a:effectRef idx="2">
+        <a:scrgbClr r="0" g="0" b="0"/>
+      </a:effectRef>
+      <a:fontRef idx="minor">
+        <a:schemeClr val="lt1"/>
+      </a:fontRef>
+    </dgm:style>
+  </dgm:styleLbl>
+  <dgm:styleLbl name="lnNode1">
+    <dgm:scene3d>
+      <a:camera prst="orthographicFront"/>
+      <a:lightRig rig="flat" dir="t"/>
+    </dgm:scene3d>
+    <dgm:sp3d prstMaterial="plastic">
+      <a:bevelT w="120900" h="88900"/>
+      <a:bevelB w="88900" h="31750" prst="angle"/>
+    </dgm:sp3d>
+    <dgm:txPr/>
+    <dgm:style>
+      <a:lnRef idx="0">
+        <a:scrgbClr r="0" g="0" b="0"/>
+      </a:lnRef>
+      <a:fillRef idx="3">
+        <a:scrgbClr r="0" g="0" b="0"/>
+      </a:fillRef>
+      <a:effectRef idx="1">
+        <a:scrgbClr r="0" g="0" b="0"/>
+      </a:effectRef>
+      <a:fontRef idx="minor">
+        <a:schemeClr val="lt1"/>
+      </a:fontRef>
+    </dgm:style>
+  </dgm:styleLbl>
+  <dgm:styleLbl name="vennNode1">
+    <dgm:scene3d>
+      <a:camera prst="orthographicFront"/>
+      <a:lightRig rig="flat" dir="t"/>
+    </dgm:scene3d>
+    <dgm:sp3d prstMaterial="plastic">
+      <a:bevelT w="120900" h="88900"/>
+      <a:bevelB w="88900" h="31750" prst="angle"/>
+    </dgm:sp3d>
+    <dgm:txPr/>
+    <dgm:style>
+      <a:lnRef idx="0">
+        <a:scrgbClr r="0" g="0" b="0"/>
+      </a:lnRef>
+      <a:fillRef idx="1">
+        <a:scrgbClr r="0" g="0" b="0"/>
+      </a:fillRef>
+      <a:effectRef idx="1">
+        <a:scrgbClr r="0" g="0" b="0"/>
+      </a:effectRef>
+      <a:fontRef idx="minor">
+        <a:schemeClr val="tx1"/>
+      </a:fontRef>
+    </dgm:style>
+  </dgm:styleLbl>
+  <dgm:styleLbl name="alignNode1">
+    <dgm:scene3d>
+      <a:camera prst="orthographicFront"/>
+      <a:lightRig rig="flat" dir="t"/>
+    </dgm:scene3d>
+    <dgm:sp3d prstMaterial="plastic">
+      <a:bevelT w="120900" h="88900"/>
+      <a:bevelB w="88900" h="31750" prst="angle"/>
+    </dgm:sp3d>
+    <dgm:txPr/>
+    <dgm:style>
+      <a:lnRef idx="1">
+        <a:scrgbClr r="0" g="0" b="0"/>
+      </a:lnRef>
+      <a:fillRef idx="3">
+        <a:scrgbClr r="0" g="0" b="0"/>
+      </a:fillRef>
+      <a:effectRef idx="2">
+        <a:scrgbClr r="0" g="0" b="0"/>
+      </a:effectRef>
+      <a:fontRef idx="minor">
+        <a:schemeClr val="lt1"/>
+      </a:fontRef>
+    </dgm:style>
+  </dgm:styleLbl>
+  <dgm:styleLbl name="node1">
+    <dgm:scene3d>
+      <a:camera prst="orthographicFront"/>
+      <a:lightRig rig="flat" dir="t"/>
+    </dgm:scene3d>
+    <dgm:sp3d prstMaterial="plastic">
+      <a:bevelT w="120900" h="88900"/>
+      <a:bevelB w="88900" h="31750" prst="angle"/>
+    </dgm:sp3d>
+    <dgm:txPr/>
+    <dgm:style>
+      <a:lnRef idx="0">
+        <a:scrgbClr r="0" g="0" b="0"/>
+      </a:lnRef>
+      <a:fillRef idx="3">
+        <a:scrgbClr r="0" g="0" b="0"/>
+      </a:fillRef>
+      <a:effectRef idx="2">
+        <a:scrgbClr r="0" g="0" b="0"/>
+      </a:effectRef>
+      <a:fontRef idx="minor">
+        <a:schemeClr val="lt1"/>
+      </a:fontRef>
+    </dgm:style>
+  </dgm:styleLbl>
+  <dgm:styleLbl name="node2">
+    <dgm:scene3d>
+      <a:camera prst="orthographicFront"/>
+      <a:lightRig rig="flat" dir="t"/>
+    </dgm:scene3d>
+    <dgm:sp3d prstMaterial="plastic">
+      <a:bevelT w="120900" h="88900"/>
+      <a:bevelB w="88900" h="31750" prst="angle"/>
+    </dgm:sp3d>
+    <dgm:txPr/>
+    <dgm:style>
+      <a:lnRef idx="0">
+        <a:scrgbClr r="0" g="0" b="0"/>
+      </a:lnRef>
+      <a:fillRef idx="3">
+        <a:scrgbClr r="0" g="0" b="0"/>
+      </a:fillRef>
+      <a:effectRef idx="1">
+        <a:scrgbClr r="0" g="0" b="0"/>
+      </a:effectRef>
+      <a:fontRef idx="minor">
+        <a:schemeClr val="lt1"/>
+      </a:fontRef>
+    </dgm:style>
+  </dgm:styleLbl>
+  <dgm:styleLbl name="node3">
+    <dgm:scene3d>
+      <a:camera prst="orthographicFront"/>
+      <a:lightRig rig="flat" dir="t"/>
+    </dgm:scene3d>
+    <dgm:sp3d prstMaterial="plastic">
+      <a:bevelT w="120900" h="88900"/>
+      <a:bevelB w="88900" h="31750" prst="angle"/>
+    </dgm:sp3d>
+    <dgm:txPr/>
+    <dgm:style>
+      <a:lnRef idx="0">
+        <a:scrgbClr r="0" g="0" b="0"/>
+      </a:lnRef>
+      <a:fillRef idx="3">
+        <a:scrgbClr r="0" g="0" b="0"/>
+      </a:fillRef>
+      <a:effectRef idx="1">
+        <a:scrgbClr r="0" g="0" b="0"/>
+      </a:effectRef>
+      <a:fontRef idx="minor">
+        <a:schemeClr val="lt1"/>
+      </a:fontRef>
+    </dgm:style>
+  </dgm:styleLbl>
+  <dgm:styleLbl name="node4">
+    <dgm:scene3d>
+      <a:camera prst="orthographicFront"/>
+      <a:lightRig rig="flat" dir="t"/>
+    </dgm:scene3d>
+    <dgm:sp3d prstMaterial="plastic">
+      <a:bevelT w="120900" h="88900"/>
+      <a:bevelB w="88900" h="31750" prst="angle"/>
+    </dgm:sp3d>
+    <dgm:txPr/>
+    <dgm:style>
+      <a:lnRef idx="0">
+        <a:scrgbClr r="0" g="0" b="0"/>
+      </a:lnRef>
+      <a:fillRef idx="3">
+        <a:scrgbClr r="0" g="0" b="0"/>
+      </a:fillRef>
+      <a:effectRef idx="1">
+        <a:scrgbClr r="0" g="0" b="0"/>
+      </a:effectRef>
+      <a:fontRef idx="minor">
+        <a:schemeClr val="lt1"/>
+      </a:fontRef>
+    </dgm:style>
+  </dgm:styleLbl>
+  <dgm:styleLbl name="fgImgPlace1">
+    <dgm:scene3d>
+      <a:camera prst="orthographicFront"/>
+      <a:lightRig rig="flat" dir="t"/>
+    </dgm:scene3d>
+    <dgm:sp3d z="127000" prstMaterial="plastic">
+      <a:bevelT w="88900" h="88900"/>
+      <a:bevelB w="88900" h="31750" prst="angle"/>
+    </dgm:sp3d>
+    <dgm:txPr/>
+    <dgm:style>
+      <a:lnRef idx="0">
+        <a:scrgbClr r="0" g="0" b="0"/>
+      </a:lnRef>
+      <a:fillRef idx="3">
+        <a:scrgbClr r="0" g="0" b="0"/>
+      </a:fillRef>
+      <a:effectRef idx="2">
+        <a:scrgbClr r="0" g="0" b="0"/>
+      </a:effectRef>
+      <a:fontRef idx="minor"/>
+    </dgm:style>
+  </dgm:styleLbl>
+  <dgm:styleLbl name="alignImgPlace1">
+    <dgm:scene3d>
+      <a:camera prst="orthographicFront"/>
+      <a:lightRig rig="flat" dir="t"/>
+    </dgm:scene3d>
+    <dgm:sp3d prstMaterial="plastic">
+      <a:bevelT w="88900" h="88900"/>
+      <a:bevelB w="88900" h="31750" prst="angle"/>
+    </dgm:sp3d>
+    <dgm:txPr/>
+    <dgm:style>
+      <a:lnRef idx="0">
+        <a:scrgbClr r="0" g="0" b="0"/>
+      </a:lnRef>
+      <a:fillRef idx="3">
+        <a:scrgbClr r="0" g="0" b="0"/>
+      </a:fillRef>
+      <a:effectRef idx="2">
+        <a:scrgbClr r="0" g="0" b="0"/>
+      </a:effectRef>
+      <a:fontRef idx="minor"/>
+    </dgm:style>
+  </dgm:styleLbl>
+  <dgm:styleLbl name="bgImgPlace1">
+    <dgm:scene3d>
+      <a:camera prst="orthographicFront"/>
+      <a:lightRig rig="flat" dir="t"/>
+    </dgm:scene3d>
+    <dgm:sp3d z="-190500" prstMaterial="plastic">
+      <a:bevelT w="88900" h="88900"/>
+      <a:bevelB w="88900" h="31750" prst="angle"/>
+    </dgm:sp3d>
+    <dgm:txPr/>
+    <dgm:style>
+      <a:lnRef idx="0">
+        <a:scrgbClr r="0" g="0" b="0"/>
+      </a:lnRef>
+      <a:fillRef idx="3">
+        <a:scrgbClr r="0" g="0" b="0"/>
+      </a:fillRef>
+      <a:effectRef idx="2">
+        <a:scrgbClr r="0" g="0" b="0"/>
+      </a:effectRef>
+      <a:fontRef idx="minor"/>
+    </dgm:style>
+  </dgm:styleLbl>
+  <dgm:styleLbl name="sibTrans2D1">
+    <dgm:scene3d>
+      <a:camera prst="orthographicFront"/>
+      <a:lightRig rig="flat" dir="t"/>
+    </dgm:scene3d>
+    <dgm:sp3d z="-80000" prstMaterial="plastic">
+      <a:bevelT w="50800" h="50800"/>
+      <a:bevelB w="25400" h="25400" prst="angle"/>
+    </dgm:sp3d>
+    <dgm:txPr/>
+    <dgm:style>
+      <a:lnRef idx="0">
+        <a:scrgbClr r="0" g="0" b="0"/>
+      </a:lnRef>
+      <a:fillRef idx="3">
+        <a:scrgbClr r="0" g="0" b="0"/>
+      </a:fillRef>
+      <a:effectRef idx="2">
+        <a:scrgbClr r="0" g="0" b="0"/>
+      </a:effectRef>
+      <a:fontRef idx="minor">
+        <a:schemeClr val="lt1"/>
+      </a:fontRef>
+    </dgm:style>
+  </dgm:styleLbl>
+  <dgm:styleLbl name="fgSibTrans2D1">
+    <dgm:scene3d>
+      <a:camera prst="orthographicFront"/>
+      <a:lightRig rig="flat" dir="t"/>
+    </dgm:scene3d>
+    <dgm:sp3d z="127000" prstMaterial="plastic">
+      <a:bevelT w="50800" h="50800"/>
+      <a:bevelB w="25400" h="25400" prst="angle"/>
+    </dgm:sp3d>
+    <dgm:txPr/>
+    <dgm:style>
+      <a:lnRef idx="0">
+        <a:scrgbClr r="0" g="0" b="0"/>
+      </a:lnRef>
+      <a:fillRef idx="3">
+        <a:scrgbClr r="0" g="0" b="0"/>
+      </a:fillRef>
+      <a:effectRef idx="2">
+        <a:scrgbClr r="0" g="0" b="0"/>
+      </a:effectRef>
+      <a:fontRef idx="minor">
+        <a:schemeClr val="lt1"/>
+      </a:fontRef>
+    </dgm:style>
+  </dgm:styleLbl>
+  <dgm:styleLbl name="bgSibTrans2D1">
+    <dgm:scene3d>
+      <a:camera prst="orthographicFront"/>
+      <a:lightRig rig="flat" dir="t"/>
+    </dgm:scene3d>
+    <dgm:sp3d z="-190500" prstMaterial="plastic">
+      <a:bevelT w="50800" h="50800"/>
+      <a:bevelB w="25400" h="25400" prst="angle"/>
+    </dgm:sp3d>
+    <dgm:txPr/>
+    <dgm:style>
+      <a:lnRef idx="0">
+        <a:scrgbClr r="0" g="0" b="0"/>
+      </a:lnRef>
+      <a:fillRef idx="3">
+        <a:scrgbClr r="0" g="0" b="0"/>
+      </a:fillRef>
+      <a:effectRef idx="2">
+        <a:scrgbClr r="0" g="0" b="0"/>
+      </a:effectRef>
+      <a:fontRef idx="minor">
+        <a:schemeClr val="lt1"/>
+      </a:fontRef>
+    </dgm:style>
+  </dgm:styleLbl>
+  <dgm:styleLbl name="sibTrans1D1">
+    <dgm:scene3d>
+      <a:camera prst="orthographicFront"/>
+      <a:lightRig rig="flat" dir="t"/>
+    </dgm:scene3d>
+    <dgm:sp3d z="-40000" prstMaterial="matte"/>
+    <dgm:txPr/>
+    <dgm:style>
+      <a:lnRef idx="1">
+        <a:scrgbClr r="0" g="0" b="0"/>
+      </a:lnRef>
+      <a:fillRef idx="0">
+        <a:scrgbClr r="0" g="0" b="0"/>
+      </a:fillRef>
+      <a:effectRef idx="0">
+        <a:scrgbClr r="0" g="0" b="0"/>
+      </a:effectRef>
+      <a:fontRef idx="minor"/>
+    </dgm:style>
+  </dgm:styleLbl>
+  <dgm:styleLbl name="callout">
+    <dgm:scene3d>
+      <a:camera prst="orthographicFront"/>
+      <a:lightRig rig="threePt" dir="t"/>
+    </dgm:scene3d>
+    <dgm:sp3d z="127000" prstMaterial="matte"/>
+    <dgm:txPr/>
+    <dgm:style>
+      <a:lnRef idx="2">
+        <a:scrgbClr r="0" g="0" b="0"/>
+      </a:lnRef>
+      <a:fillRef idx="1">
+        <a:scrgbClr r="0" g="0" b="0"/>
+      </a:fillRef>
+      <a:effectRef idx="0">
+        <a:scrgbClr r="0" g="0" b="0"/>
+      </a:effectRef>
+      <a:fontRef idx="minor"/>
+    </dgm:style>
+  </dgm:styleLbl>
+  <dgm:styleLbl name="asst0">
+    <dgm:scene3d>
+      <a:camera prst="orthographicFront"/>
+      <a:lightRig rig="flat" dir="t"/>
+    </dgm:scene3d>
+    <dgm:sp3d prstMaterial="plastic">
+      <a:bevelT w="120900" h="88900"/>
+      <a:bevelB w="88900" h="31750" prst="angle"/>
+    </dgm:sp3d>
+    <dgm:txPr/>
+    <dgm:style>
+      <a:lnRef idx="0">
+        <a:scrgbClr r="0" g="0" b="0"/>
+      </a:lnRef>
+      <a:fillRef idx="3">
+        <a:scrgbClr r="0" g="0" b="0"/>
+      </a:fillRef>
+      <a:effectRef idx="1">
+        <a:scrgbClr r="0" g="0" b="0"/>
+      </a:effectRef>
+      <a:fontRef idx="minor">
+        <a:schemeClr val="lt1"/>
+      </a:fontRef>
+    </dgm:style>
+  </dgm:styleLbl>
+  <dgm:styleLbl name="asst1">
+    <dgm:scene3d>
+      <a:camera prst="orthographicFront"/>
+      <a:lightRig rig="flat" dir="t"/>
+    </dgm:scene3d>
+    <dgm:sp3d prstMaterial="plastic">
+      <a:bevelT w="120900" h="88900"/>
+      <a:bevelB w="88900" h="31750" prst="angle"/>
+    </dgm:sp3d>
+    <dgm:txPr/>
+    <dgm:style>
+      <a:lnRef idx="0">
+        <a:scrgbClr r="0" g="0" b="0"/>
+      </a:lnRef>
+      <a:fillRef idx="3">
+        <a:scrgbClr r="0" g="0" b="0"/>
+      </a:fillRef>
+      <a:effectRef idx="1">
+        <a:scrgbClr r="0" g="0" b="0"/>
+      </a:effectRef>
+      <a:fontRef idx="minor">
+        <a:schemeClr val="lt1"/>
+      </a:fontRef>
+    </dgm:style>
+  </dgm:styleLbl>
+  <dgm:styleLbl name="asst2">
+    <dgm:scene3d>
+      <a:camera prst="orthographicFront"/>
+      <a:lightRig rig="flat" dir="t"/>
+    </dgm:scene3d>
+    <dgm:sp3d prstMaterial="plastic">
+      <a:bevelT w="120900" h="88900"/>
+      <a:bevelB w="88900" h="31750" prst="angle"/>
+    </dgm:sp3d>
+    <dgm:txPr/>
+    <dgm:style>
+      <a:lnRef idx="0">
+        <a:scrgbClr r="0" g="0" b="0"/>
+      </a:lnRef>
+      <a:fillRef idx="3">
+        <a:scrgbClr r="0" g="0" b="0"/>
+      </a:fillRef>
+      <a:effectRef idx="1">
+        <a:scrgbClr r="0" g="0" b="0"/>
+      </a:effectRef>
+      <a:fontRef idx="minor">
+        <a:schemeClr val="lt1"/>
+      </a:fontRef>
+    </dgm:style>
+  </dgm:styleLbl>
+  <dgm:styleLbl name="asst3">
+    <dgm:scene3d>
+      <a:camera prst="orthographicFront"/>
+      <a:lightRig rig="flat" dir="t"/>
+    </dgm:scene3d>
+    <dgm:sp3d prstMaterial="plastic">
+      <a:bevelT w="120900" h="88900"/>
+      <a:bevelB w="88900" h="31750" prst="angle"/>
+    </dgm:sp3d>
+    <dgm:txPr/>
+    <dgm:style>
+      <a:lnRef idx="0">
+        <a:scrgbClr r="0" g="0" b="0"/>
+      </a:lnRef>
+      <a:fillRef idx="3">
+        <a:scrgbClr r="0" g="0" b="0"/>
+      </a:fillRef>
+      <a:effectRef idx="1">
+        <a:scrgbClr r="0" g="0" b="0"/>
+      </a:effectRef>
+      <a:fontRef idx="minor">
+        <a:schemeClr val="lt1"/>
+      </a:fontRef>
+    </dgm:style>
+  </dgm:styleLbl>
+  <dgm:styleLbl name="parChTrans2D1">
+    <dgm:scene3d>
+      <a:camera prst="orthographicFront"/>
+      <a:lightRig rig="flat" dir="t"/>
+    </dgm:scene3d>
+    <dgm:sp3d z="-100000" prstMaterial="plastic">
+      <a:bevelT w="120900" h="88900"/>
+      <a:bevelB w="88900" h="31750" prst="angle"/>
+    </dgm:sp3d>
+    <dgm:txPr/>
+    <dgm:style>
+      <a:lnRef idx="0">
+        <a:scrgbClr r="0" g="0" b="0"/>
+      </a:lnRef>
+      <a:fillRef idx="3">
+        <a:scrgbClr r="0" g="0" b="0"/>
+      </a:fillRef>
+      <a:effectRef idx="1">
+        <a:scrgbClr r="0" g="0" b="0"/>
+      </a:effectRef>
+      <a:fontRef idx="minor">
+        <a:schemeClr val="lt1"/>
+      </a:fontRef>
+    </dgm:style>
+  </dgm:styleLbl>
+  <dgm:styleLbl name="parChTrans2D2">
+    <dgm:scene3d>
+      <a:camera prst="orthographicFront"/>
+      <a:lightRig rig="flat" dir="t"/>
+    </dgm:scene3d>
+    <dgm:sp3d z="-60000" prstMaterial="plastic">
+      <a:bevelT w="120900" h="88900"/>
+      <a:bevelB w="88900" h="31750" prst="angle"/>
+    </dgm:sp3d>
+    <dgm:txPr/>
+    <dgm:style>
+      <a:lnRef idx="0">
+        <a:scrgbClr r="0" g="0" b="0"/>
+      </a:lnRef>
+      <a:fillRef idx="3">
+        <a:scrgbClr r="0" g="0" b="0"/>
+      </a:fillRef>
+      <a:effectRef idx="1">
+        <a:scrgbClr r="0" g="0" b="0"/>
+      </a:effectRef>
+      <a:fontRef idx="minor">
+        <a:schemeClr val="lt1"/>
+      </a:fontRef>
+    </dgm:style>
+  </dgm:styleLbl>
+  <dgm:styleLbl name="parChTrans2D3">
+    <dgm:scene3d>
+      <a:camera prst="orthographicFront"/>
+      <a:lightRig rig="flat" dir="t"/>
+    </dgm:scene3d>
+    <dgm:sp3d z="-60000" prstMaterial="plastic">
+      <a:bevelT w="120900" h="88900"/>
+      <a:bevelB w="88900" h="31750" prst="angle"/>
+    </dgm:sp3d>
+    <dgm:txPr/>
+    <dgm:style>
+      <a:lnRef idx="0">
+        <a:scrgbClr r="0" g="0" b="0"/>
+      </a:lnRef>
+      <a:fillRef idx="3">
+        <a:scrgbClr r="0" g="0" b="0"/>
+      </a:fillRef>
+      <a:effectRef idx="1">
+        <a:scrgbClr r="0" g="0" b="0"/>
+      </a:effectRef>
+      <a:fontRef idx="minor">
+        <a:schemeClr val="lt1"/>
+      </a:fontRef>
+    </dgm:style>
+  </dgm:styleLbl>
+  <dgm:styleLbl name="parChTrans2D4">
+    <dgm:scene3d>
+      <a:camera prst="orthographicFront"/>
+      <a:lightRig rig="flat" dir="t"/>
+    </dgm:scene3d>
+    <dgm:sp3d z="-60000" prstMaterial="plastic">
+      <a:bevelT w="120900" h="88900"/>
+      <a:bevelB w="88900" h="31750" prst="angle"/>
+    </dgm:sp3d>
+    <dgm:txPr/>
+    <dgm:style>
+      <a:lnRef idx="0">
+        <a:scrgbClr r="0" g="0" b="0"/>
+      </a:lnRef>
+      <a:fillRef idx="3">
+        <a:scrgbClr r="0" g="0" b="0"/>
+      </a:fillRef>
+      <a:effectRef idx="1">
+        <a:scrgbClr r="0" g="0" b="0"/>
+      </a:effectRef>
+      <a:fontRef idx="minor">
+        <a:schemeClr val="lt1"/>
+      </a:fontRef>
+    </dgm:style>
+  </dgm:styleLbl>
+  <dgm:styleLbl name="parChTrans1D1">
+    <dgm:scene3d>
+      <a:camera prst="orthographicFront"/>
+      <a:lightRig rig="flat" dir="t"/>
+    </dgm:scene3d>
+    <dgm:sp3d prstMaterial="matte"/>
+    <dgm:txPr/>
+    <dgm:style>
+      <a:lnRef idx="2">
+        <a:scrgbClr r="0" g="0" b="0"/>
+      </a:lnRef>
+      <a:fillRef idx="0">
+        <a:scrgbClr r="0" g="0" b="0"/>
+      </a:fillRef>
+      <a:effectRef idx="0">
+        <a:scrgbClr r="0" g="0" b="0"/>
+      </a:effectRef>
+      <a:fontRef idx="minor"/>
+    </dgm:style>
+  </dgm:styleLbl>
+  <dgm:styleLbl name="parChTrans1D2">
+    <dgm:scene3d>
+      <a:camera prst="orthographicFront"/>
+      <a:lightRig rig="flat" dir="t"/>
+    </dgm:scene3d>
+    <dgm:sp3d prstMaterial="matte"/>
+    <dgm:txPr/>
+    <dgm:style>
+      <a:lnRef idx="2">
+        <a:scrgbClr r="0" g="0" b="0"/>
+      </a:lnRef>
+      <a:fillRef idx="0">
+        <a:scrgbClr r="0" g="0" b="0"/>
+      </a:fillRef>
+      <a:effectRef idx="0">
+        <a:scrgbClr r="0" g="0" b="0"/>
+      </a:effectRef>
+      <a:fontRef idx="minor"/>
+    </dgm:style>
+  </dgm:styleLbl>
+  <dgm:styleLbl name="parChTrans1D3">
+    <dgm:scene3d>
+      <a:camera prst="orthographicFront"/>
+      <a:lightRig rig="flat" dir="t"/>
+    </dgm:scene3d>
+    <dgm:sp3d prstMaterial="matte"/>
+    <dgm:txPr/>
+    <dgm:style>
+      <a:lnRef idx="2">
+        <a:scrgbClr r="0" g="0" b="0"/>
+      </a:lnRef>
+      <a:fillRef idx="0">
+        <a:scrgbClr r="0" g="0" b="0"/>
+      </a:fillRef>
+      <a:effectRef idx="0">
+        <a:scrgbClr r="0" g="0" b="0"/>
+      </a:effectRef>
+      <a:fontRef idx="minor"/>
+    </dgm:style>
+  </dgm:styleLbl>
+  <dgm:styleLbl name="parChTrans1D4">
+    <dgm:scene3d>
+      <a:camera prst="orthographicFront"/>
+      <a:lightRig rig="flat" dir="t"/>
+    </dgm:scene3d>
+    <dgm:sp3d prstMaterial="matte"/>
+    <dgm:txPr/>
+    <dgm:style>
+      <a:lnRef idx="2">
+        <a:scrgbClr r="0" g="0" b="0"/>
+      </a:lnRef>
+      <a:fillRef idx="0">
+        <a:scrgbClr r="0" g="0" b="0"/>
+      </a:fillRef>
+      <a:effectRef idx="0">
+        <a:scrgbClr r="0" g="0" b="0"/>
+      </a:effectRef>
+      <a:fontRef idx="minor"/>
+    </dgm:style>
+  </dgm:styleLbl>
+  <dgm:styleLbl name="fgAcc1">
+    <dgm:scene3d>
+      <a:camera prst="orthographicFront"/>
+      <a:lightRig rig="flat" dir="t"/>
+    </dgm:scene3d>
+    <dgm:sp3d z="190500" extrusionH="12700" prstMaterial="plastic">
+      <a:bevelT w="50800" h="50800"/>
+    </dgm:sp3d>
+    <dgm:txPr/>
+    <dgm:style>
+      <a:lnRef idx="1">
+        <a:scrgbClr r="0" g="0" b="0"/>
+      </a:lnRef>
+      <a:fillRef idx="1">
+        <a:scrgbClr r="0" g="0" b="0"/>
+      </a:fillRef>
+      <a:effectRef idx="2">
+        <a:scrgbClr r="0" g="0" b="0"/>
+      </a:effectRef>
+      <a:fontRef idx="minor"/>
+    </dgm:style>
+  </dgm:styleLbl>
+  <dgm:styleLbl name="conFgAcc1">
+    <dgm:scene3d>
+      <a:camera prst="orthographicFront"/>
+      <a:lightRig rig="flat" dir="t"/>
+    </dgm:scene3d>
+    <dgm:sp3d z="190500" extrusionH="12700" prstMaterial="plastic">
+      <a:bevelT w="50800" h="50800"/>
+    </dgm:sp3d>
+    <dgm:txPr/>
+    <dgm:style>
+      <a:lnRef idx="1">
+        <a:scrgbClr r="0" g="0" b="0"/>
+      </a:lnRef>
+      <a:fillRef idx="1">
+        <a:scrgbClr r="0" g="0" b="0"/>
+      </a:fillRef>
+      <a:effectRef idx="2">
+        <a:scrgbClr r="0" g="0" b="0"/>
+      </a:effectRef>
+      <a:fontRef idx="minor"/>
+    </dgm:style>
+  </dgm:styleLbl>
+  <dgm:styleLbl name="alignAcc1">
+    <dgm:scene3d>
+      <a:camera prst="orthographicFront"/>
+      <a:lightRig rig="flat" dir="t"/>
+    </dgm:scene3d>
+    <dgm:sp3d extrusionH="12700" prstMaterial="plastic">
+      <a:bevelT w="50800" h="50800"/>
+    </dgm:sp3d>
+    <dgm:txPr/>
+    <dgm:style>
+      <a:lnRef idx="1">
+        <a:scrgbClr r="0" g="0" b="0"/>
+      </a:lnRef>
+      <a:fillRef idx="1">
+        <a:scrgbClr r="0" g="0" b="0"/>
+      </a:fillRef>
+      <a:effectRef idx="2">
+        <a:scrgbClr r="0" g="0" b="0"/>
+      </a:effectRef>
+      <a:fontRef idx="minor"/>
+    </dgm:style>
+  </dgm:styleLbl>
+  <dgm:styleLbl name="trAlignAcc1">
+    <dgm:scene3d>
+      <a:camera prst="orthographicFront"/>
+      <a:lightRig rig="flat" dir="t"/>
+    </dgm:scene3d>
+    <dgm:sp3d extrusionH="12700" prstMaterial="plastic">
+      <a:bevelT w="50800" h="50800"/>
+    </dgm:sp3d>
+    <dgm:txPr/>
+    <dgm:style>
+      <a:lnRef idx="1">
+        <a:scrgbClr r="0" g="0" b="0"/>
+      </a:lnRef>
+      <a:fillRef idx="1">
+        <a:scrgbClr r="0" g="0" b="0"/>
+      </a:fillRef>
+      <a:effectRef idx="2">
+        <a:scrgbClr r="0" g="0" b="0"/>
+      </a:effectRef>
+      <a:fontRef idx="minor"/>
+    </dgm:style>
+  </dgm:styleLbl>
+  <dgm:styleLbl name="bgAcc1">
+    <dgm:scene3d>
+      <a:camera prst="orthographicFront"/>
+      <a:lightRig rig="flat" dir="t"/>
+    </dgm:scene3d>
+    <dgm:sp3d z="-190500" extrusionH="12700" prstMaterial="plastic">
+      <a:bevelT w="50800" h="50800"/>
+    </dgm:sp3d>
+    <dgm:txPr/>
+    <dgm:style>
+      <a:lnRef idx="1">
+        <a:scrgbClr r="0" g="0" b="0"/>
+      </a:lnRef>
+      <a:fillRef idx="1">
+        <a:scrgbClr r="0" g="0" b="0"/>
+      </a:fillRef>
+      <a:effectRef idx="2">
+        <a:scrgbClr r="0" g="0" b="0"/>
+      </a:effectRef>
+      <a:fontRef idx="minor"/>
+    </dgm:style>
+  </dgm:styleLbl>
+  <dgm:styleLbl name="solidFgAcc1">
+    <dgm:scene3d>
+      <a:camera prst="orthographicFront"/>
+      <a:lightRig rig="flat" dir="t"/>
+    </dgm:scene3d>
+    <dgm:sp3d z="190500" extrusionH="12700" prstMaterial="plastic">
+      <a:bevelT w="50800" h="50800"/>
+    </dgm:sp3d>
+    <dgm:txPr/>
+    <dgm:style>
+      <a:lnRef idx="1">
+        <a:scrgbClr r="0" g="0" b="0"/>
+      </a:lnRef>
+      <a:fillRef idx="1">
+        <a:scrgbClr r="0" g="0" b="0"/>
+      </a:fillRef>
+      <a:effectRef idx="2">
+        <a:scrgbClr r="0" g="0" b="0"/>
+      </a:effectRef>
+      <a:fontRef idx="minor"/>
+    </dgm:style>
+  </dgm:styleLbl>
+  <dgm:styleLbl name="solidAlignAcc1">
+    <dgm:scene3d>
+      <a:camera prst="orthographicFront"/>
+      <a:lightRig rig="flat" dir="t"/>
+    </dgm:scene3d>
+    <dgm:sp3d extrusionH="12700" prstMaterial="plastic">
+      <a:bevelT w="50800" h="50800"/>
+    </dgm:sp3d>
+    <dgm:txPr/>
+    <dgm:style>
+      <a:lnRef idx="1">
+        <a:scrgbClr r="0" g="0" b="0"/>
+      </a:lnRef>
+      <a:fillRef idx="1">
+        <a:scrgbClr r="0" g="0" b="0"/>
+      </a:fillRef>
+      <a:effectRef idx="2">
+        <a:scrgbClr r="0" g="0" b="0"/>
+      </a:effectRef>
+      <a:fontRef idx="minor"/>
+    </dgm:style>
+  </dgm:styleLbl>
+  <dgm:styleLbl name="solidBgAcc1">
+    <dgm:scene3d>
+      <a:camera prst="orthographicFront"/>
+      <a:lightRig rig="flat" dir="t"/>
+    </dgm:scene3d>
+    <dgm:sp3d z="-190500" extrusionH="12700" prstMaterial="plastic">
+      <a:bevelT w="50800" h="50800"/>
+    </dgm:sp3d>
+    <dgm:txPr/>
+    <dgm:style>
+      <a:lnRef idx="1">
+        <a:scrgbClr r="0" g="0" b="0"/>
+      </a:lnRef>
+      <a:fillRef idx="1">
+        <a:scrgbClr r="0" g="0" b="0"/>
+      </a:fillRef>
+      <a:effectRef idx="2">
+        <a:scrgbClr r="0" g="0" b="0"/>
+      </a:effectRef>
+      <a:fontRef idx="minor"/>
+    </dgm:style>
+  </dgm:styleLbl>
+  <dgm:styleLbl name="fgAccFollowNode1">
+    <dgm:scene3d>
+      <a:camera prst="orthographicFront"/>
+      <a:lightRig rig="flat" dir="t"/>
+    </dgm:scene3d>
+    <dgm:sp3d z="190500" extrusionH="12700" prstMaterial="plastic">
+      <a:bevelT w="50800" h="50800"/>
+    </dgm:sp3d>
+    <dgm:txPr/>
+    <dgm:style>
+      <a:lnRef idx="1">
+        <a:scrgbClr r="0" g="0" b="0"/>
+      </a:lnRef>
+      <a:fillRef idx="1">
+        <a:scrgbClr r="0" g="0" b="0"/>
+      </a:fillRef>
+      <a:effectRef idx="2">
+        <a:scrgbClr r="0" g="0" b="0"/>
+      </a:effectRef>
+      <a:fontRef idx="minor"/>
+    </dgm:style>
+  </dgm:styleLbl>
+  <dgm:styleLbl name="alignAccFollowNode1">
+    <dgm:scene3d>
+      <a:camera prst="orthographicFront"/>
+      <a:lightRig rig="flat" dir="t"/>
+    </dgm:scene3d>
+    <dgm:sp3d extrusionH="12700" prstMaterial="plastic">
+      <a:bevelT w="50800" h="50800"/>
+    </dgm:sp3d>
+    <dgm:txPr/>
+    <dgm:style>
+      <a:lnRef idx="1">
+        <a:scrgbClr r="0" g="0" b="0"/>
+      </a:lnRef>
+      <a:fillRef idx="1">
+        <a:scrgbClr r="0" g="0" b="0"/>
+      </a:fillRef>
+      <a:effectRef idx="2">
+        <a:scrgbClr r="0" g="0" b="0"/>
+      </a:effectRef>
+      <a:fontRef idx="minor"/>
+    </dgm:style>
+  </dgm:styleLbl>
+  <dgm:styleLbl name="bgAccFollowNode1">
+    <dgm:scene3d>
+      <a:camera prst="orthographicFront"/>
+      <a:lightRig rig="flat" dir="t"/>
+    </dgm:scene3d>
+    <dgm:sp3d z="-190500" extrusionH="12700" prstMaterial="plastic">
+      <a:bevelT w="50800" h="50800"/>
+    </dgm:sp3d>
+    <dgm:txPr/>
+    <dgm:style>
+      <a:lnRef idx="1">
+        <a:scrgbClr r="0" g="0" b="0"/>
+      </a:lnRef>
+      <a:fillRef idx="1">
+        <a:scrgbClr r="0" g="0" b="0"/>
+      </a:fillRef>
+      <a:effectRef idx="2">
+        <a:scrgbClr r="0" g="0" b="0"/>
+      </a:effectRef>
+      <a:fontRef idx="minor"/>
+    </dgm:style>
+  </dgm:styleLbl>
+  <dgm:styleLbl name="fgAcc0">
+    <dgm:scene3d>
+      <a:camera prst="orthographicFront"/>
+      <a:lightRig rig="flat" dir="t"/>
+    </dgm:scene3d>
+    <dgm:sp3d z="190500" extrusionH="12700" prstMaterial="plastic">
+      <a:bevelT w="50800" h="50800"/>
+    </dgm:sp3d>
+    <dgm:txPr/>
+    <dgm:style>
+      <a:lnRef idx="1">
+        <a:scrgbClr r="0" g="0" b="0"/>
+      </a:lnRef>
+      <a:fillRef idx="1">
+        <a:scrgbClr r="0" g="0" b="0"/>
+      </a:fillRef>
+      <a:effectRef idx="2">
+        <a:scrgbClr r="0" g="0" b="0"/>
+      </a:effectRef>
+      <a:fontRef idx="minor"/>
+    </dgm:style>
+  </dgm:styleLbl>
+  <dgm:styleLbl name="fgAcc2">
+    <dgm:scene3d>
+      <a:camera prst="orthographicFront"/>
+      <a:lightRig rig="flat" dir="t"/>
+    </dgm:scene3d>
+    <dgm:sp3d z="190500" extrusionH="12700" prstMaterial="plastic">
+      <a:bevelT w="50800" h="50800"/>
+    </dgm:sp3d>
+    <dgm:txPr/>
+    <dgm:style>
+      <a:lnRef idx="1">
+        <a:scrgbClr r="0" g="0" b="0"/>
+      </a:lnRef>
+      <a:fillRef idx="1">
+        <a:scrgbClr r="0" g="0" b="0"/>
+      </a:fillRef>
+      <a:effectRef idx="2">
+        <a:scrgbClr r="0" g="0" b="0"/>
+      </a:effectRef>
+      <a:fontRef idx="minor"/>
+    </dgm:style>
+  </dgm:styleLbl>
+  <dgm:styleLbl name="fgAcc3">
+    <dgm:scene3d>
+      <a:camera prst="orthographicFront"/>
+      <a:lightRig rig="flat" dir="t"/>
+    </dgm:scene3d>
+    <dgm:sp3d z="190500" extrusionH="12700" prstMaterial="plastic">
+      <a:bevelT w="50800" h="50800"/>
+    </dgm:sp3d>
+    <dgm:txPr/>
+    <dgm:style>
+      <a:lnRef idx="1">
+        <a:scrgbClr r="0" g="0" b="0"/>
+      </a:lnRef>
+      <a:fillRef idx="1">
+        <a:scrgbClr r="0" g="0" b="0"/>
+      </a:fillRef>
+      <a:effectRef idx="2">
+        <a:scrgbClr r="0" g="0" b="0"/>
+      </a:effectRef>
+      <a:fontRef idx="minor"/>
+    </dgm:style>
+  </dgm:styleLbl>
+  <dgm:styleLbl name="fgAcc4">
+    <dgm:scene3d>
+      <a:camera prst="orthographicFront"/>
+      <a:lightRig rig="flat" dir="t"/>
+    </dgm:scene3d>
+    <dgm:sp3d z="190500" extrusionH="12700" prstMaterial="plastic">
+      <a:bevelT w="50800" h="50800"/>
+    </dgm:sp3d>
+    <dgm:txPr/>
+    <dgm:style>
+      <a:lnRef idx="1">
+        <a:scrgbClr r="0" g="0" b="0"/>
+      </a:lnRef>
+      <a:fillRef idx="1">
+        <a:scrgbClr r="0" g="0" b="0"/>
+      </a:fillRef>
+      <a:effectRef idx="2">
+        <a:scrgbClr r="0" g="0" b="0"/>
+      </a:effectRef>
+      <a:fontRef idx="minor"/>
+    </dgm:style>
+  </dgm:styleLbl>
+  <dgm:styleLbl name="bgShp">
+    <dgm:scene3d>
+      <a:camera prst="orthographicFront"/>
+      <a:lightRig rig="flat" dir="t"/>
+    </dgm:scene3d>
+    <dgm:sp3d z="-190500" extrusionH="12700" prstMaterial="plastic">
+      <a:bevelT w="50800" h="50800"/>
+    </dgm:sp3d>
+    <dgm:txPr/>
+    <dgm:style>
+      <a:lnRef idx="0">
+        <a:scrgbClr r="0" g="0" b="0"/>
+      </a:lnRef>
+      <a:fillRef idx="3">
+        <a:scrgbClr r="0" g="0" b="0"/>
+      </a:fillRef>
+      <a:effectRef idx="0">
+        <a:scrgbClr r="0" g="0" b="0"/>
+      </a:effectRef>
+      <a:fontRef idx="minor"/>
+    </dgm:style>
+  </dgm:styleLbl>
+  <dgm:styleLbl name="dkBgShp">
+    <dgm:scene3d>
+      <a:camera prst="orthographicFront"/>
+      <a:lightRig rig="flat" dir="t"/>
+    </dgm:scene3d>
+    <dgm:sp3d z="-190500" extrusionH="12700" prstMaterial="plastic">
+      <a:bevelT w="50800" h="50800"/>
+    </dgm:sp3d>
+    <dgm:txPr/>
+    <dgm:style>
+      <a:lnRef idx="0">
+        <a:scrgbClr r="0" g="0" b="0"/>
+      </a:lnRef>
+      <a:fillRef idx="2">
+        <a:scrgbClr r="0" g="0" b="0"/>
+      </a:fillRef>
+      <a:effectRef idx="0">
+        <a:scrgbClr r="0" g="0" b="0"/>
+      </a:effectRef>
+      <a:fontRef idx="minor"/>
+    </dgm:style>
+  </dgm:styleLbl>
+  <dgm:styleLbl name="trBgShp">
+    <dgm:scene3d>
+      <a:camera prst="orthographicFront"/>
+      <a:lightRig rig="flat" dir="t"/>
+    </dgm:scene3d>
+    <dgm:sp3d z="-190500" extrusionH="12700" prstMaterial="matte"/>
+    <dgm:txPr/>
+    <dgm:style>
+      <a:lnRef idx="0">
+        <a:scrgbClr r="0" g="0" b="0"/>
+      </a:lnRef>
+      <a:fillRef idx="1">
+        <a:scrgbClr r="0" g="0" b="0"/>
+      </a:fillRef>
+      <a:effectRef idx="0">
+        <a:scrgbClr r="0" g="0" b="0"/>
+      </a:effectRef>
+      <a:fontRef idx="minor"/>
+    </dgm:style>
+  </dgm:styleLbl>
+  <dgm:styleLbl name="fgShp">
+    <dgm:scene3d>
+      <a:camera prst="orthographicFront"/>
+      <a:lightRig rig="flat" dir="t"/>
+    </dgm:scene3d>
+    <dgm:sp3d z="190500" prstMaterial="plastic">
+      <a:bevelT w="120900" h="88900"/>
+      <a:bevelB w="88900" h="31750" prst="angle"/>
+    </dgm:sp3d>
+    <dgm:txPr/>
+    <dgm:style>
+      <a:lnRef idx="0">
+        <a:scrgbClr r="0" g="0" b="0"/>
+      </a:lnRef>
+      <a:fillRef idx="1">
+        <a:scrgbClr r="0" g="0" b="0"/>
+      </a:fillRef>
+      <a:effectRef idx="3">
+        <a:scrgbClr r="0" g="0" b="0"/>
+      </a:effectRef>
+      <a:fontRef idx="minor">
+        <a:schemeClr val="lt1"/>
+      </a:fontRef>
+    </dgm:style>
+  </dgm:styleLbl>
+  <dgm:styleLbl name="revTx">
+    <dgm:scene3d>
+      <a:camera prst="orthographicFront"/>
+      <a:lightRig rig="threePt" dir="t"/>
+    </dgm:scene3d>
+    <dgm:sp3d/>
+    <dgm:txPr/>
+    <dgm:style>
+      <a:lnRef idx="0">
+        <a:scrgbClr r="0" g="0" b="0"/>
+      </a:lnRef>
+      <a:fillRef idx="0">
+        <a:scrgbClr r="0" g="0" b="0"/>
+      </a:fillRef>
+      <a:effectRef idx="0">
+        <a:scrgbClr r="0" g="0" b="0"/>
+      </a:effectRef>
+      <a:fontRef idx="minor"/>
+    </dgm:style>
+  </dgm:styleLbl>
+</dgm:styleDef>
 </file>
 
 <file path=ppt/slideLayouts/slideLayout1.xml><?xml version="1.0" encoding="utf-8"?>
@@ -285,6 +7906,7 @@
           <a:p>
             <a:fld id="{229FDC3E-7424-49CF-AF38-AA35F4C77C8D}" type="datetimeFigureOut">
               <a:rPr lang="pt-BR" smtClean="0"/>
+              <a:pPr/>
               <a:t>25/03/2014</a:t>
             </a:fld>
             <a:endParaRPr lang="pt-BR"/>
@@ -332,6 +7954,7 @@
           <a:p>
             <a:fld id="{3F705002-0773-404E-BA98-5E07909A5D70}" type="slidenum">
               <a:rPr lang="pt-BR" smtClean="0"/>
+              <a:pPr/>
               <a:t>‹nº›</a:t>
             </a:fld>
             <a:endParaRPr lang="pt-BR"/>
@@ -455,6 +8078,7 @@
           <a:p>
             <a:fld id="{229FDC3E-7424-49CF-AF38-AA35F4C77C8D}" type="datetimeFigureOut">
               <a:rPr lang="pt-BR" smtClean="0"/>
+              <a:pPr/>
               <a:t>25/03/2014</a:t>
             </a:fld>
             <a:endParaRPr lang="pt-BR"/>
@@ -497,6 +8121,7 @@
           <a:p>
             <a:fld id="{3F705002-0773-404E-BA98-5E07909A5D70}" type="slidenum">
               <a:rPr lang="pt-BR" smtClean="0"/>
+              <a:pPr/>
               <a:t>‹nº›</a:t>
             </a:fld>
             <a:endParaRPr lang="pt-BR"/>
@@ -630,6 +8255,7 @@
           <a:p>
             <a:fld id="{229FDC3E-7424-49CF-AF38-AA35F4C77C8D}" type="datetimeFigureOut">
               <a:rPr lang="pt-BR" smtClean="0"/>
+              <a:pPr/>
               <a:t>25/03/2014</a:t>
             </a:fld>
             <a:endParaRPr lang="pt-BR"/>
@@ -672,6 +8298,7 @@
           <a:p>
             <a:fld id="{3F705002-0773-404E-BA98-5E07909A5D70}" type="slidenum">
               <a:rPr lang="pt-BR" smtClean="0"/>
+              <a:pPr/>
               <a:t>‹nº›</a:t>
             </a:fld>
             <a:endParaRPr lang="pt-BR"/>
@@ -795,6 +8422,7 @@
           <a:p>
             <a:fld id="{229FDC3E-7424-49CF-AF38-AA35F4C77C8D}" type="datetimeFigureOut">
               <a:rPr lang="pt-BR" smtClean="0"/>
+              <a:pPr/>
               <a:t>25/03/2014</a:t>
             </a:fld>
             <a:endParaRPr lang="pt-BR"/>
@@ -847,6 +8475,7 @@
           <a:p>
             <a:fld id="{3F705002-0773-404E-BA98-5E07909A5D70}" type="slidenum">
               <a:rPr lang="pt-BR" smtClean="0"/>
+              <a:pPr/>
               <a:t>‹nº›</a:t>
             </a:fld>
             <a:endParaRPr lang="pt-BR"/>
@@ -1029,6 +8658,7 @@
           <a:p>
             <a:fld id="{229FDC3E-7424-49CF-AF38-AA35F4C77C8D}" type="datetimeFigureOut">
               <a:rPr lang="pt-BR" smtClean="0"/>
+              <a:pPr/>
               <a:t>25/03/2014</a:t>
             </a:fld>
             <a:endParaRPr lang="pt-BR"/>
@@ -1071,6 +8701,7 @@
           <a:p>
             <a:fld id="{3F705002-0773-404E-BA98-5E07909A5D70}" type="slidenum">
               <a:rPr lang="pt-BR" smtClean="0"/>
+              <a:pPr/>
               <a:t>‹nº›</a:t>
             </a:fld>
             <a:endParaRPr lang="pt-BR"/>
@@ -1325,6 +8956,7 @@
           <a:p>
             <a:fld id="{229FDC3E-7424-49CF-AF38-AA35F4C77C8D}" type="datetimeFigureOut">
               <a:rPr lang="pt-BR" smtClean="0"/>
+              <a:pPr/>
               <a:t>25/03/2014</a:t>
             </a:fld>
             <a:endParaRPr lang="pt-BR"/>
@@ -1367,6 +8999,7 @@
           <a:p>
             <a:fld id="{3F705002-0773-404E-BA98-5E07909A5D70}" type="slidenum">
               <a:rPr lang="pt-BR" smtClean="0"/>
+              <a:pPr/>
               <a:t>‹nº›</a:t>
             </a:fld>
             <a:endParaRPr lang="pt-BR"/>
@@ -1709,6 +9342,7 @@
           <a:p>
             <a:fld id="{229FDC3E-7424-49CF-AF38-AA35F4C77C8D}" type="datetimeFigureOut">
               <a:rPr lang="pt-BR" smtClean="0"/>
+              <a:pPr/>
               <a:t>25/03/2014</a:t>
             </a:fld>
             <a:endParaRPr lang="pt-BR"/>
@@ -1756,6 +9390,7 @@
           <a:p>
             <a:fld id="{3F705002-0773-404E-BA98-5E07909A5D70}" type="slidenum">
               <a:rPr lang="pt-BR" smtClean="0"/>
+              <a:pPr/>
               <a:t>‹nº›</a:t>
             </a:fld>
             <a:endParaRPr lang="pt-BR"/>
@@ -1882,6 +9517,7 @@
           <a:p>
             <a:fld id="{229FDC3E-7424-49CF-AF38-AA35F4C77C8D}" type="datetimeFigureOut">
               <a:rPr lang="pt-BR" smtClean="0"/>
+              <a:pPr/>
               <a:t>25/03/2014</a:t>
             </a:fld>
             <a:endParaRPr lang="pt-BR"/>
@@ -1924,6 +9560,7 @@
           <a:p>
             <a:fld id="{3F705002-0773-404E-BA98-5E07909A5D70}" type="slidenum">
               <a:rPr lang="pt-BR" smtClean="0"/>
+              <a:pPr/>
               <a:t>‹nº›</a:t>
             </a:fld>
             <a:endParaRPr lang="pt-BR"/>
@@ -1972,6 +9609,7 @@
           <a:p>
             <a:fld id="{229FDC3E-7424-49CF-AF38-AA35F4C77C8D}" type="datetimeFigureOut">
               <a:rPr lang="pt-BR" smtClean="0"/>
+              <a:pPr/>
               <a:t>25/03/2014</a:t>
             </a:fld>
             <a:endParaRPr lang="pt-BR"/>
@@ -2014,6 +9652,7 @@
           <a:p>
             <a:fld id="{3F705002-0773-404E-BA98-5E07909A5D70}" type="slidenum">
               <a:rPr lang="pt-BR" smtClean="0"/>
+              <a:pPr/>
               <a:t>‹nº›</a:t>
             </a:fld>
             <a:endParaRPr lang="pt-BR"/>
@@ -2267,6 +9906,7 @@
           <a:p>
             <a:fld id="{229FDC3E-7424-49CF-AF38-AA35F4C77C8D}" type="datetimeFigureOut">
               <a:rPr lang="pt-BR" smtClean="0"/>
+              <a:pPr/>
               <a:t>25/03/2014</a:t>
             </a:fld>
             <a:endParaRPr lang="pt-BR"/>
@@ -2309,6 +9949,7 @@
           <a:p>
             <a:fld id="{3F705002-0773-404E-BA98-5E07909A5D70}" type="slidenum">
               <a:rPr lang="pt-BR" smtClean="0"/>
+              <a:pPr/>
               <a:t>‹nº›</a:t>
             </a:fld>
             <a:endParaRPr lang="pt-BR"/>
@@ -2401,6 +10042,7 @@
           <a:p>
             <a:fld id="{229FDC3E-7424-49CF-AF38-AA35F4C77C8D}" type="datetimeFigureOut">
               <a:rPr lang="pt-BR" smtClean="0"/>
+              <a:pPr/>
               <a:t>25/03/2014</a:t>
             </a:fld>
             <a:endParaRPr lang="pt-BR"/>
@@ -2443,6 +10085,7 @@
           <a:p>
             <a:fld id="{3F705002-0773-404E-BA98-5E07909A5D70}" type="slidenum">
               <a:rPr lang="pt-BR" smtClean="0"/>
+              <a:pPr/>
               <a:t>‹nº›</a:t>
             </a:fld>
             <a:endParaRPr lang="pt-BR"/>
@@ -2704,6 +10347,7 @@
           <a:p>
             <a:fld id="{229FDC3E-7424-49CF-AF38-AA35F4C77C8D}" type="datetimeFigureOut">
               <a:rPr lang="pt-BR" smtClean="0"/>
+              <a:pPr/>
               <a:t>25/03/2014</a:t>
             </a:fld>
             <a:endParaRPr lang="pt-BR"/>
@@ -2782,6 +10426,7 @@
           <a:p>
             <a:fld id="{3F705002-0773-404E-BA98-5E07909A5D70}" type="slidenum">
               <a:rPr lang="pt-BR" smtClean="0"/>
+              <a:pPr/>
               <a:t>‹nº›</a:t>
             </a:fld>
             <a:endParaRPr lang="pt-BR"/>
@@ -2925,17 +10570,17 @@
   </p:cSld>
   <p:clrMap bg1="lt1" tx1="dk1" bg2="lt2" tx2="dk2" accent1="accent1" accent2="accent2" accent3="accent3" accent4="accent4" accent5="accent5" accent6="accent6" hlink="hlink" folHlink="folHlink"/>
   <p:sldLayoutIdLst>
-    <p:sldLayoutId id="2147483721" r:id="rId1"/>
-    <p:sldLayoutId id="2147483722" r:id="rId2"/>
-    <p:sldLayoutId id="2147483723" r:id="rId3"/>
-    <p:sldLayoutId id="2147483724" r:id="rId4"/>
-    <p:sldLayoutId id="2147483725" r:id="rId5"/>
-    <p:sldLayoutId id="2147483726" r:id="rId6"/>
-    <p:sldLayoutId id="2147483727" r:id="rId7"/>
-    <p:sldLayoutId id="2147483728" r:id="rId8"/>
-    <p:sldLayoutId id="2147483729" r:id="rId9"/>
-    <p:sldLayoutId id="2147483730" r:id="rId10"/>
-    <p:sldLayoutId id="2147483731" r:id="rId11"/>
+    <p:sldLayoutId id="2147483793" r:id="rId1"/>
+    <p:sldLayoutId id="2147483794" r:id="rId2"/>
+    <p:sldLayoutId id="2147483795" r:id="rId3"/>
+    <p:sldLayoutId id="2147483796" r:id="rId4"/>
+    <p:sldLayoutId id="2147483797" r:id="rId5"/>
+    <p:sldLayoutId id="2147483798" r:id="rId6"/>
+    <p:sldLayoutId id="2147483799" r:id="rId7"/>
+    <p:sldLayoutId id="2147483800" r:id="rId8"/>
+    <p:sldLayoutId id="2147483801" r:id="rId9"/>
+    <p:sldLayoutId id="2147483802" r:id="rId10"/>
+    <p:sldLayoutId id="2147483803" r:id="rId11"/>
   </p:sldLayoutIdLst>
   <p:txStyles>
     <p:titleStyle>
@@ -3255,8 +10900,8 @@
         </p:nvSpPr>
         <p:spPr>
           <a:xfrm>
-            <a:off x="381000" y="1052736"/>
-            <a:ext cx="8458200" cy="5023051"/>
+            <a:off x="0" y="0"/>
+            <a:ext cx="9144000" cy="6858000"/>
           </a:xfrm>
         </p:spPr>
         <p:txBody>
@@ -3267,7 +10912,7 @@
           <a:p>
             <a:pPr algn="ctr"/>
             <a:r>
-              <a:rPr lang="pt-BR" sz="30000" dirty="0" err="1" smtClean="0">
+              <a:rPr lang="pt-BR" sz="35000" dirty="0" smtClean="0">
                 <a:solidFill>
                   <a:srgbClr val="FF0000"/>
                 </a:solidFill>
@@ -3275,7 +10920,7 @@
               </a:rPr>
               <a:t>Sas</a:t>
             </a:r>
-            <a:endParaRPr lang="pt-BR" sz="30000" dirty="0">
+            <a:endParaRPr lang="pt-BR" sz="35000" dirty="0">
               <a:solidFill>
                 <a:srgbClr val="FF0000"/>
               </a:solidFill>
@@ -3292,8 +10937,8 @@
         </p:nvSpPr>
         <p:spPr>
           <a:xfrm>
-            <a:off x="3779912" y="4725144"/>
-            <a:ext cx="3347864" cy="369332"/>
+            <a:off x="4427984" y="4365104"/>
+            <a:ext cx="3024336" cy="369332"/>
           </a:xfrm>
           <a:prstGeom prst="rect">
             <a:avLst/>
@@ -3307,10 +10952,18 @@
           <a:lstStyle/>
           <a:p>
             <a:r>
-              <a:rPr lang="pt-BR" b="1" dirty="0" smtClean="0"/>
+              <a:rPr lang="pt-BR" b="1" dirty="0" smtClean="0">
+                <a:solidFill>
+                  <a:srgbClr val="0070C0"/>
+                </a:solidFill>
+              </a:rPr>
               <a:t>Sistema de ações sociais</a:t>
             </a:r>
-            <a:endParaRPr lang="pt-BR" b="1" dirty="0"/>
+            <a:endParaRPr lang="pt-BR" b="1" dirty="0">
+              <a:solidFill>
+                <a:srgbClr val="0070C0"/>
+              </a:solidFill>
+            </a:endParaRPr>
           </a:p>
         </p:txBody>
       </p:sp>
@@ -3319,6 +10972,14 @@
   <p:clrMapOvr>
     <a:masterClrMapping/>
   </p:clrMapOvr>
+  <p:transition/>
+  <p:timing>
+    <p:tnLst>
+      <p:par>
+        <p:cTn id="1" dur="indefinite" restart="never" nodeType="tmRoot"/>
+      </p:par>
+    </p:tnLst>
+  </p:timing>
 </p:sld>
 </file>
 
@@ -3349,7 +11010,12 @@
             <p:ph type="title"/>
           </p:nvPr>
         </p:nvSpPr>
-        <p:spPr/>
+        <p:spPr>
+          <a:xfrm>
+            <a:off x="457200" y="260648"/>
+            <a:ext cx="8686800" cy="838200"/>
+          </a:xfrm>
+        </p:spPr>
         <p:txBody>
           <a:bodyPr/>
           <a:lstStyle/>
@@ -3362,30 +11028,38 @@
           </a:p>
         </p:txBody>
       </p:sp>
-      <p:sp>
-        <p:nvSpPr>
-          <p:cNvPr id="3" name="Espaço Reservado para Conteúdo 2"/>
-          <p:cNvSpPr>
-            <a:spLocks noGrp="1"/>
-          </p:cNvSpPr>
+      <p:graphicFrame>
+        <p:nvGraphicFramePr>
+          <p:cNvPr id="4" name="Espaço Reservado para Conteúdo 3"/>
+          <p:cNvGraphicFramePr>
+            <a:graphicFrameLocks noGrp="1"/>
+          </p:cNvGraphicFramePr>
           <p:nvPr>
             <p:ph idx="1"/>
           </p:nvPr>
-        </p:nvSpPr>
-        <p:spPr/>
-        <p:txBody>
-          <a:bodyPr/>
-          <a:lstStyle/>
-          <a:p>
-            <a:endParaRPr lang="pt-BR" dirty="0"/>
-          </a:p>
-        </p:txBody>
-      </p:sp>
+        </p:nvGraphicFramePr>
+        <p:xfrm>
+          <a:off x="304800" y="1268761"/>
+          <a:ext cx="8686800" cy="5400599"/>
+        </p:xfrm>
+        <a:graphic>
+          <a:graphicData uri="http://schemas.openxmlformats.org/drawingml/2006/diagram">
+            <dgm:relIds xmlns:dgm="http://schemas.openxmlformats.org/drawingml/2006/diagram" xmlns:r="http://schemas.openxmlformats.org/officeDocument/2006/relationships" r:dm="rId2" r:lo="rId3" r:qs="rId4" r:cs="rId5"/>
+          </a:graphicData>
+        </a:graphic>
+      </p:graphicFrame>
     </p:spTree>
   </p:cSld>
   <p:clrMapOvr>
     <a:masterClrMapping/>
   </p:clrMapOvr>
+  <p:timing>
+    <p:tnLst>
+      <p:par>
+        <p:cTn id="1" dur="indefinite" restart="never" nodeType="tmRoot"/>
+      </p:par>
+    </p:tnLst>
+  </p:timing>
 </p:sld>
 </file>
 
@@ -3429,30 +11103,82 @@
           </a:p>
         </p:txBody>
       </p:sp>
-      <p:sp>
-        <p:nvSpPr>
-          <p:cNvPr id="3" name="Espaço Reservado para Conteúdo 2"/>
-          <p:cNvSpPr>
-            <a:spLocks noGrp="1"/>
-          </p:cNvSpPr>
+      <p:pic>
+        <p:nvPicPr>
+          <p:cNvPr id="4" name="Espaço Reservado para Conteúdo 7" descr="Tried-Cloud-Computing.jpg"/>
+          <p:cNvPicPr>
+            <a:picLocks noGrp="1" noChangeAspect="1"/>
+          </p:cNvPicPr>
           <p:nvPr>
             <p:ph idx="1"/>
           </p:nvPr>
-        </p:nvSpPr>
-        <p:spPr/>
-        <p:txBody>
-          <a:bodyPr/>
-          <a:lstStyle/>
-          <a:p>
-            <a:endParaRPr lang="pt-BR"/>
-          </a:p>
-        </p:txBody>
-      </p:sp>
+        </p:nvPicPr>
+        <p:blipFill>
+          <a:blip r:embed="rId2" cstate="print">
+            <a:lum bright="-24000" contrast="13000"/>
+          </a:blip>
+          <a:stretch>
+            <a:fillRect/>
+          </a:stretch>
+        </p:blipFill>
+        <p:spPr>
+          <a:xfrm>
+            <a:off x="467544" y="1412776"/>
+            <a:ext cx="8424936" cy="4741986"/>
+          </a:xfrm>
+          <a:prstGeom prst="ellipse">
+            <a:avLst/>
+          </a:prstGeom>
+          <a:ln w="63500" cap="rnd">
+            <a:noFill/>
+          </a:ln>
+          <a:effectLst>
+            <a:outerShdw blurRad="381000" dist="292100" dir="5400000" sx="-80000" sy="-18000" rotWithShape="0">
+              <a:srgbClr val="000000">
+                <a:alpha val="22000"/>
+              </a:srgbClr>
+            </a:outerShdw>
+          </a:effectLst>
+          <a:scene3d>
+            <a:camera prst="orthographicFront"/>
+            <a:lightRig rig="contrasting" dir="t">
+              <a:rot lat="0" lon="0" rev="3000000"/>
+            </a:lightRig>
+          </a:scene3d>
+          <a:sp3d contourW="7620">
+            <a:bevelT w="95250" h="31750"/>
+            <a:contourClr>
+              <a:srgbClr val="333333"/>
+            </a:contourClr>
+          </a:sp3d>
+        </p:spPr>
+        <p:style>
+          <a:lnRef idx="1">
+            <a:schemeClr val="accent1"/>
+          </a:lnRef>
+          <a:fillRef idx="3">
+            <a:schemeClr val="accent1"/>
+          </a:fillRef>
+          <a:effectRef idx="2">
+            <a:schemeClr val="accent1"/>
+          </a:effectRef>
+          <a:fontRef idx="minor">
+            <a:schemeClr val="lt1"/>
+          </a:fontRef>
+        </p:style>
+      </p:pic>
     </p:spTree>
   </p:cSld>
   <p:clrMapOvr>
     <a:masterClrMapping/>
   </p:clrMapOvr>
+  <p:timing>
+    <p:tnLst>
+      <p:par>
+        <p:cTn id="1" dur="indefinite" restart="never" nodeType="tmRoot"/>
+      </p:par>
+    </p:tnLst>
+  </p:timing>
 </p:sld>
 </file>
 
@@ -3488,29 +11214,34 @@
           <a:bodyPr/>
           <a:lstStyle/>
           <a:p>
+            <a:r>
+              <a:rPr lang="pt-BR" dirty="0" smtClean="0"/>
+              <a:t>Funcionamento </a:t>
+            </a:r>
             <a:endParaRPr lang="pt-BR" dirty="0"/>
           </a:p>
         </p:txBody>
       </p:sp>
-      <p:sp>
-        <p:nvSpPr>
-          <p:cNvPr id="3" name="Espaço Reservado para Conteúdo 2"/>
-          <p:cNvSpPr>
-            <a:spLocks noGrp="1"/>
-          </p:cNvSpPr>
+      <p:graphicFrame>
+        <p:nvGraphicFramePr>
+          <p:cNvPr id="4" name="Espaço Reservado para Conteúdo 3"/>
+          <p:cNvGraphicFramePr>
+            <a:graphicFrameLocks noGrp="1"/>
+          </p:cNvGraphicFramePr>
           <p:nvPr>
             <p:ph idx="1"/>
           </p:nvPr>
-        </p:nvSpPr>
-        <p:spPr/>
-        <p:txBody>
-          <a:bodyPr/>
-          <a:lstStyle/>
-          <a:p>
-            <a:endParaRPr lang="pt-BR"/>
-          </a:p>
-        </p:txBody>
-      </p:sp>
+        </p:nvGraphicFramePr>
+        <p:xfrm>
+          <a:off x="304800" y="1554163"/>
+          <a:ext cx="8686800" cy="4525962"/>
+        </p:xfrm>
+        <a:graphic>
+          <a:graphicData uri="http://schemas.openxmlformats.org/drawingml/2006/diagram">
+            <dgm:relIds xmlns:dgm="http://schemas.openxmlformats.org/drawingml/2006/diagram" xmlns:r="http://schemas.openxmlformats.org/officeDocument/2006/relationships" r:dm="rId2" r:lo="rId3" r:qs="rId4" r:cs="rId5"/>
+          </a:graphicData>
+        </a:graphic>
+      </p:graphicFrame>
     </p:spTree>
   </p:cSld>
   <p:clrMapOvr>

--- a/SAS/Planejamento/Docs/Apresentação do projeto.pptx
+++ b/SAS/Planejamento/Docs/Apresentação do projeto.pptx
@@ -9,6 +9,7 @@
     <p:sldId id="257" r:id="rId3"/>
     <p:sldId id="258" r:id="rId4"/>
     <p:sldId id="260" r:id="rId5"/>
+    <p:sldId id="261" r:id="rId6"/>
   </p:sldIdLst>
   <p:sldSz cx="9144000" cy="6858000" type="screen4x3"/>
   <p:notesSz cx="6858000" cy="9144000"/>
@@ -1668,7 +1669,7 @@
 <dgm:dataModel xmlns:dgm="http://schemas.openxmlformats.org/drawingml/2006/diagram" xmlns:a="http://schemas.openxmlformats.org/drawingml/2006/main">
   <dgm:ptLst>
     <dgm:pt modelId="{739AC528-84CD-4C4C-9AAA-944987E13663}" type="doc">
-      <dgm:prSet loTypeId="urn:microsoft.com/office/officeart/2005/8/layout/list1" loCatId="list" qsTypeId="urn:microsoft.com/office/officeart/2005/8/quickstyle/simple1" qsCatId="simple" csTypeId="urn:microsoft.com/office/officeart/2005/8/colors/accent1_2" csCatId="accent1" phldr="1"/>
+      <dgm:prSet loTypeId="urn:microsoft.com/office/officeart/2005/8/layout/list1" loCatId="list" qsTypeId="urn:microsoft.com/office/officeart/2005/8/quickstyle/3d1" qsCatId="3D" csTypeId="urn:microsoft.com/office/officeart/2005/8/colors/accent1_2" csCatId="accent1" phldr="1"/>
       <dgm:spPr/>
       <dgm:t>
         <a:bodyPr/>
@@ -1686,10 +1687,18 @@
         <a:lstStyle/>
         <a:p>
           <a:r>
-            <a:rPr lang="pt-BR" dirty="0" smtClean="0"/>
+            <a:rPr lang="pt-BR" b="1" dirty="0" smtClean="0">
+              <a:solidFill>
+                <a:srgbClr val="7030A0"/>
+              </a:solidFill>
+            </a:rPr>
             <a:t>Dinamização de registro de atividades</a:t>
           </a:r>
-          <a:endParaRPr lang="pt-BR" dirty="0"/>
+          <a:endParaRPr lang="pt-BR" b="1" dirty="0">
+            <a:solidFill>
+              <a:srgbClr val="7030A0"/>
+            </a:solidFill>
+          </a:endParaRPr>
         </a:p>
       </dgm:t>
     </dgm:pt>
@@ -1723,10 +1732,18 @@
         <a:lstStyle/>
         <a:p>
           <a:r>
-            <a:rPr lang="pt-BR" dirty="0" smtClean="0"/>
+            <a:rPr lang="pt-BR" b="1" dirty="0" smtClean="0">
+              <a:solidFill>
+                <a:srgbClr val="7030A0"/>
+              </a:solidFill>
+            </a:rPr>
             <a:t> Acesso web em dispositivos moveis</a:t>
           </a:r>
-          <a:endParaRPr lang="pt-BR" dirty="0"/>
+          <a:endParaRPr lang="pt-BR" b="1" dirty="0">
+            <a:solidFill>
+              <a:srgbClr val="7030A0"/>
+            </a:solidFill>
+          </a:endParaRPr>
         </a:p>
       </dgm:t>
     </dgm:pt>
@@ -1760,10 +1777,18 @@
         <a:lstStyle/>
         <a:p>
           <a:r>
-            <a:rPr lang="pt-BR" dirty="0" smtClean="0"/>
+            <a:rPr lang="pt-BR" b="1" dirty="0" smtClean="0">
+              <a:solidFill>
+                <a:srgbClr val="7030A0"/>
+              </a:solidFill>
+            </a:rPr>
             <a:t>Trabalho em grupo em ambiente multiusuário</a:t>
           </a:r>
-          <a:endParaRPr lang="pt-BR" dirty="0"/>
+          <a:endParaRPr lang="pt-BR" b="1" dirty="0">
+            <a:solidFill>
+              <a:srgbClr val="7030A0"/>
+            </a:solidFill>
+          </a:endParaRPr>
         </a:p>
       </dgm:t>
     </dgm:pt>
@@ -1797,10 +1822,18 @@
         <a:lstStyle/>
         <a:p>
           <a:r>
-            <a:rPr lang="pt-BR" dirty="0" smtClean="0"/>
+            <a:rPr lang="pt-BR" b="1" dirty="0" smtClean="0">
+              <a:solidFill>
+                <a:srgbClr val="7030A0"/>
+              </a:solidFill>
+            </a:rPr>
             <a:t>Controles de acadêmicos </a:t>
           </a:r>
-          <a:endParaRPr lang="pt-BR" dirty="0"/>
+          <a:endParaRPr lang="pt-BR" b="1" dirty="0">
+            <a:solidFill>
+              <a:srgbClr val="7030A0"/>
+            </a:solidFill>
+          </a:endParaRPr>
         </a:p>
       </dgm:t>
     </dgm:pt>
@@ -1834,10 +1867,18 @@
         <a:lstStyle/>
         <a:p>
           <a:r>
-            <a:rPr lang="pt-BR" dirty="0" smtClean="0"/>
+            <a:rPr lang="pt-BR" b="1" dirty="0" smtClean="0">
+              <a:solidFill>
+                <a:srgbClr val="7030A0"/>
+              </a:solidFill>
+            </a:rPr>
             <a:t>Controles financeiros</a:t>
           </a:r>
-          <a:endParaRPr lang="pt-BR" dirty="0"/>
+          <a:endParaRPr lang="pt-BR" b="1" dirty="0">
+            <a:solidFill>
+              <a:srgbClr val="7030A0"/>
+            </a:solidFill>
+          </a:endParaRPr>
         </a:p>
       </dgm:t>
     </dgm:pt>
@@ -1871,10 +1912,18 @@
         <a:lstStyle/>
         <a:p>
           <a:r>
-            <a:rPr lang="pt-BR" dirty="0" smtClean="0"/>
+            <a:rPr lang="pt-BR" b="1" dirty="0" smtClean="0">
+              <a:solidFill>
+                <a:srgbClr val="7030A0"/>
+              </a:solidFill>
+            </a:rPr>
             <a:t>Controle de contas a pagar</a:t>
           </a:r>
-          <a:endParaRPr lang="pt-BR" dirty="0"/>
+          <a:endParaRPr lang="pt-BR" b="1" dirty="0">
+            <a:solidFill>
+              <a:srgbClr val="7030A0"/>
+            </a:solidFill>
+          </a:endParaRPr>
         </a:p>
       </dgm:t>
     </dgm:pt>
@@ -1909,14 +1958,35 @@
         </dgm:presLayoutVars>
       </dgm:prSet>
       <dgm:spPr/>
+      <dgm:t>
+        <a:bodyPr/>
+        <a:lstStyle/>
+        <a:p>
+          <a:endParaRPr lang="pt-BR"/>
+        </a:p>
+      </dgm:t>
     </dgm:pt>
     <dgm:pt modelId="{B34D6D7E-5F2E-4AC9-BD73-0DDE9F8BB618}" type="pres">
       <dgm:prSet presAssocID="{64726959-BFCF-468E-8583-201CF07ACAB4}" presName="parentLin" presStyleCnt="0"/>
       <dgm:spPr/>
+      <dgm:t>
+        <a:bodyPr/>
+        <a:lstStyle/>
+        <a:p>
+          <a:endParaRPr lang="pt-BR"/>
+        </a:p>
+      </dgm:t>
     </dgm:pt>
     <dgm:pt modelId="{5CF09D25-445D-4024-9E09-27B9086F12C2}" type="pres">
       <dgm:prSet presAssocID="{64726959-BFCF-468E-8583-201CF07ACAB4}" presName="parentLeftMargin" presStyleLbl="node1" presStyleIdx="0" presStyleCnt="6"/>
       <dgm:spPr/>
+      <dgm:t>
+        <a:bodyPr/>
+        <a:lstStyle/>
+        <a:p>
+          <a:endParaRPr lang="pt-BR"/>
+        </a:p>
+      </dgm:t>
     </dgm:pt>
     <dgm:pt modelId="{B171C0C5-1265-474F-9A24-5267C4DEA6BB}" type="pres">
       <dgm:prSet presAssocID="{64726959-BFCF-468E-8583-201CF07ACAB4}" presName="parentText" presStyleLbl="node1" presStyleIdx="0" presStyleCnt="6">
@@ -1937,6 +2007,13 @@
     <dgm:pt modelId="{7AD01FD0-F69D-4BCE-A896-8ABB35BAACA9}" type="pres">
       <dgm:prSet presAssocID="{64726959-BFCF-468E-8583-201CF07ACAB4}" presName="negativeSpace" presStyleCnt="0"/>
       <dgm:spPr/>
+      <dgm:t>
+        <a:bodyPr/>
+        <a:lstStyle/>
+        <a:p>
+          <a:endParaRPr lang="pt-BR"/>
+        </a:p>
+      </dgm:t>
     </dgm:pt>
     <dgm:pt modelId="{AA8514B8-7EBB-4287-ACDB-81BB8EE3A65E}" type="pres">
       <dgm:prSet presAssocID="{64726959-BFCF-468E-8583-201CF07ACAB4}" presName="childText" presStyleLbl="conFgAcc1" presStyleIdx="0" presStyleCnt="6">
@@ -1945,18 +2022,46 @@
         </dgm:presLayoutVars>
       </dgm:prSet>
       <dgm:spPr/>
+      <dgm:t>
+        <a:bodyPr/>
+        <a:lstStyle/>
+        <a:p>
+          <a:endParaRPr lang="pt-BR"/>
+        </a:p>
+      </dgm:t>
     </dgm:pt>
     <dgm:pt modelId="{5F326BF0-420D-4866-A2BD-614369AB09BD}" type="pres">
       <dgm:prSet presAssocID="{8835803B-4868-4BFF-8B3A-814A6D4954C8}" presName="spaceBetweenRectangles" presStyleCnt="0"/>
       <dgm:spPr/>
+      <dgm:t>
+        <a:bodyPr/>
+        <a:lstStyle/>
+        <a:p>
+          <a:endParaRPr lang="pt-BR"/>
+        </a:p>
+      </dgm:t>
     </dgm:pt>
     <dgm:pt modelId="{170F142A-5E5C-46E4-829F-5448D761498F}" type="pres">
       <dgm:prSet presAssocID="{EBE94DE7-18A9-4985-A440-D262D93A6316}" presName="parentLin" presStyleCnt="0"/>
       <dgm:spPr/>
+      <dgm:t>
+        <a:bodyPr/>
+        <a:lstStyle/>
+        <a:p>
+          <a:endParaRPr lang="pt-BR"/>
+        </a:p>
+      </dgm:t>
     </dgm:pt>
     <dgm:pt modelId="{62A2C154-6AB5-4321-A742-C06A0E020873}" type="pres">
       <dgm:prSet presAssocID="{EBE94DE7-18A9-4985-A440-D262D93A6316}" presName="parentLeftMargin" presStyleLbl="node1" presStyleIdx="0" presStyleCnt="6"/>
       <dgm:spPr/>
+      <dgm:t>
+        <a:bodyPr/>
+        <a:lstStyle/>
+        <a:p>
+          <a:endParaRPr lang="pt-BR"/>
+        </a:p>
+      </dgm:t>
     </dgm:pt>
     <dgm:pt modelId="{9939078C-FCDB-4354-9260-A7140D211969}" type="pres">
       <dgm:prSet presAssocID="{EBE94DE7-18A9-4985-A440-D262D93A6316}" presName="parentText" presStyleLbl="node1" presStyleIdx="1" presStyleCnt="6">
@@ -1977,6 +2082,13 @@
     <dgm:pt modelId="{6402AF25-A1ED-4143-822D-2DE397E15ECF}" type="pres">
       <dgm:prSet presAssocID="{EBE94DE7-18A9-4985-A440-D262D93A6316}" presName="negativeSpace" presStyleCnt="0"/>
       <dgm:spPr/>
+      <dgm:t>
+        <a:bodyPr/>
+        <a:lstStyle/>
+        <a:p>
+          <a:endParaRPr lang="pt-BR"/>
+        </a:p>
+      </dgm:t>
     </dgm:pt>
     <dgm:pt modelId="{122429B3-75B2-4400-B819-CC67C8478699}" type="pres">
       <dgm:prSet presAssocID="{EBE94DE7-18A9-4985-A440-D262D93A6316}" presName="childText" presStyleLbl="conFgAcc1" presStyleIdx="1" presStyleCnt="6">
@@ -1985,18 +2097,46 @@
         </dgm:presLayoutVars>
       </dgm:prSet>
       <dgm:spPr/>
+      <dgm:t>
+        <a:bodyPr/>
+        <a:lstStyle/>
+        <a:p>
+          <a:endParaRPr lang="pt-BR"/>
+        </a:p>
+      </dgm:t>
     </dgm:pt>
     <dgm:pt modelId="{32DA1C74-5B5F-427E-8C8D-CACF3F061A44}" type="pres">
       <dgm:prSet presAssocID="{11D717CD-56AA-45FC-9323-4DF14FDC4A6F}" presName="spaceBetweenRectangles" presStyleCnt="0"/>
       <dgm:spPr/>
+      <dgm:t>
+        <a:bodyPr/>
+        <a:lstStyle/>
+        <a:p>
+          <a:endParaRPr lang="pt-BR"/>
+        </a:p>
+      </dgm:t>
     </dgm:pt>
     <dgm:pt modelId="{849981CC-C8B4-4BA1-B450-ED50D8A4886D}" type="pres">
       <dgm:prSet presAssocID="{22558875-04DE-48A8-8D08-7DF713D16D36}" presName="parentLin" presStyleCnt="0"/>
       <dgm:spPr/>
+      <dgm:t>
+        <a:bodyPr/>
+        <a:lstStyle/>
+        <a:p>
+          <a:endParaRPr lang="pt-BR"/>
+        </a:p>
+      </dgm:t>
     </dgm:pt>
     <dgm:pt modelId="{7CCD4125-60BB-4322-B726-7F91B5CDFF30}" type="pres">
       <dgm:prSet presAssocID="{22558875-04DE-48A8-8D08-7DF713D16D36}" presName="parentLeftMargin" presStyleLbl="node1" presStyleIdx="1" presStyleCnt="6"/>
       <dgm:spPr/>
+      <dgm:t>
+        <a:bodyPr/>
+        <a:lstStyle/>
+        <a:p>
+          <a:endParaRPr lang="pt-BR"/>
+        </a:p>
+      </dgm:t>
     </dgm:pt>
     <dgm:pt modelId="{D78DBF14-3A29-4E42-B56E-7380E92A6552}" type="pres">
       <dgm:prSet presAssocID="{22558875-04DE-48A8-8D08-7DF713D16D36}" presName="parentText" presStyleLbl="node1" presStyleIdx="2" presStyleCnt="6">
@@ -2017,6 +2157,13 @@
     <dgm:pt modelId="{91B10306-6E6E-43CB-B07F-95D2F566D304}" type="pres">
       <dgm:prSet presAssocID="{22558875-04DE-48A8-8D08-7DF713D16D36}" presName="negativeSpace" presStyleCnt="0"/>
       <dgm:spPr/>
+      <dgm:t>
+        <a:bodyPr/>
+        <a:lstStyle/>
+        <a:p>
+          <a:endParaRPr lang="pt-BR"/>
+        </a:p>
+      </dgm:t>
     </dgm:pt>
     <dgm:pt modelId="{06A3C85D-CDEB-4A13-9986-AD53F22D8EA9}" type="pres">
       <dgm:prSet presAssocID="{22558875-04DE-48A8-8D08-7DF713D16D36}" presName="childText" presStyleLbl="conFgAcc1" presStyleIdx="2" presStyleCnt="6">
@@ -2025,18 +2172,46 @@
         </dgm:presLayoutVars>
       </dgm:prSet>
       <dgm:spPr/>
+      <dgm:t>
+        <a:bodyPr/>
+        <a:lstStyle/>
+        <a:p>
+          <a:endParaRPr lang="pt-BR"/>
+        </a:p>
+      </dgm:t>
     </dgm:pt>
     <dgm:pt modelId="{80A60F21-F2F5-418D-853F-D7EBBA576D8F}" type="pres">
       <dgm:prSet presAssocID="{6C26663C-5E0F-469C-A84B-4E7D60C2ACED}" presName="spaceBetweenRectangles" presStyleCnt="0"/>
       <dgm:spPr/>
+      <dgm:t>
+        <a:bodyPr/>
+        <a:lstStyle/>
+        <a:p>
+          <a:endParaRPr lang="pt-BR"/>
+        </a:p>
+      </dgm:t>
     </dgm:pt>
     <dgm:pt modelId="{A9AF5B02-C771-4CE1-AF38-8D7E7F443749}" type="pres">
       <dgm:prSet presAssocID="{C0424938-EAAD-4AFD-89AA-F9DAA339B8CE}" presName="parentLin" presStyleCnt="0"/>
       <dgm:spPr/>
+      <dgm:t>
+        <a:bodyPr/>
+        <a:lstStyle/>
+        <a:p>
+          <a:endParaRPr lang="pt-BR"/>
+        </a:p>
+      </dgm:t>
     </dgm:pt>
     <dgm:pt modelId="{3572EF4A-4D38-4BBD-9DE4-D188D70E2CAD}" type="pres">
       <dgm:prSet presAssocID="{C0424938-EAAD-4AFD-89AA-F9DAA339B8CE}" presName="parentLeftMargin" presStyleLbl="node1" presStyleIdx="2" presStyleCnt="6"/>
       <dgm:spPr/>
+      <dgm:t>
+        <a:bodyPr/>
+        <a:lstStyle/>
+        <a:p>
+          <a:endParaRPr lang="pt-BR"/>
+        </a:p>
+      </dgm:t>
     </dgm:pt>
     <dgm:pt modelId="{6C17C5F1-150A-491F-92CE-A1BE931BB55D}" type="pres">
       <dgm:prSet presAssocID="{C0424938-EAAD-4AFD-89AA-F9DAA339B8CE}" presName="parentText" presStyleLbl="node1" presStyleIdx="3" presStyleCnt="6">
@@ -2057,6 +2232,13 @@
     <dgm:pt modelId="{D97F3F94-0B46-4D37-A8E1-1DAC68B681CD}" type="pres">
       <dgm:prSet presAssocID="{C0424938-EAAD-4AFD-89AA-F9DAA339B8CE}" presName="negativeSpace" presStyleCnt="0"/>
       <dgm:spPr/>
+      <dgm:t>
+        <a:bodyPr/>
+        <a:lstStyle/>
+        <a:p>
+          <a:endParaRPr lang="pt-BR"/>
+        </a:p>
+      </dgm:t>
     </dgm:pt>
     <dgm:pt modelId="{BC58E8B0-740A-43C6-B230-1401E78D7A5B}" type="pres">
       <dgm:prSet presAssocID="{C0424938-EAAD-4AFD-89AA-F9DAA339B8CE}" presName="childText" presStyleLbl="conFgAcc1" presStyleIdx="3" presStyleCnt="6">
@@ -2065,18 +2247,46 @@
         </dgm:presLayoutVars>
       </dgm:prSet>
       <dgm:spPr/>
+      <dgm:t>
+        <a:bodyPr/>
+        <a:lstStyle/>
+        <a:p>
+          <a:endParaRPr lang="pt-BR"/>
+        </a:p>
+      </dgm:t>
     </dgm:pt>
     <dgm:pt modelId="{61A1A8FC-AD23-4E2F-A533-544CD04D1CA9}" type="pres">
       <dgm:prSet presAssocID="{EBF62A40-6125-4DD5-8EDA-1F45E06B9030}" presName="spaceBetweenRectangles" presStyleCnt="0"/>
       <dgm:spPr/>
+      <dgm:t>
+        <a:bodyPr/>
+        <a:lstStyle/>
+        <a:p>
+          <a:endParaRPr lang="pt-BR"/>
+        </a:p>
+      </dgm:t>
     </dgm:pt>
     <dgm:pt modelId="{74BE06AF-D1B6-41E2-B7D7-F20A5E34FB20}" type="pres">
       <dgm:prSet presAssocID="{B682214D-3E19-400B-B148-C04F02C27327}" presName="parentLin" presStyleCnt="0"/>
       <dgm:spPr/>
+      <dgm:t>
+        <a:bodyPr/>
+        <a:lstStyle/>
+        <a:p>
+          <a:endParaRPr lang="pt-BR"/>
+        </a:p>
+      </dgm:t>
     </dgm:pt>
     <dgm:pt modelId="{846A3F17-1641-4BB9-AC38-13C0E8AB7383}" type="pres">
       <dgm:prSet presAssocID="{B682214D-3E19-400B-B148-C04F02C27327}" presName="parentLeftMargin" presStyleLbl="node1" presStyleIdx="3" presStyleCnt="6"/>
       <dgm:spPr/>
+      <dgm:t>
+        <a:bodyPr/>
+        <a:lstStyle/>
+        <a:p>
+          <a:endParaRPr lang="pt-BR"/>
+        </a:p>
+      </dgm:t>
     </dgm:pt>
     <dgm:pt modelId="{231A70AB-9760-4FFF-B875-5D31C52D60AE}" type="pres">
       <dgm:prSet presAssocID="{B682214D-3E19-400B-B148-C04F02C27327}" presName="parentText" presStyleLbl="node1" presStyleIdx="4" presStyleCnt="6">
@@ -2097,6 +2307,13 @@
     <dgm:pt modelId="{8C9EB15F-97BA-48C2-B233-1F99DD2283F3}" type="pres">
       <dgm:prSet presAssocID="{B682214D-3E19-400B-B148-C04F02C27327}" presName="negativeSpace" presStyleCnt="0"/>
       <dgm:spPr/>
+      <dgm:t>
+        <a:bodyPr/>
+        <a:lstStyle/>
+        <a:p>
+          <a:endParaRPr lang="pt-BR"/>
+        </a:p>
+      </dgm:t>
     </dgm:pt>
     <dgm:pt modelId="{7D8B9C6D-02C3-420B-906C-B43C36EE3306}" type="pres">
       <dgm:prSet presAssocID="{B682214D-3E19-400B-B148-C04F02C27327}" presName="childText" presStyleLbl="conFgAcc1" presStyleIdx="4" presStyleCnt="6">
@@ -2105,18 +2322,46 @@
         </dgm:presLayoutVars>
       </dgm:prSet>
       <dgm:spPr/>
+      <dgm:t>
+        <a:bodyPr/>
+        <a:lstStyle/>
+        <a:p>
+          <a:endParaRPr lang="pt-BR"/>
+        </a:p>
+      </dgm:t>
     </dgm:pt>
     <dgm:pt modelId="{27077A43-AF2C-4BB7-B135-57882141D0A7}" type="pres">
       <dgm:prSet presAssocID="{4037F445-FC2C-47AE-89AE-E418F2282E02}" presName="spaceBetweenRectangles" presStyleCnt="0"/>
       <dgm:spPr/>
+      <dgm:t>
+        <a:bodyPr/>
+        <a:lstStyle/>
+        <a:p>
+          <a:endParaRPr lang="pt-BR"/>
+        </a:p>
+      </dgm:t>
     </dgm:pt>
     <dgm:pt modelId="{211C6EE7-56DB-4520-8C76-4F6B73CA2F85}" type="pres">
       <dgm:prSet presAssocID="{34E518D1-49BF-45FE-BD69-68CCC11C553D}" presName="parentLin" presStyleCnt="0"/>
       <dgm:spPr/>
+      <dgm:t>
+        <a:bodyPr/>
+        <a:lstStyle/>
+        <a:p>
+          <a:endParaRPr lang="pt-BR"/>
+        </a:p>
+      </dgm:t>
     </dgm:pt>
     <dgm:pt modelId="{390F44BF-71AC-4D9F-BF5E-075FA28FE010}" type="pres">
       <dgm:prSet presAssocID="{34E518D1-49BF-45FE-BD69-68CCC11C553D}" presName="parentLeftMargin" presStyleLbl="node1" presStyleIdx="4" presStyleCnt="6"/>
       <dgm:spPr/>
+      <dgm:t>
+        <a:bodyPr/>
+        <a:lstStyle/>
+        <a:p>
+          <a:endParaRPr lang="pt-BR"/>
+        </a:p>
+      </dgm:t>
     </dgm:pt>
     <dgm:pt modelId="{029B9D8C-4A77-4645-9520-CB1F079C0081}" type="pres">
       <dgm:prSet presAssocID="{34E518D1-49BF-45FE-BD69-68CCC11C553D}" presName="parentText" presStyleLbl="node1" presStyleIdx="5" presStyleCnt="6">
@@ -2137,6 +2382,13 @@
     <dgm:pt modelId="{B327A79A-4795-4643-80F9-37F2D55457DE}" type="pres">
       <dgm:prSet presAssocID="{34E518D1-49BF-45FE-BD69-68CCC11C553D}" presName="negativeSpace" presStyleCnt="0"/>
       <dgm:spPr/>
+      <dgm:t>
+        <a:bodyPr/>
+        <a:lstStyle/>
+        <a:p>
+          <a:endParaRPr lang="pt-BR"/>
+        </a:p>
+      </dgm:t>
     </dgm:pt>
     <dgm:pt modelId="{338DDB9A-A6BB-4D1C-8303-E07E7D076CB7}" type="pres">
       <dgm:prSet presAssocID="{34E518D1-49BF-45FE-BD69-68CCC11C553D}" presName="childText" presStyleLbl="conFgAcc1" presStyleIdx="5" presStyleCnt="6">
@@ -2145,6 +2397,13 @@
         </dgm:presLayoutVars>
       </dgm:prSet>
       <dgm:spPr/>
+      <dgm:t>
+        <a:bodyPr/>
+        <a:lstStyle/>
+        <a:p>
+          <a:endParaRPr lang="pt-BR"/>
+        </a:p>
+      </dgm:t>
     </dgm:pt>
   </dgm:ptLst>
   <dgm:cxnLst>
@@ -2250,14 +2509,14 @@
         <a:lstStyle/>
         <a:p>
           <a:r>
-            <a:rPr lang="pt-BR" sz="2000" b="1" dirty="0" smtClean="0">
+            <a:rPr lang="pt-BR" sz="1600" b="1" dirty="0" smtClean="0">
               <a:solidFill>
                 <a:srgbClr val="0070C0"/>
               </a:solidFill>
             </a:rPr>
             <a:t>Base de dados </a:t>
           </a:r>
-          <a:endParaRPr lang="pt-BR" sz="2000" b="1" dirty="0">
+          <a:endParaRPr lang="pt-BR" sz="1600" b="1" dirty="0">
             <a:solidFill>
               <a:srgbClr val="0070C0"/>
             </a:solidFill>
@@ -2310,14 +2569,14 @@
         <a:lstStyle/>
         <a:p>
           <a:r>
-            <a:rPr lang="pt-BR" sz="2000" b="1" dirty="0" smtClean="0">
+            <a:rPr lang="pt-BR" sz="1600" b="1" dirty="0" smtClean="0">
               <a:solidFill>
                 <a:srgbClr val="0070C0"/>
               </a:solidFill>
             </a:rPr>
             <a:t>Aplicação</a:t>
           </a:r>
-          <a:endParaRPr lang="pt-BR" sz="2000" b="1" dirty="0">
+          <a:endParaRPr lang="pt-BR" sz="1600" b="1" dirty="0">
             <a:solidFill>
               <a:srgbClr val="0070C0"/>
             </a:solidFill>
@@ -2370,14 +2629,14 @@
         <a:lstStyle/>
         <a:p>
           <a:r>
-            <a:rPr lang="pt-BR" sz="2000" b="1" dirty="0" smtClean="0">
+            <a:rPr lang="pt-BR" sz="1600" b="1" dirty="0" smtClean="0">
               <a:solidFill>
                 <a:srgbClr val="0070C0"/>
               </a:solidFill>
             </a:rPr>
             <a:t>Usuário</a:t>
           </a:r>
-          <a:endParaRPr lang="pt-BR" sz="2000" b="1" dirty="0">
+          <a:endParaRPr lang="pt-BR" sz="1600" b="1" dirty="0">
             <a:solidFill>
               <a:srgbClr val="0070C0"/>
             </a:solidFill>
@@ -2407,31 +2666,24 @@
         </a:p>
       </dgm:t>
     </dgm:pt>
-    <dgm:pt modelId="{3608A19D-5895-4CCB-AE7C-602B7B47F013}">
+    <dgm:pt modelId="{2F3DF7DE-E5C9-4440-80D1-538313244BE6}">
       <dgm:prSet phldrT="[Texto]" custT="1">
         <dgm:style>
-          <a:lnRef idx="1">
-            <a:schemeClr val="accent4"/>
+          <a:lnRef idx="0">
+            <a:schemeClr val="accent6"/>
           </a:lnRef>
           <a:fillRef idx="3">
-            <a:schemeClr val="accent4"/>
+            <a:schemeClr val="accent6"/>
           </a:fillRef>
-          <a:effectRef idx="2">
-            <a:schemeClr val="accent4"/>
+          <a:effectRef idx="3">
+            <a:schemeClr val="accent6"/>
           </a:effectRef>
           <a:fontRef idx="minor">
             <a:schemeClr val="lt1"/>
           </a:fontRef>
         </dgm:style>
       </dgm:prSet>
-      <dgm:spPr>
-        <a:solidFill>
-          <a:srgbClr val="C00000"/>
-        </a:solidFill>
-        <a:effectLst>
-          <a:reflection blurRad="6350" stA="52000" endA="300" endPos="35000" dir="5400000" sy="-100000" algn="bl" rotWithShape="0"/>
-        </a:effectLst>
-      </dgm:spPr>
+      <dgm:spPr/>
       <dgm:t>
         <a:bodyPr/>
         <a:lstStyle/>
@@ -2439,213 +2691,17 @@
           <a:r>
             <a:rPr lang="pt-BR" sz="1600" b="1" dirty="0" smtClean="0">
               <a:solidFill>
-                <a:schemeClr val="accent6">
-                  <a:lumMod val="60000"/>
-                  <a:lumOff val="40000"/>
+                <a:schemeClr val="bg1">
+                  <a:lumMod val="85000"/>
                 </a:schemeClr>
               </a:solidFill>
             </a:rPr>
-            <a:t>Ambiente de servidor</a:t>
+            <a:t>Processa de solicitações de usuário</a:t>
           </a:r>
           <a:endParaRPr lang="pt-BR" sz="1600" b="1" dirty="0">
             <a:solidFill>
-              <a:schemeClr val="accent6">
-                <a:lumMod val="60000"/>
-                <a:lumOff val="40000"/>
-              </a:schemeClr>
-            </a:solidFill>
-          </a:endParaRPr>
-        </a:p>
-      </dgm:t>
-    </dgm:pt>
-    <dgm:pt modelId="{F6ED7F5C-3473-4CB6-A854-8AAB4553A7BF}" type="parTrans" cxnId="{84076030-E45A-4466-9EAA-5CA3C5F3D1A7}">
-      <dgm:prSet/>
-      <dgm:spPr/>
-      <dgm:t>
-        <a:bodyPr/>
-        <a:lstStyle/>
-        <a:p>
-          <a:endParaRPr lang="pt-BR"/>
-        </a:p>
-      </dgm:t>
-    </dgm:pt>
-    <dgm:pt modelId="{B8867D9A-5291-4E44-8E27-7C2CE1750192}" type="sibTrans" cxnId="{84076030-E45A-4466-9EAA-5CA3C5F3D1A7}">
-      <dgm:prSet/>
-      <dgm:spPr/>
-      <dgm:t>
-        <a:bodyPr/>
-        <a:lstStyle/>
-        <a:p>
-          <a:endParaRPr lang="pt-BR"/>
-        </a:p>
-      </dgm:t>
-    </dgm:pt>
-    <dgm:pt modelId="{17C36E47-B60A-48AF-9203-3A426FDDC061}">
-      <dgm:prSet phldrT="[Texto]" custT="1">
-        <dgm:style>
-          <a:lnRef idx="1">
-            <a:schemeClr val="accent4"/>
-          </a:lnRef>
-          <a:fillRef idx="3">
-            <a:schemeClr val="accent4"/>
-          </a:fillRef>
-          <a:effectRef idx="2">
-            <a:schemeClr val="accent4"/>
-          </a:effectRef>
-          <a:fontRef idx="minor">
-            <a:schemeClr val="lt1"/>
-          </a:fontRef>
-        </dgm:style>
-      </dgm:prSet>
-      <dgm:spPr>
-        <a:solidFill>
-          <a:srgbClr val="C00000"/>
-        </a:solidFill>
-        <a:effectLst>
-          <a:reflection blurRad="6350" stA="52000" endA="300" endPos="35000" dir="5400000" sy="-100000" algn="bl" rotWithShape="0"/>
-        </a:effectLst>
-      </dgm:spPr>
-      <dgm:t>
-        <a:bodyPr/>
-        <a:lstStyle/>
-        <a:p>
-          <a:r>
-            <a:rPr lang="pt-BR" sz="1600" b="1" dirty="0" smtClean="0">
-              <a:solidFill>
-                <a:schemeClr val="accent6">
-                  <a:lumMod val="60000"/>
-                  <a:lumOff val="40000"/>
-                </a:schemeClr>
-              </a:solidFill>
-            </a:rPr>
-            <a:t>Processamento de solicitações de usuários</a:t>
-          </a:r>
-          <a:endParaRPr lang="pt-BR" sz="1600" b="1" dirty="0">
-            <a:solidFill>
-              <a:schemeClr val="accent6">
-                <a:lumMod val="60000"/>
-                <a:lumOff val="40000"/>
-              </a:schemeClr>
-            </a:solidFill>
-          </a:endParaRPr>
-        </a:p>
-      </dgm:t>
-    </dgm:pt>
-    <dgm:pt modelId="{5D184643-6CAF-4BEF-9B8E-9CEF559E3FA0}" type="parTrans" cxnId="{389F34DF-E799-4B31-BA52-DA4BE4D473D3}">
-      <dgm:prSet/>
-      <dgm:spPr/>
-      <dgm:t>
-        <a:bodyPr/>
-        <a:lstStyle/>
-        <a:p>
-          <a:endParaRPr lang="pt-BR"/>
-        </a:p>
-      </dgm:t>
-    </dgm:pt>
-    <dgm:pt modelId="{D9FFAE66-B2AA-420E-97F1-1E782654582A}" type="sibTrans" cxnId="{389F34DF-E799-4B31-BA52-DA4BE4D473D3}">
-      <dgm:prSet/>
-      <dgm:spPr/>
-      <dgm:t>
-        <a:bodyPr/>
-        <a:lstStyle/>
-        <a:p>
-          <a:endParaRPr lang="pt-BR"/>
-        </a:p>
-      </dgm:t>
-    </dgm:pt>
-    <dgm:pt modelId="{2D163772-13E5-4074-928D-7A5A7DBF63A5}">
-      <dgm:prSet phldrT="[Texto]" custT="1">
-        <dgm:style>
-          <a:lnRef idx="1">
-            <a:schemeClr val="accent4"/>
-          </a:lnRef>
-          <a:fillRef idx="3">
-            <a:schemeClr val="accent4"/>
-          </a:fillRef>
-          <a:effectRef idx="2">
-            <a:schemeClr val="accent4"/>
-          </a:effectRef>
-          <a:fontRef idx="minor">
-            <a:schemeClr val="lt1"/>
-          </a:fontRef>
-        </dgm:style>
-      </dgm:prSet>
-      <dgm:spPr>
-        <a:solidFill>
-          <a:srgbClr val="C00000"/>
-        </a:solidFill>
-        <a:effectLst>
-          <a:reflection blurRad="6350" stA="52000" endA="300" endPos="35000" dir="5400000" sy="-100000" algn="bl" rotWithShape="0"/>
-        </a:effectLst>
-      </dgm:spPr>
-      <dgm:t>
-        <a:bodyPr/>
-        <a:lstStyle/>
-        <a:p>
-          <a:endParaRPr lang="pt-BR" sz="1600" b="1" dirty="0">
-            <a:solidFill>
-              <a:srgbClr val="0070C0"/>
-            </a:solidFill>
-          </a:endParaRPr>
-        </a:p>
-      </dgm:t>
-    </dgm:pt>
-    <dgm:pt modelId="{757ACCF4-9AEE-4064-80DF-9850B6B60C93}" type="parTrans" cxnId="{DE132E6E-2775-4267-BE23-76DFED146DF3}">
-      <dgm:prSet/>
-      <dgm:spPr/>
-      <dgm:t>
-        <a:bodyPr/>
-        <a:lstStyle/>
-        <a:p>
-          <a:endParaRPr lang="pt-BR"/>
-        </a:p>
-      </dgm:t>
-    </dgm:pt>
-    <dgm:pt modelId="{EADCE4D3-E256-4844-B0A4-83F42236A03B}" type="sibTrans" cxnId="{DE132E6E-2775-4267-BE23-76DFED146DF3}">
-      <dgm:prSet/>
-      <dgm:spPr/>
-      <dgm:t>
-        <a:bodyPr/>
-        <a:lstStyle/>
-        <a:p>
-          <a:endParaRPr lang="pt-BR"/>
-        </a:p>
-      </dgm:t>
-    </dgm:pt>
-    <dgm:pt modelId="{2F3DF7DE-E5C9-4440-80D1-538313244BE6}">
-      <dgm:prSet phldrT="[Texto]" custT="1">
-        <dgm:style>
-          <a:lnRef idx="1">
-            <a:schemeClr val="accent4"/>
-          </a:lnRef>
-          <a:fillRef idx="3">
-            <a:schemeClr val="accent4"/>
-          </a:fillRef>
-          <a:effectRef idx="2">
-            <a:schemeClr val="accent4"/>
-          </a:effectRef>
-          <a:fontRef idx="minor">
-            <a:schemeClr val="lt1"/>
-          </a:fontRef>
-        </dgm:style>
-      </dgm:prSet>
-      <dgm:spPr>
-        <a:solidFill>
-          <a:srgbClr val="C00000"/>
-        </a:solidFill>
-        <a:effectLst>
-          <a:reflection blurRad="6350" stA="52000" endA="300" endPos="35000" dir="5400000" sy="-100000" algn="bl" rotWithShape="0"/>
-        </a:effectLst>
-      </dgm:spPr>
-      <dgm:t>
-        <a:bodyPr/>
-        <a:lstStyle/>
-        <a:p>
-          <a:endParaRPr lang="pt-BR" sz="1600" b="1" dirty="0">
-            <a:solidFill>
-              <a:schemeClr val="accent6">
-                <a:lumMod val="60000"/>
-                <a:lumOff val="40000"/>
+              <a:schemeClr val="bg1">
+                <a:lumMod val="85000"/>
               </a:schemeClr>
             </a:solidFill>
           </a:endParaRPr>
@@ -2674,16 +2730,16 @@
         </a:p>
       </dgm:t>
     </dgm:pt>
-    <dgm:pt modelId="{15C81867-89A5-4131-BC4C-32819ECB9224}">
+    <dgm:pt modelId="{7F7E1F91-F6F4-48A9-B4FA-337B2EBD2C9A}">
       <dgm:prSet phldrT="[Texto]" custT="1">
         <dgm:style>
-          <a:lnRef idx="1">
+          <a:lnRef idx="0">
             <a:schemeClr val="accent6"/>
           </a:lnRef>
           <a:fillRef idx="3">
             <a:schemeClr val="accent6"/>
           </a:fillRef>
-          <a:effectRef idx="2">
+          <a:effectRef idx="3">
             <a:schemeClr val="accent6"/>
           </a:effectRef>
           <a:fontRef idx="minor">
@@ -2691,41 +2747,22 @@
           </a:fontRef>
         </dgm:style>
       </dgm:prSet>
-      <dgm:spPr>
-        <a:solidFill>
-          <a:srgbClr val="C00000"/>
-        </a:solidFill>
-        <a:effectLst>
-          <a:reflection blurRad="6350" stA="52000" endA="300" endPos="35000" dir="5400000" sy="-100000" algn="bl" rotWithShape="0"/>
-        </a:effectLst>
-      </dgm:spPr>
+      <dgm:spPr/>
       <dgm:t>
         <a:bodyPr/>
         <a:lstStyle/>
         <a:p>
-          <a:r>
-            <a:rPr lang="pt-BR" sz="1600" b="1" dirty="0" smtClean="0">
-              <a:solidFill>
-                <a:schemeClr val="accent6">
-                  <a:lumMod val="60000"/>
-                  <a:lumOff val="40000"/>
-                </a:schemeClr>
-              </a:solidFill>
-            </a:rPr>
-            <a:t>Dispositivo de acesso do usuário</a:t>
-          </a:r>
           <a:endParaRPr lang="pt-BR" sz="1600" b="1" dirty="0">
             <a:solidFill>
-              <a:schemeClr val="accent6">
-                <a:lumMod val="60000"/>
-                <a:lumOff val="40000"/>
+              <a:schemeClr val="bg1">
+                <a:lumMod val="85000"/>
               </a:schemeClr>
             </a:solidFill>
           </a:endParaRPr>
         </a:p>
       </dgm:t>
     </dgm:pt>
-    <dgm:pt modelId="{BEAE1DAF-4E1C-4B73-9668-E693D0170F93}" type="parTrans" cxnId="{C423E00E-A025-461E-AC42-F12191D105F6}">
+    <dgm:pt modelId="{0796D45F-4D57-413D-A4BB-33573B2F1CF3}" type="parTrans" cxnId="{5CB851DE-B309-4D32-BF02-58D05478E534}">
       <dgm:prSet/>
       <dgm:spPr/>
       <dgm:t>
@@ -2736,7 +2773,189 @@
         </a:p>
       </dgm:t>
     </dgm:pt>
-    <dgm:pt modelId="{4032F790-153B-41F0-BA2B-917C36EF37DC}" type="sibTrans" cxnId="{C423E00E-A025-461E-AC42-F12191D105F6}">
+    <dgm:pt modelId="{0FC519C8-F4CD-4D2A-B852-2C233866BAF3}" type="sibTrans" cxnId="{5CB851DE-B309-4D32-BF02-58D05478E534}">
+      <dgm:prSet/>
+      <dgm:spPr/>
+      <dgm:t>
+        <a:bodyPr/>
+        <a:lstStyle/>
+        <a:p>
+          <a:endParaRPr lang="pt-BR"/>
+        </a:p>
+      </dgm:t>
+    </dgm:pt>
+    <dgm:pt modelId="{1198010A-7CD9-47DF-8300-D5AB8FDF717B}">
+      <dgm:prSet phldrT="[Texto]" custT="1">
+        <dgm:style>
+          <a:lnRef idx="0">
+            <a:schemeClr val="accent6"/>
+          </a:lnRef>
+          <a:fillRef idx="3">
+            <a:schemeClr val="accent6"/>
+          </a:fillRef>
+          <a:effectRef idx="3">
+            <a:schemeClr val="accent6"/>
+          </a:effectRef>
+          <a:fontRef idx="minor">
+            <a:schemeClr val="lt1"/>
+          </a:fontRef>
+        </dgm:style>
+      </dgm:prSet>
+      <dgm:spPr/>
+      <dgm:t>
+        <a:bodyPr/>
+        <a:lstStyle/>
+        <a:p>
+          <a:r>
+            <a:rPr lang="pt-BR" sz="1600" b="1" dirty="0" smtClean="0">
+              <a:solidFill>
+                <a:schemeClr val="bg1">
+                  <a:lumMod val="85000"/>
+                </a:schemeClr>
+              </a:solidFill>
+            </a:rPr>
+            <a:t>Ambiente de servidor de dados</a:t>
+          </a:r>
+          <a:endParaRPr lang="pt-BR" sz="1600" b="1" dirty="0">
+            <a:solidFill>
+              <a:schemeClr val="bg1">
+                <a:lumMod val="85000"/>
+              </a:schemeClr>
+            </a:solidFill>
+          </a:endParaRPr>
+        </a:p>
+      </dgm:t>
+    </dgm:pt>
+    <dgm:pt modelId="{67755E1A-2705-4297-9986-0E390CA27394}" type="parTrans" cxnId="{BF29565E-C27D-4C89-8F7E-C084E8C699E7}">
+      <dgm:prSet/>
+      <dgm:spPr/>
+      <dgm:t>
+        <a:bodyPr/>
+        <a:lstStyle/>
+        <a:p>
+          <a:endParaRPr lang="pt-BR"/>
+        </a:p>
+      </dgm:t>
+    </dgm:pt>
+    <dgm:pt modelId="{0231FB8D-A362-4F4A-8E56-6DAC699F1D6F}" type="sibTrans" cxnId="{BF29565E-C27D-4C89-8F7E-C084E8C699E7}">
+      <dgm:prSet/>
+      <dgm:spPr/>
+      <dgm:t>
+        <a:bodyPr/>
+        <a:lstStyle/>
+        <a:p>
+          <a:endParaRPr lang="pt-BR"/>
+        </a:p>
+      </dgm:t>
+    </dgm:pt>
+    <dgm:pt modelId="{FFBB95A5-64CA-4277-8EC9-9A4877C06A11}">
+      <dgm:prSet phldrT="[Texto]" custT="1">
+        <dgm:style>
+          <a:lnRef idx="0">
+            <a:schemeClr val="accent6"/>
+          </a:lnRef>
+          <a:fillRef idx="3">
+            <a:schemeClr val="accent6"/>
+          </a:fillRef>
+          <a:effectRef idx="3">
+            <a:schemeClr val="accent6"/>
+          </a:effectRef>
+          <a:fontRef idx="minor">
+            <a:schemeClr val="lt1"/>
+          </a:fontRef>
+        </dgm:style>
+      </dgm:prSet>
+      <dgm:spPr/>
+      <dgm:t>
+        <a:bodyPr/>
+        <a:lstStyle/>
+        <a:p>
+          <a:r>
+            <a:rPr lang="pt-BR" sz="1600" b="1" dirty="0" smtClean="0">
+              <a:solidFill>
+                <a:schemeClr val="bg1">
+                  <a:lumMod val="85000"/>
+                </a:schemeClr>
+              </a:solidFill>
+            </a:rPr>
+            <a:t>Dispositivo de conexão com sistema</a:t>
+          </a:r>
+          <a:endParaRPr lang="pt-BR" sz="1600" b="1" dirty="0">
+            <a:solidFill>
+              <a:schemeClr val="bg1">
+                <a:lumMod val="85000"/>
+              </a:schemeClr>
+            </a:solidFill>
+          </a:endParaRPr>
+        </a:p>
+      </dgm:t>
+    </dgm:pt>
+    <dgm:pt modelId="{49EC4B80-42F4-4C68-8C02-F267FE81602E}" type="sibTrans" cxnId="{286DB79C-095B-4A03-8241-456F11CF2F5D}">
+      <dgm:prSet/>
+      <dgm:spPr/>
+      <dgm:t>
+        <a:bodyPr/>
+        <a:lstStyle/>
+        <a:p>
+          <a:endParaRPr lang="pt-BR"/>
+        </a:p>
+      </dgm:t>
+    </dgm:pt>
+    <dgm:pt modelId="{E5A1EA11-2B41-4DD3-8BF1-0CF84454CAE5}" type="parTrans" cxnId="{286DB79C-095B-4A03-8241-456F11CF2F5D}">
+      <dgm:prSet/>
+      <dgm:spPr/>
+      <dgm:t>
+        <a:bodyPr/>
+        <a:lstStyle/>
+        <a:p>
+          <a:endParaRPr lang="pt-BR"/>
+        </a:p>
+      </dgm:t>
+    </dgm:pt>
+    <dgm:pt modelId="{80BADE98-2C43-40D5-937A-874A1B627145}">
+      <dgm:prSet phldrT="[Texto]" custT="1">
+        <dgm:style>
+          <a:lnRef idx="0">
+            <a:schemeClr val="accent6"/>
+          </a:lnRef>
+          <a:fillRef idx="3">
+            <a:schemeClr val="accent6"/>
+          </a:fillRef>
+          <a:effectRef idx="3">
+            <a:schemeClr val="accent6"/>
+          </a:effectRef>
+          <a:fontRef idx="minor">
+            <a:schemeClr val="lt1"/>
+          </a:fontRef>
+        </dgm:style>
+      </dgm:prSet>
+      <dgm:spPr/>
+      <dgm:t>
+        <a:bodyPr/>
+        <a:lstStyle/>
+        <a:p>
+          <a:endParaRPr lang="pt-BR" sz="1600" b="1" dirty="0">
+            <a:solidFill>
+              <a:schemeClr val="bg1">
+                <a:lumMod val="85000"/>
+              </a:schemeClr>
+            </a:solidFill>
+          </a:endParaRPr>
+        </a:p>
+      </dgm:t>
+    </dgm:pt>
+    <dgm:pt modelId="{61694F4E-3BB3-4806-8315-F9C9DE55D766}" type="parTrans" cxnId="{81BAC1B0-D183-4179-9A55-029F538E675D}">
+      <dgm:prSet/>
+      <dgm:spPr/>
+      <dgm:t>
+        <a:bodyPr/>
+        <a:lstStyle/>
+        <a:p>
+          <a:endParaRPr lang="pt-BR"/>
+        </a:p>
+      </dgm:t>
+    </dgm:pt>
+    <dgm:pt modelId="{1B940CC1-D5C1-4465-A2E5-B629FA2D9A4E}" type="sibTrans" cxnId="{81BAC1B0-D183-4179-9A55-029F538E675D}">
       <dgm:prSet/>
       <dgm:spPr/>
       <dgm:t>
@@ -2756,6 +2975,13 @@
         </dgm:presLayoutVars>
       </dgm:prSet>
       <dgm:spPr/>
+      <dgm:t>
+        <a:bodyPr/>
+        <a:lstStyle/>
+        <a:p>
+          <a:endParaRPr lang="pt-BR"/>
+        </a:p>
+      </dgm:t>
     </dgm:pt>
     <dgm:pt modelId="{138CD9C0-127E-45DD-BA5D-F929D722FD16}" type="pres">
       <dgm:prSet presAssocID="{4412B91F-CF8D-4A42-83DF-7CDCCDA80F7D}" presName="tSp" presStyleCnt="0"/>
@@ -2778,7 +3004,7 @@
       <dgm:spPr/>
     </dgm:pt>
     <dgm:pt modelId="{77351131-57DF-4AF2-A89D-95AF9C6149DC}" type="pres">
-      <dgm:prSet presAssocID="{7DFE07BF-9A88-4152-9E58-09C9E20DB3CE}" presName="childNode1" presStyleLbl="bgAcc1" presStyleIdx="0" presStyleCnt="3">
+      <dgm:prSet presAssocID="{7DFE07BF-9A88-4152-9E58-09C9E20DB3CE}" presName="childNode1" presStyleLbl="bgAcc1" presStyleIdx="0" presStyleCnt="3" custScaleY="78394">
         <dgm:presLayoutVars>
           <dgm:bulletEnabled val="1"/>
         </dgm:presLayoutVars>
@@ -2822,7 +3048,7 @@
       </dgm:t>
     </dgm:pt>
     <dgm:pt modelId="{168FD8A5-9BA3-47FA-8D32-ED60BCA98D24}" type="pres">
-      <dgm:prSet presAssocID="{7DFE07BF-9A88-4152-9E58-09C9E20DB3CE}" presName="parentNode1" presStyleLbl="node1" presStyleIdx="0" presStyleCnt="3">
+      <dgm:prSet presAssocID="{7DFE07BF-9A88-4152-9E58-09C9E20DB3CE}" presName="parentNode1" presStyleLbl="node1" presStyleIdx="0" presStyleCnt="3" custScaleY="78394" custLinFactY="-100000" custLinFactNeighborX="-3813" custLinFactNeighborY="-135293">
         <dgm:presLayoutVars>
           <dgm:chMax val="1"/>
           <dgm:bulletEnabled val="1"/>
@@ -2842,8 +3068,19 @@
       <dgm:spPr/>
     </dgm:pt>
     <dgm:pt modelId="{BB47B8A7-A69A-47BA-8429-499D75D98923}" type="pres">
-      <dgm:prSet presAssocID="{E68D9850-B3A4-4979-A4D0-E3D401A29AB5}" presName="Name9" presStyleLbl="sibTrans2D1" presStyleIdx="0" presStyleCnt="2"/>
-      <dgm:spPr/>
+      <dgm:prSet presAssocID="{E68D9850-B3A4-4979-A4D0-E3D401A29AB5}" presName="Name9" presStyleLbl="sibTrans2D1" presStyleIdx="0" presStyleCnt="2" custFlipVert="0" custFlipHor="0" custScaleX="1831" custScaleY="3418" custLinFactNeighborX="54407" custLinFactNeighborY="71931"/>
+      <dgm:spPr>
+        <a:prstGeom prst="mathMultiply">
+          <a:avLst/>
+        </a:prstGeom>
+      </dgm:spPr>
+      <dgm:t>
+        <a:bodyPr/>
+        <a:lstStyle/>
+        <a:p>
+          <a:endParaRPr lang="pt-BR"/>
+        </a:p>
+      </dgm:t>
     </dgm:pt>
     <dgm:pt modelId="{F416103B-C45A-486D-81AB-4454CBBAB63C}" type="pres">
       <dgm:prSet presAssocID="{3865D5FF-DA00-4906-B6F5-07C839464584}" presName="composite2" presStyleCnt="0"/>
@@ -2854,7 +3091,7 @@
       <dgm:spPr/>
     </dgm:pt>
     <dgm:pt modelId="{0C27C69B-3C82-4A7E-9AEC-146B678149A2}" type="pres">
-      <dgm:prSet presAssocID="{3865D5FF-DA00-4906-B6F5-07C839464584}" presName="childNode2" presStyleLbl="bgAcc1" presStyleIdx="1" presStyleCnt="3">
+      <dgm:prSet presAssocID="{3865D5FF-DA00-4906-B6F5-07C839464584}" presName="childNode2" presStyleLbl="bgAcc1" presStyleIdx="1" presStyleCnt="3" custScaleY="78394">
         <dgm:presLayoutVars>
           <dgm:bulletEnabled val="1"/>
         </dgm:presLayoutVars>
@@ -2898,21 +3135,35 @@
       </dgm:t>
     </dgm:pt>
     <dgm:pt modelId="{85BA2879-403E-43AC-A59E-A90A5FACC251}" type="pres">
-      <dgm:prSet presAssocID="{3865D5FF-DA00-4906-B6F5-07C839464584}" presName="parentNode2" presStyleLbl="node1" presStyleIdx="1" presStyleCnt="3">
+      <dgm:prSet presAssocID="{3865D5FF-DA00-4906-B6F5-07C839464584}" presName="parentNode2" presStyleLbl="node1" presStyleIdx="1" presStyleCnt="3" custScaleY="78394" custLinFactNeighborX="-3651" custLinFactNeighborY="-1959">
         <dgm:presLayoutVars>
           <dgm:chMax val="0"/>
           <dgm:bulletEnabled val="1"/>
         </dgm:presLayoutVars>
       </dgm:prSet>
       <dgm:spPr/>
+      <dgm:t>
+        <a:bodyPr/>
+        <a:lstStyle/>
+        <a:p>
+          <a:endParaRPr lang="pt-BR"/>
+        </a:p>
+      </dgm:t>
     </dgm:pt>
     <dgm:pt modelId="{38974F4D-A258-43E3-9D7E-91A1D78BB4C2}" type="pres">
       <dgm:prSet presAssocID="{3865D5FF-DA00-4906-B6F5-07C839464584}" presName="connSite2" presStyleCnt="0"/>
       <dgm:spPr/>
     </dgm:pt>
     <dgm:pt modelId="{E5E8036A-476D-4F9C-9D7B-4ED08A33C842}" type="pres">
-      <dgm:prSet presAssocID="{CFF97A55-CF3E-4E1D-AF04-5A3631D6CB6D}" presName="Name18" presStyleLbl="sibTrans2D1" presStyleIdx="1" presStyleCnt="2"/>
+      <dgm:prSet presAssocID="{CFF97A55-CF3E-4E1D-AF04-5A3631D6CB6D}" presName="Name18" presStyleLbl="sibTrans2D1" presStyleIdx="1" presStyleCnt="2" custFlipVert="1" custFlipHor="0" custScaleX="1337" custScaleY="18495" custLinFactNeighborX="-97296" custLinFactNeighborY="41388"/>
       <dgm:spPr/>
+      <dgm:t>
+        <a:bodyPr/>
+        <a:lstStyle/>
+        <a:p>
+          <a:endParaRPr lang="pt-BR"/>
+        </a:p>
+      </dgm:t>
     </dgm:pt>
     <dgm:pt modelId="{AD1ED0EA-8DA3-4054-AB1B-26226A9CAF81}" type="pres">
       <dgm:prSet presAssocID="{F3A2DAB8-2AB9-419A-82D3-D743A16978C8}" presName="composite1" presStyleCnt="0"/>
@@ -2923,7 +3174,7 @@
       <dgm:spPr/>
     </dgm:pt>
     <dgm:pt modelId="{AE566E9F-D101-4F88-9692-208EF2AE8557}" type="pres">
-      <dgm:prSet presAssocID="{F3A2DAB8-2AB9-419A-82D3-D743A16978C8}" presName="childNode1" presStyleLbl="bgAcc1" presStyleIdx="2" presStyleCnt="3">
+      <dgm:prSet presAssocID="{F3A2DAB8-2AB9-419A-82D3-D743A16978C8}" presName="childNode1" presStyleLbl="bgAcc1" presStyleIdx="2" presStyleCnt="3" custScaleY="78394">
         <dgm:presLayoutVars>
           <dgm:bulletEnabled val="1"/>
         </dgm:presLayoutVars>
@@ -2967,7 +3218,7 @@
       </dgm:t>
     </dgm:pt>
     <dgm:pt modelId="{301F9B7A-61FD-4D71-8D0E-DCB457B0DAC9}" type="pres">
-      <dgm:prSet presAssocID="{F3A2DAB8-2AB9-419A-82D3-D743A16978C8}" presName="parentNode1" presStyleLbl="node1" presStyleIdx="2" presStyleCnt="3">
+      <dgm:prSet presAssocID="{F3A2DAB8-2AB9-419A-82D3-D743A16978C8}" presName="parentNode1" presStyleLbl="node1" presStyleIdx="2" presStyleCnt="3" custScaleY="78394" custLinFactY="-100000" custLinFactNeighborX="-3490" custLinFactNeighborY="-135293">
         <dgm:presLayoutVars>
           <dgm:chMax val="1"/>
           <dgm:bulletEnabled val="1"/>
@@ -2988,30 +3239,30 @@
     </dgm:pt>
   </dgm:ptLst>
   <dgm:cxnLst>
-    <dgm:cxn modelId="{1826DE69-BCA5-4CC2-AB59-256DBC7E4BC8}" type="presOf" srcId="{F3A2DAB8-2AB9-419A-82D3-D743A16978C8}" destId="{301F9B7A-61FD-4D71-8D0E-DCB457B0DAC9}" srcOrd="0" destOrd="0" presId="urn:microsoft.com/office/officeart/2005/8/layout/hProcess4"/>
-    <dgm:cxn modelId="{6D0A7A03-30F7-44B7-932A-6B9A0E02B815}" type="presOf" srcId="{3608A19D-5895-4CCB-AE7C-602B7B47F013}" destId="{77351131-57DF-4AF2-A89D-95AF9C6149DC}" srcOrd="0" destOrd="0" presId="urn:microsoft.com/office/officeart/2005/8/layout/hProcess4"/>
-    <dgm:cxn modelId="{C423E00E-A025-461E-AC42-F12191D105F6}" srcId="{F3A2DAB8-2AB9-419A-82D3-D743A16978C8}" destId="{15C81867-89A5-4131-BC4C-32819ECB9224}" srcOrd="0" destOrd="0" parTransId="{BEAE1DAF-4E1C-4B73-9668-E693D0170F93}" sibTransId="{4032F790-153B-41F0-BA2B-917C36EF37DC}"/>
-    <dgm:cxn modelId="{C807233E-7AF8-4376-8C44-360C1AC79F85}" type="presOf" srcId="{2D163772-13E5-4074-928D-7A5A7DBF63A5}" destId="{39B7AE1B-7006-4AD9-AFC0-AD9AB09ED28C}" srcOrd="1" destOrd="0" presId="urn:microsoft.com/office/officeart/2005/8/layout/hProcess4"/>
-    <dgm:cxn modelId="{84076030-E45A-4466-9EAA-5CA3C5F3D1A7}" srcId="{7DFE07BF-9A88-4152-9E58-09C9E20DB3CE}" destId="{3608A19D-5895-4CCB-AE7C-602B7B47F013}" srcOrd="0" destOrd="0" parTransId="{F6ED7F5C-3473-4CB6-A854-8AAB4553A7BF}" sibTransId="{B8867D9A-5291-4E44-8E27-7C2CE1750192}"/>
+    <dgm:cxn modelId="{4696573D-7AAF-40C4-A299-E5634AF135CD}" type="presOf" srcId="{80BADE98-2C43-40D5-937A-874A1B627145}" destId="{388BBD37-9C2B-4172-8678-CDF3BB968BFB}" srcOrd="1" destOrd="0" presId="urn:microsoft.com/office/officeart/2005/8/layout/hProcess4"/>
+    <dgm:cxn modelId="{BF29565E-C27D-4C89-8F7E-C084E8C699E7}" srcId="{7DFE07BF-9A88-4152-9E58-09C9E20DB3CE}" destId="{1198010A-7CD9-47DF-8300-D5AB8FDF717B}" srcOrd="1" destOrd="0" parTransId="{67755E1A-2705-4297-9986-0E390CA27394}" sibTransId="{0231FB8D-A362-4F4A-8E56-6DAC699F1D6F}"/>
+    <dgm:cxn modelId="{D8151DDD-A87C-4D2A-AE89-DC88BEAD8F5E}" type="presOf" srcId="{1198010A-7CD9-47DF-8300-D5AB8FDF717B}" destId="{CEA85225-BA33-4729-B542-7DD51242ADCB}" srcOrd="1" destOrd="1" presId="urn:microsoft.com/office/officeart/2005/8/layout/hProcess4"/>
+    <dgm:cxn modelId="{C9D8935F-6C23-483A-8258-A9CABF3C76B0}" srcId="{4412B91F-CF8D-4A42-83DF-7CDCCDA80F7D}" destId="{3865D5FF-DA00-4906-B6F5-07C839464584}" srcOrd="1" destOrd="0" parTransId="{49FB8D0F-E70F-4A66-9F99-3E0F33864CA6}" sibTransId="{CFF97A55-CF3E-4E1D-AF04-5A3631D6CB6D}"/>
+    <dgm:cxn modelId="{A5D7F522-490D-4613-A205-B81A1D2FF7FB}" type="presOf" srcId="{F3A2DAB8-2AB9-419A-82D3-D743A16978C8}" destId="{301F9B7A-61FD-4D71-8D0E-DCB457B0DAC9}" srcOrd="0" destOrd="0" presId="urn:microsoft.com/office/officeart/2005/8/layout/hProcess4"/>
+    <dgm:cxn modelId="{CABFBE03-3760-43FE-A793-4570B6274A4D}" type="presOf" srcId="{2F3DF7DE-E5C9-4440-80D1-538313244BE6}" destId="{39B7AE1B-7006-4AD9-AFC0-AD9AB09ED28C}" srcOrd="1" destOrd="0" presId="urn:microsoft.com/office/officeart/2005/8/layout/hProcess4"/>
+    <dgm:cxn modelId="{E819844F-6C63-4A97-8468-0C16FFCB7637}" type="presOf" srcId="{2F3DF7DE-E5C9-4440-80D1-538313244BE6}" destId="{0C27C69B-3C82-4A7E-9AEC-146B678149A2}" srcOrd="0" destOrd="0" presId="urn:microsoft.com/office/officeart/2005/8/layout/hProcess4"/>
+    <dgm:cxn modelId="{5CB851DE-B309-4D32-BF02-58D05478E534}" srcId="{7DFE07BF-9A88-4152-9E58-09C9E20DB3CE}" destId="{7F7E1F91-F6F4-48A9-B4FA-337B2EBD2C9A}" srcOrd="0" destOrd="0" parTransId="{0796D45F-4D57-413D-A4BB-33573B2F1CF3}" sibTransId="{0FC519C8-F4CD-4D2A-B852-2C233866BAF3}"/>
+    <dgm:cxn modelId="{B4DEC388-DC62-483F-A05C-5555B345D4B2}" type="presOf" srcId="{7F7E1F91-F6F4-48A9-B4FA-337B2EBD2C9A}" destId="{77351131-57DF-4AF2-A89D-95AF9C6149DC}" srcOrd="0" destOrd="0" presId="urn:microsoft.com/office/officeart/2005/8/layout/hProcess4"/>
+    <dgm:cxn modelId="{9ED5A29A-4F56-4F4A-943D-8B8035CAB709}" type="presOf" srcId="{FFBB95A5-64CA-4277-8EC9-9A4877C06A11}" destId="{AE566E9F-D101-4F88-9692-208EF2AE8557}" srcOrd="0" destOrd="1" presId="urn:microsoft.com/office/officeart/2005/8/layout/hProcess4"/>
+    <dgm:cxn modelId="{286DB79C-095B-4A03-8241-456F11CF2F5D}" srcId="{F3A2DAB8-2AB9-419A-82D3-D743A16978C8}" destId="{FFBB95A5-64CA-4277-8EC9-9A4877C06A11}" srcOrd="1" destOrd="0" parTransId="{E5A1EA11-2B41-4DD3-8BF1-0CF84454CAE5}" sibTransId="{49EC4B80-42F4-4C68-8C02-F267FE81602E}"/>
+    <dgm:cxn modelId="{FCD6A96D-054B-4471-90ED-6EB5ED0EBFF9}" type="presOf" srcId="{CFF97A55-CF3E-4E1D-AF04-5A3631D6CB6D}" destId="{E5E8036A-476D-4F9C-9D7B-4ED08A33C842}" srcOrd="0" destOrd="0" presId="urn:microsoft.com/office/officeart/2005/8/layout/hProcess4"/>
     <dgm:cxn modelId="{C730B313-4D1D-4229-8314-A3150E0294B1}" type="presOf" srcId="{E68D9850-B3A4-4979-A4D0-E3D401A29AB5}" destId="{BB47B8A7-A69A-47BA-8429-499D75D98923}" srcOrd="0" destOrd="0" presId="urn:microsoft.com/office/officeart/2005/8/layout/hProcess4"/>
-    <dgm:cxn modelId="{389F34DF-E799-4B31-BA52-DA4BE4D473D3}" srcId="{3865D5FF-DA00-4906-B6F5-07C839464584}" destId="{17C36E47-B60A-48AF-9203-3A426FDDC061}" srcOrd="2" destOrd="0" parTransId="{5D184643-6CAF-4BEF-9B8E-9CEF559E3FA0}" sibTransId="{D9FFAE66-B2AA-420E-97F1-1E782654582A}"/>
-    <dgm:cxn modelId="{D058A61E-2631-4792-87A9-3570D8D2DB0F}" srcId="{3865D5FF-DA00-4906-B6F5-07C839464584}" destId="{2F3DF7DE-E5C9-4440-80D1-538313244BE6}" srcOrd="1" destOrd="0" parTransId="{3C0BC7DD-F66C-4719-92AE-5E9E7825604D}" sibTransId="{4569B2FB-90CA-4536-9206-69C81C9FC0BD}"/>
-    <dgm:cxn modelId="{454AD78F-2D17-4EB0-B913-79380716CE39}" type="presOf" srcId="{2D163772-13E5-4074-928D-7A5A7DBF63A5}" destId="{0C27C69B-3C82-4A7E-9AEC-146B678149A2}" srcOrd="0" destOrd="0" presId="urn:microsoft.com/office/officeart/2005/8/layout/hProcess4"/>
-    <dgm:cxn modelId="{FCD6A96D-054B-4471-90ED-6EB5ED0EBFF9}" type="presOf" srcId="{CFF97A55-CF3E-4E1D-AF04-5A3631D6CB6D}" destId="{E5E8036A-476D-4F9C-9D7B-4ED08A33C842}" srcOrd="0" destOrd="0" presId="urn:microsoft.com/office/officeart/2005/8/layout/hProcess4"/>
+    <dgm:cxn modelId="{076FA099-FCD5-4C11-8A08-746949589EB9}" type="presOf" srcId="{FFBB95A5-64CA-4277-8EC9-9A4877C06A11}" destId="{388BBD37-9C2B-4172-8678-CDF3BB968BFB}" srcOrd="1" destOrd="1" presId="urn:microsoft.com/office/officeart/2005/8/layout/hProcess4"/>
+    <dgm:cxn modelId="{F52A89F1-D611-4436-8916-14DEFBEAC79D}" srcId="{4412B91F-CF8D-4A42-83DF-7CDCCDA80F7D}" destId="{7DFE07BF-9A88-4152-9E58-09C9E20DB3CE}" srcOrd="0" destOrd="0" parTransId="{F2C6A117-64F1-4ED9-9C2B-9510107D76CB}" sibTransId="{E68D9850-B3A4-4979-A4D0-E3D401A29AB5}"/>
+    <dgm:cxn modelId="{FD321DDD-0FBF-4119-B35F-BF41A6D1FACA}" type="presOf" srcId="{80BADE98-2C43-40D5-937A-874A1B627145}" destId="{AE566E9F-D101-4F88-9692-208EF2AE8557}" srcOrd="0" destOrd="0" presId="urn:microsoft.com/office/officeart/2005/8/layout/hProcess4"/>
+    <dgm:cxn modelId="{C03BE492-3E48-4B5B-B223-BD9B09A0499C}" type="presOf" srcId="{4412B91F-CF8D-4A42-83DF-7CDCCDA80F7D}" destId="{50C663CD-616C-44EE-98F1-BB5FDDDEDCC8}" srcOrd="0" destOrd="0" presId="urn:microsoft.com/office/officeart/2005/8/layout/hProcess4"/>
     <dgm:cxn modelId="{4A7FA099-9464-4ACD-A790-6102C1584AD1}" srcId="{4412B91F-CF8D-4A42-83DF-7CDCCDA80F7D}" destId="{F3A2DAB8-2AB9-419A-82D3-D743A16978C8}" srcOrd="2" destOrd="0" parTransId="{62C15E06-9F1B-4472-A7B4-FEFADBC7E807}" sibTransId="{401344D0-ED0B-4340-9FCD-FF07FE375E6C}"/>
+    <dgm:cxn modelId="{66AF1316-005D-4157-AB49-7D09464E8313}" type="presOf" srcId="{7F7E1F91-F6F4-48A9-B4FA-337B2EBD2C9A}" destId="{CEA85225-BA33-4729-B542-7DD51242ADCB}" srcOrd="1" destOrd="0" presId="urn:microsoft.com/office/officeart/2005/8/layout/hProcess4"/>
+    <dgm:cxn modelId="{D058A61E-2631-4792-87A9-3570D8D2DB0F}" srcId="{3865D5FF-DA00-4906-B6F5-07C839464584}" destId="{2F3DF7DE-E5C9-4440-80D1-538313244BE6}" srcOrd="0" destOrd="0" parTransId="{3C0BC7DD-F66C-4719-92AE-5E9E7825604D}" sibTransId="{4569B2FB-90CA-4536-9206-69C81C9FC0BD}"/>
     <dgm:cxn modelId="{F6F5BFB7-87A2-418B-8A67-5193C4B8B5C2}" type="presOf" srcId="{3865D5FF-DA00-4906-B6F5-07C839464584}" destId="{85BA2879-403E-43AC-A59E-A90A5FACC251}" srcOrd="0" destOrd="0" presId="urn:microsoft.com/office/officeart/2005/8/layout/hProcess4"/>
-    <dgm:cxn modelId="{DE132E6E-2775-4267-BE23-76DFED146DF3}" srcId="{3865D5FF-DA00-4906-B6F5-07C839464584}" destId="{2D163772-13E5-4074-928D-7A5A7DBF63A5}" srcOrd="0" destOrd="0" parTransId="{757ACCF4-9AEE-4064-80DF-9850B6B60C93}" sibTransId="{EADCE4D3-E256-4844-B0A4-83F42236A03B}"/>
-    <dgm:cxn modelId="{901AD719-F247-413A-B1B3-109C2FFB2AE5}" type="presOf" srcId="{17C36E47-B60A-48AF-9203-3A426FDDC061}" destId="{39B7AE1B-7006-4AD9-AFC0-AD9AB09ED28C}" srcOrd="1" destOrd="2" presId="urn:microsoft.com/office/officeart/2005/8/layout/hProcess4"/>
-    <dgm:cxn modelId="{78BD922F-CC17-4C21-97FA-865DD57CC5F7}" type="presOf" srcId="{2F3DF7DE-E5C9-4440-80D1-538313244BE6}" destId="{39B7AE1B-7006-4AD9-AFC0-AD9AB09ED28C}" srcOrd="1" destOrd="1" presId="urn:microsoft.com/office/officeart/2005/8/layout/hProcess4"/>
-    <dgm:cxn modelId="{18A399E8-969F-433E-8129-BAB90BC4BA5D}" type="presOf" srcId="{15C81867-89A5-4131-BC4C-32819ECB9224}" destId="{AE566E9F-D101-4F88-9692-208EF2AE8557}" srcOrd="0" destOrd="0" presId="urn:microsoft.com/office/officeart/2005/8/layout/hProcess4"/>
-    <dgm:cxn modelId="{C03BE492-3E48-4B5B-B223-BD9B09A0499C}" type="presOf" srcId="{4412B91F-CF8D-4A42-83DF-7CDCCDA80F7D}" destId="{50C663CD-616C-44EE-98F1-BB5FDDDEDCC8}" srcOrd="0" destOrd="0" presId="urn:microsoft.com/office/officeart/2005/8/layout/hProcess4"/>
-    <dgm:cxn modelId="{35C165A5-5C5A-4F4B-AE9D-49DC63B3E5AF}" type="presOf" srcId="{15C81867-89A5-4131-BC4C-32819ECB9224}" destId="{388BBD37-9C2B-4172-8678-CDF3BB968BFB}" srcOrd="1" destOrd="0" presId="urn:microsoft.com/office/officeart/2005/8/layout/hProcess4"/>
+    <dgm:cxn modelId="{C9B3EE4E-01DF-4274-A896-B826614E44E8}" type="presOf" srcId="{1198010A-7CD9-47DF-8300-D5AB8FDF717B}" destId="{77351131-57DF-4AF2-A89D-95AF9C6149DC}" srcOrd="0" destOrd="1" presId="urn:microsoft.com/office/officeart/2005/8/layout/hProcess4"/>
     <dgm:cxn modelId="{96F1515C-012C-4FBA-939B-73396FC64F01}" type="presOf" srcId="{7DFE07BF-9A88-4152-9E58-09C9E20DB3CE}" destId="{168FD8A5-9BA3-47FA-8D32-ED60BCA98D24}" srcOrd="0" destOrd="0" presId="urn:microsoft.com/office/officeart/2005/8/layout/hProcess4"/>
-    <dgm:cxn modelId="{F52A89F1-D611-4436-8916-14DEFBEAC79D}" srcId="{4412B91F-CF8D-4A42-83DF-7CDCCDA80F7D}" destId="{7DFE07BF-9A88-4152-9E58-09C9E20DB3CE}" srcOrd="0" destOrd="0" parTransId="{F2C6A117-64F1-4ED9-9C2B-9510107D76CB}" sibTransId="{E68D9850-B3A4-4979-A4D0-E3D401A29AB5}"/>
-    <dgm:cxn modelId="{AD41FD1E-945F-4B08-9162-F2D9E765F538}" type="presOf" srcId="{3608A19D-5895-4CCB-AE7C-602B7B47F013}" destId="{CEA85225-BA33-4729-B542-7DD51242ADCB}" srcOrd="1" destOrd="0" presId="urn:microsoft.com/office/officeart/2005/8/layout/hProcess4"/>
-    <dgm:cxn modelId="{6C7CF280-7813-4669-8A3A-FAF603EE06E7}" type="presOf" srcId="{17C36E47-B60A-48AF-9203-3A426FDDC061}" destId="{0C27C69B-3C82-4A7E-9AEC-146B678149A2}" srcOrd="0" destOrd="2" presId="urn:microsoft.com/office/officeart/2005/8/layout/hProcess4"/>
-    <dgm:cxn modelId="{C9D8935F-6C23-483A-8258-A9CABF3C76B0}" srcId="{4412B91F-CF8D-4A42-83DF-7CDCCDA80F7D}" destId="{3865D5FF-DA00-4906-B6F5-07C839464584}" srcOrd="1" destOrd="0" parTransId="{49FB8D0F-E70F-4A66-9F99-3E0F33864CA6}" sibTransId="{CFF97A55-CF3E-4E1D-AF04-5A3631D6CB6D}"/>
-    <dgm:cxn modelId="{CDA29DBF-6C67-4174-9590-4FD1FFC822A3}" type="presOf" srcId="{2F3DF7DE-E5C9-4440-80D1-538313244BE6}" destId="{0C27C69B-3C82-4A7E-9AEC-146B678149A2}" srcOrd="0" destOrd="1" presId="urn:microsoft.com/office/officeart/2005/8/layout/hProcess4"/>
+    <dgm:cxn modelId="{81BAC1B0-D183-4179-9A55-029F538E675D}" srcId="{F3A2DAB8-2AB9-419A-82D3-D743A16978C8}" destId="{80BADE98-2C43-40D5-937A-874A1B627145}" srcOrd="0" destOrd="0" parTransId="{61694F4E-3BB3-4806-8315-F9C9DE55D766}" sibTransId="{1B940CC1-D5C1-4465-A2E5-B629FA2D9A4E}"/>
     <dgm:cxn modelId="{DC8F0603-A30F-4881-8DB3-C28DAA5234EB}" type="presParOf" srcId="{50C663CD-616C-44EE-98F1-BB5FDDDEDCC8}" destId="{138CD9C0-127E-45DD-BA5D-F929D722FD16}" srcOrd="0" destOrd="0" presId="urn:microsoft.com/office/officeart/2005/8/layout/hProcess4"/>
     <dgm:cxn modelId="{5A02F5F5-BF03-478E-AB04-0CF1957AA6B2}" type="presParOf" srcId="{50C663CD-616C-44EE-98F1-BB5FDDDEDCC8}" destId="{EF0649EA-CFC7-443D-9E0B-71BBF1A268A7}" srcOrd="1" destOrd="0" presId="urn:microsoft.com/office/officeart/2005/8/layout/hProcess4"/>
     <dgm:cxn modelId="{28FB9728-D277-4EA0-9D1D-8BA739CBDE26}" type="presParOf" srcId="{50C663CD-616C-44EE-98F1-BB5FDDDEDCC8}" destId="{2FA38D1F-3777-488A-AF41-E467FA0BCCBE}" srcOrd="2" destOrd="0" presId="urn:microsoft.com/office/officeart/2005/8/layout/hProcess4"/>
@@ -3029,12 +3280,12 @@
     <dgm:cxn modelId="{B705B85E-226F-4966-ACF6-7A7BCFDD84A6}" type="presParOf" srcId="{F416103B-C45A-486D-81AB-4454CBBAB63C}" destId="{85BA2879-403E-43AC-A59E-A90A5FACC251}" srcOrd="3" destOrd="0" presId="urn:microsoft.com/office/officeart/2005/8/layout/hProcess4"/>
     <dgm:cxn modelId="{3D72DD0F-3B54-42F8-8D17-2142FC7E1173}" type="presParOf" srcId="{F416103B-C45A-486D-81AB-4454CBBAB63C}" destId="{38974F4D-A258-43E3-9D7E-91A1D78BB4C2}" srcOrd="4" destOrd="0" presId="urn:microsoft.com/office/officeart/2005/8/layout/hProcess4"/>
     <dgm:cxn modelId="{6AC860F9-0BA5-429A-BB0A-5289735A89D0}" type="presParOf" srcId="{2FA38D1F-3777-488A-AF41-E467FA0BCCBE}" destId="{E5E8036A-476D-4F9C-9D7B-4ED08A33C842}" srcOrd="3" destOrd="0" presId="urn:microsoft.com/office/officeart/2005/8/layout/hProcess4"/>
-    <dgm:cxn modelId="{C8711B08-E5DD-4F81-A28E-B6ABD1A5A8BF}" type="presParOf" srcId="{2FA38D1F-3777-488A-AF41-E467FA0BCCBE}" destId="{AD1ED0EA-8DA3-4054-AB1B-26226A9CAF81}" srcOrd="4" destOrd="0" presId="urn:microsoft.com/office/officeart/2005/8/layout/hProcess4"/>
-    <dgm:cxn modelId="{BF36E7D1-787B-4E5C-A424-C554C9756329}" type="presParOf" srcId="{AD1ED0EA-8DA3-4054-AB1B-26226A9CAF81}" destId="{B1E2031A-7AD3-4EBE-A697-E6D795AD0EF2}" srcOrd="0" destOrd="0" presId="urn:microsoft.com/office/officeart/2005/8/layout/hProcess4"/>
-    <dgm:cxn modelId="{F2D27704-B637-4B51-A4F8-BBE948A05622}" type="presParOf" srcId="{AD1ED0EA-8DA3-4054-AB1B-26226A9CAF81}" destId="{AE566E9F-D101-4F88-9692-208EF2AE8557}" srcOrd="1" destOrd="0" presId="urn:microsoft.com/office/officeart/2005/8/layout/hProcess4"/>
-    <dgm:cxn modelId="{D74EB6C2-20EA-4497-9FF7-2230481C0310}" type="presParOf" srcId="{AD1ED0EA-8DA3-4054-AB1B-26226A9CAF81}" destId="{388BBD37-9C2B-4172-8678-CDF3BB968BFB}" srcOrd="2" destOrd="0" presId="urn:microsoft.com/office/officeart/2005/8/layout/hProcess4"/>
-    <dgm:cxn modelId="{4C99789F-073F-4CC4-92F2-20610A639C5A}" type="presParOf" srcId="{AD1ED0EA-8DA3-4054-AB1B-26226A9CAF81}" destId="{301F9B7A-61FD-4D71-8D0E-DCB457B0DAC9}" srcOrd="3" destOrd="0" presId="urn:microsoft.com/office/officeart/2005/8/layout/hProcess4"/>
-    <dgm:cxn modelId="{83BC5137-E146-4B49-A3DE-A5E0360077A2}" type="presParOf" srcId="{AD1ED0EA-8DA3-4054-AB1B-26226A9CAF81}" destId="{078A6A3C-B76D-4C3E-B6DC-01589DDA040C}" srcOrd="4" destOrd="0" presId="urn:microsoft.com/office/officeart/2005/8/layout/hProcess4"/>
+    <dgm:cxn modelId="{C1BFC66E-6ECF-461B-96C0-A759A0104FA5}" type="presParOf" srcId="{2FA38D1F-3777-488A-AF41-E467FA0BCCBE}" destId="{AD1ED0EA-8DA3-4054-AB1B-26226A9CAF81}" srcOrd="4" destOrd="0" presId="urn:microsoft.com/office/officeart/2005/8/layout/hProcess4"/>
+    <dgm:cxn modelId="{9FF93874-3B3D-4721-83B9-6AD37A0F30AF}" type="presParOf" srcId="{AD1ED0EA-8DA3-4054-AB1B-26226A9CAF81}" destId="{B1E2031A-7AD3-4EBE-A697-E6D795AD0EF2}" srcOrd="0" destOrd="0" presId="urn:microsoft.com/office/officeart/2005/8/layout/hProcess4"/>
+    <dgm:cxn modelId="{FFB91E53-196B-490F-88C8-8474006A981E}" type="presParOf" srcId="{AD1ED0EA-8DA3-4054-AB1B-26226A9CAF81}" destId="{AE566E9F-D101-4F88-9692-208EF2AE8557}" srcOrd="1" destOrd="0" presId="urn:microsoft.com/office/officeart/2005/8/layout/hProcess4"/>
+    <dgm:cxn modelId="{4D5BD235-974B-4C72-BFA4-21E26C5AA4FC}" type="presParOf" srcId="{AD1ED0EA-8DA3-4054-AB1B-26226A9CAF81}" destId="{388BBD37-9C2B-4172-8678-CDF3BB968BFB}" srcOrd="2" destOrd="0" presId="urn:microsoft.com/office/officeart/2005/8/layout/hProcess4"/>
+    <dgm:cxn modelId="{6CEAE914-EE42-441C-B146-2FD8B915137A}" type="presParOf" srcId="{AD1ED0EA-8DA3-4054-AB1B-26226A9CAF81}" destId="{301F9B7A-61FD-4D71-8D0E-DCB457B0DAC9}" srcOrd="3" destOrd="0" presId="urn:microsoft.com/office/officeart/2005/8/layout/hProcess4"/>
+    <dgm:cxn modelId="{08CC8A90-2B16-4068-9C57-EE0A8E9AAAF0}" type="presParOf" srcId="{AD1ED0EA-8DA3-4054-AB1B-26226A9CAF81}" destId="{078A6A3C-B76D-4C3E-B6DC-01589DDA040C}" srcOrd="4" destOrd="0" presId="urn:microsoft.com/office/officeart/2005/8/layout/hProcess4"/>
   </dgm:cxnLst>
   <dgm:bg/>
   <dgm:whole/>
@@ -3076,7 +3327,7 @@
             <a:alphaOff val="0"/>
           </a:schemeClr>
         </a:solidFill>
-        <a:ln w="25400" cap="flat" cmpd="sng" algn="ctr">
+        <a:ln w="10000" cap="flat" cmpd="sng" algn="ctr">
           <a:solidFill>
             <a:schemeClr val="accent1">
               <a:hueOff val="0"/>
@@ -3087,16 +3338,29 @@
           </a:solidFill>
           <a:prstDash val="solid"/>
         </a:ln>
-        <a:effectLst/>
+        <a:effectLst>
+          <a:outerShdw blurRad="76200" dist="50800" dir="5400000" rotWithShape="0">
+            <a:srgbClr val="4E3B30">
+              <a:alpha val="60000"/>
+            </a:srgbClr>
+          </a:outerShdw>
+        </a:effectLst>
+        <a:scene3d>
+          <a:camera prst="orthographicFront"/>
+          <a:lightRig rig="flat" dir="t"/>
+        </a:scene3d>
+        <a:sp3d z="190500" extrusionH="12700" prstMaterial="plastic">
+          <a:bevelT w="50800" h="50800"/>
+        </a:sp3d>
       </dsp:spPr>
       <dsp:style>
-        <a:lnRef idx="2">
+        <a:lnRef idx="1">
           <a:scrgbClr r="0" g="0" b="0"/>
         </a:lnRef>
         <a:fillRef idx="1">
           <a:scrgbClr r="0" g="0" b="0"/>
         </a:fillRef>
-        <a:effectRef idx="0">
+        <a:effectRef idx="2">
           <a:scrgbClr r="0" g="0" b="0"/>
         </a:effectRef>
         <a:fontRef idx="minor"/>
@@ -3115,35 +3379,104 @@
         <a:prstGeom prst="roundRect">
           <a:avLst/>
         </a:prstGeom>
-        <a:solidFill>
-          <a:schemeClr val="accent1">
-            <a:hueOff val="0"/>
-            <a:satOff val="0"/>
-            <a:lumOff val="0"/>
-            <a:alphaOff val="0"/>
-          </a:schemeClr>
-        </a:solidFill>
-        <a:ln w="25400" cap="flat" cmpd="sng" algn="ctr">
-          <a:solidFill>
-            <a:schemeClr val="lt1">
-              <a:hueOff val="0"/>
-              <a:satOff val="0"/>
-              <a:lumOff val="0"/>
-              <a:alphaOff val="0"/>
-            </a:schemeClr>
-          </a:solidFill>
-          <a:prstDash val="solid"/>
+        <a:gradFill rotWithShape="0">
+          <a:gsLst>
+            <a:gs pos="0">
+              <a:schemeClr val="accent1">
+                <a:hueOff val="0"/>
+                <a:satOff val="0"/>
+                <a:lumOff val="0"/>
+                <a:alphaOff val="0"/>
+                <a:tint val="75000"/>
+                <a:shade val="85000"/>
+                <a:satMod val="230000"/>
+              </a:schemeClr>
+            </a:gs>
+            <a:gs pos="25000">
+              <a:schemeClr val="accent1">
+                <a:hueOff val="0"/>
+                <a:satOff val="0"/>
+                <a:lumOff val="0"/>
+                <a:alphaOff val="0"/>
+                <a:tint val="90000"/>
+                <a:shade val="70000"/>
+                <a:satMod val="220000"/>
+              </a:schemeClr>
+            </a:gs>
+            <a:gs pos="50000">
+              <a:schemeClr val="accent1">
+                <a:hueOff val="0"/>
+                <a:satOff val="0"/>
+                <a:lumOff val="0"/>
+                <a:alphaOff val="0"/>
+                <a:tint val="90000"/>
+                <a:shade val="58000"/>
+                <a:satMod val="225000"/>
+              </a:schemeClr>
+            </a:gs>
+            <a:gs pos="65000">
+              <a:schemeClr val="accent1">
+                <a:hueOff val="0"/>
+                <a:satOff val="0"/>
+                <a:lumOff val="0"/>
+                <a:alphaOff val="0"/>
+                <a:tint val="90000"/>
+                <a:shade val="58000"/>
+                <a:satMod val="225000"/>
+              </a:schemeClr>
+            </a:gs>
+            <a:gs pos="80000">
+              <a:schemeClr val="accent1">
+                <a:hueOff val="0"/>
+                <a:satOff val="0"/>
+                <a:lumOff val="0"/>
+                <a:alphaOff val="0"/>
+                <a:tint val="90000"/>
+                <a:shade val="69000"/>
+                <a:satMod val="220000"/>
+              </a:schemeClr>
+            </a:gs>
+            <a:gs pos="100000">
+              <a:schemeClr val="accent1">
+                <a:hueOff val="0"/>
+                <a:satOff val="0"/>
+                <a:lumOff val="0"/>
+                <a:alphaOff val="0"/>
+                <a:tint val="77000"/>
+                <a:shade val="80000"/>
+                <a:satMod val="230000"/>
+              </a:schemeClr>
+            </a:gs>
+          </a:gsLst>
+          <a:lin ang="5400000" scaled="1"/>
+        </a:gradFill>
+        <a:ln>
+          <a:noFill/>
         </a:ln>
-        <a:effectLst/>
+        <a:effectLst>
+          <a:outerShdw blurRad="76200" dist="50800" dir="5400000" rotWithShape="0">
+            <a:srgbClr val="4E3B30">
+              <a:alpha val="60000"/>
+            </a:srgbClr>
+          </a:outerShdw>
+        </a:effectLst>
+        <a:scene3d>
+          <a:camera prst="orthographicFront"/>
+          <a:lightRig rig="flat" dir="t"/>
+        </a:scene3d>
+        <a:sp3d prstMaterial="plastic">
+          <a:bevelT w="120900" h="88900"/>
+          <a:bevelB w="88900" h="31750" prst="angle"/>
+        </a:sp3d>
       </dsp:spPr>
       <dsp:style>
-        <a:lnRef idx="2">
+        <a:lnRef idx="0">
           <a:scrgbClr r="0" g="0" b="0"/>
         </a:lnRef>
-        <a:fillRef idx="1">
+        <a:fillRef idx="3">
           <a:scrgbClr r="0" g="0" b="0"/>
         </a:fillRef>
-        <a:effectRef idx="0">
+        <a:effectRef idx="2">
           <a:scrgbClr r="0" g="0" b="0"/>
         </a:effectRef>
         <a:fontRef idx="minor">
@@ -3168,10 +3501,18 @@
             </a:spcAft>
           </a:pPr>
           <a:r>
-            <a:rPr lang="pt-BR" sz="2000" kern="1200" dirty="0" smtClean="0"/>
+            <a:rPr lang="pt-BR" sz="2000" b="1" kern="1200" dirty="0" smtClean="0">
+              <a:solidFill>
+                <a:srgbClr val="7030A0"/>
+              </a:solidFill>
+            </a:rPr>
             <a:t>Dinamização de registro de atividades</a:t>
           </a:r>
-          <a:endParaRPr lang="pt-BR" sz="2000" kern="1200" dirty="0"/>
+          <a:endParaRPr lang="pt-BR" sz="2000" b="1" kern="1200" dirty="0">
+            <a:solidFill>
+              <a:srgbClr val="7030A0"/>
+            </a:solidFill>
+          </a:endParaRPr>
         </a:p>
       </dsp:txBody>
       <dsp:txXfrm>
@@ -3201,7 +3542,7 @@
             <a:alphaOff val="0"/>
           </a:schemeClr>
         </a:solidFill>
-        <a:ln w="25400" cap="flat" cmpd="sng" algn="ctr">
+        <a:ln w="10000" cap="flat" cmpd="sng" algn="ctr">
           <a:solidFill>
             <a:schemeClr val="accent1">
               <a:hueOff val="0"/>
@@ -3212,16 +3553,29 @@
           </a:solidFill>
           <a:prstDash val="solid"/>
         </a:ln>
-        <a:effectLst/>
+        <a:effectLst>
+          <a:outerShdw blurRad="76200" dist="50800" dir="5400000" rotWithShape="0">
+            <a:srgbClr val="4E3B30">
+              <a:alpha val="60000"/>
+            </a:srgbClr>
+          </a:outerShdw>
+        </a:effectLst>
+        <a:scene3d>
+          <a:camera prst="orthographicFront"/>
+          <a:lightRig rig="flat" dir="t"/>
+        </a:scene3d>
+        <a:sp3d z="190500" extrusionH="12700" prstMaterial="plastic">
+          <a:bevelT w="50800" h="50800"/>
+        </a:sp3d>
       </dsp:spPr>
       <dsp:style>
-        <a:lnRef idx="2">
+        <a:lnRef idx="1">
           <a:scrgbClr r="0" g="0" b="0"/>
         </a:lnRef>
         <a:fillRef idx="1">
           <a:scrgbClr r="0" g="0" b="0"/>
         </a:fillRef>
-        <a:effectRef idx="0">
+        <a:effectRef idx="2">
           <a:scrgbClr r="0" g="0" b="0"/>
         </a:effectRef>
         <a:fontRef idx="minor"/>
@@ -3240,35 +3594,104 @@
         <a:prstGeom prst="roundRect">
           <a:avLst/>
         </a:prstGeom>
-        <a:solidFill>
-          <a:schemeClr val="accent1">
-            <a:hueOff val="0"/>
-            <a:satOff val="0"/>
-            <a:lumOff val="0"/>
-            <a:alphaOff val="0"/>
-          </a:schemeClr>
-        </a:solidFill>
-        <a:ln w="25400" cap="flat" cmpd="sng" algn="ctr">
-          <a:solidFill>
-            <a:schemeClr val="lt1">
-              <a:hueOff val="0"/>
-              <a:satOff val="0"/>
-              <a:lumOff val="0"/>
-              <a:alphaOff val="0"/>
-            </a:schemeClr>
-          </a:solidFill>
-          <a:prstDash val="solid"/>
+        <a:gradFill rotWithShape="0">
+          <a:gsLst>
+            <a:gs pos="0">
+              <a:schemeClr val="accent1">
+                <a:hueOff val="0"/>
+                <a:satOff val="0"/>
+                <a:lumOff val="0"/>
+                <a:alphaOff val="0"/>
+                <a:tint val="75000"/>
+                <a:shade val="85000"/>
+                <a:satMod val="230000"/>
+              </a:schemeClr>
+            </a:gs>
+            <a:gs pos="25000">
+              <a:schemeClr val="accent1">
+                <a:hueOff val="0"/>
+                <a:satOff val="0"/>
+                <a:lumOff val="0"/>
+                <a:alphaOff val="0"/>
+                <a:tint val="90000"/>
+                <a:shade val="70000"/>
+                <a:satMod val="220000"/>
+              </a:schemeClr>
+            </a:gs>
+            <a:gs pos="50000">
+              <a:schemeClr val="accent1">
+                <a:hueOff val="0"/>
+                <a:satOff val="0"/>
+                <a:lumOff val="0"/>
+                <a:alphaOff val="0"/>
+                <a:tint val="90000"/>
+                <a:shade val="58000"/>
+                <a:satMod val="225000"/>
+              </a:schemeClr>
+            </a:gs>
+            <a:gs pos="65000">
+              <a:schemeClr val="accent1">
+                <a:hueOff val="0"/>
+                <a:satOff val="0"/>
+                <a:lumOff val="0"/>
+                <a:alphaOff val="0"/>
+                <a:tint val="90000"/>
+                <a:shade val="58000"/>
+                <a:satMod val="225000"/>
+              </a:schemeClr>
+            </a:gs>
+            <a:gs pos="80000">
+              <a:schemeClr val="accent1">
+                <a:hueOff val="0"/>
+                <a:satOff val="0"/>
+                <a:lumOff val="0"/>
+                <a:alphaOff val="0"/>
+                <a:tint val="90000"/>
+                <a:shade val="69000"/>
+                <a:satMod val="220000"/>
+              </a:schemeClr>
+            </a:gs>
+            <a:gs pos="100000">
+              <a:schemeClr val="accent1">
+                <a:hueOff val="0"/>
+                <a:satOff val="0"/>
+                <a:lumOff val="0"/>
+                <a:alphaOff val="0"/>
+                <a:tint val="77000"/>
+                <a:shade val="80000"/>
+                <a:satMod val="230000"/>
+              </a:schemeClr>
+            </a:gs>
+          </a:gsLst>
+          <a:lin ang="5400000" scaled="1"/>
+        </a:gradFill>
+        <a:ln>
+          <a:noFill/>
         </a:ln>
-        <a:effectLst/>
+        <a:effectLst>
+          <a:outerShdw blurRad="76200" dist="50800" dir="5400000" rotWithShape="0">
+            <a:srgbClr val="4E3B30">
+              <a:alpha val="60000"/>
+            </a:srgbClr>
+          </a:outerShdw>
+        </a:effectLst>
+        <a:scene3d>
+          <a:camera prst="orthographicFront"/>
+          <a:lightRig rig="flat" dir="t"/>
+        </a:scene3d>
+        <a:sp3d prstMaterial="plastic">
+          <a:bevelT w="120900" h="88900"/>
+          <a:bevelB w="88900" h="31750" prst="angle"/>
+        </a:sp3d>
       </dsp:spPr>
       <dsp:style>
-        <a:lnRef idx="2">
+        <a:lnRef idx="0">
           <a:scrgbClr r="0" g="0" b="0"/>
         </a:lnRef>
-        <a:fillRef idx="1">
+        <a:fillRef idx="3">
           <a:scrgbClr r="0" g="0" b="0"/>
         </a:fillRef>
-        <a:effectRef idx="0">
+        <a:effectRef idx="2">
           <a:scrgbClr r="0" g="0" b="0"/>
         </a:effectRef>
         <a:fontRef idx="minor">
@@ -3293,10 +3716,18 @@
             </a:spcAft>
           </a:pPr>
           <a:r>
-            <a:rPr lang="pt-BR" sz="2000" kern="1200" dirty="0" smtClean="0"/>
+            <a:rPr lang="pt-BR" sz="2000" b="1" kern="1200" dirty="0" smtClean="0">
+              <a:solidFill>
+                <a:srgbClr val="7030A0"/>
+              </a:solidFill>
+            </a:rPr>
             <a:t> Acesso web em dispositivos moveis</a:t>
           </a:r>
-          <a:endParaRPr lang="pt-BR" sz="2000" kern="1200" dirty="0"/>
+          <a:endParaRPr lang="pt-BR" sz="2000" b="1" kern="1200" dirty="0">
+            <a:solidFill>
+              <a:srgbClr val="7030A0"/>
+            </a:solidFill>
+          </a:endParaRPr>
         </a:p>
       </dsp:txBody>
       <dsp:txXfrm>
@@ -3326,7 +3757,7 @@
             <a:alphaOff val="0"/>
           </a:schemeClr>
         </a:solidFill>
-        <a:ln w="25400" cap="flat" cmpd="sng" algn="ctr">
+        <a:ln w="10000" cap="flat" cmpd="sng" algn="ctr">
           <a:solidFill>
             <a:schemeClr val="accent1">
               <a:hueOff val="0"/>
@@ -3337,16 +3768,29 @@
           </a:solidFill>
           <a:prstDash val="solid"/>
         </a:ln>
-        <a:effectLst/>
+        <a:effectLst>
+          <a:outerShdw blurRad="76200" dist="50800" dir="5400000" rotWithShape="0">
+            <a:srgbClr val="4E3B30">
+              <a:alpha val="60000"/>
+            </a:srgbClr>
+          </a:outerShdw>
+        </a:effectLst>
+        <a:scene3d>
+          <a:camera prst="orthographicFront"/>
+          <a:lightRig rig="flat" dir="t"/>
+        </a:scene3d>
+        <a:sp3d z="190500" extrusionH="12700" prstMaterial="plastic">
+          <a:bevelT w="50800" h="50800"/>
+        </a:sp3d>
       </dsp:spPr>
       <dsp:style>
-        <a:lnRef idx="2">
+        <a:lnRef idx="1">
           <a:scrgbClr r="0" g="0" b="0"/>
         </a:lnRef>
         <a:fillRef idx="1">
           <a:scrgbClr r="0" g="0" b="0"/>
         </a:fillRef>
-        <a:effectRef idx="0">
+        <a:effectRef idx="2">
           <a:scrgbClr r="0" g="0" b="0"/>
         </a:effectRef>
         <a:fontRef idx="minor"/>
@@ -3365,35 +3809,104 @@
         <a:prstGeom prst="roundRect">
           <a:avLst/>
         </a:prstGeom>
-        <a:solidFill>
-          <a:schemeClr val="accent1">
-            <a:hueOff val="0"/>
-            <a:satOff val="0"/>
-            <a:lumOff val="0"/>
-            <a:alphaOff val="0"/>
-          </a:schemeClr>
-        </a:solidFill>
-        <a:ln w="25400" cap="flat" cmpd="sng" algn="ctr">
-          <a:solidFill>
-            <a:schemeClr val="lt1">
-              <a:hueOff val="0"/>
-              <a:satOff val="0"/>
-              <a:lumOff val="0"/>
-              <a:alphaOff val="0"/>
-            </a:schemeClr>
-          </a:solidFill>
-          <a:prstDash val="solid"/>
+        <a:gradFill rotWithShape="0">
+          <a:gsLst>
+            <a:gs pos="0">
+              <a:schemeClr val="accent1">
+                <a:hueOff val="0"/>
+                <a:satOff val="0"/>
+                <a:lumOff val="0"/>
+                <a:alphaOff val="0"/>
+                <a:tint val="75000"/>
+                <a:shade val="85000"/>
+                <a:satMod val="230000"/>
+              </a:schemeClr>
+            </a:gs>
+            <a:gs pos="25000">
+              <a:schemeClr val="accent1">
+                <a:hueOff val="0"/>
+                <a:satOff val="0"/>
+                <a:lumOff val="0"/>
+                <a:alphaOff val="0"/>
+                <a:tint val="90000"/>
+                <a:shade val="70000"/>
+                <a:satMod val="220000"/>
+              </a:schemeClr>
+            </a:gs>
+            <a:gs pos="50000">
+              <a:schemeClr val="accent1">
+                <a:hueOff val="0"/>
+                <a:satOff val="0"/>
+                <a:lumOff val="0"/>
+                <a:alphaOff val="0"/>
+                <a:tint val="90000"/>
+                <a:shade val="58000"/>
+                <a:satMod val="225000"/>
+              </a:schemeClr>
+            </a:gs>
+            <a:gs pos="65000">
+              <a:schemeClr val="accent1">
+                <a:hueOff val="0"/>
+                <a:satOff val="0"/>
+                <a:lumOff val="0"/>
+                <a:alphaOff val="0"/>
+                <a:tint val="90000"/>
+                <a:shade val="58000"/>
+                <a:satMod val="225000"/>
+              </a:schemeClr>
+            </a:gs>
+            <a:gs pos="80000">
+              <a:schemeClr val="accent1">
+                <a:hueOff val="0"/>
+                <a:satOff val="0"/>
+                <a:lumOff val="0"/>
+                <a:alphaOff val="0"/>
+                <a:tint val="90000"/>
+                <a:shade val="69000"/>
+                <a:satMod val="220000"/>
+              </a:schemeClr>
+            </a:gs>
+            <a:gs pos="100000">
+              <a:schemeClr val="accent1">
+                <a:hueOff val="0"/>
+                <a:satOff val="0"/>
+                <a:lumOff val="0"/>
+                <a:alphaOff val="0"/>
+                <a:tint val="77000"/>
+                <a:shade val="80000"/>
+                <a:satMod val="230000"/>
+              </a:schemeClr>
+            </a:gs>
+          </a:gsLst>
+          <a:lin ang="5400000" scaled="1"/>
+        </a:gradFill>
+        <a:ln>
+          <a:noFill/>
         </a:ln>
-        <a:effectLst/>
+        <a:effectLst>
+          <a:outerShdw blurRad="76200" dist="50800" dir="5400000" rotWithShape="0">
+            <a:srgbClr val="4E3B30">
+              <a:alpha val="60000"/>
+            </a:srgbClr>
+          </a:outerShdw>
+        </a:effectLst>
+        <a:scene3d>
+          <a:camera prst="orthographicFront"/>
+          <a:lightRig rig="flat" dir="t"/>
+        </a:scene3d>
+        <a:sp3d prstMaterial="plastic">
+          <a:bevelT w="120900" h="88900"/>
+          <a:bevelB w="88900" h="31750" prst="angle"/>
+        </a:sp3d>
       </dsp:spPr>
       <dsp:style>
-        <a:lnRef idx="2">
+        <a:lnRef idx="0">
           <a:scrgbClr r="0" g="0" b="0"/>
         </a:lnRef>
-        <a:fillRef idx="1">
+        <a:fillRef idx="3">
           <a:scrgbClr r="0" g="0" b="0"/>
         </a:fillRef>
-        <a:effectRef idx="0">
+        <a:effectRef idx="2">
           <a:scrgbClr r="0" g="0" b="0"/>
         </a:effectRef>
         <a:fontRef idx="minor">
@@ -3418,10 +3931,18 @@
             </a:spcAft>
           </a:pPr>
           <a:r>
-            <a:rPr lang="pt-BR" sz="2000" kern="1200" dirty="0" smtClean="0"/>
+            <a:rPr lang="pt-BR" sz="2000" b="1" kern="1200" dirty="0" smtClean="0">
+              <a:solidFill>
+                <a:srgbClr val="7030A0"/>
+              </a:solidFill>
+            </a:rPr>
             <a:t>Trabalho em grupo em ambiente multiusuário</a:t>
           </a:r>
-          <a:endParaRPr lang="pt-BR" sz="2000" kern="1200" dirty="0"/>
+          <a:endParaRPr lang="pt-BR" sz="2000" b="1" kern="1200" dirty="0">
+            <a:solidFill>
+              <a:srgbClr val="7030A0"/>
+            </a:solidFill>
+          </a:endParaRPr>
         </a:p>
       </dsp:txBody>
       <dsp:txXfrm>
@@ -3451,7 +3972,7 @@
             <a:alphaOff val="0"/>
           </a:schemeClr>
         </a:solidFill>
-        <a:ln w="25400" cap="flat" cmpd="sng" algn="ctr">
+        <a:ln w="10000" cap="flat" cmpd="sng" algn="ctr">
           <a:solidFill>
             <a:schemeClr val="accent1">
               <a:hueOff val="0"/>
@@ -3462,16 +3983,29 @@
           </a:solidFill>
           <a:prstDash val="solid"/>
         </a:ln>
-        <a:effectLst/>
+        <a:effectLst>
+          <a:outerShdw blurRad="76200" dist="50800" dir="5400000" rotWithShape="0">
+            <a:srgbClr val="4E3B30">
+              <a:alpha val="60000"/>
+            </a:srgbClr>
+          </a:outerShdw>
+        </a:effectLst>
+        <a:scene3d>
+          <a:camera prst="orthographicFront"/>
+          <a:lightRig rig="flat" dir="t"/>
+        </a:scene3d>
+        <a:sp3d z="190500" extrusionH="12700" prstMaterial="plastic">
+          <a:bevelT w="50800" h="50800"/>
+        </a:sp3d>
       </dsp:spPr>
       <dsp:style>
-        <a:lnRef idx="2">
+        <a:lnRef idx="1">
           <a:scrgbClr r="0" g="0" b="0"/>
         </a:lnRef>
         <a:fillRef idx="1">
           <a:scrgbClr r="0" g="0" b="0"/>
         </a:fillRef>
-        <a:effectRef idx="0">
+        <a:effectRef idx="2">
           <a:scrgbClr r="0" g="0" b="0"/>
         </a:effectRef>
         <a:fontRef idx="minor"/>
@@ -3490,35 +4024,104 @@
         <a:prstGeom prst="roundRect">
           <a:avLst/>
         </a:prstGeom>
-        <a:solidFill>
-          <a:schemeClr val="accent1">
-            <a:hueOff val="0"/>
-            <a:satOff val="0"/>
-            <a:lumOff val="0"/>
-            <a:alphaOff val="0"/>
-          </a:schemeClr>
-        </a:solidFill>
-        <a:ln w="25400" cap="flat" cmpd="sng" algn="ctr">
-          <a:solidFill>
-            <a:schemeClr val="lt1">
-              <a:hueOff val="0"/>
-              <a:satOff val="0"/>
-              <a:lumOff val="0"/>
-              <a:alphaOff val="0"/>
-            </a:schemeClr>
-          </a:solidFill>
-          <a:prstDash val="solid"/>
+        <a:gradFill rotWithShape="0">
+          <a:gsLst>
+            <a:gs pos="0">
+              <a:schemeClr val="accent1">
+                <a:hueOff val="0"/>
+                <a:satOff val="0"/>
+                <a:lumOff val="0"/>
+                <a:alphaOff val="0"/>
+                <a:tint val="75000"/>
+                <a:shade val="85000"/>
+                <a:satMod val="230000"/>
+              </a:schemeClr>
+            </a:gs>
+            <a:gs pos="25000">
+              <a:schemeClr val="accent1">
+                <a:hueOff val="0"/>
+                <a:satOff val="0"/>
+                <a:lumOff val="0"/>
+                <a:alphaOff val="0"/>
+                <a:tint val="90000"/>
+                <a:shade val="70000"/>
+                <a:satMod val="220000"/>
+              </a:schemeClr>
+            </a:gs>
+            <a:gs pos="50000">
+              <a:schemeClr val="accent1">
+                <a:hueOff val="0"/>
+                <a:satOff val="0"/>
+                <a:lumOff val="0"/>
+                <a:alphaOff val="0"/>
+                <a:tint val="90000"/>
+                <a:shade val="58000"/>
+                <a:satMod val="225000"/>
+              </a:schemeClr>
+            </a:gs>
+            <a:gs pos="65000">
+              <a:schemeClr val="accent1">
+                <a:hueOff val="0"/>
+                <a:satOff val="0"/>
+                <a:lumOff val="0"/>
+                <a:alphaOff val="0"/>
+                <a:tint val="90000"/>
+                <a:shade val="58000"/>
+                <a:satMod val="225000"/>
+              </a:schemeClr>
+            </a:gs>
+            <a:gs pos="80000">
+              <a:schemeClr val="accent1">
+                <a:hueOff val="0"/>
+                <a:satOff val="0"/>
+                <a:lumOff val="0"/>
+                <a:alphaOff val="0"/>
+                <a:tint val="90000"/>
+                <a:shade val="69000"/>
+                <a:satMod val="220000"/>
+              </a:schemeClr>
+            </a:gs>
+            <a:gs pos="100000">
+              <a:schemeClr val="accent1">
+                <a:hueOff val="0"/>
+                <a:satOff val="0"/>
+                <a:lumOff val="0"/>
+                <a:alphaOff val="0"/>
+                <a:tint val="77000"/>
+                <a:shade val="80000"/>
+                <a:satMod val="230000"/>
+              </a:schemeClr>
+            </a:gs>
+          </a:gsLst>
+          <a:lin ang="5400000" scaled="1"/>
+        </a:gradFill>
+        <a:ln>
+          <a:noFill/>
         </a:ln>
-        <a:effectLst/>
+        <a:effectLst>
+          <a:outerShdw blurRad="76200" dist="50800" dir="5400000" rotWithShape="0">
+            <a:srgbClr val="4E3B30">
+              <a:alpha val="60000"/>
+            </a:srgbClr>
+          </a:outerShdw>
+        </a:effectLst>
+        <a:scene3d>
+          <a:camera prst="orthographicFront"/>
+          <a:lightRig rig="flat" dir="t"/>
+        </a:scene3d>
+        <a:sp3d prstMaterial="plastic">
+          <a:bevelT w="120900" h="88900"/>
+          <a:bevelB w="88900" h="31750" prst="angle"/>
+        </a:sp3d>
       </dsp:spPr>
       <dsp:style>
-        <a:lnRef idx="2">
+        <a:lnRef idx="0">
           <a:scrgbClr r="0" g="0" b="0"/>
         </a:lnRef>
-        <a:fillRef idx="1">
+        <a:fillRef idx="3">
           <a:scrgbClr r="0" g="0" b="0"/>
         </a:fillRef>
-        <a:effectRef idx="0">
+        <a:effectRef idx="2">
           <a:scrgbClr r="0" g="0" b="0"/>
         </a:effectRef>
         <a:fontRef idx="minor">
@@ -3543,10 +4146,18 @@
             </a:spcAft>
           </a:pPr>
           <a:r>
-            <a:rPr lang="pt-BR" sz="2000" kern="1200" dirty="0" smtClean="0"/>
+            <a:rPr lang="pt-BR" sz="2000" b="1" kern="1200" dirty="0" smtClean="0">
+              <a:solidFill>
+                <a:srgbClr val="7030A0"/>
+              </a:solidFill>
+            </a:rPr>
             <a:t>Controles de acadêmicos </a:t>
           </a:r>
-          <a:endParaRPr lang="pt-BR" sz="2000" kern="1200" dirty="0"/>
+          <a:endParaRPr lang="pt-BR" sz="2000" b="1" kern="1200" dirty="0">
+            <a:solidFill>
+              <a:srgbClr val="7030A0"/>
+            </a:solidFill>
+          </a:endParaRPr>
         </a:p>
       </dsp:txBody>
       <dsp:txXfrm>
@@ -3576,7 +4187,7 @@
             <a:alphaOff val="0"/>
           </a:schemeClr>
         </a:solidFill>
-        <a:ln w="25400" cap="flat" cmpd="sng" algn="ctr">
+        <a:ln w="10000" cap="flat" cmpd="sng" algn="ctr">
           <a:solidFill>
             <a:schemeClr val="accent1">
               <a:hueOff val="0"/>
@@ -3587,16 +4198,29 @@
           </a:solidFill>
           <a:prstDash val="solid"/>
         </a:ln>
-        <a:effectLst/>
+        <a:effectLst>
+          <a:outerShdw blurRad="76200" dist="50800" dir="5400000" rotWithShape="0">
+            <a:srgbClr val="4E3B30">
+              <a:alpha val="60000"/>
+            </a:srgbClr>
+          </a:outerShdw>
+        </a:effectLst>
+        <a:scene3d>
+          <a:camera prst="orthographicFront"/>
+          <a:lightRig rig="flat" dir="t"/>
+        </a:scene3d>
+        <a:sp3d z="190500" extrusionH="12700" prstMaterial="plastic">
+          <a:bevelT w="50800" h="50800"/>
+        </a:sp3d>
       </dsp:spPr>
       <dsp:style>
-        <a:lnRef idx="2">
+        <a:lnRef idx="1">
           <a:scrgbClr r="0" g="0" b="0"/>
         </a:lnRef>
         <a:fillRef idx="1">
           <a:scrgbClr r="0" g="0" b="0"/>
         </a:fillRef>
-        <a:effectRef idx="0">
+        <a:effectRef idx="2">
           <a:scrgbClr r="0" g="0" b="0"/>
         </a:effectRef>
         <a:fontRef idx="minor"/>
@@ -3615,35 +4239,104 @@
         <a:prstGeom prst="roundRect">
           <a:avLst/>
         </a:prstGeom>
-        <a:solidFill>
-          <a:schemeClr val="accent1">
-            <a:hueOff val="0"/>
-            <a:satOff val="0"/>
-            <a:lumOff val="0"/>
-            <a:alphaOff val="0"/>
-          </a:schemeClr>
-        </a:solidFill>
-        <a:ln w="25400" cap="flat" cmpd="sng" algn="ctr">
-          <a:solidFill>
-            <a:schemeClr val="lt1">
-              <a:hueOff val="0"/>
-              <a:satOff val="0"/>
-              <a:lumOff val="0"/>
-              <a:alphaOff val="0"/>
-            </a:schemeClr>
-          </a:solidFill>
-          <a:prstDash val="solid"/>
+        <a:gradFill rotWithShape="0">
+          <a:gsLst>
+            <a:gs pos="0">
+              <a:schemeClr val="accent1">
+                <a:hueOff val="0"/>
+                <a:satOff val="0"/>
+                <a:lumOff val="0"/>
+                <a:alphaOff val="0"/>
+                <a:tint val="75000"/>
+                <a:shade val="85000"/>
+                <a:satMod val="230000"/>
+              </a:schemeClr>
+            </a:gs>
+            <a:gs pos="25000">
+              <a:schemeClr val="accent1">
+                <a:hueOff val="0"/>
+                <a:satOff val="0"/>
+                <a:lumOff val="0"/>
+                <a:alphaOff val="0"/>
+                <a:tint val="90000"/>
+                <a:shade val="70000"/>
+                <a:satMod val="220000"/>
+              </a:schemeClr>
+            </a:gs>
+            <a:gs pos="50000">
+              <a:schemeClr val="accent1">
+                <a:hueOff val="0"/>
+                <a:satOff val="0"/>
+                <a:lumOff val="0"/>
+                <a:alphaOff val="0"/>
+                <a:tint val="90000"/>
+                <a:shade val="58000"/>
+                <a:satMod val="225000"/>
+              </a:schemeClr>
+            </a:gs>
+            <a:gs pos="65000">
+              <a:schemeClr val="accent1">
+                <a:hueOff val="0"/>
+                <a:satOff val="0"/>
+                <a:lumOff val="0"/>
+                <a:alphaOff val="0"/>
+                <a:tint val="90000"/>
+                <a:shade val="58000"/>
+                <a:satMod val="225000"/>
+              </a:schemeClr>
+            </a:gs>
+            <a:gs pos="80000">
+              <a:schemeClr val="accent1">
+                <a:hueOff val="0"/>
+                <a:satOff val="0"/>
+                <a:lumOff val="0"/>
+                <a:alphaOff val="0"/>
+                <a:tint val="90000"/>
+                <a:shade val="69000"/>
+                <a:satMod val="220000"/>
+              </a:schemeClr>
+            </a:gs>
+            <a:gs pos="100000">
+              <a:schemeClr val="accent1">
+                <a:hueOff val="0"/>
+                <a:satOff val="0"/>
+                <a:lumOff val="0"/>
+                <a:alphaOff val="0"/>
+                <a:tint val="77000"/>
+                <a:shade val="80000"/>
+                <a:satMod val="230000"/>
+              </a:schemeClr>
+            </a:gs>
+          </a:gsLst>
+          <a:lin ang="5400000" scaled="1"/>
+        </a:gradFill>
+        <a:ln>
+          <a:noFill/>
         </a:ln>
-        <a:effectLst/>
+        <a:effectLst>
+          <a:outerShdw blurRad="76200" dist="50800" dir="5400000" rotWithShape="0">
+            <a:srgbClr val="4E3B30">
+              <a:alpha val="60000"/>
+            </a:srgbClr>
+          </a:outerShdw>
+        </a:effectLst>
+        <a:scene3d>
+          <a:camera prst="orthographicFront"/>
+          <a:lightRig rig="flat" dir="t"/>
+        </a:scene3d>
+        <a:sp3d prstMaterial="plastic">
+          <a:bevelT w="120900" h="88900"/>
+          <a:bevelB w="88900" h="31750" prst="angle"/>
+        </a:sp3d>
       </dsp:spPr>
       <dsp:style>
-        <a:lnRef idx="2">
+        <a:lnRef idx="0">
           <a:scrgbClr r="0" g="0" b="0"/>
         </a:lnRef>
-        <a:fillRef idx="1">
+        <a:fillRef idx="3">
           <a:scrgbClr r="0" g="0" b="0"/>
         </a:fillRef>
-        <a:effectRef idx="0">
+        <a:effectRef idx="2">
           <a:scrgbClr r="0" g="0" b="0"/>
         </a:effectRef>
         <a:fontRef idx="minor">
@@ -3668,10 +4361,18 @@
             </a:spcAft>
           </a:pPr>
           <a:r>
-            <a:rPr lang="pt-BR" sz="2000" kern="1200" dirty="0" smtClean="0"/>
+            <a:rPr lang="pt-BR" sz="2000" b="1" kern="1200" dirty="0" smtClean="0">
+              <a:solidFill>
+                <a:srgbClr val="7030A0"/>
+              </a:solidFill>
+            </a:rPr>
             <a:t>Controles financeiros</a:t>
           </a:r>
-          <a:endParaRPr lang="pt-BR" sz="2000" kern="1200" dirty="0"/>
+          <a:endParaRPr lang="pt-BR" sz="2000" b="1" kern="1200" dirty="0">
+            <a:solidFill>
+              <a:srgbClr val="7030A0"/>
+            </a:solidFill>
+          </a:endParaRPr>
         </a:p>
       </dsp:txBody>
       <dsp:txXfrm>
@@ -3701,7 +4402,7 @@
             <a:alphaOff val="0"/>
           </a:schemeClr>
         </a:solidFill>
-        <a:ln w="25400" cap="flat" cmpd="sng" algn="ctr">
+        <a:ln w="10000" cap="flat" cmpd="sng" algn="ctr">
           <a:solidFill>
             <a:schemeClr val="accent1">
               <a:hueOff val="0"/>
@@ -3712,16 +4413,29 @@
           </a:solidFill>
           <a:prstDash val="solid"/>
         </a:ln>
-        <a:effectLst/>
+        <a:effectLst>
+          <a:outerShdw blurRad="76200" dist="50800" dir="5400000" rotWithShape="0">
+            <a:srgbClr val="4E3B30">
+              <a:alpha val="60000"/>
+            </a:srgbClr>
+          </a:outerShdw>
+        </a:effectLst>
+        <a:scene3d>
+          <a:camera prst="orthographicFront"/>
+          <a:lightRig rig="flat" dir="t"/>
+        </a:scene3d>
+        <a:sp3d z="190500" extrusionH="12700" prstMaterial="plastic">
+          <a:bevelT w="50800" h="50800"/>
+        </a:sp3d>
       </dsp:spPr>
       <dsp:style>
-        <a:lnRef idx="2">
+        <a:lnRef idx="1">
           <a:scrgbClr r="0" g="0" b="0"/>
         </a:lnRef>
         <a:fillRef idx="1">
           <a:scrgbClr r="0" g="0" b="0"/>
         </a:fillRef>
-        <a:effectRef idx="0">
+        <a:effectRef idx="2">
           <a:scrgbClr r="0" g="0" b="0"/>
         </a:effectRef>
         <a:fontRef idx="minor"/>
@@ -3740,35 +4454,104 @@
         <a:prstGeom prst="roundRect">
           <a:avLst/>
         </a:prstGeom>
-        <a:solidFill>
-          <a:schemeClr val="accent1">
-            <a:hueOff val="0"/>
-            <a:satOff val="0"/>
-            <a:lumOff val="0"/>
-            <a:alphaOff val="0"/>
-          </a:schemeClr>
-        </a:solidFill>
-        <a:ln w="25400" cap="flat" cmpd="sng" algn="ctr">
-          <a:solidFill>
-            <a:schemeClr val="lt1">
-              <a:hueOff val="0"/>
-              <a:satOff val="0"/>
-              <a:lumOff val="0"/>
-              <a:alphaOff val="0"/>
-            </a:schemeClr>
-          </a:solidFill>
-          <a:prstDash val="solid"/>
+        <a:gradFill rotWithShape="0">
+          <a:gsLst>
+            <a:gs pos="0">
+              <a:schemeClr val="accent1">
+                <a:hueOff val="0"/>
+                <a:satOff val="0"/>
+                <a:lumOff val="0"/>
+                <a:alphaOff val="0"/>
+                <a:tint val="75000"/>
+                <a:shade val="85000"/>
+                <a:satMod val="230000"/>
+              </a:schemeClr>
+            </a:gs>
+            <a:gs pos="25000">
+              <a:schemeClr val="accent1">
+                <a:hueOff val="0"/>
+                <a:satOff val="0"/>
+                <a:lumOff val="0"/>
+                <a:alphaOff val="0"/>
+                <a:tint val="90000"/>
+                <a:shade val="70000"/>
+                <a:satMod val="220000"/>
+              </a:schemeClr>
+            </a:gs>
+            <a:gs pos="50000">
+              <a:schemeClr val="accent1">
+                <a:hueOff val="0"/>
+                <a:satOff val="0"/>
+                <a:lumOff val="0"/>
+                <a:alphaOff val="0"/>
+                <a:tint val="90000"/>
+                <a:shade val="58000"/>
+                <a:satMod val="225000"/>
+              </a:schemeClr>
+            </a:gs>
+            <a:gs pos="65000">
+              <a:schemeClr val="accent1">
+                <a:hueOff val="0"/>
+                <a:satOff val="0"/>
+                <a:lumOff val="0"/>
+                <a:alphaOff val="0"/>
+                <a:tint val="90000"/>
+                <a:shade val="58000"/>
+                <a:satMod val="225000"/>
+              </a:schemeClr>
+            </a:gs>
+            <a:gs pos="80000">
+              <a:schemeClr val="accent1">
+                <a:hueOff val="0"/>
+                <a:satOff val="0"/>
+                <a:lumOff val="0"/>
+                <a:alphaOff val="0"/>
+                <a:tint val="90000"/>
+                <a:shade val="69000"/>
+                <a:satMod val="220000"/>
+              </a:schemeClr>
+            </a:gs>
+            <a:gs pos="100000">
+              <a:schemeClr val="accent1">
+                <a:hueOff val="0"/>
+                <a:satOff val="0"/>
+                <a:lumOff val="0"/>
+                <a:alphaOff val="0"/>
+                <a:tint val="77000"/>
+                <a:shade val="80000"/>
+                <a:satMod val="230000"/>
+              </a:schemeClr>
+            </a:gs>
+          </a:gsLst>
+          <a:lin ang="5400000" scaled="1"/>
+        </a:gradFill>
+        <a:ln>
+          <a:noFill/>
         </a:ln>
-        <a:effectLst/>
+        <a:effectLst>
+          <a:outerShdw blurRad="76200" dist="50800" dir="5400000" rotWithShape="0">
+            <a:srgbClr val="4E3B30">
+              <a:alpha val="60000"/>
+            </a:srgbClr>
+          </a:outerShdw>
+        </a:effectLst>
+        <a:scene3d>
+          <a:camera prst="orthographicFront"/>
+          <a:lightRig rig="flat" dir="t"/>
+        </a:scene3d>
+        <a:sp3d prstMaterial="plastic">
+          <a:bevelT w="120900" h="88900"/>
+          <a:bevelB w="88900" h="31750" prst="angle"/>
+        </a:sp3d>
       </dsp:spPr>
       <dsp:style>
-        <a:lnRef idx="2">
+        <a:lnRef idx="0">
           <a:scrgbClr r="0" g="0" b="0"/>
         </a:lnRef>
-        <a:fillRef idx="1">
+        <a:fillRef idx="3">
           <a:scrgbClr r="0" g="0" b="0"/>
         </a:fillRef>
-        <a:effectRef idx="0">
+        <a:effectRef idx="2">
           <a:scrgbClr r="0" g="0" b="0"/>
         </a:effectRef>
         <a:fontRef idx="minor">
@@ -3793,10 +4576,18 @@
             </a:spcAft>
           </a:pPr>
           <a:r>
-            <a:rPr lang="pt-BR" sz="2000" kern="1200" dirty="0" smtClean="0"/>
+            <a:rPr lang="pt-BR" sz="2000" b="1" kern="1200" dirty="0" smtClean="0">
+              <a:solidFill>
+                <a:srgbClr val="7030A0"/>
+              </a:solidFill>
+            </a:rPr>
             <a:t>Controle de contas a pagar</a:t>
           </a:r>
-          <a:endParaRPr lang="pt-BR" sz="2000" kern="1200" dirty="0"/>
+          <a:endParaRPr lang="pt-BR" sz="2000" b="1" kern="1200" dirty="0">
+            <a:solidFill>
+              <a:srgbClr val="7030A0"/>
+            </a:solidFill>
+          </a:endParaRPr>
         </a:p>
       </dsp:txBody>
       <dsp:txXfrm>
@@ -3823,17 +4614,61 @@
       </dsp:nvSpPr>
       <dsp:spPr>
         <a:xfrm>
-          <a:off x="3739" y="1284064"/>
-          <a:ext cx="2373731" cy="1957832"/>
+          <a:off x="3739" y="1495569"/>
+          <a:ext cx="2373731" cy="1534822"/>
         </a:xfrm>
         <a:prstGeom prst="roundRect">
           <a:avLst>
             <a:gd name="adj" fmla="val 10000"/>
           </a:avLst>
         </a:prstGeom>
-        <a:solidFill>
-          <a:srgbClr val="C00000"/>
-        </a:solidFill>
+        <a:gradFill rotWithShape="1">
+          <a:gsLst>
+            <a:gs pos="0">
+              <a:schemeClr val="accent3">
+                <a:tint val="75000"/>
+                <a:shade val="85000"/>
+                <a:satMod val="230000"/>
+              </a:schemeClr>
+            </a:gs>
+            <a:gs pos="25000">
+              <a:schemeClr val="accent3">
+                <a:tint val="90000"/>
+                <a:shade val="70000"/>
+                <a:satMod val="220000"/>
+              </a:schemeClr>
+            </a:gs>
+            <a:gs pos="50000">
+              <a:schemeClr val="accent3">
+                <a:tint val="90000"/>
+                <a:shade val="58000"/>
+                <a:satMod val="225000"/>
+              </a:schemeClr>
+            </a:gs>
+            <a:gs pos="65000">
+              <a:schemeClr val="accent3">
+                <a:tint val="90000"/>
+                <a:shade val="58000"/>
+                <a:satMod val="225000"/>
+              </a:schemeClr>
+            </a:gs>
+            <a:gs pos="80000">
+              <a:schemeClr val="accent3">
+                <a:tint val="90000"/>
+                <a:shade val="69000"/>
+                <a:satMod val="220000"/>
+              </a:schemeClr>
+            </a:gs>
+            <a:gs pos="100000">
+              <a:schemeClr val="accent3">
+                <a:tint val="77000"/>
+                <a:shade val="80000"/>
+                <a:satMod val="230000"/>
+              </a:schemeClr>
+            </a:gs>
+          </a:gsLst>
+          <a:lin ang="5400000" scaled="1"/>
+        </a:gradFill>
         <a:ln w="10000" cap="flat" cmpd="sng" algn="ctr">
           <a:solidFill>
             <a:schemeClr val="accent3"/>
@@ -3841,7 +4676,11 @@
           <a:prstDash val="solid"/>
         </a:ln>
         <a:effectLst>
-          <a:reflection blurRad="6350" stA="52000" endA="300" endPos="35000" dir="5400000" sy="-100000" algn="bl" rotWithShape="0"/>
+          <a:outerShdw blurRad="76200" dist="50800" dir="5400000" rotWithShape="0">
+            <a:srgbClr val="4E3B30">
+              <a:alpha val="60000"/>
+            </a:srgbClr>
+          </a:outerShdw>
         </a:effectLst>
         <a:scene3d>
           <a:camera prst="orthographicFront"/>
@@ -3883,30 +4722,49 @@
             </a:spcAft>
             <a:buChar char="••"/>
           </a:pPr>
+          <a:endParaRPr lang="pt-BR" sz="1600" b="1" kern="1200" dirty="0">
+            <a:solidFill>
+              <a:schemeClr val="bg1">
+                <a:lumMod val="85000"/>
+              </a:schemeClr>
+            </a:solidFill>
+          </a:endParaRPr>
+        </a:p>
+        <a:p>
+          <a:pPr marL="171450" lvl="1" indent="-171450" algn="l" defTabSz="711200">
+            <a:lnSpc>
+              <a:spcPct val="90000"/>
+            </a:lnSpc>
+            <a:spcBef>
+              <a:spcPct val="0"/>
+            </a:spcBef>
+            <a:spcAft>
+              <a:spcPct val="15000"/>
+            </a:spcAft>
+            <a:buChar char="••"/>
+          </a:pPr>
           <a:r>
             <a:rPr lang="pt-BR" sz="1600" b="1" kern="1200" dirty="0" smtClean="0">
               <a:solidFill>
-                <a:schemeClr val="accent6">
-                  <a:lumMod val="60000"/>
-                  <a:lumOff val="40000"/>
+                <a:schemeClr val="bg1">
+                  <a:lumMod val="85000"/>
                 </a:schemeClr>
               </a:solidFill>
             </a:rPr>
-            <a:t>Ambiente de servidor</a:t>
+            <a:t>Ambiente de servidor de dados</a:t>
           </a:r>
           <a:endParaRPr lang="pt-BR" sz="1600" b="1" kern="1200" dirty="0">
             <a:solidFill>
-              <a:schemeClr val="accent6">
-                <a:lumMod val="60000"/>
-                <a:lumOff val="40000"/>
+              <a:schemeClr val="bg1">
+                <a:lumMod val="85000"/>
               </a:schemeClr>
             </a:solidFill>
           </a:endParaRPr>
         </a:p>
       </dsp:txBody>
       <dsp:txXfrm>
-        <a:off x="3739" y="1284064"/>
-        <a:ext cx="2373731" cy="1538296"/>
+        <a:off x="3739" y="1495569"/>
+        <a:ext cx="2373731" cy="1205932"/>
       </dsp:txXfrm>
     </dsp:sp>
     <dsp:sp modelId="{BB47B8A7-A69A-47BA-8429-499D75D98923}">
@@ -3916,17 +4774,11 @@
       </dsp:nvSpPr>
       <dsp:spPr>
         <a:xfrm>
-          <a:off x="1340670" y="1760974"/>
-          <a:ext cx="2602103" cy="2602103"/>
+          <a:off x="5131256" y="4463843"/>
+          <a:ext cx="66552" cy="124236"/>
         </a:xfrm>
-        <a:prstGeom prst="leftCircularArrow">
-          <a:avLst>
-            <a:gd name="adj1" fmla="val 3095"/>
-            <a:gd name="adj2" fmla="val 380284"/>
-            <a:gd name="adj3" fmla="val 2155794"/>
-            <a:gd name="adj4" fmla="val 9024489"/>
-            <a:gd name="adj5" fmla="val 3610"/>
-          </a:avLst>
+        <a:prstGeom prst="mathMultiply">
+          <a:avLst/>
         </a:prstGeom>
         <a:gradFill rotWithShape="0">
           <a:gsLst>
@@ -4046,8 +4898,8 @@
       </dsp:nvSpPr>
       <dsp:spPr>
         <a:xfrm>
-          <a:off x="531235" y="2822361"/>
-          <a:ext cx="2109983" cy="839070"/>
+          <a:off x="450782" y="938731"/>
+          <a:ext cx="2109983" cy="657781"/>
         </a:xfrm>
         <a:prstGeom prst="roundRect">
           <a:avLst>
@@ -4140,12 +4992,12 @@
         </a:fontRef>
       </dsp:style>
       <dsp:txBody>
-        <a:bodyPr spcFirstLastPara="0" vert="horz" wrap="square" lIns="38100" tIns="25400" rIns="38100" bIns="25400" numCol="1" spcCol="1270" anchor="ctr" anchorCtr="0">
+        <a:bodyPr spcFirstLastPara="0" vert="horz" wrap="square" lIns="30480" tIns="20320" rIns="30480" bIns="20320" numCol="1" spcCol="1270" anchor="ctr" anchorCtr="0">
           <a:noAutofit/>
         </a:bodyPr>
         <a:lstStyle/>
         <a:p>
-          <a:pPr lvl="0" algn="ctr" defTabSz="889000">
+          <a:pPr lvl="0" algn="ctr" defTabSz="711200">
             <a:lnSpc>
               <a:spcPct val="90000"/>
             </a:lnSpc>
@@ -4157,14 +5009,14 @@
             </a:spcAft>
           </a:pPr>
           <a:r>
-            <a:rPr lang="pt-BR" sz="2000" b="1" kern="1200" dirty="0" smtClean="0">
+            <a:rPr lang="pt-BR" sz="1600" b="1" kern="1200" dirty="0" smtClean="0">
               <a:solidFill>
                 <a:srgbClr val="0070C0"/>
               </a:solidFill>
             </a:rPr>
             <a:t>Base de dados </a:t>
           </a:r>
-          <a:endParaRPr lang="pt-BR" sz="2000" b="1" kern="1200" dirty="0">
+          <a:endParaRPr lang="pt-BR" sz="1600" b="1" kern="1200" dirty="0">
             <a:solidFill>
               <a:srgbClr val="0070C0"/>
             </a:solidFill>
@@ -4172,8 +5024,8 @@
         </a:p>
       </dsp:txBody>
       <dsp:txXfrm>
-        <a:off x="531235" y="2822361"/>
-        <a:ext cx="2109983" cy="839070"/>
+        <a:off x="450782" y="938731"/>
+        <a:ext cx="2109983" cy="657781"/>
       </dsp:txXfrm>
     </dsp:sp>
     <dsp:sp modelId="{0C27C69B-3C82-4A7E-9AEC-146B678149A2}">
@@ -4183,17 +5035,61 @@
       </dsp:nvSpPr>
       <dsp:spPr>
         <a:xfrm>
-          <a:off x="3024660" y="1284064"/>
-          <a:ext cx="2373731" cy="1957832"/>
+          <a:off x="3024660" y="1495569"/>
+          <a:ext cx="2373731" cy="1534822"/>
         </a:xfrm>
         <a:prstGeom prst="roundRect">
           <a:avLst>
             <a:gd name="adj" fmla="val 10000"/>
           </a:avLst>
         </a:prstGeom>
-        <a:solidFill>
-          <a:srgbClr val="C00000"/>
-        </a:solidFill>
+        <a:gradFill rotWithShape="1">
+          <a:gsLst>
+            <a:gs pos="0">
+              <a:schemeClr val="accent3">
+                <a:tint val="75000"/>
+                <a:shade val="85000"/>
+                <a:satMod val="230000"/>
+              </a:schemeClr>
+            </a:gs>
+            <a:gs pos="25000">
+              <a:schemeClr val="accent3">
+                <a:tint val="90000"/>
+                <a:shade val="70000"/>
+                <a:satMod val="220000"/>
+              </a:schemeClr>
+            </a:gs>
+            <a:gs pos="50000">
+              <a:schemeClr val="accent3">
+                <a:tint val="90000"/>
+                <a:shade val="58000"/>
+                <a:satMod val="225000"/>
+              </a:schemeClr>
+            </a:gs>
+            <a:gs pos="65000">
+              <a:schemeClr val="accent3">
+                <a:tint val="90000"/>
+                <a:shade val="58000"/>
+                <a:satMod val="225000"/>
+              </a:schemeClr>
+            </a:gs>
+            <a:gs pos="80000">
+              <a:schemeClr val="accent3">
+                <a:tint val="90000"/>
+                <a:shade val="69000"/>
+                <a:satMod val="220000"/>
+              </a:schemeClr>
+            </a:gs>
+            <a:gs pos="100000">
+              <a:schemeClr val="accent3">
+                <a:tint val="77000"/>
+                <a:shade val="80000"/>
+                <a:satMod val="230000"/>
+              </a:schemeClr>
+            </a:gs>
+          </a:gsLst>
+          <a:lin ang="5400000" scaled="1"/>
+        </a:gradFill>
         <a:ln w="10000" cap="flat" cmpd="sng" algn="ctr">
           <a:solidFill>
             <a:schemeClr val="accent3"/>
@@ -4201,7 +5097,11 @@
           <a:prstDash val="solid"/>
         </a:ln>
         <a:effectLst>
-          <a:reflection blurRad="6350" stA="52000" endA="300" endPos="35000" dir="5400000" sy="-100000" algn="bl" rotWithShape="0"/>
+          <a:outerShdw blurRad="76200" dist="50800" dir="5400000" rotWithShape="0">
+            <a:srgbClr val="4E3B30">
+              <a:alpha val="60000"/>
+            </a:srgbClr>
+          </a:outerShdw>
         </a:effectLst>
         <a:scene3d>
           <a:camera prst="orthographicFront"/>
@@ -4243,71 +5143,28 @@
             </a:spcAft>
             <a:buChar char="••"/>
           </a:pPr>
-          <a:endParaRPr lang="pt-BR" sz="1600" b="1" kern="1200" dirty="0">
-            <a:solidFill>
-              <a:srgbClr val="0070C0"/>
-            </a:solidFill>
-          </a:endParaRPr>
-        </a:p>
-        <a:p>
-          <a:pPr marL="171450" lvl="1" indent="-171450" algn="l" defTabSz="711200">
-            <a:lnSpc>
-              <a:spcPct val="90000"/>
-            </a:lnSpc>
-            <a:spcBef>
-              <a:spcPct val="0"/>
-            </a:spcBef>
-            <a:spcAft>
-              <a:spcPct val="15000"/>
-            </a:spcAft>
-            <a:buChar char="••"/>
-          </a:pPr>
-          <a:endParaRPr lang="pt-BR" sz="1600" b="1" kern="1200" dirty="0">
-            <a:solidFill>
-              <a:schemeClr val="accent6">
-                <a:lumMod val="60000"/>
-                <a:lumOff val="40000"/>
-              </a:schemeClr>
-            </a:solidFill>
-          </a:endParaRPr>
-        </a:p>
-        <a:p>
-          <a:pPr marL="171450" lvl="1" indent="-171450" algn="l" defTabSz="711200">
-            <a:lnSpc>
-              <a:spcPct val="90000"/>
-            </a:lnSpc>
-            <a:spcBef>
-              <a:spcPct val="0"/>
-            </a:spcBef>
-            <a:spcAft>
-              <a:spcPct val="15000"/>
-            </a:spcAft>
-            <a:buChar char="••"/>
-          </a:pPr>
           <a:r>
             <a:rPr lang="pt-BR" sz="1600" b="1" kern="1200" dirty="0" smtClean="0">
               <a:solidFill>
-                <a:schemeClr val="accent6">
-                  <a:lumMod val="60000"/>
-                  <a:lumOff val="40000"/>
+                <a:schemeClr val="bg1">
+                  <a:lumMod val="85000"/>
                 </a:schemeClr>
               </a:solidFill>
             </a:rPr>
-            <a:t>Processamento de solicitações de usuários</a:t>
+            <a:t>Processa de solicitações de usuário</a:t>
           </a:r>
           <a:endParaRPr lang="pt-BR" sz="1600" b="1" kern="1200" dirty="0">
             <a:solidFill>
-              <a:schemeClr val="accent6">
-                <a:lumMod val="60000"/>
-                <a:lumOff val="40000"/>
+              <a:schemeClr val="bg1">
+                <a:lumMod val="85000"/>
               </a:schemeClr>
             </a:solidFill>
           </a:endParaRPr>
         </a:p>
       </dsp:txBody>
       <dsp:txXfrm>
-        <a:off x="3024660" y="1703600"/>
-        <a:ext cx="2373731" cy="1538296"/>
+        <a:off x="3024660" y="1824460"/>
+        <a:ext cx="2373731" cy="1205932"/>
       </dsp:txXfrm>
     </dsp:sp>
     <dsp:sp modelId="{E5E8036A-476D-4F9C-9D7B-4ED08A33C842}">
@@ -4316,17 +5173,17 @@
         <dsp:cNvSpPr/>
       </dsp:nvSpPr>
       <dsp:spPr>
-        <a:xfrm>
-          <a:off x="4341809" y="86118"/>
-          <a:ext cx="2905414" cy="2905414"/>
+        <a:xfrm flipV="1">
+          <a:off x="2841986" y="2561983"/>
+          <a:ext cx="40045" cy="553960"/>
         </a:xfrm>
-        <a:prstGeom prst="circularArrow">
+        <a:prstGeom prst="leftCircularArrow">
           <a:avLst>
-            <a:gd name="adj1" fmla="val 2771"/>
-            <a:gd name="adj2" fmla="val 338012"/>
-            <a:gd name="adj3" fmla="val 19486478"/>
-            <a:gd name="adj4" fmla="val 12575511"/>
-            <a:gd name="adj5" fmla="val 3233"/>
+            <a:gd name="adj1" fmla="val 2688"/>
+            <a:gd name="adj2" fmla="val 327245"/>
+            <a:gd name="adj3" fmla="val 19397459"/>
+            <a:gd name="adj4" fmla="val 12475726"/>
+            <a:gd name="adj5" fmla="val 3136"/>
           </a:avLst>
         </a:prstGeom>
         <a:gradFill rotWithShape="0">
@@ -4447,8 +5304,8 @@
       </dsp:nvSpPr>
       <dsp:spPr>
         <a:xfrm>
-          <a:off x="3552156" y="864529"/>
-          <a:ext cx="2109983" cy="839070"/>
+          <a:off x="3475120" y="938736"/>
+          <a:ext cx="2109983" cy="657781"/>
         </a:xfrm>
         <a:prstGeom prst="roundRect">
           <a:avLst>
@@ -4541,12 +5398,12 @@
         </a:fontRef>
       </dsp:style>
       <dsp:txBody>
-        <a:bodyPr spcFirstLastPara="0" vert="horz" wrap="square" lIns="38100" tIns="25400" rIns="38100" bIns="25400" numCol="1" spcCol="1270" anchor="ctr" anchorCtr="0">
+        <a:bodyPr spcFirstLastPara="0" vert="horz" wrap="square" lIns="30480" tIns="20320" rIns="30480" bIns="20320" numCol="1" spcCol="1270" anchor="ctr" anchorCtr="0">
           <a:noAutofit/>
         </a:bodyPr>
         <a:lstStyle/>
         <a:p>
-          <a:pPr lvl="0" algn="ctr" defTabSz="889000">
+          <a:pPr lvl="0" algn="ctr" defTabSz="711200">
             <a:lnSpc>
               <a:spcPct val="90000"/>
             </a:lnSpc>
@@ -4558,14 +5415,14 @@
             </a:spcAft>
           </a:pPr>
           <a:r>
-            <a:rPr lang="pt-BR" sz="2000" b="1" kern="1200" dirty="0" smtClean="0">
+            <a:rPr lang="pt-BR" sz="1600" b="1" kern="1200" dirty="0" smtClean="0">
               <a:solidFill>
                 <a:srgbClr val="0070C0"/>
               </a:solidFill>
             </a:rPr>
             <a:t>Aplicação</a:t>
           </a:r>
-          <a:endParaRPr lang="pt-BR" sz="2000" b="1" kern="1200" dirty="0">
+          <a:endParaRPr lang="pt-BR" sz="1600" b="1" kern="1200" dirty="0">
             <a:solidFill>
               <a:srgbClr val="0070C0"/>
             </a:solidFill>
@@ -4573,8 +5430,8 @@
         </a:p>
       </dsp:txBody>
       <dsp:txXfrm>
-        <a:off x="3552156" y="864529"/>
-        <a:ext cx="2109983" cy="839070"/>
+        <a:off x="3475120" y="938736"/>
+        <a:ext cx="2109983" cy="657781"/>
       </dsp:txXfrm>
     </dsp:sp>
     <dsp:sp modelId="{AE566E9F-D101-4F88-9692-208EF2AE8557}">
@@ -4584,17 +5441,61 @@
       </dsp:nvSpPr>
       <dsp:spPr>
         <a:xfrm>
-          <a:off x="6045580" y="1284064"/>
-          <a:ext cx="2373731" cy="1957832"/>
+          <a:off x="6045580" y="1495569"/>
+          <a:ext cx="2373731" cy="1534822"/>
         </a:xfrm>
         <a:prstGeom prst="roundRect">
           <a:avLst>
             <a:gd name="adj" fmla="val 10000"/>
           </a:avLst>
         </a:prstGeom>
-        <a:solidFill>
-          <a:srgbClr val="C00000"/>
-        </a:solidFill>
+        <a:gradFill rotWithShape="1">
+          <a:gsLst>
+            <a:gs pos="0">
+              <a:schemeClr val="accent3">
+                <a:tint val="75000"/>
+                <a:shade val="85000"/>
+                <a:satMod val="230000"/>
+              </a:schemeClr>
+            </a:gs>
+            <a:gs pos="25000">
+              <a:schemeClr val="accent3">
+                <a:tint val="90000"/>
+                <a:shade val="70000"/>
+                <a:satMod val="220000"/>
+              </a:schemeClr>
+            </a:gs>
+            <a:gs pos="50000">
+              <a:schemeClr val="accent3">
+                <a:tint val="90000"/>
+                <a:shade val="58000"/>
+                <a:satMod val="225000"/>
+              </a:schemeClr>
+            </a:gs>
+            <a:gs pos="65000">
+              <a:schemeClr val="accent3">
+                <a:tint val="90000"/>
+                <a:shade val="58000"/>
+                <a:satMod val="225000"/>
+              </a:schemeClr>
+            </a:gs>
+            <a:gs pos="80000">
+              <a:schemeClr val="accent3">
+                <a:tint val="90000"/>
+                <a:shade val="69000"/>
+                <a:satMod val="220000"/>
+              </a:schemeClr>
+            </a:gs>
+            <a:gs pos="100000">
+              <a:schemeClr val="accent3">
+                <a:tint val="77000"/>
+                <a:shade val="80000"/>
+                <a:satMod val="230000"/>
+              </a:schemeClr>
+            </a:gs>
+          </a:gsLst>
+          <a:lin ang="5400000" scaled="1"/>
+        </a:gradFill>
         <a:ln w="10000" cap="flat" cmpd="sng" algn="ctr">
           <a:solidFill>
             <a:schemeClr val="accent3"/>
@@ -4602,7 +5503,11 @@
           <a:prstDash val="solid"/>
         </a:ln>
         <a:effectLst>
-          <a:reflection blurRad="6350" stA="52000" endA="300" endPos="35000" dir="5400000" sy="-100000" algn="bl" rotWithShape="0"/>
+          <a:outerShdw blurRad="76200" dist="50800" dir="5400000" rotWithShape="0">
+            <a:srgbClr val="4E3B30">
+              <a:alpha val="60000"/>
+            </a:srgbClr>
+          </a:outerShdw>
         </a:effectLst>
         <a:scene3d>
           <a:camera prst="orthographicFront"/>
@@ -4644,30 +5549,49 @@
             </a:spcAft>
             <a:buChar char="••"/>
           </a:pPr>
+          <a:endParaRPr lang="pt-BR" sz="1600" b="1" kern="1200" dirty="0">
+            <a:solidFill>
+              <a:schemeClr val="bg1">
+                <a:lumMod val="85000"/>
+              </a:schemeClr>
+            </a:solidFill>
+          </a:endParaRPr>
+        </a:p>
+        <a:p>
+          <a:pPr marL="171450" lvl="1" indent="-171450" algn="l" defTabSz="711200">
+            <a:lnSpc>
+              <a:spcPct val="90000"/>
+            </a:lnSpc>
+            <a:spcBef>
+              <a:spcPct val="0"/>
+            </a:spcBef>
+            <a:spcAft>
+              <a:spcPct val="15000"/>
+            </a:spcAft>
+            <a:buChar char="••"/>
+          </a:pPr>
           <a:r>
             <a:rPr lang="pt-BR" sz="1600" b="1" kern="1200" dirty="0" smtClean="0">
               <a:solidFill>
-                <a:schemeClr val="accent6">
-                  <a:lumMod val="60000"/>
-                  <a:lumOff val="40000"/>
+                <a:schemeClr val="bg1">
+                  <a:lumMod val="85000"/>
                 </a:schemeClr>
               </a:solidFill>
             </a:rPr>
-            <a:t>Dispositivo de acesso do usuário</a:t>
+            <a:t>Dispositivo de conexão com sistema</a:t>
           </a:r>
           <a:endParaRPr lang="pt-BR" sz="1600" b="1" kern="1200" dirty="0">
             <a:solidFill>
-              <a:schemeClr val="accent6">
-                <a:lumMod val="60000"/>
-                <a:lumOff val="40000"/>
+              <a:schemeClr val="bg1">
+                <a:lumMod val="85000"/>
               </a:schemeClr>
             </a:solidFill>
           </a:endParaRPr>
         </a:p>
       </dsp:txBody>
       <dsp:txXfrm>
-        <a:off x="6045580" y="1284064"/>
-        <a:ext cx="2373731" cy="1538296"/>
+        <a:off x="6045580" y="1495569"/>
+        <a:ext cx="2373731" cy="1205932"/>
       </dsp:txXfrm>
     </dsp:sp>
     <dsp:sp modelId="{301F9B7A-61FD-4D71-8D0E-DCB457B0DAC9}">
@@ -4677,8 +5601,8 @@
       </dsp:nvSpPr>
       <dsp:spPr>
         <a:xfrm>
-          <a:off x="6573076" y="2822361"/>
-          <a:ext cx="2109983" cy="839070"/>
+          <a:off x="6499438" y="938731"/>
+          <a:ext cx="2109983" cy="657781"/>
         </a:xfrm>
         <a:prstGeom prst="roundRect">
           <a:avLst>
@@ -4771,12 +5695,12 @@
         </a:fontRef>
       </dsp:style>
       <dsp:txBody>
-        <a:bodyPr spcFirstLastPara="0" vert="horz" wrap="square" lIns="38100" tIns="25400" rIns="38100" bIns="25400" numCol="1" spcCol="1270" anchor="ctr" anchorCtr="0">
+        <a:bodyPr spcFirstLastPara="0" vert="horz" wrap="square" lIns="30480" tIns="20320" rIns="30480" bIns="20320" numCol="1" spcCol="1270" anchor="ctr" anchorCtr="0">
           <a:noAutofit/>
         </a:bodyPr>
         <a:lstStyle/>
         <a:p>
-          <a:pPr lvl="0" algn="ctr" defTabSz="889000">
+          <a:pPr lvl="0" algn="ctr" defTabSz="711200">
             <a:lnSpc>
               <a:spcPct val="90000"/>
             </a:lnSpc>
@@ -4788,14 +5712,14 @@
             </a:spcAft>
           </a:pPr>
           <a:r>
-            <a:rPr lang="pt-BR" sz="2000" b="1" kern="1200" dirty="0" smtClean="0">
+            <a:rPr lang="pt-BR" sz="1600" b="1" kern="1200" dirty="0" smtClean="0">
               <a:solidFill>
                 <a:srgbClr val="0070C0"/>
               </a:solidFill>
             </a:rPr>
             <a:t>Usuário</a:t>
           </a:r>
-          <a:endParaRPr lang="pt-BR" sz="2000" b="1" kern="1200" dirty="0">
+          <a:endParaRPr lang="pt-BR" sz="1600" b="1" kern="1200" dirty="0">
             <a:solidFill>
               <a:srgbClr val="0070C0"/>
             </a:solidFill>
@@ -4803,8 +5727,8 @@
         </a:p>
       </dsp:txBody>
       <dsp:txXfrm>
-        <a:off x="6573076" y="2822361"/>
-        <a:ext cx="2109983" cy="839070"/>
+        <a:off x="6499438" y="938731"/>
+        <a:ext cx="2109983" cy="657781"/>
       </dsp:txXfrm>
     </dsp:sp>
   </dsp:spTree>
@@ -5581,11 +6505,11 @@
 </file>
 
 <file path=ppt/diagrams/quickStyle1.xml><?xml version="1.0" encoding="utf-8"?>
-<dgm:styleDef xmlns:dgm="http://schemas.openxmlformats.org/drawingml/2006/diagram" xmlns:a="http://schemas.openxmlformats.org/drawingml/2006/main" uniqueId="urn:microsoft.com/office/officeart/2005/8/quickstyle/simple1">
+<dgm:styleDef xmlns:dgm="http://schemas.openxmlformats.org/drawingml/2006/diagram" xmlns:a="http://schemas.openxmlformats.org/drawingml/2006/main" uniqueId="urn:microsoft.com/office/officeart/2005/8/quickstyle/3d1">
   <dgm:title val=""/>
   <dgm:desc val=""/>
   <dgm:catLst>
-    <dgm:cat type="simple" pri="10100"/>
+    <dgm:cat type="3D" pri="11100"/>
   </dgm:catLst>
   <dgm:scene3d>
     <a:camera prst="orthographicFront"/>
@@ -5594,18 +6518,21 @@
   <dgm:styleLbl name="node0">
     <dgm:scene3d>
       <a:camera prst="orthographicFront"/>
-      <a:lightRig rig="threePt" dir="t"/>
+      <a:lightRig rig="flat" dir="t"/>
     </dgm:scene3d>
-    <dgm:sp3d/>
+    <dgm:sp3d prstMaterial="plastic">
+      <a:bevelT w="120900" h="88900"/>
+      <a:bevelB w="88900" h="31750" prst="angle"/>
+    </dgm:sp3d>
     <dgm:txPr/>
     <dgm:style>
-      <a:lnRef idx="2">
+      <a:lnRef idx="0">
         <a:scrgbClr r="0" g="0" b="0"/>
       </a:lnRef>
-      <a:fillRef idx="1">
+      <a:fillRef idx="3">
         <a:scrgbClr r="0" g="0" b="0"/>
       </a:fillRef>
-      <a:effectRef idx="0">
+      <a:effectRef idx="2">
         <a:scrgbClr r="0" g="0" b="0"/>
       </a:effectRef>
       <a:fontRef idx="minor">
@@ -5616,18 +6543,21 @@
   <dgm:styleLbl name="lnNode1">
     <dgm:scene3d>
       <a:camera prst="orthographicFront"/>
-      <a:lightRig rig="threePt" dir="t"/>
+      <a:lightRig rig="flat" dir="t"/>
     </dgm:scene3d>
-    <dgm:sp3d/>
+    <dgm:sp3d prstMaterial="plastic">
+      <a:bevelT w="120900" h="88900"/>
+      <a:bevelB w="88900" h="31750" prst="angle"/>
+    </dgm:sp3d>
     <dgm:txPr/>
     <dgm:style>
-      <a:lnRef idx="2">
+      <a:lnRef idx="0">
         <a:scrgbClr r="0" g="0" b="0"/>
       </a:lnRef>
-      <a:fillRef idx="1">
+      <a:fillRef idx="3">
         <a:scrgbClr r="0" g="0" b="0"/>
       </a:fillRef>
-      <a:effectRef idx="0">
+      <a:effectRef idx="1">
         <a:scrgbClr r="0" g="0" b="0"/>
       </a:effectRef>
       <a:fontRef idx="minor">
@@ -5638,18 +6568,21 @@
   <dgm:styleLbl name="vennNode1">
     <dgm:scene3d>
       <a:camera prst="orthographicFront"/>
-      <a:lightRig rig="threePt" dir="t"/>
+      <a:lightRig rig="flat" dir="t"/>
     </dgm:scene3d>
-    <dgm:sp3d/>
+    <dgm:sp3d prstMaterial="plastic">
+      <a:bevelT w="120900" h="88900"/>
+      <a:bevelB w="88900" h="31750" prst="angle"/>
+    </dgm:sp3d>
     <dgm:txPr/>
     <dgm:style>
-      <a:lnRef idx="2">
+      <a:lnRef idx="0">
         <a:scrgbClr r="0" g="0" b="0"/>
       </a:lnRef>
       <a:fillRef idx="1">
         <a:scrgbClr r="0" g="0" b="0"/>
       </a:fillRef>
-      <a:effectRef idx="0">
+      <a:effectRef idx="1">
         <a:scrgbClr r="0" g="0" b="0"/>
       </a:effectRef>
       <a:fontRef idx="minor">
@@ -5660,18 +6593,21 @@
   <dgm:styleLbl name="alignNode1">
     <dgm:scene3d>
       <a:camera prst="orthographicFront"/>
-      <a:lightRig rig="threePt" dir="t"/>
+      <a:lightRig rig="flat" dir="t"/>
     </dgm:scene3d>
-    <dgm:sp3d/>
+    <dgm:sp3d prstMaterial="plastic">
+      <a:bevelT w="120900" h="88900"/>
+      <a:bevelB w="88900" h="31750" prst="angle"/>
+    </dgm:sp3d>
     <dgm:txPr/>
     <dgm:style>
-      <a:lnRef idx="2">
+      <a:lnRef idx="1">
         <a:scrgbClr r="0" g="0" b="0"/>
       </a:lnRef>
-      <a:fillRef idx="1">
+      <a:fillRef idx="3">
         <a:scrgbClr r="0" g="0" b="0"/>
       </a:fillRef>
-      <a:effectRef idx="0">
+      <a:effectRef idx="2">
         <a:scrgbClr r="0" g="0" b="0"/>
       </a:effectRef>
       <a:fontRef idx="minor">
@@ -5682,18 +6618,21 @@
   <dgm:styleLbl name="node1">
     <dgm:scene3d>
       <a:camera prst="orthographicFront"/>
-      <a:lightRig rig="threePt" dir="t"/>
+      <a:lightRig rig="flat" dir="t"/>
     </dgm:scene3d>
-    <dgm:sp3d/>
+    <dgm:sp3d prstMaterial="plastic">
+      <a:bevelT w="120900" h="88900"/>
+      <a:bevelB w="88900" h="31750" prst="angle"/>
+    </dgm:sp3d>
     <dgm:txPr/>
     <dgm:style>
-      <a:lnRef idx="2">
+      <a:lnRef idx="0">
         <a:scrgbClr r="0" g="0" b="0"/>
       </a:lnRef>
-      <a:fillRef idx="1">
+      <a:fillRef idx="3">
         <a:scrgbClr r="0" g="0" b="0"/>
       </a:fillRef>
-      <a:effectRef idx="0">
+      <a:effectRef idx="2">
         <a:scrgbClr r="0" g="0" b="0"/>
       </a:effectRef>
       <a:fontRef idx="minor">
@@ -5704,18 +6643,21 @@
   <dgm:styleLbl name="node2">
     <dgm:scene3d>
       <a:camera prst="orthographicFront"/>
-      <a:lightRig rig="threePt" dir="t"/>
+      <a:lightRig rig="flat" dir="t"/>
     </dgm:scene3d>
-    <dgm:sp3d/>
+    <dgm:sp3d prstMaterial="plastic">
+      <a:bevelT w="120900" h="88900"/>
+      <a:bevelB w="88900" h="31750" prst="angle"/>
+    </dgm:sp3d>
     <dgm:txPr/>
     <dgm:style>
-      <a:lnRef idx="2">
+      <a:lnRef idx="0">
         <a:scrgbClr r="0" g="0" b="0"/>
       </a:lnRef>
-      <a:fillRef idx="1">
+      <a:fillRef idx="3">
         <a:scrgbClr r="0" g="0" b="0"/>
       </a:fillRef>
-      <a:effectRef idx="0">
+      <a:effectRef idx="1">
         <a:scrgbClr r="0" g="0" b="0"/>
       </a:effectRef>
       <a:fontRef idx="minor">
@@ -5726,18 +6668,21 @@
   <dgm:styleLbl name="node3">
     <dgm:scene3d>
       <a:camera prst="orthographicFront"/>
-      <a:lightRig rig="threePt" dir="t"/>
+      <a:lightRig rig="flat" dir="t"/>
     </dgm:scene3d>
-    <dgm:sp3d/>
+    <dgm:sp3d prstMaterial="plastic">
+      <a:bevelT w="120900" h="88900"/>
+      <a:bevelB w="88900" h="31750" prst="angle"/>
+    </dgm:sp3d>
     <dgm:txPr/>
     <dgm:style>
-      <a:lnRef idx="2">
+      <a:lnRef idx="0">
         <a:scrgbClr r="0" g="0" b="0"/>
       </a:lnRef>
-      <a:fillRef idx="1">
+      <a:fillRef idx="3">
         <a:scrgbClr r="0" g="0" b="0"/>
       </a:fillRef>
-      <a:effectRef idx="0">
+      <a:effectRef idx="1">
         <a:scrgbClr r="0" g="0" b="0"/>
       </a:effectRef>
       <a:fontRef idx="minor">
@@ -5748,18 +6693,21 @@
   <dgm:styleLbl name="node4">
     <dgm:scene3d>
       <a:camera prst="orthographicFront"/>
-      <a:lightRig rig="threePt" dir="t"/>
+      <a:lightRig rig="flat" dir="t"/>
     </dgm:scene3d>
-    <dgm:sp3d/>
+    <dgm:sp3d prstMaterial="plastic">
+      <a:bevelT w="120900" h="88900"/>
+      <a:bevelB w="88900" h="31750" prst="angle"/>
+    </dgm:sp3d>
     <dgm:txPr/>
     <dgm:style>
-      <a:lnRef idx="2">
+      <a:lnRef idx="0">
         <a:scrgbClr r="0" g="0" b="0"/>
       </a:lnRef>
-      <a:fillRef idx="1">
+      <a:fillRef idx="3">
         <a:scrgbClr r="0" g="0" b="0"/>
       </a:fillRef>
-      <a:effectRef idx="0">
+      <a:effectRef idx="1">
         <a:scrgbClr r="0" g="0" b="0"/>
       </a:effectRef>
       <a:fontRef idx="minor">
@@ -5770,18 +6718,21 @@
   <dgm:styleLbl name="fgImgPlace1">
     <dgm:scene3d>
       <a:camera prst="orthographicFront"/>
-      <a:lightRig rig="threePt" dir="t"/>
+      <a:lightRig rig="flat" dir="t"/>
     </dgm:scene3d>
-    <dgm:sp3d/>
+    <dgm:sp3d z="127000" prstMaterial="plastic">
+      <a:bevelT w="88900" h="88900"/>
+      <a:bevelB w="88900" h="31750" prst="angle"/>
+    </dgm:sp3d>
     <dgm:txPr/>
     <dgm:style>
-      <a:lnRef idx="2">
+      <a:lnRef idx="0">
         <a:scrgbClr r="0" g="0" b="0"/>
       </a:lnRef>
-      <a:fillRef idx="1">
+      <a:fillRef idx="3">
         <a:scrgbClr r="0" g="0" b="0"/>
       </a:fillRef>
-      <a:effectRef idx="0">
+      <a:effectRef idx="2">
         <a:scrgbClr r="0" g="0" b="0"/>
       </a:effectRef>
       <a:fontRef idx="minor"/>
@@ -5790,18 +6741,21 @@
   <dgm:styleLbl name="alignImgPlace1">
     <dgm:scene3d>
       <a:camera prst="orthographicFront"/>
-      <a:lightRig rig="threePt" dir="t"/>
+      <a:lightRig rig="flat" dir="t"/>
     </dgm:scene3d>
-    <dgm:sp3d/>
+    <dgm:sp3d prstMaterial="plastic">
+      <a:bevelT w="88900" h="88900"/>
+      <a:bevelB w="88900" h="31750" prst="angle"/>
+    </dgm:sp3d>
     <dgm:txPr/>
     <dgm:style>
-      <a:lnRef idx="2">
+      <a:lnRef idx="0">
         <a:scrgbClr r="0" g="0" b="0"/>
       </a:lnRef>
-      <a:fillRef idx="1">
+      <a:fillRef idx="3">
         <a:scrgbClr r="0" g="0" b="0"/>
       </a:fillRef>
-      <a:effectRef idx="0">
+      <a:effectRef idx="2">
         <a:scrgbClr r="0" g="0" b="0"/>
       </a:effectRef>
       <a:fontRef idx="minor"/>
@@ -5810,18 +6764,21 @@
   <dgm:styleLbl name="bgImgPlace1">
     <dgm:scene3d>
       <a:camera prst="orthographicFront"/>
-      <a:lightRig rig="threePt" dir="t"/>
+      <a:lightRig rig="flat" dir="t"/>
     </dgm:scene3d>
-    <dgm:sp3d/>
+    <dgm:sp3d z="-190500" prstMaterial="plastic">
+      <a:bevelT w="88900" h="88900"/>
+      <a:bevelB w="88900" h="31750" prst="angle"/>
+    </dgm:sp3d>
     <dgm:txPr/>
     <dgm:style>
-      <a:lnRef idx="2">
+      <a:lnRef idx="0">
         <a:scrgbClr r="0" g="0" b="0"/>
       </a:lnRef>
-      <a:fillRef idx="1">
+      <a:fillRef idx="3">
         <a:scrgbClr r="0" g="0" b="0"/>
       </a:fillRef>
-      <a:effectRef idx="0">
+      <a:effectRef idx="2">
         <a:scrgbClr r="0" g="0" b="0"/>
       </a:effectRef>
       <a:fontRef idx="minor"/>
@@ -5830,18 +6787,21 @@
   <dgm:styleLbl name="sibTrans2D1">
     <dgm:scene3d>
       <a:camera prst="orthographicFront"/>
-      <a:lightRig rig="threePt" dir="t"/>
+      <a:lightRig rig="flat" dir="t"/>
     </dgm:scene3d>
-    <dgm:sp3d/>
+    <dgm:sp3d z="-80000" prstMaterial="plastic">
+      <a:bevelT w="50800" h="50800"/>
+      <a:bevelB w="25400" h="25400" prst="angle"/>
+    </dgm:sp3d>
     <dgm:txPr/>
     <dgm:style>
       <a:lnRef idx="0">
         <a:scrgbClr r="0" g="0" b="0"/>
       </a:lnRef>
-      <a:fillRef idx="1">
+      <a:fillRef idx="3">
         <a:scrgbClr r="0" g="0" b="0"/>
       </a:fillRef>
-      <a:effectRef idx="0">
+      <a:effectRef idx="2">
         <a:scrgbClr r="0" g="0" b="0"/>
       </a:effectRef>
       <a:fontRef idx="minor">
@@ -5852,18 +6812,21 @@
   <dgm:styleLbl name="fgSibTrans2D1">
     <dgm:scene3d>
       <a:camera prst="orthographicFront"/>
-      <a:lightRig rig="threePt" dir="t"/>
+      <a:lightRig rig="flat" dir="t"/>
     </dgm:scene3d>
-    <dgm:sp3d/>
+    <dgm:sp3d z="127000" prstMaterial="plastic">
+      <a:bevelT w="50800" h="50800"/>
+      <a:bevelB w="25400" h="25400" prst="angle"/>
+    </dgm:sp3d>
     <dgm:txPr/>
     <dgm:style>
       <a:lnRef idx="0">
         <a:scrgbClr r="0" g="0" b="0"/>
       </a:lnRef>
-      <a:fillRef idx="1">
+      <a:fillRef idx="3">
         <a:scrgbClr r="0" g="0" b="0"/>
       </a:fillRef>
-      <a:effectRef idx="0">
+      <a:effectRef idx="2">
         <a:scrgbClr r="0" g="0" b="0"/>
       </a:effectRef>
       <a:fontRef idx="minor">
@@ -5874,18 +6837,21 @@
   <dgm:styleLbl name="bgSibTrans2D1">
     <dgm:scene3d>
       <a:camera prst="orthographicFront"/>
-      <a:lightRig rig="threePt" dir="t"/>
+      <a:lightRig rig="flat" dir="t"/>
     </dgm:scene3d>
-    <dgm:sp3d/>
+    <dgm:sp3d z="-190500" prstMaterial="plastic">
+      <a:bevelT w="50800" h="50800"/>
+      <a:bevelB w="25400" h="25400" prst="angle"/>
+    </dgm:sp3d>
     <dgm:txPr/>
     <dgm:style>
       <a:lnRef idx="0">
         <a:scrgbClr r="0" g="0" b="0"/>
       </a:lnRef>
-      <a:fillRef idx="1">
+      <a:fillRef idx="3">
         <a:scrgbClr r="0" g="0" b="0"/>
       </a:fillRef>
-      <a:effectRef idx="0">
+      <a:effectRef idx="2">
         <a:scrgbClr r="0" g="0" b="0"/>
       </a:effectRef>
       <a:fontRef idx="minor">
@@ -5896,9 +6862,9 @@
   <dgm:styleLbl name="sibTrans1D1">
     <dgm:scene3d>
       <a:camera prst="orthographicFront"/>
-      <a:lightRig rig="threePt" dir="t"/>
+      <a:lightRig rig="flat" dir="t"/>
     </dgm:scene3d>
-    <dgm:sp3d/>
+    <dgm:sp3d z="-40000" prstMaterial="matte"/>
     <dgm:txPr/>
     <dgm:style>
       <a:lnRef idx="1">
@@ -5918,7 +6884,7 @@
       <a:camera prst="orthographicFront"/>
       <a:lightRig rig="threePt" dir="t"/>
     </dgm:scene3d>
-    <dgm:sp3d/>
+    <dgm:sp3d z="127000" prstMaterial="matte"/>
     <dgm:txPr/>
     <dgm:style>
       <a:lnRef idx="2">
@@ -5936,18 +6902,21 @@
   <dgm:styleLbl name="asst0">
     <dgm:scene3d>
       <a:camera prst="orthographicFront"/>
-      <a:lightRig rig="threePt" dir="t"/>
+      <a:lightRig rig="flat" dir="t"/>
     </dgm:scene3d>
-    <dgm:sp3d/>
+    <dgm:sp3d prstMaterial="plastic">
+      <a:bevelT w="120900" h="88900"/>
+      <a:bevelB w="88900" h="31750" prst="angle"/>
+    </dgm:sp3d>
     <dgm:txPr/>
     <dgm:style>
-      <a:lnRef idx="2">
+      <a:lnRef idx="0">
         <a:scrgbClr r="0" g="0" b="0"/>
       </a:lnRef>
-      <a:fillRef idx="1">
+      <a:fillRef idx="3">
         <a:scrgbClr r="0" g="0" b="0"/>
       </a:fillRef>
-      <a:effectRef idx="0">
+      <a:effectRef idx="1">
         <a:scrgbClr r="0" g="0" b="0"/>
       </a:effectRef>
       <a:fontRef idx="minor">
@@ -5958,18 +6927,21 @@
   <dgm:styleLbl name="asst1">
     <dgm:scene3d>
       <a:camera prst="orthographicFront"/>
-      <a:lightRig rig="threePt" dir="t"/>
+      <a:lightRig rig="flat" dir="t"/>
     </dgm:scene3d>
-    <dgm:sp3d/>
+    <dgm:sp3d prstMaterial="plastic">
+      <a:bevelT w="120900" h="88900"/>
+      <a:bevelB w="88900" h="31750" prst="angle"/>
+    </dgm:sp3d>
     <dgm:txPr/>
     <dgm:style>
-      <a:lnRef idx="2">
+      <a:lnRef idx="0">
         <a:scrgbClr r="0" g="0" b="0"/>
       </a:lnRef>
-      <a:fillRef idx="1">
+      <a:fillRef idx="3">
         <a:scrgbClr r="0" g="0" b="0"/>
       </a:fillRef>
-      <a:effectRef idx="0">
+      <a:effectRef idx="1">
         <a:scrgbClr r="0" g="0" b="0"/>
       </a:effectRef>
       <a:fontRef idx="minor">
@@ -5980,18 +6952,21 @@
   <dgm:styleLbl name="asst2">
     <dgm:scene3d>
       <a:camera prst="orthographicFront"/>
-      <a:lightRig rig="threePt" dir="t"/>
+      <a:lightRig rig="flat" dir="t"/>
     </dgm:scene3d>
-    <dgm:sp3d/>
+    <dgm:sp3d prstMaterial="plastic">
+      <a:bevelT w="120900" h="88900"/>
+      <a:bevelB w="88900" h="31750" prst="angle"/>
+    </dgm:sp3d>
     <dgm:txPr/>
     <dgm:style>
-      <a:lnRef idx="2">
+      <a:lnRef idx="0">
         <a:scrgbClr r="0" g="0" b="0"/>
       </a:lnRef>
-      <a:fillRef idx="1">
+      <a:fillRef idx="3">
         <a:scrgbClr r="0" g="0" b="0"/>
       </a:fillRef>
-      <a:effectRef idx="0">
+      <a:effectRef idx="1">
         <a:scrgbClr r="0" g="0" b="0"/>
       </a:effectRef>
       <a:fontRef idx="minor">
@@ -6002,18 +6977,21 @@
   <dgm:styleLbl name="asst3">
     <dgm:scene3d>
       <a:camera prst="orthographicFront"/>
-      <a:lightRig rig="threePt" dir="t"/>
+      <a:lightRig rig="flat" dir="t"/>
     </dgm:scene3d>
-    <dgm:sp3d/>
+    <dgm:sp3d prstMaterial="plastic">
+      <a:bevelT w="120900" h="88900"/>
+      <a:bevelB w="88900" h="31750" prst="angle"/>
+    </dgm:sp3d>
     <dgm:txPr/>
     <dgm:style>
-      <a:lnRef idx="2">
+      <a:lnRef idx="0">
         <a:scrgbClr r="0" g="0" b="0"/>
       </a:lnRef>
-      <a:fillRef idx="1">
+      <a:fillRef idx="3">
         <a:scrgbClr r="0" g="0" b="0"/>
       </a:fillRef>
-      <a:effectRef idx="0">
+      <a:effectRef idx="1">
         <a:scrgbClr r="0" g="0" b="0"/>
       </a:effectRef>
       <a:fontRef idx="minor">
@@ -6021,21 +6999,24 @@
       </a:fontRef>
     </dgm:style>
   </dgm:styleLbl>
-  <dgm:styleLbl name="asst4">
+  <dgm:styleLbl name="parChTrans2D1">
     <dgm:scene3d>
       <a:camera prst="orthographicFront"/>
-      <a:lightRig rig="threePt" dir="t"/>
+      <a:lightRig rig="flat" dir="t"/>
     </dgm:scene3d>
-    <dgm:sp3d/>
+    <dgm:sp3d z="-100000" prstMaterial="plastic">
+      <a:bevelT w="120900" h="88900"/>
+      <a:bevelB w="88900" h="31750" prst="angle"/>
+    </dgm:sp3d>
     <dgm:txPr/>
     <dgm:style>
-      <a:lnRef idx="2">
+      <a:lnRef idx="0">
         <a:scrgbClr r="0" g="0" b="0"/>
       </a:lnRef>
-      <a:fillRef idx="1">
+      <a:fillRef idx="3">
         <a:scrgbClr r="0" g="0" b="0"/>
       </a:fillRef>
-      <a:effectRef idx="0">
+      <a:effectRef idx="1">
         <a:scrgbClr r="0" g="0" b="0"/>
       </a:effectRef>
       <a:fontRef idx="minor">
@@ -6043,21 +7024,24 @@
       </a:fontRef>
     </dgm:style>
   </dgm:styleLbl>
-  <dgm:styleLbl name="parChTrans2D1">
+  <dgm:styleLbl name="parChTrans2D2">
     <dgm:scene3d>
       <a:camera prst="orthographicFront"/>
-      <a:lightRig rig="threePt" dir="t"/>
+      <a:lightRig rig="flat" dir="t"/>
     </dgm:scene3d>
-    <dgm:sp3d/>
+    <dgm:sp3d z="-60000" prstMaterial="plastic">
+      <a:bevelT w="120900" h="88900"/>
+      <a:bevelB w="88900" h="31750" prst="angle"/>
+    </dgm:sp3d>
     <dgm:txPr/>
     <dgm:style>
-      <a:lnRef idx="2">
+      <a:lnRef idx="0">
         <a:scrgbClr r="0" g="0" b="0"/>
       </a:lnRef>
-      <a:fillRef idx="1">
+      <a:fillRef idx="3">
         <a:scrgbClr r="0" g="0" b="0"/>
       </a:fillRef>
-      <a:effectRef idx="0">
+      <a:effectRef idx="1">
         <a:scrgbClr r="0" g="0" b="0"/>
       </a:effectRef>
       <a:fontRef idx="minor">
@@ -6065,21 +7049,24 @@
       </a:fontRef>
     </dgm:style>
   </dgm:styleLbl>
-  <dgm:styleLbl name="parChTrans2D2">
+  <dgm:styleLbl name="parChTrans2D3">
     <dgm:scene3d>
       <a:camera prst="orthographicFront"/>
-      <a:lightRig rig="threePt" dir="t"/>
+      <a:lightRig rig="flat" dir="t"/>
     </dgm:scene3d>
-    <dgm:sp3d/>
+    <dgm:sp3d z="-60000" prstMaterial="plastic">
+      <a:bevelT w="120900" h="88900"/>
+      <a:bevelB w="88900" h="31750" prst="angle"/>
+    </dgm:sp3d>
     <dgm:txPr/>
     <dgm:style>
-      <a:lnRef idx="2">
+      <a:lnRef idx="0">
         <a:scrgbClr r="0" g="0" b="0"/>
       </a:lnRef>
-      <a:fillRef idx="1">
+      <a:fillRef idx="3">
         <a:scrgbClr r="0" g="0" b="0"/>
       </a:fillRef>
-      <a:effectRef idx="0">
+      <a:effectRef idx="1">
         <a:scrgbClr r="0" g="0" b="0"/>
       </a:effectRef>
       <a:fontRef idx="minor">
@@ -6087,21 +7074,24 @@
       </a:fontRef>
     </dgm:style>
   </dgm:styleLbl>
-  <dgm:styleLbl name="parChTrans2D3">
+  <dgm:styleLbl name="parChTrans2D4">
     <dgm:scene3d>
       <a:camera prst="orthographicFront"/>
-      <a:lightRig rig="threePt" dir="t"/>
+      <a:lightRig rig="flat" dir="t"/>
     </dgm:scene3d>
-    <dgm:sp3d/>
+    <dgm:sp3d z="-60000" prstMaterial="plastic">
+      <a:bevelT w="120900" h="88900"/>
+      <a:bevelB w="88900" h="31750" prst="angle"/>
+    </dgm:sp3d>
     <dgm:txPr/>
     <dgm:style>
-      <a:lnRef idx="2">
+      <a:lnRef idx="0">
         <a:scrgbClr r="0" g="0" b="0"/>
       </a:lnRef>
-      <a:fillRef idx="1">
+      <a:fillRef idx="3">
         <a:scrgbClr r="0" g="0" b="0"/>
       </a:fillRef>
-      <a:effectRef idx="0">
+      <a:effectRef idx="1">
         <a:scrgbClr r="0" g="0" b="0"/>
       </a:effectRef>
       <a:fontRef idx="minor">
@@ -6109,486 +7099,503 @@
       </a:fontRef>
     </dgm:style>
   </dgm:styleLbl>
-  <dgm:styleLbl name="parChTrans2D4">
+  <dgm:styleLbl name="parChTrans1D1">
     <dgm:scene3d>
       <a:camera prst="orthographicFront"/>
-      <a:lightRig rig="threePt" dir="t"/>
+      <a:lightRig rig="flat" dir="t"/>
     </dgm:scene3d>
-    <dgm:sp3d/>
+    <dgm:sp3d prstMaterial="matte"/>
     <dgm:txPr/>
     <dgm:style>
       <a:lnRef idx="2">
         <a:scrgbClr r="0" g="0" b="0"/>
       </a:lnRef>
-      <a:fillRef idx="1">
+      <a:fillRef idx="0">
         <a:scrgbClr r="0" g="0" b="0"/>
       </a:fillRef>
       <a:effectRef idx="0">
+        <a:scrgbClr r="0" g="0" b="0"/>
+      </a:effectRef>
+      <a:fontRef idx="minor"/>
+    </dgm:style>
+  </dgm:styleLbl>
+  <dgm:styleLbl name="parChTrans1D2">
+    <dgm:scene3d>
+      <a:camera prst="orthographicFront"/>
+      <a:lightRig rig="flat" dir="t"/>
+    </dgm:scene3d>
+    <dgm:sp3d prstMaterial="matte"/>
+    <dgm:txPr/>
+    <dgm:style>
+      <a:lnRef idx="2">
+        <a:scrgbClr r="0" g="0" b="0"/>
+      </a:lnRef>
+      <a:fillRef idx="0">
+        <a:scrgbClr r="0" g="0" b="0"/>
+      </a:fillRef>
+      <a:effectRef idx="0">
+        <a:scrgbClr r="0" g="0" b="0"/>
+      </a:effectRef>
+      <a:fontRef idx="minor"/>
+    </dgm:style>
+  </dgm:styleLbl>
+  <dgm:styleLbl name="parChTrans1D3">
+    <dgm:scene3d>
+      <a:camera prst="orthographicFront"/>
+      <a:lightRig rig="flat" dir="t"/>
+    </dgm:scene3d>
+    <dgm:sp3d prstMaterial="matte"/>
+    <dgm:txPr/>
+    <dgm:style>
+      <a:lnRef idx="2">
+        <a:scrgbClr r="0" g="0" b="0"/>
+      </a:lnRef>
+      <a:fillRef idx="0">
+        <a:scrgbClr r="0" g="0" b="0"/>
+      </a:fillRef>
+      <a:effectRef idx="0">
+        <a:scrgbClr r="0" g="0" b="0"/>
+      </a:effectRef>
+      <a:fontRef idx="minor"/>
+    </dgm:style>
+  </dgm:styleLbl>
+  <dgm:styleLbl name="parChTrans1D4">
+    <dgm:scene3d>
+      <a:camera prst="orthographicFront"/>
+      <a:lightRig rig="flat" dir="t"/>
+    </dgm:scene3d>
+    <dgm:sp3d prstMaterial="matte"/>
+    <dgm:txPr/>
+    <dgm:style>
+      <a:lnRef idx="2">
+        <a:scrgbClr r="0" g="0" b="0"/>
+      </a:lnRef>
+      <a:fillRef idx="0">
+        <a:scrgbClr r="0" g="0" b="0"/>
+      </a:fillRef>
+      <a:effectRef idx="0">
+        <a:scrgbClr r="0" g="0" b="0"/>
+      </a:effectRef>
+      <a:fontRef idx="minor"/>
+    </dgm:style>
+  </dgm:styleLbl>
+  <dgm:styleLbl name="fgAcc1">
+    <dgm:scene3d>
+      <a:camera prst="orthographicFront"/>
+      <a:lightRig rig="flat" dir="t"/>
+    </dgm:scene3d>
+    <dgm:sp3d z="190500" extrusionH="12700" prstMaterial="plastic">
+      <a:bevelT w="50800" h="50800"/>
+    </dgm:sp3d>
+    <dgm:txPr/>
+    <dgm:style>
+      <a:lnRef idx="1">
+        <a:scrgbClr r="0" g="0" b="0"/>
+      </a:lnRef>
+      <a:fillRef idx="1">
+        <a:scrgbClr r="0" g="0" b="0"/>
+      </a:fillRef>
+      <a:effectRef idx="2">
+        <a:scrgbClr r="0" g="0" b="0"/>
+      </a:effectRef>
+      <a:fontRef idx="minor"/>
+    </dgm:style>
+  </dgm:styleLbl>
+  <dgm:styleLbl name="conFgAcc1">
+    <dgm:scene3d>
+      <a:camera prst="orthographicFront"/>
+      <a:lightRig rig="flat" dir="t"/>
+    </dgm:scene3d>
+    <dgm:sp3d z="190500" extrusionH="12700" prstMaterial="plastic">
+      <a:bevelT w="50800" h="50800"/>
+    </dgm:sp3d>
+    <dgm:txPr/>
+    <dgm:style>
+      <a:lnRef idx="1">
+        <a:scrgbClr r="0" g="0" b="0"/>
+      </a:lnRef>
+      <a:fillRef idx="1">
+        <a:scrgbClr r="0" g="0" b="0"/>
+      </a:fillRef>
+      <a:effectRef idx="2">
+        <a:scrgbClr r="0" g="0" b="0"/>
+      </a:effectRef>
+      <a:fontRef idx="minor"/>
+    </dgm:style>
+  </dgm:styleLbl>
+  <dgm:styleLbl name="alignAcc1">
+    <dgm:scene3d>
+      <a:camera prst="orthographicFront"/>
+      <a:lightRig rig="flat" dir="t"/>
+    </dgm:scene3d>
+    <dgm:sp3d extrusionH="12700" prstMaterial="plastic">
+      <a:bevelT w="50800" h="50800"/>
+    </dgm:sp3d>
+    <dgm:txPr/>
+    <dgm:style>
+      <a:lnRef idx="1">
+        <a:scrgbClr r="0" g="0" b="0"/>
+      </a:lnRef>
+      <a:fillRef idx="1">
+        <a:scrgbClr r="0" g="0" b="0"/>
+      </a:fillRef>
+      <a:effectRef idx="2">
+        <a:scrgbClr r="0" g="0" b="0"/>
+      </a:effectRef>
+      <a:fontRef idx="minor"/>
+    </dgm:style>
+  </dgm:styleLbl>
+  <dgm:styleLbl name="trAlignAcc1">
+    <dgm:scene3d>
+      <a:camera prst="orthographicFront"/>
+      <a:lightRig rig="flat" dir="t"/>
+    </dgm:scene3d>
+    <dgm:sp3d extrusionH="12700" prstMaterial="plastic">
+      <a:bevelT w="50800" h="50800"/>
+    </dgm:sp3d>
+    <dgm:txPr/>
+    <dgm:style>
+      <a:lnRef idx="1">
+        <a:scrgbClr r="0" g="0" b="0"/>
+      </a:lnRef>
+      <a:fillRef idx="1">
+        <a:scrgbClr r="0" g="0" b="0"/>
+      </a:fillRef>
+      <a:effectRef idx="2">
+        <a:scrgbClr r="0" g="0" b="0"/>
+      </a:effectRef>
+      <a:fontRef idx="minor"/>
+    </dgm:style>
+  </dgm:styleLbl>
+  <dgm:styleLbl name="bgAcc1">
+    <dgm:scene3d>
+      <a:camera prst="orthographicFront"/>
+      <a:lightRig rig="flat" dir="t"/>
+    </dgm:scene3d>
+    <dgm:sp3d z="-190500" extrusionH="12700" prstMaterial="plastic">
+      <a:bevelT w="50800" h="50800"/>
+    </dgm:sp3d>
+    <dgm:txPr/>
+    <dgm:style>
+      <a:lnRef idx="1">
+        <a:scrgbClr r="0" g="0" b="0"/>
+      </a:lnRef>
+      <a:fillRef idx="1">
+        <a:scrgbClr r="0" g="0" b="0"/>
+      </a:fillRef>
+      <a:effectRef idx="2">
+        <a:scrgbClr r="0" g="0" b="0"/>
+      </a:effectRef>
+      <a:fontRef idx="minor"/>
+    </dgm:style>
+  </dgm:styleLbl>
+  <dgm:styleLbl name="solidFgAcc1">
+    <dgm:scene3d>
+      <a:camera prst="orthographicFront"/>
+      <a:lightRig rig="flat" dir="t"/>
+    </dgm:scene3d>
+    <dgm:sp3d z="190500" extrusionH="12700" prstMaterial="plastic">
+      <a:bevelT w="50800" h="50800"/>
+    </dgm:sp3d>
+    <dgm:txPr/>
+    <dgm:style>
+      <a:lnRef idx="1">
+        <a:scrgbClr r="0" g="0" b="0"/>
+      </a:lnRef>
+      <a:fillRef idx="1">
+        <a:scrgbClr r="0" g="0" b="0"/>
+      </a:fillRef>
+      <a:effectRef idx="2">
+        <a:scrgbClr r="0" g="0" b="0"/>
+      </a:effectRef>
+      <a:fontRef idx="minor"/>
+    </dgm:style>
+  </dgm:styleLbl>
+  <dgm:styleLbl name="solidAlignAcc1">
+    <dgm:scene3d>
+      <a:camera prst="orthographicFront"/>
+      <a:lightRig rig="flat" dir="t"/>
+    </dgm:scene3d>
+    <dgm:sp3d extrusionH="12700" prstMaterial="plastic">
+      <a:bevelT w="50800" h="50800"/>
+    </dgm:sp3d>
+    <dgm:txPr/>
+    <dgm:style>
+      <a:lnRef idx="1">
+        <a:scrgbClr r="0" g="0" b="0"/>
+      </a:lnRef>
+      <a:fillRef idx="1">
+        <a:scrgbClr r="0" g="0" b="0"/>
+      </a:fillRef>
+      <a:effectRef idx="2">
+        <a:scrgbClr r="0" g="0" b="0"/>
+      </a:effectRef>
+      <a:fontRef idx="minor"/>
+    </dgm:style>
+  </dgm:styleLbl>
+  <dgm:styleLbl name="solidBgAcc1">
+    <dgm:scene3d>
+      <a:camera prst="orthographicFront"/>
+      <a:lightRig rig="flat" dir="t"/>
+    </dgm:scene3d>
+    <dgm:sp3d z="-190500" extrusionH="12700" prstMaterial="plastic">
+      <a:bevelT w="50800" h="50800"/>
+    </dgm:sp3d>
+    <dgm:txPr/>
+    <dgm:style>
+      <a:lnRef idx="1">
+        <a:scrgbClr r="0" g="0" b="0"/>
+      </a:lnRef>
+      <a:fillRef idx="1">
+        <a:scrgbClr r="0" g="0" b="0"/>
+      </a:fillRef>
+      <a:effectRef idx="2">
+        <a:scrgbClr r="0" g="0" b="0"/>
+      </a:effectRef>
+      <a:fontRef idx="minor"/>
+    </dgm:style>
+  </dgm:styleLbl>
+  <dgm:styleLbl name="fgAccFollowNode1">
+    <dgm:scene3d>
+      <a:camera prst="orthographicFront"/>
+      <a:lightRig rig="flat" dir="t"/>
+    </dgm:scene3d>
+    <dgm:sp3d z="190500" extrusionH="12700" prstMaterial="plastic">
+      <a:bevelT w="50800" h="50800"/>
+    </dgm:sp3d>
+    <dgm:txPr/>
+    <dgm:style>
+      <a:lnRef idx="1">
+        <a:scrgbClr r="0" g="0" b="0"/>
+      </a:lnRef>
+      <a:fillRef idx="1">
+        <a:scrgbClr r="0" g="0" b="0"/>
+      </a:fillRef>
+      <a:effectRef idx="2">
+        <a:scrgbClr r="0" g="0" b="0"/>
+      </a:effectRef>
+      <a:fontRef idx="minor"/>
+    </dgm:style>
+  </dgm:styleLbl>
+  <dgm:styleLbl name="alignAccFollowNode1">
+    <dgm:scene3d>
+      <a:camera prst="orthographicFront"/>
+      <a:lightRig rig="flat" dir="t"/>
+    </dgm:scene3d>
+    <dgm:sp3d extrusionH="12700" prstMaterial="plastic">
+      <a:bevelT w="50800" h="50800"/>
+    </dgm:sp3d>
+    <dgm:txPr/>
+    <dgm:style>
+      <a:lnRef idx="1">
+        <a:scrgbClr r="0" g="0" b="0"/>
+      </a:lnRef>
+      <a:fillRef idx="1">
+        <a:scrgbClr r="0" g="0" b="0"/>
+      </a:fillRef>
+      <a:effectRef idx="2">
+        <a:scrgbClr r="0" g="0" b="0"/>
+      </a:effectRef>
+      <a:fontRef idx="minor"/>
+    </dgm:style>
+  </dgm:styleLbl>
+  <dgm:styleLbl name="bgAccFollowNode1">
+    <dgm:scene3d>
+      <a:camera prst="orthographicFront"/>
+      <a:lightRig rig="flat" dir="t"/>
+    </dgm:scene3d>
+    <dgm:sp3d z="-190500" extrusionH="12700" prstMaterial="plastic">
+      <a:bevelT w="50800" h="50800"/>
+    </dgm:sp3d>
+    <dgm:txPr/>
+    <dgm:style>
+      <a:lnRef idx="1">
+        <a:scrgbClr r="0" g="0" b="0"/>
+      </a:lnRef>
+      <a:fillRef idx="1">
+        <a:scrgbClr r="0" g="0" b="0"/>
+      </a:fillRef>
+      <a:effectRef idx="2">
+        <a:scrgbClr r="0" g="0" b="0"/>
+      </a:effectRef>
+      <a:fontRef idx="minor"/>
+    </dgm:style>
+  </dgm:styleLbl>
+  <dgm:styleLbl name="fgAcc0">
+    <dgm:scene3d>
+      <a:camera prst="orthographicFront"/>
+      <a:lightRig rig="flat" dir="t"/>
+    </dgm:scene3d>
+    <dgm:sp3d z="190500" extrusionH="12700" prstMaterial="plastic">
+      <a:bevelT w="50800" h="50800"/>
+    </dgm:sp3d>
+    <dgm:txPr/>
+    <dgm:style>
+      <a:lnRef idx="1">
+        <a:scrgbClr r="0" g="0" b="0"/>
+      </a:lnRef>
+      <a:fillRef idx="1">
+        <a:scrgbClr r="0" g="0" b="0"/>
+      </a:fillRef>
+      <a:effectRef idx="2">
+        <a:scrgbClr r="0" g="0" b="0"/>
+      </a:effectRef>
+      <a:fontRef idx="minor"/>
+    </dgm:style>
+  </dgm:styleLbl>
+  <dgm:styleLbl name="fgAcc2">
+    <dgm:scene3d>
+      <a:camera prst="orthographicFront"/>
+      <a:lightRig rig="flat" dir="t"/>
+    </dgm:scene3d>
+    <dgm:sp3d z="190500" extrusionH="12700" prstMaterial="plastic">
+      <a:bevelT w="50800" h="50800"/>
+    </dgm:sp3d>
+    <dgm:txPr/>
+    <dgm:style>
+      <a:lnRef idx="1">
+        <a:scrgbClr r="0" g="0" b="0"/>
+      </a:lnRef>
+      <a:fillRef idx="1">
+        <a:scrgbClr r="0" g="0" b="0"/>
+      </a:fillRef>
+      <a:effectRef idx="2">
+        <a:scrgbClr r="0" g="0" b="0"/>
+      </a:effectRef>
+      <a:fontRef idx="minor"/>
+    </dgm:style>
+  </dgm:styleLbl>
+  <dgm:styleLbl name="fgAcc3">
+    <dgm:scene3d>
+      <a:camera prst="orthographicFront"/>
+      <a:lightRig rig="flat" dir="t"/>
+    </dgm:scene3d>
+    <dgm:sp3d z="190500" extrusionH="12700" prstMaterial="plastic">
+      <a:bevelT w="50800" h="50800"/>
+    </dgm:sp3d>
+    <dgm:txPr/>
+    <dgm:style>
+      <a:lnRef idx="1">
+        <a:scrgbClr r="0" g="0" b="0"/>
+      </a:lnRef>
+      <a:fillRef idx="1">
+        <a:scrgbClr r="0" g="0" b="0"/>
+      </a:fillRef>
+      <a:effectRef idx="2">
+        <a:scrgbClr r="0" g="0" b="0"/>
+      </a:effectRef>
+      <a:fontRef idx="minor"/>
+    </dgm:style>
+  </dgm:styleLbl>
+  <dgm:styleLbl name="fgAcc4">
+    <dgm:scene3d>
+      <a:camera prst="orthographicFront"/>
+      <a:lightRig rig="flat" dir="t"/>
+    </dgm:scene3d>
+    <dgm:sp3d z="190500" extrusionH="12700" prstMaterial="plastic">
+      <a:bevelT w="50800" h="50800"/>
+    </dgm:sp3d>
+    <dgm:txPr/>
+    <dgm:style>
+      <a:lnRef idx="1">
+        <a:scrgbClr r="0" g="0" b="0"/>
+      </a:lnRef>
+      <a:fillRef idx="1">
+        <a:scrgbClr r="0" g="0" b="0"/>
+      </a:fillRef>
+      <a:effectRef idx="2">
+        <a:scrgbClr r="0" g="0" b="0"/>
+      </a:effectRef>
+      <a:fontRef idx="minor"/>
+    </dgm:style>
+  </dgm:styleLbl>
+  <dgm:styleLbl name="bgShp">
+    <dgm:scene3d>
+      <a:camera prst="orthographicFront"/>
+      <a:lightRig rig="flat" dir="t"/>
+    </dgm:scene3d>
+    <dgm:sp3d z="-190500" extrusionH="12700" prstMaterial="plastic">
+      <a:bevelT w="50800" h="50800"/>
+    </dgm:sp3d>
+    <dgm:txPr/>
+    <dgm:style>
+      <a:lnRef idx="0">
+        <a:scrgbClr r="0" g="0" b="0"/>
+      </a:lnRef>
+      <a:fillRef idx="3">
+        <a:scrgbClr r="0" g="0" b="0"/>
+      </a:fillRef>
+      <a:effectRef idx="0">
+        <a:scrgbClr r="0" g="0" b="0"/>
+      </a:effectRef>
+      <a:fontRef idx="minor"/>
+    </dgm:style>
+  </dgm:styleLbl>
+  <dgm:styleLbl name="dkBgShp">
+    <dgm:scene3d>
+      <a:camera prst="orthographicFront"/>
+      <a:lightRig rig="flat" dir="t"/>
+    </dgm:scene3d>
+    <dgm:sp3d z="-190500" extrusionH="12700" prstMaterial="plastic">
+      <a:bevelT w="50800" h="50800"/>
+    </dgm:sp3d>
+    <dgm:txPr/>
+    <dgm:style>
+      <a:lnRef idx="0">
+        <a:scrgbClr r="0" g="0" b="0"/>
+      </a:lnRef>
+      <a:fillRef idx="2">
+        <a:scrgbClr r="0" g="0" b="0"/>
+      </a:fillRef>
+      <a:effectRef idx="0">
+        <a:scrgbClr r="0" g="0" b="0"/>
+      </a:effectRef>
+      <a:fontRef idx="minor"/>
+    </dgm:style>
+  </dgm:styleLbl>
+  <dgm:styleLbl name="trBgShp">
+    <dgm:scene3d>
+      <a:camera prst="orthographicFront"/>
+      <a:lightRig rig="flat" dir="t"/>
+    </dgm:scene3d>
+    <dgm:sp3d z="-190500" extrusionH="12700" prstMaterial="matte"/>
+    <dgm:txPr/>
+    <dgm:style>
+      <a:lnRef idx="0">
+        <a:scrgbClr r="0" g="0" b="0"/>
+      </a:lnRef>
+      <a:fillRef idx="1">
+        <a:scrgbClr r="0" g="0" b="0"/>
+      </a:fillRef>
+      <a:effectRef idx="0">
+        <a:scrgbClr r="0" g="0" b="0"/>
+      </a:effectRef>
+      <a:fontRef idx="minor"/>
+    </dgm:style>
+  </dgm:styleLbl>
+  <dgm:styleLbl name="fgShp">
+    <dgm:scene3d>
+      <a:camera prst="orthographicFront"/>
+      <a:lightRig rig="flat" dir="t"/>
+    </dgm:scene3d>
+    <dgm:sp3d z="190500" prstMaterial="plastic">
+      <a:bevelT w="120900" h="88900"/>
+      <a:bevelB w="88900" h="31750" prst="angle"/>
+    </dgm:sp3d>
+    <dgm:txPr/>
+    <dgm:style>
+      <a:lnRef idx="0">
+        <a:scrgbClr r="0" g="0" b="0"/>
+      </a:lnRef>
+      <a:fillRef idx="1">
+        <a:scrgbClr r="0" g="0" b="0"/>
+      </a:fillRef>
+      <a:effectRef idx="3">
         <a:scrgbClr r="0" g="0" b="0"/>
       </a:effectRef>
       <a:fontRef idx="minor">
         <a:schemeClr val="lt1"/>
       </a:fontRef>
-    </dgm:style>
-  </dgm:styleLbl>
-  <dgm:styleLbl name="parChTrans1D1">
-    <dgm:scene3d>
-      <a:camera prst="orthographicFront"/>
-      <a:lightRig rig="threePt" dir="t"/>
-    </dgm:scene3d>
-    <dgm:sp3d/>
-    <dgm:txPr/>
-    <dgm:style>
-      <a:lnRef idx="2">
-        <a:scrgbClr r="0" g="0" b="0"/>
-      </a:lnRef>
-      <a:fillRef idx="0">
-        <a:scrgbClr r="0" g="0" b="0"/>
-      </a:fillRef>
-      <a:effectRef idx="0">
-        <a:scrgbClr r="0" g="0" b="0"/>
-      </a:effectRef>
-      <a:fontRef idx="minor"/>
-    </dgm:style>
-  </dgm:styleLbl>
-  <dgm:styleLbl name="parChTrans1D2">
-    <dgm:scene3d>
-      <a:camera prst="orthographicFront"/>
-      <a:lightRig rig="threePt" dir="t"/>
-    </dgm:scene3d>
-    <dgm:sp3d/>
-    <dgm:txPr/>
-    <dgm:style>
-      <a:lnRef idx="2">
-        <a:scrgbClr r="0" g="0" b="0"/>
-      </a:lnRef>
-      <a:fillRef idx="0">
-        <a:scrgbClr r="0" g="0" b="0"/>
-      </a:fillRef>
-      <a:effectRef idx="0">
-        <a:scrgbClr r="0" g="0" b="0"/>
-      </a:effectRef>
-      <a:fontRef idx="minor"/>
-    </dgm:style>
-  </dgm:styleLbl>
-  <dgm:styleLbl name="parChTrans1D3">
-    <dgm:scene3d>
-      <a:camera prst="orthographicFront"/>
-      <a:lightRig rig="threePt" dir="t"/>
-    </dgm:scene3d>
-    <dgm:sp3d/>
-    <dgm:txPr/>
-    <dgm:style>
-      <a:lnRef idx="2">
-        <a:scrgbClr r="0" g="0" b="0"/>
-      </a:lnRef>
-      <a:fillRef idx="0">
-        <a:scrgbClr r="0" g="0" b="0"/>
-      </a:fillRef>
-      <a:effectRef idx="0">
-        <a:scrgbClr r="0" g="0" b="0"/>
-      </a:effectRef>
-      <a:fontRef idx="minor"/>
-    </dgm:style>
-  </dgm:styleLbl>
-  <dgm:styleLbl name="parChTrans1D4">
-    <dgm:scene3d>
-      <a:camera prst="orthographicFront"/>
-      <a:lightRig rig="threePt" dir="t"/>
-    </dgm:scene3d>
-    <dgm:sp3d/>
-    <dgm:txPr/>
-    <dgm:style>
-      <a:lnRef idx="2">
-        <a:scrgbClr r="0" g="0" b="0"/>
-      </a:lnRef>
-      <a:fillRef idx="0">
-        <a:scrgbClr r="0" g="0" b="0"/>
-      </a:fillRef>
-      <a:effectRef idx="0">
-        <a:scrgbClr r="0" g="0" b="0"/>
-      </a:effectRef>
-      <a:fontRef idx="minor"/>
-    </dgm:style>
-  </dgm:styleLbl>
-  <dgm:styleLbl name="fgAcc1">
-    <dgm:scene3d>
-      <a:camera prst="orthographicFront"/>
-      <a:lightRig rig="threePt" dir="t"/>
-    </dgm:scene3d>
-    <dgm:sp3d/>
-    <dgm:txPr/>
-    <dgm:style>
-      <a:lnRef idx="2">
-        <a:scrgbClr r="0" g="0" b="0"/>
-      </a:lnRef>
-      <a:fillRef idx="1">
-        <a:scrgbClr r="0" g="0" b="0"/>
-      </a:fillRef>
-      <a:effectRef idx="0">
-        <a:scrgbClr r="0" g="0" b="0"/>
-      </a:effectRef>
-      <a:fontRef idx="minor"/>
-    </dgm:style>
-  </dgm:styleLbl>
-  <dgm:styleLbl name="conFgAcc1">
-    <dgm:scene3d>
-      <a:camera prst="orthographicFront"/>
-      <a:lightRig rig="threePt" dir="t"/>
-    </dgm:scene3d>
-    <dgm:sp3d/>
-    <dgm:txPr/>
-    <dgm:style>
-      <a:lnRef idx="2">
-        <a:scrgbClr r="0" g="0" b="0"/>
-      </a:lnRef>
-      <a:fillRef idx="1">
-        <a:scrgbClr r="0" g="0" b="0"/>
-      </a:fillRef>
-      <a:effectRef idx="0">
-        <a:scrgbClr r="0" g="0" b="0"/>
-      </a:effectRef>
-      <a:fontRef idx="minor"/>
-    </dgm:style>
-  </dgm:styleLbl>
-  <dgm:styleLbl name="alignAcc1">
-    <dgm:scene3d>
-      <a:camera prst="orthographicFront"/>
-      <a:lightRig rig="threePt" dir="t"/>
-    </dgm:scene3d>
-    <dgm:sp3d/>
-    <dgm:txPr/>
-    <dgm:style>
-      <a:lnRef idx="2">
-        <a:scrgbClr r="0" g="0" b="0"/>
-      </a:lnRef>
-      <a:fillRef idx="1">
-        <a:scrgbClr r="0" g="0" b="0"/>
-      </a:fillRef>
-      <a:effectRef idx="0">
-        <a:scrgbClr r="0" g="0" b="0"/>
-      </a:effectRef>
-      <a:fontRef idx="minor"/>
-    </dgm:style>
-  </dgm:styleLbl>
-  <dgm:styleLbl name="trAlignAcc1">
-    <dgm:scene3d>
-      <a:camera prst="orthographicFront"/>
-      <a:lightRig rig="threePt" dir="t"/>
-    </dgm:scene3d>
-    <dgm:sp3d/>
-    <dgm:txPr/>
-    <dgm:style>
-      <a:lnRef idx="1">
-        <a:scrgbClr r="0" g="0" b="0"/>
-      </a:lnRef>
-      <a:fillRef idx="1">
-        <a:scrgbClr r="0" g="0" b="0"/>
-      </a:fillRef>
-      <a:effectRef idx="0">
-        <a:scrgbClr r="0" g="0" b="0"/>
-      </a:effectRef>
-      <a:fontRef idx="minor"/>
-    </dgm:style>
-  </dgm:styleLbl>
-  <dgm:styleLbl name="bgAcc1">
-    <dgm:scene3d>
-      <a:camera prst="orthographicFront"/>
-      <a:lightRig rig="threePt" dir="t"/>
-    </dgm:scene3d>
-    <dgm:sp3d/>
-    <dgm:txPr/>
-    <dgm:style>
-      <a:lnRef idx="2">
-        <a:scrgbClr r="0" g="0" b="0"/>
-      </a:lnRef>
-      <a:fillRef idx="1">
-        <a:scrgbClr r="0" g="0" b="0"/>
-      </a:fillRef>
-      <a:effectRef idx="0">
-        <a:scrgbClr r="0" g="0" b="0"/>
-      </a:effectRef>
-      <a:fontRef idx="minor"/>
-    </dgm:style>
-  </dgm:styleLbl>
-  <dgm:styleLbl name="solidFgAcc1">
-    <dgm:scene3d>
-      <a:camera prst="orthographicFront"/>
-      <a:lightRig rig="threePt" dir="t"/>
-    </dgm:scene3d>
-    <dgm:sp3d/>
-    <dgm:txPr/>
-    <dgm:style>
-      <a:lnRef idx="2">
-        <a:scrgbClr r="0" g="0" b="0"/>
-      </a:lnRef>
-      <a:fillRef idx="1">
-        <a:scrgbClr r="0" g="0" b="0"/>
-      </a:fillRef>
-      <a:effectRef idx="0">
-        <a:scrgbClr r="0" g="0" b="0"/>
-      </a:effectRef>
-      <a:fontRef idx="minor"/>
-    </dgm:style>
-  </dgm:styleLbl>
-  <dgm:styleLbl name="solidAlignAcc1">
-    <dgm:scene3d>
-      <a:camera prst="orthographicFront"/>
-      <a:lightRig rig="threePt" dir="t"/>
-    </dgm:scene3d>
-    <dgm:sp3d/>
-    <dgm:txPr/>
-    <dgm:style>
-      <a:lnRef idx="2">
-        <a:scrgbClr r="0" g="0" b="0"/>
-      </a:lnRef>
-      <a:fillRef idx="1">
-        <a:scrgbClr r="0" g="0" b="0"/>
-      </a:fillRef>
-      <a:effectRef idx="0">
-        <a:scrgbClr r="0" g="0" b="0"/>
-      </a:effectRef>
-      <a:fontRef idx="minor"/>
-    </dgm:style>
-  </dgm:styleLbl>
-  <dgm:styleLbl name="solidBgAcc1">
-    <dgm:scene3d>
-      <a:camera prst="orthographicFront"/>
-      <a:lightRig rig="threePt" dir="t"/>
-    </dgm:scene3d>
-    <dgm:sp3d/>
-    <dgm:txPr/>
-    <dgm:style>
-      <a:lnRef idx="2">
-        <a:scrgbClr r="0" g="0" b="0"/>
-      </a:lnRef>
-      <a:fillRef idx="1">
-        <a:scrgbClr r="0" g="0" b="0"/>
-      </a:fillRef>
-      <a:effectRef idx="0">
-        <a:scrgbClr r="0" g="0" b="0"/>
-      </a:effectRef>
-      <a:fontRef idx="minor"/>
-    </dgm:style>
-  </dgm:styleLbl>
-  <dgm:styleLbl name="fgAccFollowNode1">
-    <dgm:scene3d>
-      <a:camera prst="orthographicFront"/>
-      <a:lightRig rig="threePt" dir="t"/>
-    </dgm:scene3d>
-    <dgm:sp3d/>
-    <dgm:txPr/>
-    <dgm:style>
-      <a:lnRef idx="2">
-        <a:scrgbClr r="0" g="0" b="0"/>
-      </a:lnRef>
-      <a:fillRef idx="1">
-        <a:scrgbClr r="0" g="0" b="0"/>
-      </a:fillRef>
-      <a:effectRef idx="0">
-        <a:scrgbClr r="0" g="0" b="0"/>
-      </a:effectRef>
-      <a:fontRef idx="minor"/>
-    </dgm:style>
-  </dgm:styleLbl>
-  <dgm:styleLbl name="alignAccFollowNode1">
-    <dgm:scene3d>
-      <a:camera prst="orthographicFront"/>
-      <a:lightRig rig="threePt" dir="t"/>
-    </dgm:scene3d>
-    <dgm:sp3d/>
-    <dgm:txPr/>
-    <dgm:style>
-      <a:lnRef idx="2">
-        <a:scrgbClr r="0" g="0" b="0"/>
-      </a:lnRef>
-      <a:fillRef idx="1">
-        <a:scrgbClr r="0" g="0" b="0"/>
-      </a:fillRef>
-      <a:effectRef idx="0">
-        <a:scrgbClr r="0" g="0" b="0"/>
-      </a:effectRef>
-      <a:fontRef idx="minor"/>
-    </dgm:style>
-  </dgm:styleLbl>
-  <dgm:styleLbl name="bgAccFollowNode1">
-    <dgm:scene3d>
-      <a:camera prst="orthographicFront"/>
-      <a:lightRig rig="threePt" dir="t"/>
-    </dgm:scene3d>
-    <dgm:sp3d/>
-    <dgm:txPr/>
-    <dgm:style>
-      <a:lnRef idx="2">
-        <a:scrgbClr r="0" g="0" b="0"/>
-      </a:lnRef>
-      <a:fillRef idx="1">
-        <a:scrgbClr r="0" g="0" b="0"/>
-      </a:fillRef>
-      <a:effectRef idx="0">
-        <a:scrgbClr r="0" g="0" b="0"/>
-      </a:effectRef>
-      <a:fontRef idx="minor"/>
-    </dgm:style>
-  </dgm:styleLbl>
-  <dgm:styleLbl name="fgAcc0">
-    <dgm:scene3d>
-      <a:camera prst="orthographicFront"/>
-      <a:lightRig rig="threePt" dir="t"/>
-    </dgm:scene3d>
-    <dgm:sp3d/>
-    <dgm:txPr/>
-    <dgm:style>
-      <a:lnRef idx="2">
-        <a:scrgbClr r="0" g="0" b="0"/>
-      </a:lnRef>
-      <a:fillRef idx="1">
-        <a:scrgbClr r="0" g="0" b="0"/>
-      </a:fillRef>
-      <a:effectRef idx="0">
-        <a:scrgbClr r="0" g="0" b="0"/>
-      </a:effectRef>
-      <a:fontRef idx="minor"/>
-    </dgm:style>
-  </dgm:styleLbl>
-  <dgm:styleLbl name="fgAcc2">
-    <dgm:scene3d>
-      <a:camera prst="orthographicFront"/>
-      <a:lightRig rig="threePt" dir="t"/>
-    </dgm:scene3d>
-    <dgm:sp3d/>
-    <dgm:txPr/>
-    <dgm:style>
-      <a:lnRef idx="2">
-        <a:scrgbClr r="0" g="0" b="0"/>
-      </a:lnRef>
-      <a:fillRef idx="1">
-        <a:scrgbClr r="0" g="0" b="0"/>
-      </a:fillRef>
-      <a:effectRef idx="0">
-        <a:scrgbClr r="0" g="0" b="0"/>
-      </a:effectRef>
-      <a:fontRef idx="minor"/>
-    </dgm:style>
-  </dgm:styleLbl>
-  <dgm:styleLbl name="fgAcc3">
-    <dgm:scene3d>
-      <a:camera prst="orthographicFront"/>
-      <a:lightRig rig="threePt" dir="t"/>
-    </dgm:scene3d>
-    <dgm:sp3d/>
-    <dgm:txPr/>
-    <dgm:style>
-      <a:lnRef idx="2">
-        <a:scrgbClr r="0" g="0" b="0"/>
-      </a:lnRef>
-      <a:fillRef idx="1">
-        <a:scrgbClr r="0" g="0" b="0"/>
-      </a:fillRef>
-      <a:effectRef idx="0">
-        <a:scrgbClr r="0" g="0" b="0"/>
-      </a:effectRef>
-      <a:fontRef idx="minor"/>
-    </dgm:style>
-  </dgm:styleLbl>
-  <dgm:styleLbl name="fgAcc4">
-    <dgm:scene3d>
-      <a:camera prst="orthographicFront"/>
-      <a:lightRig rig="threePt" dir="t"/>
-    </dgm:scene3d>
-    <dgm:sp3d/>
-    <dgm:txPr/>
-    <dgm:style>
-      <a:lnRef idx="2">
-        <a:scrgbClr r="0" g="0" b="0"/>
-      </a:lnRef>
-      <a:fillRef idx="1">
-        <a:scrgbClr r="0" g="0" b="0"/>
-      </a:fillRef>
-      <a:effectRef idx="0">
-        <a:scrgbClr r="0" g="0" b="0"/>
-      </a:effectRef>
-      <a:fontRef idx="minor"/>
-    </dgm:style>
-  </dgm:styleLbl>
-  <dgm:styleLbl name="bgShp">
-    <dgm:scene3d>
-      <a:camera prst="orthographicFront"/>
-      <a:lightRig rig="threePt" dir="t"/>
-    </dgm:scene3d>
-    <dgm:sp3d/>
-    <dgm:txPr/>
-    <dgm:style>
-      <a:lnRef idx="0">
-        <a:scrgbClr r="0" g="0" b="0"/>
-      </a:lnRef>
-      <a:fillRef idx="1">
-        <a:scrgbClr r="0" g="0" b="0"/>
-      </a:fillRef>
-      <a:effectRef idx="0">
-        <a:scrgbClr r="0" g="0" b="0"/>
-      </a:effectRef>
-      <a:fontRef idx="minor"/>
-    </dgm:style>
-  </dgm:styleLbl>
-  <dgm:styleLbl name="dkBgShp">
-    <dgm:scene3d>
-      <a:camera prst="orthographicFront"/>
-      <a:lightRig rig="threePt" dir="t"/>
-    </dgm:scene3d>
-    <dgm:sp3d/>
-    <dgm:txPr/>
-    <dgm:style>
-      <a:lnRef idx="0">
-        <a:scrgbClr r="0" g="0" b="0"/>
-      </a:lnRef>
-      <a:fillRef idx="1">
-        <a:scrgbClr r="0" g="0" b="0"/>
-      </a:fillRef>
-      <a:effectRef idx="0">
-        <a:scrgbClr r="0" g="0" b="0"/>
-      </a:effectRef>
-      <a:fontRef idx="minor"/>
-    </dgm:style>
-  </dgm:styleLbl>
-  <dgm:styleLbl name="trBgShp">
-    <dgm:scene3d>
-      <a:camera prst="orthographicFront"/>
-      <a:lightRig rig="threePt" dir="t"/>
-    </dgm:scene3d>
-    <dgm:sp3d/>
-    <dgm:txPr/>
-    <dgm:style>
-      <a:lnRef idx="0">
-        <a:scrgbClr r="0" g="0" b="0"/>
-      </a:lnRef>
-      <a:fillRef idx="1">
-        <a:scrgbClr r="0" g="0" b="0"/>
-      </a:fillRef>
-      <a:effectRef idx="0">
-        <a:scrgbClr r="0" g="0" b="0"/>
-      </a:effectRef>
-      <a:fontRef idx="minor"/>
-    </dgm:style>
-  </dgm:styleLbl>
-  <dgm:styleLbl name="fgShp">
-    <dgm:scene3d>
-      <a:camera prst="orthographicFront"/>
-      <a:lightRig rig="threePt" dir="t"/>
-    </dgm:scene3d>
-    <dgm:sp3d/>
-    <dgm:txPr/>
-    <dgm:style>
-      <a:lnRef idx="2">
-        <a:scrgbClr r="0" g="0" b="0"/>
-      </a:lnRef>
-      <a:fillRef idx="1">
-        <a:scrgbClr r="0" g="0" b="0"/>
-      </a:fillRef>
-      <a:effectRef idx="0">
-        <a:scrgbClr r="0" g="0" b="0"/>
-      </a:effectRef>
-      <a:fontRef idx="minor"/>
     </dgm:style>
   </dgm:styleLbl>
   <dgm:styleLbl name="revTx">
@@ -7907,7 +8914,7 @@
             <a:fld id="{229FDC3E-7424-49CF-AF38-AA35F4C77C8D}" type="datetimeFigureOut">
               <a:rPr lang="pt-BR" smtClean="0"/>
               <a:pPr/>
-              <a:t>25/03/2014</a:t>
+              <a:t>26/03/2014</a:t>
             </a:fld>
             <a:endParaRPr lang="pt-BR"/>
           </a:p>
@@ -8079,7 +9086,7 @@
             <a:fld id="{229FDC3E-7424-49CF-AF38-AA35F4C77C8D}" type="datetimeFigureOut">
               <a:rPr lang="pt-BR" smtClean="0"/>
               <a:pPr/>
-              <a:t>25/03/2014</a:t>
+              <a:t>26/03/2014</a:t>
             </a:fld>
             <a:endParaRPr lang="pt-BR"/>
           </a:p>
@@ -8256,7 +9263,7 @@
             <a:fld id="{229FDC3E-7424-49CF-AF38-AA35F4C77C8D}" type="datetimeFigureOut">
               <a:rPr lang="pt-BR" smtClean="0"/>
               <a:pPr/>
-              <a:t>25/03/2014</a:t>
+              <a:t>26/03/2014</a:t>
             </a:fld>
             <a:endParaRPr lang="pt-BR"/>
           </a:p>
@@ -8423,7 +9430,7 @@
             <a:fld id="{229FDC3E-7424-49CF-AF38-AA35F4C77C8D}" type="datetimeFigureOut">
               <a:rPr lang="pt-BR" smtClean="0"/>
               <a:pPr/>
-              <a:t>25/03/2014</a:t>
+              <a:t>26/03/2014</a:t>
             </a:fld>
             <a:endParaRPr lang="pt-BR"/>
           </a:p>
@@ -8659,7 +9666,7 @@
             <a:fld id="{229FDC3E-7424-49CF-AF38-AA35F4C77C8D}" type="datetimeFigureOut">
               <a:rPr lang="pt-BR" smtClean="0"/>
               <a:pPr/>
-              <a:t>25/03/2014</a:t>
+              <a:t>26/03/2014</a:t>
             </a:fld>
             <a:endParaRPr lang="pt-BR"/>
           </a:p>
@@ -8957,7 +9964,7 @@
             <a:fld id="{229FDC3E-7424-49CF-AF38-AA35F4C77C8D}" type="datetimeFigureOut">
               <a:rPr lang="pt-BR" smtClean="0"/>
               <a:pPr/>
-              <a:t>25/03/2014</a:t>
+              <a:t>26/03/2014</a:t>
             </a:fld>
             <a:endParaRPr lang="pt-BR"/>
           </a:p>
@@ -9343,7 +10350,7 @@
             <a:fld id="{229FDC3E-7424-49CF-AF38-AA35F4C77C8D}" type="datetimeFigureOut">
               <a:rPr lang="pt-BR" smtClean="0"/>
               <a:pPr/>
-              <a:t>25/03/2014</a:t>
+              <a:t>26/03/2014</a:t>
             </a:fld>
             <a:endParaRPr lang="pt-BR"/>
           </a:p>
@@ -9518,7 +10525,7 @@
             <a:fld id="{229FDC3E-7424-49CF-AF38-AA35F4C77C8D}" type="datetimeFigureOut">
               <a:rPr lang="pt-BR" smtClean="0"/>
               <a:pPr/>
-              <a:t>25/03/2014</a:t>
+              <a:t>26/03/2014</a:t>
             </a:fld>
             <a:endParaRPr lang="pt-BR"/>
           </a:p>
@@ -9610,7 +10617,7 @@
             <a:fld id="{229FDC3E-7424-49CF-AF38-AA35F4C77C8D}" type="datetimeFigureOut">
               <a:rPr lang="pt-BR" smtClean="0"/>
               <a:pPr/>
-              <a:t>25/03/2014</a:t>
+              <a:t>26/03/2014</a:t>
             </a:fld>
             <a:endParaRPr lang="pt-BR"/>
           </a:p>
@@ -9907,7 +10914,7 @@
             <a:fld id="{229FDC3E-7424-49CF-AF38-AA35F4C77C8D}" type="datetimeFigureOut">
               <a:rPr lang="pt-BR" smtClean="0"/>
               <a:pPr/>
-              <a:t>25/03/2014</a:t>
+              <a:t>26/03/2014</a:t>
             </a:fld>
             <a:endParaRPr lang="pt-BR"/>
           </a:p>
@@ -10043,7 +11050,7 @@
             <a:fld id="{229FDC3E-7424-49CF-AF38-AA35F4C77C8D}" type="datetimeFigureOut">
               <a:rPr lang="pt-BR" smtClean="0"/>
               <a:pPr/>
-              <a:t>25/03/2014</a:t>
+              <a:t>26/03/2014</a:t>
             </a:fld>
             <a:endParaRPr lang="pt-BR"/>
           </a:p>
@@ -10348,7 +11355,7 @@
             <a:fld id="{229FDC3E-7424-49CF-AF38-AA35F4C77C8D}" type="datetimeFigureOut">
               <a:rPr lang="pt-BR" smtClean="0"/>
               <a:pPr/>
-              <a:t>25/03/2014</a:t>
+              <a:t>26/03/2014</a:t>
             </a:fld>
             <a:endParaRPr lang="pt-BR"/>
           </a:p>
@@ -11242,11 +12249,164 @@
           </a:graphicData>
         </a:graphic>
       </p:graphicFrame>
+      <p:sp>
+        <p:nvSpPr>
+          <p:cNvPr id="14" name="Seta para a esquerda e para a direita 13"/>
+          <p:cNvSpPr/>
+          <p:nvPr/>
+        </p:nvSpPr>
+        <p:spPr>
+          <a:xfrm>
+            <a:off x="2555776" y="3573016"/>
+            <a:ext cx="936104" cy="548680"/>
+          </a:xfrm>
+          <a:prstGeom prst="leftRightArrow">
+            <a:avLst/>
+          </a:prstGeom>
+        </p:spPr>
+        <p:style>
+          <a:lnRef idx="0">
+            <a:schemeClr val="accent6"/>
+          </a:lnRef>
+          <a:fillRef idx="3">
+            <a:schemeClr val="accent6"/>
+          </a:fillRef>
+          <a:effectRef idx="3">
+            <a:schemeClr val="accent6"/>
+          </a:effectRef>
+          <a:fontRef idx="minor">
+            <a:schemeClr val="lt1"/>
+          </a:fontRef>
+        </p:style>
+        <p:txBody>
+          <a:bodyPr rtlCol="0" anchor="ctr"/>
+          <a:lstStyle/>
+          <a:p>
+            <a:pPr algn="ctr"/>
+            <a:endParaRPr lang="pt-BR"/>
+          </a:p>
+        </p:txBody>
+      </p:sp>
+      <p:sp>
+        <p:nvSpPr>
+          <p:cNvPr id="15" name="Seta para a esquerda e para a direita 14"/>
+          <p:cNvSpPr/>
+          <p:nvPr/>
+        </p:nvSpPr>
+        <p:spPr>
+          <a:xfrm>
+            <a:off x="5580112" y="3573016"/>
+            <a:ext cx="936104" cy="548680"/>
+          </a:xfrm>
+          <a:prstGeom prst="leftRightArrow">
+            <a:avLst/>
+          </a:prstGeom>
+        </p:spPr>
+        <p:style>
+          <a:lnRef idx="0">
+            <a:schemeClr val="accent6"/>
+          </a:lnRef>
+          <a:fillRef idx="3">
+            <a:schemeClr val="accent6"/>
+          </a:fillRef>
+          <a:effectRef idx="3">
+            <a:schemeClr val="accent6"/>
+          </a:effectRef>
+          <a:fontRef idx="minor">
+            <a:schemeClr val="lt1"/>
+          </a:fontRef>
+        </p:style>
+        <p:txBody>
+          <a:bodyPr rtlCol="0" anchor="ctr"/>
+          <a:lstStyle/>
+          <a:p>
+            <a:pPr algn="ctr"/>
+            <a:endParaRPr lang="pt-BR"/>
+          </a:p>
+        </p:txBody>
+      </p:sp>
     </p:spTree>
   </p:cSld>
   <p:clrMapOvr>
     <a:masterClrMapping/>
   </p:clrMapOvr>
+  <p:timing>
+    <p:tnLst>
+      <p:par>
+        <p:cTn id="1" dur="indefinite" restart="never" nodeType="tmRoot"/>
+      </p:par>
+    </p:tnLst>
+  </p:timing>
+</p:sld>
+</file>
+
+<file path=ppt/slides/slide5.xml><?xml version="1.0" encoding="utf-8"?>
+<p:sld xmlns:a="http://schemas.openxmlformats.org/drawingml/2006/main" xmlns:r="http://schemas.openxmlformats.org/officeDocument/2006/relationships" xmlns:p="http://schemas.openxmlformats.org/presentationml/2006/main">
+  <p:cSld>
+    <p:spTree>
+      <p:nvGrpSpPr>
+        <p:cNvPr id="1" name=""/>
+        <p:cNvGrpSpPr/>
+        <p:nvPr/>
+      </p:nvGrpSpPr>
+      <p:grpSpPr>
+        <a:xfrm>
+          <a:off x="0" y="0"/>
+          <a:ext cx="0" cy="0"/>
+          <a:chOff x="0" y="0"/>
+          <a:chExt cx="0" cy="0"/>
+        </a:xfrm>
+      </p:grpSpPr>
+      <p:sp>
+        <p:nvSpPr>
+          <p:cNvPr id="2" name="Título 1"/>
+          <p:cNvSpPr>
+            <a:spLocks noGrp="1"/>
+          </p:cNvSpPr>
+          <p:nvPr>
+            <p:ph type="title"/>
+          </p:nvPr>
+        </p:nvSpPr>
+        <p:spPr/>
+        <p:txBody>
+          <a:bodyPr/>
+          <a:lstStyle/>
+          <a:p>
+            <a:endParaRPr lang="pt-BR"/>
+          </a:p>
+        </p:txBody>
+      </p:sp>
+      <p:sp>
+        <p:nvSpPr>
+          <p:cNvPr id="3" name="Espaço Reservado para Conteúdo 2"/>
+          <p:cNvSpPr>
+            <a:spLocks noGrp="1"/>
+          </p:cNvSpPr>
+          <p:nvPr>
+            <p:ph idx="1"/>
+          </p:nvPr>
+        </p:nvSpPr>
+        <p:spPr/>
+        <p:txBody>
+          <a:bodyPr/>
+          <a:lstStyle/>
+          <a:p>
+            <a:endParaRPr lang="pt-BR" dirty="0"/>
+          </a:p>
+        </p:txBody>
+      </p:sp>
+    </p:spTree>
+  </p:cSld>
+  <p:clrMapOvr>
+    <a:masterClrMapping/>
+  </p:clrMapOvr>
+  <p:timing>
+    <p:tnLst>
+      <p:par>
+        <p:cTn id="1" dur="indefinite" restart="never" nodeType="tmRoot"/>
+      </p:par>
+    </p:tnLst>
+  </p:timing>
 </p:sld>
 </file>
 

--- a/SAS/Planejamento/Docs/Apresentação do projeto.pptx
+++ b/SAS/Planejamento/Docs/Apresentação do projeto.pptx
@@ -6,10 +6,10 @@
   </p:sldMasterIdLst>
   <p:sldIdLst>
     <p:sldId id="256" r:id="rId2"/>
-    <p:sldId id="257" r:id="rId3"/>
-    <p:sldId id="258" r:id="rId4"/>
-    <p:sldId id="260" r:id="rId5"/>
-    <p:sldId id="261" r:id="rId6"/>
+    <p:sldId id="263" r:id="rId3"/>
+    <p:sldId id="257" r:id="rId4"/>
+    <p:sldId id="261" r:id="rId5"/>
+    <p:sldId id="260" r:id="rId6"/>
   </p:sldIdLst>
   <p:sldSz cx="9144000" cy="6858000" type="screen4x3"/>
   <p:notesSz cx="6858000" cy="9144000"/>
@@ -859,6 +859,1500 @@
 </file>
 
 <file path=ppt/diagrams/colors2.xml><?xml version="1.0" encoding="utf-8"?>
+<dgm:colorsDef xmlns:dgm="http://schemas.openxmlformats.org/drawingml/2006/diagram" xmlns:a="http://schemas.openxmlformats.org/drawingml/2006/main" uniqueId="urn:microsoft.com/office/officeart/2005/8/colors/accent1_2">
+  <dgm:title val=""/>
+  <dgm:desc val=""/>
+  <dgm:catLst>
+    <dgm:cat type="accent1" pri="11200"/>
+  </dgm:catLst>
+  <dgm:styleLbl name="node0">
+    <dgm:fillClrLst meth="repeat">
+      <a:schemeClr val="accent1"/>
+    </dgm:fillClrLst>
+    <dgm:linClrLst meth="repeat">
+      <a:schemeClr val="lt1"/>
+    </dgm:linClrLst>
+    <dgm:effectClrLst/>
+    <dgm:txLinClrLst/>
+    <dgm:txFillClrLst/>
+    <dgm:txEffectClrLst/>
+  </dgm:styleLbl>
+  <dgm:styleLbl name="alignNode1">
+    <dgm:fillClrLst meth="repeat">
+      <a:schemeClr val="accent1"/>
+    </dgm:fillClrLst>
+    <dgm:linClrLst meth="repeat">
+      <a:schemeClr val="accent1"/>
+    </dgm:linClrLst>
+    <dgm:effectClrLst/>
+    <dgm:txLinClrLst/>
+    <dgm:txFillClrLst/>
+    <dgm:txEffectClrLst/>
+  </dgm:styleLbl>
+  <dgm:styleLbl name="node1">
+    <dgm:fillClrLst meth="repeat">
+      <a:schemeClr val="accent1"/>
+    </dgm:fillClrLst>
+    <dgm:linClrLst meth="repeat">
+      <a:schemeClr val="lt1"/>
+    </dgm:linClrLst>
+    <dgm:effectClrLst/>
+    <dgm:txLinClrLst/>
+    <dgm:txFillClrLst/>
+    <dgm:txEffectClrLst/>
+  </dgm:styleLbl>
+  <dgm:styleLbl name="lnNode1">
+    <dgm:fillClrLst meth="repeat">
+      <a:schemeClr val="accent1"/>
+    </dgm:fillClrLst>
+    <dgm:linClrLst meth="repeat">
+      <a:schemeClr val="lt1"/>
+    </dgm:linClrLst>
+    <dgm:effectClrLst/>
+    <dgm:txLinClrLst/>
+    <dgm:txFillClrLst/>
+    <dgm:txEffectClrLst/>
+  </dgm:styleLbl>
+  <dgm:styleLbl name="vennNode1">
+    <dgm:fillClrLst meth="repeat">
+      <a:schemeClr val="accent1">
+        <a:alpha val="50000"/>
+      </a:schemeClr>
+    </dgm:fillClrLst>
+    <dgm:linClrLst meth="repeat">
+      <a:schemeClr val="lt1"/>
+    </dgm:linClrLst>
+    <dgm:effectClrLst/>
+    <dgm:txLinClrLst/>
+    <dgm:txFillClrLst/>
+    <dgm:txEffectClrLst/>
+  </dgm:styleLbl>
+  <dgm:styleLbl name="node2">
+    <dgm:fillClrLst meth="repeat">
+      <a:schemeClr val="accent1"/>
+    </dgm:fillClrLst>
+    <dgm:linClrLst meth="repeat">
+      <a:schemeClr val="lt1"/>
+    </dgm:linClrLst>
+    <dgm:effectClrLst/>
+    <dgm:txLinClrLst/>
+    <dgm:txFillClrLst/>
+    <dgm:txEffectClrLst/>
+  </dgm:styleLbl>
+  <dgm:styleLbl name="node3">
+    <dgm:fillClrLst meth="repeat">
+      <a:schemeClr val="accent1"/>
+    </dgm:fillClrLst>
+    <dgm:linClrLst meth="repeat">
+      <a:schemeClr val="lt1"/>
+    </dgm:linClrLst>
+    <dgm:effectClrLst/>
+    <dgm:txLinClrLst/>
+    <dgm:txFillClrLst/>
+    <dgm:txEffectClrLst/>
+  </dgm:styleLbl>
+  <dgm:styleLbl name="node4">
+    <dgm:fillClrLst meth="repeat">
+      <a:schemeClr val="accent1"/>
+    </dgm:fillClrLst>
+    <dgm:linClrLst meth="repeat">
+      <a:schemeClr val="lt1"/>
+    </dgm:linClrLst>
+    <dgm:effectClrLst/>
+    <dgm:txLinClrLst/>
+    <dgm:txFillClrLst/>
+    <dgm:txEffectClrLst/>
+  </dgm:styleLbl>
+  <dgm:styleLbl name="fgImgPlace1">
+    <dgm:fillClrLst meth="repeat">
+      <a:schemeClr val="accent1">
+        <a:tint val="50000"/>
+      </a:schemeClr>
+    </dgm:fillClrLst>
+    <dgm:linClrLst meth="repeat">
+      <a:schemeClr val="lt1"/>
+    </dgm:linClrLst>
+    <dgm:effectClrLst/>
+    <dgm:txLinClrLst/>
+    <dgm:txFillClrLst meth="repeat">
+      <a:schemeClr val="lt1"/>
+    </dgm:txFillClrLst>
+    <dgm:txEffectClrLst/>
+  </dgm:styleLbl>
+  <dgm:styleLbl name="alignImgPlace1">
+    <dgm:fillClrLst meth="repeat">
+      <a:schemeClr val="accent1">
+        <a:tint val="50000"/>
+      </a:schemeClr>
+    </dgm:fillClrLst>
+    <dgm:linClrLst meth="repeat">
+      <a:schemeClr val="lt1"/>
+    </dgm:linClrLst>
+    <dgm:effectClrLst/>
+    <dgm:txLinClrLst/>
+    <dgm:txFillClrLst meth="repeat">
+      <a:schemeClr val="lt1"/>
+    </dgm:txFillClrLst>
+    <dgm:txEffectClrLst/>
+  </dgm:styleLbl>
+  <dgm:styleLbl name="bgImgPlace1">
+    <dgm:fillClrLst meth="repeat">
+      <a:schemeClr val="accent1">
+        <a:tint val="50000"/>
+      </a:schemeClr>
+    </dgm:fillClrLst>
+    <dgm:linClrLst meth="repeat">
+      <a:schemeClr val="lt1"/>
+    </dgm:linClrLst>
+    <dgm:effectClrLst/>
+    <dgm:txLinClrLst/>
+    <dgm:txFillClrLst meth="repeat">
+      <a:schemeClr val="lt1"/>
+    </dgm:txFillClrLst>
+    <dgm:txEffectClrLst/>
+  </dgm:styleLbl>
+  <dgm:styleLbl name="sibTrans2D1">
+    <dgm:fillClrLst meth="repeat">
+      <a:schemeClr val="accent1">
+        <a:tint val="60000"/>
+      </a:schemeClr>
+    </dgm:fillClrLst>
+    <dgm:linClrLst meth="repeat">
+      <a:schemeClr val="accent1">
+        <a:tint val="60000"/>
+      </a:schemeClr>
+    </dgm:linClrLst>
+    <dgm:effectClrLst/>
+    <dgm:txLinClrLst/>
+    <dgm:txFillClrLst/>
+    <dgm:txEffectClrLst/>
+  </dgm:styleLbl>
+  <dgm:styleLbl name="fgSibTrans2D1">
+    <dgm:fillClrLst meth="repeat">
+      <a:schemeClr val="accent1">
+        <a:tint val="60000"/>
+      </a:schemeClr>
+    </dgm:fillClrLst>
+    <dgm:linClrLst meth="repeat">
+      <a:schemeClr val="accent1">
+        <a:tint val="60000"/>
+      </a:schemeClr>
+    </dgm:linClrLst>
+    <dgm:effectClrLst/>
+    <dgm:txLinClrLst/>
+    <dgm:txFillClrLst/>
+    <dgm:txEffectClrLst/>
+  </dgm:styleLbl>
+  <dgm:styleLbl name="bgSibTrans2D1">
+    <dgm:fillClrLst meth="repeat">
+      <a:schemeClr val="accent1">
+        <a:tint val="60000"/>
+      </a:schemeClr>
+    </dgm:fillClrLst>
+    <dgm:linClrLst meth="repeat">
+      <a:schemeClr val="accent1">
+        <a:tint val="60000"/>
+      </a:schemeClr>
+    </dgm:linClrLst>
+    <dgm:effectClrLst/>
+    <dgm:txLinClrLst/>
+    <dgm:txFillClrLst/>
+    <dgm:txEffectClrLst/>
+  </dgm:styleLbl>
+  <dgm:styleLbl name="sibTrans1D1">
+    <dgm:fillClrLst meth="repeat">
+      <a:schemeClr val="accent1"/>
+    </dgm:fillClrLst>
+    <dgm:linClrLst meth="repeat">
+      <a:schemeClr val="accent1"/>
+    </dgm:linClrLst>
+    <dgm:effectClrLst/>
+    <dgm:txLinClrLst/>
+    <dgm:txFillClrLst meth="repeat">
+      <a:schemeClr val="tx1"/>
+    </dgm:txFillClrLst>
+    <dgm:txEffectClrLst/>
+  </dgm:styleLbl>
+  <dgm:styleLbl name="callout">
+    <dgm:fillClrLst meth="repeat">
+      <a:schemeClr val="accent1"/>
+    </dgm:fillClrLst>
+    <dgm:linClrLst meth="repeat">
+      <a:schemeClr val="accent1">
+        <a:tint val="50000"/>
+      </a:schemeClr>
+    </dgm:linClrLst>
+    <dgm:effectClrLst/>
+    <dgm:txLinClrLst/>
+    <dgm:txFillClrLst meth="repeat">
+      <a:schemeClr val="tx1"/>
+    </dgm:txFillClrLst>
+    <dgm:txEffectClrLst/>
+  </dgm:styleLbl>
+  <dgm:styleLbl name="asst0">
+    <dgm:fillClrLst meth="repeat">
+      <a:schemeClr val="accent1"/>
+    </dgm:fillClrLst>
+    <dgm:linClrLst meth="repeat">
+      <a:schemeClr val="lt1"/>
+    </dgm:linClrLst>
+    <dgm:effectClrLst/>
+    <dgm:txLinClrLst/>
+    <dgm:txFillClrLst/>
+    <dgm:txEffectClrLst/>
+  </dgm:styleLbl>
+  <dgm:styleLbl name="asst1">
+    <dgm:fillClrLst meth="repeat">
+      <a:schemeClr val="accent1"/>
+    </dgm:fillClrLst>
+    <dgm:linClrLst meth="repeat">
+      <a:schemeClr val="lt1"/>
+    </dgm:linClrLst>
+    <dgm:effectClrLst/>
+    <dgm:txLinClrLst/>
+    <dgm:txFillClrLst/>
+    <dgm:txEffectClrLst/>
+  </dgm:styleLbl>
+  <dgm:styleLbl name="asst2">
+    <dgm:fillClrLst meth="repeat">
+      <a:schemeClr val="accent1"/>
+    </dgm:fillClrLst>
+    <dgm:linClrLst meth="repeat">
+      <a:schemeClr val="lt1"/>
+    </dgm:linClrLst>
+    <dgm:effectClrLst/>
+    <dgm:txLinClrLst/>
+    <dgm:txFillClrLst/>
+    <dgm:txEffectClrLst/>
+  </dgm:styleLbl>
+  <dgm:styleLbl name="asst3">
+    <dgm:fillClrLst meth="repeat">
+      <a:schemeClr val="accent1"/>
+    </dgm:fillClrLst>
+    <dgm:linClrLst meth="repeat">
+      <a:schemeClr val="lt1"/>
+    </dgm:linClrLst>
+    <dgm:effectClrLst/>
+    <dgm:txLinClrLst/>
+    <dgm:txFillClrLst/>
+    <dgm:txEffectClrLst/>
+  </dgm:styleLbl>
+  <dgm:styleLbl name="asst4">
+    <dgm:fillClrLst meth="repeat">
+      <a:schemeClr val="accent1"/>
+    </dgm:fillClrLst>
+    <dgm:linClrLst meth="repeat">
+      <a:schemeClr val="lt1"/>
+    </dgm:linClrLst>
+    <dgm:effectClrLst/>
+    <dgm:txLinClrLst/>
+    <dgm:txFillClrLst/>
+    <dgm:txEffectClrLst/>
+  </dgm:styleLbl>
+  <dgm:styleLbl name="parChTrans2D1">
+    <dgm:fillClrLst meth="repeat">
+      <a:schemeClr val="accent1">
+        <a:tint val="60000"/>
+      </a:schemeClr>
+    </dgm:fillClrLst>
+    <dgm:linClrLst meth="repeat">
+      <a:schemeClr val="accent1">
+        <a:tint val="60000"/>
+      </a:schemeClr>
+    </dgm:linClrLst>
+    <dgm:effectClrLst/>
+    <dgm:txLinClrLst/>
+    <dgm:txFillClrLst meth="repeat">
+      <a:schemeClr val="lt1"/>
+    </dgm:txFillClrLst>
+    <dgm:txEffectClrLst/>
+  </dgm:styleLbl>
+  <dgm:styleLbl name="parChTrans2D2">
+    <dgm:fillClrLst meth="repeat">
+      <a:schemeClr val="accent1"/>
+    </dgm:fillClrLst>
+    <dgm:linClrLst meth="repeat">
+      <a:schemeClr val="accent1"/>
+    </dgm:linClrLst>
+    <dgm:effectClrLst/>
+    <dgm:txLinClrLst/>
+    <dgm:txFillClrLst meth="repeat">
+      <a:schemeClr val="lt1"/>
+    </dgm:txFillClrLst>
+    <dgm:txEffectClrLst/>
+  </dgm:styleLbl>
+  <dgm:styleLbl name="parChTrans2D3">
+    <dgm:fillClrLst meth="repeat">
+      <a:schemeClr val="accent1"/>
+    </dgm:fillClrLst>
+    <dgm:linClrLst meth="repeat">
+      <a:schemeClr val="accent1"/>
+    </dgm:linClrLst>
+    <dgm:effectClrLst/>
+    <dgm:txLinClrLst/>
+    <dgm:txFillClrLst meth="repeat">
+      <a:schemeClr val="lt1"/>
+    </dgm:txFillClrLst>
+    <dgm:txEffectClrLst/>
+  </dgm:styleLbl>
+  <dgm:styleLbl name="parChTrans2D4">
+    <dgm:fillClrLst meth="repeat">
+      <a:schemeClr val="accent1"/>
+    </dgm:fillClrLst>
+    <dgm:linClrLst meth="repeat">
+      <a:schemeClr val="accent1"/>
+    </dgm:linClrLst>
+    <dgm:effectClrLst/>
+    <dgm:txLinClrLst/>
+    <dgm:txFillClrLst meth="repeat">
+      <a:schemeClr val="lt1"/>
+    </dgm:txFillClrLst>
+    <dgm:txEffectClrLst/>
+  </dgm:styleLbl>
+  <dgm:styleLbl name="parChTrans1D1">
+    <dgm:fillClrLst meth="repeat">
+      <a:schemeClr val="accent1"/>
+    </dgm:fillClrLst>
+    <dgm:linClrLst meth="repeat">
+      <a:schemeClr val="accent1">
+        <a:shade val="60000"/>
+      </a:schemeClr>
+    </dgm:linClrLst>
+    <dgm:effectClrLst/>
+    <dgm:txLinClrLst/>
+    <dgm:txFillClrLst meth="repeat">
+      <a:schemeClr val="tx1"/>
+    </dgm:txFillClrLst>
+    <dgm:txEffectClrLst/>
+  </dgm:styleLbl>
+  <dgm:styleLbl name="parChTrans1D2">
+    <dgm:fillClrLst meth="repeat">
+      <a:schemeClr val="accent1"/>
+    </dgm:fillClrLst>
+    <dgm:linClrLst meth="repeat">
+      <a:schemeClr val="accent1">
+        <a:shade val="60000"/>
+      </a:schemeClr>
+    </dgm:linClrLst>
+    <dgm:effectClrLst/>
+    <dgm:txLinClrLst/>
+    <dgm:txFillClrLst meth="repeat">
+      <a:schemeClr val="tx1"/>
+    </dgm:txFillClrLst>
+    <dgm:txEffectClrLst/>
+  </dgm:styleLbl>
+  <dgm:styleLbl name="parChTrans1D3">
+    <dgm:fillClrLst meth="repeat">
+      <a:schemeClr val="accent1"/>
+    </dgm:fillClrLst>
+    <dgm:linClrLst meth="repeat">
+      <a:schemeClr val="accent1">
+        <a:shade val="80000"/>
+      </a:schemeClr>
+    </dgm:linClrLst>
+    <dgm:effectClrLst/>
+    <dgm:txLinClrLst/>
+    <dgm:txFillClrLst meth="repeat">
+      <a:schemeClr val="tx1"/>
+    </dgm:txFillClrLst>
+    <dgm:txEffectClrLst/>
+  </dgm:styleLbl>
+  <dgm:styleLbl name="parChTrans1D4">
+    <dgm:fillClrLst meth="repeat">
+      <a:schemeClr val="accent1"/>
+    </dgm:fillClrLst>
+    <dgm:linClrLst meth="repeat">
+      <a:schemeClr val="accent1">
+        <a:shade val="80000"/>
+      </a:schemeClr>
+    </dgm:linClrLst>
+    <dgm:effectClrLst/>
+    <dgm:txLinClrLst/>
+    <dgm:txFillClrLst meth="repeat">
+      <a:schemeClr val="tx1"/>
+    </dgm:txFillClrLst>
+    <dgm:txEffectClrLst/>
+  </dgm:styleLbl>
+  <dgm:styleLbl name="fgAcc1">
+    <dgm:fillClrLst meth="repeat">
+      <a:schemeClr val="lt1">
+        <a:alpha val="90000"/>
+      </a:schemeClr>
+    </dgm:fillClrLst>
+    <dgm:linClrLst meth="repeat">
+      <a:schemeClr val="accent1"/>
+    </dgm:linClrLst>
+    <dgm:effectClrLst/>
+    <dgm:txLinClrLst/>
+    <dgm:txFillClrLst meth="repeat">
+      <a:schemeClr val="dk1"/>
+    </dgm:txFillClrLst>
+    <dgm:txEffectClrLst/>
+  </dgm:styleLbl>
+  <dgm:styleLbl name="conFgAcc1">
+    <dgm:fillClrLst meth="repeat">
+      <a:schemeClr val="lt1">
+        <a:alpha val="90000"/>
+      </a:schemeClr>
+    </dgm:fillClrLst>
+    <dgm:linClrLst meth="repeat">
+      <a:schemeClr val="accent1"/>
+    </dgm:linClrLst>
+    <dgm:effectClrLst/>
+    <dgm:txLinClrLst/>
+    <dgm:txFillClrLst meth="repeat">
+      <a:schemeClr val="dk1"/>
+    </dgm:txFillClrLst>
+    <dgm:txEffectClrLst/>
+  </dgm:styleLbl>
+  <dgm:styleLbl name="alignAcc1">
+    <dgm:fillClrLst meth="repeat">
+      <a:schemeClr val="lt1">
+        <a:alpha val="90000"/>
+      </a:schemeClr>
+    </dgm:fillClrLst>
+    <dgm:linClrLst meth="repeat">
+      <a:schemeClr val="accent1"/>
+    </dgm:linClrLst>
+    <dgm:effectClrLst/>
+    <dgm:txLinClrLst/>
+    <dgm:txFillClrLst meth="repeat">
+      <a:schemeClr val="dk1"/>
+    </dgm:txFillClrLst>
+    <dgm:txEffectClrLst/>
+  </dgm:styleLbl>
+  <dgm:styleLbl name="trAlignAcc1">
+    <dgm:fillClrLst meth="repeat">
+      <a:schemeClr val="lt1">
+        <a:alpha val="40000"/>
+      </a:schemeClr>
+    </dgm:fillClrLst>
+    <dgm:linClrLst meth="repeat">
+      <a:schemeClr val="accent1"/>
+    </dgm:linClrLst>
+    <dgm:effectClrLst/>
+    <dgm:txLinClrLst/>
+    <dgm:txFillClrLst meth="repeat">
+      <a:schemeClr val="dk1"/>
+    </dgm:txFillClrLst>
+    <dgm:txEffectClrLst/>
+  </dgm:styleLbl>
+  <dgm:styleLbl name="bgAcc1">
+    <dgm:fillClrLst meth="repeat">
+      <a:schemeClr val="lt1">
+        <a:alpha val="90000"/>
+      </a:schemeClr>
+    </dgm:fillClrLst>
+    <dgm:linClrLst meth="repeat">
+      <a:schemeClr val="accent1"/>
+    </dgm:linClrLst>
+    <dgm:effectClrLst/>
+    <dgm:txLinClrLst/>
+    <dgm:txFillClrLst meth="repeat">
+      <a:schemeClr val="dk1"/>
+    </dgm:txFillClrLst>
+    <dgm:txEffectClrLst/>
+  </dgm:styleLbl>
+  <dgm:styleLbl name="solidFgAcc1">
+    <dgm:fillClrLst meth="repeat">
+      <a:schemeClr val="lt1"/>
+    </dgm:fillClrLst>
+    <dgm:linClrLst meth="repeat">
+      <a:schemeClr val="accent1"/>
+    </dgm:linClrLst>
+    <dgm:effectClrLst/>
+    <dgm:txLinClrLst/>
+    <dgm:txFillClrLst meth="repeat">
+      <a:schemeClr val="dk1"/>
+    </dgm:txFillClrLst>
+    <dgm:txEffectClrLst/>
+  </dgm:styleLbl>
+  <dgm:styleLbl name="solidAlignAcc1">
+    <dgm:fillClrLst meth="repeat">
+      <a:schemeClr val="lt1"/>
+    </dgm:fillClrLst>
+    <dgm:linClrLst meth="repeat">
+      <a:schemeClr val="accent1"/>
+    </dgm:linClrLst>
+    <dgm:effectClrLst/>
+    <dgm:txLinClrLst/>
+    <dgm:txFillClrLst meth="repeat">
+      <a:schemeClr val="dk1"/>
+    </dgm:txFillClrLst>
+    <dgm:txEffectClrLst/>
+  </dgm:styleLbl>
+  <dgm:styleLbl name="solidBgAcc1">
+    <dgm:fillClrLst meth="repeat">
+      <a:schemeClr val="lt1"/>
+    </dgm:fillClrLst>
+    <dgm:linClrLst meth="repeat">
+      <a:schemeClr val="accent1"/>
+    </dgm:linClrLst>
+    <dgm:effectClrLst/>
+    <dgm:txLinClrLst/>
+    <dgm:txFillClrLst meth="repeat">
+      <a:schemeClr val="dk1"/>
+    </dgm:txFillClrLst>
+    <dgm:txEffectClrLst/>
+  </dgm:styleLbl>
+  <dgm:styleLbl name="fgAccFollowNode1">
+    <dgm:fillClrLst meth="repeat">
+      <a:schemeClr val="accent1">
+        <a:alpha val="90000"/>
+        <a:tint val="40000"/>
+      </a:schemeClr>
+    </dgm:fillClrLst>
+    <dgm:linClrLst meth="repeat">
+      <a:schemeClr val="accent1">
+        <a:alpha val="90000"/>
+        <a:tint val="40000"/>
+      </a:schemeClr>
+    </dgm:linClrLst>
+    <dgm:effectClrLst/>
+    <dgm:txLinClrLst/>
+    <dgm:txFillClrLst meth="repeat">
+      <a:schemeClr val="dk1"/>
+    </dgm:txFillClrLst>
+    <dgm:txEffectClrLst/>
+  </dgm:styleLbl>
+  <dgm:styleLbl name="alignAccFollowNode1">
+    <dgm:fillClrLst meth="repeat">
+      <a:schemeClr val="accent1">
+        <a:alpha val="90000"/>
+        <a:tint val="40000"/>
+      </a:schemeClr>
+    </dgm:fillClrLst>
+    <dgm:linClrLst meth="repeat">
+      <a:schemeClr val="accent1">
+        <a:alpha val="90000"/>
+        <a:tint val="40000"/>
+      </a:schemeClr>
+    </dgm:linClrLst>
+    <dgm:effectClrLst/>
+    <dgm:txLinClrLst/>
+    <dgm:txFillClrLst meth="repeat">
+      <a:schemeClr val="dk1"/>
+    </dgm:txFillClrLst>
+    <dgm:txEffectClrLst/>
+  </dgm:styleLbl>
+  <dgm:styleLbl name="bgAccFollowNode1">
+    <dgm:fillClrLst meth="repeat">
+      <a:schemeClr val="accent1">
+        <a:alpha val="90000"/>
+        <a:tint val="40000"/>
+      </a:schemeClr>
+    </dgm:fillClrLst>
+    <dgm:linClrLst meth="repeat">
+      <a:schemeClr val="accent1">
+        <a:alpha val="90000"/>
+        <a:tint val="40000"/>
+      </a:schemeClr>
+    </dgm:linClrLst>
+    <dgm:effectClrLst/>
+    <dgm:txLinClrLst/>
+    <dgm:txFillClrLst meth="repeat">
+      <a:schemeClr val="dk1"/>
+    </dgm:txFillClrLst>
+    <dgm:txEffectClrLst/>
+  </dgm:styleLbl>
+  <dgm:styleLbl name="fgAcc0">
+    <dgm:fillClrLst meth="repeat">
+      <a:schemeClr val="lt1">
+        <a:alpha val="90000"/>
+      </a:schemeClr>
+    </dgm:fillClrLst>
+    <dgm:linClrLst meth="repeat">
+      <a:schemeClr val="accent1"/>
+    </dgm:linClrLst>
+    <dgm:effectClrLst/>
+    <dgm:txLinClrLst/>
+    <dgm:txFillClrLst meth="repeat">
+      <a:schemeClr val="dk1"/>
+    </dgm:txFillClrLst>
+    <dgm:txEffectClrLst/>
+  </dgm:styleLbl>
+  <dgm:styleLbl name="fgAcc2">
+    <dgm:fillClrLst meth="repeat">
+      <a:schemeClr val="lt1">
+        <a:alpha val="90000"/>
+      </a:schemeClr>
+    </dgm:fillClrLst>
+    <dgm:linClrLst meth="repeat">
+      <a:schemeClr val="accent1"/>
+    </dgm:linClrLst>
+    <dgm:effectClrLst/>
+    <dgm:txLinClrLst/>
+    <dgm:txFillClrLst meth="repeat">
+      <a:schemeClr val="dk1"/>
+    </dgm:txFillClrLst>
+    <dgm:txEffectClrLst/>
+  </dgm:styleLbl>
+  <dgm:styleLbl name="fgAcc3">
+    <dgm:fillClrLst meth="repeat">
+      <a:schemeClr val="lt1">
+        <a:alpha val="90000"/>
+      </a:schemeClr>
+    </dgm:fillClrLst>
+    <dgm:linClrLst meth="repeat">
+      <a:schemeClr val="accent1"/>
+    </dgm:linClrLst>
+    <dgm:effectClrLst/>
+    <dgm:txLinClrLst/>
+    <dgm:txFillClrLst meth="repeat">
+      <a:schemeClr val="dk1"/>
+    </dgm:txFillClrLst>
+    <dgm:txEffectClrLst/>
+  </dgm:styleLbl>
+  <dgm:styleLbl name="fgAcc4">
+    <dgm:fillClrLst meth="repeat">
+      <a:schemeClr val="lt1">
+        <a:alpha val="90000"/>
+      </a:schemeClr>
+    </dgm:fillClrLst>
+    <dgm:linClrLst meth="repeat">
+      <a:schemeClr val="accent1"/>
+    </dgm:linClrLst>
+    <dgm:effectClrLst/>
+    <dgm:txLinClrLst/>
+    <dgm:txFillClrLst meth="repeat">
+      <a:schemeClr val="dk1"/>
+    </dgm:txFillClrLst>
+    <dgm:txEffectClrLst/>
+  </dgm:styleLbl>
+  <dgm:styleLbl name="bgShp">
+    <dgm:fillClrLst meth="repeat">
+      <a:schemeClr val="accent1">
+        <a:tint val="40000"/>
+      </a:schemeClr>
+    </dgm:fillClrLst>
+    <dgm:linClrLst meth="repeat">
+      <a:schemeClr val="accent1"/>
+    </dgm:linClrLst>
+    <dgm:effectClrLst/>
+    <dgm:txLinClrLst/>
+    <dgm:txFillClrLst meth="repeat">
+      <a:schemeClr val="dk1"/>
+    </dgm:txFillClrLst>
+    <dgm:txEffectClrLst/>
+  </dgm:styleLbl>
+  <dgm:styleLbl name="dkBgShp">
+    <dgm:fillClrLst meth="repeat">
+      <a:schemeClr val="accent1">
+        <a:shade val="80000"/>
+      </a:schemeClr>
+    </dgm:fillClrLst>
+    <dgm:linClrLst meth="repeat">
+      <a:schemeClr val="accent1"/>
+    </dgm:linClrLst>
+    <dgm:effectClrLst/>
+    <dgm:txLinClrLst/>
+    <dgm:txFillClrLst meth="repeat">
+      <a:schemeClr val="lt1"/>
+    </dgm:txFillClrLst>
+    <dgm:txEffectClrLst/>
+  </dgm:styleLbl>
+  <dgm:styleLbl name="trBgShp">
+    <dgm:fillClrLst meth="repeat">
+      <a:schemeClr val="accent1">
+        <a:tint val="50000"/>
+        <a:alpha val="40000"/>
+      </a:schemeClr>
+    </dgm:fillClrLst>
+    <dgm:linClrLst meth="repeat">
+      <a:schemeClr val="accent1"/>
+    </dgm:linClrLst>
+    <dgm:effectClrLst/>
+    <dgm:txLinClrLst/>
+    <dgm:txFillClrLst meth="repeat">
+      <a:schemeClr val="lt1"/>
+    </dgm:txFillClrLst>
+    <dgm:txEffectClrLst/>
+  </dgm:styleLbl>
+  <dgm:styleLbl name="fgShp">
+    <dgm:fillClrLst meth="repeat">
+      <a:schemeClr val="accent1">
+        <a:tint val="60000"/>
+      </a:schemeClr>
+    </dgm:fillClrLst>
+    <dgm:linClrLst meth="repeat">
+      <a:schemeClr val="lt1"/>
+    </dgm:linClrLst>
+    <dgm:effectClrLst/>
+    <dgm:txLinClrLst/>
+    <dgm:txFillClrLst meth="repeat">
+      <a:schemeClr val="dk1"/>
+    </dgm:txFillClrLst>
+    <dgm:txEffectClrLst/>
+  </dgm:styleLbl>
+  <dgm:styleLbl name="revTx">
+    <dgm:fillClrLst meth="repeat">
+      <a:schemeClr val="lt1">
+        <a:alpha val="0"/>
+      </a:schemeClr>
+    </dgm:fillClrLst>
+    <dgm:linClrLst meth="repeat">
+      <a:schemeClr val="dk1">
+        <a:alpha val="0"/>
+      </a:schemeClr>
+    </dgm:linClrLst>
+    <dgm:effectClrLst/>
+    <dgm:txLinClrLst/>
+    <dgm:txFillClrLst meth="repeat">
+      <a:schemeClr val="tx1"/>
+    </dgm:txFillClrLst>
+    <dgm:txEffectClrLst/>
+  </dgm:styleLbl>
+</dgm:colorsDef>
+</file>
+
+<file path=ppt/diagrams/colors3.xml><?xml version="1.0" encoding="utf-8"?>
+<dgm:colorsDef xmlns:dgm="http://schemas.openxmlformats.org/drawingml/2006/diagram" xmlns:a="http://schemas.openxmlformats.org/drawingml/2006/main" uniqueId="urn:microsoft.com/office/officeart/2005/8/colors/accent1_2">
+  <dgm:title val=""/>
+  <dgm:desc val=""/>
+  <dgm:catLst>
+    <dgm:cat type="accent1" pri="11200"/>
+  </dgm:catLst>
+  <dgm:styleLbl name="node0">
+    <dgm:fillClrLst meth="repeat">
+      <a:schemeClr val="accent1"/>
+    </dgm:fillClrLst>
+    <dgm:linClrLst meth="repeat">
+      <a:schemeClr val="lt1"/>
+    </dgm:linClrLst>
+    <dgm:effectClrLst/>
+    <dgm:txLinClrLst/>
+    <dgm:txFillClrLst/>
+    <dgm:txEffectClrLst/>
+  </dgm:styleLbl>
+  <dgm:styleLbl name="alignNode1">
+    <dgm:fillClrLst meth="repeat">
+      <a:schemeClr val="accent1"/>
+    </dgm:fillClrLst>
+    <dgm:linClrLst meth="repeat">
+      <a:schemeClr val="accent1"/>
+    </dgm:linClrLst>
+    <dgm:effectClrLst/>
+    <dgm:txLinClrLst/>
+    <dgm:txFillClrLst/>
+    <dgm:txEffectClrLst/>
+  </dgm:styleLbl>
+  <dgm:styleLbl name="node1">
+    <dgm:fillClrLst meth="repeat">
+      <a:schemeClr val="accent1"/>
+    </dgm:fillClrLst>
+    <dgm:linClrLst meth="repeat">
+      <a:schemeClr val="lt1"/>
+    </dgm:linClrLst>
+    <dgm:effectClrLst/>
+    <dgm:txLinClrLst/>
+    <dgm:txFillClrLst/>
+    <dgm:txEffectClrLst/>
+  </dgm:styleLbl>
+  <dgm:styleLbl name="lnNode1">
+    <dgm:fillClrLst meth="repeat">
+      <a:schemeClr val="accent1"/>
+    </dgm:fillClrLst>
+    <dgm:linClrLst meth="repeat">
+      <a:schemeClr val="lt1"/>
+    </dgm:linClrLst>
+    <dgm:effectClrLst/>
+    <dgm:txLinClrLst/>
+    <dgm:txFillClrLst/>
+    <dgm:txEffectClrLst/>
+  </dgm:styleLbl>
+  <dgm:styleLbl name="vennNode1">
+    <dgm:fillClrLst meth="repeat">
+      <a:schemeClr val="accent1">
+        <a:alpha val="50000"/>
+      </a:schemeClr>
+    </dgm:fillClrLst>
+    <dgm:linClrLst meth="repeat">
+      <a:schemeClr val="lt1"/>
+    </dgm:linClrLst>
+    <dgm:effectClrLst/>
+    <dgm:txLinClrLst/>
+    <dgm:txFillClrLst/>
+    <dgm:txEffectClrLst/>
+  </dgm:styleLbl>
+  <dgm:styleLbl name="node2">
+    <dgm:fillClrLst meth="repeat">
+      <a:schemeClr val="accent1"/>
+    </dgm:fillClrLst>
+    <dgm:linClrLst meth="repeat">
+      <a:schemeClr val="lt1"/>
+    </dgm:linClrLst>
+    <dgm:effectClrLst/>
+    <dgm:txLinClrLst/>
+    <dgm:txFillClrLst/>
+    <dgm:txEffectClrLst/>
+  </dgm:styleLbl>
+  <dgm:styleLbl name="node3">
+    <dgm:fillClrLst meth="repeat">
+      <a:schemeClr val="accent1"/>
+    </dgm:fillClrLst>
+    <dgm:linClrLst meth="repeat">
+      <a:schemeClr val="lt1"/>
+    </dgm:linClrLst>
+    <dgm:effectClrLst/>
+    <dgm:txLinClrLst/>
+    <dgm:txFillClrLst/>
+    <dgm:txEffectClrLst/>
+  </dgm:styleLbl>
+  <dgm:styleLbl name="node4">
+    <dgm:fillClrLst meth="repeat">
+      <a:schemeClr val="accent1"/>
+    </dgm:fillClrLst>
+    <dgm:linClrLst meth="repeat">
+      <a:schemeClr val="lt1"/>
+    </dgm:linClrLst>
+    <dgm:effectClrLst/>
+    <dgm:txLinClrLst/>
+    <dgm:txFillClrLst/>
+    <dgm:txEffectClrLst/>
+  </dgm:styleLbl>
+  <dgm:styleLbl name="fgImgPlace1">
+    <dgm:fillClrLst meth="repeat">
+      <a:schemeClr val="accent1">
+        <a:tint val="50000"/>
+      </a:schemeClr>
+    </dgm:fillClrLst>
+    <dgm:linClrLst meth="repeat">
+      <a:schemeClr val="lt1"/>
+    </dgm:linClrLst>
+    <dgm:effectClrLst/>
+    <dgm:txLinClrLst/>
+    <dgm:txFillClrLst meth="repeat">
+      <a:schemeClr val="lt1"/>
+    </dgm:txFillClrLst>
+    <dgm:txEffectClrLst/>
+  </dgm:styleLbl>
+  <dgm:styleLbl name="alignImgPlace1">
+    <dgm:fillClrLst meth="repeat">
+      <a:schemeClr val="accent1">
+        <a:tint val="50000"/>
+      </a:schemeClr>
+    </dgm:fillClrLst>
+    <dgm:linClrLst meth="repeat">
+      <a:schemeClr val="lt1"/>
+    </dgm:linClrLst>
+    <dgm:effectClrLst/>
+    <dgm:txLinClrLst/>
+    <dgm:txFillClrLst meth="repeat">
+      <a:schemeClr val="lt1"/>
+    </dgm:txFillClrLst>
+    <dgm:txEffectClrLst/>
+  </dgm:styleLbl>
+  <dgm:styleLbl name="bgImgPlace1">
+    <dgm:fillClrLst meth="repeat">
+      <a:schemeClr val="accent1">
+        <a:tint val="50000"/>
+      </a:schemeClr>
+    </dgm:fillClrLst>
+    <dgm:linClrLst meth="repeat">
+      <a:schemeClr val="lt1"/>
+    </dgm:linClrLst>
+    <dgm:effectClrLst/>
+    <dgm:txLinClrLst/>
+    <dgm:txFillClrLst meth="repeat">
+      <a:schemeClr val="lt1"/>
+    </dgm:txFillClrLst>
+    <dgm:txEffectClrLst/>
+  </dgm:styleLbl>
+  <dgm:styleLbl name="sibTrans2D1">
+    <dgm:fillClrLst meth="repeat">
+      <a:schemeClr val="accent1">
+        <a:tint val="60000"/>
+      </a:schemeClr>
+    </dgm:fillClrLst>
+    <dgm:linClrLst meth="repeat">
+      <a:schemeClr val="accent1">
+        <a:tint val="60000"/>
+      </a:schemeClr>
+    </dgm:linClrLst>
+    <dgm:effectClrLst/>
+    <dgm:txLinClrLst/>
+    <dgm:txFillClrLst/>
+    <dgm:txEffectClrLst/>
+  </dgm:styleLbl>
+  <dgm:styleLbl name="fgSibTrans2D1">
+    <dgm:fillClrLst meth="repeat">
+      <a:schemeClr val="accent1">
+        <a:tint val="60000"/>
+      </a:schemeClr>
+    </dgm:fillClrLst>
+    <dgm:linClrLst meth="repeat">
+      <a:schemeClr val="accent1">
+        <a:tint val="60000"/>
+      </a:schemeClr>
+    </dgm:linClrLst>
+    <dgm:effectClrLst/>
+    <dgm:txLinClrLst/>
+    <dgm:txFillClrLst/>
+    <dgm:txEffectClrLst/>
+  </dgm:styleLbl>
+  <dgm:styleLbl name="bgSibTrans2D1">
+    <dgm:fillClrLst meth="repeat">
+      <a:schemeClr val="accent1">
+        <a:tint val="60000"/>
+      </a:schemeClr>
+    </dgm:fillClrLst>
+    <dgm:linClrLst meth="repeat">
+      <a:schemeClr val="accent1">
+        <a:tint val="60000"/>
+      </a:schemeClr>
+    </dgm:linClrLst>
+    <dgm:effectClrLst/>
+    <dgm:txLinClrLst/>
+    <dgm:txFillClrLst/>
+    <dgm:txEffectClrLst/>
+  </dgm:styleLbl>
+  <dgm:styleLbl name="sibTrans1D1">
+    <dgm:fillClrLst meth="repeat">
+      <a:schemeClr val="accent1"/>
+    </dgm:fillClrLst>
+    <dgm:linClrLst meth="repeat">
+      <a:schemeClr val="accent1"/>
+    </dgm:linClrLst>
+    <dgm:effectClrLst/>
+    <dgm:txLinClrLst/>
+    <dgm:txFillClrLst meth="repeat">
+      <a:schemeClr val="tx1"/>
+    </dgm:txFillClrLst>
+    <dgm:txEffectClrLst/>
+  </dgm:styleLbl>
+  <dgm:styleLbl name="callout">
+    <dgm:fillClrLst meth="repeat">
+      <a:schemeClr val="accent1"/>
+    </dgm:fillClrLst>
+    <dgm:linClrLst meth="repeat">
+      <a:schemeClr val="accent1">
+        <a:tint val="50000"/>
+      </a:schemeClr>
+    </dgm:linClrLst>
+    <dgm:effectClrLst/>
+    <dgm:txLinClrLst/>
+    <dgm:txFillClrLst meth="repeat">
+      <a:schemeClr val="tx1"/>
+    </dgm:txFillClrLst>
+    <dgm:txEffectClrLst/>
+  </dgm:styleLbl>
+  <dgm:styleLbl name="asst0">
+    <dgm:fillClrLst meth="repeat">
+      <a:schemeClr val="accent1"/>
+    </dgm:fillClrLst>
+    <dgm:linClrLst meth="repeat">
+      <a:schemeClr val="lt1"/>
+    </dgm:linClrLst>
+    <dgm:effectClrLst/>
+    <dgm:txLinClrLst/>
+    <dgm:txFillClrLst/>
+    <dgm:txEffectClrLst/>
+  </dgm:styleLbl>
+  <dgm:styleLbl name="asst1">
+    <dgm:fillClrLst meth="repeat">
+      <a:schemeClr val="accent1"/>
+    </dgm:fillClrLst>
+    <dgm:linClrLst meth="repeat">
+      <a:schemeClr val="lt1"/>
+    </dgm:linClrLst>
+    <dgm:effectClrLst/>
+    <dgm:txLinClrLst/>
+    <dgm:txFillClrLst/>
+    <dgm:txEffectClrLst/>
+  </dgm:styleLbl>
+  <dgm:styleLbl name="asst2">
+    <dgm:fillClrLst meth="repeat">
+      <a:schemeClr val="accent1"/>
+    </dgm:fillClrLst>
+    <dgm:linClrLst meth="repeat">
+      <a:schemeClr val="lt1"/>
+    </dgm:linClrLst>
+    <dgm:effectClrLst/>
+    <dgm:txLinClrLst/>
+    <dgm:txFillClrLst/>
+    <dgm:txEffectClrLst/>
+  </dgm:styleLbl>
+  <dgm:styleLbl name="asst3">
+    <dgm:fillClrLst meth="repeat">
+      <a:schemeClr val="accent1"/>
+    </dgm:fillClrLst>
+    <dgm:linClrLst meth="repeat">
+      <a:schemeClr val="lt1"/>
+    </dgm:linClrLst>
+    <dgm:effectClrLst/>
+    <dgm:txLinClrLst/>
+    <dgm:txFillClrLst/>
+    <dgm:txEffectClrLst/>
+  </dgm:styleLbl>
+  <dgm:styleLbl name="asst4">
+    <dgm:fillClrLst meth="repeat">
+      <a:schemeClr val="accent1"/>
+    </dgm:fillClrLst>
+    <dgm:linClrLst meth="repeat">
+      <a:schemeClr val="lt1"/>
+    </dgm:linClrLst>
+    <dgm:effectClrLst/>
+    <dgm:txLinClrLst/>
+    <dgm:txFillClrLst/>
+    <dgm:txEffectClrLst/>
+  </dgm:styleLbl>
+  <dgm:styleLbl name="parChTrans2D1">
+    <dgm:fillClrLst meth="repeat">
+      <a:schemeClr val="accent1">
+        <a:tint val="60000"/>
+      </a:schemeClr>
+    </dgm:fillClrLst>
+    <dgm:linClrLst meth="repeat">
+      <a:schemeClr val="accent1">
+        <a:tint val="60000"/>
+      </a:schemeClr>
+    </dgm:linClrLst>
+    <dgm:effectClrLst/>
+    <dgm:txLinClrLst/>
+    <dgm:txFillClrLst meth="repeat">
+      <a:schemeClr val="lt1"/>
+    </dgm:txFillClrLst>
+    <dgm:txEffectClrLst/>
+  </dgm:styleLbl>
+  <dgm:styleLbl name="parChTrans2D2">
+    <dgm:fillClrLst meth="repeat">
+      <a:schemeClr val="accent1"/>
+    </dgm:fillClrLst>
+    <dgm:linClrLst meth="repeat">
+      <a:schemeClr val="accent1"/>
+    </dgm:linClrLst>
+    <dgm:effectClrLst/>
+    <dgm:txLinClrLst/>
+    <dgm:txFillClrLst meth="repeat">
+      <a:schemeClr val="lt1"/>
+    </dgm:txFillClrLst>
+    <dgm:txEffectClrLst/>
+  </dgm:styleLbl>
+  <dgm:styleLbl name="parChTrans2D3">
+    <dgm:fillClrLst meth="repeat">
+      <a:schemeClr val="accent1"/>
+    </dgm:fillClrLst>
+    <dgm:linClrLst meth="repeat">
+      <a:schemeClr val="accent1"/>
+    </dgm:linClrLst>
+    <dgm:effectClrLst/>
+    <dgm:txLinClrLst/>
+    <dgm:txFillClrLst meth="repeat">
+      <a:schemeClr val="lt1"/>
+    </dgm:txFillClrLst>
+    <dgm:txEffectClrLst/>
+  </dgm:styleLbl>
+  <dgm:styleLbl name="parChTrans2D4">
+    <dgm:fillClrLst meth="repeat">
+      <a:schemeClr val="accent1"/>
+    </dgm:fillClrLst>
+    <dgm:linClrLst meth="repeat">
+      <a:schemeClr val="accent1"/>
+    </dgm:linClrLst>
+    <dgm:effectClrLst/>
+    <dgm:txLinClrLst/>
+    <dgm:txFillClrLst meth="repeat">
+      <a:schemeClr val="lt1"/>
+    </dgm:txFillClrLst>
+    <dgm:txEffectClrLst/>
+  </dgm:styleLbl>
+  <dgm:styleLbl name="parChTrans1D1">
+    <dgm:fillClrLst meth="repeat">
+      <a:schemeClr val="accent1"/>
+    </dgm:fillClrLst>
+    <dgm:linClrLst meth="repeat">
+      <a:schemeClr val="accent1">
+        <a:shade val="60000"/>
+      </a:schemeClr>
+    </dgm:linClrLst>
+    <dgm:effectClrLst/>
+    <dgm:txLinClrLst/>
+    <dgm:txFillClrLst meth="repeat">
+      <a:schemeClr val="tx1"/>
+    </dgm:txFillClrLst>
+    <dgm:txEffectClrLst/>
+  </dgm:styleLbl>
+  <dgm:styleLbl name="parChTrans1D2">
+    <dgm:fillClrLst meth="repeat">
+      <a:schemeClr val="accent1"/>
+    </dgm:fillClrLst>
+    <dgm:linClrLst meth="repeat">
+      <a:schemeClr val="accent1">
+        <a:shade val="60000"/>
+      </a:schemeClr>
+    </dgm:linClrLst>
+    <dgm:effectClrLst/>
+    <dgm:txLinClrLst/>
+    <dgm:txFillClrLst meth="repeat">
+      <a:schemeClr val="tx1"/>
+    </dgm:txFillClrLst>
+    <dgm:txEffectClrLst/>
+  </dgm:styleLbl>
+  <dgm:styleLbl name="parChTrans1D3">
+    <dgm:fillClrLst meth="repeat">
+      <a:schemeClr val="accent1"/>
+    </dgm:fillClrLst>
+    <dgm:linClrLst meth="repeat">
+      <a:schemeClr val="accent1">
+        <a:shade val="80000"/>
+      </a:schemeClr>
+    </dgm:linClrLst>
+    <dgm:effectClrLst/>
+    <dgm:txLinClrLst/>
+    <dgm:txFillClrLst meth="repeat">
+      <a:schemeClr val="tx1"/>
+    </dgm:txFillClrLst>
+    <dgm:txEffectClrLst/>
+  </dgm:styleLbl>
+  <dgm:styleLbl name="parChTrans1D4">
+    <dgm:fillClrLst meth="repeat">
+      <a:schemeClr val="accent1"/>
+    </dgm:fillClrLst>
+    <dgm:linClrLst meth="repeat">
+      <a:schemeClr val="accent1">
+        <a:shade val="80000"/>
+      </a:schemeClr>
+    </dgm:linClrLst>
+    <dgm:effectClrLst/>
+    <dgm:txLinClrLst/>
+    <dgm:txFillClrLst meth="repeat">
+      <a:schemeClr val="tx1"/>
+    </dgm:txFillClrLst>
+    <dgm:txEffectClrLst/>
+  </dgm:styleLbl>
+  <dgm:styleLbl name="fgAcc1">
+    <dgm:fillClrLst meth="repeat">
+      <a:schemeClr val="lt1">
+        <a:alpha val="90000"/>
+      </a:schemeClr>
+    </dgm:fillClrLst>
+    <dgm:linClrLst meth="repeat">
+      <a:schemeClr val="accent1"/>
+    </dgm:linClrLst>
+    <dgm:effectClrLst/>
+    <dgm:txLinClrLst/>
+    <dgm:txFillClrLst meth="repeat">
+      <a:schemeClr val="dk1"/>
+    </dgm:txFillClrLst>
+    <dgm:txEffectClrLst/>
+  </dgm:styleLbl>
+  <dgm:styleLbl name="conFgAcc1">
+    <dgm:fillClrLst meth="repeat">
+      <a:schemeClr val="lt1">
+        <a:alpha val="90000"/>
+      </a:schemeClr>
+    </dgm:fillClrLst>
+    <dgm:linClrLst meth="repeat">
+      <a:schemeClr val="accent1"/>
+    </dgm:linClrLst>
+    <dgm:effectClrLst/>
+    <dgm:txLinClrLst/>
+    <dgm:txFillClrLst meth="repeat">
+      <a:schemeClr val="dk1"/>
+    </dgm:txFillClrLst>
+    <dgm:txEffectClrLst/>
+  </dgm:styleLbl>
+  <dgm:styleLbl name="alignAcc1">
+    <dgm:fillClrLst meth="repeat">
+      <a:schemeClr val="lt1">
+        <a:alpha val="90000"/>
+      </a:schemeClr>
+    </dgm:fillClrLst>
+    <dgm:linClrLst meth="repeat">
+      <a:schemeClr val="accent1"/>
+    </dgm:linClrLst>
+    <dgm:effectClrLst/>
+    <dgm:txLinClrLst/>
+    <dgm:txFillClrLst meth="repeat">
+      <a:schemeClr val="dk1"/>
+    </dgm:txFillClrLst>
+    <dgm:txEffectClrLst/>
+  </dgm:styleLbl>
+  <dgm:styleLbl name="trAlignAcc1">
+    <dgm:fillClrLst meth="repeat">
+      <a:schemeClr val="lt1">
+        <a:alpha val="40000"/>
+      </a:schemeClr>
+    </dgm:fillClrLst>
+    <dgm:linClrLst meth="repeat">
+      <a:schemeClr val="accent1"/>
+    </dgm:linClrLst>
+    <dgm:effectClrLst/>
+    <dgm:txLinClrLst/>
+    <dgm:txFillClrLst meth="repeat">
+      <a:schemeClr val="dk1"/>
+    </dgm:txFillClrLst>
+    <dgm:txEffectClrLst/>
+  </dgm:styleLbl>
+  <dgm:styleLbl name="bgAcc1">
+    <dgm:fillClrLst meth="repeat">
+      <a:schemeClr val="lt1">
+        <a:alpha val="90000"/>
+      </a:schemeClr>
+    </dgm:fillClrLst>
+    <dgm:linClrLst meth="repeat">
+      <a:schemeClr val="accent1"/>
+    </dgm:linClrLst>
+    <dgm:effectClrLst/>
+    <dgm:txLinClrLst/>
+    <dgm:txFillClrLst meth="repeat">
+      <a:schemeClr val="dk1"/>
+    </dgm:txFillClrLst>
+    <dgm:txEffectClrLst/>
+  </dgm:styleLbl>
+  <dgm:styleLbl name="solidFgAcc1">
+    <dgm:fillClrLst meth="repeat">
+      <a:schemeClr val="lt1"/>
+    </dgm:fillClrLst>
+    <dgm:linClrLst meth="repeat">
+      <a:schemeClr val="accent1"/>
+    </dgm:linClrLst>
+    <dgm:effectClrLst/>
+    <dgm:txLinClrLst/>
+    <dgm:txFillClrLst meth="repeat">
+      <a:schemeClr val="dk1"/>
+    </dgm:txFillClrLst>
+    <dgm:txEffectClrLst/>
+  </dgm:styleLbl>
+  <dgm:styleLbl name="solidAlignAcc1">
+    <dgm:fillClrLst meth="repeat">
+      <a:schemeClr val="lt1"/>
+    </dgm:fillClrLst>
+    <dgm:linClrLst meth="repeat">
+      <a:schemeClr val="accent1"/>
+    </dgm:linClrLst>
+    <dgm:effectClrLst/>
+    <dgm:txLinClrLst/>
+    <dgm:txFillClrLst meth="repeat">
+      <a:schemeClr val="dk1"/>
+    </dgm:txFillClrLst>
+    <dgm:txEffectClrLst/>
+  </dgm:styleLbl>
+  <dgm:styleLbl name="solidBgAcc1">
+    <dgm:fillClrLst meth="repeat">
+      <a:schemeClr val="lt1"/>
+    </dgm:fillClrLst>
+    <dgm:linClrLst meth="repeat">
+      <a:schemeClr val="accent1"/>
+    </dgm:linClrLst>
+    <dgm:effectClrLst/>
+    <dgm:txLinClrLst/>
+    <dgm:txFillClrLst meth="repeat">
+      <a:schemeClr val="dk1"/>
+    </dgm:txFillClrLst>
+    <dgm:txEffectClrLst/>
+  </dgm:styleLbl>
+  <dgm:styleLbl name="fgAccFollowNode1">
+    <dgm:fillClrLst meth="repeat">
+      <a:schemeClr val="accent1">
+        <a:alpha val="90000"/>
+        <a:tint val="40000"/>
+      </a:schemeClr>
+    </dgm:fillClrLst>
+    <dgm:linClrLst meth="repeat">
+      <a:schemeClr val="accent1">
+        <a:alpha val="90000"/>
+        <a:tint val="40000"/>
+      </a:schemeClr>
+    </dgm:linClrLst>
+    <dgm:effectClrLst/>
+    <dgm:txLinClrLst/>
+    <dgm:txFillClrLst meth="repeat">
+      <a:schemeClr val="dk1"/>
+    </dgm:txFillClrLst>
+    <dgm:txEffectClrLst/>
+  </dgm:styleLbl>
+  <dgm:styleLbl name="alignAccFollowNode1">
+    <dgm:fillClrLst meth="repeat">
+      <a:schemeClr val="accent1">
+        <a:alpha val="90000"/>
+        <a:tint val="40000"/>
+      </a:schemeClr>
+    </dgm:fillClrLst>
+    <dgm:linClrLst meth="repeat">
+      <a:schemeClr val="accent1">
+        <a:alpha val="90000"/>
+        <a:tint val="40000"/>
+      </a:schemeClr>
+    </dgm:linClrLst>
+    <dgm:effectClrLst/>
+    <dgm:txLinClrLst/>
+    <dgm:txFillClrLst meth="repeat">
+      <a:schemeClr val="dk1"/>
+    </dgm:txFillClrLst>
+    <dgm:txEffectClrLst/>
+  </dgm:styleLbl>
+  <dgm:styleLbl name="bgAccFollowNode1">
+    <dgm:fillClrLst meth="repeat">
+      <a:schemeClr val="accent1">
+        <a:alpha val="90000"/>
+        <a:tint val="40000"/>
+      </a:schemeClr>
+    </dgm:fillClrLst>
+    <dgm:linClrLst meth="repeat">
+      <a:schemeClr val="accent1">
+        <a:alpha val="90000"/>
+        <a:tint val="40000"/>
+      </a:schemeClr>
+    </dgm:linClrLst>
+    <dgm:effectClrLst/>
+    <dgm:txLinClrLst/>
+    <dgm:txFillClrLst meth="repeat">
+      <a:schemeClr val="dk1"/>
+    </dgm:txFillClrLst>
+    <dgm:txEffectClrLst/>
+  </dgm:styleLbl>
+  <dgm:styleLbl name="fgAcc0">
+    <dgm:fillClrLst meth="repeat">
+      <a:schemeClr val="lt1">
+        <a:alpha val="90000"/>
+      </a:schemeClr>
+    </dgm:fillClrLst>
+    <dgm:linClrLst meth="repeat">
+      <a:schemeClr val="accent1"/>
+    </dgm:linClrLst>
+    <dgm:effectClrLst/>
+    <dgm:txLinClrLst/>
+    <dgm:txFillClrLst meth="repeat">
+      <a:schemeClr val="dk1"/>
+    </dgm:txFillClrLst>
+    <dgm:txEffectClrLst/>
+  </dgm:styleLbl>
+  <dgm:styleLbl name="fgAcc2">
+    <dgm:fillClrLst meth="repeat">
+      <a:schemeClr val="lt1">
+        <a:alpha val="90000"/>
+      </a:schemeClr>
+    </dgm:fillClrLst>
+    <dgm:linClrLst meth="repeat">
+      <a:schemeClr val="accent1"/>
+    </dgm:linClrLst>
+    <dgm:effectClrLst/>
+    <dgm:txLinClrLst/>
+    <dgm:txFillClrLst meth="repeat">
+      <a:schemeClr val="dk1"/>
+    </dgm:txFillClrLst>
+    <dgm:txEffectClrLst/>
+  </dgm:styleLbl>
+  <dgm:styleLbl name="fgAcc3">
+    <dgm:fillClrLst meth="repeat">
+      <a:schemeClr val="lt1">
+        <a:alpha val="90000"/>
+      </a:schemeClr>
+    </dgm:fillClrLst>
+    <dgm:linClrLst meth="repeat">
+      <a:schemeClr val="accent1"/>
+    </dgm:linClrLst>
+    <dgm:effectClrLst/>
+    <dgm:txLinClrLst/>
+    <dgm:txFillClrLst meth="repeat">
+      <a:schemeClr val="dk1"/>
+    </dgm:txFillClrLst>
+    <dgm:txEffectClrLst/>
+  </dgm:styleLbl>
+  <dgm:styleLbl name="fgAcc4">
+    <dgm:fillClrLst meth="repeat">
+      <a:schemeClr val="lt1">
+        <a:alpha val="90000"/>
+      </a:schemeClr>
+    </dgm:fillClrLst>
+    <dgm:linClrLst meth="repeat">
+      <a:schemeClr val="accent1"/>
+    </dgm:linClrLst>
+    <dgm:effectClrLst/>
+    <dgm:txLinClrLst/>
+    <dgm:txFillClrLst meth="repeat">
+      <a:schemeClr val="dk1"/>
+    </dgm:txFillClrLst>
+    <dgm:txEffectClrLst/>
+  </dgm:styleLbl>
+  <dgm:styleLbl name="bgShp">
+    <dgm:fillClrLst meth="repeat">
+      <a:schemeClr val="accent1">
+        <a:tint val="40000"/>
+      </a:schemeClr>
+    </dgm:fillClrLst>
+    <dgm:linClrLst meth="repeat">
+      <a:schemeClr val="accent1"/>
+    </dgm:linClrLst>
+    <dgm:effectClrLst/>
+    <dgm:txLinClrLst/>
+    <dgm:txFillClrLst meth="repeat">
+      <a:schemeClr val="dk1"/>
+    </dgm:txFillClrLst>
+    <dgm:txEffectClrLst/>
+  </dgm:styleLbl>
+  <dgm:styleLbl name="dkBgShp">
+    <dgm:fillClrLst meth="repeat">
+      <a:schemeClr val="accent1">
+        <a:shade val="80000"/>
+      </a:schemeClr>
+    </dgm:fillClrLst>
+    <dgm:linClrLst meth="repeat">
+      <a:schemeClr val="accent1"/>
+    </dgm:linClrLst>
+    <dgm:effectClrLst/>
+    <dgm:txLinClrLst/>
+    <dgm:txFillClrLst meth="repeat">
+      <a:schemeClr val="lt1"/>
+    </dgm:txFillClrLst>
+    <dgm:txEffectClrLst/>
+  </dgm:styleLbl>
+  <dgm:styleLbl name="trBgShp">
+    <dgm:fillClrLst meth="repeat">
+      <a:schemeClr val="accent1">
+        <a:tint val="50000"/>
+        <a:alpha val="40000"/>
+      </a:schemeClr>
+    </dgm:fillClrLst>
+    <dgm:linClrLst meth="repeat">
+      <a:schemeClr val="accent1"/>
+    </dgm:linClrLst>
+    <dgm:effectClrLst/>
+    <dgm:txLinClrLst/>
+    <dgm:txFillClrLst meth="repeat">
+      <a:schemeClr val="lt1"/>
+    </dgm:txFillClrLst>
+    <dgm:txEffectClrLst/>
+  </dgm:styleLbl>
+  <dgm:styleLbl name="fgShp">
+    <dgm:fillClrLst meth="repeat">
+      <a:schemeClr val="accent1">
+        <a:tint val="60000"/>
+      </a:schemeClr>
+    </dgm:fillClrLst>
+    <dgm:linClrLst meth="repeat">
+      <a:schemeClr val="lt1"/>
+    </dgm:linClrLst>
+    <dgm:effectClrLst/>
+    <dgm:txLinClrLst/>
+    <dgm:txFillClrLst meth="repeat">
+      <a:schemeClr val="dk1"/>
+    </dgm:txFillClrLst>
+    <dgm:txEffectClrLst/>
+  </dgm:styleLbl>
+  <dgm:styleLbl name="revTx">
+    <dgm:fillClrLst meth="repeat">
+      <a:schemeClr val="lt1">
+        <a:alpha val="0"/>
+      </a:schemeClr>
+    </dgm:fillClrLst>
+    <dgm:linClrLst meth="repeat">
+      <a:schemeClr val="dk1">
+        <a:alpha val="0"/>
+      </a:schemeClr>
+    </dgm:linClrLst>
+    <dgm:effectClrLst/>
+    <dgm:txLinClrLst/>
+    <dgm:txFillClrLst meth="repeat">
+      <a:schemeClr val="tx1"/>
+    </dgm:txFillClrLst>
+    <dgm:txEffectClrLst/>
+  </dgm:styleLbl>
+</dgm:colorsDef>
+</file>
+
+<file path=ppt/diagrams/colors4.xml><?xml version="1.0" encoding="utf-8"?>
 <dgm:colorsDef xmlns:dgm="http://schemas.openxmlformats.org/drawingml/2006/diagram" xmlns:a="http://schemas.openxmlformats.org/drawingml/2006/main" uniqueId="urn:microsoft.com/office/officeart/2005/8/colors/accent2_1">
   <dgm:title val=""/>
   <dgm:desc val=""/>
@@ -1668,6 +3162,683 @@
 <file path=ppt/diagrams/data1.xml><?xml version="1.0" encoding="utf-8"?>
 <dgm:dataModel xmlns:dgm="http://schemas.openxmlformats.org/drawingml/2006/diagram" xmlns:a="http://schemas.openxmlformats.org/drawingml/2006/main">
   <dgm:ptLst>
+    <dgm:pt modelId="{E42DA33D-4309-45A4-8090-C7C1B8DE2840}" type="doc">
+      <dgm:prSet loTypeId="urn:microsoft.com/office/officeart/2005/8/layout/vList5" loCatId="list" qsTypeId="urn:microsoft.com/office/officeart/2005/8/quickstyle/3d1" qsCatId="3D" csTypeId="urn:microsoft.com/office/officeart/2005/8/colors/accent1_2" csCatId="accent1" phldr="1"/>
+      <dgm:spPr/>
+      <dgm:t>
+        <a:bodyPr/>
+        <a:lstStyle/>
+        <a:p>
+          <a:endParaRPr lang="pt-BR"/>
+        </a:p>
+      </dgm:t>
+    </dgm:pt>
+    <dgm:pt modelId="{7204C1C4-4A05-4E69-9F7B-60981284C004}">
+      <dgm:prSet phldrT="[Texto]" custT="1"/>
+      <dgm:spPr/>
+      <dgm:t>
+        <a:bodyPr/>
+        <a:lstStyle/>
+        <a:p>
+          <a:r>
+            <a:rPr lang="pt-BR" sz="1800" b="1" dirty="0" smtClean="0">
+              <a:solidFill>
+                <a:srgbClr val="7030A0"/>
+              </a:solidFill>
+            </a:rPr>
+            <a:t>Membros do grupo</a:t>
+          </a:r>
+          <a:endParaRPr lang="pt-BR" sz="1800" b="1" dirty="0">
+            <a:solidFill>
+              <a:srgbClr val="7030A0"/>
+            </a:solidFill>
+          </a:endParaRPr>
+        </a:p>
+      </dgm:t>
+    </dgm:pt>
+    <dgm:pt modelId="{4413B713-B44E-40B8-B9EC-C52CD6FE6A10}" type="parTrans" cxnId="{87BA7E12-F7AF-46BE-8604-29232418CB3A}">
+      <dgm:prSet/>
+      <dgm:spPr/>
+      <dgm:t>
+        <a:bodyPr/>
+        <a:lstStyle/>
+        <a:p>
+          <a:endParaRPr lang="pt-BR"/>
+        </a:p>
+      </dgm:t>
+    </dgm:pt>
+    <dgm:pt modelId="{03005108-F32D-4EFF-9439-890CCA627D66}" type="sibTrans" cxnId="{87BA7E12-F7AF-46BE-8604-29232418CB3A}">
+      <dgm:prSet/>
+      <dgm:spPr/>
+      <dgm:t>
+        <a:bodyPr/>
+        <a:lstStyle/>
+        <a:p>
+          <a:endParaRPr lang="pt-BR"/>
+        </a:p>
+      </dgm:t>
+    </dgm:pt>
+    <dgm:pt modelId="{FEEFF06B-F309-4B5C-9120-F2D5BB2A0B0A}">
+      <dgm:prSet phldrT="[Texto]" custT="1"/>
+      <dgm:spPr>
+        <a:solidFill>
+          <a:schemeClr val="accent6">
+            <a:lumMod val="60000"/>
+            <a:lumOff val="40000"/>
+            <a:alpha val="90000"/>
+          </a:schemeClr>
+        </a:solidFill>
+      </dgm:spPr>
+      <dgm:t>
+        <a:bodyPr/>
+        <a:lstStyle/>
+        <a:p>
+          <a:r>
+            <a:rPr lang="pt-BR" sz="1600" dirty="0" err="1" smtClean="0"/>
+            <a:t>Person</a:t>
+          </a:r>
+          <a:r>
+            <a:rPr lang="pt-BR" sz="1600" dirty="0" smtClean="0"/>
+            <a:t>  </a:t>
+          </a:r>
+          <a:endParaRPr lang="pt-BR" sz="1600" dirty="0"/>
+        </a:p>
+      </dgm:t>
+    </dgm:pt>
+    <dgm:pt modelId="{92393A6B-0584-45D2-B927-C5E52B55B04B}" type="parTrans" cxnId="{29B6EE33-46BD-4DFF-8EAB-6F54D53EE694}">
+      <dgm:prSet/>
+      <dgm:spPr/>
+      <dgm:t>
+        <a:bodyPr/>
+        <a:lstStyle/>
+        <a:p>
+          <a:endParaRPr lang="pt-BR"/>
+        </a:p>
+      </dgm:t>
+    </dgm:pt>
+    <dgm:pt modelId="{9A34E78C-3E18-40E0-9559-08591574FBDD}" type="sibTrans" cxnId="{29B6EE33-46BD-4DFF-8EAB-6F54D53EE694}">
+      <dgm:prSet/>
+      <dgm:spPr/>
+      <dgm:t>
+        <a:bodyPr/>
+        <a:lstStyle/>
+        <a:p>
+          <a:endParaRPr lang="pt-BR"/>
+        </a:p>
+      </dgm:t>
+    </dgm:pt>
+    <dgm:pt modelId="{D7EEFC11-8883-4ED2-BE60-DD96E84152F9}">
+      <dgm:prSet phldrT="[Texto]" custT="1"/>
+      <dgm:spPr>
+        <a:solidFill>
+          <a:schemeClr val="accent6">
+            <a:lumMod val="60000"/>
+            <a:lumOff val="40000"/>
+            <a:alpha val="90000"/>
+          </a:schemeClr>
+        </a:solidFill>
+      </dgm:spPr>
+      <dgm:t>
+        <a:bodyPr/>
+        <a:lstStyle/>
+        <a:p>
+          <a:r>
+            <a:rPr lang="pt-BR" sz="1600" dirty="0" smtClean="0"/>
+            <a:t>Desenvolver um sistema que atenda as necessidades administrativas das pastorais da paróquia </a:t>
+          </a:r>
+          <a:endParaRPr lang="pt-BR" sz="1600" dirty="0"/>
+        </a:p>
+      </dgm:t>
+    </dgm:pt>
+    <dgm:pt modelId="{B482877E-31B6-44B4-8CD6-B7C7B7B41713}" type="parTrans" cxnId="{287A446E-66DE-4E87-9D02-0CCC24AE66D5}">
+      <dgm:prSet/>
+      <dgm:spPr/>
+      <dgm:t>
+        <a:bodyPr/>
+        <a:lstStyle/>
+        <a:p>
+          <a:endParaRPr lang="pt-BR"/>
+        </a:p>
+      </dgm:t>
+    </dgm:pt>
+    <dgm:pt modelId="{6D43DDB6-F7AC-4CC2-A2C8-5A3FEEC47C1E}" type="sibTrans" cxnId="{287A446E-66DE-4E87-9D02-0CCC24AE66D5}">
+      <dgm:prSet/>
+      <dgm:spPr/>
+      <dgm:t>
+        <a:bodyPr/>
+        <a:lstStyle/>
+        <a:p>
+          <a:endParaRPr lang="pt-BR"/>
+        </a:p>
+      </dgm:t>
+    </dgm:pt>
+    <dgm:pt modelId="{F764DBA7-A3E6-41AE-AAE3-82E4B8468FDE}">
+      <dgm:prSet phldrT="[Texto]" custT="1"/>
+      <dgm:spPr/>
+      <dgm:t>
+        <a:bodyPr/>
+        <a:lstStyle/>
+        <a:p>
+          <a:r>
+            <a:rPr lang="pt-BR" sz="1800" b="1" dirty="0" smtClean="0">
+              <a:solidFill>
+                <a:srgbClr val="7030A0"/>
+              </a:solidFill>
+            </a:rPr>
+            <a:t>Motivação</a:t>
+          </a:r>
+          <a:endParaRPr lang="pt-BR" sz="1800" b="1" dirty="0">
+            <a:solidFill>
+              <a:srgbClr val="7030A0"/>
+            </a:solidFill>
+          </a:endParaRPr>
+        </a:p>
+      </dgm:t>
+    </dgm:pt>
+    <dgm:pt modelId="{DC130EEF-0F89-485F-A675-CEFBD90A8E41}" type="parTrans" cxnId="{895F7E3F-AB1D-4DDA-9805-E992151AA0A5}">
+      <dgm:prSet/>
+      <dgm:spPr/>
+      <dgm:t>
+        <a:bodyPr/>
+        <a:lstStyle/>
+        <a:p>
+          <a:endParaRPr lang="pt-BR"/>
+        </a:p>
+      </dgm:t>
+    </dgm:pt>
+    <dgm:pt modelId="{41615984-E2C2-477B-BB5D-8BF374A79996}" type="sibTrans" cxnId="{895F7E3F-AB1D-4DDA-9805-E992151AA0A5}">
+      <dgm:prSet/>
+      <dgm:spPr/>
+      <dgm:t>
+        <a:bodyPr/>
+        <a:lstStyle/>
+        <a:p>
+          <a:endParaRPr lang="pt-BR"/>
+        </a:p>
+      </dgm:t>
+    </dgm:pt>
+    <dgm:pt modelId="{3D263D67-4D7A-41A5-91A5-670388FEE69F}">
+      <dgm:prSet phldrT="[Texto]" custT="1"/>
+      <dgm:spPr>
+        <a:solidFill>
+          <a:schemeClr val="accent6">
+            <a:lumMod val="60000"/>
+            <a:lumOff val="40000"/>
+            <a:alpha val="90000"/>
+          </a:schemeClr>
+        </a:solidFill>
+      </dgm:spPr>
+      <dgm:t>
+        <a:bodyPr/>
+        <a:lstStyle/>
+        <a:p>
+          <a:r>
+            <a:rPr lang="pt-BR" sz="1600" dirty="0" smtClean="0"/>
+            <a:t>Montar um espécie de laboratório tecnológico com foco nas pesquisa das </a:t>
+          </a:r>
+          <a:r>
+            <a:rPr lang="pt-BR" sz="1600" dirty="0" err="1" smtClean="0"/>
+            <a:t>TICs</a:t>
+          </a:r>
+          <a:endParaRPr lang="pt-BR" sz="1600" dirty="0"/>
+        </a:p>
+      </dgm:t>
+    </dgm:pt>
+    <dgm:pt modelId="{ACF50AC0-88E8-48BB-8EA1-B472F428EFC8}" type="parTrans" cxnId="{49439F5F-703F-42C8-AC41-9D10F0F390C7}">
+      <dgm:prSet/>
+      <dgm:spPr/>
+      <dgm:t>
+        <a:bodyPr/>
+        <a:lstStyle/>
+        <a:p>
+          <a:endParaRPr lang="pt-BR"/>
+        </a:p>
+      </dgm:t>
+    </dgm:pt>
+    <dgm:pt modelId="{E1C076EE-C718-4411-AC8A-F6087CE2E2FC}" type="sibTrans" cxnId="{49439F5F-703F-42C8-AC41-9D10F0F390C7}">
+      <dgm:prSet/>
+      <dgm:spPr/>
+      <dgm:t>
+        <a:bodyPr/>
+        <a:lstStyle/>
+        <a:p>
+          <a:endParaRPr lang="pt-BR"/>
+        </a:p>
+      </dgm:t>
+    </dgm:pt>
+    <dgm:pt modelId="{CD90799B-3B74-4BC7-8657-98A1B4DCC681}">
+      <dgm:prSet phldrT="[Texto]" custT="1"/>
+      <dgm:spPr>
+        <a:solidFill>
+          <a:schemeClr val="accent6">
+            <a:lumMod val="60000"/>
+            <a:lumOff val="40000"/>
+            <a:alpha val="90000"/>
+          </a:schemeClr>
+        </a:solidFill>
+      </dgm:spPr>
+      <dgm:t>
+        <a:bodyPr/>
+        <a:lstStyle/>
+        <a:p>
+          <a:r>
+            <a:rPr lang="pt-BR" sz="1600" dirty="0" smtClean="0"/>
+            <a:t>Neimar  Desenvolvedor</a:t>
+          </a:r>
+          <a:endParaRPr lang="pt-BR" sz="1600" dirty="0"/>
+        </a:p>
+      </dgm:t>
+    </dgm:pt>
+    <dgm:pt modelId="{751EC021-411F-4A76-B34F-42C814479026}" type="parTrans" cxnId="{83312643-ADFE-4B1B-815A-D60947C8A4EC}">
+      <dgm:prSet/>
+      <dgm:spPr/>
+      <dgm:t>
+        <a:bodyPr/>
+        <a:lstStyle/>
+        <a:p>
+          <a:endParaRPr lang="pt-BR"/>
+        </a:p>
+      </dgm:t>
+    </dgm:pt>
+    <dgm:pt modelId="{7A7CB2A3-1623-4099-B0DA-33EDC01CA133}" type="sibTrans" cxnId="{83312643-ADFE-4B1B-815A-D60947C8A4EC}">
+      <dgm:prSet/>
+      <dgm:spPr/>
+      <dgm:t>
+        <a:bodyPr/>
+        <a:lstStyle/>
+        <a:p>
+          <a:endParaRPr lang="pt-BR"/>
+        </a:p>
+      </dgm:t>
+    </dgm:pt>
+    <dgm:pt modelId="{532DDF30-8F85-4CC7-9DA6-BD224FB1F3F5}">
+      <dgm:prSet phldrT="[Texto]" custT="1"/>
+      <dgm:spPr>
+        <a:solidFill>
+          <a:schemeClr val="accent6">
+            <a:lumMod val="60000"/>
+            <a:lumOff val="40000"/>
+            <a:alpha val="90000"/>
+          </a:schemeClr>
+        </a:solidFill>
+      </dgm:spPr>
+      <dgm:t>
+        <a:bodyPr/>
+        <a:lstStyle/>
+        <a:p>
+          <a:r>
+            <a:rPr lang="pt-BR" sz="1600" dirty="0" smtClean="0"/>
+            <a:t>Ricardo  Design gráfico </a:t>
+          </a:r>
+          <a:endParaRPr lang="pt-BR" sz="1600" dirty="0"/>
+        </a:p>
+      </dgm:t>
+    </dgm:pt>
+    <dgm:pt modelId="{D1BC096E-7702-440B-BE80-860792D3DFB7}" type="parTrans" cxnId="{7DA06D24-3FE4-409C-A5B4-AABEB6DCE6D5}">
+      <dgm:prSet/>
+      <dgm:spPr/>
+      <dgm:t>
+        <a:bodyPr/>
+        <a:lstStyle/>
+        <a:p>
+          <a:endParaRPr lang="pt-BR"/>
+        </a:p>
+      </dgm:t>
+    </dgm:pt>
+    <dgm:pt modelId="{9D185A63-1973-4493-917E-43CEF87568E8}" type="sibTrans" cxnId="{7DA06D24-3FE4-409C-A5B4-AABEB6DCE6D5}">
+      <dgm:prSet/>
+      <dgm:spPr/>
+      <dgm:t>
+        <a:bodyPr/>
+        <a:lstStyle/>
+        <a:p>
+          <a:endParaRPr lang="pt-BR"/>
+        </a:p>
+      </dgm:t>
+    </dgm:pt>
+    <dgm:pt modelId="{3E8A25C2-92DB-4ED8-B8C9-EA3371ADABA4}">
+      <dgm:prSet phldrT="[Texto]" custT="1"/>
+      <dgm:spPr/>
+      <dgm:t>
+        <a:bodyPr/>
+        <a:lstStyle/>
+        <a:p>
+          <a:r>
+            <a:rPr lang="pt-BR" sz="1800" b="1" dirty="0" smtClean="0">
+              <a:solidFill>
+                <a:srgbClr val="7030A0"/>
+              </a:solidFill>
+            </a:rPr>
+            <a:t>Objetivos</a:t>
+          </a:r>
+          <a:endParaRPr lang="pt-BR" sz="1800" b="1" dirty="0">
+            <a:solidFill>
+              <a:srgbClr val="7030A0"/>
+            </a:solidFill>
+          </a:endParaRPr>
+        </a:p>
+      </dgm:t>
+    </dgm:pt>
+    <dgm:pt modelId="{DFAB64E3-84EF-4A31-90B3-B1CB79332689}" type="sibTrans" cxnId="{40518AFD-BA91-4B2F-AEA2-E573186B25A5}">
+      <dgm:prSet/>
+      <dgm:spPr/>
+      <dgm:t>
+        <a:bodyPr/>
+        <a:lstStyle/>
+        <a:p>
+          <a:endParaRPr lang="pt-BR"/>
+        </a:p>
+      </dgm:t>
+    </dgm:pt>
+    <dgm:pt modelId="{AE9D5A4F-DE63-4C00-8459-58284FF23117}" type="parTrans" cxnId="{40518AFD-BA91-4B2F-AEA2-E573186B25A5}">
+      <dgm:prSet/>
+      <dgm:spPr/>
+      <dgm:t>
+        <a:bodyPr/>
+        <a:lstStyle/>
+        <a:p>
+          <a:endParaRPr lang="pt-BR"/>
+        </a:p>
+      </dgm:t>
+    </dgm:pt>
+    <dgm:pt modelId="{C9FFFE1F-6078-4D82-87D0-BC919E87007C}">
+      <dgm:prSet phldrT="[Texto]" custT="1"/>
+      <dgm:spPr/>
+      <dgm:t>
+        <a:bodyPr/>
+        <a:lstStyle/>
+        <a:p>
+          <a:r>
+            <a:rPr lang="pt-BR" sz="1800" b="1" dirty="0" smtClean="0">
+              <a:solidFill>
+                <a:srgbClr val="7030A0"/>
+              </a:solidFill>
+            </a:rPr>
+            <a:t>Finalidade</a:t>
+          </a:r>
+          <a:endParaRPr lang="pt-BR" sz="1800" b="1" dirty="0">
+            <a:solidFill>
+              <a:srgbClr val="7030A0"/>
+            </a:solidFill>
+          </a:endParaRPr>
+        </a:p>
+      </dgm:t>
+    </dgm:pt>
+    <dgm:pt modelId="{542BC124-9D9F-4260-8A13-671245865973}" type="parTrans" cxnId="{B14882FA-3621-45BB-AD02-588DC237E259}">
+      <dgm:prSet/>
+      <dgm:spPr/>
+      <dgm:t>
+        <a:bodyPr/>
+        <a:lstStyle/>
+        <a:p>
+          <a:endParaRPr lang="pt-BR"/>
+        </a:p>
+      </dgm:t>
+    </dgm:pt>
+    <dgm:pt modelId="{7CFEB858-7D09-4292-AFD8-A460BF109FDB}" type="sibTrans" cxnId="{B14882FA-3621-45BB-AD02-588DC237E259}">
+      <dgm:prSet/>
+      <dgm:spPr/>
+      <dgm:t>
+        <a:bodyPr/>
+        <a:lstStyle/>
+        <a:p>
+          <a:endParaRPr lang="pt-BR"/>
+        </a:p>
+      </dgm:t>
+    </dgm:pt>
+    <dgm:pt modelId="{8CD26415-961D-4B68-B921-E5200F5307C6}">
+      <dgm:prSet phldrT="[Texto]" custT="1"/>
+      <dgm:spPr>
+        <a:solidFill>
+          <a:schemeClr val="accent6">
+            <a:lumMod val="60000"/>
+            <a:lumOff val="40000"/>
+            <a:alpha val="90000"/>
+          </a:schemeClr>
+        </a:solidFill>
+      </dgm:spPr>
+      <dgm:t>
+        <a:bodyPr/>
+        <a:lstStyle/>
+        <a:p>
+          <a:r>
+            <a:rPr lang="pt-BR" sz="1600" dirty="0" smtClean="0"/>
+            <a:t>Pesquisar e desenvolver novas técnicas na área de softwares </a:t>
+          </a:r>
+          <a:r>
+            <a:rPr lang="pt-BR" sz="1600" dirty="0" err="1" smtClean="0"/>
+            <a:t>multi-plataforma</a:t>
+          </a:r>
+          <a:r>
+            <a:rPr lang="pt-BR" sz="1600" dirty="0" smtClean="0"/>
+            <a:t>  </a:t>
+          </a:r>
+          <a:endParaRPr lang="pt-BR" sz="1600" dirty="0"/>
+        </a:p>
+      </dgm:t>
+    </dgm:pt>
+    <dgm:pt modelId="{BA48AF34-0E50-497A-9716-D728A68A822C}" type="parTrans" cxnId="{F9191076-F8DA-4139-AB2E-8676FB0EE6B9}">
+      <dgm:prSet/>
+      <dgm:spPr/>
+      <dgm:t>
+        <a:bodyPr/>
+        <a:lstStyle/>
+        <a:p>
+          <a:endParaRPr lang="pt-BR"/>
+        </a:p>
+      </dgm:t>
+    </dgm:pt>
+    <dgm:pt modelId="{442A9638-1598-4307-926B-38E8B2F5EC42}" type="sibTrans" cxnId="{F9191076-F8DA-4139-AB2E-8676FB0EE6B9}">
+      <dgm:prSet/>
+      <dgm:spPr/>
+      <dgm:t>
+        <a:bodyPr/>
+        <a:lstStyle/>
+        <a:p>
+          <a:endParaRPr lang="pt-BR"/>
+        </a:p>
+      </dgm:t>
+    </dgm:pt>
+    <dgm:pt modelId="{9951C6AC-0F0C-48FA-BECF-6C3F336159BF}" type="pres">
+      <dgm:prSet presAssocID="{E42DA33D-4309-45A4-8090-C7C1B8DE2840}" presName="Name0" presStyleCnt="0">
+        <dgm:presLayoutVars>
+          <dgm:dir/>
+          <dgm:animLvl val="lvl"/>
+          <dgm:resizeHandles val="exact"/>
+        </dgm:presLayoutVars>
+      </dgm:prSet>
+      <dgm:spPr/>
+    </dgm:pt>
+    <dgm:pt modelId="{74EA5511-F8C7-4860-A01C-41612C829EF5}" type="pres">
+      <dgm:prSet presAssocID="{7204C1C4-4A05-4E69-9F7B-60981284C004}" presName="linNode" presStyleCnt="0"/>
+      <dgm:spPr/>
+    </dgm:pt>
+    <dgm:pt modelId="{83285697-B771-41E8-BF80-D6B7B2E260A7}" type="pres">
+      <dgm:prSet presAssocID="{7204C1C4-4A05-4E69-9F7B-60981284C004}" presName="parentText" presStyleLbl="node1" presStyleIdx="0" presStyleCnt="4" custLinFactNeighborX="-5482" custLinFactNeighborY="-4908">
+        <dgm:presLayoutVars>
+          <dgm:chMax val="1"/>
+          <dgm:bulletEnabled val="1"/>
+        </dgm:presLayoutVars>
+      </dgm:prSet>
+      <dgm:spPr/>
+    </dgm:pt>
+    <dgm:pt modelId="{4069C5B0-E0D3-47C9-9E5F-416939C594B9}" type="pres">
+      <dgm:prSet presAssocID="{7204C1C4-4A05-4E69-9F7B-60981284C004}" presName="descendantText" presStyleLbl="alignAccFollowNode1" presStyleIdx="0" presStyleCnt="4">
+        <dgm:presLayoutVars>
+          <dgm:bulletEnabled val="1"/>
+        </dgm:presLayoutVars>
+      </dgm:prSet>
+      <dgm:spPr/>
+      <dgm:t>
+        <a:bodyPr/>
+        <a:lstStyle/>
+        <a:p>
+          <a:endParaRPr lang="pt-BR"/>
+        </a:p>
+      </dgm:t>
+    </dgm:pt>
+    <dgm:pt modelId="{CFB59BBE-AA69-4330-AD3A-ECEF9A373DC4}" type="pres">
+      <dgm:prSet presAssocID="{03005108-F32D-4EFF-9439-890CCA627D66}" presName="sp" presStyleCnt="0"/>
+      <dgm:spPr/>
+    </dgm:pt>
+    <dgm:pt modelId="{1171D6D9-8096-4867-A7A5-BEF5DDD3A46A}" type="pres">
+      <dgm:prSet presAssocID="{3E8A25C2-92DB-4ED8-B8C9-EA3371ADABA4}" presName="linNode" presStyleCnt="0"/>
+      <dgm:spPr/>
+    </dgm:pt>
+    <dgm:pt modelId="{1C4CF5AE-B0A9-4E79-99D0-8192DD361FD5}" type="pres">
+      <dgm:prSet presAssocID="{3E8A25C2-92DB-4ED8-B8C9-EA3371ADABA4}" presName="parentText" presStyleLbl="node1" presStyleIdx="1" presStyleCnt="4">
+        <dgm:presLayoutVars>
+          <dgm:chMax val="1"/>
+          <dgm:bulletEnabled val="1"/>
+        </dgm:presLayoutVars>
+      </dgm:prSet>
+      <dgm:spPr/>
+      <dgm:t>
+        <a:bodyPr/>
+        <a:lstStyle/>
+        <a:p>
+          <a:endParaRPr lang="pt-BR"/>
+        </a:p>
+      </dgm:t>
+    </dgm:pt>
+    <dgm:pt modelId="{76D300D9-3977-4D02-95E9-3905CCACBD1B}" type="pres">
+      <dgm:prSet presAssocID="{3E8A25C2-92DB-4ED8-B8C9-EA3371ADABA4}" presName="descendantText" presStyleLbl="alignAccFollowNode1" presStyleIdx="1" presStyleCnt="4">
+        <dgm:presLayoutVars>
+          <dgm:bulletEnabled val="1"/>
+        </dgm:presLayoutVars>
+      </dgm:prSet>
+      <dgm:spPr/>
+      <dgm:t>
+        <a:bodyPr/>
+        <a:lstStyle/>
+        <a:p>
+          <a:endParaRPr lang="pt-BR"/>
+        </a:p>
+      </dgm:t>
+    </dgm:pt>
+    <dgm:pt modelId="{E27C36CC-6582-4EE3-9B15-9B5783F4B6DA}" type="pres">
+      <dgm:prSet presAssocID="{DFAB64E3-84EF-4A31-90B3-B1CB79332689}" presName="sp" presStyleCnt="0"/>
+      <dgm:spPr/>
+    </dgm:pt>
+    <dgm:pt modelId="{186CBC2F-A967-4AC8-B482-26CE0DA89E88}" type="pres">
+      <dgm:prSet presAssocID="{F764DBA7-A3E6-41AE-AAE3-82E4B8468FDE}" presName="linNode" presStyleCnt="0"/>
+      <dgm:spPr/>
+    </dgm:pt>
+    <dgm:pt modelId="{DE3A8CA3-F5E7-47D6-9409-0DAEFC3883C5}" type="pres">
+      <dgm:prSet presAssocID="{F764DBA7-A3E6-41AE-AAE3-82E4B8468FDE}" presName="parentText" presStyleLbl="node1" presStyleIdx="2" presStyleCnt="4">
+        <dgm:presLayoutVars>
+          <dgm:chMax val="1"/>
+          <dgm:bulletEnabled val="1"/>
+        </dgm:presLayoutVars>
+      </dgm:prSet>
+      <dgm:spPr/>
+      <dgm:t>
+        <a:bodyPr/>
+        <a:lstStyle/>
+        <a:p>
+          <a:endParaRPr lang="pt-BR"/>
+        </a:p>
+      </dgm:t>
+    </dgm:pt>
+    <dgm:pt modelId="{7991AEF3-84F5-4F2F-9A87-D93011516A86}" type="pres">
+      <dgm:prSet presAssocID="{F764DBA7-A3E6-41AE-AAE3-82E4B8468FDE}" presName="descendantText" presStyleLbl="alignAccFollowNode1" presStyleIdx="2" presStyleCnt="4">
+        <dgm:presLayoutVars>
+          <dgm:bulletEnabled val="1"/>
+        </dgm:presLayoutVars>
+      </dgm:prSet>
+      <dgm:spPr/>
+      <dgm:t>
+        <a:bodyPr/>
+        <a:lstStyle/>
+        <a:p>
+          <a:endParaRPr lang="pt-BR"/>
+        </a:p>
+      </dgm:t>
+    </dgm:pt>
+    <dgm:pt modelId="{5C4A4FCE-CCEA-492C-9F2F-FDC70597A638}" type="pres">
+      <dgm:prSet presAssocID="{41615984-E2C2-477B-BB5D-8BF374A79996}" presName="sp" presStyleCnt="0"/>
+      <dgm:spPr/>
+    </dgm:pt>
+    <dgm:pt modelId="{C22DDC80-F05A-48C0-A725-2827838E554B}" type="pres">
+      <dgm:prSet presAssocID="{C9FFFE1F-6078-4D82-87D0-BC919E87007C}" presName="linNode" presStyleCnt="0"/>
+      <dgm:spPr/>
+    </dgm:pt>
+    <dgm:pt modelId="{F985ABD3-DA1F-4E90-952D-1C16820F198E}" type="pres">
+      <dgm:prSet presAssocID="{C9FFFE1F-6078-4D82-87D0-BC919E87007C}" presName="parentText" presStyleLbl="node1" presStyleIdx="3" presStyleCnt="4">
+        <dgm:presLayoutVars>
+          <dgm:chMax val="1"/>
+          <dgm:bulletEnabled val="1"/>
+        </dgm:presLayoutVars>
+      </dgm:prSet>
+      <dgm:spPr/>
+    </dgm:pt>
+    <dgm:pt modelId="{232E8D04-E732-492E-A284-139D99DFE02C}" type="pres">
+      <dgm:prSet presAssocID="{C9FFFE1F-6078-4D82-87D0-BC919E87007C}" presName="descendantText" presStyleLbl="alignAccFollowNode1" presStyleIdx="3" presStyleCnt="4">
+        <dgm:presLayoutVars>
+          <dgm:bulletEnabled val="1"/>
+        </dgm:presLayoutVars>
+      </dgm:prSet>
+      <dgm:spPr/>
+      <dgm:t>
+        <a:bodyPr/>
+        <a:lstStyle/>
+        <a:p>
+          <a:endParaRPr lang="pt-BR"/>
+        </a:p>
+      </dgm:t>
+    </dgm:pt>
+  </dgm:ptLst>
+  <dgm:cxnLst>
+    <dgm:cxn modelId="{87BA7E12-F7AF-46BE-8604-29232418CB3A}" srcId="{E42DA33D-4309-45A4-8090-C7C1B8DE2840}" destId="{7204C1C4-4A05-4E69-9F7B-60981284C004}" srcOrd="0" destOrd="0" parTransId="{4413B713-B44E-40B8-B9EC-C52CD6FE6A10}" sibTransId="{03005108-F32D-4EFF-9439-890CCA627D66}"/>
+    <dgm:cxn modelId="{8A68C0B9-F522-4B3B-9EBF-E7A9F6BA3F83}" type="presOf" srcId="{F764DBA7-A3E6-41AE-AAE3-82E4B8468FDE}" destId="{DE3A8CA3-F5E7-47D6-9409-0DAEFC3883C5}" srcOrd="0" destOrd="0" presId="urn:microsoft.com/office/officeart/2005/8/layout/vList5"/>
+    <dgm:cxn modelId="{83312643-ADFE-4B1B-815A-D60947C8A4EC}" srcId="{7204C1C4-4A05-4E69-9F7B-60981284C004}" destId="{CD90799B-3B74-4BC7-8657-98A1B4DCC681}" srcOrd="1" destOrd="0" parTransId="{751EC021-411F-4A76-B34F-42C814479026}" sibTransId="{7A7CB2A3-1623-4099-B0DA-33EDC01CA133}"/>
+    <dgm:cxn modelId="{16F3F74B-7060-4D12-9C89-BB95B103C25C}" type="presOf" srcId="{D7EEFC11-8883-4ED2-BE60-DD96E84152F9}" destId="{76D300D9-3977-4D02-95E9-3905CCACBD1B}" srcOrd="0" destOrd="0" presId="urn:microsoft.com/office/officeart/2005/8/layout/vList5"/>
+    <dgm:cxn modelId="{F9191076-F8DA-4139-AB2E-8676FB0EE6B9}" srcId="{F764DBA7-A3E6-41AE-AAE3-82E4B8468FDE}" destId="{8CD26415-961D-4B68-B921-E5200F5307C6}" srcOrd="0" destOrd="0" parTransId="{BA48AF34-0E50-497A-9716-D728A68A822C}" sibTransId="{442A9638-1598-4307-926B-38E8B2F5EC42}"/>
+    <dgm:cxn modelId="{29B6EE33-46BD-4DFF-8EAB-6F54D53EE694}" srcId="{7204C1C4-4A05-4E69-9F7B-60981284C004}" destId="{FEEFF06B-F309-4B5C-9120-F2D5BB2A0B0A}" srcOrd="0" destOrd="0" parTransId="{92393A6B-0584-45D2-B927-C5E52B55B04B}" sibTransId="{9A34E78C-3E18-40E0-9559-08591574FBDD}"/>
+    <dgm:cxn modelId="{B14882FA-3621-45BB-AD02-588DC237E259}" srcId="{E42DA33D-4309-45A4-8090-C7C1B8DE2840}" destId="{C9FFFE1F-6078-4D82-87D0-BC919E87007C}" srcOrd="3" destOrd="0" parTransId="{542BC124-9D9F-4260-8A13-671245865973}" sibTransId="{7CFEB858-7D09-4292-AFD8-A460BF109FDB}"/>
+    <dgm:cxn modelId="{886B9366-E103-4F17-9B78-865383070892}" type="presOf" srcId="{3E8A25C2-92DB-4ED8-B8C9-EA3371ADABA4}" destId="{1C4CF5AE-B0A9-4E79-99D0-8192DD361FD5}" srcOrd="0" destOrd="0" presId="urn:microsoft.com/office/officeart/2005/8/layout/vList5"/>
+    <dgm:cxn modelId="{895F7E3F-AB1D-4DDA-9805-E992151AA0A5}" srcId="{E42DA33D-4309-45A4-8090-C7C1B8DE2840}" destId="{F764DBA7-A3E6-41AE-AAE3-82E4B8468FDE}" srcOrd="2" destOrd="0" parTransId="{DC130EEF-0F89-485F-A675-CEFBD90A8E41}" sibTransId="{41615984-E2C2-477B-BB5D-8BF374A79996}"/>
+    <dgm:cxn modelId="{40518AFD-BA91-4B2F-AEA2-E573186B25A5}" srcId="{E42DA33D-4309-45A4-8090-C7C1B8DE2840}" destId="{3E8A25C2-92DB-4ED8-B8C9-EA3371ADABA4}" srcOrd="1" destOrd="0" parTransId="{AE9D5A4F-DE63-4C00-8459-58284FF23117}" sibTransId="{DFAB64E3-84EF-4A31-90B3-B1CB79332689}"/>
+    <dgm:cxn modelId="{E320DCA1-229B-464B-A3C2-83EF157F38FD}" type="presOf" srcId="{FEEFF06B-F309-4B5C-9120-F2D5BB2A0B0A}" destId="{4069C5B0-E0D3-47C9-9E5F-416939C594B9}" srcOrd="0" destOrd="0" presId="urn:microsoft.com/office/officeart/2005/8/layout/vList5"/>
+    <dgm:cxn modelId="{5146D501-AD3A-4D91-A2EE-6B8E055A8536}" type="presOf" srcId="{C9FFFE1F-6078-4D82-87D0-BC919E87007C}" destId="{F985ABD3-DA1F-4E90-952D-1C16820F198E}" srcOrd="0" destOrd="0" presId="urn:microsoft.com/office/officeart/2005/8/layout/vList5"/>
+    <dgm:cxn modelId="{49439F5F-703F-42C8-AC41-9D10F0F390C7}" srcId="{C9FFFE1F-6078-4D82-87D0-BC919E87007C}" destId="{3D263D67-4D7A-41A5-91A5-670388FEE69F}" srcOrd="0" destOrd="0" parTransId="{ACF50AC0-88E8-48BB-8EA1-B472F428EFC8}" sibTransId="{E1C076EE-C718-4411-AC8A-F6087CE2E2FC}"/>
+    <dgm:cxn modelId="{02D36449-91AF-4126-9259-E191C70B70F8}" type="presOf" srcId="{3D263D67-4D7A-41A5-91A5-670388FEE69F}" destId="{232E8D04-E732-492E-A284-139D99DFE02C}" srcOrd="0" destOrd="0" presId="urn:microsoft.com/office/officeart/2005/8/layout/vList5"/>
+    <dgm:cxn modelId="{F8EDE821-F4CD-4FD2-80DE-63681A6BFEE6}" type="presOf" srcId="{8CD26415-961D-4B68-B921-E5200F5307C6}" destId="{7991AEF3-84F5-4F2F-9A87-D93011516A86}" srcOrd="0" destOrd="0" presId="urn:microsoft.com/office/officeart/2005/8/layout/vList5"/>
+    <dgm:cxn modelId="{8992B31C-96AE-42D8-92E7-747632B0038C}" type="presOf" srcId="{532DDF30-8F85-4CC7-9DA6-BD224FB1F3F5}" destId="{4069C5B0-E0D3-47C9-9E5F-416939C594B9}" srcOrd="0" destOrd="2" presId="urn:microsoft.com/office/officeart/2005/8/layout/vList5"/>
+    <dgm:cxn modelId="{7DA06D24-3FE4-409C-A5B4-AABEB6DCE6D5}" srcId="{7204C1C4-4A05-4E69-9F7B-60981284C004}" destId="{532DDF30-8F85-4CC7-9DA6-BD224FB1F3F5}" srcOrd="2" destOrd="0" parTransId="{D1BC096E-7702-440B-BE80-860792D3DFB7}" sibTransId="{9D185A63-1973-4493-917E-43CEF87568E8}"/>
+    <dgm:cxn modelId="{2F03713C-0490-4725-99D7-5056B7C29DD9}" type="presOf" srcId="{E42DA33D-4309-45A4-8090-C7C1B8DE2840}" destId="{9951C6AC-0F0C-48FA-BECF-6C3F336159BF}" srcOrd="0" destOrd="0" presId="urn:microsoft.com/office/officeart/2005/8/layout/vList5"/>
+    <dgm:cxn modelId="{482FF1F3-2CE5-45AC-BB2F-4517318D1C97}" type="presOf" srcId="{CD90799B-3B74-4BC7-8657-98A1B4DCC681}" destId="{4069C5B0-E0D3-47C9-9E5F-416939C594B9}" srcOrd="0" destOrd="1" presId="urn:microsoft.com/office/officeart/2005/8/layout/vList5"/>
+    <dgm:cxn modelId="{287A446E-66DE-4E87-9D02-0CCC24AE66D5}" srcId="{3E8A25C2-92DB-4ED8-B8C9-EA3371ADABA4}" destId="{D7EEFC11-8883-4ED2-BE60-DD96E84152F9}" srcOrd="0" destOrd="0" parTransId="{B482877E-31B6-44B4-8CD6-B7C7B7B41713}" sibTransId="{6D43DDB6-F7AC-4CC2-A2C8-5A3FEEC47C1E}"/>
+    <dgm:cxn modelId="{7B753C74-0022-47C2-9FF5-93322A5AF332}" type="presOf" srcId="{7204C1C4-4A05-4E69-9F7B-60981284C004}" destId="{83285697-B771-41E8-BF80-D6B7B2E260A7}" srcOrd="0" destOrd="0" presId="urn:microsoft.com/office/officeart/2005/8/layout/vList5"/>
+    <dgm:cxn modelId="{A3BB4633-1B83-438C-B46A-5AF3D92225A3}" type="presParOf" srcId="{9951C6AC-0F0C-48FA-BECF-6C3F336159BF}" destId="{74EA5511-F8C7-4860-A01C-41612C829EF5}" srcOrd="0" destOrd="0" presId="urn:microsoft.com/office/officeart/2005/8/layout/vList5"/>
+    <dgm:cxn modelId="{8F3604BB-2758-4462-926E-F93AA05F30B5}" type="presParOf" srcId="{74EA5511-F8C7-4860-A01C-41612C829EF5}" destId="{83285697-B771-41E8-BF80-D6B7B2E260A7}" srcOrd="0" destOrd="0" presId="urn:microsoft.com/office/officeart/2005/8/layout/vList5"/>
+    <dgm:cxn modelId="{C5A249E9-42F1-43F9-8331-FBEE8E16B894}" type="presParOf" srcId="{74EA5511-F8C7-4860-A01C-41612C829EF5}" destId="{4069C5B0-E0D3-47C9-9E5F-416939C594B9}" srcOrd="1" destOrd="0" presId="urn:microsoft.com/office/officeart/2005/8/layout/vList5"/>
+    <dgm:cxn modelId="{00DE1AF3-385A-41A8-BAD8-C58CF6D114C1}" type="presParOf" srcId="{9951C6AC-0F0C-48FA-BECF-6C3F336159BF}" destId="{CFB59BBE-AA69-4330-AD3A-ECEF9A373DC4}" srcOrd="1" destOrd="0" presId="urn:microsoft.com/office/officeart/2005/8/layout/vList5"/>
+    <dgm:cxn modelId="{DE0B164B-4D8E-4B1E-AEEF-FB32C0709572}" type="presParOf" srcId="{9951C6AC-0F0C-48FA-BECF-6C3F336159BF}" destId="{1171D6D9-8096-4867-A7A5-BEF5DDD3A46A}" srcOrd="2" destOrd="0" presId="urn:microsoft.com/office/officeart/2005/8/layout/vList5"/>
+    <dgm:cxn modelId="{BEF5F433-14F3-4B5E-A9ED-4851097E57B1}" type="presParOf" srcId="{1171D6D9-8096-4867-A7A5-BEF5DDD3A46A}" destId="{1C4CF5AE-B0A9-4E79-99D0-8192DD361FD5}" srcOrd="0" destOrd="0" presId="urn:microsoft.com/office/officeart/2005/8/layout/vList5"/>
+    <dgm:cxn modelId="{887435AE-85EE-43C5-9347-787FA150B64D}" type="presParOf" srcId="{1171D6D9-8096-4867-A7A5-BEF5DDD3A46A}" destId="{76D300D9-3977-4D02-95E9-3905CCACBD1B}" srcOrd="1" destOrd="0" presId="urn:microsoft.com/office/officeart/2005/8/layout/vList5"/>
+    <dgm:cxn modelId="{1F14BC67-9740-4FF8-8BBE-0E252A390B73}" type="presParOf" srcId="{9951C6AC-0F0C-48FA-BECF-6C3F336159BF}" destId="{E27C36CC-6582-4EE3-9B15-9B5783F4B6DA}" srcOrd="3" destOrd="0" presId="urn:microsoft.com/office/officeart/2005/8/layout/vList5"/>
+    <dgm:cxn modelId="{5A8B2EEA-F6D3-40E5-803C-856CBA66D849}" type="presParOf" srcId="{9951C6AC-0F0C-48FA-BECF-6C3F336159BF}" destId="{186CBC2F-A967-4AC8-B482-26CE0DA89E88}" srcOrd="4" destOrd="0" presId="urn:microsoft.com/office/officeart/2005/8/layout/vList5"/>
+    <dgm:cxn modelId="{2311C333-B644-4CBA-8854-7495DD990E91}" type="presParOf" srcId="{186CBC2F-A967-4AC8-B482-26CE0DA89E88}" destId="{DE3A8CA3-F5E7-47D6-9409-0DAEFC3883C5}" srcOrd="0" destOrd="0" presId="urn:microsoft.com/office/officeart/2005/8/layout/vList5"/>
+    <dgm:cxn modelId="{A7DB4034-59F0-4E59-AE59-0A0EEF9C01FA}" type="presParOf" srcId="{186CBC2F-A967-4AC8-B482-26CE0DA89E88}" destId="{7991AEF3-84F5-4F2F-9A87-D93011516A86}" srcOrd="1" destOrd="0" presId="urn:microsoft.com/office/officeart/2005/8/layout/vList5"/>
+    <dgm:cxn modelId="{734DA843-456F-4727-B178-7B39E9286DF4}" type="presParOf" srcId="{9951C6AC-0F0C-48FA-BECF-6C3F336159BF}" destId="{5C4A4FCE-CCEA-492C-9F2F-FDC70597A638}" srcOrd="5" destOrd="0" presId="urn:microsoft.com/office/officeart/2005/8/layout/vList5"/>
+    <dgm:cxn modelId="{22824532-870E-4F7F-AB68-E436FAA1BB73}" type="presParOf" srcId="{9951C6AC-0F0C-48FA-BECF-6C3F336159BF}" destId="{C22DDC80-F05A-48C0-A725-2827838E554B}" srcOrd="6" destOrd="0" presId="urn:microsoft.com/office/officeart/2005/8/layout/vList5"/>
+    <dgm:cxn modelId="{E0B10AB2-E3F5-4AC9-A207-DD821DE2C959}" type="presParOf" srcId="{C22DDC80-F05A-48C0-A725-2827838E554B}" destId="{F985ABD3-DA1F-4E90-952D-1C16820F198E}" srcOrd="0" destOrd="0" presId="urn:microsoft.com/office/officeart/2005/8/layout/vList5"/>
+    <dgm:cxn modelId="{0134771E-549E-4C35-8EB4-85F872DC500D}" type="presParOf" srcId="{C22DDC80-F05A-48C0-A725-2827838E554B}" destId="{232E8D04-E732-492E-A284-139D99DFE02C}" srcOrd="1" destOrd="0" presId="urn:microsoft.com/office/officeart/2005/8/layout/vList5"/>
+  </dgm:cxnLst>
+  <dgm:bg/>
+  <dgm:whole/>
+  <dgm:extLst>
+    <a:ext uri="http://schemas.microsoft.com/office/drawing/2008/diagram">
+      <dsp:dataModelExt xmlns:dsp="http://schemas.microsoft.com/office/drawing/2008/diagram" xmlns="" relId="rId6" minVer="http://schemas.openxmlformats.org/drawingml/2006/diagram"/>
+    </a:ext>
+  </dgm:extLst>
+</dgm:dataModel>
+</file>
+
+<file path=ppt/diagrams/data2.xml><?xml version="1.0" encoding="utf-8"?>
+<dgm:dataModel xmlns:dgm="http://schemas.openxmlformats.org/drawingml/2006/diagram" xmlns:a="http://schemas.openxmlformats.org/drawingml/2006/main">
+  <dgm:ptLst>
     <dgm:pt modelId="{739AC528-84CD-4C4C-9AAA-944987E13663}" type="doc">
       <dgm:prSet loTypeId="urn:microsoft.com/office/officeart/2005/8/layout/list1" loCatId="list" qsTypeId="urn:microsoft.com/office/officeart/2005/8/quickstyle/3d1" qsCatId="3D" csTypeId="urn:microsoft.com/office/officeart/2005/8/colors/accent1_2" csCatId="accent1" phldr="1"/>
       <dgm:spPr/>
@@ -1680,14 +3851,36 @@
       </dgm:t>
     </dgm:pt>
     <dgm:pt modelId="{64726959-BFCF-468E-8583-201CF07ACAB4}">
-      <dgm:prSet phldrT="[Texto]"/>
-      <dgm:spPr/>
+      <dgm:prSet phldrT="[Texto]">
+        <dgm:style>
+          <a:lnRef idx="1">
+            <a:schemeClr val="accent3"/>
+          </a:lnRef>
+          <a:fillRef idx="3">
+            <a:schemeClr val="accent3"/>
+          </a:fillRef>
+          <a:effectRef idx="2">
+            <a:schemeClr val="accent3"/>
+          </a:effectRef>
+          <a:fontRef idx="minor">
+            <a:schemeClr val="lt1"/>
+          </a:fontRef>
+        </dgm:style>
+      </dgm:prSet>
+      <dgm:spPr>
+        <a:solidFill>
+          <a:schemeClr val="accent6">
+            <a:lumMod val="40000"/>
+            <a:lumOff val="60000"/>
+          </a:schemeClr>
+        </a:solidFill>
+      </dgm:spPr>
       <dgm:t>
         <a:bodyPr/>
         <a:lstStyle/>
         <a:p>
           <a:r>
-            <a:rPr lang="pt-BR" b="1" dirty="0" smtClean="0">
+            <a:rPr lang="pt-BR" b="1" smtClean="0">
               <a:solidFill>
                 <a:srgbClr val="7030A0"/>
               </a:solidFill>
@@ -1725,14 +3918,36 @@
       </dgm:t>
     </dgm:pt>
     <dgm:pt modelId="{EBE94DE7-18A9-4985-A440-D262D93A6316}">
-      <dgm:prSet phldrT="[Texto]"/>
-      <dgm:spPr/>
+      <dgm:prSet phldrT="[Texto]">
+        <dgm:style>
+          <a:lnRef idx="1">
+            <a:schemeClr val="accent3"/>
+          </a:lnRef>
+          <a:fillRef idx="3">
+            <a:schemeClr val="accent3"/>
+          </a:fillRef>
+          <a:effectRef idx="2">
+            <a:schemeClr val="accent3"/>
+          </a:effectRef>
+          <a:fontRef idx="minor">
+            <a:schemeClr val="lt1"/>
+          </a:fontRef>
+        </dgm:style>
+      </dgm:prSet>
+      <dgm:spPr>
+        <a:solidFill>
+          <a:schemeClr val="accent6">
+            <a:lumMod val="40000"/>
+            <a:lumOff val="60000"/>
+          </a:schemeClr>
+        </a:solidFill>
+      </dgm:spPr>
       <dgm:t>
         <a:bodyPr/>
         <a:lstStyle/>
         <a:p>
           <a:r>
-            <a:rPr lang="pt-BR" b="1" dirty="0" smtClean="0">
+            <a:rPr lang="pt-BR" b="1" smtClean="0">
               <a:solidFill>
                 <a:srgbClr val="7030A0"/>
               </a:solidFill>
@@ -1770,14 +3985,36 @@
       </dgm:t>
     </dgm:pt>
     <dgm:pt modelId="{22558875-04DE-48A8-8D08-7DF713D16D36}">
-      <dgm:prSet phldrT="[Texto]"/>
-      <dgm:spPr/>
+      <dgm:prSet phldrT="[Texto]">
+        <dgm:style>
+          <a:lnRef idx="1">
+            <a:schemeClr val="accent3"/>
+          </a:lnRef>
+          <a:fillRef idx="3">
+            <a:schemeClr val="accent3"/>
+          </a:fillRef>
+          <a:effectRef idx="2">
+            <a:schemeClr val="accent3"/>
+          </a:effectRef>
+          <a:fontRef idx="minor">
+            <a:schemeClr val="lt1"/>
+          </a:fontRef>
+        </dgm:style>
+      </dgm:prSet>
+      <dgm:spPr>
+        <a:solidFill>
+          <a:schemeClr val="accent6">
+            <a:lumMod val="40000"/>
+            <a:lumOff val="60000"/>
+          </a:schemeClr>
+        </a:solidFill>
+      </dgm:spPr>
       <dgm:t>
         <a:bodyPr/>
         <a:lstStyle/>
         <a:p>
           <a:r>
-            <a:rPr lang="pt-BR" b="1" dirty="0" smtClean="0">
+            <a:rPr lang="pt-BR" b="1" smtClean="0">
               <a:solidFill>
                 <a:srgbClr val="7030A0"/>
               </a:solidFill>
@@ -1815,14 +4052,36 @@
       </dgm:t>
     </dgm:pt>
     <dgm:pt modelId="{C0424938-EAAD-4AFD-89AA-F9DAA339B8CE}">
-      <dgm:prSet phldrT="[Texto]"/>
-      <dgm:spPr/>
+      <dgm:prSet phldrT="[Texto]">
+        <dgm:style>
+          <a:lnRef idx="1">
+            <a:schemeClr val="accent3"/>
+          </a:lnRef>
+          <a:fillRef idx="3">
+            <a:schemeClr val="accent3"/>
+          </a:fillRef>
+          <a:effectRef idx="2">
+            <a:schemeClr val="accent3"/>
+          </a:effectRef>
+          <a:fontRef idx="minor">
+            <a:schemeClr val="lt1"/>
+          </a:fontRef>
+        </dgm:style>
+      </dgm:prSet>
+      <dgm:spPr>
+        <a:solidFill>
+          <a:schemeClr val="accent6">
+            <a:lumMod val="40000"/>
+            <a:lumOff val="60000"/>
+          </a:schemeClr>
+        </a:solidFill>
+      </dgm:spPr>
       <dgm:t>
         <a:bodyPr/>
         <a:lstStyle/>
         <a:p>
           <a:r>
-            <a:rPr lang="pt-BR" b="1" dirty="0" smtClean="0">
+            <a:rPr lang="pt-BR" b="1" smtClean="0">
               <a:solidFill>
                 <a:srgbClr val="7030A0"/>
               </a:solidFill>
@@ -1860,14 +4119,36 @@
       </dgm:t>
     </dgm:pt>
     <dgm:pt modelId="{B682214D-3E19-400B-B148-C04F02C27327}">
-      <dgm:prSet phldrT="[Texto]"/>
-      <dgm:spPr/>
+      <dgm:prSet phldrT="[Texto]">
+        <dgm:style>
+          <a:lnRef idx="1">
+            <a:schemeClr val="accent3"/>
+          </a:lnRef>
+          <a:fillRef idx="3">
+            <a:schemeClr val="accent3"/>
+          </a:fillRef>
+          <a:effectRef idx="2">
+            <a:schemeClr val="accent3"/>
+          </a:effectRef>
+          <a:fontRef idx="minor">
+            <a:schemeClr val="lt1"/>
+          </a:fontRef>
+        </dgm:style>
+      </dgm:prSet>
+      <dgm:spPr>
+        <a:solidFill>
+          <a:schemeClr val="accent6">
+            <a:lumMod val="40000"/>
+            <a:lumOff val="60000"/>
+          </a:schemeClr>
+        </a:solidFill>
+      </dgm:spPr>
       <dgm:t>
         <a:bodyPr/>
         <a:lstStyle/>
         <a:p>
           <a:r>
-            <a:rPr lang="pt-BR" b="1" dirty="0" smtClean="0">
+            <a:rPr lang="pt-BR" b="1" smtClean="0">
               <a:solidFill>
                 <a:srgbClr val="7030A0"/>
               </a:solidFill>
@@ -1905,14 +4186,36 @@
       </dgm:t>
     </dgm:pt>
     <dgm:pt modelId="{34E518D1-49BF-45FE-BD69-68CCC11C553D}">
-      <dgm:prSet phldrT="[Texto]"/>
-      <dgm:spPr/>
+      <dgm:prSet phldrT="[Texto]">
+        <dgm:style>
+          <a:lnRef idx="1">
+            <a:schemeClr val="accent3"/>
+          </a:lnRef>
+          <a:fillRef idx="3">
+            <a:schemeClr val="accent3"/>
+          </a:fillRef>
+          <a:effectRef idx="2">
+            <a:schemeClr val="accent3"/>
+          </a:effectRef>
+          <a:fontRef idx="minor">
+            <a:schemeClr val="lt1"/>
+          </a:fontRef>
+        </dgm:style>
+      </dgm:prSet>
+      <dgm:spPr>
+        <a:solidFill>
+          <a:schemeClr val="accent6">
+            <a:lumMod val="40000"/>
+            <a:lumOff val="60000"/>
+          </a:schemeClr>
+        </a:solidFill>
+      </dgm:spPr>
       <dgm:t>
         <a:bodyPr/>
         <a:lstStyle/>
         <a:p>
           <a:r>
-            <a:rPr lang="pt-BR" b="1" dirty="0" smtClean="0">
+            <a:rPr lang="pt-BR" b="1" smtClean="0">
               <a:solidFill>
                 <a:srgbClr val="7030A0"/>
               </a:solidFill>
@@ -2020,6 +4323,20 @@
         <dgm:presLayoutVars>
           <dgm:bulletEnabled val="1"/>
         </dgm:presLayoutVars>
+        <dgm:style>
+          <a:lnRef idx="1">
+            <a:schemeClr val="accent6"/>
+          </a:lnRef>
+          <a:fillRef idx="2">
+            <a:schemeClr val="accent6"/>
+          </a:fillRef>
+          <a:effectRef idx="1">
+            <a:schemeClr val="accent6"/>
+          </a:effectRef>
+          <a:fontRef idx="minor">
+            <a:schemeClr val="dk1"/>
+          </a:fontRef>
+        </dgm:style>
       </dgm:prSet>
       <dgm:spPr/>
       <dgm:t>
@@ -2095,6 +4412,20 @@
         <dgm:presLayoutVars>
           <dgm:bulletEnabled val="1"/>
         </dgm:presLayoutVars>
+        <dgm:style>
+          <a:lnRef idx="1">
+            <a:schemeClr val="accent6"/>
+          </a:lnRef>
+          <a:fillRef idx="2">
+            <a:schemeClr val="accent6"/>
+          </a:fillRef>
+          <a:effectRef idx="1">
+            <a:schemeClr val="accent6"/>
+          </a:effectRef>
+          <a:fontRef idx="minor">
+            <a:schemeClr val="dk1"/>
+          </a:fontRef>
+        </dgm:style>
       </dgm:prSet>
       <dgm:spPr/>
       <dgm:t>
@@ -2170,6 +4501,20 @@
         <dgm:presLayoutVars>
           <dgm:bulletEnabled val="1"/>
         </dgm:presLayoutVars>
+        <dgm:style>
+          <a:lnRef idx="1">
+            <a:schemeClr val="accent6"/>
+          </a:lnRef>
+          <a:fillRef idx="2">
+            <a:schemeClr val="accent6"/>
+          </a:fillRef>
+          <a:effectRef idx="1">
+            <a:schemeClr val="accent6"/>
+          </a:effectRef>
+          <a:fontRef idx="minor">
+            <a:schemeClr val="dk1"/>
+          </a:fontRef>
+        </dgm:style>
       </dgm:prSet>
       <dgm:spPr/>
       <dgm:t>
@@ -2245,6 +4590,20 @@
         <dgm:presLayoutVars>
           <dgm:bulletEnabled val="1"/>
         </dgm:presLayoutVars>
+        <dgm:style>
+          <a:lnRef idx="1">
+            <a:schemeClr val="accent6"/>
+          </a:lnRef>
+          <a:fillRef idx="2">
+            <a:schemeClr val="accent6"/>
+          </a:fillRef>
+          <a:effectRef idx="1">
+            <a:schemeClr val="accent6"/>
+          </a:effectRef>
+          <a:fontRef idx="minor">
+            <a:schemeClr val="dk1"/>
+          </a:fontRef>
+        </dgm:style>
       </dgm:prSet>
       <dgm:spPr/>
       <dgm:t>
@@ -2320,6 +4679,20 @@
         <dgm:presLayoutVars>
           <dgm:bulletEnabled val="1"/>
         </dgm:presLayoutVars>
+        <dgm:style>
+          <a:lnRef idx="1">
+            <a:schemeClr val="accent6"/>
+          </a:lnRef>
+          <a:fillRef idx="2">
+            <a:schemeClr val="accent6"/>
+          </a:fillRef>
+          <a:effectRef idx="1">
+            <a:schemeClr val="accent6"/>
+          </a:effectRef>
+          <a:fontRef idx="minor">
+            <a:schemeClr val="dk1"/>
+          </a:fontRef>
+        </dgm:style>
       </dgm:prSet>
       <dgm:spPr/>
       <dgm:t>
@@ -2395,6 +4768,20 @@
         <dgm:presLayoutVars>
           <dgm:bulletEnabled val="1"/>
         </dgm:presLayoutVars>
+        <dgm:style>
+          <a:lnRef idx="1">
+            <a:schemeClr val="accent6"/>
+          </a:lnRef>
+          <a:fillRef idx="2">
+            <a:schemeClr val="accent6"/>
+          </a:fillRef>
+          <a:effectRef idx="1">
+            <a:schemeClr val="accent6"/>
+          </a:effectRef>
+          <a:fontRef idx="minor">
+            <a:schemeClr val="dk1"/>
+          </a:fontRef>
+        </dgm:style>
       </dgm:prSet>
       <dgm:spPr/>
       <dgm:t>
@@ -2472,7 +4859,391 @@
 </dgm:dataModel>
 </file>
 
-<file path=ppt/diagrams/data2.xml><?xml version="1.0" encoding="utf-8"?>
+<file path=ppt/diagrams/data3.xml><?xml version="1.0" encoding="utf-8"?>
+<dgm:dataModel xmlns:dgm="http://schemas.openxmlformats.org/drawingml/2006/diagram" xmlns:a="http://schemas.openxmlformats.org/drawingml/2006/main">
+  <dgm:ptLst>
+    <dgm:pt modelId="{D4F2E4FB-49BF-4721-8707-3457AAE0EB88}" type="doc">
+      <dgm:prSet loTypeId="urn:microsoft.com/office/officeart/2005/8/layout/radial5" loCatId="relationship" qsTypeId="urn:microsoft.com/office/officeart/2005/8/quickstyle/simple1" qsCatId="simple" csTypeId="urn:microsoft.com/office/officeart/2005/8/colors/accent1_2" csCatId="accent1" phldr="1"/>
+      <dgm:spPr/>
+      <dgm:t>
+        <a:bodyPr/>
+        <a:lstStyle/>
+        <a:p>
+          <a:endParaRPr lang="pt-BR"/>
+        </a:p>
+      </dgm:t>
+    </dgm:pt>
+    <dgm:pt modelId="{9ADEF162-76FA-4A3C-8220-3CD2B3D3023E}">
+      <dgm:prSet phldrT="[Texto]" custT="1"/>
+      <dgm:spPr/>
+      <dgm:t>
+        <a:bodyPr/>
+        <a:lstStyle/>
+        <a:p>
+          <a:r>
+            <a:rPr lang="pt-BR" sz="1400" dirty="0" smtClean="0"/>
+            <a:t>Paróquia</a:t>
+          </a:r>
+          <a:endParaRPr lang="pt-BR" sz="1400" dirty="0"/>
+        </a:p>
+      </dgm:t>
+    </dgm:pt>
+    <dgm:pt modelId="{70CEE8AE-1BA1-4498-BED4-2294652E694E}" type="parTrans" cxnId="{0AB8AA39-130D-4082-8073-DCFF557B8490}">
+      <dgm:prSet/>
+      <dgm:spPr/>
+      <dgm:t>
+        <a:bodyPr/>
+        <a:lstStyle/>
+        <a:p>
+          <a:endParaRPr lang="pt-BR"/>
+        </a:p>
+      </dgm:t>
+    </dgm:pt>
+    <dgm:pt modelId="{8D6656CE-2472-4600-8A8A-680BB044CFF5}" type="sibTrans" cxnId="{0AB8AA39-130D-4082-8073-DCFF557B8490}">
+      <dgm:prSet/>
+      <dgm:spPr/>
+      <dgm:t>
+        <a:bodyPr/>
+        <a:lstStyle/>
+        <a:p>
+          <a:endParaRPr lang="pt-BR"/>
+        </a:p>
+      </dgm:t>
+    </dgm:pt>
+    <dgm:pt modelId="{47D5C472-6F40-4426-8E86-BCB2F2BD330B}">
+      <dgm:prSet phldrT="[Texto]" phldr="1" custT="1"/>
+      <dgm:spPr/>
+      <dgm:t>
+        <a:bodyPr/>
+        <a:lstStyle/>
+        <a:p>
+          <a:endParaRPr lang="pt-BR" sz="1400" dirty="0"/>
+        </a:p>
+      </dgm:t>
+    </dgm:pt>
+    <dgm:pt modelId="{036DF210-BB24-491F-9B05-BED9EB97CCEA}" type="parTrans" cxnId="{F195A791-DD89-4913-8E1E-8DC4F82B6DC9}">
+      <dgm:prSet/>
+      <dgm:spPr/>
+      <dgm:t>
+        <a:bodyPr/>
+        <a:lstStyle/>
+        <a:p>
+          <a:endParaRPr lang="pt-BR"/>
+        </a:p>
+      </dgm:t>
+    </dgm:pt>
+    <dgm:pt modelId="{8F34451D-735F-4913-B0FC-D3B45BB4B61F}" type="sibTrans" cxnId="{F195A791-DD89-4913-8E1E-8DC4F82B6DC9}">
+      <dgm:prSet/>
+      <dgm:spPr/>
+      <dgm:t>
+        <a:bodyPr/>
+        <a:lstStyle/>
+        <a:p>
+          <a:endParaRPr lang="pt-BR"/>
+        </a:p>
+      </dgm:t>
+    </dgm:pt>
+    <dgm:pt modelId="{31E1C8DB-A788-4C7C-8E35-369521C571A2}">
+      <dgm:prSet phldrT="[Texto]" phldr="1" custT="1"/>
+      <dgm:spPr/>
+      <dgm:t>
+        <a:bodyPr/>
+        <a:lstStyle/>
+        <a:p>
+          <a:endParaRPr lang="pt-BR" sz="1400" dirty="0"/>
+        </a:p>
+      </dgm:t>
+    </dgm:pt>
+    <dgm:pt modelId="{5CD5CAC8-AC56-4175-8B02-D9FDE7591724}" type="parTrans" cxnId="{A3234599-2A1F-4705-A7DB-C8EF644A84F6}">
+      <dgm:prSet/>
+      <dgm:spPr/>
+      <dgm:t>
+        <a:bodyPr/>
+        <a:lstStyle/>
+        <a:p>
+          <a:endParaRPr lang="pt-BR"/>
+        </a:p>
+      </dgm:t>
+    </dgm:pt>
+    <dgm:pt modelId="{78634723-FA66-4AF5-9D17-D9106FB2D70F}" type="sibTrans" cxnId="{A3234599-2A1F-4705-A7DB-C8EF644A84F6}">
+      <dgm:prSet/>
+      <dgm:spPr/>
+      <dgm:t>
+        <a:bodyPr/>
+        <a:lstStyle/>
+        <a:p>
+          <a:endParaRPr lang="pt-BR"/>
+        </a:p>
+      </dgm:t>
+    </dgm:pt>
+    <dgm:pt modelId="{597E7FEA-0A6D-4074-A2A0-EDBE84388C7A}">
+      <dgm:prSet phldrT="[Texto]" phldr="1" custT="1"/>
+      <dgm:spPr/>
+      <dgm:t>
+        <a:bodyPr/>
+        <a:lstStyle/>
+        <a:p>
+          <a:endParaRPr lang="pt-BR" sz="1400"/>
+        </a:p>
+      </dgm:t>
+    </dgm:pt>
+    <dgm:pt modelId="{C9CB2A3C-AA8A-4C63-ADAF-BB4A990106BF}" type="parTrans" cxnId="{DB098DF9-4AC3-48C4-BC74-3A1AFF298A39}">
+      <dgm:prSet/>
+      <dgm:spPr/>
+      <dgm:t>
+        <a:bodyPr/>
+        <a:lstStyle/>
+        <a:p>
+          <a:endParaRPr lang="pt-BR"/>
+        </a:p>
+      </dgm:t>
+    </dgm:pt>
+    <dgm:pt modelId="{78A577AF-6145-4A2C-8D9E-BB70A9BDA682}" type="sibTrans" cxnId="{DB098DF9-4AC3-48C4-BC74-3A1AFF298A39}">
+      <dgm:prSet/>
+      <dgm:spPr/>
+      <dgm:t>
+        <a:bodyPr/>
+        <a:lstStyle/>
+        <a:p>
+          <a:endParaRPr lang="pt-BR"/>
+        </a:p>
+      </dgm:t>
+    </dgm:pt>
+    <dgm:pt modelId="{E65E6258-30CC-439C-9E12-987FB207C0BA}">
+      <dgm:prSet phldrT="[Texto]" phldr="1" custT="1"/>
+      <dgm:spPr/>
+      <dgm:t>
+        <a:bodyPr/>
+        <a:lstStyle/>
+        <a:p>
+          <a:endParaRPr lang="pt-BR" sz="1400" dirty="0"/>
+        </a:p>
+      </dgm:t>
+    </dgm:pt>
+    <dgm:pt modelId="{88E727E9-53A4-4E95-A459-039A49E93B44}" type="parTrans" cxnId="{B7E99F65-BDD3-4DC8-BA59-474161888B08}">
+      <dgm:prSet/>
+      <dgm:spPr/>
+      <dgm:t>
+        <a:bodyPr/>
+        <a:lstStyle/>
+        <a:p>
+          <a:endParaRPr lang="pt-BR"/>
+        </a:p>
+      </dgm:t>
+    </dgm:pt>
+    <dgm:pt modelId="{C1A9E9C8-E1E8-41AC-8025-94E945EC2819}" type="sibTrans" cxnId="{B7E99F65-BDD3-4DC8-BA59-474161888B08}">
+      <dgm:prSet/>
+      <dgm:spPr/>
+      <dgm:t>
+        <a:bodyPr/>
+        <a:lstStyle/>
+        <a:p>
+          <a:endParaRPr lang="pt-BR"/>
+        </a:p>
+      </dgm:t>
+    </dgm:pt>
+    <dgm:pt modelId="{600CB5D7-2D85-4AF5-BB05-4A1B86521FA2}">
+      <dgm:prSet phldrT="[Texto]" custT="1"/>
+      <dgm:spPr/>
+      <dgm:t>
+        <a:bodyPr/>
+        <a:lstStyle/>
+        <a:p>
+          <a:endParaRPr lang="pt-BR" sz="1400" dirty="0"/>
+        </a:p>
+      </dgm:t>
+    </dgm:pt>
+    <dgm:pt modelId="{D8ED6D04-2132-4167-966C-2933CD0F8E51}" type="sibTrans" cxnId="{A2C98141-733B-400B-91DC-A4454889E5AA}">
+      <dgm:prSet/>
+      <dgm:spPr/>
+      <dgm:t>
+        <a:bodyPr/>
+        <a:lstStyle/>
+        <a:p>
+          <a:endParaRPr lang="pt-BR"/>
+        </a:p>
+      </dgm:t>
+    </dgm:pt>
+    <dgm:pt modelId="{0F4EE5F8-CE65-4C01-BA1B-62373453CD4B}" type="parTrans" cxnId="{A2C98141-733B-400B-91DC-A4454889E5AA}">
+      <dgm:prSet/>
+      <dgm:spPr/>
+      <dgm:t>
+        <a:bodyPr/>
+        <a:lstStyle/>
+        <a:p>
+          <a:endParaRPr lang="pt-BR"/>
+        </a:p>
+      </dgm:t>
+    </dgm:pt>
+    <dgm:pt modelId="{6A9D9649-AA51-48D6-B507-7AEDD979430C}" type="pres">
+      <dgm:prSet presAssocID="{D4F2E4FB-49BF-4721-8707-3457AAE0EB88}" presName="Name0" presStyleCnt="0">
+        <dgm:presLayoutVars>
+          <dgm:chMax val="1"/>
+          <dgm:dir/>
+          <dgm:animLvl val="ctr"/>
+          <dgm:resizeHandles val="exact"/>
+        </dgm:presLayoutVars>
+      </dgm:prSet>
+      <dgm:spPr/>
+    </dgm:pt>
+    <dgm:pt modelId="{18F2EB1D-555E-470E-B78B-9F32BC1302F0}" type="pres">
+      <dgm:prSet presAssocID="{9ADEF162-76FA-4A3C-8220-3CD2B3D3023E}" presName="centerShape" presStyleLbl="node0" presStyleIdx="0" presStyleCnt="1" custScaleX="123220" custScaleY="126494"/>
+      <dgm:spPr/>
+      <dgm:t>
+        <a:bodyPr/>
+        <a:lstStyle/>
+        <a:p>
+          <a:endParaRPr lang="pt-BR"/>
+        </a:p>
+      </dgm:t>
+    </dgm:pt>
+    <dgm:pt modelId="{D858E594-9B1F-454E-812B-1D569755D339}" type="pres">
+      <dgm:prSet presAssocID="{036DF210-BB24-491F-9B05-BED9EB97CCEA}" presName="parTrans" presStyleLbl="sibTrans2D1" presStyleIdx="0" presStyleCnt="5"/>
+      <dgm:spPr/>
+    </dgm:pt>
+    <dgm:pt modelId="{2BEFA425-F024-4BD4-B31D-0FB6C45896F7}" type="pres">
+      <dgm:prSet presAssocID="{036DF210-BB24-491F-9B05-BED9EB97CCEA}" presName="connectorText" presStyleLbl="sibTrans2D1" presStyleIdx="0" presStyleCnt="5"/>
+      <dgm:spPr/>
+    </dgm:pt>
+    <dgm:pt modelId="{E0159EA0-1A5D-476D-AD51-865243B2D714}" type="pres">
+      <dgm:prSet presAssocID="{47D5C472-6F40-4426-8E86-BCB2F2BD330B}" presName="node" presStyleLbl="node1" presStyleIdx="0" presStyleCnt="5">
+        <dgm:presLayoutVars>
+          <dgm:bulletEnabled val="1"/>
+        </dgm:presLayoutVars>
+      </dgm:prSet>
+      <dgm:spPr/>
+      <dgm:t>
+        <a:bodyPr/>
+        <a:lstStyle/>
+        <a:p>
+          <a:endParaRPr lang="pt-BR"/>
+        </a:p>
+      </dgm:t>
+    </dgm:pt>
+    <dgm:pt modelId="{9D95D45C-9B20-4A4E-AD6C-37161FDE50AF}" type="pres">
+      <dgm:prSet presAssocID="{0F4EE5F8-CE65-4C01-BA1B-62373453CD4B}" presName="parTrans" presStyleLbl="sibTrans2D1" presStyleIdx="1" presStyleCnt="5"/>
+      <dgm:spPr/>
+    </dgm:pt>
+    <dgm:pt modelId="{FFC83820-1F59-4B99-B0E5-5EF505EF981A}" type="pres">
+      <dgm:prSet presAssocID="{0F4EE5F8-CE65-4C01-BA1B-62373453CD4B}" presName="connectorText" presStyleLbl="sibTrans2D1" presStyleIdx="1" presStyleCnt="5"/>
+      <dgm:spPr/>
+    </dgm:pt>
+    <dgm:pt modelId="{892AB89D-9357-4946-A690-9AB770094366}" type="pres">
+      <dgm:prSet presAssocID="{600CB5D7-2D85-4AF5-BB05-4A1B86521FA2}" presName="node" presStyleLbl="node1" presStyleIdx="1" presStyleCnt="5">
+        <dgm:presLayoutVars>
+          <dgm:bulletEnabled val="1"/>
+        </dgm:presLayoutVars>
+      </dgm:prSet>
+      <dgm:spPr/>
+      <dgm:t>
+        <a:bodyPr/>
+        <a:lstStyle/>
+        <a:p>
+          <a:endParaRPr lang="pt-BR"/>
+        </a:p>
+      </dgm:t>
+    </dgm:pt>
+    <dgm:pt modelId="{8F93543A-5059-4DE8-A2FC-A99D358C55C0}" type="pres">
+      <dgm:prSet presAssocID="{5CD5CAC8-AC56-4175-8B02-D9FDE7591724}" presName="parTrans" presStyleLbl="sibTrans2D1" presStyleIdx="2" presStyleCnt="5"/>
+      <dgm:spPr/>
+    </dgm:pt>
+    <dgm:pt modelId="{63B15D18-84CC-4B8C-A7B8-9D7C87C445EE}" type="pres">
+      <dgm:prSet presAssocID="{5CD5CAC8-AC56-4175-8B02-D9FDE7591724}" presName="connectorText" presStyleLbl="sibTrans2D1" presStyleIdx="2" presStyleCnt="5"/>
+      <dgm:spPr/>
+    </dgm:pt>
+    <dgm:pt modelId="{4AE6AAFA-D59A-4F35-A5E8-C6D2EC6BBFF0}" type="pres">
+      <dgm:prSet presAssocID="{31E1C8DB-A788-4C7C-8E35-369521C571A2}" presName="node" presStyleLbl="node1" presStyleIdx="2" presStyleCnt="5">
+        <dgm:presLayoutVars>
+          <dgm:bulletEnabled val="1"/>
+        </dgm:presLayoutVars>
+      </dgm:prSet>
+      <dgm:spPr/>
+    </dgm:pt>
+    <dgm:pt modelId="{D32B50BC-8F9A-4A06-941D-13004E7B3F17}" type="pres">
+      <dgm:prSet presAssocID="{C9CB2A3C-AA8A-4C63-ADAF-BB4A990106BF}" presName="parTrans" presStyleLbl="sibTrans2D1" presStyleIdx="3" presStyleCnt="5"/>
+      <dgm:spPr/>
+    </dgm:pt>
+    <dgm:pt modelId="{DA7B04D8-8B81-4E5B-97E0-2DFA07EF08B4}" type="pres">
+      <dgm:prSet presAssocID="{C9CB2A3C-AA8A-4C63-ADAF-BB4A990106BF}" presName="connectorText" presStyleLbl="sibTrans2D1" presStyleIdx="3" presStyleCnt="5"/>
+      <dgm:spPr/>
+    </dgm:pt>
+    <dgm:pt modelId="{42C28B57-95B0-4561-B729-7C55DC80C4C3}" type="pres">
+      <dgm:prSet presAssocID="{597E7FEA-0A6D-4074-A2A0-EDBE84388C7A}" presName="node" presStyleLbl="node1" presStyleIdx="3" presStyleCnt="5">
+        <dgm:presLayoutVars>
+          <dgm:bulletEnabled val="1"/>
+        </dgm:presLayoutVars>
+      </dgm:prSet>
+      <dgm:spPr/>
+    </dgm:pt>
+    <dgm:pt modelId="{BED8CFF9-57DF-415B-BFD2-F23237B98D78}" type="pres">
+      <dgm:prSet presAssocID="{88E727E9-53A4-4E95-A459-039A49E93B44}" presName="parTrans" presStyleLbl="sibTrans2D1" presStyleIdx="4" presStyleCnt="5"/>
+      <dgm:spPr/>
+    </dgm:pt>
+    <dgm:pt modelId="{30E14BBC-7822-4D38-BD74-0C71B2A3B30C}" type="pres">
+      <dgm:prSet presAssocID="{88E727E9-53A4-4E95-A459-039A49E93B44}" presName="connectorText" presStyleLbl="sibTrans2D1" presStyleIdx="4" presStyleCnt="5"/>
+      <dgm:spPr/>
+    </dgm:pt>
+    <dgm:pt modelId="{AE23CEE4-5E78-4BF2-A4EC-856A2ACE758E}" type="pres">
+      <dgm:prSet presAssocID="{E65E6258-30CC-439C-9E12-987FB207C0BA}" presName="node" presStyleLbl="node1" presStyleIdx="4" presStyleCnt="5">
+        <dgm:presLayoutVars>
+          <dgm:bulletEnabled val="1"/>
+        </dgm:presLayoutVars>
+      </dgm:prSet>
+      <dgm:spPr/>
+    </dgm:pt>
+  </dgm:ptLst>
+  <dgm:cxnLst>
+    <dgm:cxn modelId="{F195A791-DD89-4913-8E1E-8DC4F82B6DC9}" srcId="{9ADEF162-76FA-4A3C-8220-3CD2B3D3023E}" destId="{47D5C472-6F40-4426-8E86-BCB2F2BD330B}" srcOrd="0" destOrd="0" parTransId="{036DF210-BB24-491F-9B05-BED9EB97CCEA}" sibTransId="{8F34451D-735F-4913-B0FC-D3B45BB4B61F}"/>
+    <dgm:cxn modelId="{DB098DF9-4AC3-48C4-BC74-3A1AFF298A39}" srcId="{9ADEF162-76FA-4A3C-8220-3CD2B3D3023E}" destId="{597E7FEA-0A6D-4074-A2A0-EDBE84388C7A}" srcOrd="3" destOrd="0" parTransId="{C9CB2A3C-AA8A-4C63-ADAF-BB4A990106BF}" sibTransId="{78A577AF-6145-4A2C-8D9E-BB70A9BDA682}"/>
+    <dgm:cxn modelId="{E76B003B-3141-48DA-8297-E3AA243031E5}" type="presOf" srcId="{D4F2E4FB-49BF-4721-8707-3457AAE0EB88}" destId="{6A9D9649-AA51-48D6-B507-7AEDD979430C}" srcOrd="0" destOrd="0" presId="urn:microsoft.com/office/officeart/2005/8/layout/radial5"/>
+    <dgm:cxn modelId="{0AB8AA39-130D-4082-8073-DCFF557B8490}" srcId="{D4F2E4FB-49BF-4721-8707-3457AAE0EB88}" destId="{9ADEF162-76FA-4A3C-8220-3CD2B3D3023E}" srcOrd="0" destOrd="0" parTransId="{70CEE8AE-1BA1-4498-BED4-2294652E694E}" sibTransId="{8D6656CE-2472-4600-8A8A-680BB044CFF5}"/>
+    <dgm:cxn modelId="{B6EF3246-0AA5-4CF3-8B72-C7979057E203}" type="presOf" srcId="{9ADEF162-76FA-4A3C-8220-3CD2B3D3023E}" destId="{18F2EB1D-555E-470E-B78B-9F32BC1302F0}" srcOrd="0" destOrd="0" presId="urn:microsoft.com/office/officeart/2005/8/layout/radial5"/>
+    <dgm:cxn modelId="{28AC89FC-11D9-4755-B886-3A3759AAC780}" type="presOf" srcId="{036DF210-BB24-491F-9B05-BED9EB97CCEA}" destId="{2BEFA425-F024-4BD4-B31D-0FB6C45896F7}" srcOrd="1" destOrd="0" presId="urn:microsoft.com/office/officeart/2005/8/layout/radial5"/>
+    <dgm:cxn modelId="{23207EC2-56B0-44E0-A6C7-84051896C37C}" type="presOf" srcId="{036DF210-BB24-491F-9B05-BED9EB97CCEA}" destId="{D858E594-9B1F-454E-812B-1D569755D339}" srcOrd="0" destOrd="0" presId="urn:microsoft.com/office/officeart/2005/8/layout/radial5"/>
+    <dgm:cxn modelId="{742A00C4-D75C-4EB9-B6C7-8556F6BF3B40}" type="presOf" srcId="{88E727E9-53A4-4E95-A459-039A49E93B44}" destId="{30E14BBC-7822-4D38-BD74-0C71B2A3B30C}" srcOrd="1" destOrd="0" presId="urn:microsoft.com/office/officeart/2005/8/layout/radial5"/>
+    <dgm:cxn modelId="{B7E99F65-BDD3-4DC8-BA59-474161888B08}" srcId="{9ADEF162-76FA-4A3C-8220-3CD2B3D3023E}" destId="{E65E6258-30CC-439C-9E12-987FB207C0BA}" srcOrd="4" destOrd="0" parTransId="{88E727E9-53A4-4E95-A459-039A49E93B44}" sibTransId="{C1A9E9C8-E1E8-41AC-8025-94E945EC2819}"/>
+    <dgm:cxn modelId="{20E80264-2731-447C-89A6-6EF6F3B07D7B}" type="presOf" srcId="{C9CB2A3C-AA8A-4C63-ADAF-BB4A990106BF}" destId="{DA7B04D8-8B81-4E5B-97E0-2DFA07EF08B4}" srcOrd="1" destOrd="0" presId="urn:microsoft.com/office/officeart/2005/8/layout/radial5"/>
+    <dgm:cxn modelId="{B760B6A1-7F60-4ADC-BA75-CB0BE4EEDB34}" type="presOf" srcId="{5CD5CAC8-AC56-4175-8B02-D9FDE7591724}" destId="{8F93543A-5059-4DE8-A2FC-A99D358C55C0}" srcOrd="0" destOrd="0" presId="urn:microsoft.com/office/officeart/2005/8/layout/radial5"/>
+    <dgm:cxn modelId="{89D3A26C-01B0-47D3-9792-AD7AC1141C23}" type="presOf" srcId="{0F4EE5F8-CE65-4C01-BA1B-62373453CD4B}" destId="{9D95D45C-9B20-4A4E-AD6C-37161FDE50AF}" srcOrd="0" destOrd="0" presId="urn:microsoft.com/office/officeart/2005/8/layout/radial5"/>
+    <dgm:cxn modelId="{7442BC64-C27B-46B2-8FDA-C8CB7A69BB78}" type="presOf" srcId="{5CD5CAC8-AC56-4175-8B02-D9FDE7591724}" destId="{63B15D18-84CC-4B8C-A7B8-9D7C87C445EE}" srcOrd="1" destOrd="0" presId="urn:microsoft.com/office/officeart/2005/8/layout/radial5"/>
+    <dgm:cxn modelId="{8F72D950-79DD-429B-81A7-418362F720F6}" type="presOf" srcId="{600CB5D7-2D85-4AF5-BB05-4A1B86521FA2}" destId="{892AB89D-9357-4946-A690-9AB770094366}" srcOrd="0" destOrd="0" presId="urn:microsoft.com/office/officeart/2005/8/layout/radial5"/>
+    <dgm:cxn modelId="{A3234599-2A1F-4705-A7DB-C8EF644A84F6}" srcId="{9ADEF162-76FA-4A3C-8220-3CD2B3D3023E}" destId="{31E1C8DB-A788-4C7C-8E35-369521C571A2}" srcOrd="2" destOrd="0" parTransId="{5CD5CAC8-AC56-4175-8B02-D9FDE7591724}" sibTransId="{78634723-FA66-4AF5-9D17-D9106FB2D70F}"/>
+    <dgm:cxn modelId="{7366D01B-7B1A-4F7E-8897-A92969695C89}" type="presOf" srcId="{88E727E9-53A4-4E95-A459-039A49E93B44}" destId="{BED8CFF9-57DF-415B-BFD2-F23237B98D78}" srcOrd="0" destOrd="0" presId="urn:microsoft.com/office/officeart/2005/8/layout/radial5"/>
+    <dgm:cxn modelId="{622C7C39-11F8-4758-9549-8841122B7ED2}" type="presOf" srcId="{31E1C8DB-A788-4C7C-8E35-369521C571A2}" destId="{4AE6AAFA-D59A-4F35-A5E8-C6D2EC6BBFF0}" srcOrd="0" destOrd="0" presId="urn:microsoft.com/office/officeart/2005/8/layout/radial5"/>
+    <dgm:cxn modelId="{6E4D8FAC-DF79-4656-AACF-B63351959842}" type="presOf" srcId="{C9CB2A3C-AA8A-4C63-ADAF-BB4A990106BF}" destId="{D32B50BC-8F9A-4A06-941D-13004E7B3F17}" srcOrd="0" destOrd="0" presId="urn:microsoft.com/office/officeart/2005/8/layout/radial5"/>
+    <dgm:cxn modelId="{CFD51472-FE86-49A1-902F-BA2DC34B29F5}" type="presOf" srcId="{0F4EE5F8-CE65-4C01-BA1B-62373453CD4B}" destId="{FFC83820-1F59-4B99-B0E5-5EF505EF981A}" srcOrd="1" destOrd="0" presId="urn:microsoft.com/office/officeart/2005/8/layout/radial5"/>
+    <dgm:cxn modelId="{CD189AED-CAFC-49C6-B708-4C84F713FF42}" type="presOf" srcId="{47D5C472-6F40-4426-8E86-BCB2F2BD330B}" destId="{E0159EA0-1A5D-476D-AD51-865243B2D714}" srcOrd="0" destOrd="0" presId="urn:microsoft.com/office/officeart/2005/8/layout/radial5"/>
+    <dgm:cxn modelId="{A2C98141-733B-400B-91DC-A4454889E5AA}" srcId="{9ADEF162-76FA-4A3C-8220-3CD2B3D3023E}" destId="{600CB5D7-2D85-4AF5-BB05-4A1B86521FA2}" srcOrd="1" destOrd="0" parTransId="{0F4EE5F8-CE65-4C01-BA1B-62373453CD4B}" sibTransId="{D8ED6D04-2132-4167-966C-2933CD0F8E51}"/>
+    <dgm:cxn modelId="{B076A0DE-C14B-4C8D-AC1B-44814383AFD4}" type="presOf" srcId="{597E7FEA-0A6D-4074-A2A0-EDBE84388C7A}" destId="{42C28B57-95B0-4561-B729-7C55DC80C4C3}" srcOrd="0" destOrd="0" presId="urn:microsoft.com/office/officeart/2005/8/layout/radial5"/>
+    <dgm:cxn modelId="{4D528558-CCA4-4766-9340-8DBA49C0C449}" type="presOf" srcId="{E65E6258-30CC-439C-9E12-987FB207C0BA}" destId="{AE23CEE4-5E78-4BF2-A4EC-856A2ACE758E}" srcOrd="0" destOrd="0" presId="urn:microsoft.com/office/officeart/2005/8/layout/radial5"/>
+    <dgm:cxn modelId="{D491739B-54EC-489C-A1A7-1DBEF4DF8E38}" type="presParOf" srcId="{6A9D9649-AA51-48D6-B507-7AEDD979430C}" destId="{18F2EB1D-555E-470E-B78B-9F32BC1302F0}" srcOrd="0" destOrd="0" presId="urn:microsoft.com/office/officeart/2005/8/layout/radial5"/>
+    <dgm:cxn modelId="{5AB7F0EB-EAF7-40B7-8C32-386285178AF5}" type="presParOf" srcId="{6A9D9649-AA51-48D6-B507-7AEDD979430C}" destId="{D858E594-9B1F-454E-812B-1D569755D339}" srcOrd="1" destOrd="0" presId="urn:microsoft.com/office/officeart/2005/8/layout/radial5"/>
+    <dgm:cxn modelId="{5E5AB94B-B50E-481F-A3CF-F462EDC78FD1}" type="presParOf" srcId="{D858E594-9B1F-454E-812B-1D569755D339}" destId="{2BEFA425-F024-4BD4-B31D-0FB6C45896F7}" srcOrd="0" destOrd="0" presId="urn:microsoft.com/office/officeart/2005/8/layout/radial5"/>
+    <dgm:cxn modelId="{6B7C6AAD-0141-4C9D-8D64-FC6F6ADA9CE6}" type="presParOf" srcId="{6A9D9649-AA51-48D6-B507-7AEDD979430C}" destId="{E0159EA0-1A5D-476D-AD51-865243B2D714}" srcOrd="2" destOrd="0" presId="urn:microsoft.com/office/officeart/2005/8/layout/radial5"/>
+    <dgm:cxn modelId="{7B38FD55-A5EA-45B4-98BA-37944428E1BB}" type="presParOf" srcId="{6A9D9649-AA51-48D6-B507-7AEDD979430C}" destId="{9D95D45C-9B20-4A4E-AD6C-37161FDE50AF}" srcOrd="3" destOrd="0" presId="urn:microsoft.com/office/officeart/2005/8/layout/radial5"/>
+    <dgm:cxn modelId="{5869A8F4-1E5F-4927-8C46-158F4E332014}" type="presParOf" srcId="{9D95D45C-9B20-4A4E-AD6C-37161FDE50AF}" destId="{FFC83820-1F59-4B99-B0E5-5EF505EF981A}" srcOrd="0" destOrd="0" presId="urn:microsoft.com/office/officeart/2005/8/layout/radial5"/>
+    <dgm:cxn modelId="{D5878A1E-2FAF-42E3-9F3C-1A872474F218}" type="presParOf" srcId="{6A9D9649-AA51-48D6-B507-7AEDD979430C}" destId="{892AB89D-9357-4946-A690-9AB770094366}" srcOrd="4" destOrd="0" presId="urn:microsoft.com/office/officeart/2005/8/layout/radial5"/>
+    <dgm:cxn modelId="{FE384528-8958-4B12-819A-58DD6AA6E9F3}" type="presParOf" srcId="{6A9D9649-AA51-48D6-B507-7AEDD979430C}" destId="{8F93543A-5059-4DE8-A2FC-A99D358C55C0}" srcOrd="5" destOrd="0" presId="urn:microsoft.com/office/officeart/2005/8/layout/radial5"/>
+    <dgm:cxn modelId="{99AE9AB9-86FB-455B-A147-63ED78F5DD8F}" type="presParOf" srcId="{8F93543A-5059-4DE8-A2FC-A99D358C55C0}" destId="{63B15D18-84CC-4B8C-A7B8-9D7C87C445EE}" srcOrd="0" destOrd="0" presId="urn:microsoft.com/office/officeart/2005/8/layout/radial5"/>
+    <dgm:cxn modelId="{9E10A2CD-4CA3-4F8B-A375-8245C75B1054}" type="presParOf" srcId="{6A9D9649-AA51-48D6-B507-7AEDD979430C}" destId="{4AE6AAFA-D59A-4F35-A5E8-C6D2EC6BBFF0}" srcOrd="6" destOrd="0" presId="urn:microsoft.com/office/officeart/2005/8/layout/radial5"/>
+    <dgm:cxn modelId="{E86A992F-CF49-422A-9A2B-382F2AB45ACB}" type="presParOf" srcId="{6A9D9649-AA51-48D6-B507-7AEDD979430C}" destId="{D32B50BC-8F9A-4A06-941D-13004E7B3F17}" srcOrd="7" destOrd="0" presId="urn:microsoft.com/office/officeart/2005/8/layout/radial5"/>
+    <dgm:cxn modelId="{80B1D6F9-B73E-4D73-8538-6B96B6369400}" type="presParOf" srcId="{D32B50BC-8F9A-4A06-941D-13004E7B3F17}" destId="{DA7B04D8-8B81-4E5B-97E0-2DFA07EF08B4}" srcOrd="0" destOrd="0" presId="urn:microsoft.com/office/officeart/2005/8/layout/radial5"/>
+    <dgm:cxn modelId="{F758910C-8DB2-4B35-A4D3-97A87E1632BB}" type="presParOf" srcId="{6A9D9649-AA51-48D6-B507-7AEDD979430C}" destId="{42C28B57-95B0-4561-B729-7C55DC80C4C3}" srcOrd="8" destOrd="0" presId="urn:microsoft.com/office/officeart/2005/8/layout/radial5"/>
+    <dgm:cxn modelId="{C540D912-04C5-46FA-B744-D65458050CBC}" type="presParOf" srcId="{6A9D9649-AA51-48D6-B507-7AEDD979430C}" destId="{BED8CFF9-57DF-415B-BFD2-F23237B98D78}" srcOrd="9" destOrd="0" presId="urn:microsoft.com/office/officeart/2005/8/layout/radial5"/>
+    <dgm:cxn modelId="{4AE9697D-2422-48EC-A14A-0247DC23964E}" type="presParOf" srcId="{BED8CFF9-57DF-415B-BFD2-F23237B98D78}" destId="{30E14BBC-7822-4D38-BD74-0C71B2A3B30C}" srcOrd="0" destOrd="0" presId="urn:microsoft.com/office/officeart/2005/8/layout/radial5"/>
+    <dgm:cxn modelId="{F5528EBD-8017-4221-8757-CD6217DFFA5C}" type="presParOf" srcId="{6A9D9649-AA51-48D6-B507-7AEDD979430C}" destId="{AE23CEE4-5E78-4BF2-A4EC-856A2ACE758E}" srcOrd="10" destOrd="0" presId="urn:microsoft.com/office/officeart/2005/8/layout/radial5"/>
+  </dgm:cxnLst>
+  <dgm:bg/>
+  <dgm:whole/>
+  <dgm:extLst>
+    <a:ext uri="http://schemas.microsoft.com/office/drawing/2008/diagram">
+      <dsp:dataModelExt xmlns:dsp="http://schemas.microsoft.com/office/drawing/2008/diagram" xmlns="" relId="rId6" minVer="http://schemas.openxmlformats.org/drawingml/2006/diagram"/>
+    </a:ext>
+  </dgm:extLst>
+</dgm:dataModel>
+</file>
+
+<file path=ppt/diagrams/data4.xml><?xml version="1.0" encoding="utf-8"?>
 <dgm:dataModel xmlns:dgm="http://schemas.openxmlformats.org/drawingml/2006/diagram" xmlns:a="http://schemas.openxmlformats.org/drawingml/2006/main">
   <dgm:ptLst>
     <dgm:pt modelId="{4412B91F-CF8D-4A42-83DF-7CDCCDA80F7D}" type="doc">
@@ -3305,31 +6076,31 @@
       <dsp:cNvGrpSpPr/>
     </dsp:nvGrpSpPr>
     <dsp:grpSpPr/>
-    <dsp:sp modelId="{AA8514B8-7EBB-4287-ACDB-81BB8EE3A65E}">
+    <dsp:sp modelId="{4069C5B0-E0D3-47C9-9E5F-416939C594B9}">
       <dsp:nvSpPr>
         <dsp:cNvPr id="0" name=""/>
         <dsp:cNvSpPr/>
       </dsp:nvSpPr>
       <dsp:spPr>
-        <a:xfrm>
-          <a:off x="0" y="327899"/>
-          <a:ext cx="8686800" cy="504000"/>
+        <a:xfrm rot="5400000">
+          <a:off x="5471223" y="-2232760"/>
+          <a:ext cx="871601" cy="5559552"/>
         </a:xfrm>
-        <a:prstGeom prst="rect">
+        <a:prstGeom prst="round2SameRect">
           <a:avLst/>
         </a:prstGeom>
         <a:solidFill>
-          <a:schemeClr val="lt1">
+          <a:schemeClr val="accent6">
+            <a:lumMod val="60000"/>
+            <a:lumOff val="40000"/>
             <a:alpha val="90000"/>
-            <a:hueOff val="0"/>
-            <a:satOff val="0"/>
-            <a:lumOff val="0"/>
-            <a:alphaOff val="0"/>
           </a:schemeClr>
         </a:solidFill>
         <a:ln w="10000" cap="flat" cmpd="sng" algn="ctr">
           <a:solidFill>
             <a:schemeClr val="accent1">
+              <a:alpha val="90000"/>
+              <a:tint val="40000"/>
               <a:hueOff val="0"/>
               <a:satOff val="0"/>
               <a:lumOff val="0"/>
@@ -3349,7 +6120,7 @@
           <a:camera prst="orthographicFront"/>
           <a:lightRig rig="flat" dir="t"/>
         </a:scene3d>
-        <a:sp3d z="190500" extrusionH="12700" prstMaterial="plastic">
+        <a:sp3d extrusionH="12700" prstMaterial="plastic">
           <a:bevelT w="50800" h="50800"/>
         </a:sp3d>
       </dsp:spPr>
@@ -3365,16 +6136,87 @@
         </a:effectRef>
         <a:fontRef idx="minor"/>
       </dsp:style>
+      <dsp:txBody>
+        <a:bodyPr spcFirstLastPara="0" vert="horz" wrap="square" lIns="247650" tIns="123825" rIns="247650" bIns="123825" numCol="1" spcCol="1270" anchor="ctr" anchorCtr="0">
+          <a:noAutofit/>
+        </a:bodyPr>
+        <a:lstStyle/>
+        <a:p>
+          <a:pPr marL="171450" lvl="1" indent="-171450" algn="l" defTabSz="711200">
+            <a:lnSpc>
+              <a:spcPct val="90000"/>
+            </a:lnSpc>
+            <a:spcBef>
+              <a:spcPct val="0"/>
+            </a:spcBef>
+            <a:spcAft>
+              <a:spcPct val="15000"/>
+            </a:spcAft>
+            <a:buChar char="••"/>
+          </a:pPr>
+          <a:r>
+            <a:rPr lang="pt-BR" sz="1600" kern="1200" dirty="0" err="1" smtClean="0"/>
+            <a:t>Person</a:t>
+          </a:r>
+          <a:r>
+            <a:rPr lang="pt-BR" sz="1600" kern="1200" dirty="0" smtClean="0"/>
+            <a:t>  </a:t>
+          </a:r>
+          <a:endParaRPr lang="pt-BR" sz="1600" kern="1200" dirty="0"/>
+        </a:p>
+        <a:p>
+          <a:pPr marL="171450" lvl="1" indent="-171450" algn="l" defTabSz="711200">
+            <a:lnSpc>
+              <a:spcPct val="90000"/>
+            </a:lnSpc>
+            <a:spcBef>
+              <a:spcPct val="0"/>
+            </a:spcBef>
+            <a:spcAft>
+              <a:spcPct val="15000"/>
+            </a:spcAft>
+            <a:buChar char="••"/>
+          </a:pPr>
+          <a:r>
+            <a:rPr lang="pt-BR" sz="1600" kern="1200" dirty="0" smtClean="0"/>
+            <a:t>Neimar  Desenvolvedor</a:t>
+          </a:r>
+          <a:endParaRPr lang="pt-BR" sz="1600" kern="1200" dirty="0"/>
+        </a:p>
+        <a:p>
+          <a:pPr marL="171450" lvl="1" indent="-171450" algn="l" defTabSz="711200">
+            <a:lnSpc>
+              <a:spcPct val="90000"/>
+            </a:lnSpc>
+            <a:spcBef>
+              <a:spcPct val="0"/>
+            </a:spcBef>
+            <a:spcAft>
+              <a:spcPct val="15000"/>
+            </a:spcAft>
+            <a:buChar char="••"/>
+          </a:pPr>
+          <a:r>
+            <a:rPr lang="pt-BR" sz="1600" kern="1200" dirty="0" smtClean="0"/>
+            <a:t>Ricardo  Design gráfico </a:t>
+          </a:r>
+          <a:endParaRPr lang="pt-BR" sz="1600" kern="1200" dirty="0"/>
+        </a:p>
+      </dsp:txBody>
+      <dsp:txXfrm rot="5400000">
+        <a:off x="5471223" y="-2232760"/>
+        <a:ext cx="871601" cy="5559552"/>
+      </dsp:txXfrm>
     </dsp:sp>
-    <dsp:sp modelId="{B171C0C5-1265-474F-9A24-5267C4DEA6BB}">
+    <dsp:sp modelId="{83285697-B771-41E8-BF80-D6B7B2E260A7}">
       <dsp:nvSpPr>
         <dsp:cNvPr id="0" name=""/>
         <dsp:cNvSpPr/>
       </dsp:nvSpPr>
       <dsp:spPr>
         <a:xfrm>
-          <a:off x="434340" y="32699"/>
-          <a:ext cx="6080760" cy="590400"/>
+          <a:off x="0" y="0"/>
+          <a:ext cx="3127248" cy="1089501"/>
         </a:xfrm>
         <a:prstGeom prst="roundRect">
           <a:avLst/>
@@ -3484,12 +6326,12 @@
         </a:fontRef>
       </dsp:style>
       <dsp:txBody>
-        <a:bodyPr spcFirstLastPara="0" vert="horz" wrap="square" lIns="229838" tIns="0" rIns="229838" bIns="0" numCol="1" spcCol="1270" anchor="ctr" anchorCtr="0">
+        <a:bodyPr spcFirstLastPara="0" vert="horz" wrap="square" lIns="68580" tIns="34290" rIns="68580" bIns="34290" numCol="1" spcCol="1270" anchor="ctr" anchorCtr="0">
           <a:noAutofit/>
         </a:bodyPr>
         <a:lstStyle/>
         <a:p>
-          <a:pPr lvl="0" algn="l" defTabSz="889000">
+          <a:pPr lvl="0" algn="ctr" defTabSz="800100">
             <a:lnSpc>
               <a:spcPct val="90000"/>
             </a:lnSpc>
@@ -3501,14 +6343,14 @@
             </a:spcAft>
           </a:pPr>
           <a:r>
-            <a:rPr lang="pt-BR" sz="2000" b="1" kern="1200" dirty="0" smtClean="0">
+            <a:rPr lang="pt-BR" sz="1800" b="1" kern="1200" dirty="0" smtClean="0">
               <a:solidFill>
                 <a:srgbClr val="7030A0"/>
               </a:solidFill>
             </a:rPr>
-            <a:t>Dinamização de registro de atividades</a:t>
+            <a:t>Membros do grupo</a:t>
           </a:r>
-          <a:endParaRPr lang="pt-BR" sz="2000" b="1" kern="1200" dirty="0">
+          <a:endParaRPr lang="pt-BR" sz="1800" b="1" kern="1200" dirty="0">
             <a:solidFill>
               <a:srgbClr val="7030A0"/>
             </a:solidFill>
@@ -3516,35 +6358,35 @@
         </a:p>
       </dsp:txBody>
       <dsp:txXfrm>
-        <a:off x="434340" y="32699"/>
-        <a:ext cx="6080760" cy="590400"/>
+        <a:off x="0" y="0"/>
+        <a:ext cx="3127248" cy="1089501"/>
       </dsp:txXfrm>
     </dsp:sp>
-    <dsp:sp modelId="{122429B3-75B2-4400-B819-CC67C8478699}">
+    <dsp:sp modelId="{76D300D9-3977-4D02-95E9-3905CCACBD1B}">
       <dsp:nvSpPr>
         <dsp:cNvPr id="0" name=""/>
         <dsp:cNvSpPr/>
       </dsp:nvSpPr>
       <dsp:spPr>
-        <a:xfrm>
-          <a:off x="0" y="1235099"/>
-          <a:ext cx="8686800" cy="504000"/>
+        <a:xfrm rot="5400000">
+          <a:off x="5471223" y="-1088783"/>
+          <a:ext cx="871601" cy="5559552"/>
         </a:xfrm>
-        <a:prstGeom prst="rect">
+        <a:prstGeom prst="round2SameRect">
           <a:avLst/>
         </a:prstGeom>
         <a:solidFill>
-          <a:schemeClr val="lt1">
+          <a:schemeClr val="accent6">
+            <a:lumMod val="60000"/>
+            <a:lumOff val="40000"/>
             <a:alpha val="90000"/>
-            <a:hueOff val="0"/>
-            <a:satOff val="0"/>
-            <a:lumOff val="0"/>
-            <a:alphaOff val="0"/>
           </a:schemeClr>
         </a:solidFill>
         <a:ln w="10000" cap="flat" cmpd="sng" algn="ctr">
           <a:solidFill>
             <a:schemeClr val="accent1">
+              <a:alpha val="90000"/>
+              <a:tint val="40000"/>
               <a:hueOff val="0"/>
               <a:satOff val="0"/>
               <a:lumOff val="0"/>
@@ -3564,7 +6406,7 @@
           <a:camera prst="orthographicFront"/>
           <a:lightRig rig="flat" dir="t"/>
         </a:scene3d>
-        <a:sp3d z="190500" extrusionH="12700" prstMaterial="plastic">
+        <a:sp3d extrusionH="12700" prstMaterial="plastic">
           <a:bevelT w="50800" h="50800"/>
         </a:sp3d>
       </dsp:spPr>
@@ -3580,16 +6422,45 @@
         </a:effectRef>
         <a:fontRef idx="minor"/>
       </dsp:style>
+      <dsp:txBody>
+        <a:bodyPr spcFirstLastPara="0" vert="horz" wrap="square" lIns="247650" tIns="123825" rIns="247650" bIns="123825" numCol="1" spcCol="1270" anchor="ctr" anchorCtr="0">
+          <a:noAutofit/>
+        </a:bodyPr>
+        <a:lstStyle/>
+        <a:p>
+          <a:pPr marL="171450" lvl="1" indent="-171450" algn="l" defTabSz="711200">
+            <a:lnSpc>
+              <a:spcPct val="90000"/>
+            </a:lnSpc>
+            <a:spcBef>
+              <a:spcPct val="0"/>
+            </a:spcBef>
+            <a:spcAft>
+              <a:spcPct val="15000"/>
+            </a:spcAft>
+            <a:buChar char="••"/>
+          </a:pPr>
+          <a:r>
+            <a:rPr lang="pt-BR" sz="1600" kern="1200" dirty="0" smtClean="0"/>
+            <a:t>Desenvolver um sistema que atenda as necessidades administrativas das pastorais da paróquia </a:t>
+          </a:r>
+          <a:endParaRPr lang="pt-BR" sz="1600" kern="1200" dirty="0"/>
+        </a:p>
+      </dsp:txBody>
+      <dsp:txXfrm rot="5400000">
+        <a:off x="5471223" y="-1088783"/>
+        <a:ext cx="871601" cy="5559552"/>
+      </dsp:txXfrm>
     </dsp:sp>
-    <dsp:sp modelId="{9939078C-FCDB-4354-9260-A7140D211969}">
+    <dsp:sp modelId="{1C4CF5AE-B0A9-4E79-99D0-8192DD361FD5}">
       <dsp:nvSpPr>
         <dsp:cNvPr id="0" name=""/>
         <dsp:cNvSpPr/>
       </dsp:nvSpPr>
       <dsp:spPr>
         <a:xfrm>
-          <a:off x="434340" y="939899"/>
-          <a:ext cx="6080760" cy="590400"/>
+          <a:off x="0" y="1146241"/>
+          <a:ext cx="3127248" cy="1089501"/>
         </a:xfrm>
         <a:prstGeom prst="roundRect">
           <a:avLst/>
@@ -3699,12 +6570,12 @@
         </a:fontRef>
       </dsp:style>
       <dsp:txBody>
-        <a:bodyPr spcFirstLastPara="0" vert="horz" wrap="square" lIns="229838" tIns="0" rIns="229838" bIns="0" numCol="1" spcCol="1270" anchor="ctr" anchorCtr="0">
+        <a:bodyPr spcFirstLastPara="0" vert="horz" wrap="square" lIns="68580" tIns="34290" rIns="68580" bIns="34290" numCol="1" spcCol="1270" anchor="ctr" anchorCtr="0">
           <a:noAutofit/>
         </a:bodyPr>
         <a:lstStyle/>
         <a:p>
-          <a:pPr lvl="0" algn="l" defTabSz="889000">
+          <a:pPr lvl="0" algn="ctr" defTabSz="800100">
             <a:lnSpc>
               <a:spcPct val="90000"/>
             </a:lnSpc>
@@ -3716,14 +6587,14 @@
             </a:spcAft>
           </a:pPr>
           <a:r>
-            <a:rPr lang="pt-BR" sz="2000" b="1" kern="1200" dirty="0" smtClean="0">
+            <a:rPr lang="pt-BR" sz="1800" b="1" kern="1200" dirty="0" smtClean="0">
               <a:solidFill>
                 <a:srgbClr val="7030A0"/>
               </a:solidFill>
             </a:rPr>
-            <a:t> Acesso web em dispositivos moveis</a:t>
+            <a:t>Objetivos</a:t>
           </a:r>
-          <a:endParaRPr lang="pt-BR" sz="2000" b="1" kern="1200" dirty="0">
+          <a:endParaRPr lang="pt-BR" sz="1800" b="1" kern="1200" dirty="0">
             <a:solidFill>
               <a:srgbClr val="7030A0"/>
             </a:solidFill>
@@ -3731,35 +6602,35 @@
         </a:p>
       </dsp:txBody>
       <dsp:txXfrm>
-        <a:off x="434340" y="939899"/>
-        <a:ext cx="6080760" cy="590400"/>
+        <a:off x="0" y="1146241"/>
+        <a:ext cx="3127248" cy="1089501"/>
       </dsp:txXfrm>
     </dsp:sp>
-    <dsp:sp modelId="{06A3C85D-CDEB-4A13-9986-AD53F22D8EA9}">
+    <dsp:sp modelId="{7991AEF3-84F5-4F2F-9A87-D93011516A86}">
       <dsp:nvSpPr>
         <dsp:cNvPr id="0" name=""/>
         <dsp:cNvSpPr/>
       </dsp:nvSpPr>
       <dsp:spPr>
-        <a:xfrm>
-          <a:off x="0" y="2142299"/>
-          <a:ext cx="8686800" cy="504000"/>
+        <a:xfrm rot="5400000">
+          <a:off x="5471223" y="55193"/>
+          <a:ext cx="871601" cy="5559552"/>
         </a:xfrm>
-        <a:prstGeom prst="rect">
+        <a:prstGeom prst="round2SameRect">
           <a:avLst/>
         </a:prstGeom>
         <a:solidFill>
-          <a:schemeClr val="lt1">
+          <a:schemeClr val="accent6">
+            <a:lumMod val="60000"/>
+            <a:lumOff val="40000"/>
             <a:alpha val="90000"/>
-            <a:hueOff val="0"/>
-            <a:satOff val="0"/>
-            <a:lumOff val="0"/>
-            <a:alphaOff val="0"/>
           </a:schemeClr>
         </a:solidFill>
         <a:ln w="10000" cap="flat" cmpd="sng" algn="ctr">
           <a:solidFill>
             <a:schemeClr val="accent1">
+              <a:alpha val="90000"/>
+              <a:tint val="40000"/>
               <a:hueOff val="0"/>
               <a:satOff val="0"/>
               <a:lumOff val="0"/>
@@ -3779,7 +6650,7 @@
           <a:camera prst="orthographicFront"/>
           <a:lightRig rig="flat" dir="t"/>
         </a:scene3d>
-        <a:sp3d z="190500" extrusionH="12700" prstMaterial="plastic">
+        <a:sp3d extrusionH="12700" prstMaterial="plastic">
           <a:bevelT w="50800" h="50800"/>
         </a:sp3d>
       </dsp:spPr>
@@ -3795,16 +6666,53 @@
         </a:effectRef>
         <a:fontRef idx="minor"/>
       </dsp:style>
+      <dsp:txBody>
+        <a:bodyPr spcFirstLastPara="0" vert="horz" wrap="square" lIns="247650" tIns="123825" rIns="247650" bIns="123825" numCol="1" spcCol="1270" anchor="ctr" anchorCtr="0">
+          <a:noAutofit/>
+        </a:bodyPr>
+        <a:lstStyle/>
+        <a:p>
+          <a:pPr marL="171450" lvl="1" indent="-171450" algn="l" defTabSz="711200">
+            <a:lnSpc>
+              <a:spcPct val="90000"/>
+            </a:lnSpc>
+            <a:spcBef>
+              <a:spcPct val="0"/>
+            </a:spcBef>
+            <a:spcAft>
+              <a:spcPct val="15000"/>
+            </a:spcAft>
+            <a:buChar char="••"/>
+          </a:pPr>
+          <a:r>
+            <a:rPr lang="pt-BR" sz="1600" kern="1200" dirty="0" smtClean="0"/>
+            <a:t>Pesquisar e desenvolver novas técnicas na área de softwares </a:t>
+          </a:r>
+          <a:r>
+            <a:rPr lang="pt-BR" sz="1600" kern="1200" dirty="0" err="1" smtClean="0"/>
+            <a:t>multi-plataforma</a:t>
+          </a:r>
+          <a:r>
+            <a:rPr lang="pt-BR" sz="1600" kern="1200" dirty="0" smtClean="0"/>
+            <a:t>  </a:t>
+          </a:r>
+          <a:endParaRPr lang="pt-BR" sz="1600" kern="1200" dirty="0"/>
+        </a:p>
+      </dsp:txBody>
+      <dsp:txXfrm rot="5400000">
+        <a:off x="5471223" y="55193"/>
+        <a:ext cx="871601" cy="5559552"/>
+      </dsp:txXfrm>
     </dsp:sp>
-    <dsp:sp modelId="{D78DBF14-3A29-4E42-B56E-7380E92A6552}">
+    <dsp:sp modelId="{DE3A8CA3-F5E7-47D6-9409-0DAEFC3883C5}">
       <dsp:nvSpPr>
         <dsp:cNvPr id="0" name=""/>
         <dsp:cNvSpPr/>
       </dsp:nvSpPr>
       <dsp:spPr>
         <a:xfrm>
-          <a:off x="434340" y="1847099"/>
-          <a:ext cx="6080760" cy="590400"/>
+          <a:off x="0" y="2290218"/>
+          <a:ext cx="3127248" cy="1089501"/>
         </a:xfrm>
         <a:prstGeom prst="roundRect">
           <a:avLst/>
@@ -3914,12 +6822,12 @@
         </a:fontRef>
       </dsp:style>
       <dsp:txBody>
-        <a:bodyPr spcFirstLastPara="0" vert="horz" wrap="square" lIns="229838" tIns="0" rIns="229838" bIns="0" numCol="1" spcCol="1270" anchor="ctr" anchorCtr="0">
+        <a:bodyPr spcFirstLastPara="0" vert="horz" wrap="square" lIns="68580" tIns="34290" rIns="68580" bIns="34290" numCol="1" spcCol="1270" anchor="ctr" anchorCtr="0">
           <a:noAutofit/>
         </a:bodyPr>
         <a:lstStyle/>
         <a:p>
-          <a:pPr lvl="0" algn="l" defTabSz="889000">
+          <a:pPr lvl="0" algn="ctr" defTabSz="800100">
             <a:lnSpc>
               <a:spcPct val="90000"/>
             </a:lnSpc>
@@ -3931,14 +6839,14 @@
             </a:spcAft>
           </a:pPr>
           <a:r>
-            <a:rPr lang="pt-BR" sz="2000" b="1" kern="1200" dirty="0" smtClean="0">
+            <a:rPr lang="pt-BR" sz="1800" b="1" kern="1200" dirty="0" smtClean="0">
               <a:solidFill>
                 <a:srgbClr val="7030A0"/>
               </a:solidFill>
             </a:rPr>
-            <a:t>Trabalho em grupo em ambiente multiusuário</a:t>
+            <a:t>Motivação</a:t>
           </a:r>
-          <a:endParaRPr lang="pt-BR" sz="2000" b="1" kern="1200" dirty="0">
+          <a:endParaRPr lang="pt-BR" sz="1800" b="1" kern="1200" dirty="0">
             <a:solidFill>
               <a:srgbClr val="7030A0"/>
             </a:solidFill>
@@ -3946,35 +6854,35 @@
         </a:p>
       </dsp:txBody>
       <dsp:txXfrm>
-        <a:off x="434340" y="1847099"/>
-        <a:ext cx="6080760" cy="590400"/>
+        <a:off x="0" y="2290218"/>
+        <a:ext cx="3127248" cy="1089501"/>
       </dsp:txXfrm>
     </dsp:sp>
-    <dsp:sp modelId="{BC58E8B0-740A-43C6-B230-1401E78D7A5B}">
+    <dsp:sp modelId="{232E8D04-E732-492E-A284-139D99DFE02C}">
       <dsp:nvSpPr>
         <dsp:cNvPr id="0" name=""/>
         <dsp:cNvSpPr/>
       </dsp:nvSpPr>
       <dsp:spPr>
-        <a:xfrm>
-          <a:off x="0" y="3049499"/>
-          <a:ext cx="8686800" cy="504000"/>
+        <a:xfrm rot="5400000">
+          <a:off x="5471223" y="1199170"/>
+          <a:ext cx="871601" cy="5559552"/>
         </a:xfrm>
-        <a:prstGeom prst="rect">
+        <a:prstGeom prst="round2SameRect">
           <a:avLst/>
         </a:prstGeom>
         <a:solidFill>
-          <a:schemeClr val="lt1">
+          <a:schemeClr val="accent6">
+            <a:lumMod val="60000"/>
+            <a:lumOff val="40000"/>
             <a:alpha val="90000"/>
-            <a:hueOff val="0"/>
-            <a:satOff val="0"/>
-            <a:lumOff val="0"/>
-            <a:alphaOff val="0"/>
           </a:schemeClr>
         </a:solidFill>
         <a:ln w="10000" cap="flat" cmpd="sng" algn="ctr">
           <a:solidFill>
             <a:schemeClr val="accent1">
+              <a:alpha val="90000"/>
+              <a:tint val="40000"/>
               <a:hueOff val="0"/>
               <a:satOff val="0"/>
               <a:lumOff val="0"/>
@@ -3994,7 +6902,7 @@
           <a:camera prst="orthographicFront"/>
           <a:lightRig rig="flat" dir="t"/>
         </a:scene3d>
-        <a:sp3d z="190500" extrusionH="12700" prstMaterial="plastic">
+        <a:sp3d extrusionH="12700" prstMaterial="plastic">
           <a:bevelT w="50800" h="50800"/>
         </a:sp3d>
       </dsp:spPr>
@@ -4010,16 +6918,49 @@
         </a:effectRef>
         <a:fontRef idx="minor"/>
       </dsp:style>
+      <dsp:txBody>
+        <a:bodyPr spcFirstLastPara="0" vert="horz" wrap="square" lIns="247650" tIns="123825" rIns="247650" bIns="123825" numCol="1" spcCol="1270" anchor="ctr" anchorCtr="0">
+          <a:noAutofit/>
+        </a:bodyPr>
+        <a:lstStyle/>
+        <a:p>
+          <a:pPr marL="171450" lvl="1" indent="-171450" algn="l" defTabSz="711200">
+            <a:lnSpc>
+              <a:spcPct val="90000"/>
+            </a:lnSpc>
+            <a:spcBef>
+              <a:spcPct val="0"/>
+            </a:spcBef>
+            <a:spcAft>
+              <a:spcPct val="15000"/>
+            </a:spcAft>
+            <a:buChar char="••"/>
+          </a:pPr>
+          <a:r>
+            <a:rPr lang="pt-BR" sz="1600" kern="1200" dirty="0" smtClean="0"/>
+            <a:t>Montar um espécie de laboratório tecnológico com foco nas pesquisa das </a:t>
+          </a:r>
+          <a:r>
+            <a:rPr lang="pt-BR" sz="1600" kern="1200" dirty="0" err="1" smtClean="0"/>
+            <a:t>TICs</a:t>
+          </a:r>
+          <a:endParaRPr lang="pt-BR" sz="1600" kern="1200" dirty="0"/>
+        </a:p>
+      </dsp:txBody>
+      <dsp:txXfrm rot="5400000">
+        <a:off x="5471223" y="1199170"/>
+        <a:ext cx="871601" cy="5559552"/>
+      </dsp:txXfrm>
     </dsp:sp>
-    <dsp:sp modelId="{6C17C5F1-150A-491F-92CE-A1BE931BB55D}">
+    <dsp:sp modelId="{F985ABD3-DA1F-4E90-952D-1C16820F198E}">
       <dsp:nvSpPr>
         <dsp:cNvPr id="0" name=""/>
         <dsp:cNvSpPr/>
       </dsp:nvSpPr>
       <dsp:spPr>
         <a:xfrm>
-          <a:off x="434340" y="2754299"/>
-          <a:ext cx="6080760" cy="590400"/>
+          <a:off x="0" y="3434195"/>
+          <a:ext cx="3127248" cy="1089501"/>
         </a:xfrm>
         <a:prstGeom prst="roundRect">
           <a:avLst/>
@@ -4129,6 +7070,179 @@
         </a:fontRef>
       </dsp:style>
       <dsp:txBody>
+        <a:bodyPr spcFirstLastPara="0" vert="horz" wrap="square" lIns="68580" tIns="34290" rIns="68580" bIns="34290" numCol="1" spcCol="1270" anchor="ctr" anchorCtr="0">
+          <a:noAutofit/>
+        </a:bodyPr>
+        <a:lstStyle/>
+        <a:p>
+          <a:pPr lvl="0" algn="ctr" defTabSz="800100">
+            <a:lnSpc>
+              <a:spcPct val="90000"/>
+            </a:lnSpc>
+            <a:spcBef>
+              <a:spcPct val="0"/>
+            </a:spcBef>
+            <a:spcAft>
+              <a:spcPct val="35000"/>
+            </a:spcAft>
+          </a:pPr>
+          <a:r>
+            <a:rPr lang="pt-BR" sz="1800" b="1" kern="1200" dirty="0" smtClean="0">
+              <a:solidFill>
+                <a:srgbClr val="7030A0"/>
+              </a:solidFill>
+            </a:rPr>
+            <a:t>Finalidade</a:t>
+          </a:r>
+          <a:endParaRPr lang="pt-BR" sz="1800" b="1" kern="1200" dirty="0">
+            <a:solidFill>
+              <a:srgbClr val="7030A0"/>
+            </a:solidFill>
+          </a:endParaRPr>
+        </a:p>
+      </dsp:txBody>
+      <dsp:txXfrm>
+        <a:off x="0" y="3434195"/>
+        <a:ext cx="3127248" cy="1089501"/>
+      </dsp:txXfrm>
+    </dsp:sp>
+  </dsp:spTree>
+</dsp:drawing>
+</file>
+
+<file path=ppt/diagrams/drawing2.xml><?xml version="1.0" encoding="utf-8"?>
+<dsp:drawing xmlns:dgm="http://schemas.openxmlformats.org/drawingml/2006/diagram" xmlns:a="http://schemas.openxmlformats.org/drawingml/2006/main" xmlns:dsp="http://schemas.microsoft.com/office/drawing/2008/diagram">
+  <dsp:spTree>
+    <dsp:nvGrpSpPr>
+      <dsp:cNvPr id="0" name=""/>
+      <dsp:cNvGrpSpPr/>
+    </dsp:nvGrpSpPr>
+    <dsp:grpSpPr/>
+    <dsp:sp modelId="{AA8514B8-7EBB-4287-ACDB-81BB8EE3A65E}">
+      <dsp:nvSpPr>
+        <dsp:cNvPr id="0" name=""/>
+        <dsp:cNvSpPr/>
+      </dsp:nvSpPr>
+      <dsp:spPr>
+        <a:xfrm>
+          <a:off x="0" y="327899"/>
+          <a:ext cx="8686800" cy="504000"/>
+        </a:xfrm>
+        <a:prstGeom prst="rect">
+          <a:avLst/>
+        </a:prstGeom>
+        <a:gradFill rotWithShape="1">
+          <a:gsLst>
+            <a:gs pos="0">
+              <a:schemeClr val="accent6">
+                <a:tint val="30000"/>
+                <a:satMod val="250000"/>
+              </a:schemeClr>
+            </a:gs>
+            <a:gs pos="72000">
+              <a:schemeClr val="accent6">
+                <a:tint val="75000"/>
+                <a:satMod val="210000"/>
+              </a:schemeClr>
+            </a:gs>
+            <a:gs pos="100000">
+              <a:schemeClr val="accent6">
+                <a:tint val="85000"/>
+                <a:satMod val="210000"/>
+              </a:schemeClr>
+            </a:gs>
+          </a:gsLst>
+          <a:lin ang="5400000" scaled="1"/>
+        </a:gradFill>
+        <a:ln w="10000" cap="flat" cmpd="sng" algn="ctr">
+          <a:solidFill>
+            <a:schemeClr val="accent6"/>
+          </a:solidFill>
+          <a:prstDash val="solid"/>
+        </a:ln>
+        <a:effectLst>
+          <a:outerShdw blurRad="76200" dist="50800" dir="5400000" rotWithShape="0">
+            <a:srgbClr val="4E3B30">
+              <a:alpha val="60000"/>
+            </a:srgbClr>
+          </a:outerShdw>
+        </a:effectLst>
+        <a:scene3d>
+          <a:camera prst="orthographicFront"/>
+          <a:lightRig rig="flat" dir="t"/>
+        </a:scene3d>
+        <a:sp3d z="190500" extrusionH="12700"/>
+      </dsp:spPr>
+      <dsp:style>
+        <a:lnRef idx="1">
+          <a:schemeClr val="accent6"/>
+        </a:lnRef>
+        <a:fillRef idx="2">
+          <a:schemeClr val="accent6"/>
+        </a:fillRef>
+        <a:effectRef idx="1">
+          <a:schemeClr val="accent6"/>
+        </a:effectRef>
+        <a:fontRef idx="minor">
+          <a:schemeClr val="dk1"/>
+        </a:fontRef>
+      </dsp:style>
+    </dsp:sp>
+    <dsp:sp modelId="{B171C0C5-1265-474F-9A24-5267C4DEA6BB}">
+      <dsp:nvSpPr>
+        <dsp:cNvPr id="0" name=""/>
+        <dsp:cNvSpPr/>
+      </dsp:nvSpPr>
+      <dsp:spPr>
+        <a:xfrm>
+          <a:off x="434340" y="32699"/>
+          <a:ext cx="6080760" cy="590400"/>
+        </a:xfrm>
+        <a:prstGeom prst="roundRect">
+          <a:avLst/>
+        </a:prstGeom>
+        <a:solidFill>
+          <a:schemeClr val="accent6">
+            <a:lumMod val="40000"/>
+            <a:lumOff val="60000"/>
+          </a:schemeClr>
+        </a:solidFill>
+        <a:ln w="10000" cap="flat" cmpd="sng" algn="ctr">
+          <a:solidFill>
+            <a:schemeClr val="accent3"/>
+          </a:solidFill>
+          <a:prstDash val="solid"/>
+        </a:ln>
+        <a:effectLst>
+          <a:outerShdw blurRad="76200" dist="50800" dir="5400000" rotWithShape="0">
+            <a:srgbClr val="4E3B30">
+              <a:alpha val="60000"/>
+            </a:srgbClr>
+          </a:outerShdw>
+        </a:effectLst>
+        <a:scene3d>
+          <a:camera prst="orthographicFront"/>
+          <a:lightRig rig="flat" dir="t"/>
+        </a:scene3d>
+        <a:sp3d prstMaterial="metal">
+          <a:bevelT w="10000" h="10000"/>
+        </a:sp3d>
+      </dsp:spPr>
+      <dsp:style>
+        <a:lnRef idx="1">
+          <a:schemeClr val="accent3"/>
+        </a:lnRef>
+        <a:fillRef idx="3">
+          <a:schemeClr val="accent3"/>
+        </a:fillRef>
+        <a:effectRef idx="2">
+          <a:schemeClr val="accent3"/>
+        </a:effectRef>
+        <a:fontRef idx="minor">
+          <a:schemeClr val="lt1"/>
+        </a:fontRef>
+      </dsp:style>
+      <dsp:txBody>
         <a:bodyPr spcFirstLastPara="0" vert="horz" wrap="square" lIns="229838" tIns="0" rIns="229838" bIns="0" numCol="1" spcCol="1270" anchor="ctr" anchorCtr="0">
           <a:noAutofit/>
         </a:bodyPr>
@@ -4146,7 +7260,490 @@
             </a:spcAft>
           </a:pPr>
           <a:r>
-            <a:rPr lang="pt-BR" sz="2000" b="1" kern="1200" dirty="0" smtClean="0">
+            <a:rPr lang="pt-BR" sz="2000" b="1" kern="1200" smtClean="0">
+              <a:solidFill>
+                <a:srgbClr val="7030A0"/>
+              </a:solidFill>
+            </a:rPr>
+            <a:t>Dinamização de registro de atividades</a:t>
+          </a:r>
+          <a:endParaRPr lang="pt-BR" sz="2000" b="1" kern="1200" dirty="0">
+            <a:solidFill>
+              <a:srgbClr val="7030A0"/>
+            </a:solidFill>
+          </a:endParaRPr>
+        </a:p>
+      </dsp:txBody>
+      <dsp:txXfrm>
+        <a:off x="434340" y="32699"/>
+        <a:ext cx="6080760" cy="590400"/>
+      </dsp:txXfrm>
+    </dsp:sp>
+    <dsp:sp modelId="{122429B3-75B2-4400-B819-CC67C8478699}">
+      <dsp:nvSpPr>
+        <dsp:cNvPr id="0" name=""/>
+        <dsp:cNvSpPr/>
+      </dsp:nvSpPr>
+      <dsp:spPr>
+        <a:xfrm>
+          <a:off x="0" y="1235099"/>
+          <a:ext cx="8686800" cy="504000"/>
+        </a:xfrm>
+        <a:prstGeom prst="rect">
+          <a:avLst/>
+        </a:prstGeom>
+        <a:gradFill rotWithShape="1">
+          <a:gsLst>
+            <a:gs pos="0">
+              <a:schemeClr val="accent6">
+                <a:tint val="30000"/>
+                <a:satMod val="250000"/>
+              </a:schemeClr>
+            </a:gs>
+            <a:gs pos="72000">
+              <a:schemeClr val="accent6">
+                <a:tint val="75000"/>
+                <a:satMod val="210000"/>
+              </a:schemeClr>
+            </a:gs>
+            <a:gs pos="100000">
+              <a:schemeClr val="accent6">
+                <a:tint val="85000"/>
+                <a:satMod val="210000"/>
+              </a:schemeClr>
+            </a:gs>
+          </a:gsLst>
+          <a:lin ang="5400000" scaled="1"/>
+        </a:gradFill>
+        <a:ln w="10000" cap="flat" cmpd="sng" algn="ctr">
+          <a:solidFill>
+            <a:schemeClr val="accent6"/>
+          </a:solidFill>
+          <a:prstDash val="solid"/>
+        </a:ln>
+        <a:effectLst>
+          <a:outerShdw blurRad="76200" dist="50800" dir="5400000" rotWithShape="0">
+            <a:srgbClr val="4E3B30">
+              <a:alpha val="60000"/>
+            </a:srgbClr>
+          </a:outerShdw>
+        </a:effectLst>
+        <a:scene3d>
+          <a:camera prst="orthographicFront"/>
+          <a:lightRig rig="flat" dir="t"/>
+        </a:scene3d>
+        <a:sp3d z="190500" extrusionH="12700"/>
+      </dsp:spPr>
+      <dsp:style>
+        <a:lnRef idx="1">
+          <a:schemeClr val="accent6"/>
+        </a:lnRef>
+        <a:fillRef idx="2">
+          <a:schemeClr val="accent6"/>
+        </a:fillRef>
+        <a:effectRef idx="1">
+          <a:schemeClr val="accent6"/>
+        </a:effectRef>
+        <a:fontRef idx="minor">
+          <a:schemeClr val="dk1"/>
+        </a:fontRef>
+      </dsp:style>
+    </dsp:sp>
+    <dsp:sp modelId="{9939078C-FCDB-4354-9260-A7140D211969}">
+      <dsp:nvSpPr>
+        <dsp:cNvPr id="0" name=""/>
+        <dsp:cNvSpPr/>
+      </dsp:nvSpPr>
+      <dsp:spPr>
+        <a:xfrm>
+          <a:off x="434340" y="939899"/>
+          <a:ext cx="6080760" cy="590400"/>
+        </a:xfrm>
+        <a:prstGeom prst="roundRect">
+          <a:avLst/>
+        </a:prstGeom>
+        <a:solidFill>
+          <a:schemeClr val="accent6">
+            <a:lumMod val="40000"/>
+            <a:lumOff val="60000"/>
+          </a:schemeClr>
+        </a:solidFill>
+        <a:ln w="10000" cap="flat" cmpd="sng" algn="ctr">
+          <a:solidFill>
+            <a:schemeClr val="accent3"/>
+          </a:solidFill>
+          <a:prstDash val="solid"/>
+        </a:ln>
+        <a:effectLst>
+          <a:outerShdw blurRad="76200" dist="50800" dir="5400000" rotWithShape="0">
+            <a:srgbClr val="4E3B30">
+              <a:alpha val="60000"/>
+            </a:srgbClr>
+          </a:outerShdw>
+        </a:effectLst>
+        <a:scene3d>
+          <a:camera prst="orthographicFront"/>
+          <a:lightRig rig="flat" dir="t"/>
+        </a:scene3d>
+        <a:sp3d prstMaterial="metal">
+          <a:bevelT w="10000" h="10000"/>
+        </a:sp3d>
+      </dsp:spPr>
+      <dsp:style>
+        <a:lnRef idx="1">
+          <a:schemeClr val="accent3"/>
+        </a:lnRef>
+        <a:fillRef idx="3">
+          <a:schemeClr val="accent3"/>
+        </a:fillRef>
+        <a:effectRef idx="2">
+          <a:schemeClr val="accent3"/>
+        </a:effectRef>
+        <a:fontRef idx="minor">
+          <a:schemeClr val="lt1"/>
+        </a:fontRef>
+      </dsp:style>
+      <dsp:txBody>
+        <a:bodyPr spcFirstLastPara="0" vert="horz" wrap="square" lIns="229838" tIns="0" rIns="229838" bIns="0" numCol="1" spcCol="1270" anchor="ctr" anchorCtr="0">
+          <a:noAutofit/>
+        </a:bodyPr>
+        <a:lstStyle/>
+        <a:p>
+          <a:pPr lvl="0" algn="l" defTabSz="889000">
+            <a:lnSpc>
+              <a:spcPct val="90000"/>
+            </a:lnSpc>
+            <a:spcBef>
+              <a:spcPct val="0"/>
+            </a:spcBef>
+            <a:spcAft>
+              <a:spcPct val="35000"/>
+            </a:spcAft>
+          </a:pPr>
+          <a:r>
+            <a:rPr lang="pt-BR" sz="2000" b="1" kern="1200" smtClean="0">
+              <a:solidFill>
+                <a:srgbClr val="7030A0"/>
+              </a:solidFill>
+            </a:rPr>
+            <a:t> Acesso web em dispositivos moveis</a:t>
+          </a:r>
+          <a:endParaRPr lang="pt-BR" sz="2000" b="1" kern="1200" dirty="0">
+            <a:solidFill>
+              <a:srgbClr val="7030A0"/>
+            </a:solidFill>
+          </a:endParaRPr>
+        </a:p>
+      </dsp:txBody>
+      <dsp:txXfrm>
+        <a:off x="434340" y="939899"/>
+        <a:ext cx="6080760" cy="590400"/>
+      </dsp:txXfrm>
+    </dsp:sp>
+    <dsp:sp modelId="{06A3C85D-CDEB-4A13-9986-AD53F22D8EA9}">
+      <dsp:nvSpPr>
+        <dsp:cNvPr id="0" name=""/>
+        <dsp:cNvSpPr/>
+      </dsp:nvSpPr>
+      <dsp:spPr>
+        <a:xfrm>
+          <a:off x="0" y="2142299"/>
+          <a:ext cx="8686800" cy="504000"/>
+        </a:xfrm>
+        <a:prstGeom prst="rect">
+          <a:avLst/>
+        </a:prstGeom>
+        <a:gradFill rotWithShape="1">
+          <a:gsLst>
+            <a:gs pos="0">
+              <a:schemeClr val="accent6">
+                <a:tint val="30000"/>
+                <a:satMod val="250000"/>
+              </a:schemeClr>
+            </a:gs>
+            <a:gs pos="72000">
+              <a:schemeClr val="accent6">
+                <a:tint val="75000"/>
+                <a:satMod val="210000"/>
+              </a:schemeClr>
+            </a:gs>
+            <a:gs pos="100000">
+              <a:schemeClr val="accent6">
+                <a:tint val="85000"/>
+                <a:satMod val="210000"/>
+              </a:schemeClr>
+            </a:gs>
+          </a:gsLst>
+          <a:lin ang="5400000" scaled="1"/>
+        </a:gradFill>
+        <a:ln w="10000" cap="flat" cmpd="sng" algn="ctr">
+          <a:solidFill>
+            <a:schemeClr val="accent6"/>
+          </a:solidFill>
+          <a:prstDash val="solid"/>
+        </a:ln>
+        <a:effectLst>
+          <a:outerShdw blurRad="76200" dist="50800" dir="5400000" rotWithShape="0">
+            <a:srgbClr val="4E3B30">
+              <a:alpha val="60000"/>
+            </a:srgbClr>
+          </a:outerShdw>
+        </a:effectLst>
+        <a:scene3d>
+          <a:camera prst="orthographicFront"/>
+          <a:lightRig rig="flat" dir="t"/>
+        </a:scene3d>
+        <a:sp3d z="190500" extrusionH="12700"/>
+      </dsp:spPr>
+      <dsp:style>
+        <a:lnRef idx="1">
+          <a:schemeClr val="accent6"/>
+        </a:lnRef>
+        <a:fillRef idx="2">
+          <a:schemeClr val="accent6"/>
+        </a:fillRef>
+        <a:effectRef idx="1">
+          <a:schemeClr val="accent6"/>
+        </a:effectRef>
+        <a:fontRef idx="minor">
+          <a:schemeClr val="dk1"/>
+        </a:fontRef>
+      </dsp:style>
+    </dsp:sp>
+    <dsp:sp modelId="{D78DBF14-3A29-4E42-B56E-7380E92A6552}">
+      <dsp:nvSpPr>
+        <dsp:cNvPr id="0" name=""/>
+        <dsp:cNvSpPr/>
+      </dsp:nvSpPr>
+      <dsp:spPr>
+        <a:xfrm>
+          <a:off x="434340" y="1847099"/>
+          <a:ext cx="6080760" cy="590400"/>
+        </a:xfrm>
+        <a:prstGeom prst="roundRect">
+          <a:avLst/>
+        </a:prstGeom>
+        <a:solidFill>
+          <a:schemeClr val="accent6">
+            <a:lumMod val="40000"/>
+            <a:lumOff val="60000"/>
+          </a:schemeClr>
+        </a:solidFill>
+        <a:ln w="10000" cap="flat" cmpd="sng" algn="ctr">
+          <a:solidFill>
+            <a:schemeClr val="accent3"/>
+          </a:solidFill>
+          <a:prstDash val="solid"/>
+        </a:ln>
+        <a:effectLst>
+          <a:outerShdw blurRad="76200" dist="50800" dir="5400000" rotWithShape="0">
+            <a:srgbClr val="4E3B30">
+              <a:alpha val="60000"/>
+            </a:srgbClr>
+          </a:outerShdw>
+        </a:effectLst>
+        <a:scene3d>
+          <a:camera prst="orthographicFront"/>
+          <a:lightRig rig="flat" dir="t"/>
+        </a:scene3d>
+        <a:sp3d prstMaterial="metal">
+          <a:bevelT w="10000" h="10000"/>
+        </a:sp3d>
+      </dsp:spPr>
+      <dsp:style>
+        <a:lnRef idx="1">
+          <a:schemeClr val="accent3"/>
+        </a:lnRef>
+        <a:fillRef idx="3">
+          <a:schemeClr val="accent3"/>
+        </a:fillRef>
+        <a:effectRef idx="2">
+          <a:schemeClr val="accent3"/>
+        </a:effectRef>
+        <a:fontRef idx="minor">
+          <a:schemeClr val="lt1"/>
+        </a:fontRef>
+      </dsp:style>
+      <dsp:txBody>
+        <a:bodyPr spcFirstLastPara="0" vert="horz" wrap="square" lIns="229838" tIns="0" rIns="229838" bIns="0" numCol="1" spcCol="1270" anchor="ctr" anchorCtr="0">
+          <a:noAutofit/>
+        </a:bodyPr>
+        <a:lstStyle/>
+        <a:p>
+          <a:pPr lvl="0" algn="l" defTabSz="889000">
+            <a:lnSpc>
+              <a:spcPct val="90000"/>
+            </a:lnSpc>
+            <a:spcBef>
+              <a:spcPct val="0"/>
+            </a:spcBef>
+            <a:spcAft>
+              <a:spcPct val="35000"/>
+            </a:spcAft>
+          </a:pPr>
+          <a:r>
+            <a:rPr lang="pt-BR" sz="2000" b="1" kern="1200" smtClean="0">
+              <a:solidFill>
+                <a:srgbClr val="7030A0"/>
+              </a:solidFill>
+            </a:rPr>
+            <a:t>Trabalho em grupo em ambiente multiusuário</a:t>
+          </a:r>
+          <a:endParaRPr lang="pt-BR" sz="2000" b="1" kern="1200" dirty="0">
+            <a:solidFill>
+              <a:srgbClr val="7030A0"/>
+            </a:solidFill>
+          </a:endParaRPr>
+        </a:p>
+      </dsp:txBody>
+      <dsp:txXfrm>
+        <a:off x="434340" y="1847099"/>
+        <a:ext cx="6080760" cy="590400"/>
+      </dsp:txXfrm>
+    </dsp:sp>
+    <dsp:sp modelId="{BC58E8B0-740A-43C6-B230-1401E78D7A5B}">
+      <dsp:nvSpPr>
+        <dsp:cNvPr id="0" name=""/>
+        <dsp:cNvSpPr/>
+      </dsp:nvSpPr>
+      <dsp:spPr>
+        <a:xfrm>
+          <a:off x="0" y="3049499"/>
+          <a:ext cx="8686800" cy="504000"/>
+        </a:xfrm>
+        <a:prstGeom prst="rect">
+          <a:avLst/>
+        </a:prstGeom>
+        <a:gradFill rotWithShape="1">
+          <a:gsLst>
+            <a:gs pos="0">
+              <a:schemeClr val="accent6">
+                <a:tint val="30000"/>
+                <a:satMod val="250000"/>
+              </a:schemeClr>
+            </a:gs>
+            <a:gs pos="72000">
+              <a:schemeClr val="accent6">
+                <a:tint val="75000"/>
+                <a:satMod val="210000"/>
+              </a:schemeClr>
+            </a:gs>
+            <a:gs pos="100000">
+              <a:schemeClr val="accent6">
+                <a:tint val="85000"/>
+                <a:satMod val="210000"/>
+              </a:schemeClr>
+            </a:gs>
+          </a:gsLst>
+          <a:lin ang="5400000" scaled="1"/>
+        </a:gradFill>
+        <a:ln w="10000" cap="flat" cmpd="sng" algn="ctr">
+          <a:solidFill>
+            <a:schemeClr val="accent6"/>
+          </a:solidFill>
+          <a:prstDash val="solid"/>
+        </a:ln>
+        <a:effectLst>
+          <a:outerShdw blurRad="76200" dist="50800" dir="5400000" rotWithShape="0">
+            <a:srgbClr val="4E3B30">
+              <a:alpha val="60000"/>
+            </a:srgbClr>
+          </a:outerShdw>
+        </a:effectLst>
+        <a:scene3d>
+          <a:camera prst="orthographicFront"/>
+          <a:lightRig rig="flat" dir="t"/>
+        </a:scene3d>
+        <a:sp3d z="190500" extrusionH="12700"/>
+      </dsp:spPr>
+      <dsp:style>
+        <a:lnRef idx="1">
+          <a:schemeClr val="accent6"/>
+        </a:lnRef>
+        <a:fillRef idx="2">
+          <a:schemeClr val="accent6"/>
+        </a:fillRef>
+        <a:effectRef idx="1">
+          <a:schemeClr val="accent6"/>
+        </a:effectRef>
+        <a:fontRef idx="minor">
+          <a:schemeClr val="dk1"/>
+        </a:fontRef>
+      </dsp:style>
+    </dsp:sp>
+    <dsp:sp modelId="{6C17C5F1-150A-491F-92CE-A1BE931BB55D}">
+      <dsp:nvSpPr>
+        <dsp:cNvPr id="0" name=""/>
+        <dsp:cNvSpPr/>
+      </dsp:nvSpPr>
+      <dsp:spPr>
+        <a:xfrm>
+          <a:off x="434340" y="2754299"/>
+          <a:ext cx="6080760" cy="590400"/>
+        </a:xfrm>
+        <a:prstGeom prst="roundRect">
+          <a:avLst/>
+        </a:prstGeom>
+        <a:solidFill>
+          <a:schemeClr val="accent6">
+            <a:lumMod val="40000"/>
+            <a:lumOff val="60000"/>
+          </a:schemeClr>
+        </a:solidFill>
+        <a:ln w="10000" cap="flat" cmpd="sng" algn="ctr">
+          <a:solidFill>
+            <a:schemeClr val="accent3"/>
+          </a:solidFill>
+          <a:prstDash val="solid"/>
+        </a:ln>
+        <a:effectLst>
+          <a:outerShdw blurRad="76200" dist="50800" dir="5400000" rotWithShape="0">
+            <a:srgbClr val="4E3B30">
+              <a:alpha val="60000"/>
+            </a:srgbClr>
+          </a:outerShdw>
+        </a:effectLst>
+        <a:scene3d>
+          <a:camera prst="orthographicFront"/>
+          <a:lightRig rig="flat" dir="t"/>
+        </a:scene3d>
+        <a:sp3d prstMaterial="metal">
+          <a:bevelT w="10000" h="10000"/>
+        </a:sp3d>
+      </dsp:spPr>
+      <dsp:style>
+        <a:lnRef idx="1">
+          <a:schemeClr val="accent3"/>
+        </a:lnRef>
+        <a:fillRef idx="3">
+          <a:schemeClr val="accent3"/>
+        </a:fillRef>
+        <a:effectRef idx="2">
+          <a:schemeClr val="accent3"/>
+        </a:effectRef>
+        <a:fontRef idx="minor">
+          <a:schemeClr val="lt1"/>
+        </a:fontRef>
+      </dsp:style>
+      <dsp:txBody>
+        <a:bodyPr spcFirstLastPara="0" vert="horz" wrap="square" lIns="229838" tIns="0" rIns="229838" bIns="0" numCol="1" spcCol="1270" anchor="ctr" anchorCtr="0">
+          <a:noAutofit/>
+        </a:bodyPr>
+        <a:lstStyle/>
+        <a:p>
+          <a:pPr lvl="0" algn="l" defTabSz="889000">
+            <a:lnSpc>
+              <a:spcPct val="90000"/>
+            </a:lnSpc>
+            <a:spcBef>
+              <a:spcPct val="0"/>
+            </a:spcBef>
+            <a:spcAft>
+              <a:spcPct val="35000"/>
+            </a:spcAft>
+          </a:pPr>
+          <a:r>
+            <a:rPr lang="pt-BR" sz="2000" b="1" kern="1200" smtClean="0">
               <a:solidFill>
                 <a:srgbClr val="7030A0"/>
               </a:solidFill>
@@ -4178,23 +7775,32 @@
         <a:prstGeom prst="rect">
           <a:avLst/>
         </a:prstGeom>
-        <a:solidFill>
-          <a:schemeClr val="lt1">
-            <a:alpha val="90000"/>
-            <a:hueOff val="0"/>
-            <a:satOff val="0"/>
-            <a:lumOff val="0"/>
-            <a:alphaOff val="0"/>
-          </a:schemeClr>
-        </a:solidFill>
+        <a:gradFill rotWithShape="1">
+          <a:gsLst>
+            <a:gs pos="0">
+              <a:schemeClr val="accent6">
+                <a:tint val="30000"/>
+                <a:satMod val="250000"/>
+              </a:schemeClr>
+            </a:gs>
+            <a:gs pos="72000">
+              <a:schemeClr val="accent6">
+                <a:tint val="75000"/>
+                <a:satMod val="210000"/>
+              </a:schemeClr>
+            </a:gs>
+            <a:gs pos="100000">
+              <a:schemeClr val="accent6">
+                <a:tint val="85000"/>
+                <a:satMod val="210000"/>
+              </a:schemeClr>
+            </a:gs>
+          </a:gsLst>
+          <a:lin ang="5400000" scaled="1"/>
+        </a:gradFill>
         <a:ln w="10000" cap="flat" cmpd="sng" algn="ctr">
           <a:solidFill>
-            <a:schemeClr val="accent1">
-              <a:hueOff val="0"/>
-              <a:satOff val="0"/>
-              <a:lumOff val="0"/>
-              <a:alphaOff val="0"/>
-            </a:schemeClr>
+            <a:schemeClr val="accent6"/>
           </a:solidFill>
           <a:prstDash val="solid"/>
         </a:ln>
@@ -4209,21 +7815,21 @@
           <a:camera prst="orthographicFront"/>
           <a:lightRig rig="flat" dir="t"/>
         </a:scene3d>
-        <a:sp3d z="190500" extrusionH="12700" prstMaterial="plastic">
-          <a:bevelT w="50800" h="50800"/>
-        </a:sp3d>
+        <a:sp3d z="190500" extrusionH="12700"/>
       </dsp:spPr>
       <dsp:style>
         <a:lnRef idx="1">
-          <a:scrgbClr r="0" g="0" b="0"/>
+          <a:schemeClr val="accent6"/>
         </a:lnRef>
-        <a:fillRef idx="1">
-          <a:scrgbClr r="0" g="0" b="0"/>
+        <a:fillRef idx="2">
+          <a:schemeClr val="accent6"/>
         </a:fillRef>
-        <a:effectRef idx="2">
-          <a:scrgbClr r="0" g="0" b="0"/>
+        <a:effectRef idx="1">
+          <a:schemeClr val="accent6"/>
         </a:effectRef>
-        <a:fontRef idx="minor"/>
+        <a:fontRef idx="minor">
+          <a:schemeClr val="dk1"/>
+        </a:fontRef>
       </dsp:style>
     </dsp:sp>
     <dsp:sp modelId="{231A70AB-9760-4FFF-B875-5D31C52D60AE}">
@@ -4239,79 +7845,17 @@
         <a:prstGeom prst="roundRect">
           <a:avLst/>
         </a:prstGeom>
-        <a:gradFill rotWithShape="0">
-          <a:gsLst>
-            <a:gs pos="0">
-              <a:schemeClr val="accent1">
-                <a:hueOff val="0"/>
-                <a:satOff val="0"/>
-                <a:lumOff val="0"/>
-                <a:alphaOff val="0"/>
-                <a:tint val="75000"/>
-                <a:shade val="85000"/>
-                <a:satMod val="230000"/>
-              </a:schemeClr>
-            </a:gs>
-            <a:gs pos="25000">
-              <a:schemeClr val="accent1">
-                <a:hueOff val="0"/>
-                <a:satOff val="0"/>
-                <a:lumOff val="0"/>
-                <a:alphaOff val="0"/>
-                <a:tint val="90000"/>
-                <a:shade val="70000"/>
-                <a:satMod val="220000"/>
-              </a:schemeClr>
-            </a:gs>
-            <a:gs pos="50000">
-              <a:schemeClr val="accent1">
-                <a:hueOff val="0"/>
-                <a:satOff val="0"/>
-                <a:lumOff val="0"/>
-                <a:alphaOff val="0"/>
-                <a:tint val="90000"/>
-                <a:shade val="58000"/>
-                <a:satMod val="225000"/>
-              </a:schemeClr>
-            </a:gs>
-            <a:gs pos="65000">
-              <a:schemeClr val="accent1">
-                <a:hueOff val="0"/>
-                <a:satOff val="0"/>
-                <a:lumOff val="0"/>
-                <a:alphaOff val="0"/>
-                <a:tint val="90000"/>
-                <a:shade val="58000"/>
-                <a:satMod val="225000"/>
-              </a:schemeClr>
-            </a:gs>
-            <a:gs pos="80000">
-              <a:schemeClr val="accent1">
-                <a:hueOff val="0"/>
-                <a:satOff val="0"/>
-                <a:lumOff val="0"/>
-                <a:alphaOff val="0"/>
-                <a:tint val="90000"/>
-                <a:shade val="69000"/>
-                <a:satMod val="220000"/>
-              </a:schemeClr>
-            </a:gs>
-            <a:gs pos="100000">
-              <a:schemeClr val="accent1">
-                <a:hueOff val="0"/>
-                <a:satOff val="0"/>
-                <a:lumOff val="0"/>
-                <a:alphaOff val="0"/>
-                <a:tint val="77000"/>
-                <a:shade val="80000"/>
-                <a:satMod val="230000"/>
-              </a:schemeClr>
-            </a:gs>
-          </a:gsLst>
-          <a:lin ang="5400000" scaled="1"/>
-        </a:gradFill>
-        <a:ln>
-          <a:noFill/>
+        <a:solidFill>
+          <a:schemeClr val="accent6">
+            <a:lumMod val="40000"/>
+            <a:lumOff val="60000"/>
+          </a:schemeClr>
+        </a:solidFill>
+        <a:ln w="10000" cap="flat" cmpd="sng" algn="ctr">
+          <a:solidFill>
+            <a:schemeClr val="accent3"/>
+          </a:solidFill>
+          <a:prstDash val="solid"/>
         </a:ln>
         <a:effectLst>
           <a:outerShdw blurRad="76200" dist="50800" dir="5400000" rotWithShape="0">
@@ -4324,20 +7868,19 @@
           <a:camera prst="orthographicFront"/>
           <a:lightRig rig="flat" dir="t"/>
         </a:scene3d>
-        <a:sp3d prstMaterial="plastic">
-          <a:bevelT w="120900" h="88900"/>
-          <a:bevelB w="88900" h="31750" prst="angle"/>
+        <a:sp3d prstMaterial="metal">
+          <a:bevelT w="10000" h="10000"/>
         </a:sp3d>
       </dsp:spPr>
       <dsp:style>
-        <a:lnRef idx="0">
-          <a:scrgbClr r="0" g="0" b="0"/>
+        <a:lnRef idx="1">
+          <a:schemeClr val="accent3"/>
         </a:lnRef>
         <a:fillRef idx="3">
-          <a:scrgbClr r="0" g="0" b="0"/>
+          <a:schemeClr val="accent3"/>
         </a:fillRef>
         <a:effectRef idx="2">
-          <a:scrgbClr r="0" g="0" b="0"/>
+          <a:schemeClr val="accent3"/>
         </a:effectRef>
         <a:fontRef idx="minor">
           <a:schemeClr val="lt1"/>
@@ -4361,7 +7904,7 @@
             </a:spcAft>
           </a:pPr>
           <a:r>
-            <a:rPr lang="pt-BR" sz="2000" b="1" kern="1200" dirty="0" smtClean="0">
+            <a:rPr lang="pt-BR" sz="2000" b="1" kern="1200" smtClean="0">
               <a:solidFill>
                 <a:srgbClr val="7030A0"/>
               </a:solidFill>
@@ -4393,23 +7936,32 @@
         <a:prstGeom prst="rect">
           <a:avLst/>
         </a:prstGeom>
-        <a:solidFill>
-          <a:schemeClr val="lt1">
-            <a:alpha val="90000"/>
-            <a:hueOff val="0"/>
-            <a:satOff val="0"/>
-            <a:lumOff val="0"/>
-            <a:alphaOff val="0"/>
-          </a:schemeClr>
-        </a:solidFill>
+        <a:gradFill rotWithShape="1">
+          <a:gsLst>
+            <a:gs pos="0">
+              <a:schemeClr val="accent6">
+                <a:tint val="30000"/>
+                <a:satMod val="250000"/>
+              </a:schemeClr>
+            </a:gs>
+            <a:gs pos="72000">
+              <a:schemeClr val="accent6">
+                <a:tint val="75000"/>
+                <a:satMod val="210000"/>
+              </a:schemeClr>
+            </a:gs>
+            <a:gs pos="100000">
+              <a:schemeClr val="accent6">
+                <a:tint val="85000"/>
+                <a:satMod val="210000"/>
+              </a:schemeClr>
+            </a:gs>
+          </a:gsLst>
+          <a:lin ang="5400000" scaled="1"/>
+        </a:gradFill>
         <a:ln w="10000" cap="flat" cmpd="sng" algn="ctr">
           <a:solidFill>
-            <a:schemeClr val="accent1">
-              <a:hueOff val="0"/>
-              <a:satOff val="0"/>
-              <a:lumOff val="0"/>
-              <a:alphaOff val="0"/>
-            </a:schemeClr>
+            <a:schemeClr val="accent6"/>
           </a:solidFill>
           <a:prstDash val="solid"/>
         </a:ln>
@@ -4424,21 +7976,21 @@
           <a:camera prst="orthographicFront"/>
           <a:lightRig rig="flat" dir="t"/>
         </a:scene3d>
-        <a:sp3d z="190500" extrusionH="12700" prstMaterial="plastic">
-          <a:bevelT w="50800" h="50800"/>
-        </a:sp3d>
+        <a:sp3d z="190500" extrusionH="12700"/>
       </dsp:spPr>
       <dsp:style>
         <a:lnRef idx="1">
-          <a:scrgbClr r="0" g="0" b="0"/>
+          <a:schemeClr val="accent6"/>
         </a:lnRef>
-        <a:fillRef idx="1">
-          <a:scrgbClr r="0" g="0" b="0"/>
+        <a:fillRef idx="2">
+          <a:schemeClr val="accent6"/>
         </a:fillRef>
-        <a:effectRef idx="2">
-          <a:scrgbClr r="0" g="0" b="0"/>
+        <a:effectRef idx="1">
+          <a:schemeClr val="accent6"/>
         </a:effectRef>
-        <a:fontRef idx="minor"/>
+        <a:fontRef idx="minor">
+          <a:schemeClr val="dk1"/>
+        </a:fontRef>
       </dsp:style>
     </dsp:sp>
     <dsp:sp modelId="{029B9D8C-4A77-4645-9520-CB1F079C0081}">
@@ -4454,79 +8006,17 @@
         <a:prstGeom prst="roundRect">
           <a:avLst/>
         </a:prstGeom>
-        <a:gradFill rotWithShape="0">
-          <a:gsLst>
-            <a:gs pos="0">
-              <a:schemeClr val="accent1">
-                <a:hueOff val="0"/>
-                <a:satOff val="0"/>
-                <a:lumOff val="0"/>
-                <a:alphaOff val="0"/>
-                <a:tint val="75000"/>
-                <a:shade val="85000"/>
-                <a:satMod val="230000"/>
-              </a:schemeClr>
-            </a:gs>
-            <a:gs pos="25000">
-              <a:schemeClr val="accent1">
-                <a:hueOff val="0"/>
-                <a:satOff val="0"/>
-                <a:lumOff val="0"/>
-                <a:alphaOff val="0"/>
-                <a:tint val="90000"/>
-                <a:shade val="70000"/>
-                <a:satMod val="220000"/>
-              </a:schemeClr>
-            </a:gs>
-            <a:gs pos="50000">
-              <a:schemeClr val="accent1">
-                <a:hueOff val="0"/>
-                <a:satOff val="0"/>
-                <a:lumOff val="0"/>
-                <a:alphaOff val="0"/>
-                <a:tint val="90000"/>
-                <a:shade val="58000"/>
-                <a:satMod val="225000"/>
-              </a:schemeClr>
-            </a:gs>
-            <a:gs pos="65000">
-              <a:schemeClr val="accent1">
-                <a:hueOff val="0"/>
-                <a:satOff val="0"/>
-                <a:lumOff val="0"/>
-                <a:alphaOff val="0"/>
-                <a:tint val="90000"/>
-                <a:shade val="58000"/>
-                <a:satMod val="225000"/>
-              </a:schemeClr>
-            </a:gs>
-            <a:gs pos="80000">
-              <a:schemeClr val="accent1">
-                <a:hueOff val="0"/>
-                <a:satOff val="0"/>
-                <a:lumOff val="0"/>
-                <a:alphaOff val="0"/>
-                <a:tint val="90000"/>
-                <a:shade val="69000"/>
-                <a:satMod val="220000"/>
-              </a:schemeClr>
-            </a:gs>
-            <a:gs pos="100000">
-              <a:schemeClr val="accent1">
-                <a:hueOff val="0"/>
-                <a:satOff val="0"/>
-                <a:lumOff val="0"/>
-                <a:alphaOff val="0"/>
-                <a:tint val="77000"/>
-                <a:shade val="80000"/>
-                <a:satMod val="230000"/>
-              </a:schemeClr>
-            </a:gs>
-          </a:gsLst>
-          <a:lin ang="5400000" scaled="1"/>
-        </a:gradFill>
-        <a:ln>
-          <a:noFill/>
+        <a:solidFill>
+          <a:schemeClr val="accent6">
+            <a:lumMod val="40000"/>
+            <a:lumOff val="60000"/>
+          </a:schemeClr>
+        </a:solidFill>
+        <a:ln w="10000" cap="flat" cmpd="sng" algn="ctr">
+          <a:solidFill>
+            <a:schemeClr val="accent3"/>
+          </a:solidFill>
+          <a:prstDash val="solid"/>
         </a:ln>
         <a:effectLst>
           <a:outerShdw blurRad="76200" dist="50800" dir="5400000" rotWithShape="0">
@@ -4539,20 +8029,19 @@
           <a:camera prst="orthographicFront"/>
           <a:lightRig rig="flat" dir="t"/>
         </a:scene3d>
-        <a:sp3d prstMaterial="plastic">
-          <a:bevelT w="120900" h="88900"/>
-          <a:bevelB w="88900" h="31750" prst="angle"/>
+        <a:sp3d prstMaterial="metal">
+          <a:bevelT w="10000" h="10000"/>
         </a:sp3d>
       </dsp:spPr>
       <dsp:style>
-        <a:lnRef idx="0">
-          <a:scrgbClr r="0" g="0" b="0"/>
+        <a:lnRef idx="1">
+          <a:schemeClr val="accent3"/>
         </a:lnRef>
         <a:fillRef idx="3">
-          <a:scrgbClr r="0" g="0" b="0"/>
+          <a:schemeClr val="accent3"/>
         </a:fillRef>
         <a:effectRef idx="2">
-          <a:scrgbClr r="0" g="0" b="0"/>
+          <a:schemeClr val="accent3"/>
         </a:effectRef>
         <a:fontRef idx="minor">
           <a:schemeClr val="lt1"/>
@@ -4576,7 +8065,7 @@
             </a:spcAft>
           </a:pPr>
           <a:r>
-            <a:rPr lang="pt-BR" sz="2000" b="1" kern="1200" dirty="0" smtClean="0">
+            <a:rPr lang="pt-BR" sz="2000" b="1" kern="1200" smtClean="0">
               <a:solidFill>
                 <a:srgbClr val="7030A0"/>
               </a:solidFill>
@@ -4599,7 +8088,806 @@
 </dsp:drawing>
 </file>
 
-<file path=ppt/diagrams/drawing2.xml><?xml version="1.0" encoding="utf-8"?>
+<file path=ppt/diagrams/drawing3.xml><?xml version="1.0" encoding="utf-8"?>
+<dsp:drawing xmlns:dgm="http://schemas.openxmlformats.org/drawingml/2006/diagram" xmlns:a="http://schemas.openxmlformats.org/drawingml/2006/main" xmlns:dsp="http://schemas.microsoft.com/office/drawing/2008/diagram">
+  <dsp:spTree>
+    <dsp:nvGrpSpPr>
+      <dsp:cNvPr id="0" name=""/>
+      <dsp:cNvGrpSpPr/>
+    </dsp:nvGrpSpPr>
+    <dsp:grpSpPr/>
+    <dsp:sp modelId="{18F2EB1D-555E-470E-B78B-9F32BC1302F0}">
+      <dsp:nvSpPr>
+        <dsp:cNvPr id="0" name=""/>
+        <dsp:cNvSpPr/>
+      </dsp:nvSpPr>
+      <dsp:spPr>
+        <a:xfrm>
+          <a:off x="3555504" y="1625330"/>
+          <a:ext cx="1575790" cy="1617659"/>
+        </a:xfrm>
+        <a:prstGeom prst="ellipse">
+          <a:avLst/>
+        </a:prstGeom>
+        <a:solidFill>
+          <a:schemeClr val="accent1">
+            <a:hueOff val="0"/>
+            <a:satOff val="0"/>
+            <a:lumOff val="0"/>
+            <a:alphaOff val="0"/>
+          </a:schemeClr>
+        </a:solidFill>
+        <a:ln w="25400" cap="flat" cmpd="sng" algn="ctr">
+          <a:solidFill>
+            <a:schemeClr val="lt1">
+              <a:hueOff val="0"/>
+              <a:satOff val="0"/>
+              <a:lumOff val="0"/>
+              <a:alphaOff val="0"/>
+            </a:schemeClr>
+          </a:solidFill>
+          <a:prstDash val="solid"/>
+        </a:ln>
+        <a:effectLst/>
+      </dsp:spPr>
+      <dsp:style>
+        <a:lnRef idx="2">
+          <a:scrgbClr r="0" g="0" b="0"/>
+        </a:lnRef>
+        <a:fillRef idx="1">
+          <a:scrgbClr r="0" g="0" b="0"/>
+        </a:fillRef>
+        <a:effectRef idx="0">
+          <a:scrgbClr r="0" g="0" b="0"/>
+        </a:effectRef>
+        <a:fontRef idx="minor">
+          <a:schemeClr val="lt1"/>
+        </a:fontRef>
+      </dsp:style>
+      <dsp:txBody>
+        <a:bodyPr spcFirstLastPara="0" vert="horz" wrap="square" lIns="17780" tIns="17780" rIns="17780" bIns="17780" numCol="1" spcCol="1270" anchor="ctr" anchorCtr="0">
+          <a:noAutofit/>
+        </a:bodyPr>
+        <a:lstStyle/>
+        <a:p>
+          <a:pPr lvl="0" algn="ctr" defTabSz="622300">
+            <a:lnSpc>
+              <a:spcPct val="90000"/>
+            </a:lnSpc>
+            <a:spcBef>
+              <a:spcPct val="0"/>
+            </a:spcBef>
+            <a:spcAft>
+              <a:spcPct val="35000"/>
+            </a:spcAft>
+          </a:pPr>
+          <a:r>
+            <a:rPr lang="pt-BR" sz="1400" kern="1200" dirty="0" smtClean="0"/>
+            <a:t>Paróquia</a:t>
+          </a:r>
+          <a:endParaRPr lang="pt-BR" sz="1400" kern="1200" dirty="0"/>
+        </a:p>
+      </dsp:txBody>
+      <dsp:txXfrm>
+        <a:off x="3555504" y="1625330"/>
+        <a:ext cx="1575790" cy="1617659"/>
+      </dsp:txXfrm>
+    </dsp:sp>
+    <dsp:sp modelId="{D858E594-9B1F-454E-812B-1D569755D339}">
+      <dsp:nvSpPr>
+        <dsp:cNvPr id="0" name=""/>
+        <dsp:cNvSpPr/>
+      </dsp:nvSpPr>
+      <dsp:spPr>
+        <a:xfrm rot="16200000">
+          <a:off x="4252145" y="1240913"/>
+          <a:ext cx="182509" cy="434806"/>
+        </a:xfrm>
+        <a:prstGeom prst="rightArrow">
+          <a:avLst>
+            <a:gd name="adj1" fmla="val 60000"/>
+            <a:gd name="adj2" fmla="val 50000"/>
+          </a:avLst>
+        </a:prstGeom>
+        <a:solidFill>
+          <a:schemeClr val="accent1">
+            <a:tint val="60000"/>
+            <a:hueOff val="0"/>
+            <a:satOff val="0"/>
+            <a:lumOff val="0"/>
+            <a:alphaOff val="0"/>
+          </a:schemeClr>
+        </a:solidFill>
+        <a:ln>
+          <a:noFill/>
+        </a:ln>
+        <a:effectLst/>
+      </dsp:spPr>
+      <dsp:style>
+        <a:lnRef idx="0">
+          <a:scrgbClr r="0" g="0" b="0"/>
+        </a:lnRef>
+        <a:fillRef idx="1">
+          <a:scrgbClr r="0" g="0" b="0"/>
+        </a:fillRef>
+        <a:effectRef idx="0">
+          <a:scrgbClr r="0" g="0" b="0"/>
+        </a:effectRef>
+        <a:fontRef idx="minor">
+          <a:schemeClr val="lt1"/>
+        </a:fontRef>
+      </dsp:style>
+      <dsp:txBody>
+        <a:bodyPr spcFirstLastPara="0" vert="horz" wrap="square" lIns="0" tIns="0" rIns="0" bIns="0" numCol="1" spcCol="1270" anchor="ctr" anchorCtr="0">
+          <a:noAutofit/>
+        </a:bodyPr>
+        <a:lstStyle/>
+        <a:p>
+          <a:pPr lvl="0" algn="ctr" defTabSz="844550">
+            <a:lnSpc>
+              <a:spcPct val="90000"/>
+            </a:lnSpc>
+            <a:spcBef>
+              <a:spcPct val="0"/>
+            </a:spcBef>
+            <a:spcAft>
+              <a:spcPct val="35000"/>
+            </a:spcAft>
+          </a:pPr>
+          <a:endParaRPr lang="pt-BR" sz="1900" kern="1200"/>
+        </a:p>
+      </dsp:txBody>
+      <dsp:txXfrm rot="16200000">
+        <a:off x="4252145" y="1240913"/>
+        <a:ext cx="182509" cy="434806"/>
+      </dsp:txXfrm>
+    </dsp:sp>
+    <dsp:sp modelId="{E0159EA0-1A5D-476D-AD51-865243B2D714}">
+      <dsp:nvSpPr>
+        <dsp:cNvPr id="0" name=""/>
+        <dsp:cNvSpPr/>
+      </dsp:nvSpPr>
+      <dsp:spPr>
+        <a:xfrm>
+          <a:off x="3703978" y="2130"/>
+          <a:ext cx="1278842" cy="1278842"/>
+        </a:xfrm>
+        <a:prstGeom prst="ellipse">
+          <a:avLst/>
+        </a:prstGeom>
+        <a:solidFill>
+          <a:schemeClr val="accent1">
+            <a:hueOff val="0"/>
+            <a:satOff val="0"/>
+            <a:lumOff val="0"/>
+            <a:alphaOff val="0"/>
+          </a:schemeClr>
+        </a:solidFill>
+        <a:ln w="25400" cap="flat" cmpd="sng" algn="ctr">
+          <a:solidFill>
+            <a:schemeClr val="lt1">
+              <a:hueOff val="0"/>
+              <a:satOff val="0"/>
+              <a:lumOff val="0"/>
+              <a:alphaOff val="0"/>
+            </a:schemeClr>
+          </a:solidFill>
+          <a:prstDash val="solid"/>
+        </a:ln>
+        <a:effectLst/>
+      </dsp:spPr>
+      <dsp:style>
+        <a:lnRef idx="2">
+          <a:scrgbClr r="0" g="0" b="0"/>
+        </a:lnRef>
+        <a:fillRef idx="1">
+          <a:scrgbClr r="0" g="0" b="0"/>
+        </a:fillRef>
+        <a:effectRef idx="0">
+          <a:scrgbClr r="0" g="0" b="0"/>
+        </a:effectRef>
+        <a:fontRef idx="minor">
+          <a:schemeClr val="lt1"/>
+        </a:fontRef>
+      </dsp:style>
+      <dsp:txBody>
+        <a:bodyPr spcFirstLastPara="0" vert="horz" wrap="square" lIns="17780" tIns="17780" rIns="17780" bIns="17780" numCol="1" spcCol="1270" anchor="ctr" anchorCtr="0">
+          <a:noAutofit/>
+        </a:bodyPr>
+        <a:lstStyle/>
+        <a:p>
+          <a:pPr lvl="0" algn="ctr" defTabSz="622300">
+            <a:lnSpc>
+              <a:spcPct val="90000"/>
+            </a:lnSpc>
+            <a:spcBef>
+              <a:spcPct val="0"/>
+            </a:spcBef>
+            <a:spcAft>
+              <a:spcPct val="35000"/>
+            </a:spcAft>
+          </a:pPr>
+          <a:endParaRPr lang="pt-BR" sz="1400" kern="1200" dirty="0"/>
+        </a:p>
+      </dsp:txBody>
+      <dsp:txXfrm>
+        <a:off x="3703978" y="2130"/>
+        <a:ext cx="1278842" cy="1278842"/>
+      </dsp:txXfrm>
+    </dsp:sp>
+    <dsp:sp modelId="{9D95D45C-9B20-4A4E-AD6C-37161FDE50AF}">
+      <dsp:nvSpPr>
+        <dsp:cNvPr id="0" name=""/>
+        <dsp:cNvSpPr/>
+      </dsp:nvSpPr>
+      <dsp:spPr>
+        <a:xfrm rot="20520000">
+          <a:off x="5165881" y="1918229"/>
+          <a:ext cx="192581" cy="434806"/>
+        </a:xfrm>
+        <a:prstGeom prst="rightArrow">
+          <a:avLst>
+            <a:gd name="adj1" fmla="val 60000"/>
+            <a:gd name="adj2" fmla="val 50000"/>
+          </a:avLst>
+        </a:prstGeom>
+        <a:solidFill>
+          <a:schemeClr val="accent1">
+            <a:tint val="60000"/>
+            <a:hueOff val="0"/>
+            <a:satOff val="0"/>
+            <a:lumOff val="0"/>
+            <a:alphaOff val="0"/>
+          </a:schemeClr>
+        </a:solidFill>
+        <a:ln>
+          <a:noFill/>
+        </a:ln>
+        <a:effectLst/>
+      </dsp:spPr>
+      <dsp:style>
+        <a:lnRef idx="0">
+          <a:scrgbClr r="0" g="0" b="0"/>
+        </a:lnRef>
+        <a:fillRef idx="1">
+          <a:scrgbClr r="0" g="0" b="0"/>
+        </a:fillRef>
+        <a:effectRef idx="0">
+          <a:scrgbClr r="0" g="0" b="0"/>
+        </a:effectRef>
+        <a:fontRef idx="minor">
+          <a:schemeClr val="lt1"/>
+        </a:fontRef>
+      </dsp:style>
+      <dsp:txBody>
+        <a:bodyPr spcFirstLastPara="0" vert="horz" wrap="square" lIns="0" tIns="0" rIns="0" bIns="0" numCol="1" spcCol="1270" anchor="ctr" anchorCtr="0">
+          <a:noAutofit/>
+        </a:bodyPr>
+        <a:lstStyle/>
+        <a:p>
+          <a:pPr lvl="0" algn="ctr" defTabSz="844550">
+            <a:lnSpc>
+              <a:spcPct val="90000"/>
+            </a:lnSpc>
+            <a:spcBef>
+              <a:spcPct val="0"/>
+            </a:spcBef>
+            <a:spcAft>
+              <a:spcPct val="35000"/>
+            </a:spcAft>
+          </a:pPr>
+          <a:endParaRPr lang="pt-BR" sz="1900" kern="1200"/>
+        </a:p>
+      </dsp:txBody>
+      <dsp:txXfrm rot="20520000">
+        <a:off x="5165881" y="1918229"/>
+        <a:ext cx="192581" cy="434806"/>
+      </dsp:txXfrm>
+    </dsp:sp>
+    <dsp:sp modelId="{892AB89D-9357-4946-A690-9AB770094366}">
+      <dsp:nvSpPr>
+        <dsp:cNvPr id="0" name=""/>
+        <dsp:cNvSpPr/>
+      </dsp:nvSpPr>
+      <dsp:spPr>
+        <a:xfrm>
+          <a:off x="5408849" y="1240792"/>
+          <a:ext cx="1278842" cy="1278842"/>
+        </a:xfrm>
+        <a:prstGeom prst="ellipse">
+          <a:avLst/>
+        </a:prstGeom>
+        <a:solidFill>
+          <a:schemeClr val="accent1">
+            <a:hueOff val="0"/>
+            <a:satOff val="0"/>
+            <a:lumOff val="0"/>
+            <a:alphaOff val="0"/>
+          </a:schemeClr>
+        </a:solidFill>
+        <a:ln w="25400" cap="flat" cmpd="sng" algn="ctr">
+          <a:solidFill>
+            <a:schemeClr val="lt1">
+              <a:hueOff val="0"/>
+              <a:satOff val="0"/>
+              <a:lumOff val="0"/>
+              <a:alphaOff val="0"/>
+            </a:schemeClr>
+          </a:solidFill>
+          <a:prstDash val="solid"/>
+        </a:ln>
+        <a:effectLst/>
+      </dsp:spPr>
+      <dsp:style>
+        <a:lnRef idx="2">
+          <a:scrgbClr r="0" g="0" b="0"/>
+        </a:lnRef>
+        <a:fillRef idx="1">
+          <a:scrgbClr r="0" g="0" b="0"/>
+        </a:fillRef>
+        <a:effectRef idx="0">
+          <a:scrgbClr r="0" g="0" b="0"/>
+        </a:effectRef>
+        <a:fontRef idx="minor">
+          <a:schemeClr val="lt1"/>
+        </a:fontRef>
+      </dsp:style>
+      <dsp:txBody>
+        <a:bodyPr spcFirstLastPara="0" vert="horz" wrap="square" lIns="17780" tIns="17780" rIns="17780" bIns="17780" numCol="1" spcCol="1270" anchor="ctr" anchorCtr="0">
+          <a:noAutofit/>
+        </a:bodyPr>
+        <a:lstStyle/>
+        <a:p>
+          <a:pPr lvl="0" algn="ctr" defTabSz="622300">
+            <a:lnSpc>
+              <a:spcPct val="90000"/>
+            </a:lnSpc>
+            <a:spcBef>
+              <a:spcPct val="0"/>
+            </a:spcBef>
+            <a:spcAft>
+              <a:spcPct val="35000"/>
+            </a:spcAft>
+          </a:pPr>
+          <a:endParaRPr lang="pt-BR" sz="1400" kern="1200" dirty="0"/>
+        </a:p>
+      </dsp:txBody>
+      <dsp:txXfrm>
+        <a:off x="5408849" y="1240792"/>
+        <a:ext cx="1278842" cy="1278842"/>
+      </dsp:txXfrm>
+    </dsp:sp>
+    <dsp:sp modelId="{8F93543A-5059-4DE8-A2FC-A99D358C55C0}">
+      <dsp:nvSpPr>
+        <dsp:cNvPr id="0" name=""/>
+        <dsp:cNvSpPr/>
+      </dsp:nvSpPr>
+      <dsp:spPr>
+        <a:xfrm rot="3240000">
+          <a:off x="4821518" y="3003138"/>
+          <a:ext cx="186441" cy="434806"/>
+        </a:xfrm>
+        <a:prstGeom prst="rightArrow">
+          <a:avLst>
+            <a:gd name="adj1" fmla="val 60000"/>
+            <a:gd name="adj2" fmla="val 50000"/>
+          </a:avLst>
+        </a:prstGeom>
+        <a:solidFill>
+          <a:schemeClr val="accent1">
+            <a:tint val="60000"/>
+            <a:hueOff val="0"/>
+            <a:satOff val="0"/>
+            <a:lumOff val="0"/>
+            <a:alphaOff val="0"/>
+          </a:schemeClr>
+        </a:solidFill>
+        <a:ln>
+          <a:noFill/>
+        </a:ln>
+        <a:effectLst/>
+      </dsp:spPr>
+      <dsp:style>
+        <a:lnRef idx="0">
+          <a:scrgbClr r="0" g="0" b="0"/>
+        </a:lnRef>
+        <a:fillRef idx="1">
+          <a:scrgbClr r="0" g="0" b="0"/>
+        </a:fillRef>
+        <a:effectRef idx="0">
+          <a:scrgbClr r="0" g="0" b="0"/>
+        </a:effectRef>
+        <a:fontRef idx="minor">
+          <a:schemeClr val="lt1"/>
+        </a:fontRef>
+      </dsp:style>
+      <dsp:txBody>
+        <a:bodyPr spcFirstLastPara="0" vert="horz" wrap="square" lIns="0" tIns="0" rIns="0" bIns="0" numCol="1" spcCol="1270" anchor="ctr" anchorCtr="0">
+          <a:noAutofit/>
+        </a:bodyPr>
+        <a:lstStyle/>
+        <a:p>
+          <a:pPr lvl="0" algn="ctr" defTabSz="844550">
+            <a:lnSpc>
+              <a:spcPct val="90000"/>
+            </a:lnSpc>
+            <a:spcBef>
+              <a:spcPct val="0"/>
+            </a:spcBef>
+            <a:spcAft>
+              <a:spcPct val="35000"/>
+            </a:spcAft>
+          </a:pPr>
+          <a:endParaRPr lang="pt-BR" sz="1900" kern="1200"/>
+        </a:p>
+      </dsp:txBody>
+      <dsp:txXfrm rot="3240000">
+        <a:off x="4821518" y="3003138"/>
+        <a:ext cx="186441" cy="434806"/>
+      </dsp:txXfrm>
+    </dsp:sp>
+    <dsp:sp modelId="{4AE6AAFA-D59A-4F35-A5E8-C6D2EC6BBFF0}">
+      <dsp:nvSpPr>
+        <dsp:cNvPr id="0" name=""/>
+        <dsp:cNvSpPr/>
+      </dsp:nvSpPr>
+      <dsp:spPr>
+        <a:xfrm>
+          <a:off x="4757647" y="3244988"/>
+          <a:ext cx="1278842" cy="1278842"/>
+        </a:xfrm>
+        <a:prstGeom prst="ellipse">
+          <a:avLst/>
+        </a:prstGeom>
+        <a:solidFill>
+          <a:schemeClr val="accent1">
+            <a:hueOff val="0"/>
+            <a:satOff val="0"/>
+            <a:lumOff val="0"/>
+            <a:alphaOff val="0"/>
+          </a:schemeClr>
+        </a:solidFill>
+        <a:ln w="25400" cap="flat" cmpd="sng" algn="ctr">
+          <a:solidFill>
+            <a:schemeClr val="lt1">
+              <a:hueOff val="0"/>
+              <a:satOff val="0"/>
+              <a:lumOff val="0"/>
+              <a:alphaOff val="0"/>
+            </a:schemeClr>
+          </a:solidFill>
+          <a:prstDash val="solid"/>
+        </a:ln>
+        <a:effectLst/>
+      </dsp:spPr>
+      <dsp:style>
+        <a:lnRef idx="2">
+          <a:scrgbClr r="0" g="0" b="0"/>
+        </a:lnRef>
+        <a:fillRef idx="1">
+          <a:scrgbClr r="0" g="0" b="0"/>
+        </a:fillRef>
+        <a:effectRef idx="0">
+          <a:scrgbClr r="0" g="0" b="0"/>
+        </a:effectRef>
+        <a:fontRef idx="minor">
+          <a:schemeClr val="lt1"/>
+        </a:fontRef>
+      </dsp:style>
+      <dsp:txBody>
+        <a:bodyPr spcFirstLastPara="0" vert="horz" wrap="square" lIns="17780" tIns="17780" rIns="17780" bIns="17780" numCol="1" spcCol="1270" anchor="ctr" anchorCtr="0">
+          <a:noAutofit/>
+        </a:bodyPr>
+        <a:lstStyle/>
+        <a:p>
+          <a:pPr lvl="0" algn="ctr" defTabSz="622300">
+            <a:lnSpc>
+              <a:spcPct val="90000"/>
+            </a:lnSpc>
+            <a:spcBef>
+              <a:spcPct val="0"/>
+            </a:spcBef>
+            <a:spcAft>
+              <a:spcPct val="35000"/>
+            </a:spcAft>
+          </a:pPr>
+          <a:endParaRPr lang="pt-BR" sz="1400" kern="1200" dirty="0"/>
+        </a:p>
+      </dsp:txBody>
+      <dsp:txXfrm>
+        <a:off x="4757647" y="3244988"/>
+        <a:ext cx="1278842" cy="1278842"/>
+      </dsp:txXfrm>
+    </dsp:sp>
+    <dsp:sp modelId="{D32B50BC-8F9A-4A06-941D-13004E7B3F17}">
+      <dsp:nvSpPr>
+        <dsp:cNvPr id="0" name=""/>
+        <dsp:cNvSpPr/>
+      </dsp:nvSpPr>
+      <dsp:spPr>
+        <a:xfrm rot="7560000">
+          <a:off x="3678839" y="3003138"/>
+          <a:ext cx="186441" cy="434806"/>
+        </a:xfrm>
+        <a:prstGeom prst="rightArrow">
+          <a:avLst>
+            <a:gd name="adj1" fmla="val 60000"/>
+            <a:gd name="adj2" fmla="val 50000"/>
+          </a:avLst>
+        </a:prstGeom>
+        <a:solidFill>
+          <a:schemeClr val="accent1">
+            <a:tint val="60000"/>
+            <a:hueOff val="0"/>
+            <a:satOff val="0"/>
+            <a:lumOff val="0"/>
+            <a:alphaOff val="0"/>
+          </a:schemeClr>
+        </a:solidFill>
+        <a:ln>
+          <a:noFill/>
+        </a:ln>
+        <a:effectLst/>
+      </dsp:spPr>
+      <dsp:style>
+        <a:lnRef idx="0">
+          <a:scrgbClr r="0" g="0" b="0"/>
+        </a:lnRef>
+        <a:fillRef idx="1">
+          <a:scrgbClr r="0" g="0" b="0"/>
+        </a:fillRef>
+        <a:effectRef idx="0">
+          <a:scrgbClr r="0" g="0" b="0"/>
+        </a:effectRef>
+        <a:fontRef idx="minor">
+          <a:schemeClr val="lt1"/>
+        </a:fontRef>
+      </dsp:style>
+      <dsp:txBody>
+        <a:bodyPr spcFirstLastPara="0" vert="horz" wrap="square" lIns="0" tIns="0" rIns="0" bIns="0" numCol="1" spcCol="1270" anchor="ctr" anchorCtr="0">
+          <a:noAutofit/>
+        </a:bodyPr>
+        <a:lstStyle/>
+        <a:p>
+          <a:pPr lvl="0" algn="ctr" defTabSz="844550">
+            <a:lnSpc>
+              <a:spcPct val="90000"/>
+            </a:lnSpc>
+            <a:spcBef>
+              <a:spcPct val="0"/>
+            </a:spcBef>
+            <a:spcAft>
+              <a:spcPct val="35000"/>
+            </a:spcAft>
+          </a:pPr>
+          <a:endParaRPr lang="pt-BR" sz="1900" kern="1200"/>
+        </a:p>
+      </dsp:txBody>
+      <dsp:txXfrm rot="7560000">
+        <a:off x="3678839" y="3003138"/>
+        <a:ext cx="186441" cy="434806"/>
+      </dsp:txXfrm>
+    </dsp:sp>
+    <dsp:sp modelId="{42C28B57-95B0-4561-B729-7C55DC80C4C3}">
+      <dsp:nvSpPr>
+        <dsp:cNvPr id="0" name=""/>
+        <dsp:cNvSpPr/>
+      </dsp:nvSpPr>
+      <dsp:spPr>
+        <a:xfrm>
+          <a:off x="2650310" y="3244988"/>
+          <a:ext cx="1278842" cy="1278842"/>
+        </a:xfrm>
+        <a:prstGeom prst="ellipse">
+          <a:avLst/>
+        </a:prstGeom>
+        <a:solidFill>
+          <a:schemeClr val="accent1">
+            <a:hueOff val="0"/>
+            <a:satOff val="0"/>
+            <a:lumOff val="0"/>
+            <a:alphaOff val="0"/>
+          </a:schemeClr>
+        </a:solidFill>
+        <a:ln w="25400" cap="flat" cmpd="sng" algn="ctr">
+          <a:solidFill>
+            <a:schemeClr val="lt1">
+              <a:hueOff val="0"/>
+              <a:satOff val="0"/>
+              <a:lumOff val="0"/>
+              <a:alphaOff val="0"/>
+            </a:schemeClr>
+          </a:solidFill>
+          <a:prstDash val="solid"/>
+        </a:ln>
+        <a:effectLst/>
+      </dsp:spPr>
+      <dsp:style>
+        <a:lnRef idx="2">
+          <a:scrgbClr r="0" g="0" b="0"/>
+        </a:lnRef>
+        <a:fillRef idx="1">
+          <a:scrgbClr r="0" g="0" b="0"/>
+        </a:fillRef>
+        <a:effectRef idx="0">
+          <a:scrgbClr r="0" g="0" b="0"/>
+        </a:effectRef>
+        <a:fontRef idx="minor">
+          <a:schemeClr val="lt1"/>
+        </a:fontRef>
+      </dsp:style>
+      <dsp:txBody>
+        <a:bodyPr spcFirstLastPara="0" vert="horz" wrap="square" lIns="17780" tIns="17780" rIns="17780" bIns="17780" numCol="1" spcCol="1270" anchor="ctr" anchorCtr="0">
+          <a:noAutofit/>
+        </a:bodyPr>
+        <a:lstStyle/>
+        <a:p>
+          <a:pPr lvl="0" algn="ctr" defTabSz="622300">
+            <a:lnSpc>
+              <a:spcPct val="90000"/>
+            </a:lnSpc>
+            <a:spcBef>
+              <a:spcPct val="0"/>
+            </a:spcBef>
+            <a:spcAft>
+              <a:spcPct val="35000"/>
+            </a:spcAft>
+          </a:pPr>
+          <a:endParaRPr lang="pt-BR" sz="1400" kern="1200"/>
+        </a:p>
+      </dsp:txBody>
+      <dsp:txXfrm>
+        <a:off x="2650310" y="3244988"/>
+        <a:ext cx="1278842" cy="1278842"/>
+      </dsp:txXfrm>
+    </dsp:sp>
+    <dsp:sp modelId="{BED8CFF9-57DF-415B-BFD2-F23237B98D78}">
+      <dsp:nvSpPr>
+        <dsp:cNvPr id="0" name=""/>
+        <dsp:cNvSpPr/>
+      </dsp:nvSpPr>
+      <dsp:spPr>
+        <a:xfrm rot="11880000">
+          <a:off x="3328336" y="1918229"/>
+          <a:ext cx="192581" cy="434806"/>
+        </a:xfrm>
+        <a:prstGeom prst="rightArrow">
+          <a:avLst>
+            <a:gd name="adj1" fmla="val 60000"/>
+            <a:gd name="adj2" fmla="val 50000"/>
+          </a:avLst>
+        </a:prstGeom>
+        <a:solidFill>
+          <a:schemeClr val="accent1">
+            <a:tint val="60000"/>
+            <a:hueOff val="0"/>
+            <a:satOff val="0"/>
+            <a:lumOff val="0"/>
+            <a:alphaOff val="0"/>
+          </a:schemeClr>
+        </a:solidFill>
+        <a:ln>
+          <a:noFill/>
+        </a:ln>
+        <a:effectLst/>
+      </dsp:spPr>
+      <dsp:style>
+        <a:lnRef idx="0">
+          <a:scrgbClr r="0" g="0" b="0"/>
+        </a:lnRef>
+        <a:fillRef idx="1">
+          <a:scrgbClr r="0" g="0" b="0"/>
+        </a:fillRef>
+        <a:effectRef idx="0">
+          <a:scrgbClr r="0" g="0" b="0"/>
+        </a:effectRef>
+        <a:fontRef idx="minor">
+          <a:schemeClr val="lt1"/>
+        </a:fontRef>
+      </dsp:style>
+      <dsp:txBody>
+        <a:bodyPr spcFirstLastPara="0" vert="horz" wrap="square" lIns="0" tIns="0" rIns="0" bIns="0" numCol="1" spcCol="1270" anchor="ctr" anchorCtr="0">
+          <a:noAutofit/>
+        </a:bodyPr>
+        <a:lstStyle/>
+        <a:p>
+          <a:pPr lvl="0" algn="ctr" defTabSz="844550">
+            <a:lnSpc>
+              <a:spcPct val="90000"/>
+            </a:lnSpc>
+            <a:spcBef>
+              <a:spcPct val="0"/>
+            </a:spcBef>
+            <a:spcAft>
+              <a:spcPct val="35000"/>
+            </a:spcAft>
+          </a:pPr>
+          <a:endParaRPr lang="pt-BR" sz="1900" kern="1200"/>
+        </a:p>
+      </dsp:txBody>
+      <dsp:txXfrm rot="11880000">
+        <a:off x="3328336" y="1918229"/>
+        <a:ext cx="192581" cy="434806"/>
+      </dsp:txXfrm>
+    </dsp:sp>
+    <dsp:sp modelId="{AE23CEE4-5E78-4BF2-A4EC-856A2ACE758E}">
+      <dsp:nvSpPr>
+        <dsp:cNvPr id="0" name=""/>
+        <dsp:cNvSpPr/>
+      </dsp:nvSpPr>
+      <dsp:spPr>
+        <a:xfrm>
+          <a:off x="1999107" y="1240792"/>
+          <a:ext cx="1278842" cy="1278842"/>
+        </a:xfrm>
+        <a:prstGeom prst="ellipse">
+          <a:avLst/>
+        </a:prstGeom>
+        <a:solidFill>
+          <a:schemeClr val="accent1">
+            <a:hueOff val="0"/>
+            <a:satOff val="0"/>
+            <a:lumOff val="0"/>
+            <a:alphaOff val="0"/>
+          </a:schemeClr>
+        </a:solidFill>
+        <a:ln w="25400" cap="flat" cmpd="sng" algn="ctr">
+          <a:solidFill>
+            <a:schemeClr val="lt1">
+              <a:hueOff val="0"/>
+              <a:satOff val="0"/>
+              <a:lumOff val="0"/>
+              <a:alphaOff val="0"/>
+            </a:schemeClr>
+          </a:solidFill>
+          <a:prstDash val="solid"/>
+        </a:ln>
+        <a:effectLst/>
+      </dsp:spPr>
+      <dsp:style>
+        <a:lnRef idx="2">
+          <a:scrgbClr r="0" g="0" b="0"/>
+        </a:lnRef>
+        <a:fillRef idx="1">
+          <a:scrgbClr r="0" g="0" b="0"/>
+        </a:fillRef>
+        <a:effectRef idx="0">
+          <a:scrgbClr r="0" g="0" b="0"/>
+        </a:effectRef>
+        <a:fontRef idx="minor">
+          <a:schemeClr val="lt1"/>
+        </a:fontRef>
+      </dsp:style>
+      <dsp:txBody>
+        <a:bodyPr spcFirstLastPara="0" vert="horz" wrap="square" lIns="17780" tIns="17780" rIns="17780" bIns="17780" numCol="1" spcCol="1270" anchor="ctr" anchorCtr="0">
+          <a:noAutofit/>
+        </a:bodyPr>
+        <a:lstStyle/>
+        <a:p>
+          <a:pPr lvl="0" algn="ctr" defTabSz="622300">
+            <a:lnSpc>
+              <a:spcPct val="90000"/>
+            </a:lnSpc>
+            <a:spcBef>
+              <a:spcPct val="0"/>
+            </a:spcBef>
+            <a:spcAft>
+              <a:spcPct val="35000"/>
+            </a:spcAft>
+          </a:pPr>
+          <a:endParaRPr lang="pt-BR" sz="1400" kern="1200" dirty="0"/>
+        </a:p>
+      </dsp:txBody>
+      <dsp:txXfrm>
+        <a:off x="1999107" y="1240792"/>
+        <a:ext cx="1278842" cy="1278842"/>
+      </dsp:txXfrm>
+    </dsp:sp>
+  </dsp:spTree>
+</dsp:drawing>
+</file>
+
+<file path=ppt/diagrams/drawing4.xml><?xml version="1.0" encoding="utf-8"?>
 <dsp:drawing xmlns:dgm="http://schemas.openxmlformats.org/drawingml/2006/diagram" xmlns:a="http://schemas.openxmlformats.org/drawingml/2006/main" xmlns:dsp="http://schemas.microsoft.com/office/drawing/2008/diagram">
   <dsp:spTree>
     <dsp:nvGrpSpPr>
@@ -5736,6 +10024,239 @@
 </file>
 
 <file path=ppt/diagrams/layout1.xml><?xml version="1.0" encoding="utf-8"?>
+<dgm:layoutDef xmlns:dgm="http://schemas.openxmlformats.org/drawingml/2006/diagram" xmlns:a="http://schemas.openxmlformats.org/drawingml/2006/main" uniqueId="urn:microsoft.com/office/officeart/2005/8/layout/vList5">
+  <dgm:title val=""/>
+  <dgm:desc val=""/>
+  <dgm:catLst>
+    <dgm:cat type="list" pri="15000"/>
+    <dgm:cat type="convert" pri="2000"/>
+  </dgm:catLst>
+  <dgm:sampData>
+    <dgm:dataModel>
+      <dgm:ptLst>
+        <dgm:pt modelId="0" type="doc"/>
+        <dgm:pt modelId="1">
+          <dgm:prSet phldr="1"/>
+        </dgm:pt>
+        <dgm:pt modelId="11">
+          <dgm:prSet phldr="1"/>
+        </dgm:pt>
+        <dgm:pt modelId="12">
+          <dgm:prSet phldr="1"/>
+        </dgm:pt>
+        <dgm:pt modelId="2">
+          <dgm:prSet phldr="1"/>
+        </dgm:pt>
+        <dgm:pt modelId="21">
+          <dgm:prSet phldr="1"/>
+        </dgm:pt>
+        <dgm:pt modelId="22">
+          <dgm:prSet phldr="1"/>
+        </dgm:pt>
+        <dgm:pt modelId="3">
+          <dgm:prSet phldr="1"/>
+        </dgm:pt>
+        <dgm:pt modelId="31">
+          <dgm:prSet phldr="1"/>
+        </dgm:pt>
+        <dgm:pt modelId="32">
+          <dgm:prSet phldr="1"/>
+        </dgm:pt>
+      </dgm:ptLst>
+      <dgm:cxnLst>
+        <dgm:cxn modelId="4" srcId="0" destId="1" srcOrd="0" destOrd="0"/>
+        <dgm:cxn modelId="5" srcId="0" destId="2" srcOrd="1" destOrd="0"/>
+        <dgm:cxn modelId="6" srcId="0" destId="3" srcOrd="2" destOrd="0"/>
+        <dgm:cxn modelId="13" srcId="1" destId="11" srcOrd="0" destOrd="0"/>
+        <dgm:cxn modelId="14" srcId="1" destId="12" srcOrd="1" destOrd="0"/>
+        <dgm:cxn modelId="23" srcId="2" destId="21" srcOrd="0" destOrd="0"/>
+        <dgm:cxn modelId="24" srcId="2" destId="22" srcOrd="1" destOrd="0"/>
+        <dgm:cxn modelId="33" srcId="3" destId="31" srcOrd="0" destOrd="0"/>
+        <dgm:cxn modelId="34" srcId="3" destId="32" srcOrd="1" destOrd="0"/>
+      </dgm:cxnLst>
+      <dgm:bg/>
+      <dgm:whole/>
+    </dgm:dataModel>
+  </dgm:sampData>
+  <dgm:styleData>
+    <dgm:dataModel>
+      <dgm:ptLst>
+        <dgm:pt modelId="0" type="doc"/>
+        <dgm:pt modelId="1"/>
+        <dgm:pt modelId="11"/>
+        <dgm:pt modelId="2"/>
+        <dgm:pt modelId="21"/>
+      </dgm:ptLst>
+      <dgm:cxnLst>
+        <dgm:cxn modelId="4" srcId="0" destId="1" srcOrd="0" destOrd="0"/>
+        <dgm:cxn modelId="5" srcId="0" destId="2" srcOrd="1" destOrd="0"/>
+        <dgm:cxn modelId="13" srcId="1" destId="11" srcOrd="0" destOrd="0"/>
+        <dgm:cxn modelId="23" srcId="2" destId="21" srcOrd="0" destOrd="0"/>
+      </dgm:cxnLst>
+      <dgm:bg/>
+      <dgm:whole/>
+    </dgm:dataModel>
+  </dgm:styleData>
+  <dgm:clrData>
+    <dgm:dataModel>
+      <dgm:ptLst>
+        <dgm:pt modelId="0" type="doc"/>
+        <dgm:pt modelId="1"/>
+        <dgm:pt modelId="11"/>
+        <dgm:pt modelId="2"/>
+        <dgm:pt modelId="21"/>
+        <dgm:pt modelId="3"/>
+        <dgm:pt modelId="31"/>
+        <dgm:pt modelId="4"/>
+        <dgm:pt modelId="41"/>
+      </dgm:ptLst>
+      <dgm:cxnLst>
+        <dgm:cxn modelId="5" srcId="0" destId="1" srcOrd="0" destOrd="0"/>
+        <dgm:cxn modelId="6" srcId="0" destId="2" srcOrd="1" destOrd="0"/>
+        <dgm:cxn modelId="7" srcId="0" destId="3" srcOrd="2" destOrd="0"/>
+        <dgm:cxn modelId="8" srcId="0" destId="4" srcOrd="3" destOrd="0"/>
+        <dgm:cxn modelId="13" srcId="1" destId="11" srcOrd="0" destOrd="0"/>
+        <dgm:cxn modelId="23" srcId="2" destId="21" srcOrd="0" destOrd="0"/>
+        <dgm:cxn modelId="33" srcId="3" destId="31" srcOrd="0" destOrd="0"/>
+        <dgm:cxn modelId="43" srcId="4" destId="41" srcOrd="0" destOrd="0"/>
+      </dgm:cxnLst>
+      <dgm:bg/>
+      <dgm:whole/>
+    </dgm:dataModel>
+  </dgm:clrData>
+  <dgm:layoutNode name="Name0">
+    <dgm:varLst>
+      <dgm:dir/>
+      <dgm:animLvl val="lvl"/>
+      <dgm:resizeHandles val="exact"/>
+    </dgm:varLst>
+    <dgm:choose name="Name1">
+      <dgm:if name="Name2" func="var" arg="dir" op="equ" val="norm">
+        <dgm:alg type="lin">
+          <dgm:param type="linDir" val="fromT"/>
+          <dgm:param type="nodeHorzAlign" val="l"/>
+        </dgm:alg>
+      </dgm:if>
+      <dgm:else name="Name3">
+        <dgm:alg type="lin">
+          <dgm:param type="linDir" val="fromT"/>
+          <dgm:param type="nodeHorzAlign" val="r"/>
+        </dgm:alg>
+      </dgm:else>
+    </dgm:choose>
+    <dgm:shape xmlns:r="http://schemas.openxmlformats.org/officeDocument/2006/relationships" r:blip="">
+      <dgm:adjLst/>
+    </dgm:shape>
+    <dgm:presOf/>
+    <dgm:constrLst>
+      <dgm:constr type="h" for="ch" forName="linNode" refType="h"/>
+      <dgm:constr type="w" for="ch" forName="linNode" refType="w"/>
+      <dgm:constr type="h" for="ch" forName="sp" refType="h" fact="0.05"/>
+      <dgm:constr type="primFontSz" for="des" forName="parentText" op="equ" val="65"/>
+      <dgm:constr type="secFontSz" for="des" forName="descendantText" op="equ"/>
+    </dgm:constrLst>
+    <dgm:ruleLst/>
+    <dgm:forEach name="Name4" axis="ch" ptType="node">
+      <dgm:layoutNode name="linNode">
+        <dgm:choose name="Name5">
+          <dgm:if name="Name6" func="var" arg="dir" op="equ" val="norm">
+            <dgm:alg type="lin">
+              <dgm:param type="linDir" val="fromL"/>
+            </dgm:alg>
+          </dgm:if>
+          <dgm:else name="Name7">
+            <dgm:alg type="lin">
+              <dgm:param type="linDir" val="fromR"/>
+            </dgm:alg>
+          </dgm:else>
+        </dgm:choose>
+        <dgm:shape xmlns:r="http://schemas.openxmlformats.org/officeDocument/2006/relationships" r:blip="">
+          <dgm:adjLst/>
+        </dgm:shape>
+        <dgm:presOf/>
+        <dgm:constrLst>
+          <dgm:constr type="w" for="ch" forName="parentText" refType="w" fact="0.36"/>
+          <dgm:constr type="w" for="ch" forName="descendantText" refType="w" fact="0.64"/>
+          <dgm:constr type="h" for="ch" forName="parentText" refType="h"/>
+          <dgm:constr type="h" for="ch" forName="descendantText" refType="h" refFor="ch" refForName="parentText" fact="0.8"/>
+        </dgm:constrLst>
+        <dgm:ruleLst/>
+        <dgm:layoutNode name="parentText">
+          <dgm:varLst>
+            <dgm:chMax val="1"/>
+            <dgm:bulletEnabled val="1"/>
+          </dgm:varLst>
+          <dgm:alg type="tx"/>
+          <dgm:shape xmlns:r="http://schemas.openxmlformats.org/officeDocument/2006/relationships" type="roundRect" r:blip="" zOrderOff="3">
+            <dgm:adjLst/>
+          </dgm:shape>
+          <dgm:presOf axis="self" ptType="node"/>
+          <dgm:constrLst>
+            <dgm:constr type="tMarg" refType="primFontSz" fact="0.15"/>
+            <dgm:constr type="bMarg" refType="primFontSz" fact="0.15"/>
+            <dgm:constr type="lMarg" refType="primFontSz" fact="0.3"/>
+            <dgm:constr type="rMarg" refType="primFontSz" fact="0.3"/>
+          </dgm:constrLst>
+          <dgm:ruleLst>
+            <dgm:rule type="primFontSz" val="5" fact="NaN" max="NaN"/>
+          </dgm:ruleLst>
+        </dgm:layoutNode>
+        <dgm:choose name="Name8">
+          <dgm:if name="Name9" axis="ch" ptType="node" func="cnt" op="gte" val="1">
+            <dgm:layoutNode name="descendantText" styleLbl="alignAccFollowNode1">
+              <dgm:varLst>
+                <dgm:bulletEnabled val="1"/>
+              </dgm:varLst>
+              <dgm:alg type="tx">
+                <dgm:param type="stBulletLvl" val="1"/>
+                <dgm:param type="txAnchorVertCh" val="mid"/>
+              </dgm:alg>
+              <dgm:choose name="Name10">
+                <dgm:if name="Name11" func="var" arg="dir" op="equ" val="norm">
+                  <dgm:shape xmlns:r="http://schemas.openxmlformats.org/officeDocument/2006/relationships" rot="90" type="round2SameRect" r:blip="">
+                    <dgm:adjLst/>
+                  </dgm:shape>
+                </dgm:if>
+                <dgm:else name="Name12">
+                  <dgm:shape xmlns:r="http://schemas.openxmlformats.org/officeDocument/2006/relationships" rot="-90" type="round2SameRect" r:blip="">
+                    <dgm:adjLst/>
+                  </dgm:shape>
+                </dgm:else>
+              </dgm:choose>
+              <dgm:presOf axis="des" ptType="node"/>
+              <dgm:constrLst>
+                <dgm:constr type="secFontSz" val="65"/>
+                <dgm:constr type="primFontSz" refType="secFontSz"/>
+                <dgm:constr type="lMarg" refType="secFontSz" fact="0.3"/>
+                <dgm:constr type="rMarg" refType="secFontSz" fact="0.3"/>
+                <dgm:constr type="tMarg" refType="secFontSz" fact="0.15"/>
+                <dgm:constr type="bMarg" refType="secFontSz" fact="0.15"/>
+              </dgm:constrLst>
+              <dgm:ruleLst>
+                <dgm:rule type="secFontSz" val="5" fact="NaN" max="NaN"/>
+              </dgm:ruleLst>
+            </dgm:layoutNode>
+          </dgm:if>
+          <dgm:else name="Name13"/>
+        </dgm:choose>
+      </dgm:layoutNode>
+      <dgm:forEach name="Name14" axis="followSib" ptType="sibTrans" cnt="1">
+        <dgm:layoutNode name="sp">
+          <dgm:alg type="sp"/>
+          <dgm:shape xmlns:r="http://schemas.openxmlformats.org/officeDocument/2006/relationships" r:blip="">
+            <dgm:adjLst/>
+          </dgm:shape>
+          <dgm:presOf/>
+          <dgm:constrLst/>
+          <dgm:ruleLst/>
+        </dgm:layoutNode>
+      </dgm:forEach>
+    </dgm:forEach>
+  </dgm:layoutNode>
+</dgm:layoutDef>
+</file>
+
+<file path=ppt/diagrams/layout2.xml><?xml version="1.0" encoding="utf-8"?>
 <dgm:layoutDef xmlns:dgm="http://schemas.openxmlformats.org/drawingml/2006/diagram" xmlns:a="http://schemas.openxmlformats.org/drawingml/2006/main" uniqueId="urn:microsoft.com/office/officeart/2005/8/layout/list1">
   <dgm:title val=""/>
   <dgm:desc val=""/>
@@ -5960,7 +10481,246 @@
 </dgm:layoutDef>
 </file>
 
-<file path=ppt/diagrams/layout2.xml><?xml version="1.0" encoding="utf-8"?>
+<file path=ppt/diagrams/layout3.xml><?xml version="1.0" encoding="utf-8"?>
+<dgm:layoutDef xmlns:dgm="http://schemas.openxmlformats.org/drawingml/2006/diagram" xmlns:a="http://schemas.openxmlformats.org/drawingml/2006/main" uniqueId="urn:microsoft.com/office/officeart/2005/8/layout/radial5">
+  <dgm:title val=""/>
+  <dgm:desc val=""/>
+  <dgm:catLst>
+    <dgm:cat type="relationship" pri="23000"/>
+    <dgm:cat type="cycle" pri="11000"/>
+  </dgm:catLst>
+  <dgm:sampData>
+    <dgm:dataModel>
+      <dgm:ptLst>
+        <dgm:pt modelId="0" type="doc"/>
+        <dgm:pt modelId="1">
+          <dgm:prSet phldr="1"/>
+        </dgm:pt>
+        <dgm:pt modelId="11">
+          <dgm:prSet phldr="1"/>
+        </dgm:pt>
+        <dgm:pt modelId="12">
+          <dgm:prSet phldr="1"/>
+        </dgm:pt>
+        <dgm:pt modelId="13">
+          <dgm:prSet phldr="1"/>
+        </dgm:pt>
+        <dgm:pt modelId="14">
+          <dgm:prSet phldr="1"/>
+        </dgm:pt>
+      </dgm:ptLst>
+      <dgm:cxnLst>
+        <dgm:cxn modelId="2" srcId="0" destId="1" srcOrd="0" destOrd="0"/>
+        <dgm:cxn modelId="3" srcId="1" destId="11" srcOrd="0" destOrd="0"/>
+        <dgm:cxn modelId="4" srcId="1" destId="12" srcOrd="1" destOrd="0"/>
+        <dgm:cxn modelId="5" srcId="1" destId="13" srcOrd="2" destOrd="0"/>
+        <dgm:cxn modelId="6" srcId="1" destId="14" srcOrd="3" destOrd="0"/>
+      </dgm:cxnLst>
+      <dgm:bg/>
+      <dgm:whole/>
+    </dgm:dataModel>
+  </dgm:sampData>
+  <dgm:styleData>
+    <dgm:dataModel>
+      <dgm:ptLst>
+        <dgm:pt modelId="0" type="doc"/>
+        <dgm:pt modelId="1"/>
+        <dgm:pt modelId="11"/>
+        <dgm:pt modelId="12"/>
+        <dgm:pt modelId="13"/>
+      </dgm:ptLst>
+      <dgm:cxnLst>
+        <dgm:cxn modelId="2" srcId="0" destId="1" srcOrd="0" destOrd="0"/>
+        <dgm:cxn modelId="15" srcId="1" destId="11" srcOrd="0" destOrd="0"/>
+        <dgm:cxn modelId="16" srcId="1" destId="12" srcOrd="1" destOrd="0"/>
+        <dgm:cxn modelId="17" srcId="1" destId="13" srcOrd="2" destOrd="0"/>
+      </dgm:cxnLst>
+      <dgm:bg/>
+      <dgm:whole/>
+    </dgm:dataModel>
+  </dgm:styleData>
+  <dgm:clrData>
+    <dgm:dataModel>
+      <dgm:ptLst>
+        <dgm:pt modelId="0" type="doc"/>
+        <dgm:pt modelId="1"/>
+        <dgm:pt modelId="11"/>
+        <dgm:pt modelId="12"/>
+        <dgm:pt modelId="13"/>
+        <dgm:pt modelId="14"/>
+        <dgm:pt modelId="15"/>
+        <dgm:pt modelId="16"/>
+      </dgm:ptLst>
+      <dgm:cxnLst>
+        <dgm:cxn modelId="2" srcId="0" destId="1" srcOrd="0" destOrd="0"/>
+        <dgm:cxn modelId="16" srcId="1" destId="11" srcOrd="0" destOrd="0"/>
+        <dgm:cxn modelId="17" srcId="1" destId="12" srcOrd="1" destOrd="0"/>
+        <dgm:cxn modelId="18" srcId="1" destId="13" srcOrd="2" destOrd="0"/>
+        <dgm:cxn modelId="19" srcId="1" destId="14" srcOrd="3" destOrd="0"/>
+        <dgm:cxn modelId="20" srcId="1" destId="15" srcOrd="4" destOrd="0"/>
+        <dgm:cxn modelId="21" srcId="1" destId="16" srcOrd="5" destOrd="0"/>
+      </dgm:cxnLst>
+      <dgm:bg/>
+      <dgm:whole/>
+    </dgm:dataModel>
+  </dgm:clrData>
+  <dgm:layoutNode name="Name0">
+    <dgm:varLst>
+      <dgm:chMax val="1"/>
+      <dgm:dir/>
+      <dgm:animLvl val="ctr"/>
+      <dgm:resizeHandles val="exact"/>
+    </dgm:varLst>
+    <dgm:choose name="Name1">
+      <dgm:if name="Name2" func="var" arg="dir" op="equ" val="norm">
+        <dgm:alg type="cycle">
+          <dgm:param type="stAng" val="0"/>
+          <dgm:param type="spanAng" val="360"/>
+          <dgm:param type="ctrShpMap" val="fNode"/>
+        </dgm:alg>
+      </dgm:if>
+      <dgm:else name="Name3">
+        <dgm:alg type="cycle">
+          <dgm:param type="stAng" val="0"/>
+          <dgm:param type="spanAng" val="-360"/>
+          <dgm:param type="ctrShpMap" val="fNode"/>
+        </dgm:alg>
+      </dgm:else>
+    </dgm:choose>
+    <dgm:shape xmlns:r="http://schemas.openxmlformats.org/officeDocument/2006/relationships" r:blip="">
+      <dgm:adjLst/>
+    </dgm:shape>
+    <dgm:presOf/>
+    <dgm:constrLst>
+      <dgm:constr type="w" for="ch" forName="centerShape" refType="w"/>
+      <dgm:constr type="w" for="ch" forName="parTrans" refType="w" refFor="ch" refForName="centerShape" fact="0.4"/>
+      <dgm:constr type="w" for="ch" forName="node" refType="w" refFor="ch" refForName="centerShape" op="equ" fact="1.25"/>
+      <dgm:constr type="sp" refType="w" refFor="ch" refForName="centerShape" op="equ" fact="0.4"/>
+      <dgm:constr type="sibSp" refType="w" refFor="ch" refForName="node" fact="0.3"/>
+      <dgm:constr type="primFontSz" for="ch" forName="centerShape" val="65"/>
+      <dgm:constr type="primFontSz" for="des" forName="node" op="equ" val="65"/>
+      <dgm:constr type="primFontSz" for="des" forName="node" refType="primFontSz" refFor="ch" refForName="centerShape" op="lte"/>
+      <dgm:constr type="primFontSz" for="des" forName="connectorText" op="equ" val="55"/>
+      <dgm:constr type="primFontSz" for="des" forName="connectorText" refType="primFontSz" refFor="ch" refForName="centerShape" op="lte" fact="0.8"/>
+      <dgm:constr type="primFontSz" for="des" forName="connectorText" refType="primFontSz" refFor="des" refForName="node" op="lte"/>
+    </dgm:constrLst>
+    <dgm:choose name="Name4">
+      <dgm:if name="Name5" axis="ch ch" ptType="node node" st="1 1" cnt="1 0" func="cnt" op="lte" val="6">
+        <dgm:ruleLst>
+          <dgm:rule type="w" for="ch" forName="node" val="NaN" fact="1" max="NaN"/>
+        </dgm:ruleLst>
+      </dgm:if>
+      <dgm:if name="Name6" axis="ch ch" ptType="node node" st="1 1" cnt="1 0" func="cnt" op="lte" val="8">
+        <dgm:ruleLst>
+          <dgm:rule type="w" for="ch" forName="node" val="NaN" fact="0.9" max="NaN"/>
+        </dgm:ruleLst>
+      </dgm:if>
+      <dgm:if name="Name7" axis="ch ch" ptType="node node" st="1 1" cnt="1 0" func="cnt" op="lte" val="10">
+        <dgm:ruleLst>
+          <dgm:rule type="w" for="ch" forName="node" val="NaN" fact="0.8" max="NaN"/>
+        </dgm:ruleLst>
+      </dgm:if>
+      <dgm:if name="Name8" axis="ch ch" ptType="node node" st="1 1" cnt="1 0" func="cnt" op="lte" val="12">
+        <dgm:ruleLst>
+          <dgm:rule type="w" for="ch" forName="node" val="NaN" fact="0.7" max="NaN"/>
+        </dgm:ruleLst>
+      </dgm:if>
+      <dgm:if name="Name9" axis="ch ch" ptType="node node" st="1 1" cnt="1 0" func="cnt" op="lte" val="14">
+        <dgm:ruleLst>
+          <dgm:rule type="w" for="ch" forName="node" val="NaN" fact="0.6" max="NaN"/>
+        </dgm:ruleLst>
+      </dgm:if>
+      <dgm:else name="Name10">
+        <dgm:ruleLst>
+          <dgm:rule type="w" for="ch" forName="node" val="NaN" fact="0.5" max="NaN"/>
+        </dgm:ruleLst>
+      </dgm:else>
+    </dgm:choose>
+    <dgm:forEach name="Name11" axis="ch" ptType="node" cnt="1">
+      <dgm:layoutNode name="centerShape" styleLbl="node0">
+        <dgm:alg type="tx"/>
+        <dgm:shape xmlns:r="http://schemas.openxmlformats.org/officeDocument/2006/relationships" type="ellipse" r:blip="">
+          <dgm:adjLst/>
+        </dgm:shape>
+        <dgm:presOf axis="self"/>
+        <dgm:constrLst>
+          <dgm:constr type="h" refType="w"/>
+          <dgm:constr type="tMarg" refType="primFontSz" fact="0.1"/>
+          <dgm:constr type="bMarg" refType="primFontSz" fact="0.1"/>
+          <dgm:constr type="lMarg" refType="primFontSz" fact="0.1"/>
+          <dgm:constr type="rMarg" refType="primFontSz" fact="0.1"/>
+        </dgm:constrLst>
+        <dgm:ruleLst>
+          <dgm:rule type="primFontSz" val="5" fact="NaN" max="NaN"/>
+        </dgm:ruleLst>
+      </dgm:layoutNode>
+      <dgm:forEach name="Name12" axis="ch">
+        <dgm:forEach name="Name13" axis="self" ptType="parTrans">
+          <dgm:layoutNode name="parTrans" styleLbl="sibTrans2D1">
+            <dgm:alg type="conn">
+              <dgm:param type="begPts" val="auto"/>
+              <dgm:param type="endPts" val="auto"/>
+            </dgm:alg>
+            <dgm:shape xmlns:r="http://schemas.openxmlformats.org/officeDocument/2006/relationships" type="conn" r:blip="">
+              <dgm:adjLst/>
+            </dgm:shape>
+            <dgm:presOf axis="self"/>
+            <dgm:constrLst>
+              <dgm:constr type="h" refType="w" fact="0.85"/>
+            </dgm:constrLst>
+            <dgm:ruleLst/>
+            <dgm:layoutNode name="connectorText">
+              <dgm:alg type="tx">
+                <dgm:param type="autoTxRot" val="grav"/>
+              </dgm:alg>
+              <dgm:shape xmlns:r="http://schemas.openxmlformats.org/officeDocument/2006/relationships" type="conn" r:blip="" hideGeom="1">
+                <dgm:adjLst/>
+              </dgm:shape>
+              <dgm:presOf axis="self"/>
+              <dgm:constrLst>
+                <dgm:constr type="lMarg"/>
+                <dgm:constr type="rMarg"/>
+                <dgm:constr type="tMarg"/>
+                <dgm:constr type="bMarg"/>
+              </dgm:constrLst>
+              <dgm:ruleLst>
+                <dgm:rule type="primFontSz" val="5" fact="NaN" max="NaN"/>
+              </dgm:ruleLst>
+            </dgm:layoutNode>
+          </dgm:layoutNode>
+        </dgm:forEach>
+        <dgm:forEach name="Name14" axis="self" ptType="node">
+          <dgm:layoutNode name="node" styleLbl="node1">
+            <dgm:varLst>
+              <dgm:bulletEnabled val="1"/>
+            </dgm:varLst>
+            <dgm:alg type="tx">
+              <dgm:param type="txAnchorVertCh" val="mid"/>
+            </dgm:alg>
+            <dgm:shape xmlns:r="http://schemas.openxmlformats.org/officeDocument/2006/relationships" type="ellipse" r:blip="">
+              <dgm:adjLst/>
+            </dgm:shape>
+            <dgm:presOf axis="desOrSelf" ptType="node"/>
+            <dgm:constrLst>
+              <dgm:constr type="h" refType="w"/>
+              <dgm:constr type="tMarg" refType="primFontSz" fact="0.1"/>
+              <dgm:constr type="bMarg" refType="primFontSz" fact="0.1"/>
+              <dgm:constr type="lMarg" refType="primFontSz" fact="0.1"/>
+              <dgm:constr type="rMarg" refType="primFontSz" fact="0.1"/>
+            </dgm:constrLst>
+            <dgm:ruleLst>
+              <dgm:rule type="w" val="INF" fact="NaN" max="NaN"/>
+              <dgm:rule type="primFontSz" val="5" fact="NaN" max="NaN"/>
+            </dgm:ruleLst>
+          </dgm:layoutNode>
+        </dgm:forEach>
+      </dgm:forEach>
+    </dgm:forEach>
+  </dgm:layoutNode>
+</dgm:layoutDef>
+</file>
+
+<file path=ppt/diagrams/layout4.xml><?xml version="1.0" encoding="utf-8"?>
 <dgm:layoutDef xmlns:dgm="http://schemas.openxmlformats.org/drawingml/2006/diagram" xmlns:a="http://schemas.openxmlformats.org/drawingml/2006/main" uniqueId="urn:microsoft.com/office/officeart/2005/8/layout/hProcess4">
   <dgm:title val=""/>
   <dgm:desc val=""/>
@@ -7622,6 +12382,2157 @@
 </file>
 
 <file path=ppt/diagrams/quickStyle2.xml><?xml version="1.0" encoding="utf-8"?>
+<dgm:styleDef xmlns:dgm="http://schemas.openxmlformats.org/drawingml/2006/diagram" xmlns:a="http://schemas.openxmlformats.org/drawingml/2006/main" uniqueId="urn:microsoft.com/office/officeart/2005/8/quickstyle/3d1">
+  <dgm:title val=""/>
+  <dgm:desc val=""/>
+  <dgm:catLst>
+    <dgm:cat type="3D" pri="11100"/>
+  </dgm:catLst>
+  <dgm:scene3d>
+    <a:camera prst="orthographicFront"/>
+    <a:lightRig rig="threePt" dir="t"/>
+  </dgm:scene3d>
+  <dgm:styleLbl name="node0">
+    <dgm:scene3d>
+      <a:camera prst="orthographicFront"/>
+      <a:lightRig rig="flat" dir="t"/>
+    </dgm:scene3d>
+    <dgm:sp3d prstMaterial="plastic">
+      <a:bevelT w="120900" h="88900"/>
+      <a:bevelB w="88900" h="31750" prst="angle"/>
+    </dgm:sp3d>
+    <dgm:txPr/>
+    <dgm:style>
+      <a:lnRef idx="0">
+        <a:scrgbClr r="0" g="0" b="0"/>
+      </a:lnRef>
+      <a:fillRef idx="3">
+        <a:scrgbClr r="0" g="0" b="0"/>
+      </a:fillRef>
+      <a:effectRef idx="2">
+        <a:scrgbClr r="0" g="0" b="0"/>
+      </a:effectRef>
+      <a:fontRef idx="minor">
+        <a:schemeClr val="lt1"/>
+      </a:fontRef>
+    </dgm:style>
+  </dgm:styleLbl>
+  <dgm:styleLbl name="lnNode1">
+    <dgm:scene3d>
+      <a:camera prst="orthographicFront"/>
+      <a:lightRig rig="flat" dir="t"/>
+    </dgm:scene3d>
+    <dgm:sp3d prstMaterial="plastic">
+      <a:bevelT w="120900" h="88900"/>
+      <a:bevelB w="88900" h="31750" prst="angle"/>
+    </dgm:sp3d>
+    <dgm:txPr/>
+    <dgm:style>
+      <a:lnRef idx="0">
+        <a:scrgbClr r="0" g="0" b="0"/>
+      </a:lnRef>
+      <a:fillRef idx="3">
+        <a:scrgbClr r="0" g="0" b="0"/>
+      </a:fillRef>
+      <a:effectRef idx="1">
+        <a:scrgbClr r="0" g="0" b="0"/>
+      </a:effectRef>
+      <a:fontRef idx="minor">
+        <a:schemeClr val="lt1"/>
+      </a:fontRef>
+    </dgm:style>
+  </dgm:styleLbl>
+  <dgm:styleLbl name="vennNode1">
+    <dgm:scene3d>
+      <a:camera prst="orthographicFront"/>
+      <a:lightRig rig="flat" dir="t"/>
+    </dgm:scene3d>
+    <dgm:sp3d prstMaterial="plastic">
+      <a:bevelT w="120900" h="88900"/>
+      <a:bevelB w="88900" h="31750" prst="angle"/>
+    </dgm:sp3d>
+    <dgm:txPr/>
+    <dgm:style>
+      <a:lnRef idx="0">
+        <a:scrgbClr r="0" g="0" b="0"/>
+      </a:lnRef>
+      <a:fillRef idx="1">
+        <a:scrgbClr r="0" g="0" b="0"/>
+      </a:fillRef>
+      <a:effectRef idx="1">
+        <a:scrgbClr r="0" g="0" b="0"/>
+      </a:effectRef>
+      <a:fontRef idx="minor">
+        <a:schemeClr val="tx1"/>
+      </a:fontRef>
+    </dgm:style>
+  </dgm:styleLbl>
+  <dgm:styleLbl name="alignNode1">
+    <dgm:scene3d>
+      <a:camera prst="orthographicFront"/>
+      <a:lightRig rig="flat" dir="t"/>
+    </dgm:scene3d>
+    <dgm:sp3d prstMaterial="plastic">
+      <a:bevelT w="120900" h="88900"/>
+      <a:bevelB w="88900" h="31750" prst="angle"/>
+    </dgm:sp3d>
+    <dgm:txPr/>
+    <dgm:style>
+      <a:lnRef idx="1">
+        <a:scrgbClr r="0" g="0" b="0"/>
+      </a:lnRef>
+      <a:fillRef idx="3">
+        <a:scrgbClr r="0" g="0" b="0"/>
+      </a:fillRef>
+      <a:effectRef idx="2">
+        <a:scrgbClr r="0" g="0" b="0"/>
+      </a:effectRef>
+      <a:fontRef idx="minor">
+        <a:schemeClr val="lt1"/>
+      </a:fontRef>
+    </dgm:style>
+  </dgm:styleLbl>
+  <dgm:styleLbl name="node1">
+    <dgm:scene3d>
+      <a:camera prst="orthographicFront"/>
+      <a:lightRig rig="flat" dir="t"/>
+    </dgm:scene3d>
+    <dgm:sp3d prstMaterial="plastic">
+      <a:bevelT w="120900" h="88900"/>
+      <a:bevelB w="88900" h="31750" prst="angle"/>
+    </dgm:sp3d>
+    <dgm:txPr/>
+    <dgm:style>
+      <a:lnRef idx="0">
+        <a:scrgbClr r="0" g="0" b="0"/>
+      </a:lnRef>
+      <a:fillRef idx="3">
+        <a:scrgbClr r="0" g="0" b="0"/>
+      </a:fillRef>
+      <a:effectRef idx="2">
+        <a:scrgbClr r="0" g="0" b="0"/>
+      </a:effectRef>
+      <a:fontRef idx="minor">
+        <a:schemeClr val="lt1"/>
+      </a:fontRef>
+    </dgm:style>
+  </dgm:styleLbl>
+  <dgm:styleLbl name="node2">
+    <dgm:scene3d>
+      <a:camera prst="orthographicFront"/>
+      <a:lightRig rig="flat" dir="t"/>
+    </dgm:scene3d>
+    <dgm:sp3d prstMaterial="plastic">
+      <a:bevelT w="120900" h="88900"/>
+      <a:bevelB w="88900" h="31750" prst="angle"/>
+    </dgm:sp3d>
+    <dgm:txPr/>
+    <dgm:style>
+      <a:lnRef idx="0">
+        <a:scrgbClr r="0" g="0" b="0"/>
+      </a:lnRef>
+      <a:fillRef idx="3">
+        <a:scrgbClr r="0" g="0" b="0"/>
+      </a:fillRef>
+      <a:effectRef idx="1">
+        <a:scrgbClr r="0" g="0" b="0"/>
+      </a:effectRef>
+      <a:fontRef idx="minor">
+        <a:schemeClr val="lt1"/>
+      </a:fontRef>
+    </dgm:style>
+  </dgm:styleLbl>
+  <dgm:styleLbl name="node3">
+    <dgm:scene3d>
+      <a:camera prst="orthographicFront"/>
+      <a:lightRig rig="flat" dir="t"/>
+    </dgm:scene3d>
+    <dgm:sp3d prstMaterial="plastic">
+      <a:bevelT w="120900" h="88900"/>
+      <a:bevelB w="88900" h="31750" prst="angle"/>
+    </dgm:sp3d>
+    <dgm:txPr/>
+    <dgm:style>
+      <a:lnRef idx="0">
+        <a:scrgbClr r="0" g="0" b="0"/>
+      </a:lnRef>
+      <a:fillRef idx="3">
+        <a:scrgbClr r="0" g="0" b="0"/>
+      </a:fillRef>
+      <a:effectRef idx="1">
+        <a:scrgbClr r="0" g="0" b="0"/>
+      </a:effectRef>
+      <a:fontRef idx="minor">
+        <a:schemeClr val="lt1"/>
+      </a:fontRef>
+    </dgm:style>
+  </dgm:styleLbl>
+  <dgm:styleLbl name="node4">
+    <dgm:scene3d>
+      <a:camera prst="orthographicFront"/>
+      <a:lightRig rig="flat" dir="t"/>
+    </dgm:scene3d>
+    <dgm:sp3d prstMaterial="plastic">
+      <a:bevelT w="120900" h="88900"/>
+      <a:bevelB w="88900" h="31750" prst="angle"/>
+    </dgm:sp3d>
+    <dgm:txPr/>
+    <dgm:style>
+      <a:lnRef idx="0">
+        <a:scrgbClr r="0" g="0" b="0"/>
+      </a:lnRef>
+      <a:fillRef idx="3">
+        <a:scrgbClr r="0" g="0" b="0"/>
+      </a:fillRef>
+      <a:effectRef idx="1">
+        <a:scrgbClr r="0" g="0" b="0"/>
+      </a:effectRef>
+      <a:fontRef idx="minor">
+        <a:schemeClr val="lt1"/>
+      </a:fontRef>
+    </dgm:style>
+  </dgm:styleLbl>
+  <dgm:styleLbl name="fgImgPlace1">
+    <dgm:scene3d>
+      <a:camera prst="orthographicFront"/>
+      <a:lightRig rig="flat" dir="t"/>
+    </dgm:scene3d>
+    <dgm:sp3d z="127000" prstMaterial="plastic">
+      <a:bevelT w="88900" h="88900"/>
+      <a:bevelB w="88900" h="31750" prst="angle"/>
+    </dgm:sp3d>
+    <dgm:txPr/>
+    <dgm:style>
+      <a:lnRef idx="0">
+        <a:scrgbClr r="0" g="0" b="0"/>
+      </a:lnRef>
+      <a:fillRef idx="3">
+        <a:scrgbClr r="0" g="0" b="0"/>
+      </a:fillRef>
+      <a:effectRef idx="2">
+        <a:scrgbClr r="0" g="0" b="0"/>
+      </a:effectRef>
+      <a:fontRef idx="minor"/>
+    </dgm:style>
+  </dgm:styleLbl>
+  <dgm:styleLbl name="alignImgPlace1">
+    <dgm:scene3d>
+      <a:camera prst="orthographicFront"/>
+      <a:lightRig rig="flat" dir="t"/>
+    </dgm:scene3d>
+    <dgm:sp3d prstMaterial="plastic">
+      <a:bevelT w="88900" h="88900"/>
+      <a:bevelB w="88900" h="31750" prst="angle"/>
+    </dgm:sp3d>
+    <dgm:txPr/>
+    <dgm:style>
+      <a:lnRef idx="0">
+        <a:scrgbClr r="0" g="0" b="0"/>
+      </a:lnRef>
+      <a:fillRef idx="3">
+        <a:scrgbClr r="0" g="0" b="0"/>
+      </a:fillRef>
+      <a:effectRef idx="2">
+        <a:scrgbClr r="0" g="0" b="0"/>
+      </a:effectRef>
+      <a:fontRef idx="minor"/>
+    </dgm:style>
+  </dgm:styleLbl>
+  <dgm:styleLbl name="bgImgPlace1">
+    <dgm:scene3d>
+      <a:camera prst="orthographicFront"/>
+      <a:lightRig rig="flat" dir="t"/>
+    </dgm:scene3d>
+    <dgm:sp3d z="-190500" prstMaterial="plastic">
+      <a:bevelT w="88900" h="88900"/>
+      <a:bevelB w="88900" h="31750" prst="angle"/>
+    </dgm:sp3d>
+    <dgm:txPr/>
+    <dgm:style>
+      <a:lnRef idx="0">
+        <a:scrgbClr r="0" g="0" b="0"/>
+      </a:lnRef>
+      <a:fillRef idx="3">
+        <a:scrgbClr r="0" g="0" b="0"/>
+      </a:fillRef>
+      <a:effectRef idx="2">
+        <a:scrgbClr r="0" g="0" b="0"/>
+      </a:effectRef>
+      <a:fontRef idx="minor"/>
+    </dgm:style>
+  </dgm:styleLbl>
+  <dgm:styleLbl name="sibTrans2D1">
+    <dgm:scene3d>
+      <a:camera prst="orthographicFront"/>
+      <a:lightRig rig="flat" dir="t"/>
+    </dgm:scene3d>
+    <dgm:sp3d z="-80000" prstMaterial="plastic">
+      <a:bevelT w="50800" h="50800"/>
+      <a:bevelB w="25400" h="25400" prst="angle"/>
+    </dgm:sp3d>
+    <dgm:txPr/>
+    <dgm:style>
+      <a:lnRef idx="0">
+        <a:scrgbClr r="0" g="0" b="0"/>
+      </a:lnRef>
+      <a:fillRef idx="3">
+        <a:scrgbClr r="0" g="0" b="0"/>
+      </a:fillRef>
+      <a:effectRef idx="2">
+        <a:scrgbClr r="0" g="0" b="0"/>
+      </a:effectRef>
+      <a:fontRef idx="minor">
+        <a:schemeClr val="lt1"/>
+      </a:fontRef>
+    </dgm:style>
+  </dgm:styleLbl>
+  <dgm:styleLbl name="fgSibTrans2D1">
+    <dgm:scene3d>
+      <a:camera prst="orthographicFront"/>
+      <a:lightRig rig="flat" dir="t"/>
+    </dgm:scene3d>
+    <dgm:sp3d z="127000" prstMaterial="plastic">
+      <a:bevelT w="50800" h="50800"/>
+      <a:bevelB w="25400" h="25400" prst="angle"/>
+    </dgm:sp3d>
+    <dgm:txPr/>
+    <dgm:style>
+      <a:lnRef idx="0">
+        <a:scrgbClr r="0" g="0" b="0"/>
+      </a:lnRef>
+      <a:fillRef idx="3">
+        <a:scrgbClr r="0" g="0" b="0"/>
+      </a:fillRef>
+      <a:effectRef idx="2">
+        <a:scrgbClr r="0" g="0" b="0"/>
+      </a:effectRef>
+      <a:fontRef idx="minor">
+        <a:schemeClr val="lt1"/>
+      </a:fontRef>
+    </dgm:style>
+  </dgm:styleLbl>
+  <dgm:styleLbl name="bgSibTrans2D1">
+    <dgm:scene3d>
+      <a:camera prst="orthographicFront"/>
+      <a:lightRig rig="flat" dir="t"/>
+    </dgm:scene3d>
+    <dgm:sp3d z="-190500" prstMaterial="plastic">
+      <a:bevelT w="50800" h="50800"/>
+      <a:bevelB w="25400" h="25400" prst="angle"/>
+    </dgm:sp3d>
+    <dgm:txPr/>
+    <dgm:style>
+      <a:lnRef idx="0">
+        <a:scrgbClr r="0" g="0" b="0"/>
+      </a:lnRef>
+      <a:fillRef idx="3">
+        <a:scrgbClr r="0" g="0" b="0"/>
+      </a:fillRef>
+      <a:effectRef idx="2">
+        <a:scrgbClr r="0" g="0" b="0"/>
+      </a:effectRef>
+      <a:fontRef idx="minor">
+        <a:schemeClr val="lt1"/>
+      </a:fontRef>
+    </dgm:style>
+  </dgm:styleLbl>
+  <dgm:styleLbl name="sibTrans1D1">
+    <dgm:scene3d>
+      <a:camera prst="orthographicFront"/>
+      <a:lightRig rig="flat" dir="t"/>
+    </dgm:scene3d>
+    <dgm:sp3d z="-40000" prstMaterial="matte"/>
+    <dgm:txPr/>
+    <dgm:style>
+      <a:lnRef idx="1">
+        <a:scrgbClr r="0" g="0" b="0"/>
+      </a:lnRef>
+      <a:fillRef idx="0">
+        <a:scrgbClr r="0" g="0" b="0"/>
+      </a:fillRef>
+      <a:effectRef idx="0">
+        <a:scrgbClr r="0" g="0" b="0"/>
+      </a:effectRef>
+      <a:fontRef idx="minor"/>
+    </dgm:style>
+  </dgm:styleLbl>
+  <dgm:styleLbl name="callout">
+    <dgm:scene3d>
+      <a:camera prst="orthographicFront"/>
+      <a:lightRig rig="threePt" dir="t"/>
+    </dgm:scene3d>
+    <dgm:sp3d z="127000" prstMaterial="matte"/>
+    <dgm:txPr/>
+    <dgm:style>
+      <a:lnRef idx="2">
+        <a:scrgbClr r="0" g="0" b="0"/>
+      </a:lnRef>
+      <a:fillRef idx="1">
+        <a:scrgbClr r="0" g="0" b="0"/>
+      </a:fillRef>
+      <a:effectRef idx="0">
+        <a:scrgbClr r="0" g="0" b="0"/>
+      </a:effectRef>
+      <a:fontRef idx="minor"/>
+    </dgm:style>
+  </dgm:styleLbl>
+  <dgm:styleLbl name="asst0">
+    <dgm:scene3d>
+      <a:camera prst="orthographicFront"/>
+      <a:lightRig rig="flat" dir="t"/>
+    </dgm:scene3d>
+    <dgm:sp3d prstMaterial="plastic">
+      <a:bevelT w="120900" h="88900"/>
+      <a:bevelB w="88900" h="31750" prst="angle"/>
+    </dgm:sp3d>
+    <dgm:txPr/>
+    <dgm:style>
+      <a:lnRef idx="0">
+        <a:scrgbClr r="0" g="0" b="0"/>
+      </a:lnRef>
+      <a:fillRef idx="3">
+        <a:scrgbClr r="0" g="0" b="0"/>
+      </a:fillRef>
+      <a:effectRef idx="1">
+        <a:scrgbClr r="0" g="0" b="0"/>
+      </a:effectRef>
+      <a:fontRef idx="minor">
+        <a:schemeClr val="lt1"/>
+      </a:fontRef>
+    </dgm:style>
+  </dgm:styleLbl>
+  <dgm:styleLbl name="asst1">
+    <dgm:scene3d>
+      <a:camera prst="orthographicFront"/>
+      <a:lightRig rig="flat" dir="t"/>
+    </dgm:scene3d>
+    <dgm:sp3d prstMaterial="plastic">
+      <a:bevelT w="120900" h="88900"/>
+      <a:bevelB w="88900" h="31750" prst="angle"/>
+    </dgm:sp3d>
+    <dgm:txPr/>
+    <dgm:style>
+      <a:lnRef idx="0">
+        <a:scrgbClr r="0" g="0" b="0"/>
+      </a:lnRef>
+      <a:fillRef idx="3">
+        <a:scrgbClr r="0" g="0" b="0"/>
+      </a:fillRef>
+      <a:effectRef idx="1">
+        <a:scrgbClr r="0" g="0" b="0"/>
+      </a:effectRef>
+      <a:fontRef idx="minor">
+        <a:schemeClr val="lt1"/>
+      </a:fontRef>
+    </dgm:style>
+  </dgm:styleLbl>
+  <dgm:styleLbl name="asst2">
+    <dgm:scene3d>
+      <a:camera prst="orthographicFront"/>
+      <a:lightRig rig="flat" dir="t"/>
+    </dgm:scene3d>
+    <dgm:sp3d prstMaterial="plastic">
+      <a:bevelT w="120900" h="88900"/>
+      <a:bevelB w="88900" h="31750" prst="angle"/>
+    </dgm:sp3d>
+    <dgm:txPr/>
+    <dgm:style>
+      <a:lnRef idx="0">
+        <a:scrgbClr r="0" g="0" b="0"/>
+      </a:lnRef>
+      <a:fillRef idx="3">
+        <a:scrgbClr r="0" g="0" b="0"/>
+      </a:fillRef>
+      <a:effectRef idx="1">
+        <a:scrgbClr r="0" g="0" b="0"/>
+      </a:effectRef>
+      <a:fontRef idx="minor">
+        <a:schemeClr val="lt1"/>
+      </a:fontRef>
+    </dgm:style>
+  </dgm:styleLbl>
+  <dgm:styleLbl name="asst3">
+    <dgm:scene3d>
+      <a:camera prst="orthographicFront"/>
+      <a:lightRig rig="flat" dir="t"/>
+    </dgm:scene3d>
+    <dgm:sp3d prstMaterial="plastic">
+      <a:bevelT w="120900" h="88900"/>
+      <a:bevelB w="88900" h="31750" prst="angle"/>
+    </dgm:sp3d>
+    <dgm:txPr/>
+    <dgm:style>
+      <a:lnRef idx="0">
+        <a:scrgbClr r="0" g="0" b="0"/>
+      </a:lnRef>
+      <a:fillRef idx="3">
+        <a:scrgbClr r="0" g="0" b="0"/>
+      </a:fillRef>
+      <a:effectRef idx="1">
+        <a:scrgbClr r="0" g="0" b="0"/>
+      </a:effectRef>
+      <a:fontRef idx="minor">
+        <a:schemeClr val="lt1"/>
+      </a:fontRef>
+    </dgm:style>
+  </dgm:styleLbl>
+  <dgm:styleLbl name="parChTrans2D1">
+    <dgm:scene3d>
+      <a:camera prst="orthographicFront"/>
+      <a:lightRig rig="flat" dir="t"/>
+    </dgm:scene3d>
+    <dgm:sp3d z="-100000" prstMaterial="plastic">
+      <a:bevelT w="120900" h="88900"/>
+      <a:bevelB w="88900" h="31750" prst="angle"/>
+    </dgm:sp3d>
+    <dgm:txPr/>
+    <dgm:style>
+      <a:lnRef idx="0">
+        <a:scrgbClr r="0" g="0" b="0"/>
+      </a:lnRef>
+      <a:fillRef idx="3">
+        <a:scrgbClr r="0" g="0" b="0"/>
+      </a:fillRef>
+      <a:effectRef idx="1">
+        <a:scrgbClr r="0" g="0" b="0"/>
+      </a:effectRef>
+      <a:fontRef idx="minor">
+        <a:schemeClr val="lt1"/>
+      </a:fontRef>
+    </dgm:style>
+  </dgm:styleLbl>
+  <dgm:styleLbl name="parChTrans2D2">
+    <dgm:scene3d>
+      <a:camera prst="orthographicFront"/>
+      <a:lightRig rig="flat" dir="t"/>
+    </dgm:scene3d>
+    <dgm:sp3d z="-60000" prstMaterial="plastic">
+      <a:bevelT w="120900" h="88900"/>
+      <a:bevelB w="88900" h="31750" prst="angle"/>
+    </dgm:sp3d>
+    <dgm:txPr/>
+    <dgm:style>
+      <a:lnRef idx="0">
+        <a:scrgbClr r="0" g="0" b="0"/>
+      </a:lnRef>
+      <a:fillRef idx="3">
+        <a:scrgbClr r="0" g="0" b="0"/>
+      </a:fillRef>
+      <a:effectRef idx="1">
+        <a:scrgbClr r="0" g="0" b="0"/>
+      </a:effectRef>
+      <a:fontRef idx="minor">
+        <a:schemeClr val="lt1"/>
+      </a:fontRef>
+    </dgm:style>
+  </dgm:styleLbl>
+  <dgm:styleLbl name="parChTrans2D3">
+    <dgm:scene3d>
+      <a:camera prst="orthographicFront"/>
+      <a:lightRig rig="flat" dir="t"/>
+    </dgm:scene3d>
+    <dgm:sp3d z="-60000" prstMaterial="plastic">
+      <a:bevelT w="120900" h="88900"/>
+      <a:bevelB w="88900" h="31750" prst="angle"/>
+    </dgm:sp3d>
+    <dgm:txPr/>
+    <dgm:style>
+      <a:lnRef idx="0">
+        <a:scrgbClr r="0" g="0" b="0"/>
+      </a:lnRef>
+      <a:fillRef idx="3">
+        <a:scrgbClr r="0" g="0" b="0"/>
+      </a:fillRef>
+      <a:effectRef idx="1">
+        <a:scrgbClr r="0" g="0" b="0"/>
+      </a:effectRef>
+      <a:fontRef idx="minor">
+        <a:schemeClr val="lt1"/>
+      </a:fontRef>
+    </dgm:style>
+  </dgm:styleLbl>
+  <dgm:styleLbl name="parChTrans2D4">
+    <dgm:scene3d>
+      <a:camera prst="orthographicFront"/>
+      <a:lightRig rig="flat" dir="t"/>
+    </dgm:scene3d>
+    <dgm:sp3d z="-60000" prstMaterial="plastic">
+      <a:bevelT w="120900" h="88900"/>
+      <a:bevelB w="88900" h="31750" prst="angle"/>
+    </dgm:sp3d>
+    <dgm:txPr/>
+    <dgm:style>
+      <a:lnRef idx="0">
+        <a:scrgbClr r="0" g="0" b="0"/>
+      </a:lnRef>
+      <a:fillRef idx="3">
+        <a:scrgbClr r="0" g="0" b="0"/>
+      </a:fillRef>
+      <a:effectRef idx="1">
+        <a:scrgbClr r="0" g="0" b="0"/>
+      </a:effectRef>
+      <a:fontRef idx="minor">
+        <a:schemeClr val="lt1"/>
+      </a:fontRef>
+    </dgm:style>
+  </dgm:styleLbl>
+  <dgm:styleLbl name="parChTrans1D1">
+    <dgm:scene3d>
+      <a:camera prst="orthographicFront"/>
+      <a:lightRig rig="flat" dir="t"/>
+    </dgm:scene3d>
+    <dgm:sp3d prstMaterial="matte"/>
+    <dgm:txPr/>
+    <dgm:style>
+      <a:lnRef idx="2">
+        <a:scrgbClr r="0" g="0" b="0"/>
+      </a:lnRef>
+      <a:fillRef idx="0">
+        <a:scrgbClr r="0" g="0" b="0"/>
+      </a:fillRef>
+      <a:effectRef idx="0">
+        <a:scrgbClr r="0" g="0" b="0"/>
+      </a:effectRef>
+      <a:fontRef idx="minor"/>
+    </dgm:style>
+  </dgm:styleLbl>
+  <dgm:styleLbl name="parChTrans1D2">
+    <dgm:scene3d>
+      <a:camera prst="orthographicFront"/>
+      <a:lightRig rig="flat" dir="t"/>
+    </dgm:scene3d>
+    <dgm:sp3d prstMaterial="matte"/>
+    <dgm:txPr/>
+    <dgm:style>
+      <a:lnRef idx="2">
+        <a:scrgbClr r="0" g="0" b="0"/>
+      </a:lnRef>
+      <a:fillRef idx="0">
+        <a:scrgbClr r="0" g="0" b="0"/>
+      </a:fillRef>
+      <a:effectRef idx="0">
+        <a:scrgbClr r="0" g="0" b="0"/>
+      </a:effectRef>
+      <a:fontRef idx="minor"/>
+    </dgm:style>
+  </dgm:styleLbl>
+  <dgm:styleLbl name="parChTrans1D3">
+    <dgm:scene3d>
+      <a:camera prst="orthographicFront"/>
+      <a:lightRig rig="flat" dir="t"/>
+    </dgm:scene3d>
+    <dgm:sp3d prstMaterial="matte"/>
+    <dgm:txPr/>
+    <dgm:style>
+      <a:lnRef idx="2">
+        <a:scrgbClr r="0" g="0" b="0"/>
+      </a:lnRef>
+      <a:fillRef idx="0">
+        <a:scrgbClr r="0" g="0" b="0"/>
+      </a:fillRef>
+      <a:effectRef idx="0">
+        <a:scrgbClr r="0" g="0" b="0"/>
+      </a:effectRef>
+      <a:fontRef idx="minor"/>
+    </dgm:style>
+  </dgm:styleLbl>
+  <dgm:styleLbl name="parChTrans1D4">
+    <dgm:scene3d>
+      <a:camera prst="orthographicFront"/>
+      <a:lightRig rig="flat" dir="t"/>
+    </dgm:scene3d>
+    <dgm:sp3d prstMaterial="matte"/>
+    <dgm:txPr/>
+    <dgm:style>
+      <a:lnRef idx="2">
+        <a:scrgbClr r="0" g="0" b="0"/>
+      </a:lnRef>
+      <a:fillRef idx="0">
+        <a:scrgbClr r="0" g="0" b="0"/>
+      </a:fillRef>
+      <a:effectRef idx="0">
+        <a:scrgbClr r="0" g="0" b="0"/>
+      </a:effectRef>
+      <a:fontRef idx="minor"/>
+    </dgm:style>
+  </dgm:styleLbl>
+  <dgm:styleLbl name="fgAcc1">
+    <dgm:scene3d>
+      <a:camera prst="orthographicFront"/>
+      <a:lightRig rig="flat" dir="t"/>
+    </dgm:scene3d>
+    <dgm:sp3d z="190500" extrusionH="12700" prstMaterial="plastic">
+      <a:bevelT w="50800" h="50800"/>
+    </dgm:sp3d>
+    <dgm:txPr/>
+    <dgm:style>
+      <a:lnRef idx="1">
+        <a:scrgbClr r="0" g="0" b="0"/>
+      </a:lnRef>
+      <a:fillRef idx="1">
+        <a:scrgbClr r="0" g="0" b="0"/>
+      </a:fillRef>
+      <a:effectRef idx="2">
+        <a:scrgbClr r="0" g="0" b="0"/>
+      </a:effectRef>
+      <a:fontRef idx="minor"/>
+    </dgm:style>
+  </dgm:styleLbl>
+  <dgm:styleLbl name="conFgAcc1">
+    <dgm:scene3d>
+      <a:camera prst="orthographicFront"/>
+      <a:lightRig rig="flat" dir="t"/>
+    </dgm:scene3d>
+    <dgm:sp3d z="190500" extrusionH="12700" prstMaterial="plastic">
+      <a:bevelT w="50800" h="50800"/>
+    </dgm:sp3d>
+    <dgm:txPr/>
+    <dgm:style>
+      <a:lnRef idx="1">
+        <a:scrgbClr r="0" g="0" b="0"/>
+      </a:lnRef>
+      <a:fillRef idx="1">
+        <a:scrgbClr r="0" g="0" b="0"/>
+      </a:fillRef>
+      <a:effectRef idx="2">
+        <a:scrgbClr r="0" g="0" b="0"/>
+      </a:effectRef>
+      <a:fontRef idx="minor"/>
+    </dgm:style>
+  </dgm:styleLbl>
+  <dgm:styleLbl name="alignAcc1">
+    <dgm:scene3d>
+      <a:camera prst="orthographicFront"/>
+      <a:lightRig rig="flat" dir="t"/>
+    </dgm:scene3d>
+    <dgm:sp3d extrusionH="12700" prstMaterial="plastic">
+      <a:bevelT w="50800" h="50800"/>
+    </dgm:sp3d>
+    <dgm:txPr/>
+    <dgm:style>
+      <a:lnRef idx="1">
+        <a:scrgbClr r="0" g="0" b="0"/>
+      </a:lnRef>
+      <a:fillRef idx="1">
+        <a:scrgbClr r="0" g="0" b="0"/>
+      </a:fillRef>
+      <a:effectRef idx="2">
+        <a:scrgbClr r="0" g="0" b="0"/>
+      </a:effectRef>
+      <a:fontRef idx="minor"/>
+    </dgm:style>
+  </dgm:styleLbl>
+  <dgm:styleLbl name="trAlignAcc1">
+    <dgm:scene3d>
+      <a:camera prst="orthographicFront"/>
+      <a:lightRig rig="flat" dir="t"/>
+    </dgm:scene3d>
+    <dgm:sp3d extrusionH="12700" prstMaterial="plastic">
+      <a:bevelT w="50800" h="50800"/>
+    </dgm:sp3d>
+    <dgm:txPr/>
+    <dgm:style>
+      <a:lnRef idx="1">
+        <a:scrgbClr r="0" g="0" b="0"/>
+      </a:lnRef>
+      <a:fillRef idx="1">
+        <a:scrgbClr r="0" g="0" b="0"/>
+      </a:fillRef>
+      <a:effectRef idx="2">
+        <a:scrgbClr r="0" g="0" b="0"/>
+      </a:effectRef>
+      <a:fontRef idx="minor"/>
+    </dgm:style>
+  </dgm:styleLbl>
+  <dgm:styleLbl name="bgAcc1">
+    <dgm:scene3d>
+      <a:camera prst="orthographicFront"/>
+      <a:lightRig rig="flat" dir="t"/>
+    </dgm:scene3d>
+    <dgm:sp3d z="-190500" extrusionH="12700" prstMaterial="plastic">
+      <a:bevelT w="50800" h="50800"/>
+    </dgm:sp3d>
+    <dgm:txPr/>
+    <dgm:style>
+      <a:lnRef idx="1">
+        <a:scrgbClr r="0" g="0" b="0"/>
+      </a:lnRef>
+      <a:fillRef idx="1">
+        <a:scrgbClr r="0" g="0" b="0"/>
+      </a:fillRef>
+      <a:effectRef idx="2">
+        <a:scrgbClr r="0" g="0" b="0"/>
+      </a:effectRef>
+      <a:fontRef idx="minor"/>
+    </dgm:style>
+  </dgm:styleLbl>
+  <dgm:styleLbl name="solidFgAcc1">
+    <dgm:scene3d>
+      <a:camera prst="orthographicFront"/>
+      <a:lightRig rig="flat" dir="t"/>
+    </dgm:scene3d>
+    <dgm:sp3d z="190500" extrusionH="12700" prstMaterial="plastic">
+      <a:bevelT w="50800" h="50800"/>
+    </dgm:sp3d>
+    <dgm:txPr/>
+    <dgm:style>
+      <a:lnRef idx="1">
+        <a:scrgbClr r="0" g="0" b="0"/>
+      </a:lnRef>
+      <a:fillRef idx="1">
+        <a:scrgbClr r="0" g="0" b="0"/>
+      </a:fillRef>
+      <a:effectRef idx="2">
+        <a:scrgbClr r="0" g="0" b="0"/>
+      </a:effectRef>
+      <a:fontRef idx="minor"/>
+    </dgm:style>
+  </dgm:styleLbl>
+  <dgm:styleLbl name="solidAlignAcc1">
+    <dgm:scene3d>
+      <a:camera prst="orthographicFront"/>
+      <a:lightRig rig="flat" dir="t"/>
+    </dgm:scene3d>
+    <dgm:sp3d extrusionH="12700" prstMaterial="plastic">
+      <a:bevelT w="50800" h="50800"/>
+    </dgm:sp3d>
+    <dgm:txPr/>
+    <dgm:style>
+      <a:lnRef idx="1">
+        <a:scrgbClr r="0" g="0" b="0"/>
+      </a:lnRef>
+      <a:fillRef idx="1">
+        <a:scrgbClr r="0" g="0" b="0"/>
+      </a:fillRef>
+      <a:effectRef idx="2">
+        <a:scrgbClr r="0" g="0" b="0"/>
+      </a:effectRef>
+      <a:fontRef idx="minor"/>
+    </dgm:style>
+  </dgm:styleLbl>
+  <dgm:styleLbl name="solidBgAcc1">
+    <dgm:scene3d>
+      <a:camera prst="orthographicFront"/>
+      <a:lightRig rig="flat" dir="t"/>
+    </dgm:scene3d>
+    <dgm:sp3d z="-190500" extrusionH="12700" prstMaterial="plastic">
+      <a:bevelT w="50800" h="50800"/>
+    </dgm:sp3d>
+    <dgm:txPr/>
+    <dgm:style>
+      <a:lnRef idx="1">
+        <a:scrgbClr r="0" g="0" b="0"/>
+      </a:lnRef>
+      <a:fillRef idx="1">
+        <a:scrgbClr r="0" g="0" b="0"/>
+      </a:fillRef>
+      <a:effectRef idx="2">
+        <a:scrgbClr r="0" g="0" b="0"/>
+      </a:effectRef>
+      <a:fontRef idx="minor"/>
+    </dgm:style>
+  </dgm:styleLbl>
+  <dgm:styleLbl name="fgAccFollowNode1">
+    <dgm:scene3d>
+      <a:camera prst="orthographicFront"/>
+      <a:lightRig rig="flat" dir="t"/>
+    </dgm:scene3d>
+    <dgm:sp3d z="190500" extrusionH="12700" prstMaterial="plastic">
+      <a:bevelT w="50800" h="50800"/>
+    </dgm:sp3d>
+    <dgm:txPr/>
+    <dgm:style>
+      <a:lnRef idx="1">
+        <a:scrgbClr r="0" g="0" b="0"/>
+      </a:lnRef>
+      <a:fillRef idx="1">
+        <a:scrgbClr r="0" g="0" b="0"/>
+      </a:fillRef>
+      <a:effectRef idx="2">
+        <a:scrgbClr r="0" g="0" b="0"/>
+      </a:effectRef>
+      <a:fontRef idx="minor"/>
+    </dgm:style>
+  </dgm:styleLbl>
+  <dgm:styleLbl name="alignAccFollowNode1">
+    <dgm:scene3d>
+      <a:camera prst="orthographicFront"/>
+      <a:lightRig rig="flat" dir="t"/>
+    </dgm:scene3d>
+    <dgm:sp3d extrusionH="12700" prstMaterial="plastic">
+      <a:bevelT w="50800" h="50800"/>
+    </dgm:sp3d>
+    <dgm:txPr/>
+    <dgm:style>
+      <a:lnRef idx="1">
+        <a:scrgbClr r="0" g="0" b="0"/>
+      </a:lnRef>
+      <a:fillRef idx="1">
+        <a:scrgbClr r="0" g="0" b="0"/>
+      </a:fillRef>
+      <a:effectRef idx="2">
+        <a:scrgbClr r="0" g="0" b="0"/>
+      </a:effectRef>
+      <a:fontRef idx="minor"/>
+    </dgm:style>
+  </dgm:styleLbl>
+  <dgm:styleLbl name="bgAccFollowNode1">
+    <dgm:scene3d>
+      <a:camera prst="orthographicFront"/>
+      <a:lightRig rig="flat" dir="t"/>
+    </dgm:scene3d>
+    <dgm:sp3d z="-190500" extrusionH="12700" prstMaterial="plastic">
+      <a:bevelT w="50800" h="50800"/>
+    </dgm:sp3d>
+    <dgm:txPr/>
+    <dgm:style>
+      <a:lnRef idx="1">
+        <a:scrgbClr r="0" g="0" b="0"/>
+      </a:lnRef>
+      <a:fillRef idx="1">
+        <a:scrgbClr r="0" g="0" b="0"/>
+      </a:fillRef>
+      <a:effectRef idx="2">
+        <a:scrgbClr r="0" g="0" b="0"/>
+      </a:effectRef>
+      <a:fontRef idx="minor"/>
+    </dgm:style>
+  </dgm:styleLbl>
+  <dgm:styleLbl name="fgAcc0">
+    <dgm:scene3d>
+      <a:camera prst="orthographicFront"/>
+      <a:lightRig rig="flat" dir="t"/>
+    </dgm:scene3d>
+    <dgm:sp3d z="190500" extrusionH="12700" prstMaterial="plastic">
+      <a:bevelT w="50800" h="50800"/>
+    </dgm:sp3d>
+    <dgm:txPr/>
+    <dgm:style>
+      <a:lnRef idx="1">
+        <a:scrgbClr r="0" g="0" b="0"/>
+      </a:lnRef>
+      <a:fillRef idx="1">
+        <a:scrgbClr r="0" g="0" b="0"/>
+      </a:fillRef>
+      <a:effectRef idx="2">
+        <a:scrgbClr r="0" g="0" b="0"/>
+      </a:effectRef>
+      <a:fontRef idx="minor"/>
+    </dgm:style>
+  </dgm:styleLbl>
+  <dgm:styleLbl name="fgAcc2">
+    <dgm:scene3d>
+      <a:camera prst="orthographicFront"/>
+      <a:lightRig rig="flat" dir="t"/>
+    </dgm:scene3d>
+    <dgm:sp3d z="190500" extrusionH="12700" prstMaterial="plastic">
+      <a:bevelT w="50800" h="50800"/>
+    </dgm:sp3d>
+    <dgm:txPr/>
+    <dgm:style>
+      <a:lnRef idx="1">
+        <a:scrgbClr r="0" g="0" b="0"/>
+      </a:lnRef>
+      <a:fillRef idx="1">
+        <a:scrgbClr r="0" g="0" b="0"/>
+      </a:fillRef>
+      <a:effectRef idx="2">
+        <a:scrgbClr r="0" g="0" b="0"/>
+      </a:effectRef>
+      <a:fontRef idx="minor"/>
+    </dgm:style>
+  </dgm:styleLbl>
+  <dgm:styleLbl name="fgAcc3">
+    <dgm:scene3d>
+      <a:camera prst="orthographicFront"/>
+      <a:lightRig rig="flat" dir="t"/>
+    </dgm:scene3d>
+    <dgm:sp3d z="190500" extrusionH="12700" prstMaterial="plastic">
+      <a:bevelT w="50800" h="50800"/>
+    </dgm:sp3d>
+    <dgm:txPr/>
+    <dgm:style>
+      <a:lnRef idx="1">
+        <a:scrgbClr r="0" g="0" b="0"/>
+      </a:lnRef>
+      <a:fillRef idx="1">
+        <a:scrgbClr r="0" g="0" b="0"/>
+      </a:fillRef>
+      <a:effectRef idx="2">
+        <a:scrgbClr r="0" g="0" b="0"/>
+      </a:effectRef>
+      <a:fontRef idx="minor"/>
+    </dgm:style>
+  </dgm:styleLbl>
+  <dgm:styleLbl name="fgAcc4">
+    <dgm:scene3d>
+      <a:camera prst="orthographicFront"/>
+      <a:lightRig rig="flat" dir="t"/>
+    </dgm:scene3d>
+    <dgm:sp3d z="190500" extrusionH="12700" prstMaterial="plastic">
+      <a:bevelT w="50800" h="50800"/>
+    </dgm:sp3d>
+    <dgm:txPr/>
+    <dgm:style>
+      <a:lnRef idx="1">
+        <a:scrgbClr r="0" g="0" b="0"/>
+      </a:lnRef>
+      <a:fillRef idx="1">
+        <a:scrgbClr r="0" g="0" b="0"/>
+      </a:fillRef>
+      <a:effectRef idx="2">
+        <a:scrgbClr r="0" g="0" b="0"/>
+      </a:effectRef>
+      <a:fontRef idx="minor"/>
+    </dgm:style>
+  </dgm:styleLbl>
+  <dgm:styleLbl name="bgShp">
+    <dgm:scene3d>
+      <a:camera prst="orthographicFront"/>
+      <a:lightRig rig="flat" dir="t"/>
+    </dgm:scene3d>
+    <dgm:sp3d z="-190500" extrusionH="12700" prstMaterial="plastic">
+      <a:bevelT w="50800" h="50800"/>
+    </dgm:sp3d>
+    <dgm:txPr/>
+    <dgm:style>
+      <a:lnRef idx="0">
+        <a:scrgbClr r="0" g="0" b="0"/>
+      </a:lnRef>
+      <a:fillRef idx="3">
+        <a:scrgbClr r="0" g="0" b="0"/>
+      </a:fillRef>
+      <a:effectRef idx="0">
+        <a:scrgbClr r="0" g="0" b="0"/>
+      </a:effectRef>
+      <a:fontRef idx="minor"/>
+    </dgm:style>
+  </dgm:styleLbl>
+  <dgm:styleLbl name="dkBgShp">
+    <dgm:scene3d>
+      <a:camera prst="orthographicFront"/>
+      <a:lightRig rig="flat" dir="t"/>
+    </dgm:scene3d>
+    <dgm:sp3d z="-190500" extrusionH="12700" prstMaterial="plastic">
+      <a:bevelT w="50800" h="50800"/>
+    </dgm:sp3d>
+    <dgm:txPr/>
+    <dgm:style>
+      <a:lnRef idx="0">
+        <a:scrgbClr r="0" g="0" b="0"/>
+      </a:lnRef>
+      <a:fillRef idx="2">
+        <a:scrgbClr r="0" g="0" b="0"/>
+      </a:fillRef>
+      <a:effectRef idx="0">
+        <a:scrgbClr r="0" g="0" b="0"/>
+      </a:effectRef>
+      <a:fontRef idx="minor"/>
+    </dgm:style>
+  </dgm:styleLbl>
+  <dgm:styleLbl name="trBgShp">
+    <dgm:scene3d>
+      <a:camera prst="orthographicFront"/>
+      <a:lightRig rig="flat" dir="t"/>
+    </dgm:scene3d>
+    <dgm:sp3d z="-190500" extrusionH="12700" prstMaterial="matte"/>
+    <dgm:txPr/>
+    <dgm:style>
+      <a:lnRef idx="0">
+        <a:scrgbClr r="0" g="0" b="0"/>
+      </a:lnRef>
+      <a:fillRef idx="1">
+        <a:scrgbClr r="0" g="0" b="0"/>
+      </a:fillRef>
+      <a:effectRef idx="0">
+        <a:scrgbClr r="0" g="0" b="0"/>
+      </a:effectRef>
+      <a:fontRef idx="minor"/>
+    </dgm:style>
+  </dgm:styleLbl>
+  <dgm:styleLbl name="fgShp">
+    <dgm:scene3d>
+      <a:camera prst="orthographicFront"/>
+      <a:lightRig rig="flat" dir="t"/>
+    </dgm:scene3d>
+    <dgm:sp3d z="190500" prstMaterial="plastic">
+      <a:bevelT w="120900" h="88900"/>
+      <a:bevelB w="88900" h="31750" prst="angle"/>
+    </dgm:sp3d>
+    <dgm:txPr/>
+    <dgm:style>
+      <a:lnRef idx="0">
+        <a:scrgbClr r="0" g="0" b="0"/>
+      </a:lnRef>
+      <a:fillRef idx="1">
+        <a:scrgbClr r="0" g="0" b="0"/>
+      </a:fillRef>
+      <a:effectRef idx="3">
+        <a:scrgbClr r="0" g="0" b="0"/>
+      </a:effectRef>
+      <a:fontRef idx="minor">
+        <a:schemeClr val="lt1"/>
+      </a:fontRef>
+    </dgm:style>
+  </dgm:styleLbl>
+  <dgm:styleLbl name="revTx">
+    <dgm:scene3d>
+      <a:camera prst="orthographicFront"/>
+      <a:lightRig rig="threePt" dir="t"/>
+    </dgm:scene3d>
+    <dgm:sp3d/>
+    <dgm:txPr/>
+    <dgm:style>
+      <a:lnRef idx="0">
+        <a:scrgbClr r="0" g="0" b="0"/>
+      </a:lnRef>
+      <a:fillRef idx="0">
+        <a:scrgbClr r="0" g="0" b="0"/>
+      </a:fillRef>
+      <a:effectRef idx="0">
+        <a:scrgbClr r="0" g="0" b="0"/>
+      </a:effectRef>
+      <a:fontRef idx="minor"/>
+    </dgm:style>
+  </dgm:styleLbl>
+</dgm:styleDef>
+</file>
+
+<file path=ppt/diagrams/quickStyle3.xml><?xml version="1.0" encoding="utf-8"?>
+<dgm:styleDef xmlns:dgm="http://schemas.openxmlformats.org/drawingml/2006/diagram" xmlns:a="http://schemas.openxmlformats.org/drawingml/2006/main" uniqueId="urn:microsoft.com/office/officeart/2005/8/quickstyle/simple1">
+  <dgm:title val=""/>
+  <dgm:desc val=""/>
+  <dgm:catLst>
+    <dgm:cat type="simple" pri="10100"/>
+  </dgm:catLst>
+  <dgm:scene3d>
+    <a:camera prst="orthographicFront"/>
+    <a:lightRig rig="threePt" dir="t"/>
+  </dgm:scene3d>
+  <dgm:styleLbl name="node0">
+    <dgm:scene3d>
+      <a:camera prst="orthographicFront"/>
+      <a:lightRig rig="threePt" dir="t"/>
+    </dgm:scene3d>
+    <dgm:sp3d/>
+    <dgm:txPr/>
+    <dgm:style>
+      <a:lnRef idx="2">
+        <a:scrgbClr r="0" g="0" b="0"/>
+      </a:lnRef>
+      <a:fillRef idx="1">
+        <a:scrgbClr r="0" g="0" b="0"/>
+      </a:fillRef>
+      <a:effectRef idx="0">
+        <a:scrgbClr r="0" g="0" b="0"/>
+      </a:effectRef>
+      <a:fontRef idx="minor">
+        <a:schemeClr val="lt1"/>
+      </a:fontRef>
+    </dgm:style>
+  </dgm:styleLbl>
+  <dgm:styleLbl name="lnNode1">
+    <dgm:scene3d>
+      <a:camera prst="orthographicFront"/>
+      <a:lightRig rig="threePt" dir="t"/>
+    </dgm:scene3d>
+    <dgm:sp3d/>
+    <dgm:txPr/>
+    <dgm:style>
+      <a:lnRef idx="2">
+        <a:scrgbClr r="0" g="0" b="0"/>
+      </a:lnRef>
+      <a:fillRef idx="1">
+        <a:scrgbClr r="0" g="0" b="0"/>
+      </a:fillRef>
+      <a:effectRef idx="0">
+        <a:scrgbClr r="0" g="0" b="0"/>
+      </a:effectRef>
+      <a:fontRef idx="minor">
+        <a:schemeClr val="lt1"/>
+      </a:fontRef>
+    </dgm:style>
+  </dgm:styleLbl>
+  <dgm:styleLbl name="vennNode1">
+    <dgm:scene3d>
+      <a:camera prst="orthographicFront"/>
+      <a:lightRig rig="threePt" dir="t"/>
+    </dgm:scene3d>
+    <dgm:sp3d/>
+    <dgm:txPr/>
+    <dgm:style>
+      <a:lnRef idx="2">
+        <a:scrgbClr r="0" g="0" b="0"/>
+      </a:lnRef>
+      <a:fillRef idx="1">
+        <a:scrgbClr r="0" g="0" b="0"/>
+      </a:fillRef>
+      <a:effectRef idx="0">
+        <a:scrgbClr r="0" g="0" b="0"/>
+      </a:effectRef>
+      <a:fontRef idx="minor">
+        <a:schemeClr val="tx1"/>
+      </a:fontRef>
+    </dgm:style>
+  </dgm:styleLbl>
+  <dgm:styleLbl name="alignNode1">
+    <dgm:scene3d>
+      <a:camera prst="orthographicFront"/>
+      <a:lightRig rig="threePt" dir="t"/>
+    </dgm:scene3d>
+    <dgm:sp3d/>
+    <dgm:txPr/>
+    <dgm:style>
+      <a:lnRef idx="2">
+        <a:scrgbClr r="0" g="0" b="0"/>
+      </a:lnRef>
+      <a:fillRef idx="1">
+        <a:scrgbClr r="0" g="0" b="0"/>
+      </a:fillRef>
+      <a:effectRef idx="0">
+        <a:scrgbClr r="0" g="0" b="0"/>
+      </a:effectRef>
+      <a:fontRef idx="minor">
+        <a:schemeClr val="lt1"/>
+      </a:fontRef>
+    </dgm:style>
+  </dgm:styleLbl>
+  <dgm:styleLbl name="node1">
+    <dgm:scene3d>
+      <a:camera prst="orthographicFront"/>
+      <a:lightRig rig="threePt" dir="t"/>
+    </dgm:scene3d>
+    <dgm:sp3d/>
+    <dgm:txPr/>
+    <dgm:style>
+      <a:lnRef idx="2">
+        <a:scrgbClr r="0" g="0" b="0"/>
+      </a:lnRef>
+      <a:fillRef idx="1">
+        <a:scrgbClr r="0" g="0" b="0"/>
+      </a:fillRef>
+      <a:effectRef idx="0">
+        <a:scrgbClr r="0" g="0" b="0"/>
+      </a:effectRef>
+      <a:fontRef idx="minor">
+        <a:schemeClr val="lt1"/>
+      </a:fontRef>
+    </dgm:style>
+  </dgm:styleLbl>
+  <dgm:styleLbl name="node2">
+    <dgm:scene3d>
+      <a:camera prst="orthographicFront"/>
+      <a:lightRig rig="threePt" dir="t"/>
+    </dgm:scene3d>
+    <dgm:sp3d/>
+    <dgm:txPr/>
+    <dgm:style>
+      <a:lnRef idx="2">
+        <a:scrgbClr r="0" g="0" b="0"/>
+      </a:lnRef>
+      <a:fillRef idx="1">
+        <a:scrgbClr r="0" g="0" b="0"/>
+      </a:fillRef>
+      <a:effectRef idx="0">
+        <a:scrgbClr r="0" g="0" b="0"/>
+      </a:effectRef>
+      <a:fontRef idx="minor">
+        <a:schemeClr val="lt1"/>
+      </a:fontRef>
+    </dgm:style>
+  </dgm:styleLbl>
+  <dgm:styleLbl name="node3">
+    <dgm:scene3d>
+      <a:camera prst="orthographicFront"/>
+      <a:lightRig rig="threePt" dir="t"/>
+    </dgm:scene3d>
+    <dgm:sp3d/>
+    <dgm:txPr/>
+    <dgm:style>
+      <a:lnRef idx="2">
+        <a:scrgbClr r="0" g="0" b="0"/>
+      </a:lnRef>
+      <a:fillRef idx="1">
+        <a:scrgbClr r="0" g="0" b="0"/>
+      </a:fillRef>
+      <a:effectRef idx="0">
+        <a:scrgbClr r="0" g="0" b="0"/>
+      </a:effectRef>
+      <a:fontRef idx="minor">
+        <a:schemeClr val="lt1"/>
+      </a:fontRef>
+    </dgm:style>
+  </dgm:styleLbl>
+  <dgm:styleLbl name="node4">
+    <dgm:scene3d>
+      <a:camera prst="orthographicFront"/>
+      <a:lightRig rig="threePt" dir="t"/>
+    </dgm:scene3d>
+    <dgm:sp3d/>
+    <dgm:txPr/>
+    <dgm:style>
+      <a:lnRef idx="2">
+        <a:scrgbClr r="0" g="0" b="0"/>
+      </a:lnRef>
+      <a:fillRef idx="1">
+        <a:scrgbClr r="0" g="0" b="0"/>
+      </a:fillRef>
+      <a:effectRef idx="0">
+        <a:scrgbClr r="0" g="0" b="0"/>
+      </a:effectRef>
+      <a:fontRef idx="minor">
+        <a:schemeClr val="lt1"/>
+      </a:fontRef>
+    </dgm:style>
+  </dgm:styleLbl>
+  <dgm:styleLbl name="fgImgPlace1">
+    <dgm:scene3d>
+      <a:camera prst="orthographicFront"/>
+      <a:lightRig rig="threePt" dir="t"/>
+    </dgm:scene3d>
+    <dgm:sp3d/>
+    <dgm:txPr/>
+    <dgm:style>
+      <a:lnRef idx="2">
+        <a:scrgbClr r="0" g="0" b="0"/>
+      </a:lnRef>
+      <a:fillRef idx="1">
+        <a:scrgbClr r="0" g="0" b="0"/>
+      </a:fillRef>
+      <a:effectRef idx="0">
+        <a:scrgbClr r="0" g="0" b="0"/>
+      </a:effectRef>
+      <a:fontRef idx="minor"/>
+    </dgm:style>
+  </dgm:styleLbl>
+  <dgm:styleLbl name="alignImgPlace1">
+    <dgm:scene3d>
+      <a:camera prst="orthographicFront"/>
+      <a:lightRig rig="threePt" dir="t"/>
+    </dgm:scene3d>
+    <dgm:sp3d/>
+    <dgm:txPr/>
+    <dgm:style>
+      <a:lnRef idx="2">
+        <a:scrgbClr r="0" g="0" b="0"/>
+      </a:lnRef>
+      <a:fillRef idx="1">
+        <a:scrgbClr r="0" g="0" b="0"/>
+      </a:fillRef>
+      <a:effectRef idx="0">
+        <a:scrgbClr r="0" g="0" b="0"/>
+      </a:effectRef>
+      <a:fontRef idx="minor"/>
+    </dgm:style>
+  </dgm:styleLbl>
+  <dgm:styleLbl name="bgImgPlace1">
+    <dgm:scene3d>
+      <a:camera prst="orthographicFront"/>
+      <a:lightRig rig="threePt" dir="t"/>
+    </dgm:scene3d>
+    <dgm:sp3d/>
+    <dgm:txPr/>
+    <dgm:style>
+      <a:lnRef idx="2">
+        <a:scrgbClr r="0" g="0" b="0"/>
+      </a:lnRef>
+      <a:fillRef idx="1">
+        <a:scrgbClr r="0" g="0" b="0"/>
+      </a:fillRef>
+      <a:effectRef idx="0">
+        <a:scrgbClr r="0" g="0" b="0"/>
+      </a:effectRef>
+      <a:fontRef idx="minor"/>
+    </dgm:style>
+  </dgm:styleLbl>
+  <dgm:styleLbl name="sibTrans2D1">
+    <dgm:scene3d>
+      <a:camera prst="orthographicFront"/>
+      <a:lightRig rig="threePt" dir="t"/>
+    </dgm:scene3d>
+    <dgm:sp3d/>
+    <dgm:txPr/>
+    <dgm:style>
+      <a:lnRef idx="0">
+        <a:scrgbClr r="0" g="0" b="0"/>
+      </a:lnRef>
+      <a:fillRef idx="1">
+        <a:scrgbClr r="0" g="0" b="0"/>
+      </a:fillRef>
+      <a:effectRef idx="0">
+        <a:scrgbClr r="0" g="0" b="0"/>
+      </a:effectRef>
+      <a:fontRef idx="minor">
+        <a:schemeClr val="lt1"/>
+      </a:fontRef>
+    </dgm:style>
+  </dgm:styleLbl>
+  <dgm:styleLbl name="fgSibTrans2D1">
+    <dgm:scene3d>
+      <a:camera prst="orthographicFront"/>
+      <a:lightRig rig="threePt" dir="t"/>
+    </dgm:scene3d>
+    <dgm:sp3d/>
+    <dgm:txPr/>
+    <dgm:style>
+      <a:lnRef idx="0">
+        <a:scrgbClr r="0" g="0" b="0"/>
+      </a:lnRef>
+      <a:fillRef idx="1">
+        <a:scrgbClr r="0" g="0" b="0"/>
+      </a:fillRef>
+      <a:effectRef idx="0">
+        <a:scrgbClr r="0" g="0" b="0"/>
+      </a:effectRef>
+      <a:fontRef idx="minor">
+        <a:schemeClr val="lt1"/>
+      </a:fontRef>
+    </dgm:style>
+  </dgm:styleLbl>
+  <dgm:styleLbl name="bgSibTrans2D1">
+    <dgm:scene3d>
+      <a:camera prst="orthographicFront"/>
+      <a:lightRig rig="threePt" dir="t"/>
+    </dgm:scene3d>
+    <dgm:sp3d/>
+    <dgm:txPr/>
+    <dgm:style>
+      <a:lnRef idx="0">
+        <a:scrgbClr r="0" g="0" b="0"/>
+      </a:lnRef>
+      <a:fillRef idx="1">
+        <a:scrgbClr r="0" g="0" b="0"/>
+      </a:fillRef>
+      <a:effectRef idx="0">
+        <a:scrgbClr r="0" g="0" b="0"/>
+      </a:effectRef>
+      <a:fontRef idx="minor">
+        <a:schemeClr val="lt1"/>
+      </a:fontRef>
+    </dgm:style>
+  </dgm:styleLbl>
+  <dgm:styleLbl name="sibTrans1D1">
+    <dgm:scene3d>
+      <a:camera prst="orthographicFront"/>
+      <a:lightRig rig="threePt" dir="t"/>
+    </dgm:scene3d>
+    <dgm:sp3d/>
+    <dgm:txPr/>
+    <dgm:style>
+      <a:lnRef idx="1">
+        <a:scrgbClr r="0" g="0" b="0"/>
+      </a:lnRef>
+      <a:fillRef idx="0">
+        <a:scrgbClr r="0" g="0" b="0"/>
+      </a:fillRef>
+      <a:effectRef idx="0">
+        <a:scrgbClr r="0" g="0" b="0"/>
+      </a:effectRef>
+      <a:fontRef idx="minor"/>
+    </dgm:style>
+  </dgm:styleLbl>
+  <dgm:styleLbl name="callout">
+    <dgm:scene3d>
+      <a:camera prst="orthographicFront"/>
+      <a:lightRig rig="threePt" dir="t"/>
+    </dgm:scene3d>
+    <dgm:sp3d/>
+    <dgm:txPr/>
+    <dgm:style>
+      <a:lnRef idx="2">
+        <a:scrgbClr r="0" g="0" b="0"/>
+      </a:lnRef>
+      <a:fillRef idx="1">
+        <a:scrgbClr r="0" g="0" b="0"/>
+      </a:fillRef>
+      <a:effectRef idx="0">
+        <a:scrgbClr r="0" g="0" b="0"/>
+      </a:effectRef>
+      <a:fontRef idx="minor"/>
+    </dgm:style>
+  </dgm:styleLbl>
+  <dgm:styleLbl name="asst0">
+    <dgm:scene3d>
+      <a:camera prst="orthographicFront"/>
+      <a:lightRig rig="threePt" dir="t"/>
+    </dgm:scene3d>
+    <dgm:sp3d/>
+    <dgm:txPr/>
+    <dgm:style>
+      <a:lnRef idx="2">
+        <a:scrgbClr r="0" g="0" b="0"/>
+      </a:lnRef>
+      <a:fillRef idx="1">
+        <a:scrgbClr r="0" g="0" b="0"/>
+      </a:fillRef>
+      <a:effectRef idx="0">
+        <a:scrgbClr r="0" g="0" b="0"/>
+      </a:effectRef>
+      <a:fontRef idx="minor">
+        <a:schemeClr val="lt1"/>
+      </a:fontRef>
+    </dgm:style>
+  </dgm:styleLbl>
+  <dgm:styleLbl name="asst1">
+    <dgm:scene3d>
+      <a:camera prst="orthographicFront"/>
+      <a:lightRig rig="threePt" dir="t"/>
+    </dgm:scene3d>
+    <dgm:sp3d/>
+    <dgm:txPr/>
+    <dgm:style>
+      <a:lnRef idx="2">
+        <a:scrgbClr r="0" g="0" b="0"/>
+      </a:lnRef>
+      <a:fillRef idx="1">
+        <a:scrgbClr r="0" g="0" b="0"/>
+      </a:fillRef>
+      <a:effectRef idx="0">
+        <a:scrgbClr r="0" g="0" b="0"/>
+      </a:effectRef>
+      <a:fontRef idx="minor">
+        <a:schemeClr val="lt1"/>
+      </a:fontRef>
+    </dgm:style>
+  </dgm:styleLbl>
+  <dgm:styleLbl name="asst2">
+    <dgm:scene3d>
+      <a:camera prst="orthographicFront"/>
+      <a:lightRig rig="threePt" dir="t"/>
+    </dgm:scene3d>
+    <dgm:sp3d/>
+    <dgm:txPr/>
+    <dgm:style>
+      <a:lnRef idx="2">
+        <a:scrgbClr r="0" g="0" b="0"/>
+      </a:lnRef>
+      <a:fillRef idx="1">
+        <a:scrgbClr r="0" g="0" b="0"/>
+      </a:fillRef>
+      <a:effectRef idx="0">
+        <a:scrgbClr r="0" g="0" b="0"/>
+      </a:effectRef>
+      <a:fontRef idx="minor">
+        <a:schemeClr val="lt1"/>
+      </a:fontRef>
+    </dgm:style>
+  </dgm:styleLbl>
+  <dgm:styleLbl name="asst3">
+    <dgm:scene3d>
+      <a:camera prst="orthographicFront"/>
+      <a:lightRig rig="threePt" dir="t"/>
+    </dgm:scene3d>
+    <dgm:sp3d/>
+    <dgm:txPr/>
+    <dgm:style>
+      <a:lnRef idx="2">
+        <a:scrgbClr r="0" g="0" b="0"/>
+      </a:lnRef>
+      <a:fillRef idx="1">
+        <a:scrgbClr r="0" g="0" b="0"/>
+      </a:fillRef>
+      <a:effectRef idx="0">
+        <a:scrgbClr r="0" g="0" b="0"/>
+      </a:effectRef>
+      <a:fontRef idx="minor">
+        <a:schemeClr val="lt1"/>
+      </a:fontRef>
+    </dgm:style>
+  </dgm:styleLbl>
+  <dgm:styleLbl name="asst4">
+    <dgm:scene3d>
+      <a:camera prst="orthographicFront"/>
+      <a:lightRig rig="threePt" dir="t"/>
+    </dgm:scene3d>
+    <dgm:sp3d/>
+    <dgm:txPr/>
+    <dgm:style>
+      <a:lnRef idx="2">
+        <a:scrgbClr r="0" g="0" b="0"/>
+      </a:lnRef>
+      <a:fillRef idx="1">
+        <a:scrgbClr r="0" g="0" b="0"/>
+      </a:fillRef>
+      <a:effectRef idx="0">
+        <a:scrgbClr r="0" g="0" b="0"/>
+      </a:effectRef>
+      <a:fontRef idx="minor">
+        <a:schemeClr val="lt1"/>
+      </a:fontRef>
+    </dgm:style>
+  </dgm:styleLbl>
+  <dgm:styleLbl name="parChTrans2D1">
+    <dgm:scene3d>
+      <a:camera prst="orthographicFront"/>
+      <a:lightRig rig="threePt" dir="t"/>
+    </dgm:scene3d>
+    <dgm:sp3d/>
+    <dgm:txPr/>
+    <dgm:style>
+      <a:lnRef idx="2">
+        <a:scrgbClr r="0" g="0" b="0"/>
+      </a:lnRef>
+      <a:fillRef idx="1">
+        <a:scrgbClr r="0" g="0" b="0"/>
+      </a:fillRef>
+      <a:effectRef idx="0">
+        <a:scrgbClr r="0" g="0" b="0"/>
+      </a:effectRef>
+      <a:fontRef idx="minor">
+        <a:schemeClr val="lt1"/>
+      </a:fontRef>
+    </dgm:style>
+  </dgm:styleLbl>
+  <dgm:styleLbl name="parChTrans2D2">
+    <dgm:scene3d>
+      <a:camera prst="orthographicFront"/>
+      <a:lightRig rig="threePt" dir="t"/>
+    </dgm:scene3d>
+    <dgm:sp3d/>
+    <dgm:txPr/>
+    <dgm:style>
+      <a:lnRef idx="2">
+        <a:scrgbClr r="0" g="0" b="0"/>
+      </a:lnRef>
+      <a:fillRef idx="1">
+        <a:scrgbClr r="0" g="0" b="0"/>
+      </a:fillRef>
+      <a:effectRef idx="0">
+        <a:scrgbClr r="0" g="0" b="0"/>
+      </a:effectRef>
+      <a:fontRef idx="minor">
+        <a:schemeClr val="lt1"/>
+      </a:fontRef>
+    </dgm:style>
+  </dgm:styleLbl>
+  <dgm:styleLbl name="parChTrans2D3">
+    <dgm:scene3d>
+      <a:camera prst="orthographicFront"/>
+      <a:lightRig rig="threePt" dir="t"/>
+    </dgm:scene3d>
+    <dgm:sp3d/>
+    <dgm:txPr/>
+    <dgm:style>
+      <a:lnRef idx="2">
+        <a:scrgbClr r="0" g="0" b="0"/>
+      </a:lnRef>
+      <a:fillRef idx="1">
+        <a:scrgbClr r="0" g="0" b="0"/>
+      </a:fillRef>
+      <a:effectRef idx="0">
+        <a:scrgbClr r="0" g="0" b="0"/>
+      </a:effectRef>
+      <a:fontRef idx="minor">
+        <a:schemeClr val="lt1"/>
+      </a:fontRef>
+    </dgm:style>
+  </dgm:styleLbl>
+  <dgm:styleLbl name="parChTrans2D4">
+    <dgm:scene3d>
+      <a:camera prst="orthographicFront"/>
+      <a:lightRig rig="threePt" dir="t"/>
+    </dgm:scene3d>
+    <dgm:sp3d/>
+    <dgm:txPr/>
+    <dgm:style>
+      <a:lnRef idx="2">
+        <a:scrgbClr r="0" g="0" b="0"/>
+      </a:lnRef>
+      <a:fillRef idx="1">
+        <a:scrgbClr r="0" g="0" b="0"/>
+      </a:fillRef>
+      <a:effectRef idx="0">
+        <a:scrgbClr r="0" g="0" b="0"/>
+      </a:effectRef>
+      <a:fontRef idx="minor">
+        <a:schemeClr val="lt1"/>
+      </a:fontRef>
+    </dgm:style>
+  </dgm:styleLbl>
+  <dgm:styleLbl name="parChTrans1D1">
+    <dgm:scene3d>
+      <a:camera prst="orthographicFront"/>
+      <a:lightRig rig="threePt" dir="t"/>
+    </dgm:scene3d>
+    <dgm:sp3d/>
+    <dgm:txPr/>
+    <dgm:style>
+      <a:lnRef idx="2">
+        <a:scrgbClr r="0" g="0" b="0"/>
+      </a:lnRef>
+      <a:fillRef idx="0">
+        <a:scrgbClr r="0" g="0" b="0"/>
+      </a:fillRef>
+      <a:effectRef idx="0">
+        <a:scrgbClr r="0" g="0" b="0"/>
+      </a:effectRef>
+      <a:fontRef idx="minor"/>
+    </dgm:style>
+  </dgm:styleLbl>
+  <dgm:styleLbl name="parChTrans1D2">
+    <dgm:scene3d>
+      <a:camera prst="orthographicFront"/>
+      <a:lightRig rig="threePt" dir="t"/>
+    </dgm:scene3d>
+    <dgm:sp3d/>
+    <dgm:txPr/>
+    <dgm:style>
+      <a:lnRef idx="2">
+        <a:scrgbClr r="0" g="0" b="0"/>
+      </a:lnRef>
+      <a:fillRef idx="0">
+        <a:scrgbClr r="0" g="0" b="0"/>
+      </a:fillRef>
+      <a:effectRef idx="0">
+        <a:scrgbClr r="0" g="0" b="0"/>
+      </a:effectRef>
+      <a:fontRef idx="minor"/>
+    </dgm:style>
+  </dgm:styleLbl>
+  <dgm:styleLbl name="parChTrans1D3">
+    <dgm:scene3d>
+      <a:camera prst="orthographicFront"/>
+      <a:lightRig rig="threePt" dir="t"/>
+    </dgm:scene3d>
+    <dgm:sp3d/>
+    <dgm:txPr/>
+    <dgm:style>
+      <a:lnRef idx="2">
+        <a:scrgbClr r="0" g="0" b="0"/>
+      </a:lnRef>
+      <a:fillRef idx="0">
+        <a:scrgbClr r="0" g="0" b="0"/>
+      </a:fillRef>
+      <a:effectRef idx="0">
+        <a:scrgbClr r="0" g="0" b="0"/>
+      </a:effectRef>
+      <a:fontRef idx="minor"/>
+    </dgm:style>
+  </dgm:styleLbl>
+  <dgm:styleLbl name="parChTrans1D4">
+    <dgm:scene3d>
+      <a:camera prst="orthographicFront"/>
+      <a:lightRig rig="threePt" dir="t"/>
+    </dgm:scene3d>
+    <dgm:sp3d/>
+    <dgm:txPr/>
+    <dgm:style>
+      <a:lnRef idx="2">
+        <a:scrgbClr r="0" g="0" b="0"/>
+      </a:lnRef>
+      <a:fillRef idx="0">
+        <a:scrgbClr r="0" g="0" b="0"/>
+      </a:fillRef>
+      <a:effectRef idx="0">
+        <a:scrgbClr r="0" g="0" b="0"/>
+      </a:effectRef>
+      <a:fontRef idx="minor"/>
+    </dgm:style>
+  </dgm:styleLbl>
+  <dgm:styleLbl name="fgAcc1">
+    <dgm:scene3d>
+      <a:camera prst="orthographicFront"/>
+      <a:lightRig rig="threePt" dir="t"/>
+    </dgm:scene3d>
+    <dgm:sp3d/>
+    <dgm:txPr/>
+    <dgm:style>
+      <a:lnRef idx="2">
+        <a:scrgbClr r="0" g="0" b="0"/>
+      </a:lnRef>
+      <a:fillRef idx="1">
+        <a:scrgbClr r="0" g="0" b="0"/>
+      </a:fillRef>
+      <a:effectRef idx="0">
+        <a:scrgbClr r="0" g="0" b="0"/>
+      </a:effectRef>
+      <a:fontRef idx="minor"/>
+    </dgm:style>
+  </dgm:styleLbl>
+  <dgm:styleLbl name="conFgAcc1">
+    <dgm:scene3d>
+      <a:camera prst="orthographicFront"/>
+      <a:lightRig rig="threePt" dir="t"/>
+    </dgm:scene3d>
+    <dgm:sp3d/>
+    <dgm:txPr/>
+    <dgm:style>
+      <a:lnRef idx="2">
+        <a:scrgbClr r="0" g="0" b="0"/>
+      </a:lnRef>
+      <a:fillRef idx="1">
+        <a:scrgbClr r="0" g="0" b="0"/>
+      </a:fillRef>
+      <a:effectRef idx="0">
+        <a:scrgbClr r="0" g="0" b="0"/>
+      </a:effectRef>
+      <a:fontRef idx="minor"/>
+    </dgm:style>
+  </dgm:styleLbl>
+  <dgm:styleLbl name="alignAcc1">
+    <dgm:scene3d>
+      <a:camera prst="orthographicFront"/>
+      <a:lightRig rig="threePt" dir="t"/>
+    </dgm:scene3d>
+    <dgm:sp3d/>
+    <dgm:txPr/>
+    <dgm:style>
+      <a:lnRef idx="2">
+        <a:scrgbClr r="0" g="0" b="0"/>
+      </a:lnRef>
+      <a:fillRef idx="1">
+        <a:scrgbClr r="0" g="0" b="0"/>
+      </a:fillRef>
+      <a:effectRef idx="0">
+        <a:scrgbClr r="0" g="0" b="0"/>
+      </a:effectRef>
+      <a:fontRef idx="minor"/>
+    </dgm:style>
+  </dgm:styleLbl>
+  <dgm:styleLbl name="trAlignAcc1">
+    <dgm:scene3d>
+      <a:camera prst="orthographicFront"/>
+      <a:lightRig rig="threePt" dir="t"/>
+    </dgm:scene3d>
+    <dgm:sp3d/>
+    <dgm:txPr/>
+    <dgm:style>
+      <a:lnRef idx="1">
+        <a:scrgbClr r="0" g="0" b="0"/>
+      </a:lnRef>
+      <a:fillRef idx="1">
+        <a:scrgbClr r="0" g="0" b="0"/>
+      </a:fillRef>
+      <a:effectRef idx="0">
+        <a:scrgbClr r="0" g="0" b="0"/>
+      </a:effectRef>
+      <a:fontRef idx="minor"/>
+    </dgm:style>
+  </dgm:styleLbl>
+  <dgm:styleLbl name="bgAcc1">
+    <dgm:scene3d>
+      <a:camera prst="orthographicFront"/>
+      <a:lightRig rig="threePt" dir="t"/>
+    </dgm:scene3d>
+    <dgm:sp3d/>
+    <dgm:txPr/>
+    <dgm:style>
+      <a:lnRef idx="2">
+        <a:scrgbClr r="0" g="0" b="0"/>
+      </a:lnRef>
+      <a:fillRef idx="1">
+        <a:scrgbClr r="0" g="0" b="0"/>
+      </a:fillRef>
+      <a:effectRef idx="0">
+        <a:scrgbClr r="0" g="0" b="0"/>
+      </a:effectRef>
+      <a:fontRef idx="minor"/>
+    </dgm:style>
+  </dgm:styleLbl>
+  <dgm:styleLbl name="solidFgAcc1">
+    <dgm:scene3d>
+      <a:camera prst="orthographicFront"/>
+      <a:lightRig rig="threePt" dir="t"/>
+    </dgm:scene3d>
+    <dgm:sp3d/>
+    <dgm:txPr/>
+    <dgm:style>
+      <a:lnRef idx="2">
+        <a:scrgbClr r="0" g="0" b="0"/>
+      </a:lnRef>
+      <a:fillRef idx="1">
+        <a:scrgbClr r="0" g="0" b="0"/>
+      </a:fillRef>
+      <a:effectRef idx="0">
+        <a:scrgbClr r="0" g="0" b="0"/>
+      </a:effectRef>
+      <a:fontRef idx="minor"/>
+    </dgm:style>
+  </dgm:styleLbl>
+  <dgm:styleLbl name="solidAlignAcc1">
+    <dgm:scene3d>
+      <a:camera prst="orthographicFront"/>
+      <a:lightRig rig="threePt" dir="t"/>
+    </dgm:scene3d>
+    <dgm:sp3d/>
+    <dgm:txPr/>
+    <dgm:style>
+      <a:lnRef idx="2">
+        <a:scrgbClr r="0" g="0" b="0"/>
+      </a:lnRef>
+      <a:fillRef idx="1">
+        <a:scrgbClr r="0" g="0" b="0"/>
+      </a:fillRef>
+      <a:effectRef idx="0">
+        <a:scrgbClr r="0" g="0" b="0"/>
+      </a:effectRef>
+      <a:fontRef idx="minor"/>
+    </dgm:style>
+  </dgm:styleLbl>
+  <dgm:styleLbl name="solidBgAcc1">
+    <dgm:scene3d>
+      <a:camera prst="orthographicFront"/>
+      <a:lightRig rig="threePt" dir="t"/>
+    </dgm:scene3d>
+    <dgm:sp3d/>
+    <dgm:txPr/>
+    <dgm:style>
+      <a:lnRef idx="2">
+        <a:scrgbClr r="0" g="0" b="0"/>
+      </a:lnRef>
+      <a:fillRef idx="1">
+        <a:scrgbClr r="0" g="0" b="0"/>
+      </a:fillRef>
+      <a:effectRef idx="0">
+        <a:scrgbClr r="0" g="0" b="0"/>
+      </a:effectRef>
+      <a:fontRef idx="minor"/>
+    </dgm:style>
+  </dgm:styleLbl>
+  <dgm:styleLbl name="fgAccFollowNode1">
+    <dgm:scene3d>
+      <a:camera prst="orthographicFront"/>
+      <a:lightRig rig="threePt" dir="t"/>
+    </dgm:scene3d>
+    <dgm:sp3d/>
+    <dgm:txPr/>
+    <dgm:style>
+      <a:lnRef idx="2">
+        <a:scrgbClr r="0" g="0" b="0"/>
+      </a:lnRef>
+      <a:fillRef idx="1">
+        <a:scrgbClr r="0" g="0" b="0"/>
+      </a:fillRef>
+      <a:effectRef idx="0">
+        <a:scrgbClr r="0" g="0" b="0"/>
+      </a:effectRef>
+      <a:fontRef idx="minor"/>
+    </dgm:style>
+  </dgm:styleLbl>
+  <dgm:styleLbl name="alignAccFollowNode1">
+    <dgm:scene3d>
+      <a:camera prst="orthographicFront"/>
+      <a:lightRig rig="threePt" dir="t"/>
+    </dgm:scene3d>
+    <dgm:sp3d/>
+    <dgm:txPr/>
+    <dgm:style>
+      <a:lnRef idx="2">
+        <a:scrgbClr r="0" g="0" b="0"/>
+      </a:lnRef>
+      <a:fillRef idx="1">
+        <a:scrgbClr r="0" g="0" b="0"/>
+      </a:fillRef>
+      <a:effectRef idx="0">
+        <a:scrgbClr r="0" g="0" b="0"/>
+      </a:effectRef>
+      <a:fontRef idx="minor"/>
+    </dgm:style>
+  </dgm:styleLbl>
+  <dgm:styleLbl name="bgAccFollowNode1">
+    <dgm:scene3d>
+      <a:camera prst="orthographicFront"/>
+      <a:lightRig rig="threePt" dir="t"/>
+    </dgm:scene3d>
+    <dgm:sp3d/>
+    <dgm:txPr/>
+    <dgm:style>
+      <a:lnRef idx="2">
+        <a:scrgbClr r="0" g="0" b="0"/>
+      </a:lnRef>
+      <a:fillRef idx="1">
+        <a:scrgbClr r="0" g="0" b="0"/>
+      </a:fillRef>
+      <a:effectRef idx="0">
+        <a:scrgbClr r="0" g="0" b="0"/>
+      </a:effectRef>
+      <a:fontRef idx="minor"/>
+    </dgm:style>
+  </dgm:styleLbl>
+  <dgm:styleLbl name="fgAcc0">
+    <dgm:scene3d>
+      <a:camera prst="orthographicFront"/>
+      <a:lightRig rig="threePt" dir="t"/>
+    </dgm:scene3d>
+    <dgm:sp3d/>
+    <dgm:txPr/>
+    <dgm:style>
+      <a:lnRef idx="2">
+        <a:scrgbClr r="0" g="0" b="0"/>
+      </a:lnRef>
+      <a:fillRef idx="1">
+        <a:scrgbClr r="0" g="0" b="0"/>
+      </a:fillRef>
+      <a:effectRef idx="0">
+        <a:scrgbClr r="0" g="0" b="0"/>
+      </a:effectRef>
+      <a:fontRef idx="minor"/>
+    </dgm:style>
+  </dgm:styleLbl>
+  <dgm:styleLbl name="fgAcc2">
+    <dgm:scene3d>
+      <a:camera prst="orthographicFront"/>
+      <a:lightRig rig="threePt" dir="t"/>
+    </dgm:scene3d>
+    <dgm:sp3d/>
+    <dgm:txPr/>
+    <dgm:style>
+      <a:lnRef idx="2">
+        <a:scrgbClr r="0" g="0" b="0"/>
+      </a:lnRef>
+      <a:fillRef idx="1">
+        <a:scrgbClr r="0" g="0" b="0"/>
+      </a:fillRef>
+      <a:effectRef idx="0">
+        <a:scrgbClr r="0" g="0" b="0"/>
+      </a:effectRef>
+      <a:fontRef idx="minor"/>
+    </dgm:style>
+  </dgm:styleLbl>
+  <dgm:styleLbl name="fgAcc3">
+    <dgm:scene3d>
+      <a:camera prst="orthographicFront"/>
+      <a:lightRig rig="threePt" dir="t"/>
+    </dgm:scene3d>
+    <dgm:sp3d/>
+    <dgm:txPr/>
+    <dgm:style>
+      <a:lnRef idx="2">
+        <a:scrgbClr r="0" g="0" b="0"/>
+      </a:lnRef>
+      <a:fillRef idx="1">
+        <a:scrgbClr r="0" g="0" b="0"/>
+      </a:fillRef>
+      <a:effectRef idx="0">
+        <a:scrgbClr r="0" g="0" b="0"/>
+      </a:effectRef>
+      <a:fontRef idx="minor"/>
+    </dgm:style>
+  </dgm:styleLbl>
+  <dgm:styleLbl name="fgAcc4">
+    <dgm:scene3d>
+      <a:camera prst="orthographicFront"/>
+      <a:lightRig rig="threePt" dir="t"/>
+    </dgm:scene3d>
+    <dgm:sp3d/>
+    <dgm:txPr/>
+    <dgm:style>
+      <a:lnRef idx="2">
+        <a:scrgbClr r="0" g="0" b="0"/>
+      </a:lnRef>
+      <a:fillRef idx="1">
+        <a:scrgbClr r="0" g="0" b="0"/>
+      </a:fillRef>
+      <a:effectRef idx="0">
+        <a:scrgbClr r="0" g="0" b="0"/>
+      </a:effectRef>
+      <a:fontRef idx="minor"/>
+    </dgm:style>
+  </dgm:styleLbl>
+  <dgm:styleLbl name="bgShp">
+    <dgm:scene3d>
+      <a:camera prst="orthographicFront"/>
+      <a:lightRig rig="threePt" dir="t"/>
+    </dgm:scene3d>
+    <dgm:sp3d/>
+    <dgm:txPr/>
+    <dgm:style>
+      <a:lnRef idx="0">
+        <a:scrgbClr r="0" g="0" b="0"/>
+      </a:lnRef>
+      <a:fillRef idx="1">
+        <a:scrgbClr r="0" g="0" b="0"/>
+      </a:fillRef>
+      <a:effectRef idx="0">
+        <a:scrgbClr r="0" g="0" b="0"/>
+      </a:effectRef>
+      <a:fontRef idx="minor"/>
+    </dgm:style>
+  </dgm:styleLbl>
+  <dgm:styleLbl name="dkBgShp">
+    <dgm:scene3d>
+      <a:camera prst="orthographicFront"/>
+      <a:lightRig rig="threePt" dir="t"/>
+    </dgm:scene3d>
+    <dgm:sp3d/>
+    <dgm:txPr/>
+    <dgm:style>
+      <a:lnRef idx="0">
+        <a:scrgbClr r="0" g="0" b="0"/>
+      </a:lnRef>
+      <a:fillRef idx="1">
+        <a:scrgbClr r="0" g="0" b="0"/>
+      </a:fillRef>
+      <a:effectRef idx="0">
+        <a:scrgbClr r="0" g="0" b="0"/>
+      </a:effectRef>
+      <a:fontRef idx="minor"/>
+    </dgm:style>
+  </dgm:styleLbl>
+  <dgm:styleLbl name="trBgShp">
+    <dgm:scene3d>
+      <a:camera prst="orthographicFront"/>
+      <a:lightRig rig="threePt" dir="t"/>
+    </dgm:scene3d>
+    <dgm:sp3d/>
+    <dgm:txPr/>
+    <dgm:style>
+      <a:lnRef idx="0">
+        <a:scrgbClr r="0" g="0" b="0"/>
+      </a:lnRef>
+      <a:fillRef idx="1">
+        <a:scrgbClr r="0" g="0" b="0"/>
+      </a:fillRef>
+      <a:effectRef idx="0">
+        <a:scrgbClr r="0" g="0" b="0"/>
+      </a:effectRef>
+      <a:fontRef idx="minor"/>
+    </dgm:style>
+  </dgm:styleLbl>
+  <dgm:styleLbl name="fgShp">
+    <dgm:scene3d>
+      <a:camera prst="orthographicFront"/>
+      <a:lightRig rig="threePt" dir="t"/>
+    </dgm:scene3d>
+    <dgm:sp3d/>
+    <dgm:txPr/>
+    <dgm:style>
+      <a:lnRef idx="2">
+        <a:scrgbClr r="0" g="0" b="0"/>
+      </a:lnRef>
+      <a:fillRef idx="1">
+        <a:scrgbClr r="0" g="0" b="0"/>
+      </a:fillRef>
+      <a:effectRef idx="0">
+        <a:scrgbClr r="0" g="0" b="0"/>
+      </a:effectRef>
+      <a:fontRef idx="minor"/>
+    </dgm:style>
+  </dgm:styleLbl>
+  <dgm:styleLbl name="revTx">
+    <dgm:scene3d>
+      <a:camera prst="orthographicFront"/>
+      <a:lightRig rig="threePt" dir="t"/>
+    </dgm:scene3d>
+    <dgm:sp3d/>
+    <dgm:txPr/>
+    <dgm:style>
+      <a:lnRef idx="0">
+        <a:scrgbClr r="0" g="0" b="0"/>
+      </a:lnRef>
+      <a:fillRef idx="0">
+        <a:scrgbClr r="0" g="0" b="0"/>
+      </a:fillRef>
+      <a:effectRef idx="0">
+        <a:scrgbClr r="0" g="0" b="0"/>
+      </a:effectRef>
+      <a:fontRef idx="minor"/>
+    </dgm:style>
+  </dgm:styleLbl>
+</dgm:styleDef>
+</file>
+
+<file path=ppt/diagrams/quickStyle4.xml><?xml version="1.0" encoding="utf-8"?>
 <dgm:styleDef xmlns:dgm="http://schemas.openxmlformats.org/drawingml/2006/diagram" xmlns:a="http://schemas.openxmlformats.org/drawingml/2006/main" uniqueId="urn:microsoft.com/office/officeart/2005/8/quickstyle/3d1">
   <dgm:title val=""/>
   <dgm:desc val=""/>
@@ -12017,19 +18928,14 @@
             <p:ph type="title"/>
           </p:nvPr>
         </p:nvSpPr>
-        <p:spPr>
-          <a:xfrm>
-            <a:off x="457200" y="260648"/>
-            <a:ext cx="8686800" cy="838200"/>
-          </a:xfrm>
-        </p:spPr>
+        <p:spPr/>
         <p:txBody>
           <a:bodyPr/>
           <a:lstStyle/>
           <a:p>
             <a:r>
               <a:rPr lang="pt-BR" dirty="0" smtClean="0"/>
-              <a:t>Introdução</a:t>
+              <a:t>idealização</a:t>
             </a:r>
             <a:endParaRPr lang="pt-BR" dirty="0"/>
           </a:p>
@@ -12037,7 +18943,7 @@
       </p:sp>
       <p:graphicFrame>
         <p:nvGraphicFramePr>
-          <p:cNvPr id="4" name="Espaço Reservado para Conteúdo 3"/>
+          <p:cNvPr id="8" name="Espaço Reservado para Conteúdo 7"/>
           <p:cNvGraphicFramePr>
             <a:graphicFrameLocks noGrp="1"/>
           </p:cNvGraphicFramePr>
@@ -12046,8 +18952,8 @@
           </p:nvPr>
         </p:nvGraphicFramePr>
         <p:xfrm>
-          <a:off x="304800" y="1268761"/>
-          <a:ext cx="8686800" cy="5400599"/>
+          <a:off x="304800" y="1554163"/>
+          <a:ext cx="8686800" cy="4525962"/>
         </p:xfrm>
         <a:graphic>
           <a:graphicData uri="http://schemas.openxmlformats.org/drawingml/2006/diagram">
@@ -12097,83 +19003,48 @@
             <p:ph type="title"/>
           </p:nvPr>
         </p:nvSpPr>
-        <p:spPr/>
+        <p:spPr>
+          <a:xfrm>
+            <a:off x="457200" y="260648"/>
+            <a:ext cx="8686800" cy="838200"/>
+          </a:xfrm>
+        </p:spPr>
         <p:txBody>
           <a:bodyPr/>
           <a:lstStyle/>
           <a:p>
             <a:r>
               <a:rPr lang="pt-BR" dirty="0" smtClean="0"/>
-              <a:t>Conceito geral</a:t>
+              <a:t>Objetivo do </a:t>
+            </a:r>
+            <a:r>
+              <a:rPr lang="pt-BR" dirty="0" err="1" smtClean="0"/>
+              <a:t>sas</a:t>
             </a:r>
             <a:endParaRPr lang="pt-BR" dirty="0"/>
           </a:p>
         </p:txBody>
       </p:sp>
-      <p:pic>
-        <p:nvPicPr>
-          <p:cNvPr id="4" name="Espaço Reservado para Conteúdo 7" descr="Tried-Cloud-Computing.jpg"/>
-          <p:cNvPicPr>
-            <a:picLocks noGrp="1" noChangeAspect="1"/>
-          </p:cNvPicPr>
+      <p:graphicFrame>
+        <p:nvGraphicFramePr>
+          <p:cNvPr id="4" name="Espaço Reservado para Conteúdo 3"/>
+          <p:cNvGraphicFramePr>
+            <a:graphicFrameLocks noGrp="1"/>
+          </p:cNvGraphicFramePr>
           <p:nvPr>
             <p:ph idx="1"/>
           </p:nvPr>
-        </p:nvPicPr>
-        <p:blipFill>
-          <a:blip r:embed="rId2" cstate="print">
-            <a:lum bright="-24000" contrast="13000"/>
-          </a:blip>
-          <a:stretch>
-            <a:fillRect/>
-          </a:stretch>
-        </p:blipFill>
-        <p:spPr>
-          <a:xfrm>
-            <a:off x="467544" y="1412776"/>
-            <a:ext cx="8424936" cy="4741986"/>
-          </a:xfrm>
-          <a:prstGeom prst="ellipse">
-            <a:avLst/>
-          </a:prstGeom>
-          <a:ln w="63500" cap="rnd">
-            <a:noFill/>
-          </a:ln>
-          <a:effectLst>
-            <a:outerShdw blurRad="381000" dist="292100" dir="5400000" sx="-80000" sy="-18000" rotWithShape="0">
-              <a:srgbClr val="000000">
-                <a:alpha val="22000"/>
-              </a:srgbClr>
-            </a:outerShdw>
-          </a:effectLst>
-          <a:scene3d>
-            <a:camera prst="orthographicFront"/>
-            <a:lightRig rig="contrasting" dir="t">
-              <a:rot lat="0" lon="0" rev="3000000"/>
-            </a:lightRig>
-          </a:scene3d>
-          <a:sp3d contourW="7620">
-            <a:bevelT w="95250" h="31750"/>
-            <a:contourClr>
-              <a:srgbClr val="333333"/>
-            </a:contourClr>
-          </a:sp3d>
-        </p:spPr>
-        <p:style>
-          <a:lnRef idx="1">
-            <a:schemeClr val="accent1"/>
-          </a:lnRef>
-          <a:fillRef idx="3">
-            <a:schemeClr val="accent1"/>
-          </a:fillRef>
-          <a:effectRef idx="2">
-            <a:schemeClr val="accent1"/>
-          </a:effectRef>
-          <a:fontRef idx="minor">
-            <a:schemeClr val="lt1"/>
-          </a:fontRef>
-        </p:style>
-      </p:pic>
+        </p:nvGraphicFramePr>
+        <p:xfrm>
+          <a:off x="304800" y="1268761"/>
+          <a:ext cx="8686800" cy="5400599"/>
+        </p:xfrm>
+        <a:graphic>
+          <a:graphicData uri="http://schemas.openxmlformats.org/drawingml/2006/diagram">
+            <dgm:relIds xmlns:dgm="http://schemas.openxmlformats.org/drawingml/2006/diagram" xmlns:r="http://schemas.openxmlformats.org/officeDocument/2006/relationships" r:dm="rId2" r:lo="rId3" r:qs="rId4" r:cs="rId5"/>
+          </a:graphicData>
+        </a:graphic>
+      </p:graphicFrame>
     </p:spTree>
   </p:cSld>
   <p:clrMapOvr>
@@ -12223,7 +19094,82 @@
           <a:p>
             <a:r>
               <a:rPr lang="pt-BR" dirty="0" smtClean="0"/>
-              <a:t>Funcionamento </a:t>
+              <a:t>Integração</a:t>
+            </a:r>
+            <a:endParaRPr lang="pt-BR" dirty="0"/>
+          </a:p>
+        </p:txBody>
+      </p:sp>
+      <p:graphicFrame>
+        <p:nvGraphicFramePr>
+          <p:cNvPr id="10" name="Espaço Reservado para Conteúdo 9"/>
+          <p:cNvGraphicFramePr>
+            <a:graphicFrameLocks noGrp="1"/>
+          </p:cNvGraphicFramePr>
+          <p:nvPr>
+            <p:ph idx="1"/>
+          </p:nvPr>
+        </p:nvGraphicFramePr>
+        <p:xfrm>
+          <a:off x="304800" y="1554163"/>
+          <a:ext cx="8686800" cy="4525962"/>
+        </p:xfrm>
+        <a:graphic>
+          <a:graphicData uri="http://schemas.openxmlformats.org/drawingml/2006/diagram">
+            <dgm:relIds xmlns:dgm="http://schemas.openxmlformats.org/drawingml/2006/diagram" xmlns:r="http://schemas.openxmlformats.org/officeDocument/2006/relationships" r:dm="rId2" r:lo="rId3" r:qs="rId4" r:cs="rId5"/>
+          </a:graphicData>
+        </a:graphic>
+      </p:graphicFrame>
+    </p:spTree>
+  </p:cSld>
+  <p:clrMapOvr>
+    <a:masterClrMapping/>
+  </p:clrMapOvr>
+  <p:timing>
+    <p:tnLst>
+      <p:par>
+        <p:cTn id="1" dur="indefinite" restart="never" nodeType="tmRoot"/>
+      </p:par>
+    </p:tnLst>
+  </p:timing>
+</p:sld>
+</file>
+
+<file path=ppt/slides/slide5.xml><?xml version="1.0" encoding="utf-8"?>
+<p:sld xmlns:a="http://schemas.openxmlformats.org/drawingml/2006/main" xmlns:r="http://schemas.openxmlformats.org/officeDocument/2006/relationships" xmlns:p="http://schemas.openxmlformats.org/presentationml/2006/main">
+  <p:cSld>
+    <p:spTree>
+      <p:nvGrpSpPr>
+        <p:cNvPr id="1" name=""/>
+        <p:cNvGrpSpPr/>
+        <p:nvPr/>
+      </p:nvGrpSpPr>
+      <p:grpSpPr>
+        <a:xfrm>
+          <a:off x="0" y="0"/>
+          <a:ext cx="0" cy="0"/>
+          <a:chOff x="0" y="0"/>
+          <a:chExt cx="0" cy="0"/>
+        </a:xfrm>
+      </p:grpSpPr>
+      <p:sp>
+        <p:nvSpPr>
+          <p:cNvPr id="2" name="Título 1"/>
+          <p:cNvSpPr>
+            <a:spLocks noGrp="1"/>
+          </p:cNvSpPr>
+          <p:nvPr>
+            <p:ph type="title"/>
+          </p:nvPr>
+        </p:nvSpPr>
+        <p:spPr/>
+        <p:txBody>
+          <a:bodyPr/>
+          <a:lstStyle/>
+          <a:p>
+            <a:r>
+              <a:rPr lang="pt-BR" dirty="0" smtClean="0"/>
+              <a:t>Conceito funcional interno </a:t>
             </a:r>
             <a:endParaRPr lang="pt-BR" dirty="0"/>
           </a:p>
@@ -12322,76 +19268,6 @@
           <a:p>
             <a:pPr algn="ctr"/>
             <a:endParaRPr lang="pt-BR"/>
-          </a:p>
-        </p:txBody>
-      </p:sp>
-    </p:spTree>
-  </p:cSld>
-  <p:clrMapOvr>
-    <a:masterClrMapping/>
-  </p:clrMapOvr>
-  <p:timing>
-    <p:tnLst>
-      <p:par>
-        <p:cTn id="1" dur="indefinite" restart="never" nodeType="tmRoot"/>
-      </p:par>
-    </p:tnLst>
-  </p:timing>
-</p:sld>
-</file>
-
-<file path=ppt/slides/slide5.xml><?xml version="1.0" encoding="utf-8"?>
-<p:sld xmlns:a="http://schemas.openxmlformats.org/drawingml/2006/main" xmlns:r="http://schemas.openxmlformats.org/officeDocument/2006/relationships" xmlns:p="http://schemas.openxmlformats.org/presentationml/2006/main">
-  <p:cSld>
-    <p:spTree>
-      <p:nvGrpSpPr>
-        <p:cNvPr id="1" name=""/>
-        <p:cNvGrpSpPr/>
-        <p:nvPr/>
-      </p:nvGrpSpPr>
-      <p:grpSpPr>
-        <a:xfrm>
-          <a:off x="0" y="0"/>
-          <a:ext cx="0" cy="0"/>
-          <a:chOff x="0" y="0"/>
-          <a:chExt cx="0" cy="0"/>
-        </a:xfrm>
-      </p:grpSpPr>
-      <p:sp>
-        <p:nvSpPr>
-          <p:cNvPr id="2" name="Título 1"/>
-          <p:cNvSpPr>
-            <a:spLocks noGrp="1"/>
-          </p:cNvSpPr>
-          <p:nvPr>
-            <p:ph type="title"/>
-          </p:nvPr>
-        </p:nvSpPr>
-        <p:spPr/>
-        <p:txBody>
-          <a:bodyPr/>
-          <a:lstStyle/>
-          <a:p>
-            <a:endParaRPr lang="pt-BR"/>
-          </a:p>
-        </p:txBody>
-      </p:sp>
-      <p:sp>
-        <p:nvSpPr>
-          <p:cNvPr id="3" name="Espaço Reservado para Conteúdo 2"/>
-          <p:cNvSpPr>
-            <a:spLocks noGrp="1"/>
-          </p:cNvSpPr>
-          <p:nvPr>
-            <p:ph idx="1"/>
-          </p:nvPr>
-        </p:nvSpPr>
-        <p:spPr/>
-        <p:txBody>
-          <a:bodyPr/>
-          <a:lstStyle/>
-          <a:p>
-            <a:endParaRPr lang="pt-BR" dirty="0"/>
           </a:p>
         </p:txBody>
       </p:sp>

--- a/SAS/Planejamento/Docs/Apresentação do projeto.pptx
+++ b/SAS/Planejamento/Docs/Apresentação do projeto.pptx
@@ -4558,27 +4558,27 @@
     </dgm:pt>
   </dgm:ptLst>
   <dgm:cxnLst>
-    <dgm:cxn modelId="{49439F5F-703F-42C8-AC41-9D10F0F390C7}" srcId="{C9FFFE1F-6078-4D82-87D0-BC919E87007C}" destId="{3D263D67-4D7A-41A5-91A5-670388FEE69F}" srcOrd="0" destOrd="0" parTransId="{ACF50AC0-88E8-48BB-8EA1-B472F428EFC8}" sibTransId="{E1C076EE-C718-4411-AC8A-F6087CE2E2FC}"/>
-    <dgm:cxn modelId="{29B6EE33-46BD-4DFF-8EAB-6F54D53EE694}" srcId="{7204C1C4-4A05-4E69-9F7B-60981284C004}" destId="{FEEFF06B-F309-4B5C-9120-F2D5BB2A0B0A}" srcOrd="0" destOrd="0" parTransId="{92393A6B-0584-45D2-B927-C5E52B55B04B}" sibTransId="{9A34E78C-3E18-40E0-9559-08591574FBDD}"/>
-    <dgm:cxn modelId="{F8EDE821-F4CD-4FD2-80DE-63681A6BFEE6}" type="presOf" srcId="{8CD26415-961D-4B68-B921-E5200F5307C6}" destId="{7991AEF3-84F5-4F2F-9A87-D93011516A86}" srcOrd="0" destOrd="0" presId="urn:microsoft.com/office/officeart/2005/8/layout/vList5"/>
-    <dgm:cxn modelId="{E320DCA1-229B-464B-A3C2-83EF157F38FD}" type="presOf" srcId="{FEEFF06B-F309-4B5C-9120-F2D5BB2A0B0A}" destId="{4069C5B0-E0D3-47C9-9E5F-416939C594B9}" srcOrd="0" destOrd="0" presId="urn:microsoft.com/office/officeart/2005/8/layout/vList5"/>
-    <dgm:cxn modelId="{5146D501-AD3A-4D91-A2EE-6B8E055A8536}" type="presOf" srcId="{C9FFFE1F-6078-4D82-87D0-BC919E87007C}" destId="{F985ABD3-DA1F-4E90-952D-1C16820F198E}" srcOrd="0" destOrd="0" presId="urn:microsoft.com/office/officeart/2005/8/layout/vList5"/>
-    <dgm:cxn modelId="{16F3F74B-7060-4D12-9C89-BB95B103C25C}" type="presOf" srcId="{D7EEFC11-8883-4ED2-BE60-DD96E84152F9}" destId="{76D300D9-3977-4D02-95E9-3905CCACBD1B}" srcOrd="0" destOrd="0" presId="urn:microsoft.com/office/officeart/2005/8/layout/vList5"/>
+    <dgm:cxn modelId="{F9191076-F8DA-4139-AB2E-8676FB0EE6B9}" srcId="{F764DBA7-A3E6-41AE-AAE3-82E4B8468FDE}" destId="{8CD26415-961D-4B68-B921-E5200F5307C6}" srcOrd="0" destOrd="0" parTransId="{BA48AF34-0E50-497A-9716-D728A68A822C}" sibTransId="{442A9638-1598-4307-926B-38E8B2F5EC42}"/>
     <dgm:cxn modelId="{40518AFD-BA91-4B2F-AEA2-E573186B25A5}" srcId="{E42DA33D-4309-45A4-8090-C7C1B8DE2840}" destId="{3E8A25C2-92DB-4ED8-B8C9-EA3371ADABA4}" srcOrd="1" destOrd="0" parTransId="{AE9D5A4F-DE63-4C00-8459-58284FF23117}" sibTransId="{DFAB64E3-84EF-4A31-90B3-B1CB79332689}"/>
     <dgm:cxn modelId="{886B9366-E103-4F17-9B78-865383070892}" type="presOf" srcId="{3E8A25C2-92DB-4ED8-B8C9-EA3371ADABA4}" destId="{1C4CF5AE-B0A9-4E79-99D0-8192DD361FD5}" srcOrd="0" destOrd="0" presId="urn:microsoft.com/office/officeart/2005/8/layout/vList5"/>
+    <dgm:cxn modelId="{E320DCA1-229B-464B-A3C2-83EF157F38FD}" type="presOf" srcId="{FEEFF06B-F309-4B5C-9120-F2D5BB2A0B0A}" destId="{4069C5B0-E0D3-47C9-9E5F-416939C594B9}" srcOrd="0" destOrd="0" presId="urn:microsoft.com/office/officeart/2005/8/layout/vList5"/>
+    <dgm:cxn modelId="{02D36449-91AF-4126-9259-E191C70B70F8}" type="presOf" srcId="{3D263D67-4D7A-41A5-91A5-670388FEE69F}" destId="{232E8D04-E732-492E-A284-139D99DFE02C}" srcOrd="0" destOrd="0" presId="urn:microsoft.com/office/officeart/2005/8/layout/vList5"/>
+    <dgm:cxn modelId="{287A446E-66DE-4E87-9D02-0CCC24AE66D5}" srcId="{3E8A25C2-92DB-4ED8-B8C9-EA3371ADABA4}" destId="{D7EEFC11-8883-4ED2-BE60-DD96E84152F9}" srcOrd="0" destOrd="0" parTransId="{B482877E-31B6-44B4-8CD6-B7C7B7B41713}" sibTransId="{6D43DDB6-F7AC-4CC2-A2C8-5A3FEEC47C1E}"/>
+    <dgm:cxn modelId="{8A68C0B9-F522-4B3B-9EBF-E7A9F6BA3F83}" type="presOf" srcId="{F764DBA7-A3E6-41AE-AAE3-82E4B8468FDE}" destId="{DE3A8CA3-F5E7-47D6-9409-0DAEFC3883C5}" srcOrd="0" destOrd="0" presId="urn:microsoft.com/office/officeart/2005/8/layout/vList5"/>
+    <dgm:cxn modelId="{7DA06D24-3FE4-409C-A5B4-AABEB6DCE6D5}" srcId="{7204C1C4-4A05-4E69-9F7B-60981284C004}" destId="{532DDF30-8F85-4CC7-9DA6-BD224FB1F3F5}" srcOrd="2" destOrd="0" parTransId="{D1BC096E-7702-440B-BE80-860792D3DFB7}" sibTransId="{9D185A63-1973-4493-917E-43CEF87568E8}"/>
+    <dgm:cxn modelId="{482FF1F3-2CE5-45AC-BB2F-4517318D1C97}" type="presOf" srcId="{CD90799B-3B74-4BC7-8657-98A1B4DCC681}" destId="{4069C5B0-E0D3-47C9-9E5F-416939C594B9}" srcOrd="0" destOrd="1" presId="urn:microsoft.com/office/officeart/2005/8/layout/vList5"/>
+    <dgm:cxn modelId="{29B6EE33-46BD-4DFF-8EAB-6F54D53EE694}" srcId="{7204C1C4-4A05-4E69-9F7B-60981284C004}" destId="{FEEFF06B-F309-4B5C-9120-F2D5BB2A0B0A}" srcOrd="0" destOrd="0" parTransId="{92393A6B-0584-45D2-B927-C5E52B55B04B}" sibTransId="{9A34E78C-3E18-40E0-9559-08591574FBDD}"/>
+    <dgm:cxn modelId="{8992B31C-96AE-42D8-92E7-747632B0038C}" type="presOf" srcId="{532DDF30-8F85-4CC7-9DA6-BD224FB1F3F5}" destId="{4069C5B0-E0D3-47C9-9E5F-416939C594B9}" srcOrd="0" destOrd="2" presId="urn:microsoft.com/office/officeart/2005/8/layout/vList5"/>
+    <dgm:cxn modelId="{49439F5F-703F-42C8-AC41-9D10F0F390C7}" srcId="{C9FFFE1F-6078-4D82-87D0-BC919E87007C}" destId="{3D263D67-4D7A-41A5-91A5-670388FEE69F}" srcOrd="0" destOrd="0" parTransId="{ACF50AC0-88E8-48BB-8EA1-B472F428EFC8}" sibTransId="{E1C076EE-C718-4411-AC8A-F6087CE2E2FC}"/>
+    <dgm:cxn modelId="{B14882FA-3621-45BB-AD02-588DC237E259}" srcId="{E42DA33D-4309-45A4-8090-C7C1B8DE2840}" destId="{C9FFFE1F-6078-4D82-87D0-BC919E87007C}" srcOrd="3" destOrd="0" parTransId="{542BC124-9D9F-4260-8A13-671245865973}" sibTransId="{7CFEB858-7D09-4292-AFD8-A460BF109FDB}"/>
+    <dgm:cxn modelId="{5146D501-AD3A-4D91-A2EE-6B8E055A8536}" type="presOf" srcId="{C9FFFE1F-6078-4D82-87D0-BC919E87007C}" destId="{F985ABD3-DA1F-4E90-952D-1C16820F198E}" srcOrd="0" destOrd="0" presId="urn:microsoft.com/office/officeart/2005/8/layout/vList5"/>
+    <dgm:cxn modelId="{2F03713C-0490-4725-99D7-5056B7C29DD9}" type="presOf" srcId="{E42DA33D-4309-45A4-8090-C7C1B8DE2840}" destId="{9951C6AC-0F0C-48FA-BECF-6C3F336159BF}" srcOrd="0" destOrd="0" presId="urn:microsoft.com/office/officeart/2005/8/layout/vList5"/>
+    <dgm:cxn modelId="{87BA7E12-F7AF-46BE-8604-29232418CB3A}" srcId="{E42DA33D-4309-45A4-8090-C7C1B8DE2840}" destId="{7204C1C4-4A05-4E69-9F7B-60981284C004}" srcOrd="0" destOrd="0" parTransId="{4413B713-B44E-40B8-B9EC-C52CD6FE6A10}" sibTransId="{03005108-F32D-4EFF-9439-890CCA627D66}"/>
+    <dgm:cxn modelId="{16F3F74B-7060-4D12-9C89-BB95B103C25C}" type="presOf" srcId="{D7EEFC11-8883-4ED2-BE60-DD96E84152F9}" destId="{76D300D9-3977-4D02-95E9-3905CCACBD1B}" srcOrd="0" destOrd="0" presId="urn:microsoft.com/office/officeart/2005/8/layout/vList5"/>
+    <dgm:cxn modelId="{F8EDE821-F4CD-4FD2-80DE-63681A6BFEE6}" type="presOf" srcId="{8CD26415-961D-4B68-B921-E5200F5307C6}" destId="{7991AEF3-84F5-4F2F-9A87-D93011516A86}" srcOrd="0" destOrd="0" presId="urn:microsoft.com/office/officeart/2005/8/layout/vList5"/>
+    <dgm:cxn modelId="{7B753C74-0022-47C2-9FF5-93322A5AF332}" type="presOf" srcId="{7204C1C4-4A05-4E69-9F7B-60981284C004}" destId="{83285697-B771-41E8-BF80-D6B7B2E260A7}" srcOrd="0" destOrd="0" presId="urn:microsoft.com/office/officeart/2005/8/layout/vList5"/>
     <dgm:cxn modelId="{895F7E3F-AB1D-4DDA-9805-E992151AA0A5}" srcId="{E42DA33D-4309-45A4-8090-C7C1B8DE2840}" destId="{F764DBA7-A3E6-41AE-AAE3-82E4B8468FDE}" srcOrd="2" destOrd="0" parTransId="{DC130EEF-0F89-485F-A675-CEFBD90A8E41}" sibTransId="{41615984-E2C2-477B-BB5D-8BF374A79996}"/>
-    <dgm:cxn modelId="{482FF1F3-2CE5-45AC-BB2F-4517318D1C97}" type="presOf" srcId="{CD90799B-3B74-4BC7-8657-98A1B4DCC681}" destId="{4069C5B0-E0D3-47C9-9E5F-416939C594B9}" srcOrd="0" destOrd="1" presId="urn:microsoft.com/office/officeart/2005/8/layout/vList5"/>
-    <dgm:cxn modelId="{287A446E-66DE-4E87-9D02-0CCC24AE66D5}" srcId="{3E8A25C2-92DB-4ED8-B8C9-EA3371ADABA4}" destId="{D7EEFC11-8883-4ED2-BE60-DD96E84152F9}" srcOrd="0" destOrd="0" parTransId="{B482877E-31B6-44B4-8CD6-B7C7B7B41713}" sibTransId="{6D43DDB6-F7AC-4CC2-A2C8-5A3FEEC47C1E}"/>
-    <dgm:cxn modelId="{7DA06D24-3FE4-409C-A5B4-AABEB6DCE6D5}" srcId="{7204C1C4-4A05-4E69-9F7B-60981284C004}" destId="{532DDF30-8F85-4CC7-9DA6-BD224FB1F3F5}" srcOrd="2" destOrd="0" parTransId="{D1BC096E-7702-440B-BE80-860792D3DFB7}" sibTransId="{9D185A63-1973-4493-917E-43CEF87568E8}"/>
-    <dgm:cxn modelId="{B14882FA-3621-45BB-AD02-588DC237E259}" srcId="{E42DA33D-4309-45A4-8090-C7C1B8DE2840}" destId="{C9FFFE1F-6078-4D82-87D0-BC919E87007C}" srcOrd="3" destOrd="0" parTransId="{542BC124-9D9F-4260-8A13-671245865973}" sibTransId="{7CFEB858-7D09-4292-AFD8-A460BF109FDB}"/>
-    <dgm:cxn modelId="{87BA7E12-F7AF-46BE-8604-29232418CB3A}" srcId="{E42DA33D-4309-45A4-8090-C7C1B8DE2840}" destId="{7204C1C4-4A05-4E69-9F7B-60981284C004}" srcOrd="0" destOrd="0" parTransId="{4413B713-B44E-40B8-B9EC-C52CD6FE6A10}" sibTransId="{03005108-F32D-4EFF-9439-890CCA627D66}"/>
     <dgm:cxn modelId="{83312643-ADFE-4B1B-815A-D60947C8A4EC}" srcId="{7204C1C4-4A05-4E69-9F7B-60981284C004}" destId="{CD90799B-3B74-4BC7-8657-98A1B4DCC681}" srcOrd="1" destOrd="0" parTransId="{751EC021-411F-4A76-B34F-42C814479026}" sibTransId="{7A7CB2A3-1623-4099-B0DA-33EDC01CA133}"/>
-    <dgm:cxn modelId="{02D36449-91AF-4126-9259-E191C70B70F8}" type="presOf" srcId="{3D263D67-4D7A-41A5-91A5-670388FEE69F}" destId="{232E8D04-E732-492E-A284-139D99DFE02C}" srcOrd="0" destOrd="0" presId="urn:microsoft.com/office/officeart/2005/8/layout/vList5"/>
-    <dgm:cxn modelId="{2F03713C-0490-4725-99D7-5056B7C29DD9}" type="presOf" srcId="{E42DA33D-4309-45A4-8090-C7C1B8DE2840}" destId="{9951C6AC-0F0C-48FA-BECF-6C3F336159BF}" srcOrd="0" destOrd="0" presId="urn:microsoft.com/office/officeart/2005/8/layout/vList5"/>
-    <dgm:cxn modelId="{7B753C74-0022-47C2-9FF5-93322A5AF332}" type="presOf" srcId="{7204C1C4-4A05-4E69-9F7B-60981284C004}" destId="{83285697-B771-41E8-BF80-D6B7B2E260A7}" srcOrd="0" destOrd="0" presId="urn:microsoft.com/office/officeart/2005/8/layout/vList5"/>
-    <dgm:cxn modelId="{8A68C0B9-F522-4B3B-9EBF-E7A9F6BA3F83}" type="presOf" srcId="{F764DBA7-A3E6-41AE-AAE3-82E4B8468FDE}" destId="{DE3A8CA3-F5E7-47D6-9409-0DAEFC3883C5}" srcOrd="0" destOrd="0" presId="urn:microsoft.com/office/officeart/2005/8/layout/vList5"/>
-    <dgm:cxn modelId="{8992B31C-96AE-42D8-92E7-747632B0038C}" type="presOf" srcId="{532DDF30-8F85-4CC7-9DA6-BD224FB1F3F5}" destId="{4069C5B0-E0D3-47C9-9E5F-416939C594B9}" srcOrd="0" destOrd="2" presId="urn:microsoft.com/office/officeart/2005/8/layout/vList5"/>
-    <dgm:cxn modelId="{F9191076-F8DA-4139-AB2E-8676FB0EE6B9}" srcId="{F764DBA7-A3E6-41AE-AAE3-82E4B8468FDE}" destId="{8CD26415-961D-4B68-B921-E5200F5307C6}" srcOrd="0" destOrd="0" parTransId="{BA48AF34-0E50-497A-9716-D728A68A822C}" sibTransId="{442A9638-1598-4307-926B-38E8B2F5EC42}"/>
     <dgm:cxn modelId="{A3BB4633-1B83-438C-B46A-5AF3D92225A3}" type="presParOf" srcId="{9951C6AC-0F0C-48FA-BECF-6C3F336159BF}" destId="{74EA5511-F8C7-4860-A01C-41612C829EF5}" srcOrd="0" destOrd="0" presId="urn:microsoft.com/office/officeart/2005/8/layout/vList5"/>
     <dgm:cxn modelId="{8F3604BB-2758-4462-926E-F93AA05F30B5}" type="presParOf" srcId="{74EA5511-F8C7-4860-A01C-41612C829EF5}" destId="{83285697-B771-41E8-BF80-D6B7B2E260A7}" srcOrd="0" destOrd="0" presId="urn:microsoft.com/office/officeart/2005/8/layout/vList5"/>
     <dgm:cxn modelId="{C5A249E9-42F1-43F9-8331-FBEE8E16B894}" type="presParOf" srcId="{74EA5511-F8C7-4860-A01C-41612C829EF5}" destId="{4069C5B0-E0D3-47C9-9E5F-416939C594B9}" srcOrd="1" destOrd="0" presId="urn:microsoft.com/office/officeart/2005/8/layout/vList5"/>
@@ -4599,7 +4599,7 @@
   <dgm:whole/>
   <dgm:extLst>
     <a:ext uri="http://schemas.microsoft.com/office/drawing/2008/diagram">
-      <dsp:dataModelExt xmlns="" xmlns:dsp="http://schemas.microsoft.com/office/drawing/2008/diagram" relId="rId6" minVer="http://schemas.openxmlformats.org/drawingml/2006/diagram"/>
+      <dsp:dataModelExt xmlns:dsp="http://schemas.microsoft.com/office/drawing/2008/diagram" relId="rId6" minVer="http://schemas.openxmlformats.org/drawingml/2006/diagram"/>
     </a:ext>
   </dgm:extLst>
 </dgm:dataModel>
@@ -4622,14 +4622,14 @@
     <dgm:pt modelId="{64726959-BFCF-468E-8583-201CF07ACAB4}">
       <dgm:prSet phldrT="[Texto]">
         <dgm:style>
-          <a:lnRef idx="1">
-            <a:schemeClr val="accent3"/>
+          <a:lnRef idx="0">
+            <a:schemeClr val="accent6"/>
           </a:lnRef>
           <a:fillRef idx="3">
-            <a:schemeClr val="accent3"/>
+            <a:schemeClr val="accent6"/>
           </a:fillRef>
-          <a:effectRef idx="2">
-            <a:schemeClr val="accent3"/>
+          <a:effectRef idx="3">
+            <a:schemeClr val="accent6"/>
           </a:effectRef>
           <a:fontRef idx="minor">
             <a:schemeClr val="lt1"/>
@@ -4686,14 +4686,14 @@
     <dgm:pt modelId="{EBE94DE7-18A9-4985-A440-D262D93A6316}">
       <dgm:prSet phldrT="[Texto]">
         <dgm:style>
-          <a:lnRef idx="1">
-            <a:schemeClr val="accent3"/>
+          <a:lnRef idx="0">
+            <a:schemeClr val="accent6"/>
           </a:lnRef>
           <a:fillRef idx="3">
-            <a:schemeClr val="accent3"/>
+            <a:schemeClr val="accent6"/>
           </a:fillRef>
-          <a:effectRef idx="2">
-            <a:schemeClr val="accent3"/>
+          <a:effectRef idx="3">
+            <a:schemeClr val="accent6"/>
           </a:effectRef>
           <a:fontRef idx="minor">
             <a:schemeClr val="lt1"/>
@@ -4750,14 +4750,14 @@
     <dgm:pt modelId="{22558875-04DE-48A8-8D08-7DF713D16D36}">
       <dgm:prSet phldrT="[Texto]">
         <dgm:style>
-          <a:lnRef idx="1">
-            <a:schemeClr val="accent3"/>
+          <a:lnRef idx="0">
+            <a:schemeClr val="accent6"/>
           </a:lnRef>
           <a:fillRef idx="3">
-            <a:schemeClr val="accent3"/>
+            <a:schemeClr val="accent6"/>
           </a:fillRef>
-          <a:effectRef idx="2">
-            <a:schemeClr val="accent3"/>
+          <a:effectRef idx="3">
+            <a:schemeClr val="accent6"/>
           </a:effectRef>
           <a:fontRef idx="minor">
             <a:schemeClr val="lt1"/>
@@ -4814,14 +4814,14 @@
     <dgm:pt modelId="{C0424938-EAAD-4AFD-89AA-F9DAA339B8CE}">
       <dgm:prSet phldrT="[Texto]">
         <dgm:style>
-          <a:lnRef idx="1">
-            <a:schemeClr val="accent3"/>
+          <a:lnRef idx="0">
+            <a:schemeClr val="accent6"/>
           </a:lnRef>
           <a:fillRef idx="3">
-            <a:schemeClr val="accent3"/>
+            <a:schemeClr val="accent6"/>
           </a:fillRef>
-          <a:effectRef idx="2">
-            <a:schemeClr val="accent3"/>
+          <a:effectRef idx="3">
+            <a:schemeClr val="accent6"/>
           </a:effectRef>
           <a:fontRef idx="minor">
             <a:schemeClr val="lt1"/>
@@ -4878,14 +4878,14 @@
     <dgm:pt modelId="{B682214D-3E19-400B-B148-C04F02C27327}">
       <dgm:prSet phldrT="[Texto]">
         <dgm:style>
-          <a:lnRef idx="1">
-            <a:schemeClr val="accent3"/>
+          <a:lnRef idx="0">
+            <a:schemeClr val="accent6"/>
           </a:lnRef>
           <a:fillRef idx="3">
-            <a:schemeClr val="accent3"/>
+            <a:schemeClr val="accent6"/>
           </a:fillRef>
-          <a:effectRef idx="2">
-            <a:schemeClr val="accent3"/>
+          <a:effectRef idx="3">
+            <a:schemeClr val="accent6"/>
           </a:effectRef>
           <a:fontRef idx="minor">
             <a:schemeClr val="lt1"/>
@@ -4942,14 +4942,14 @@
     <dgm:pt modelId="{34E518D1-49BF-45FE-BD69-68CCC11C553D}">
       <dgm:prSet phldrT="[Texto]">
         <dgm:style>
-          <a:lnRef idx="1">
-            <a:schemeClr val="accent3"/>
+          <a:lnRef idx="0">
+            <a:schemeClr val="accent6"/>
           </a:lnRef>
           <a:fillRef idx="3">
-            <a:schemeClr val="accent3"/>
+            <a:schemeClr val="accent6"/>
           </a:fillRef>
-          <a:effectRef idx="2">
-            <a:schemeClr val="accent3"/>
+          <a:effectRef idx="3">
+            <a:schemeClr val="accent6"/>
           </a:effectRef>
           <a:fontRef idx="minor">
             <a:schemeClr val="lt1"/>
@@ -5545,25 +5545,25 @@
     </dgm:pt>
   </dgm:ptLst>
   <dgm:cxnLst>
+    <dgm:cxn modelId="{4650B4FA-5E46-4507-BF35-61AB090D393E}" srcId="{739AC528-84CD-4C4C-9AAA-944987E13663}" destId="{22558875-04DE-48A8-8D08-7DF713D16D36}" srcOrd="2" destOrd="0" parTransId="{AEADCE07-7102-4416-8E67-31648F62FFBE}" sibTransId="{6C26663C-5E0F-469C-A84B-4E7D60C2ACED}"/>
+    <dgm:cxn modelId="{0E348F8C-122A-48CD-A8DB-40A9364F57F3}" type="presOf" srcId="{EBE94DE7-18A9-4985-A440-D262D93A6316}" destId="{9939078C-FCDB-4354-9260-A7140D211969}" srcOrd="1" destOrd="0" presId="urn:microsoft.com/office/officeart/2005/8/layout/list1"/>
+    <dgm:cxn modelId="{1842B81B-6CE1-4E7A-B9A2-8AECFE2C9FD1}" type="presOf" srcId="{34E518D1-49BF-45FE-BD69-68CCC11C553D}" destId="{029B9D8C-4A77-4645-9520-CB1F079C0081}" srcOrd="1" destOrd="0" presId="urn:microsoft.com/office/officeart/2005/8/layout/list1"/>
+    <dgm:cxn modelId="{D6B9F938-FD89-4765-A5F4-595BA2C69F68}" type="presOf" srcId="{34E518D1-49BF-45FE-BD69-68CCC11C553D}" destId="{390F44BF-71AC-4D9F-BF5E-075FA28FE010}" srcOrd="0" destOrd="0" presId="urn:microsoft.com/office/officeart/2005/8/layout/list1"/>
+    <dgm:cxn modelId="{98F30085-95A3-4899-83ED-263051B4121C}" srcId="{739AC528-84CD-4C4C-9AAA-944987E13663}" destId="{EBE94DE7-18A9-4985-A440-D262D93A6316}" srcOrd="1" destOrd="0" parTransId="{7151D90C-DDED-45CE-9D5D-F45918DF7AF3}" sibTransId="{11D717CD-56AA-45FC-9323-4DF14FDC4A6F}"/>
+    <dgm:cxn modelId="{09CDA0F1-41AD-4AA3-BABC-AB3C68FE1F20}" type="presOf" srcId="{B682214D-3E19-400B-B148-C04F02C27327}" destId="{231A70AB-9760-4FFF-B875-5D31C52D60AE}" srcOrd="1" destOrd="0" presId="urn:microsoft.com/office/officeart/2005/8/layout/list1"/>
+    <dgm:cxn modelId="{F9C7EEAC-7918-45CA-816F-B33C04B8B070}" srcId="{739AC528-84CD-4C4C-9AAA-944987E13663}" destId="{C0424938-EAAD-4AFD-89AA-F9DAA339B8CE}" srcOrd="3" destOrd="0" parTransId="{D85B5D0B-0237-4236-B15A-3AC15A4C8D6A}" sibTransId="{EBF62A40-6125-4DD5-8EDA-1F45E06B9030}"/>
+    <dgm:cxn modelId="{BC163CB6-4CBD-44DB-AD17-AFC4FDDC684C}" type="presOf" srcId="{EBE94DE7-18A9-4985-A440-D262D93A6316}" destId="{62A2C154-6AB5-4321-A742-C06A0E020873}" srcOrd="0" destOrd="0" presId="urn:microsoft.com/office/officeart/2005/8/layout/list1"/>
+    <dgm:cxn modelId="{7E93702C-2125-4942-BCFA-451032FA8C07}" type="presOf" srcId="{22558875-04DE-48A8-8D08-7DF713D16D36}" destId="{D78DBF14-3A29-4E42-B56E-7380E92A6552}" srcOrd="1" destOrd="0" presId="urn:microsoft.com/office/officeart/2005/8/layout/list1"/>
+    <dgm:cxn modelId="{81B323AF-A255-4CEA-BAE8-041C43CF3A80}" type="presOf" srcId="{739AC528-84CD-4C4C-9AAA-944987E13663}" destId="{5C305753-02C2-4005-B25D-F75DD4B08137}" srcOrd="0" destOrd="0" presId="urn:microsoft.com/office/officeart/2005/8/layout/list1"/>
+    <dgm:cxn modelId="{08B77D2D-50A3-4665-B5BC-776198A4C49D}" type="presOf" srcId="{64726959-BFCF-468E-8583-201CF07ACAB4}" destId="{5CF09D25-445D-4024-9E09-27B9086F12C2}" srcOrd="0" destOrd="0" presId="urn:microsoft.com/office/officeart/2005/8/layout/list1"/>
+    <dgm:cxn modelId="{DC3681F8-CC97-4E15-8231-5EBA82EFEFD3}" type="presOf" srcId="{22558875-04DE-48A8-8D08-7DF713D16D36}" destId="{7CCD4125-60BB-4322-B726-7F91B5CDFF30}" srcOrd="0" destOrd="0" presId="urn:microsoft.com/office/officeart/2005/8/layout/list1"/>
+    <dgm:cxn modelId="{E7BB10A8-4E7A-44F2-865F-A7389730AEBC}" srcId="{739AC528-84CD-4C4C-9AAA-944987E13663}" destId="{B682214D-3E19-400B-B148-C04F02C27327}" srcOrd="4" destOrd="0" parTransId="{328229DF-DAE6-431B-9EB1-E273DFF5EA70}" sibTransId="{4037F445-FC2C-47AE-89AE-E418F2282E02}"/>
+    <dgm:cxn modelId="{492DC469-18AA-4F1C-B5CB-83AA42592B95}" srcId="{739AC528-84CD-4C4C-9AAA-944987E13663}" destId="{34E518D1-49BF-45FE-BD69-68CCC11C553D}" srcOrd="5" destOrd="0" parTransId="{6E148B5F-7DF9-4BF6-BE15-08EA16D770D4}" sibTransId="{23E81CB5-6F0A-42EB-ADC8-9150ECA984D5}"/>
+    <dgm:cxn modelId="{265C6533-7DF8-4BF6-8C28-3C782A037CF3}" type="presOf" srcId="{B682214D-3E19-400B-B148-C04F02C27327}" destId="{846A3F17-1641-4BB9-AC38-13C0E8AB7383}" srcOrd="0" destOrd="0" presId="urn:microsoft.com/office/officeart/2005/8/layout/list1"/>
+    <dgm:cxn modelId="{0E9F3CED-8870-48EB-AC03-616E89BB9C2E}" type="presOf" srcId="{64726959-BFCF-468E-8583-201CF07ACAB4}" destId="{B171C0C5-1265-474F-9A24-5267C4DEA6BB}" srcOrd="1" destOrd="0" presId="urn:microsoft.com/office/officeart/2005/8/layout/list1"/>
     <dgm:cxn modelId="{B7B87462-1DAB-4820-9D8D-39215A0FD83D}" srcId="{739AC528-84CD-4C4C-9AAA-944987E13663}" destId="{64726959-BFCF-468E-8583-201CF07ACAB4}" srcOrd="0" destOrd="0" parTransId="{1621746A-50DC-494D-BB5D-7D8ADC851307}" sibTransId="{8835803B-4868-4BFF-8B3A-814A6D4954C8}"/>
-    <dgm:cxn modelId="{7E93702C-2125-4942-BCFA-451032FA8C07}" type="presOf" srcId="{22558875-04DE-48A8-8D08-7DF713D16D36}" destId="{D78DBF14-3A29-4E42-B56E-7380E92A6552}" srcOrd="1" destOrd="0" presId="urn:microsoft.com/office/officeart/2005/8/layout/list1"/>
-    <dgm:cxn modelId="{BC163CB6-4CBD-44DB-AD17-AFC4FDDC684C}" type="presOf" srcId="{EBE94DE7-18A9-4985-A440-D262D93A6316}" destId="{62A2C154-6AB5-4321-A742-C06A0E020873}" srcOrd="0" destOrd="0" presId="urn:microsoft.com/office/officeart/2005/8/layout/list1"/>
-    <dgm:cxn modelId="{E7BB10A8-4E7A-44F2-865F-A7389730AEBC}" srcId="{739AC528-84CD-4C4C-9AAA-944987E13663}" destId="{B682214D-3E19-400B-B148-C04F02C27327}" srcOrd="4" destOrd="0" parTransId="{328229DF-DAE6-431B-9EB1-E273DFF5EA70}" sibTransId="{4037F445-FC2C-47AE-89AE-E418F2282E02}"/>
-    <dgm:cxn modelId="{4650B4FA-5E46-4507-BF35-61AB090D393E}" srcId="{739AC528-84CD-4C4C-9AAA-944987E13663}" destId="{22558875-04DE-48A8-8D08-7DF713D16D36}" srcOrd="2" destOrd="0" parTransId="{AEADCE07-7102-4416-8E67-31648F62FFBE}" sibTransId="{6C26663C-5E0F-469C-A84B-4E7D60C2ACED}"/>
-    <dgm:cxn modelId="{265C6533-7DF8-4BF6-8C28-3C782A037CF3}" type="presOf" srcId="{B682214D-3E19-400B-B148-C04F02C27327}" destId="{846A3F17-1641-4BB9-AC38-13C0E8AB7383}" srcOrd="0" destOrd="0" presId="urn:microsoft.com/office/officeart/2005/8/layout/list1"/>
-    <dgm:cxn modelId="{F9C7EEAC-7918-45CA-816F-B33C04B8B070}" srcId="{739AC528-84CD-4C4C-9AAA-944987E13663}" destId="{C0424938-EAAD-4AFD-89AA-F9DAA339B8CE}" srcOrd="3" destOrd="0" parTransId="{D85B5D0B-0237-4236-B15A-3AC15A4C8D6A}" sibTransId="{EBF62A40-6125-4DD5-8EDA-1F45E06B9030}"/>
-    <dgm:cxn modelId="{09CDA0F1-41AD-4AA3-BABC-AB3C68FE1F20}" type="presOf" srcId="{B682214D-3E19-400B-B148-C04F02C27327}" destId="{231A70AB-9760-4FFF-B875-5D31C52D60AE}" srcOrd="1" destOrd="0" presId="urn:microsoft.com/office/officeart/2005/8/layout/list1"/>
-    <dgm:cxn modelId="{1842B81B-6CE1-4E7A-B9A2-8AECFE2C9FD1}" type="presOf" srcId="{34E518D1-49BF-45FE-BD69-68CCC11C553D}" destId="{029B9D8C-4A77-4645-9520-CB1F079C0081}" srcOrd="1" destOrd="0" presId="urn:microsoft.com/office/officeart/2005/8/layout/list1"/>
-    <dgm:cxn modelId="{DC3681F8-CC97-4E15-8231-5EBA82EFEFD3}" type="presOf" srcId="{22558875-04DE-48A8-8D08-7DF713D16D36}" destId="{7CCD4125-60BB-4322-B726-7F91B5CDFF30}" srcOrd="0" destOrd="0" presId="urn:microsoft.com/office/officeart/2005/8/layout/list1"/>
-    <dgm:cxn modelId="{D6B9F938-FD89-4765-A5F4-595BA2C69F68}" type="presOf" srcId="{34E518D1-49BF-45FE-BD69-68CCC11C553D}" destId="{390F44BF-71AC-4D9F-BF5E-075FA28FE010}" srcOrd="0" destOrd="0" presId="urn:microsoft.com/office/officeart/2005/8/layout/list1"/>
-    <dgm:cxn modelId="{08B77D2D-50A3-4665-B5BC-776198A4C49D}" type="presOf" srcId="{64726959-BFCF-468E-8583-201CF07ACAB4}" destId="{5CF09D25-445D-4024-9E09-27B9086F12C2}" srcOrd="0" destOrd="0" presId="urn:microsoft.com/office/officeart/2005/8/layout/list1"/>
-    <dgm:cxn modelId="{492DC469-18AA-4F1C-B5CB-83AA42592B95}" srcId="{739AC528-84CD-4C4C-9AAA-944987E13663}" destId="{34E518D1-49BF-45FE-BD69-68CCC11C553D}" srcOrd="5" destOrd="0" parTransId="{6E148B5F-7DF9-4BF6-BE15-08EA16D770D4}" sibTransId="{23E81CB5-6F0A-42EB-ADC8-9150ECA984D5}"/>
-    <dgm:cxn modelId="{0E9F3CED-8870-48EB-AC03-616E89BB9C2E}" type="presOf" srcId="{64726959-BFCF-468E-8583-201CF07ACAB4}" destId="{B171C0C5-1265-474F-9A24-5267C4DEA6BB}" srcOrd="1" destOrd="0" presId="urn:microsoft.com/office/officeart/2005/8/layout/list1"/>
+    <dgm:cxn modelId="{917C61F7-4EFA-4F87-8A86-AA04AD093EB6}" type="presOf" srcId="{C0424938-EAAD-4AFD-89AA-F9DAA339B8CE}" destId="{3572EF4A-4D38-4BBD-9DE4-D188D70E2CAD}" srcOrd="0" destOrd="0" presId="urn:microsoft.com/office/officeart/2005/8/layout/list1"/>
     <dgm:cxn modelId="{E58C8AA9-859D-436C-829F-177A8BC2DA06}" type="presOf" srcId="{C0424938-EAAD-4AFD-89AA-F9DAA339B8CE}" destId="{6C17C5F1-150A-491F-92CE-A1BE931BB55D}" srcOrd="1" destOrd="0" presId="urn:microsoft.com/office/officeart/2005/8/layout/list1"/>
-    <dgm:cxn modelId="{0E348F8C-122A-48CD-A8DB-40A9364F57F3}" type="presOf" srcId="{EBE94DE7-18A9-4985-A440-D262D93A6316}" destId="{9939078C-FCDB-4354-9260-A7140D211969}" srcOrd="1" destOrd="0" presId="urn:microsoft.com/office/officeart/2005/8/layout/list1"/>
-    <dgm:cxn modelId="{917C61F7-4EFA-4F87-8A86-AA04AD093EB6}" type="presOf" srcId="{C0424938-EAAD-4AFD-89AA-F9DAA339B8CE}" destId="{3572EF4A-4D38-4BBD-9DE4-D188D70E2CAD}" srcOrd="0" destOrd="0" presId="urn:microsoft.com/office/officeart/2005/8/layout/list1"/>
-    <dgm:cxn modelId="{98F30085-95A3-4899-83ED-263051B4121C}" srcId="{739AC528-84CD-4C4C-9AAA-944987E13663}" destId="{EBE94DE7-18A9-4985-A440-D262D93A6316}" srcOrd="1" destOrd="0" parTransId="{7151D90C-DDED-45CE-9D5D-F45918DF7AF3}" sibTransId="{11D717CD-56AA-45FC-9323-4DF14FDC4A6F}"/>
-    <dgm:cxn modelId="{81B323AF-A255-4CEA-BAE8-041C43CF3A80}" type="presOf" srcId="{739AC528-84CD-4C4C-9AAA-944987E13663}" destId="{5C305753-02C2-4005-B25D-F75DD4B08137}" srcOrd="0" destOrd="0" presId="urn:microsoft.com/office/officeart/2005/8/layout/list1"/>
     <dgm:cxn modelId="{5CEE8E5E-6F76-4967-8862-364C72A0F09D}" type="presParOf" srcId="{5C305753-02C2-4005-B25D-F75DD4B08137}" destId="{B34D6D7E-5F2E-4AC9-BD73-0DDE9F8BB618}" srcOrd="0" destOrd="0" presId="urn:microsoft.com/office/officeart/2005/8/layout/list1"/>
     <dgm:cxn modelId="{49AB42FC-D96F-419C-AA12-35C9654D957E}" type="presParOf" srcId="{B34D6D7E-5F2E-4AC9-BD73-0DDE9F8BB618}" destId="{5CF09D25-445D-4024-9E09-27B9086F12C2}" srcOrd="0" destOrd="0" presId="urn:microsoft.com/office/officeart/2005/8/layout/list1"/>
     <dgm:cxn modelId="{16B0EBB0-1939-4496-898C-63BE915DB1B6}" type="presParOf" srcId="{B34D6D7E-5F2E-4AC9-BD73-0DDE9F8BB618}" destId="{B171C0C5-1265-474F-9A24-5267C4DEA6BB}" srcOrd="1" destOrd="0" presId="urn:microsoft.com/office/officeart/2005/8/layout/list1"/>
@@ -5604,7 +5604,7 @@
   <dgm:whole/>
   <dgm:extLst>
     <a:ext uri="http://schemas.microsoft.com/office/drawing/2008/diagram">
-      <dsp:dataModelExt xmlns="" xmlns:dsp="http://schemas.microsoft.com/office/drawing/2008/diagram" relId="rId6" minVer="http://schemas.openxmlformats.org/drawingml/2006/diagram"/>
+      <dsp:dataModelExt xmlns:dsp="http://schemas.microsoft.com/office/drawing/2008/diagram" relId="rId6" minVer="http://schemas.openxmlformats.org/drawingml/2006/diagram"/>
     </a:ext>
   </dgm:extLst>
 </dgm:dataModel>
@@ -6377,30 +6377,30 @@
     </dgm:pt>
   </dgm:ptLst>
   <dgm:cxnLst>
+    <dgm:cxn modelId="{C9B3EE4E-01DF-4274-A896-B826614E44E8}" type="presOf" srcId="{1198010A-7CD9-47DF-8300-D5AB8FDF717B}" destId="{77351131-57DF-4AF2-A89D-95AF9C6149DC}" srcOrd="0" destOrd="1" presId="urn:microsoft.com/office/officeart/2005/8/layout/hProcess4"/>
+    <dgm:cxn modelId="{D8151DDD-A87C-4D2A-AE89-DC88BEAD8F5E}" type="presOf" srcId="{1198010A-7CD9-47DF-8300-D5AB8FDF717B}" destId="{CEA85225-BA33-4729-B542-7DD51242ADCB}" srcOrd="1" destOrd="1" presId="urn:microsoft.com/office/officeart/2005/8/layout/hProcess4"/>
     <dgm:cxn modelId="{4696573D-7AAF-40C4-A299-E5634AF135CD}" type="presOf" srcId="{80BADE98-2C43-40D5-937A-874A1B627145}" destId="{388BBD37-9C2B-4172-8678-CDF3BB968BFB}" srcOrd="1" destOrd="0" presId="urn:microsoft.com/office/officeart/2005/8/layout/hProcess4"/>
+    <dgm:cxn modelId="{96F1515C-012C-4FBA-939B-73396FC64F01}" type="presOf" srcId="{7DFE07BF-9A88-4152-9E58-09C9E20DB3CE}" destId="{168FD8A5-9BA3-47FA-8D32-ED60BCA98D24}" srcOrd="0" destOrd="0" presId="urn:microsoft.com/office/officeart/2005/8/layout/hProcess4"/>
+    <dgm:cxn modelId="{5CB851DE-B309-4D32-BF02-58D05478E534}" srcId="{7DFE07BF-9A88-4152-9E58-09C9E20DB3CE}" destId="{7F7E1F91-F6F4-48A9-B4FA-337B2EBD2C9A}" srcOrd="0" destOrd="0" parTransId="{0796D45F-4D57-413D-A4BB-33573B2F1CF3}" sibTransId="{0FC519C8-F4CD-4D2A-B852-2C233866BAF3}"/>
     <dgm:cxn modelId="{BF29565E-C27D-4C89-8F7E-C084E8C699E7}" srcId="{7DFE07BF-9A88-4152-9E58-09C9E20DB3CE}" destId="{1198010A-7CD9-47DF-8300-D5AB8FDF717B}" srcOrd="1" destOrd="0" parTransId="{67755E1A-2705-4297-9986-0E390CA27394}" sibTransId="{0231FB8D-A362-4F4A-8E56-6DAC699F1D6F}"/>
-    <dgm:cxn modelId="{D8151DDD-A87C-4D2A-AE89-DC88BEAD8F5E}" type="presOf" srcId="{1198010A-7CD9-47DF-8300-D5AB8FDF717B}" destId="{CEA85225-BA33-4729-B542-7DD51242ADCB}" srcOrd="1" destOrd="1" presId="urn:microsoft.com/office/officeart/2005/8/layout/hProcess4"/>
+    <dgm:cxn modelId="{CABFBE03-3760-43FE-A793-4570B6274A4D}" type="presOf" srcId="{2F3DF7DE-E5C9-4440-80D1-538313244BE6}" destId="{39B7AE1B-7006-4AD9-AFC0-AD9AB09ED28C}" srcOrd="1" destOrd="0" presId="urn:microsoft.com/office/officeart/2005/8/layout/hProcess4"/>
+    <dgm:cxn modelId="{C730B313-4D1D-4229-8314-A3150E0294B1}" type="presOf" srcId="{E68D9850-B3A4-4979-A4D0-E3D401A29AB5}" destId="{BB47B8A7-A69A-47BA-8429-499D75D98923}" srcOrd="0" destOrd="0" presId="urn:microsoft.com/office/officeart/2005/8/layout/hProcess4"/>
+    <dgm:cxn modelId="{F52A89F1-D611-4436-8916-14DEFBEAC79D}" srcId="{4412B91F-CF8D-4A42-83DF-7CDCCDA80F7D}" destId="{7DFE07BF-9A88-4152-9E58-09C9E20DB3CE}" srcOrd="0" destOrd="0" parTransId="{F2C6A117-64F1-4ED9-9C2B-9510107D76CB}" sibTransId="{E68D9850-B3A4-4979-A4D0-E3D401A29AB5}"/>
+    <dgm:cxn modelId="{286DB79C-095B-4A03-8241-456F11CF2F5D}" srcId="{F3A2DAB8-2AB9-419A-82D3-D743A16978C8}" destId="{FFBB95A5-64CA-4277-8EC9-9A4877C06A11}" srcOrd="1" destOrd="0" parTransId="{E5A1EA11-2B41-4DD3-8BF1-0CF84454CAE5}" sibTransId="{49EC4B80-42F4-4C68-8C02-F267FE81602E}"/>
+    <dgm:cxn modelId="{9ED5A29A-4F56-4F4A-943D-8B8035CAB709}" type="presOf" srcId="{FFBB95A5-64CA-4277-8EC9-9A4877C06A11}" destId="{AE566E9F-D101-4F88-9692-208EF2AE8557}" srcOrd="0" destOrd="1" presId="urn:microsoft.com/office/officeart/2005/8/layout/hProcess4"/>
+    <dgm:cxn modelId="{B4DEC388-DC62-483F-A05C-5555B345D4B2}" type="presOf" srcId="{7F7E1F91-F6F4-48A9-B4FA-337B2EBD2C9A}" destId="{77351131-57DF-4AF2-A89D-95AF9C6149DC}" srcOrd="0" destOrd="0" presId="urn:microsoft.com/office/officeart/2005/8/layout/hProcess4"/>
+    <dgm:cxn modelId="{076FA099-FCD5-4C11-8A08-746949589EB9}" type="presOf" srcId="{FFBB95A5-64CA-4277-8EC9-9A4877C06A11}" destId="{388BBD37-9C2B-4172-8678-CDF3BB968BFB}" srcOrd="1" destOrd="1" presId="urn:microsoft.com/office/officeart/2005/8/layout/hProcess4"/>
+    <dgm:cxn modelId="{FD321DDD-0FBF-4119-B35F-BF41A6D1FACA}" type="presOf" srcId="{80BADE98-2C43-40D5-937A-874A1B627145}" destId="{AE566E9F-D101-4F88-9692-208EF2AE8557}" srcOrd="0" destOrd="0" presId="urn:microsoft.com/office/officeart/2005/8/layout/hProcess4"/>
+    <dgm:cxn modelId="{C03BE492-3E48-4B5B-B223-BD9B09A0499C}" type="presOf" srcId="{4412B91F-CF8D-4A42-83DF-7CDCCDA80F7D}" destId="{50C663CD-616C-44EE-98F1-BB5FDDDEDCC8}" srcOrd="0" destOrd="0" presId="urn:microsoft.com/office/officeart/2005/8/layout/hProcess4"/>
+    <dgm:cxn modelId="{66AF1316-005D-4157-AB49-7D09464E8313}" type="presOf" srcId="{7F7E1F91-F6F4-48A9-B4FA-337B2EBD2C9A}" destId="{CEA85225-BA33-4729-B542-7DD51242ADCB}" srcOrd="1" destOrd="0" presId="urn:microsoft.com/office/officeart/2005/8/layout/hProcess4"/>
+    <dgm:cxn modelId="{F6F5BFB7-87A2-418B-8A67-5193C4B8B5C2}" type="presOf" srcId="{3865D5FF-DA00-4906-B6F5-07C839464584}" destId="{85BA2879-403E-43AC-A59E-A90A5FACC251}" srcOrd="0" destOrd="0" presId="urn:microsoft.com/office/officeart/2005/8/layout/hProcess4"/>
+    <dgm:cxn modelId="{D058A61E-2631-4792-87A9-3570D8D2DB0F}" srcId="{3865D5FF-DA00-4906-B6F5-07C839464584}" destId="{2F3DF7DE-E5C9-4440-80D1-538313244BE6}" srcOrd="0" destOrd="0" parTransId="{3C0BC7DD-F66C-4719-92AE-5E9E7825604D}" sibTransId="{4569B2FB-90CA-4536-9206-69C81C9FC0BD}"/>
+    <dgm:cxn modelId="{81BAC1B0-D183-4179-9A55-029F538E675D}" srcId="{F3A2DAB8-2AB9-419A-82D3-D743A16978C8}" destId="{80BADE98-2C43-40D5-937A-874A1B627145}" srcOrd="0" destOrd="0" parTransId="{61694F4E-3BB3-4806-8315-F9C9DE55D766}" sibTransId="{1B940CC1-D5C1-4465-A2E5-B629FA2D9A4E}"/>
+    <dgm:cxn modelId="{E819844F-6C63-4A97-8468-0C16FFCB7637}" type="presOf" srcId="{2F3DF7DE-E5C9-4440-80D1-538313244BE6}" destId="{0C27C69B-3C82-4A7E-9AEC-146B678149A2}" srcOrd="0" destOrd="0" presId="urn:microsoft.com/office/officeart/2005/8/layout/hProcess4"/>
     <dgm:cxn modelId="{C9D8935F-6C23-483A-8258-A9CABF3C76B0}" srcId="{4412B91F-CF8D-4A42-83DF-7CDCCDA80F7D}" destId="{3865D5FF-DA00-4906-B6F5-07C839464584}" srcOrd="1" destOrd="0" parTransId="{49FB8D0F-E70F-4A66-9F99-3E0F33864CA6}" sibTransId="{CFF97A55-CF3E-4E1D-AF04-5A3631D6CB6D}"/>
     <dgm:cxn modelId="{A5D7F522-490D-4613-A205-B81A1D2FF7FB}" type="presOf" srcId="{F3A2DAB8-2AB9-419A-82D3-D743A16978C8}" destId="{301F9B7A-61FD-4D71-8D0E-DCB457B0DAC9}" srcOrd="0" destOrd="0" presId="urn:microsoft.com/office/officeart/2005/8/layout/hProcess4"/>
-    <dgm:cxn modelId="{CABFBE03-3760-43FE-A793-4570B6274A4D}" type="presOf" srcId="{2F3DF7DE-E5C9-4440-80D1-538313244BE6}" destId="{39B7AE1B-7006-4AD9-AFC0-AD9AB09ED28C}" srcOrd="1" destOrd="0" presId="urn:microsoft.com/office/officeart/2005/8/layout/hProcess4"/>
-    <dgm:cxn modelId="{E819844F-6C63-4A97-8468-0C16FFCB7637}" type="presOf" srcId="{2F3DF7DE-E5C9-4440-80D1-538313244BE6}" destId="{0C27C69B-3C82-4A7E-9AEC-146B678149A2}" srcOrd="0" destOrd="0" presId="urn:microsoft.com/office/officeart/2005/8/layout/hProcess4"/>
-    <dgm:cxn modelId="{5CB851DE-B309-4D32-BF02-58D05478E534}" srcId="{7DFE07BF-9A88-4152-9E58-09C9E20DB3CE}" destId="{7F7E1F91-F6F4-48A9-B4FA-337B2EBD2C9A}" srcOrd="0" destOrd="0" parTransId="{0796D45F-4D57-413D-A4BB-33573B2F1CF3}" sibTransId="{0FC519C8-F4CD-4D2A-B852-2C233866BAF3}"/>
-    <dgm:cxn modelId="{B4DEC388-DC62-483F-A05C-5555B345D4B2}" type="presOf" srcId="{7F7E1F91-F6F4-48A9-B4FA-337B2EBD2C9A}" destId="{77351131-57DF-4AF2-A89D-95AF9C6149DC}" srcOrd="0" destOrd="0" presId="urn:microsoft.com/office/officeart/2005/8/layout/hProcess4"/>
-    <dgm:cxn modelId="{9ED5A29A-4F56-4F4A-943D-8B8035CAB709}" type="presOf" srcId="{FFBB95A5-64CA-4277-8EC9-9A4877C06A11}" destId="{AE566E9F-D101-4F88-9692-208EF2AE8557}" srcOrd="0" destOrd="1" presId="urn:microsoft.com/office/officeart/2005/8/layout/hProcess4"/>
-    <dgm:cxn modelId="{286DB79C-095B-4A03-8241-456F11CF2F5D}" srcId="{F3A2DAB8-2AB9-419A-82D3-D743A16978C8}" destId="{FFBB95A5-64CA-4277-8EC9-9A4877C06A11}" srcOrd="1" destOrd="0" parTransId="{E5A1EA11-2B41-4DD3-8BF1-0CF84454CAE5}" sibTransId="{49EC4B80-42F4-4C68-8C02-F267FE81602E}"/>
     <dgm:cxn modelId="{FCD6A96D-054B-4471-90ED-6EB5ED0EBFF9}" type="presOf" srcId="{CFF97A55-CF3E-4E1D-AF04-5A3631D6CB6D}" destId="{E5E8036A-476D-4F9C-9D7B-4ED08A33C842}" srcOrd="0" destOrd="0" presId="urn:microsoft.com/office/officeart/2005/8/layout/hProcess4"/>
-    <dgm:cxn modelId="{C730B313-4D1D-4229-8314-A3150E0294B1}" type="presOf" srcId="{E68D9850-B3A4-4979-A4D0-E3D401A29AB5}" destId="{BB47B8A7-A69A-47BA-8429-499D75D98923}" srcOrd="0" destOrd="0" presId="urn:microsoft.com/office/officeart/2005/8/layout/hProcess4"/>
-    <dgm:cxn modelId="{076FA099-FCD5-4C11-8A08-746949589EB9}" type="presOf" srcId="{FFBB95A5-64CA-4277-8EC9-9A4877C06A11}" destId="{388BBD37-9C2B-4172-8678-CDF3BB968BFB}" srcOrd="1" destOrd="1" presId="urn:microsoft.com/office/officeart/2005/8/layout/hProcess4"/>
-    <dgm:cxn modelId="{F52A89F1-D611-4436-8916-14DEFBEAC79D}" srcId="{4412B91F-CF8D-4A42-83DF-7CDCCDA80F7D}" destId="{7DFE07BF-9A88-4152-9E58-09C9E20DB3CE}" srcOrd="0" destOrd="0" parTransId="{F2C6A117-64F1-4ED9-9C2B-9510107D76CB}" sibTransId="{E68D9850-B3A4-4979-A4D0-E3D401A29AB5}"/>
-    <dgm:cxn modelId="{FD321DDD-0FBF-4119-B35F-BF41A6D1FACA}" type="presOf" srcId="{80BADE98-2C43-40D5-937A-874A1B627145}" destId="{AE566E9F-D101-4F88-9692-208EF2AE8557}" srcOrd="0" destOrd="0" presId="urn:microsoft.com/office/officeart/2005/8/layout/hProcess4"/>
-    <dgm:cxn modelId="{C03BE492-3E48-4B5B-B223-BD9B09A0499C}" type="presOf" srcId="{4412B91F-CF8D-4A42-83DF-7CDCCDA80F7D}" destId="{50C663CD-616C-44EE-98F1-BB5FDDDEDCC8}" srcOrd="0" destOrd="0" presId="urn:microsoft.com/office/officeart/2005/8/layout/hProcess4"/>
     <dgm:cxn modelId="{4A7FA099-9464-4ACD-A790-6102C1584AD1}" srcId="{4412B91F-CF8D-4A42-83DF-7CDCCDA80F7D}" destId="{F3A2DAB8-2AB9-419A-82D3-D743A16978C8}" srcOrd="2" destOrd="0" parTransId="{62C15E06-9F1B-4472-A7B4-FEFADBC7E807}" sibTransId="{401344D0-ED0B-4340-9FCD-FF07FE375E6C}"/>
-    <dgm:cxn modelId="{66AF1316-005D-4157-AB49-7D09464E8313}" type="presOf" srcId="{7F7E1F91-F6F4-48A9-B4FA-337B2EBD2C9A}" destId="{CEA85225-BA33-4729-B542-7DD51242ADCB}" srcOrd="1" destOrd="0" presId="urn:microsoft.com/office/officeart/2005/8/layout/hProcess4"/>
-    <dgm:cxn modelId="{D058A61E-2631-4792-87A9-3570D8D2DB0F}" srcId="{3865D5FF-DA00-4906-B6F5-07C839464584}" destId="{2F3DF7DE-E5C9-4440-80D1-538313244BE6}" srcOrd="0" destOrd="0" parTransId="{3C0BC7DD-F66C-4719-92AE-5E9E7825604D}" sibTransId="{4569B2FB-90CA-4536-9206-69C81C9FC0BD}"/>
-    <dgm:cxn modelId="{F6F5BFB7-87A2-418B-8A67-5193C4B8B5C2}" type="presOf" srcId="{3865D5FF-DA00-4906-B6F5-07C839464584}" destId="{85BA2879-403E-43AC-A59E-A90A5FACC251}" srcOrd="0" destOrd="0" presId="urn:microsoft.com/office/officeart/2005/8/layout/hProcess4"/>
-    <dgm:cxn modelId="{C9B3EE4E-01DF-4274-A896-B826614E44E8}" type="presOf" srcId="{1198010A-7CD9-47DF-8300-D5AB8FDF717B}" destId="{77351131-57DF-4AF2-A89D-95AF9C6149DC}" srcOrd="0" destOrd="1" presId="urn:microsoft.com/office/officeart/2005/8/layout/hProcess4"/>
-    <dgm:cxn modelId="{96F1515C-012C-4FBA-939B-73396FC64F01}" type="presOf" srcId="{7DFE07BF-9A88-4152-9E58-09C9E20DB3CE}" destId="{168FD8A5-9BA3-47FA-8D32-ED60BCA98D24}" srcOrd="0" destOrd="0" presId="urn:microsoft.com/office/officeart/2005/8/layout/hProcess4"/>
-    <dgm:cxn modelId="{81BAC1B0-D183-4179-9A55-029F538E675D}" srcId="{F3A2DAB8-2AB9-419A-82D3-D743A16978C8}" destId="{80BADE98-2C43-40D5-937A-874A1B627145}" srcOrd="0" destOrd="0" parTransId="{61694F4E-3BB3-4806-8315-F9C9DE55D766}" sibTransId="{1B940CC1-D5C1-4465-A2E5-B629FA2D9A4E}"/>
     <dgm:cxn modelId="{DC8F0603-A30F-4881-8DB3-C28DAA5234EB}" type="presParOf" srcId="{50C663CD-616C-44EE-98F1-BB5FDDDEDCC8}" destId="{138CD9C0-127E-45DD-BA5D-F929D722FD16}" srcOrd="0" destOrd="0" presId="urn:microsoft.com/office/officeart/2005/8/layout/hProcess4"/>
     <dgm:cxn modelId="{5A02F5F5-BF03-478E-AB04-0CF1957AA6B2}" type="presParOf" srcId="{50C663CD-616C-44EE-98F1-BB5FDDDEDCC8}" destId="{EF0649EA-CFC7-443D-9E0B-71BBF1A268A7}" srcOrd="1" destOrd="0" presId="urn:microsoft.com/office/officeart/2005/8/layout/hProcess4"/>
     <dgm:cxn modelId="{28FB9728-D277-4EA0-9D1D-8BA739CBDE26}" type="presParOf" srcId="{50C663CD-616C-44EE-98F1-BB5FDDDEDCC8}" destId="{2FA38D1F-3777-488A-AF41-E467FA0BCCBE}" srcOrd="2" destOrd="0" presId="urn:microsoft.com/office/officeart/2005/8/layout/hProcess4"/>
@@ -6429,7 +6429,7 @@
   <dgm:whole/>
   <dgm:extLst>
     <a:ext uri="http://schemas.microsoft.com/office/drawing/2008/diagram">
-      <dsp:dataModelExt xmlns="" xmlns:dsp="http://schemas.microsoft.com/office/drawing/2008/diagram" relId="rId6" minVer="http://schemas.openxmlformats.org/drawingml/2006/diagram"/>
+      <dsp:dataModelExt xmlns:dsp="http://schemas.microsoft.com/office/drawing/2008/diagram" relId="rId6" minVer="http://schemas.openxmlformats.org/drawingml/2006/diagram"/>
     </a:ext>
   </dgm:extLst>
 </dgm:dataModel>
@@ -6450,7 +6450,22 @@
       </dgm:t>
     </dgm:pt>
     <dgm:pt modelId="{4BA36FF7-0F0F-4341-A68C-01E8516603CD}">
-      <dgm:prSet phldrT="[Texto]" custT="1"/>
+      <dgm:prSet phldrT="[Texto]" custT="1">
+        <dgm:style>
+          <a:lnRef idx="0">
+            <a:schemeClr val="accent6"/>
+          </a:lnRef>
+          <a:fillRef idx="3">
+            <a:schemeClr val="accent6"/>
+          </a:fillRef>
+          <a:effectRef idx="3">
+            <a:schemeClr val="accent6"/>
+          </a:effectRef>
+          <a:fontRef idx="minor">
+            <a:schemeClr val="lt1"/>
+          </a:fontRef>
+        </dgm:style>
+      </dgm:prSet>
       <dgm:spPr/>
       <dgm:t>
         <a:bodyPr/>
@@ -6476,7 +6491,22 @@
       </dgm:t>
     </dgm:pt>
     <dgm:pt modelId="{579997AD-FA9A-4915-A323-8F17CA09514B}" type="sibTrans" cxnId="{13DDD5AB-9265-4DB2-9E66-512CAA799786}">
-      <dgm:prSet/>
+      <dgm:prSet>
+        <dgm:style>
+          <a:lnRef idx="0">
+            <a:schemeClr val="accent6"/>
+          </a:lnRef>
+          <a:fillRef idx="3">
+            <a:schemeClr val="accent6"/>
+          </a:fillRef>
+          <a:effectRef idx="3">
+            <a:schemeClr val="accent6"/>
+          </a:effectRef>
+          <a:fontRef idx="minor">
+            <a:schemeClr val="lt1"/>
+          </a:fontRef>
+        </dgm:style>
+      </dgm:prSet>
       <dgm:spPr/>
       <dgm:t>
         <a:bodyPr/>
@@ -6487,7 +6517,22 @@
       </dgm:t>
     </dgm:pt>
     <dgm:pt modelId="{B2D64904-4778-414A-935C-AFC992C15E50}">
-      <dgm:prSet phldrT="[Texto]" custT="1"/>
+      <dgm:prSet phldrT="[Texto]" custT="1">
+        <dgm:style>
+          <a:lnRef idx="2">
+            <a:schemeClr val="accent1"/>
+          </a:lnRef>
+          <a:fillRef idx="1">
+            <a:schemeClr val="lt1"/>
+          </a:fillRef>
+          <a:effectRef idx="0">
+            <a:schemeClr val="accent1"/>
+          </a:effectRef>
+          <a:fontRef idx="minor">
+            <a:schemeClr val="dk1"/>
+          </a:fontRef>
+        </dgm:style>
+      </dgm:prSet>
       <dgm:spPr/>
       <dgm:t>
         <a:bodyPr/>
@@ -6524,7 +6569,22 @@
       </dgm:t>
     </dgm:pt>
     <dgm:pt modelId="{140DB818-E071-4B39-BEDA-37F84C79FBA2}">
-      <dgm:prSet phldrT="[Texto]" custT="1"/>
+      <dgm:prSet phldrT="[Texto]" custT="1">
+        <dgm:style>
+          <a:lnRef idx="0">
+            <a:schemeClr val="accent6"/>
+          </a:lnRef>
+          <a:fillRef idx="3">
+            <a:schemeClr val="accent6"/>
+          </a:fillRef>
+          <a:effectRef idx="3">
+            <a:schemeClr val="accent6"/>
+          </a:effectRef>
+          <a:fontRef idx="minor">
+            <a:schemeClr val="lt1"/>
+          </a:fontRef>
+        </dgm:style>
+      </dgm:prSet>
       <dgm:spPr/>
       <dgm:t>
         <a:bodyPr/>
@@ -6550,7 +6610,22 @@
       </dgm:t>
     </dgm:pt>
     <dgm:pt modelId="{AAA7816F-0D18-434B-AF27-E1709A042EA5}" type="sibTrans" cxnId="{BB53AC73-5473-4487-A280-CC415E72C20C}">
-      <dgm:prSet/>
+      <dgm:prSet>
+        <dgm:style>
+          <a:lnRef idx="0">
+            <a:schemeClr val="accent6"/>
+          </a:lnRef>
+          <a:fillRef idx="3">
+            <a:schemeClr val="accent6"/>
+          </a:fillRef>
+          <a:effectRef idx="3">
+            <a:schemeClr val="accent6"/>
+          </a:effectRef>
+          <a:fontRef idx="minor">
+            <a:schemeClr val="lt1"/>
+          </a:fontRef>
+        </dgm:style>
+      </dgm:prSet>
       <dgm:spPr/>
       <dgm:t>
         <a:bodyPr/>
@@ -6561,7 +6636,22 @@
       </dgm:t>
     </dgm:pt>
     <dgm:pt modelId="{57884B04-88D4-4FB2-8678-5199DF429E6F}">
-      <dgm:prSet phldrT="[Texto]" custT="1"/>
+      <dgm:prSet phldrT="[Texto]" custT="1">
+        <dgm:style>
+          <a:lnRef idx="2">
+            <a:schemeClr val="accent1"/>
+          </a:lnRef>
+          <a:fillRef idx="1">
+            <a:schemeClr val="lt1"/>
+          </a:fillRef>
+          <a:effectRef idx="0">
+            <a:schemeClr val="accent1"/>
+          </a:effectRef>
+          <a:fontRef idx="minor">
+            <a:schemeClr val="dk1"/>
+          </a:fontRef>
+        </dgm:style>
+      </dgm:prSet>
       <dgm:spPr/>
       <dgm:t>
         <a:bodyPr/>
@@ -6598,7 +6688,22 @@
       </dgm:t>
     </dgm:pt>
     <dgm:pt modelId="{AD7A2D0A-69C1-40D4-AC3C-50ACA39C45C1}">
-      <dgm:prSet phldrT="[Texto]" custT="1"/>
+      <dgm:prSet phldrT="[Texto]" custT="1">
+        <dgm:style>
+          <a:lnRef idx="0">
+            <a:schemeClr val="accent6"/>
+          </a:lnRef>
+          <a:fillRef idx="3">
+            <a:schemeClr val="accent6"/>
+          </a:fillRef>
+          <a:effectRef idx="3">
+            <a:schemeClr val="accent6"/>
+          </a:effectRef>
+          <a:fontRef idx="minor">
+            <a:schemeClr val="lt1"/>
+          </a:fontRef>
+        </dgm:style>
+      </dgm:prSet>
       <dgm:spPr/>
       <dgm:t>
         <a:bodyPr/>
@@ -6635,7 +6740,22 @@
       </dgm:t>
     </dgm:pt>
     <dgm:pt modelId="{21736AD5-ED16-41EE-9520-03DEC94C9DD9}">
-      <dgm:prSet phldrT="[Texto]" custT="1"/>
+      <dgm:prSet phldrT="[Texto]" custT="1">
+        <dgm:style>
+          <a:lnRef idx="2">
+            <a:schemeClr val="accent1"/>
+          </a:lnRef>
+          <a:fillRef idx="1">
+            <a:schemeClr val="lt1"/>
+          </a:fillRef>
+          <a:effectRef idx="0">
+            <a:schemeClr val="accent1"/>
+          </a:effectRef>
+          <a:fontRef idx="minor">
+            <a:schemeClr val="dk1"/>
+          </a:fontRef>
+        </dgm:style>
+      </dgm:prSet>
       <dgm:spPr/>
       <dgm:t>
         <a:bodyPr/>
@@ -6680,6 +6800,13 @@
         </dgm:presLayoutVars>
       </dgm:prSet>
       <dgm:spPr/>
+      <dgm:t>
+        <a:bodyPr/>
+        <a:lstStyle/>
+        <a:p>
+          <a:endParaRPr lang="pt-BR"/>
+        </a:p>
+      </dgm:t>
     </dgm:pt>
     <dgm:pt modelId="{53AF55CF-52F1-471D-BD6D-B6FBBCD8ED56}" type="pres">
       <dgm:prSet presAssocID="{4BA36FF7-0F0F-4341-A68C-01E8516603CD}" presName="composite" presStyleCnt="0"/>
@@ -6731,10 +6858,24 @@
     <dgm:pt modelId="{330F8E89-32DF-4BC4-AED2-91D2D7CB94C5}" type="pres">
       <dgm:prSet presAssocID="{579997AD-FA9A-4915-A323-8F17CA09514B}" presName="sibTrans" presStyleLbl="sibTrans2D1" presStyleIdx="0" presStyleCnt="2"/>
       <dgm:spPr/>
+      <dgm:t>
+        <a:bodyPr/>
+        <a:lstStyle/>
+        <a:p>
+          <a:endParaRPr lang="pt-BR"/>
+        </a:p>
+      </dgm:t>
     </dgm:pt>
     <dgm:pt modelId="{E703F4C6-A0E0-49AD-9FAC-F47DD1F01258}" type="pres">
       <dgm:prSet presAssocID="{579997AD-FA9A-4915-A323-8F17CA09514B}" presName="connTx" presStyleLbl="sibTrans2D1" presStyleIdx="0" presStyleCnt="2"/>
       <dgm:spPr/>
+      <dgm:t>
+        <a:bodyPr/>
+        <a:lstStyle/>
+        <a:p>
+          <a:endParaRPr lang="pt-BR"/>
+        </a:p>
+      </dgm:t>
     </dgm:pt>
     <dgm:pt modelId="{555CABAF-6576-45CB-A483-EA01D264AF24}" type="pres">
       <dgm:prSet presAssocID="{140DB818-E071-4B39-BEDA-37F84C79FBA2}" presName="composite" presStyleCnt="0"/>
@@ -6775,14 +6916,35 @@
         </dgm:presLayoutVars>
       </dgm:prSet>
       <dgm:spPr/>
+      <dgm:t>
+        <a:bodyPr/>
+        <a:lstStyle/>
+        <a:p>
+          <a:endParaRPr lang="pt-BR"/>
+        </a:p>
+      </dgm:t>
     </dgm:pt>
     <dgm:pt modelId="{1390A124-BEDA-4A49-9B1B-0ED2FB571A6C}" type="pres">
       <dgm:prSet presAssocID="{AAA7816F-0D18-434B-AF27-E1709A042EA5}" presName="sibTrans" presStyleLbl="sibTrans2D1" presStyleIdx="1" presStyleCnt="2"/>
       <dgm:spPr/>
+      <dgm:t>
+        <a:bodyPr/>
+        <a:lstStyle/>
+        <a:p>
+          <a:endParaRPr lang="pt-BR"/>
+        </a:p>
+      </dgm:t>
     </dgm:pt>
     <dgm:pt modelId="{A890346F-3222-4081-BF76-FED6671C2558}" type="pres">
       <dgm:prSet presAssocID="{AAA7816F-0D18-434B-AF27-E1709A042EA5}" presName="connTx" presStyleLbl="sibTrans2D1" presStyleIdx="1" presStyleCnt="2"/>
       <dgm:spPr/>
+      <dgm:t>
+        <a:bodyPr/>
+        <a:lstStyle/>
+        <a:p>
+          <a:endParaRPr lang="pt-BR"/>
+        </a:p>
+      </dgm:t>
     </dgm:pt>
     <dgm:pt modelId="{3BE572E2-8B3E-4A63-8EC8-6FCB042DECDA}" type="pres">
       <dgm:prSet presAssocID="{AD7A2D0A-69C1-40D4-AC3C-50ACA39C45C1}" presName="composite" presStyleCnt="0"/>
@@ -6823,29 +6985,36 @@
         </dgm:presLayoutVars>
       </dgm:prSet>
       <dgm:spPr/>
+      <dgm:t>
+        <a:bodyPr/>
+        <a:lstStyle/>
+        <a:p>
+          <a:endParaRPr lang="pt-BR"/>
+        </a:p>
+      </dgm:t>
     </dgm:pt>
   </dgm:ptLst>
   <dgm:cxnLst>
-    <dgm:cxn modelId="{C288C32A-3227-4782-B852-198321A78827}" type="presOf" srcId="{140DB818-E071-4B39-BEDA-37F84C79FBA2}" destId="{D6C82472-F7A1-44F8-BE16-C0E2E40E0D6B}" srcOrd="1" destOrd="0" presId="urn:microsoft.com/office/officeart/2005/8/layout/process3"/>
-    <dgm:cxn modelId="{021B0986-616E-47A6-BC20-5C2A8AA71A81}" type="presOf" srcId="{E253E697-B0C3-42D4-81FD-D3ABCA72938E}" destId="{BCDBC707-4A93-4D55-A61A-79732B703027}" srcOrd="0" destOrd="0" presId="urn:microsoft.com/office/officeart/2005/8/layout/process3"/>
-    <dgm:cxn modelId="{BB53AC73-5473-4487-A280-CC415E72C20C}" srcId="{E253E697-B0C3-42D4-81FD-D3ABCA72938E}" destId="{140DB818-E071-4B39-BEDA-37F84C79FBA2}" srcOrd="1" destOrd="0" parTransId="{5D492640-F330-4177-9F25-0C2545064803}" sibTransId="{AAA7816F-0D18-434B-AF27-E1709A042EA5}"/>
-    <dgm:cxn modelId="{82215399-8FEF-435E-B12E-B0BBF6350A2D}" srcId="{140DB818-E071-4B39-BEDA-37F84C79FBA2}" destId="{57884B04-88D4-4FB2-8678-5199DF429E6F}" srcOrd="0" destOrd="0" parTransId="{C4B27B1D-C2E0-4804-B643-F031B63B66D3}" sibTransId="{B8942B1F-0DA1-4630-8D8B-34A3B43C11D5}"/>
-    <dgm:cxn modelId="{E22A4332-4F38-4397-A0CA-E07AB4FDA400}" type="presOf" srcId="{AD7A2D0A-69C1-40D4-AC3C-50ACA39C45C1}" destId="{EA7354A6-04B1-4A5C-BE93-3D503C066108}" srcOrd="0" destOrd="0" presId="urn:microsoft.com/office/officeart/2005/8/layout/process3"/>
-    <dgm:cxn modelId="{1BD557F6-3147-4A3E-96E1-8774CC36B89A}" srcId="{E253E697-B0C3-42D4-81FD-D3ABCA72938E}" destId="{AD7A2D0A-69C1-40D4-AC3C-50ACA39C45C1}" srcOrd="2" destOrd="0" parTransId="{B65DA3CC-30DF-4011-97FD-91E67EF19982}" sibTransId="{D8E3431A-1020-45BC-A3A1-D9601A2EED84}"/>
-    <dgm:cxn modelId="{625B97B1-48B9-4F79-AD12-9E967C7E5D25}" type="presOf" srcId="{57884B04-88D4-4FB2-8678-5199DF429E6F}" destId="{3E47BC9E-87C0-4D93-83F4-A810B62AEF07}" srcOrd="0" destOrd="0" presId="urn:microsoft.com/office/officeart/2005/8/layout/process3"/>
+    <dgm:cxn modelId="{9C9CCD84-152C-4BF0-AE56-02A77DCE9308}" type="presOf" srcId="{AD7A2D0A-69C1-40D4-AC3C-50ACA39C45C1}" destId="{944B484B-F688-4CFA-A4FB-08B237CA5903}" srcOrd="1" destOrd="0" presId="urn:microsoft.com/office/officeart/2005/8/layout/process3"/>
+    <dgm:cxn modelId="{5A2ECE84-5973-469B-B8D7-72377C33E035}" type="presOf" srcId="{AAA7816F-0D18-434B-AF27-E1709A042EA5}" destId="{1390A124-BEDA-4A49-9B1B-0ED2FB571A6C}" srcOrd="0" destOrd="0" presId="urn:microsoft.com/office/officeart/2005/8/layout/process3"/>
     <dgm:cxn modelId="{1797C3E7-363E-4D4F-BF7B-E725B7DA6E80}" type="presOf" srcId="{579997AD-FA9A-4915-A323-8F17CA09514B}" destId="{E703F4C6-A0E0-49AD-9FAC-F47DD1F01258}" srcOrd="1" destOrd="0" presId="urn:microsoft.com/office/officeart/2005/8/layout/process3"/>
-    <dgm:cxn modelId="{5DDCBCED-AD9D-443E-B390-A89DFC1C749F}" type="presOf" srcId="{140DB818-E071-4B39-BEDA-37F84C79FBA2}" destId="{184053F0-8034-496C-9823-B7D238D8DC93}" srcOrd="0" destOrd="0" presId="urn:microsoft.com/office/officeart/2005/8/layout/process3"/>
-    <dgm:cxn modelId="{605658C6-069A-4135-B3FB-B8571120DFAF}" type="presOf" srcId="{4BA36FF7-0F0F-4341-A68C-01E8516603CD}" destId="{DADC7395-583C-4FD5-8691-3342B823E6CA}" srcOrd="1" destOrd="0" presId="urn:microsoft.com/office/officeart/2005/8/layout/process3"/>
-    <dgm:cxn modelId="{D95A37CA-F51F-4A08-8D0B-184665F642AA}" type="presOf" srcId="{579997AD-FA9A-4915-A323-8F17CA09514B}" destId="{330F8E89-32DF-4BC4-AED2-91D2D7CB94C5}" srcOrd="0" destOrd="0" presId="urn:microsoft.com/office/officeart/2005/8/layout/process3"/>
     <dgm:cxn modelId="{13DDD5AB-9265-4DB2-9E66-512CAA799786}" srcId="{E253E697-B0C3-42D4-81FD-D3ABCA72938E}" destId="{4BA36FF7-0F0F-4341-A68C-01E8516603CD}" srcOrd="0" destOrd="0" parTransId="{9FBCD112-267C-4316-B4DD-D2608637A18B}" sibTransId="{579997AD-FA9A-4915-A323-8F17CA09514B}"/>
     <dgm:cxn modelId="{3B833AF1-554A-4115-83EE-25F9C4E2AEFD}" type="presOf" srcId="{B2D64904-4778-414A-935C-AFC992C15E50}" destId="{A64C8272-FC1A-4572-A0B1-A3C36EACD2B6}" srcOrd="0" destOrd="0" presId="urn:microsoft.com/office/officeart/2005/8/layout/process3"/>
+    <dgm:cxn modelId="{D95A37CA-F51F-4A08-8D0B-184665F642AA}" type="presOf" srcId="{579997AD-FA9A-4915-A323-8F17CA09514B}" destId="{330F8E89-32DF-4BC4-AED2-91D2D7CB94C5}" srcOrd="0" destOrd="0" presId="urn:microsoft.com/office/officeart/2005/8/layout/process3"/>
+    <dgm:cxn modelId="{33D1B9A7-E56C-4778-97FB-A5B130BCA5C0}" srcId="{AD7A2D0A-69C1-40D4-AC3C-50ACA39C45C1}" destId="{21736AD5-ED16-41EE-9520-03DEC94C9DD9}" srcOrd="0" destOrd="0" parTransId="{9CB51E30-49E4-4E36-942B-179B5A0EC94C}" sibTransId="{DFDDDFD5-3525-4DBC-A81D-34093C1E23BA}"/>
+    <dgm:cxn modelId="{D1284BD6-E3DA-48A8-BFF9-25C5710CED70}" type="presOf" srcId="{4BA36FF7-0F0F-4341-A68C-01E8516603CD}" destId="{209FD6B3-0ECB-4203-B962-7559934405BD}" srcOrd="0" destOrd="0" presId="urn:microsoft.com/office/officeart/2005/8/layout/process3"/>
+    <dgm:cxn modelId="{625B97B1-48B9-4F79-AD12-9E967C7E5D25}" type="presOf" srcId="{57884B04-88D4-4FB2-8678-5199DF429E6F}" destId="{3E47BC9E-87C0-4D93-83F4-A810B62AEF07}" srcOrd="0" destOrd="0" presId="urn:microsoft.com/office/officeart/2005/8/layout/process3"/>
+    <dgm:cxn modelId="{1BD557F6-3147-4A3E-96E1-8774CC36B89A}" srcId="{E253E697-B0C3-42D4-81FD-D3ABCA72938E}" destId="{AD7A2D0A-69C1-40D4-AC3C-50ACA39C45C1}" srcOrd="2" destOrd="0" parTransId="{B65DA3CC-30DF-4011-97FD-91E67EF19982}" sibTransId="{D8E3431A-1020-45BC-A3A1-D9601A2EED84}"/>
+    <dgm:cxn modelId="{C288C32A-3227-4782-B852-198321A78827}" type="presOf" srcId="{140DB818-E071-4B39-BEDA-37F84C79FBA2}" destId="{D6C82472-F7A1-44F8-BE16-C0E2E40E0D6B}" srcOrd="1" destOrd="0" presId="urn:microsoft.com/office/officeart/2005/8/layout/process3"/>
+    <dgm:cxn modelId="{82215399-8FEF-435E-B12E-B0BBF6350A2D}" srcId="{140DB818-E071-4B39-BEDA-37F84C79FBA2}" destId="{57884B04-88D4-4FB2-8678-5199DF429E6F}" srcOrd="0" destOrd="0" parTransId="{C4B27B1D-C2E0-4804-B643-F031B63B66D3}" sibTransId="{B8942B1F-0DA1-4630-8D8B-34A3B43C11D5}"/>
+    <dgm:cxn modelId="{BB53AC73-5473-4487-A280-CC415E72C20C}" srcId="{E253E697-B0C3-42D4-81FD-D3ABCA72938E}" destId="{140DB818-E071-4B39-BEDA-37F84C79FBA2}" srcOrd="1" destOrd="0" parTransId="{5D492640-F330-4177-9F25-0C2545064803}" sibTransId="{AAA7816F-0D18-434B-AF27-E1709A042EA5}"/>
+    <dgm:cxn modelId="{605658C6-069A-4135-B3FB-B8571120DFAF}" type="presOf" srcId="{4BA36FF7-0F0F-4341-A68C-01E8516603CD}" destId="{DADC7395-583C-4FD5-8691-3342B823E6CA}" srcOrd="1" destOrd="0" presId="urn:microsoft.com/office/officeart/2005/8/layout/process3"/>
+    <dgm:cxn modelId="{7DDFCDF5-FB4B-4B56-AB28-D717E8E38C18}" type="presOf" srcId="{AAA7816F-0D18-434B-AF27-E1709A042EA5}" destId="{A890346F-3222-4081-BF76-FED6671C2558}" srcOrd="1" destOrd="0" presId="urn:microsoft.com/office/officeart/2005/8/layout/process3"/>
+    <dgm:cxn modelId="{021B0986-616E-47A6-BC20-5C2A8AA71A81}" type="presOf" srcId="{E253E697-B0C3-42D4-81FD-D3ABCA72938E}" destId="{BCDBC707-4A93-4D55-A61A-79732B703027}" srcOrd="0" destOrd="0" presId="urn:microsoft.com/office/officeart/2005/8/layout/process3"/>
+    <dgm:cxn modelId="{E6108260-E385-432B-A806-C31C8E849437}" srcId="{4BA36FF7-0F0F-4341-A68C-01E8516603CD}" destId="{B2D64904-4778-414A-935C-AFC992C15E50}" srcOrd="0" destOrd="0" parTransId="{3886B039-ED5A-4C35-9224-7296F3AB00E8}" sibTransId="{F27A2EE6-AA94-4404-920A-4FEA4A59E153}"/>
+    <dgm:cxn modelId="{E22A4332-4F38-4397-A0CA-E07AB4FDA400}" type="presOf" srcId="{AD7A2D0A-69C1-40D4-AC3C-50ACA39C45C1}" destId="{EA7354A6-04B1-4A5C-BE93-3D503C066108}" srcOrd="0" destOrd="0" presId="urn:microsoft.com/office/officeart/2005/8/layout/process3"/>
     <dgm:cxn modelId="{AE01CECD-7460-4EE6-9855-462A6BAC54CD}" type="presOf" srcId="{21736AD5-ED16-41EE-9520-03DEC94C9DD9}" destId="{1993AEF3-68C8-4F83-9F1E-D1B7B5B4963C}" srcOrd="0" destOrd="0" presId="urn:microsoft.com/office/officeart/2005/8/layout/process3"/>
-    <dgm:cxn modelId="{9C9CCD84-152C-4BF0-AE56-02A77DCE9308}" type="presOf" srcId="{AD7A2D0A-69C1-40D4-AC3C-50ACA39C45C1}" destId="{944B484B-F688-4CFA-A4FB-08B237CA5903}" srcOrd="1" destOrd="0" presId="urn:microsoft.com/office/officeart/2005/8/layout/process3"/>
-    <dgm:cxn modelId="{D1284BD6-E3DA-48A8-BFF9-25C5710CED70}" type="presOf" srcId="{4BA36FF7-0F0F-4341-A68C-01E8516603CD}" destId="{209FD6B3-0ECB-4203-B962-7559934405BD}" srcOrd="0" destOrd="0" presId="urn:microsoft.com/office/officeart/2005/8/layout/process3"/>
-    <dgm:cxn modelId="{7DDFCDF5-FB4B-4B56-AB28-D717E8E38C18}" type="presOf" srcId="{AAA7816F-0D18-434B-AF27-E1709A042EA5}" destId="{A890346F-3222-4081-BF76-FED6671C2558}" srcOrd="1" destOrd="0" presId="urn:microsoft.com/office/officeart/2005/8/layout/process3"/>
-    <dgm:cxn modelId="{5A2ECE84-5973-469B-B8D7-72377C33E035}" type="presOf" srcId="{AAA7816F-0D18-434B-AF27-E1709A042EA5}" destId="{1390A124-BEDA-4A49-9B1B-0ED2FB571A6C}" srcOrd="0" destOrd="0" presId="urn:microsoft.com/office/officeart/2005/8/layout/process3"/>
-    <dgm:cxn modelId="{E6108260-E385-432B-A806-C31C8E849437}" srcId="{4BA36FF7-0F0F-4341-A68C-01E8516603CD}" destId="{B2D64904-4778-414A-935C-AFC992C15E50}" srcOrd="0" destOrd="0" parTransId="{3886B039-ED5A-4C35-9224-7296F3AB00E8}" sibTransId="{F27A2EE6-AA94-4404-920A-4FEA4A59E153}"/>
-    <dgm:cxn modelId="{33D1B9A7-E56C-4778-97FB-A5B130BCA5C0}" srcId="{AD7A2D0A-69C1-40D4-AC3C-50ACA39C45C1}" destId="{21736AD5-ED16-41EE-9520-03DEC94C9DD9}" srcOrd="0" destOrd="0" parTransId="{9CB51E30-49E4-4E36-942B-179B5A0EC94C}" sibTransId="{DFDDDFD5-3525-4DBC-A81D-34093C1E23BA}"/>
+    <dgm:cxn modelId="{5DDCBCED-AD9D-443E-B390-A89DFC1C749F}" type="presOf" srcId="{140DB818-E071-4B39-BEDA-37F84C79FBA2}" destId="{184053F0-8034-496C-9823-B7D238D8DC93}" srcOrd="0" destOrd="0" presId="urn:microsoft.com/office/officeart/2005/8/layout/process3"/>
     <dgm:cxn modelId="{7A716225-B15F-42A3-B0B1-95F5DAF585E6}" type="presParOf" srcId="{BCDBC707-4A93-4D55-A61A-79732B703027}" destId="{53AF55CF-52F1-471D-BD6D-B6FBBCD8ED56}" srcOrd="0" destOrd="0" presId="urn:microsoft.com/office/officeart/2005/8/layout/process3"/>
     <dgm:cxn modelId="{AB11F588-8517-43F7-B26C-B53A5C95128F}" type="presParOf" srcId="{53AF55CF-52F1-471D-BD6D-B6FBBCD8ED56}" destId="{209FD6B3-0ECB-4203-B962-7559934405BD}" srcOrd="0" destOrd="0" presId="urn:microsoft.com/office/officeart/2005/8/layout/process3"/>
     <dgm:cxn modelId="{ECA7C0B7-4EAB-47E7-B4DA-234ACDCD8581}" type="presParOf" srcId="{53AF55CF-52F1-471D-BD6D-B6FBBCD8ED56}" destId="{DADC7395-583C-4FD5-8691-3342B823E6CA}" srcOrd="1" destOrd="0" presId="urn:microsoft.com/office/officeart/2005/8/layout/process3"/>
@@ -6865,6 +7034,11 @@
   </dgm:cxnLst>
   <dgm:bg/>
   <dgm:whole/>
+  <dgm:extLst>
+    <a:ext uri="http://schemas.microsoft.com/office/drawing/2008/diagram">
+      <dsp:dataModelExt xmlns:dsp="http://schemas.microsoft.com/office/drawing/2008/diagram" relId="rId6" minVer="http://schemas.openxmlformats.org/drawingml/2006/diagram"/>
+    </a:ext>
+  </dgm:extLst>
 </dgm:dataModel>
 </file>
 
@@ -7300,29 +7474,29 @@
     </dgm:pt>
   </dgm:ptLst>
   <dgm:cxnLst>
+    <dgm:cxn modelId="{CFD51472-FE86-49A1-902F-BA2DC34B29F5}" type="presOf" srcId="{0F4EE5F8-CE65-4C01-BA1B-62373453CD4B}" destId="{FFC83820-1F59-4B99-B0E5-5EF505EF981A}" srcOrd="1" destOrd="0" presId="urn:microsoft.com/office/officeart/2005/8/layout/radial5"/>
     <dgm:cxn modelId="{7366D01B-7B1A-4F7E-8897-A92969695C89}" type="presOf" srcId="{88E727E9-53A4-4E95-A459-039A49E93B44}" destId="{BED8CFF9-57DF-415B-BFD2-F23237B98D78}" srcOrd="0" destOrd="0" presId="urn:microsoft.com/office/officeart/2005/8/layout/radial5"/>
+    <dgm:cxn modelId="{28AC89FC-11D9-4755-B886-3A3759AAC780}" type="presOf" srcId="{036DF210-BB24-491F-9B05-BED9EB97CCEA}" destId="{2BEFA425-F024-4BD4-B31D-0FB6C45896F7}" srcOrd="1" destOrd="0" presId="urn:microsoft.com/office/officeart/2005/8/layout/radial5"/>
+    <dgm:cxn modelId="{6E4D8FAC-DF79-4656-AACF-B63351959842}" type="presOf" srcId="{C9CB2A3C-AA8A-4C63-ADAF-BB4A990106BF}" destId="{D32B50BC-8F9A-4A06-941D-13004E7B3F17}" srcOrd="0" destOrd="0" presId="urn:microsoft.com/office/officeart/2005/8/layout/radial5"/>
+    <dgm:cxn modelId="{A2C98141-733B-400B-91DC-A4454889E5AA}" srcId="{9ADEF162-76FA-4A3C-8220-3CD2B3D3023E}" destId="{600CB5D7-2D85-4AF5-BB05-4A1B86521FA2}" srcOrd="1" destOrd="0" parTransId="{0F4EE5F8-CE65-4C01-BA1B-62373453CD4B}" sibTransId="{D8ED6D04-2132-4167-966C-2933CD0F8E51}"/>
+    <dgm:cxn modelId="{89D3A26C-01B0-47D3-9792-AD7AC1141C23}" type="presOf" srcId="{0F4EE5F8-CE65-4C01-BA1B-62373453CD4B}" destId="{9D95D45C-9B20-4A4E-AD6C-37161FDE50AF}" srcOrd="0" destOrd="0" presId="urn:microsoft.com/office/officeart/2005/8/layout/radial5"/>
     <dgm:cxn modelId="{23207EC2-56B0-44E0-A6C7-84051896C37C}" type="presOf" srcId="{036DF210-BB24-491F-9B05-BED9EB97CCEA}" destId="{D858E594-9B1F-454E-812B-1D569755D339}" srcOrd="0" destOrd="0" presId="urn:microsoft.com/office/officeart/2005/8/layout/radial5"/>
+    <dgm:cxn modelId="{7442BC64-C27B-46B2-8FDA-C8CB7A69BB78}" type="presOf" srcId="{5CD5CAC8-AC56-4175-8B02-D9FDE7591724}" destId="{63B15D18-84CC-4B8C-A7B8-9D7C87C445EE}" srcOrd="1" destOrd="0" presId="urn:microsoft.com/office/officeart/2005/8/layout/radial5"/>
+    <dgm:cxn modelId="{B760B6A1-7F60-4ADC-BA75-CB0BE4EEDB34}" type="presOf" srcId="{5CD5CAC8-AC56-4175-8B02-D9FDE7591724}" destId="{8F93543A-5059-4DE8-A2FC-A99D358C55C0}" srcOrd="0" destOrd="0" presId="urn:microsoft.com/office/officeart/2005/8/layout/radial5"/>
+    <dgm:cxn modelId="{4D528558-CCA4-4766-9340-8DBA49C0C449}" type="presOf" srcId="{E65E6258-30CC-439C-9E12-987FB207C0BA}" destId="{AE23CEE4-5E78-4BF2-A4EC-856A2ACE758E}" srcOrd="0" destOrd="0" presId="urn:microsoft.com/office/officeart/2005/8/layout/radial5"/>
+    <dgm:cxn modelId="{A3234599-2A1F-4705-A7DB-C8EF644A84F6}" srcId="{9ADEF162-76FA-4A3C-8220-3CD2B3D3023E}" destId="{31E1C8DB-A788-4C7C-8E35-369521C571A2}" srcOrd="2" destOrd="0" parTransId="{5CD5CAC8-AC56-4175-8B02-D9FDE7591724}" sibTransId="{78634723-FA66-4AF5-9D17-D9106FB2D70F}"/>
+    <dgm:cxn modelId="{DB098DF9-4AC3-48C4-BC74-3A1AFF298A39}" srcId="{9ADEF162-76FA-4A3C-8220-3CD2B3D3023E}" destId="{597E7FEA-0A6D-4074-A2A0-EDBE84388C7A}" srcOrd="3" destOrd="0" parTransId="{C9CB2A3C-AA8A-4C63-ADAF-BB4A990106BF}" sibTransId="{78A577AF-6145-4A2C-8D9E-BB70A9BDA682}"/>
+    <dgm:cxn modelId="{E76B003B-3141-48DA-8297-E3AA243031E5}" type="presOf" srcId="{D4F2E4FB-49BF-4721-8707-3457AAE0EB88}" destId="{6A9D9649-AA51-48D6-B507-7AEDD979430C}" srcOrd="0" destOrd="0" presId="urn:microsoft.com/office/officeart/2005/8/layout/radial5"/>
     <dgm:cxn modelId="{622C7C39-11F8-4758-9549-8841122B7ED2}" type="presOf" srcId="{31E1C8DB-A788-4C7C-8E35-369521C571A2}" destId="{4AE6AAFA-D59A-4F35-A5E8-C6D2EC6BBFF0}" srcOrd="0" destOrd="0" presId="urn:microsoft.com/office/officeart/2005/8/layout/radial5"/>
-    <dgm:cxn modelId="{89D3A26C-01B0-47D3-9792-AD7AC1141C23}" type="presOf" srcId="{0F4EE5F8-CE65-4C01-BA1B-62373453CD4B}" destId="{9D95D45C-9B20-4A4E-AD6C-37161FDE50AF}" srcOrd="0" destOrd="0" presId="urn:microsoft.com/office/officeart/2005/8/layout/radial5"/>
+    <dgm:cxn modelId="{CD189AED-CAFC-49C6-B708-4C84F713FF42}" type="presOf" srcId="{47D5C472-6F40-4426-8E86-BCB2F2BD330B}" destId="{E0159EA0-1A5D-476D-AD51-865243B2D714}" srcOrd="0" destOrd="0" presId="urn:microsoft.com/office/officeart/2005/8/layout/radial5"/>
+    <dgm:cxn modelId="{B7E99F65-BDD3-4DC8-BA59-474161888B08}" srcId="{9ADEF162-76FA-4A3C-8220-3CD2B3D3023E}" destId="{E65E6258-30CC-439C-9E12-987FB207C0BA}" srcOrd="4" destOrd="0" parTransId="{88E727E9-53A4-4E95-A459-039A49E93B44}" sibTransId="{C1A9E9C8-E1E8-41AC-8025-94E945EC2819}"/>
+    <dgm:cxn modelId="{F195A791-DD89-4913-8E1E-8DC4F82B6DC9}" srcId="{9ADEF162-76FA-4A3C-8220-3CD2B3D3023E}" destId="{47D5C472-6F40-4426-8E86-BCB2F2BD330B}" srcOrd="0" destOrd="0" parTransId="{036DF210-BB24-491F-9B05-BED9EB97CCEA}" sibTransId="{8F34451D-735F-4913-B0FC-D3B45BB4B61F}"/>
+    <dgm:cxn modelId="{0AB8AA39-130D-4082-8073-DCFF557B8490}" srcId="{D4F2E4FB-49BF-4721-8707-3457AAE0EB88}" destId="{9ADEF162-76FA-4A3C-8220-3CD2B3D3023E}" srcOrd="0" destOrd="0" parTransId="{70CEE8AE-1BA1-4498-BED4-2294652E694E}" sibTransId="{8D6656CE-2472-4600-8A8A-680BB044CFF5}"/>
+    <dgm:cxn modelId="{B6EF3246-0AA5-4CF3-8B72-C7979057E203}" type="presOf" srcId="{9ADEF162-76FA-4A3C-8220-3CD2B3D3023E}" destId="{18F2EB1D-555E-470E-B78B-9F32BC1302F0}" srcOrd="0" destOrd="0" presId="urn:microsoft.com/office/officeart/2005/8/layout/radial5"/>
+    <dgm:cxn modelId="{8F72D950-79DD-429B-81A7-418362F720F6}" type="presOf" srcId="{600CB5D7-2D85-4AF5-BB05-4A1B86521FA2}" destId="{892AB89D-9357-4946-A690-9AB770094366}" srcOrd="0" destOrd="0" presId="urn:microsoft.com/office/officeart/2005/8/layout/radial5"/>
     <dgm:cxn modelId="{20E80264-2731-447C-89A6-6EF6F3B07D7B}" type="presOf" srcId="{C9CB2A3C-AA8A-4C63-ADAF-BB4A990106BF}" destId="{DA7B04D8-8B81-4E5B-97E0-2DFA07EF08B4}" srcOrd="1" destOrd="0" presId="urn:microsoft.com/office/officeart/2005/8/layout/radial5"/>
     <dgm:cxn modelId="{742A00C4-D75C-4EB9-B6C7-8556F6BF3B40}" type="presOf" srcId="{88E727E9-53A4-4E95-A459-039A49E93B44}" destId="{30E14BBC-7822-4D38-BD74-0C71B2A3B30C}" srcOrd="1" destOrd="0" presId="urn:microsoft.com/office/officeart/2005/8/layout/radial5"/>
-    <dgm:cxn modelId="{A2C98141-733B-400B-91DC-A4454889E5AA}" srcId="{9ADEF162-76FA-4A3C-8220-3CD2B3D3023E}" destId="{600CB5D7-2D85-4AF5-BB05-4A1B86521FA2}" srcOrd="1" destOrd="0" parTransId="{0F4EE5F8-CE65-4C01-BA1B-62373453CD4B}" sibTransId="{D8ED6D04-2132-4167-966C-2933CD0F8E51}"/>
-    <dgm:cxn modelId="{0AB8AA39-130D-4082-8073-DCFF557B8490}" srcId="{D4F2E4FB-49BF-4721-8707-3457AAE0EB88}" destId="{9ADEF162-76FA-4A3C-8220-3CD2B3D3023E}" srcOrd="0" destOrd="0" parTransId="{70CEE8AE-1BA1-4498-BED4-2294652E694E}" sibTransId="{8D6656CE-2472-4600-8A8A-680BB044CFF5}"/>
-    <dgm:cxn modelId="{7442BC64-C27B-46B2-8FDA-C8CB7A69BB78}" type="presOf" srcId="{5CD5CAC8-AC56-4175-8B02-D9FDE7591724}" destId="{63B15D18-84CC-4B8C-A7B8-9D7C87C445EE}" srcOrd="1" destOrd="0" presId="urn:microsoft.com/office/officeart/2005/8/layout/radial5"/>
-    <dgm:cxn modelId="{A3234599-2A1F-4705-A7DB-C8EF644A84F6}" srcId="{9ADEF162-76FA-4A3C-8220-3CD2B3D3023E}" destId="{31E1C8DB-A788-4C7C-8E35-369521C571A2}" srcOrd="2" destOrd="0" parTransId="{5CD5CAC8-AC56-4175-8B02-D9FDE7591724}" sibTransId="{78634723-FA66-4AF5-9D17-D9106FB2D70F}"/>
-    <dgm:cxn modelId="{E76B003B-3141-48DA-8297-E3AA243031E5}" type="presOf" srcId="{D4F2E4FB-49BF-4721-8707-3457AAE0EB88}" destId="{6A9D9649-AA51-48D6-B507-7AEDD979430C}" srcOrd="0" destOrd="0" presId="urn:microsoft.com/office/officeart/2005/8/layout/radial5"/>
-    <dgm:cxn modelId="{4D528558-CCA4-4766-9340-8DBA49C0C449}" type="presOf" srcId="{E65E6258-30CC-439C-9E12-987FB207C0BA}" destId="{AE23CEE4-5E78-4BF2-A4EC-856A2ACE758E}" srcOrd="0" destOrd="0" presId="urn:microsoft.com/office/officeart/2005/8/layout/radial5"/>
-    <dgm:cxn modelId="{28AC89FC-11D9-4755-B886-3A3759AAC780}" type="presOf" srcId="{036DF210-BB24-491F-9B05-BED9EB97CCEA}" destId="{2BEFA425-F024-4BD4-B31D-0FB6C45896F7}" srcOrd="1" destOrd="0" presId="urn:microsoft.com/office/officeart/2005/8/layout/radial5"/>
-    <dgm:cxn modelId="{8F72D950-79DD-429B-81A7-418362F720F6}" type="presOf" srcId="{600CB5D7-2D85-4AF5-BB05-4A1B86521FA2}" destId="{892AB89D-9357-4946-A690-9AB770094366}" srcOrd="0" destOrd="0" presId="urn:microsoft.com/office/officeart/2005/8/layout/radial5"/>
-    <dgm:cxn modelId="{F195A791-DD89-4913-8E1E-8DC4F82B6DC9}" srcId="{9ADEF162-76FA-4A3C-8220-3CD2B3D3023E}" destId="{47D5C472-6F40-4426-8E86-BCB2F2BD330B}" srcOrd="0" destOrd="0" parTransId="{036DF210-BB24-491F-9B05-BED9EB97CCEA}" sibTransId="{8F34451D-735F-4913-B0FC-D3B45BB4B61F}"/>
-    <dgm:cxn modelId="{6E4D8FAC-DF79-4656-AACF-B63351959842}" type="presOf" srcId="{C9CB2A3C-AA8A-4C63-ADAF-BB4A990106BF}" destId="{D32B50BC-8F9A-4A06-941D-13004E7B3F17}" srcOrd="0" destOrd="0" presId="urn:microsoft.com/office/officeart/2005/8/layout/radial5"/>
-    <dgm:cxn modelId="{B6EF3246-0AA5-4CF3-8B72-C7979057E203}" type="presOf" srcId="{9ADEF162-76FA-4A3C-8220-3CD2B3D3023E}" destId="{18F2EB1D-555E-470E-B78B-9F32BC1302F0}" srcOrd="0" destOrd="0" presId="urn:microsoft.com/office/officeart/2005/8/layout/radial5"/>
-    <dgm:cxn modelId="{B760B6A1-7F60-4ADC-BA75-CB0BE4EEDB34}" type="presOf" srcId="{5CD5CAC8-AC56-4175-8B02-D9FDE7591724}" destId="{8F93543A-5059-4DE8-A2FC-A99D358C55C0}" srcOrd="0" destOrd="0" presId="urn:microsoft.com/office/officeart/2005/8/layout/radial5"/>
-    <dgm:cxn modelId="{DB098DF9-4AC3-48C4-BC74-3A1AFF298A39}" srcId="{9ADEF162-76FA-4A3C-8220-3CD2B3D3023E}" destId="{597E7FEA-0A6D-4074-A2A0-EDBE84388C7A}" srcOrd="3" destOrd="0" parTransId="{C9CB2A3C-AA8A-4C63-ADAF-BB4A990106BF}" sibTransId="{78A577AF-6145-4A2C-8D9E-BB70A9BDA682}"/>
-    <dgm:cxn modelId="{CD189AED-CAFC-49C6-B708-4C84F713FF42}" type="presOf" srcId="{47D5C472-6F40-4426-8E86-BCB2F2BD330B}" destId="{E0159EA0-1A5D-476D-AD51-865243B2D714}" srcOrd="0" destOrd="0" presId="urn:microsoft.com/office/officeart/2005/8/layout/radial5"/>
     <dgm:cxn modelId="{B076A0DE-C14B-4C8D-AC1B-44814383AFD4}" type="presOf" srcId="{597E7FEA-0A6D-4074-A2A0-EDBE84388C7A}" destId="{42C28B57-95B0-4561-B729-7C55DC80C4C3}" srcOrd="0" destOrd="0" presId="urn:microsoft.com/office/officeart/2005/8/layout/radial5"/>
-    <dgm:cxn modelId="{B7E99F65-BDD3-4DC8-BA59-474161888B08}" srcId="{9ADEF162-76FA-4A3C-8220-3CD2B3D3023E}" destId="{E65E6258-30CC-439C-9E12-987FB207C0BA}" srcOrd="4" destOrd="0" parTransId="{88E727E9-53A4-4E95-A459-039A49E93B44}" sibTransId="{C1A9E9C8-E1E8-41AC-8025-94E945EC2819}"/>
-    <dgm:cxn modelId="{CFD51472-FE86-49A1-902F-BA2DC34B29F5}" type="presOf" srcId="{0F4EE5F8-CE65-4C01-BA1B-62373453CD4B}" destId="{FFC83820-1F59-4B99-B0E5-5EF505EF981A}" srcOrd="1" destOrd="0" presId="urn:microsoft.com/office/officeart/2005/8/layout/radial5"/>
     <dgm:cxn modelId="{D491739B-54EC-489C-A1A7-1DBEF4DF8E38}" type="presParOf" srcId="{6A9D9649-AA51-48D6-B507-7AEDD979430C}" destId="{18F2EB1D-555E-470E-B78B-9F32BC1302F0}" srcOrd="0" destOrd="0" presId="urn:microsoft.com/office/officeart/2005/8/layout/radial5"/>
     <dgm:cxn modelId="{5AB7F0EB-EAF7-40B7-8C32-386285178AF5}" type="presParOf" srcId="{6A9D9649-AA51-48D6-B507-7AEDD979430C}" destId="{D858E594-9B1F-454E-812B-1D569755D339}" srcOrd="1" destOrd="0" presId="urn:microsoft.com/office/officeart/2005/8/layout/radial5"/>
     <dgm:cxn modelId="{5E5AB94B-B50E-481F-A3CF-F462EDC78FD1}" type="presParOf" srcId="{D858E594-9B1F-454E-812B-1D569755D339}" destId="{2BEFA425-F024-4BD4-B31D-0FB6C45896F7}" srcOrd="0" destOrd="0" presId="urn:microsoft.com/office/officeart/2005/8/layout/radial5"/>
@@ -7344,10 +7518,4846 @@
   <dgm:whole/>
   <dgm:extLst>
     <a:ext uri="http://schemas.microsoft.com/office/drawing/2008/diagram">
-      <dsp:dataModelExt xmlns="" xmlns:dsp="http://schemas.microsoft.com/office/drawing/2008/diagram" relId="rId6" minVer="http://schemas.openxmlformats.org/drawingml/2006/diagram"/>
+      <dsp:dataModelExt xmlns:dsp="http://schemas.microsoft.com/office/drawing/2008/diagram" relId="rId6" minVer="http://schemas.openxmlformats.org/drawingml/2006/diagram"/>
     </a:ext>
   </dgm:extLst>
 </dgm:dataModel>
+</file>
+
+<file path=ppt/diagrams/drawing1.xml><?xml version="1.0" encoding="utf-8"?>
+<dsp:drawing xmlns:dgm="http://schemas.openxmlformats.org/drawingml/2006/diagram" xmlns:dsp="http://schemas.microsoft.com/office/drawing/2008/diagram" xmlns:a="http://schemas.openxmlformats.org/drawingml/2006/main">
+  <dsp:spTree>
+    <dsp:nvGrpSpPr>
+      <dsp:cNvPr id="0" name=""/>
+      <dsp:cNvGrpSpPr/>
+    </dsp:nvGrpSpPr>
+    <dsp:grpSpPr/>
+    <dsp:sp modelId="{4069C5B0-E0D3-47C9-9E5F-416939C594B9}">
+      <dsp:nvSpPr>
+        <dsp:cNvPr id="0" name=""/>
+        <dsp:cNvSpPr/>
+      </dsp:nvSpPr>
+      <dsp:spPr>
+        <a:xfrm rot="5400000">
+          <a:off x="5471223" y="-2232760"/>
+          <a:ext cx="871601" cy="5559552"/>
+        </a:xfrm>
+        <a:prstGeom prst="round2SameRect">
+          <a:avLst/>
+        </a:prstGeom>
+        <a:solidFill>
+          <a:schemeClr val="accent6">
+            <a:lumMod val="60000"/>
+            <a:lumOff val="40000"/>
+            <a:alpha val="90000"/>
+          </a:schemeClr>
+        </a:solidFill>
+        <a:ln w="10000" cap="flat" cmpd="sng" algn="ctr">
+          <a:solidFill>
+            <a:schemeClr val="accent1">
+              <a:alpha val="90000"/>
+              <a:tint val="40000"/>
+              <a:hueOff val="0"/>
+              <a:satOff val="0"/>
+              <a:lumOff val="0"/>
+              <a:alphaOff val="0"/>
+            </a:schemeClr>
+          </a:solidFill>
+          <a:prstDash val="solid"/>
+        </a:ln>
+        <a:effectLst>
+          <a:outerShdw blurRad="76200" dist="50800" dir="5400000" rotWithShape="0">
+            <a:srgbClr val="4E3B30">
+              <a:alpha val="60000"/>
+            </a:srgbClr>
+          </a:outerShdw>
+        </a:effectLst>
+        <a:scene3d>
+          <a:camera prst="orthographicFront"/>
+          <a:lightRig rig="flat" dir="t"/>
+        </a:scene3d>
+        <a:sp3d extrusionH="12700" prstMaterial="plastic">
+          <a:bevelT w="50800" h="50800"/>
+        </a:sp3d>
+      </dsp:spPr>
+      <dsp:style>
+        <a:lnRef idx="1">
+          <a:scrgbClr r="0" g="0" b="0"/>
+        </a:lnRef>
+        <a:fillRef idx="1">
+          <a:scrgbClr r="0" g="0" b="0"/>
+        </a:fillRef>
+        <a:effectRef idx="2">
+          <a:scrgbClr r="0" g="0" b="0"/>
+        </a:effectRef>
+        <a:fontRef idx="minor"/>
+      </dsp:style>
+      <dsp:txBody>
+        <a:bodyPr spcFirstLastPara="0" vert="horz" wrap="square" lIns="247650" tIns="123825" rIns="247650" bIns="123825" numCol="1" spcCol="1270" anchor="ctr" anchorCtr="0">
+          <a:noAutofit/>
+        </a:bodyPr>
+        <a:lstStyle/>
+        <a:p>
+          <a:pPr marL="171450" lvl="1" indent="-171450" algn="l" defTabSz="711200">
+            <a:lnSpc>
+              <a:spcPct val="90000"/>
+            </a:lnSpc>
+            <a:spcBef>
+              <a:spcPct val="0"/>
+            </a:spcBef>
+            <a:spcAft>
+              <a:spcPct val="15000"/>
+            </a:spcAft>
+            <a:buChar char="••"/>
+          </a:pPr>
+          <a:r>
+            <a:rPr lang="pt-BR" sz="1600" kern="1200" dirty="0" err="1" smtClean="0"/>
+            <a:t>Person</a:t>
+          </a:r>
+          <a:r>
+            <a:rPr lang="pt-BR" sz="1600" kern="1200" dirty="0" smtClean="0"/>
+            <a:t>  </a:t>
+          </a:r>
+          <a:endParaRPr lang="pt-BR" sz="1600" kern="1200" dirty="0"/>
+        </a:p>
+        <a:p>
+          <a:pPr marL="171450" lvl="1" indent="-171450" algn="l" defTabSz="711200">
+            <a:lnSpc>
+              <a:spcPct val="90000"/>
+            </a:lnSpc>
+            <a:spcBef>
+              <a:spcPct val="0"/>
+            </a:spcBef>
+            <a:spcAft>
+              <a:spcPct val="15000"/>
+            </a:spcAft>
+            <a:buChar char="••"/>
+          </a:pPr>
+          <a:r>
+            <a:rPr lang="pt-BR" sz="1600" kern="1200" dirty="0" smtClean="0"/>
+            <a:t>Neimar  Desenvolvedor</a:t>
+          </a:r>
+          <a:endParaRPr lang="pt-BR" sz="1600" kern="1200" dirty="0"/>
+        </a:p>
+        <a:p>
+          <a:pPr marL="171450" lvl="1" indent="-171450" algn="l" defTabSz="711200">
+            <a:lnSpc>
+              <a:spcPct val="90000"/>
+            </a:lnSpc>
+            <a:spcBef>
+              <a:spcPct val="0"/>
+            </a:spcBef>
+            <a:spcAft>
+              <a:spcPct val="15000"/>
+            </a:spcAft>
+            <a:buChar char="••"/>
+          </a:pPr>
+          <a:r>
+            <a:rPr lang="pt-BR" sz="1600" kern="1200" dirty="0" smtClean="0"/>
+            <a:t>Ricardo  Design gráfico </a:t>
+          </a:r>
+          <a:endParaRPr lang="pt-BR" sz="1600" kern="1200" dirty="0"/>
+        </a:p>
+      </dsp:txBody>
+      <dsp:txXfrm rot="-5400000">
+        <a:off x="3127248" y="153763"/>
+        <a:ext cx="5517004" cy="786505"/>
+      </dsp:txXfrm>
+    </dsp:sp>
+    <dsp:sp modelId="{83285697-B771-41E8-BF80-D6B7B2E260A7}">
+      <dsp:nvSpPr>
+        <dsp:cNvPr id="0" name=""/>
+        <dsp:cNvSpPr/>
+      </dsp:nvSpPr>
+      <dsp:spPr>
+        <a:xfrm>
+          <a:off x="0" y="0"/>
+          <a:ext cx="3127248" cy="1089501"/>
+        </a:xfrm>
+        <a:prstGeom prst="roundRect">
+          <a:avLst/>
+        </a:prstGeom>
+        <a:gradFill rotWithShape="0">
+          <a:gsLst>
+            <a:gs pos="0">
+              <a:schemeClr val="accent1">
+                <a:hueOff val="0"/>
+                <a:satOff val="0"/>
+                <a:lumOff val="0"/>
+                <a:alphaOff val="0"/>
+                <a:tint val="75000"/>
+                <a:shade val="85000"/>
+                <a:satMod val="230000"/>
+              </a:schemeClr>
+            </a:gs>
+            <a:gs pos="25000">
+              <a:schemeClr val="accent1">
+                <a:hueOff val="0"/>
+                <a:satOff val="0"/>
+                <a:lumOff val="0"/>
+                <a:alphaOff val="0"/>
+                <a:tint val="90000"/>
+                <a:shade val="70000"/>
+                <a:satMod val="220000"/>
+              </a:schemeClr>
+            </a:gs>
+            <a:gs pos="50000">
+              <a:schemeClr val="accent1">
+                <a:hueOff val="0"/>
+                <a:satOff val="0"/>
+                <a:lumOff val="0"/>
+                <a:alphaOff val="0"/>
+                <a:tint val="90000"/>
+                <a:shade val="58000"/>
+                <a:satMod val="225000"/>
+              </a:schemeClr>
+            </a:gs>
+            <a:gs pos="65000">
+              <a:schemeClr val="accent1">
+                <a:hueOff val="0"/>
+                <a:satOff val="0"/>
+                <a:lumOff val="0"/>
+                <a:alphaOff val="0"/>
+                <a:tint val="90000"/>
+                <a:shade val="58000"/>
+                <a:satMod val="225000"/>
+              </a:schemeClr>
+            </a:gs>
+            <a:gs pos="80000">
+              <a:schemeClr val="accent1">
+                <a:hueOff val="0"/>
+                <a:satOff val="0"/>
+                <a:lumOff val="0"/>
+                <a:alphaOff val="0"/>
+                <a:tint val="90000"/>
+                <a:shade val="69000"/>
+                <a:satMod val="220000"/>
+              </a:schemeClr>
+            </a:gs>
+            <a:gs pos="100000">
+              <a:schemeClr val="accent1">
+                <a:hueOff val="0"/>
+                <a:satOff val="0"/>
+                <a:lumOff val="0"/>
+                <a:alphaOff val="0"/>
+                <a:tint val="77000"/>
+                <a:shade val="80000"/>
+                <a:satMod val="230000"/>
+              </a:schemeClr>
+            </a:gs>
+          </a:gsLst>
+          <a:lin ang="5400000" scaled="1"/>
+        </a:gradFill>
+        <a:ln>
+          <a:noFill/>
+        </a:ln>
+        <a:effectLst>
+          <a:outerShdw blurRad="76200" dist="50800" dir="5400000" rotWithShape="0">
+            <a:srgbClr val="4E3B30">
+              <a:alpha val="60000"/>
+            </a:srgbClr>
+          </a:outerShdw>
+        </a:effectLst>
+        <a:scene3d>
+          <a:camera prst="orthographicFront"/>
+          <a:lightRig rig="flat" dir="t"/>
+        </a:scene3d>
+        <a:sp3d prstMaterial="plastic">
+          <a:bevelT w="120900" h="88900"/>
+          <a:bevelB w="88900" h="31750" prst="angle"/>
+        </a:sp3d>
+      </dsp:spPr>
+      <dsp:style>
+        <a:lnRef idx="0">
+          <a:scrgbClr r="0" g="0" b="0"/>
+        </a:lnRef>
+        <a:fillRef idx="3">
+          <a:scrgbClr r="0" g="0" b="0"/>
+        </a:fillRef>
+        <a:effectRef idx="2">
+          <a:scrgbClr r="0" g="0" b="0"/>
+        </a:effectRef>
+        <a:fontRef idx="minor">
+          <a:schemeClr val="lt1"/>
+        </a:fontRef>
+      </dsp:style>
+      <dsp:txBody>
+        <a:bodyPr spcFirstLastPara="0" vert="horz" wrap="square" lIns="68580" tIns="34290" rIns="68580" bIns="34290" numCol="1" spcCol="1270" anchor="ctr" anchorCtr="0">
+          <a:noAutofit/>
+        </a:bodyPr>
+        <a:lstStyle/>
+        <a:p>
+          <a:pPr lvl="0" algn="ctr" defTabSz="800100">
+            <a:lnSpc>
+              <a:spcPct val="90000"/>
+            </a:lnSpc>
+            <a:spcBef>
+              <a:spcPct val="0"/>
+            </a:spcBef>
+            <a:spcAft>
+              <a:spcPct val="35000"/>
+            </a:spcAft>
+          </a:pPr>
+          <a:r>
+            <a:rPr lang="pt-BR" sz="1800" b="1" kern="1200" dirty="0" smtClean="0">
+              <a:solidFill>
+                <a:srgbClr val="7030A0"/>
+              </a:solidFill>
+            </a:rPr>
+            <a:t>Membros do grupo</a:t>
+          </a:r>
+          <a:endParaRPr lang="pt-BR" sz="1800" b="1" kern="1200" dirty="0">
+            <a:solidFill>
+              <a:srgbClr val="7030A0"/>
+            </a:solidFill>
+          </a:endParaRPr>
+        </a:p>
+      </dsp:txBody>
+      <dsp:txXfrm>
+        <a:off x="53185" y="53185"/>
+        <a:ext cx="3020878" cy="983131"/>
+      </dsp:txXfrm>
+    </dsp:sp>
+    <dsp:sp modelId="{76D300D9-3977-4D02-95E9-3905CCACBD1B}">
+      <dsp:nvSpPr>
+        <dsp:cNvPr id="0" name=""/>
+        <dsp:cNvSpPr/>
+      </dsp:nvSpPr>
+      <dsp:spPr>
+        <a:xfrm rot="5400000">
+          <a:off x="5471223" y="-1088783"/>
+          <a:ext cx="871601" cy="5559552"/>
+        </a:xfrm>
+        <a:prstGeom prst="round2SameRect">
+          <a:avLst/>
+        </a:prstGeom>
+        <a:solidFill>
+          <a:schemeClr val="accent6">
+            <a:lumMod val="60000"/>
+            <a:lumOff val="40000"/>
+            <a:alpha val="90000"/>
+          </a:schemeClr>
+        </a:solidFill>
+        <a:ln w="10000" cap="flat" cmpd="sng" algn="ctr">
+          <a:solidFill>
+            <a:schemeClr val="accent1">
+              <a:alpha val="90000"/>
+              <a:tint val="40000"/>
+              <a:hueOff val="0"/>
+              <a:satOff val="0"/>
+              <a:lumOff val="0"/>
+              <a:alphaOff val="0"/>
+            </a:schemeClr>
+          </a:solidFill>
+          <a:prstDash val="solid"/>
+        </a:ln>
+        <a:effectLst>
+          <a:outerShdw blurRad="76200" dist="50800" dir="5400000" rotWithShape="0">
+            <a:srgbClr val="4E3B30">
+              <a:alpha val="60000"/>
+            </a:srgbClr>
+          </a:outerShdw>
+        </a:effectLst>
+        <a:scene3d>
+          <a:camera prst="orthographicFront"/>
+          <a:lightRig rig="flat" dir="t"/>
+        </a:scene3d>
+        <a:sp3d extrusionH="12700" prstMaterial="plastic">
+          <a:bevelT w="50800" h="50800"/>
+        </a:sp3d>
+      </dsp:spPr>
+      <dsp:style>
+        <a:lnRef idx="1">
+          <a:scrgbClr r="0" g="0" b="0"/>
+        </a:lnRef>
+        <a:fillRef idx="1">
+          <a:scrgbClr r="0" g="0" b="0"/>
+        </a:fillRef>
+        <a:effectRef idx="2">
+          <a:scrgbClr r="0" g="0" b="0"/>
+        </a:effectRef>
+        <a:fontRef idx="minor"/>
+      </dsp:style>
+      <dsp:txBody>
+        <a:bodyPr spcFirstLastPara="0" vert="horz" wrap="square" lIns="247650" tIns="123825" rIns="247650" bIns="123825" numCol="1" spcCol="1270" anchor="ctr" anchorCtr="0">
+          <a:noAutofit/>
+        </a:bodyPr>
+        <a:lstStyle/>
+        <a:p>
+          <a:pPr marL="171450" lvl="1" indent="-171450" algn="l" defTabSz="711200">
+            <a:lnSpc>
+              <a:spcPct val="90000"/>
+            </a:lnSpc>
+            <a:spcBef>
+              <a:spcPct val="0"/>
+            </a:spcBef>
+            <a:spcAft>
+              <a:spcPct val="15000"/>
+            </a:spcAft>
+            <a:buChar char="••"/>
+          </a:pPr>
+          <a:r>
+            <a:rPr lang="pt-BR" sz="1600" kern="1200" dirty="0" smtClean="0"/>
+            <a:t>Desenvolver um sistema que atenda as necessidades administrativas das pastorais da paróquia </a:t>
+          </a:r>
+          <a:endParaRPr lang="pt-BR" sz="1600" kern="1200" dirty="0"/>
+        </a:p>
+      </dsp:txBody>
+      <dsp:txXfrm rot="-5400000">
+        <a:off x="3127248" y="1297740"/>
+        <a:ext cx="5517004" cy="786505"/>
+      </dsp:txXfrm>
+    </dsp:sp>
+    <dsp:sp modelId="{1C4CF5AE-B0A9-4E79-99D0-8192DD361FD5}">
+      <dsp:nvSpPr>
+        <dsp:cNvPr id="0" name=""/>
+        <dsp:cNvSpPr/>
+      </dsp:nvSpPr>
+      <dsp:spPr>
+        <a:xfrm>
+          <a:off x="0" y="1146241"/>
+          <a:ext cx="3127248" cy="1089501"/>
+        </a:xfrm>
+        <a:prstGeom prst="roundRect">
+          <a:avLst/>
+        </a:prstGeom>
+        <a:gradFill rotWithShape="0">
+          <a:gsLst>
+            <a:gs pos="0">
+              <a:schemeClr val="accent1">
+                <a:hueOff val="0"/>
+                <a:satOff val="0"/>
+                <a:lumOff val="0"/>
+                <a:alphaOff val="0"/>
+                <a:tint val="75000"/>
+                <a:shade val="85000"/>
+                <a:satMod val="230000"/>
+              </a:schemeClr>
+            </a:gs>
+            <a:gs pos="25000">
+              <a:schemeClr val="accent1">
+                <a:hueOff val="0"/>
+                <a:satOff val="0"/>
+                <a:lumOff val="0"/>
+                <a:alphaOff val="0"/>
+                <a:tint val="90000"/>
+                <a:shade val="70000"/>
+                <a:satMod val="220000"/>
+              </a:schemeClr>
+            </a:gs>
+            <a:gs pos="50000">
+              <a:schemeClr val="accent1">
+                <a:hueOff val="0"/>
+                <a:satOff val="0"/>
+                <a:lumOff val="0"/>
+                <a:alphaOff val="0"/>
+                <a:tint val="90000"/>
+                <a:shade val="58000"/>
+                <a:satMod val="225000"/>
+              </a:schemeClr>
+            </a:gs>
+            <a:gs pos="65000">
+              <a:schemeClr val="accent1">
+                <a:hueOff val="0"/>
+                <a:satOff val="0"/>
+                <a:lumOff val="0"/>
+                <a:alphaOff val="0"/>
+                <a:tint val="90000"/>
+                <a:shade val="58000"/>
+                <a:satMod val="225000"/>
+              </a:schemeClr>
+            </a:gs>
+            <a:gs pos="80000">
+              <a:schemeClr val="accent1">
+                <a:hueOff val="0"/>
+                <a:satOff val="0"/>
+                <a:lumOff val="0"/>
+                <a:alphaOff val="0"/>
+                <a:tint val="90000"/>
+                <a:shade val="69000"/>
+                <a:satMod val="220000"/>
+              </a:schemeClr>
+            </a:gs>
+            <a:gs pos="100000">
+              <a:schemeClr val="accent1">
+                <a:hueOff val="0"/>
+                <a:satOff val="0"/>
+                <a:lumOff val="0"/>
+                <a:alphaOff val="0"/>
+                <a:tint val="77000"/>
+                <a:shade val="80000"/>
+                <a:satMod val="230000"/>
+              </a:schemeClr>
+            </a:gs>
+          </a:gsLst>
+          <a:lin ang="5400000" scaled="1"/>
+        </a:gradFill>
+        <a:ln>
+          <a:noFill/>
+        </a:ln>
+        <a:effectLst>
+          <a:outerShdw blurRad="76200" dist="50800" dir="5400000" rotWithShape="0">
+            <a:srgbClr val="4E3B30">
+              <a:alpha val="60000"/>
+            </a:srgbClr>
+          </a:outerShdw>
+        </a:effectLst>
+        <a:scene3d>
+          <a:camera prst="orthographicFront"/>
+          <a:lightRig rig="flat" dir="t"/>
+        </a:scene3d>
+        <a:sp3d prstMaterial="plastic">
+          <a:bevelT w="120900" h="88900"/>
+          <a:bevelB w="88900" h="31750" prst="angle"/>
+        </a:sp3d>
+      </dsp:spPr>
+      <dsp:style>
+        <a:lnRef idx="0">
+          <a:scrgbClr r="0" g="0" b="0"/>
+        </a:lnRef>
+        <a:fillRef idx="3">
+          <a:scrgbClr r="0" g="0" b="0"/>
+        </a:fillRef>
+        <a:effectRef idx="2">
+          <a:scrgbClr r="0" g="0" b="0"/>
+        </a:effectRef>
+        <a:fontRef idx="minor">
+          <a:schemeClr val="lt1"/>
+        </a:fontRef>
+      </dsp:style>
+      <dsp:txBody>
+        <a:bodyPr spcFirstLastPara="0" vert="horz" wrap="square" lIns="68580" tIns="34290" rIns="68580" bIns="34290" numCol="1" spcCol="1270" anchor="ctr" anchorCtr="0">
+          <a:noAutofit/>
+        </a:bodyPr>
+        <a:lstStyle/>
+        <a:p>
+          <a:pPr lvl="0" algn="ctr" defTabSz="800100">
+            <a:lnSpc>
+              <a:spcPct val="90000"/>
+            </a:lnSpc>
+            <a:spcBef>
+              <a:spcPct val="0"/>
+            </a:spcBef>
+            <a:spcAft>
+              <a:spcPct val="35000"/>
+            </a:spcAft>
+          </a:pPr>
+          <a:r>
+            <a:rPr lang="pt-BR" sz="1800" b="1" kern="1200" dirty="0" smtClean="0">
+              <a:solidFill>
+                <a:srgbClr val="7030A0"/>
+              </a:solidFill>
+            </a:rPr>
+            <a:t>Objetivos</a:t>
+          </a:r>
+          <a:endParaRPr lang="pt-BR" sz="1800" b="1" kern="1200" dirty="0">
+            <a:solidFill>
+              <a:srgbClr val="7030A0"/>
+            </a:solidFill>
+          </a:endParaRPr>
+        </a:p>
+      </dsp:txBody>
+      <dsp:txXfrm>
+        <a:off x="53185" y="1199426"/>
+        <a:ext cx="3020878" cy="983131"/>
+      </dsp:txXfrm>
+    </dsp:sp>
+    <dsp:sp modelId="{7991AEF3-84F5-4F2F-9A87-D93011516A86}">
+      <dsp:nvSpPr>
+        <dsp:cNvPr id="0" name=""/>
+        <dsp:cNvSpPr/>
+      </dsp:nvSpPr>
+      <dsp:spPr>
+        <a:xfrm rot="5400000">
+          <a:off x="5471223" y="55193"/>
+          <a:ext cx="871601" cy="5559552"/>
+        </a:xfrm>
+        <a:prstGeom prst="round2SameRect">
+          <a:avLst/>
+        </a:prstGeom>
+        <a:solidFill>
+          <a:schemeClr val="accent6">
+            <a:lumMod val="60000"/>
+            <a:lumOff val="40000"/>
+            <a:alpha val="90000"/>
+          </a:schemeClr>
+        </a:solidFill>
+        <a:ln w="10000" cap="flat" cmpd="sng" algn="ctr">
+          <a:solidFill>
+            <a:schemeClr val="accent1">
+              <a:alpha val="90000"/>
+              <a:tint val="40000"/>
+              <a:hueOff val="0"/>
+              <a:satOff val="0"/>
+              <a:lumOff val="0"/>
+              <a:alphaOff val="0"/>
+            </a:schemeClr>
+          </a:solidFill>
+          <a:prstDash val="solid"/>
+        </a:ln>
+        <a:effectLst>
+          <a:outerShdw blurRad="76200" dist="50800" dir="5400000" rotWithShape="0">
+            <a:srgbClr val="4E3B30">
+              <a:alpha val="60000"/>
+            </a:srgbClr>
+          </a:outerShdw>
+        </a:effectLst>
+        <a:scene3d>
+          <a:camera prst="orthographicFront"/>
+          <a:lightRig rig="flat" dir="t"/>
+        </a:scene3d>
+        <a:sp3d extrusionH="12700" prstMaterial="plastic">
+          <a:bevelT w="50800" h="50800"/>
+        </a:sp3d>
+      </dsp:spPr>
+      <dsp:style>
+        <a:lnRef idx="1">
+          <a:scrgbClr r="0" g="0" b="0"/>
+        </a:lnRef>
+        <a:fillRef idx="1">
+          <a:scrgbClr r="0" g="0" b="0"/>
+        </a:fillRef>
+        <a:effectRef idx="2">
+          <a:scrgbClr r="0" g="0" b="0"/>
+        </a:effectRef>
+        <a:fontRef idx="minor"/>
+      </dsp:style>
+      <dsp:txBody>
+        <a:bodyPr spcFirstLastPara="0" vert="horz" wrap="square" lIns="247650" tIns="123825" rIns="247650" bIns="123825" numCol="1" spcCol="1270" anchor="ctr" anchorCtr="0">
+          <a:noAutofit/>
+        </a:bodyPr>
+        <a:lstStyle/>
+        <a:p>
+          <a:pPr marL="171450" lvl="1" indent="-171450" algn="l" defTabSz="711200">
+            <a:lnSpc>
+              <a:spcPct val="90000"/>
+            </a:lnSpc>
+            <a:spcBef>
+              <a:spcPct val="0"/>
+            </a:spcBef>
+            <a:spcAft>
+              <a:spcPct val="15000"/>
+            </a:spcAft>
+            <a:buChar char="••"/>
+          </a:pPr>
+          <a:r>
+            <a:rPr lang="pt-BR" sz="1600" kern="1200" dirty="0" smtClean="0"/>
+            <a:t>Pesquisar e desenvolver novas técnicas na área de softwares </a:t>
+          </a:r>
+          <a:r>
+            <a:rPr lang="pt-BR" sz="1600" kern="1200" dirty="0" err="1" smtClean="0"/>
+            <a:t>multi-plataforma</a:t>
+          </a:r>
+          <a:r>
+            <a:rPr lang="pt-BR" sz="1600" kern="1200" dirty="0" smtClean="0"/>
+            <a:t>  </a:t>
+          </a:r>
+          <a:endParaRPr lang="pt-BR" sz="1600" kern="1200" dirty="0"/>
+        </a:p>
+      </dsp:txBody>
+      <dsp:txXfrm rot="-5400000">
+        <a:off x="3127248" y="2441716"/>
+        <a:ext cx="5517004" cy="786505"/>
+      </dsp:txXfrm>
+    </dsp:sp>
+    <dsp:sp modelId="{DE3A8CA3-F5E7-47D6-9409-0DAEFC3883C5}">
+      <dsp:nvSpPr>
+        <dsp:cNvPr id="0" name=""/>
+        <dsp:cNvSpPr/>
+      </dsp:nvSpPr>
+      <dsp:spPr>
+        <a:xfrm>
+          <a:off x="0" y="2290218"/>
+          <a:ext cx="3127248" cy="1089501"/>
+        </a:xfrm>
+        <a:prstGeom prst="roundRect">
+          <a:avLst/>
+        </a:prstGeom>
+        <a:gradFill rotWithShape="0">
+          <a:gsLst>
+            <a:gs pos="0">
+              <a:schemeClr val="accent1">
+                <a:hueOff val="0"/>
+                <a:satOff val="0"/>
+                <a:lumOff val="0"/>
+                <a:alphaOff val="0"/>
+                <a:tint val="75000"/>
+                <a:shade val="85000"/>
+                <a:satMod val="230000"/>
+              </a:schemeClr>
+            </a:gs>
+            <a:gs pos="25000">
+              <a:schemeClr val="accent1">
+                <a:hueOff val="0"/>
+                <a:satOff val="0"/>
+                <a:lumOff val="0"/>
+                <a:alphaOff val="0"/>
+                <a:tint val="90000"/>
+                <a:shade val="70000"/>
+                <a:satMod val="220000"/>
+              </a:schemeClr>
+            </a:gs>
+            <a:gs pos="50000">
+              <a:schemeClr val="accent1">
+                <a:hueOff val="0"/>
+                <a:satOff val="0"/>
+                <a:lumOff val="0"/>
+                <a:alphaOff val="0"/>
+                <a:tint val="90000"/>
+                <a:shade val="58000"/>
+                <a:satMod val="225000"/>
+              </a:schemeClr>
+            </a:gs>
+            <a:gs pos="65000">
+              <a:schemeClr val="accent1">
+                <a:hueOff val="0"/>
+                <a:satOff val="0"/>
+                <a:lumOff val="0"/>
+                <a:alphaOff val="0"/>
+                <a:tint val="90000"/>
+                <a:shade val="58000"/>
+                <a:satMod val="225000"/>
+              </a:schemeClr>
+            </a:gs>
+            <a:gs pos="80000">
+              <a:schemeClr val="accent1">
+                <a:hueOff val="0"/>
+                <a:satOff val="0"/>
+                <a:lumOff val="0"/>
+                <a:alphaOff val="0"/>
+                <a:tint val="90000"/>
+                <a:shade val="69000"/>
+                <a:satMod val="220000"/>
+              </a:schemeClr>
+            </a:gs>
+            <a:gs pos="100000">
+              <a:schemeClr val="accent1">
+                <a:hueOff val="0"/>
+                <a:satOff val="0"/>
+                <a:lumOff val="0"/>
+                <a:alphaOff val="0"/>
+                <a:tint val="77000"/>
+                <a:shade val="80000"/>
+                <a:satMod val="230000"/>
+              </a:schemeClr>
+            </a:gs>
+          </a:gsLst>
+          <a:lin ang="5400000" scaled="1"/>
+        </a:gradFill>
+        <a:ln>
+          <a:noFill/>
+        </a:ln>
+        <a:effectLst>
+          <a:outerShdw blurRad="76200" dist="50800" dir="5400000" rotWithShape="0">
+            <a:srgbClr val="4E3B30">
+              <a:alpha val="60000"/>
+            </a:srgbClr>
+          </a:outerShdw>
+        </a:effectLst>
+        <a:scene3d>
+          <a:camera prst="orthographicFront"/>
+          <a:lightRig rig="flat" dir="t"/>
+        </a:scene3d>
+        <a:sp3d prstMaterial="plastic">
+          <a:bevelT w="120900" h="88900"/>
+          <a:bevelB w="88900" h="31750" prst="angle"/>
+        </a:sp3d>
+      </dsp:spPr>
+      <dsp:style>
+        <a:lnRef idx="0">
+          <a:scrgbClr r="0" g="0" b="0"/>
+        </a:lnRef>
+        <a:fillRef idx="3">
+          <a:scrgbClr r="0" g="0" b="0"/>
+        </a:fillRef>
+        <a:effectRef idx="2">
+          <a:scrgbClr r="0" g="0" b="0"/>
+        </a:effectRef>
+        <a:fontRef idx="minor">
+          <a:schemeClr val="lt1"/>
+        </a:fontRef>
+      </dsp:style>
+      <dsp:txBody>
+        <a:bodyPr spcFirstLastPara="0" vert="horz" wrap="square" lIns="68580" tIns="34290" rIns="68580" bIns="34290" numCol="1" spcCol="1270" anchor="ctr" anchorCtr="0">
+          <a:noAutofit/>
+        </a:bodyPr>
+        <a:lstStyle/>
+        <a:p>
+          <a:pPr lvl="0" algn="ctr" defTabSz="800100">
+            <a:lnSpc>
+              <a:spcPct val="90000"/>
+            </a:lnSpc>
+            <a:spcBef>
+              <a:spcPct val="0"/>
+            </a:spcBef>
+            <a:spcAft>
+              <a:spcPct val="35000"/>
+            </a:spcAft>
+          </a:pPr>
+          <a:r>
+            <a:rPr lang="pt-BR" sz="1800" b="1" kern="1200" dirty="0" smtClean="0">
+              <a:solidFill>
+                <a:srgbClr val="7030A0"/>
+              </a:solidFill>
+            </a:rPr>
+            <a:t>Motivação</a:t>
+          </a:r>
+          <a:endParaRPr lang="pt-BR" sz="1800" b="1" kern="1200" dirty="0">
+            <a:solidFill>
+              <a:srgbClr val="7030A0"/>
+            </a:solidFill>
+          </a:endParaRPr>
+        </a:p>
+      </dsp:txBody>
+      <dsp:txXfrm>
+        <a:off x="53185" y="2343403"/>
+        <a:ext cx="3020878" cy="983131"/>
+      </dsp:txXfrm>
+    </dsp:sp>
+    <dsp:sp modelId="{232E8D04-E732-492E-A284-139D99DFE02C}">
+      <dsp:nvSpPr>
+        <dsp:cNvPr id="0" name=""/>
+        <dsp:cNvSpPr/>
+      </dsp:nvSpPr>
+      <dsp:spPr>
+        <a:xfrm rot="5400000">
+          <a:off x="5471223" y="1199170"/>
+          <a:ext cx="871601" cy="5559552"/>
+        </a:xfrm>
+        <a:prstGeom prst="round2SameRect">
+          <a:avLst/>
+        </a:prstGeom>
+        <a:solidFill>
+          <a:schemeClr val="accent6">
+            <a:lumMod val="60000"/>
+            <a:lumOff val="40000"/>
+            <a:alpha val="90000"/>
+          </a:schemeClr>
+        </a:solidFill>
+        <a:ln w="10000" cap="flat" cmpd="sng" algn="ctr">
+          <a:solidFill>
+            <a:schemeClr val="accent1">
+              <a:alpha val="90000"/>
+              <a:tint val="40000"/>
+              <a:hueOff val="0"/>
+              <a:satOff val="0"/>
+              <a:lumOff val="0"/>
+              <a:alphaOff val="0"/>
+            </a:schemeClr>
+          </a:solidFill>
+          <a:prstDash val="solid"/>
+        </a:ln>
+        <a:effectLst>
+          <a:outerShdw blurRad="76200" dist="50800" dir="5400000" rotWithShape="0">
+            <a:srgbClr val="4E3B30">
+              <a:alpha val="60000"/>
+            </a:srgbClr>
+          </a:outerShdw>
+        </a:effectLst>
+        <a:scene3d>
+          <a:camera prst="orthographicFront"/>
+          <a:lightRig rig="flat" dir="t"/>
+        </a:scene3d>
+        <a:sp3d extrusionH="12700" prstMaterial="plastic">
+          <a:bevelT w="50800" h="50800"/>
+        </a:sp3d>
+      </dsp:spPr>
+      <dsp:style>
+        <a:lnRef idx="1">
+          <a:scrgbClr r="0" g="0" b="0"/>
+        </a:lnRef>
+        <a:fillRef idx="1">
+          <a:scrgbClr r="0" g="0" b="0"/>
+        </a:fillRef>
+        <a:effectRef idx="2">
+          <a:scrgbClr r="0" g="0" b="0"/>
+        </a:effectRef>
+        <a:fontRef idx="minor"/>
+      </dsp:style>
+      <dsp:txBody>
+        <a:bodyPr spcFirstLastPara="0" vert="horz" wrap="square" lIns="247650" tIns="123825" rIns="247650" bIns="123825" numCol="1" spcCol="1270" anchor="ctr" anchorCtr="0">
+          <a:noAutofit/>
+        </a:bodyPr>
+        <a:lstStyle/>
+        <a:p>
+          <a:pPr marL="171450" lvl="1" indent="-171450" algn="l" defTabSz="711200">
+            <a:lnSpc>
+              <a:spcPct val="90000"/>
+            </a:lnSpc>
+            <a:spcBef>
+              <a:spcPct val="0"/>
+            </a:spcBef>
+            <a:spcAft>
+              <a:spcPct val="15000"/>
+            </a:spcAft>
+            <a:buChar char="••"/>
+          </a:pPr>
+          <a:r>
+            <a:rPr lang="pt-BR" sz="1600" kern="1200" dirty="0" smtClean="0"/>
+            <a:t>Montar um espécie de laboratório tecnológico com foco nas pesquisa das </a:t>
+          </a:r>
+          <a:r>
+            <a:rPr lang="pt-BR" sz="1600" kern="1200" dirty="0" err="1" smtClean="0"/>
+            <a:t>TICs</a:t>
+          </a:r>
+          <a:endParaRPr lang="pt-BR" sz="1600" kern="1200" dirty="0"/>
+        </a:p>
+      </dsp:txBody>
+      <dsp:txXfrm rot="-5400000">
+        <a:off x="3127248" y="3585693"/>
+        <a:ext cx="5517004" cy="786505"/>
+      </dsp:txXfrm>
+    </dsp:sp>
+    <dsp:sp modelId="{F985ABD3-DA1F-4E90-952D-1C16820F198E}">
+      <dsp:nvSpPr>
+        <dsp:cNvPr id="0" name=""/>
+        <dsp:cNvSpPr/>
+      </dsp:nvSpPr>
+      <dsp:spPr>
+        <a:xfrm>
+          <a:off x="0" y="3434195"/>
+          <a:ext cx="3127248" cy="1089501"/>
+        </a:xfrm>
+        <a:prstGeom prst="roundRect">
+          <a:avLst/>
+        </a:prstGeom>
+        <a:gradFill rotWithShape="0">
+          <a:gsLst>
+            <a:gs pos="0">
+              <a:schemeClr val="accent1">
+                <a:hueOff val="0"/>
+                <a:satOff val="0"/>
+                <a:lumOff val="0"/>
+                <a:alphaOff val="0"/>
+                <a:tint val="75000"/>
+                <a:shade val="85000"/>
+                <a:satMod val="230000"/>
+              </a:schemeClr>
+            </a:gs>
+            <a:gs pos="25000">
+              <a:schemeClr val="accent1">
+                <a:hueOff val="0"/>
+                <a:satOff val="0"/>
+                <a:lumOff val="0"/>
+                <a:alphaOff val="0"/>
+                <a:tint val="90000"/>
+                <a:shade val="70000"/>
+                <a:satMod val="220000"/>
+              </a:schemeClr>
+            </a:gs>
+            <a:gs pos="50000">
+              <a:schemeClr val="accent1">
+                <a:hueOff val="0"/>
+                <a:satOff val="0"/>
+                <a:lumOff val="0"/>
+                <a:alphaOff val="0"/>
+                <a:tint val="90000"/>
+                <a:shade val="58000"/>
+                <a:satMod val="225000"/>
+              </a:schemeClr>
+            </a:gs>
+            <a:gs pos="65000">
+              <a:schemeClr val="accent1">
+                <a:hueOff val="0"/>
+                <a:satOff val="0"/>
+                <a:lumOff val="0"/>
+                <a:alphaOff val="0"/>
+                <a:tint val="90000"/>
+                <a:shade val="58000"/>
+                <a:satMod val="225000"/>
+              </a:schemeClr>
+            </a:gs>
+            <a:gs pos="80000">
+              <a:schemeClr val="accent1">
+                <a:hueOff val="0"/>
+                <a:satOff val="0"/>
+                <a:lumOff val="0"/>
+                <a:alphaOff val="0"/>
+                <a:tint val="90000"/>
+                <a:shade val="69000"/>
+                <a:satMod val="220000"/>
+              </a:schemeClr>
+            </a:gs>
+            <a:gs pos="100000">
+              <a:schemeClr val="accent1">
+                <a:hueOff val="0"/>
+                <a:satOff val="0"/>
+                <a:lumOff val="0"/>
+                <a:alphaOff val="0"/>
+                <a:tint val="77000"/>
+                <a:shade val="80000"/>
+                <a:satMod val="230000"/>
+              </a:schemeClr>
+            </a:gs>
+          </a:gsLst>
+          <a:lin ang="5400000" scaled="1"/>
+        </a:gradFill>
+        <a:ln>
+          <a:noFill/>
+        </a:ln>
+        <a:effectLst>
+          <a:outerShdw blurRad="76200" dist="50800" dir="5400000" rotWithShape="0">
+            <a:srgbClr val="4E3B30">
+              <a:alpha val="60000"/>
+            </a:srgbClr>
+          </a:outerShdw>
+        </a:effectLst>
+        <a:scene3d>
+          <a:camera prst="orthographicFront"/>
+          <a:lightRig rig="flat" dir="t"/>
+        </a:scene3d>
+        <a:sp3d prstMaterial="plastic">
+          <a:bevelT w="120900" h="88900"/>
+          <a:bevelB w="88900" h="31750" prst="angle"/>
+        </a:sp3d>
+      </dsp:spPr>
+      <dsp:style>
+        <a:lnRef idx="0">
+          <a:scrgbClr r="0" g="0" b="0"/>
+        </a:lnRef>
+        <a:fillRef idx="3">
+          <a:scrgbClr r="0" g="0" b="0"/>
+        </a:fillRef>
+        <a:effectRef idx="2">
+          <a:scrgbClr r="0" g="0" b="0"/>
+        </a:effectRef>
+        <a:fontRef idx="minor">
+          <a:schemeClr val="lt1"/>
+        </a:fontRef>
+      </dsp:style>
+      <dsp:txBody>
+        <a:bodyPr spcFirstLastPara="0" vert="horz" wrap="square" lIns="68580" tIns="34290" rIns="68580" bIns="34290" numCol="1" spcCol="1270" anchor="ctr" anchorCtr="0">
+          <a:noAutofit/>
+        </a:bodyPr>
+        <a:lstStyle/>
+        <a:p>
+          <a:pPr lvl="0" algn="ctr" defTabSz="800100">
+            <a:lnSpc>
+              <a:spcPct val="90000"/>
+            </a:lnSpc>
+            <a:spcBef>
+              <a:spcPct val="0"/>
+            </a:spcBef>
+            <a:spcAft>
+              <a:spcPct val="35000"/>
+            </a:spcAft>
+          </a:pPr>
+          <a:r>
+            <a:rPr lang="pt-BR" sz="1800" b="1" kern="1200" dirty="0" smtClean="0">
+              <a:solidFill>
+                <a:srgbClr val="7030A0"/>
+              </a:solidFill>
+            </a:rPr>
+            <a:t>Finalidade</a:t>
+          </a:r>
+          <a:endParaRPr lang="pt-BR" sz="1800" b="1" kern="1200" dirty="0">
+            <a:solidFill>
+              <a:srgbClr val="7030A0"/>
+            </a:solidFill>
+          </a:endParaRPr>
+        </a:p>
+      </dsp:txBody>
+      <dsp:txXfrm>
+        <a:off x="53185" y="3487380"/>
+        <a:ext cx="3020878" cy="983131"/>
+      </dsp:txXfrm>
+    </dsp:sp>
+  </dsp:spTree>
+</dsp:drawing>
+</file>
+
+<file path=ppt/diagrams/drawing2.xml><?xml version="1.0" encoding="utf-8"?>
+<dsp:drawing xmlns:dgm="http://schemas.openxmlformats.org/drawingml/2006/diagram" xmlns:dsp="http://schemas.microsoft.com/office/drawing/2008/diagram" xmlns:a="http://schemas.openxmlformats.org/drawingml/2006/main">
+  <dsp:spTree>
+    <dsp:nvGrpSpPr>
+      <dsp:cNvPr id="0" name=""/>
+      <dsp:cNvGrpSpPr/>
+    </dsp:nvGrpSpPr>
+    <dsp:grpSpPr/>
+    <dsp:sp modelId="{AA8514B8-7EBB-4287-ACDB-81BB8EE3A65E}">
+      <dsp:nvSpPr>
+        <dsp:cNvPr id="0" name=""/>
+        <dsp:cNvSpPr/>
+      </dsp:nvSpPr>
+      <dsp:spPr>
+        <a:xfrm>
+          <a:off x="0" y="327899"/>
+          <a:ext cx="8686800" cy="504000"/>
+        </a:xfrm>
+        <a:prstGeom prst="rect">
+          <a:avLst/>
+        </a:prstGeom>
+        <a:gradFill rotWithShape="1">
+          <a:gsLst>
+            <a:gs pos="0">
+              <a:schemeClr val="accent6">
+                <a:tint val="30000"/>
+                <a:satMod val="250000"/>
+              </a:schemeClr>
+            </a:gs>
+            <a:gs pos="72000">
+              <a:schemeClr val="accent6">
+                <a:tint val="75000"/>
+                <a:satMod val="210000"/>
+              </a:schemeClr>
+            </a:gs>
+            <a:gs pos="100000">
+              <a:schemeClr val="accent6">
+                <a:tint val="85000"/>
+                <a:satMod val="210000"/>
+              </a:schemeClr>
+            </a:gs>
+          </a:gsLst>
+          <a:lin ang="5400000" scaled="1"/>
+        </a:gradFill>
+        <a:ln w="10000" cap="flat" cmpd="sng" algn="ctr">
+          <a:solidFill>
+            <a:schemeClr val="accent6"/>
+          </a:solidFill>
+          <a:prstDash val="solid"/>
+        </a:ln>
+        <a:effectLst>
+          <a:outerShdw blurRad="76200" dist="50800" dir="5400000" rotWithShape="0">
+            <a:srgbClr val="4E3B30">
+              <a:alpha val="60000"/>
+            </a:srgbClr>
+          </a:outerShdw>
+        </a:effectLst>
+        <a:scene3d>
+          <a:camera prst="orthographicFront"/>
+          <a:lightRig rig="flat" dir="t"/>
+        </a:scene3d>
+        <a:sp3d z="190500" extrusionH="12700"/>
+      </dsp:spPr>
+      <dsp:style>
+        <a:lnRef idx="1">
+          <a:schemeClr val="accent6"/>
+        </a:lnRef>
+        <a:fillRef idx="2">
+          <a:schemeClr val="accent6"/>
+        </a:fillRef>
+        <a:effectRef idx="1">
+          <a:schemeClr val="accent6"/>
+        </a:effectRef>
+        <a:fontRef idx="minor">
+          <a:schemeClr val="dk1"/>
+        </a:fontRef>
+      </dsp:style>
+    </dsp:sp>
+    <dsp:sp modelId="{B171C0C5-1265-474F-9A24-5267C4DEA6BB}">
+      <dsp:nvSpPr>
+        <dsp:cNvPr id="0" name=""/>
+        <dsp:cNvSpPr/>
+      </dsp:nvSpPr>
+      <dsp:spPr>
+        <a:xfrm>
+          <a:off x="434340" y="0"/>
+          <a:ext cx="6080760" cy="590400"/>
+        </a:xfrm>
+        <a:prstGeom prst="roundRect">
+          <a:avLst/>
+        </a:prstGeom>
+        <a:solidFill>
+          <a:srgbClr val="92D050"/>
+        </a:solidFill>
+        <a:ln>
+          <a:noFill/>
+        </a:ln>
+        <a:effectLst>
+          <a:outerShdw blurRad="76200" dist="50800" dir="5400000" rotWithShape="0">
+            <a:srgbClr val="4E3B30">
+              <a:alpha val="60000"/>
+            </a:srgbClr>
+          </a:outerShdw>
+        </a:effectLst>
+        <a:scene3d>
+          <a:camera prst="orthographicFront"/>
+          <a:lightRig rig="flat" dir="t"/>
+        </a:scene3d>
+        <a:sp3d contourW="12700" prstMaterial="matte">
+          <a:bevelT w="60000" h="50800"/>
+          <a:contourClr>
+            <a:schemeClr val="accent6">
+              <a:shade val="60000"/>
+              <a:satMod val="110000"/>
+            </a:schemeClr>
+          </a:contourClr>
+        </a:sp3d>
+      </dsp:spPr>
+      <dsp:style>
+        <a:lnRef idx="0">
+          <a:schemeClr val="accent6"/>
+        </a:lnRef>
+        <a:fillRef idx="3">
+          <a:schemeClr val="accent6"/>
+        </a:fillRef>
+        <a:effectRef idx="3">
+          <a:schemeClr val="accent6"/>
+        </a:effectRef>
+        <a:fontRef idx="minor">
+          <a:schemeClr val="lt1"/>
+        </a:fontRef>
+      </dsp:style>
+      <dsp:txBody>
+        <a:bodyPr spcFirstLastPara="0" vert="horz" wrap="square" lIns="229838" tIns="0" rIns="229838" bIns="0" numCol="1" spcCol="1270" anchor="ctr" anchorCtr="0">
+          <a:noAutofit/>
+        </a:bodyPr>
+        <a:lstStyle/>
+        <a:p>
+          <a:pPr lvl="0" algn="l" defTabSz="889000">
+            <a:lnSpc>
+              <a:spcPct val="90000"/>
+            </a:lnSpc>
+            <a:spcBef>
+              <a:spcPct val="0"/>
+            </a:spcBef>
+            <a:spcAft>
+              <a:spcPct val="35000"/>
+            </a:spcAft>
+          </a:pPr>
+          <a:r>
+            <a:rPr lang="pt-BR" sz="2000" b="1" kern="1200" smtClean="0">
+              <a:solidFill>
+                <a:srgbClr val="0070C0"/>
+              </a:solidFill>
+            </a:rPr>
+            <a:t>Dinamização de registro de atividades</a:t>
+          </a:r>
+          <a:endParaRPr lang="pt-BR" sz="2000" b="1" kern="1200" dirty="0">
+            <a:solidFill>
+              <a:srgbClr val="0070C0"/>
+            </a:solidFill>
+          </a:endParaRPr>
+        </a:p>
+      </dsp:txBody>
+      <dsp:txXfrm>
+        <a:off x="463161" y="28821"/>
+        <a:ext cx="6023118" cy="532758"/>
+      </dsp:txXfrm>
+    </dsp:sp>
+    <dsp:sp modelId="{122429B3-75B2-4400-B819-CC67C8478699}">
+      <dsp:nvSpPr>
+        <dsp:cNvPr id="0" name=""/>
+        <dsp:cNvSpPr/>
+      </dsp:nvSpPr>
+      <dsp:spPr>
+        <a:xfrm>
+          <a:off x="0" y="1235099"/>
+          <a:ext cx="8686800" cy="504000"/>
+        </a:xfrm>
+        <a:prstGeom prst="rect">
+          <a:avLst/>
+        </a:prstGeom>
+        <a:gradFill rotWithShape="1">
+          <a:gsLst>
+            <a:gs pos="0">
+              <a:schemeClr val="accent6">
+                <a:tint val="30000"/>
+                <a:satMod val="250000"/>
+              </a:schemeClr>
+            </a:gs>
+            <a:gs pos="72000">
+              <a:schemeClr val="accent6">
+                <a:tint val="75000"/>
+                <a:satMod val="210000"/>
+              </a:schemeClr>
+            </a:gs>
+            <a:gs pos="100000">
+              <a:schemeClr val="accent6">
+                <a:tint val="85000"/>
+                <a:satMod val="210000"/>
+              </a:schemeClr>
+            </a:gs>
+          </a:gsLst>
+          <a:lin ang="5400000" scaled="1"/>
+        </a:gradFill>
+        <a:ln w="10000" cap="flat" cmpd="sng" algn="ctr">
+          <a:solidFill>
+            <a:schemeClr val="accent6"/>
+          </a:solidFill>
+          <a:prstDash val="solid"/>
+        </a:ln>
+        <a:effectLst>
+          <a:outerShdw blurRad="76200" dist="50800" dir="5400000" rotWithShape="0">
+            <a:srgbClr val="4E3B30">
+              <a:alpha val="60000"/>
+            </a:srgbClr>
+          </a:outerShdw>
+        </a:effectLst>
+        <a:scene3d>
+          <a:camera prst="orthographicFront"/>
+          <a:lightRig rig="flat" dir="t"/>
+        </a:scene3d>
+        <a:sp3d z="190500" extrusionH="12700"/>
+      </dsp:spPr>
+      <dsp:style>
+        <a:lnRef idx="1">
+          <a:schemeClr val="accent6"/>
+        </a:lnRef>
+        <a:fillRef idx="2">
+          <a:schemeClr val="accent6"/>
+        </a:fillRef>
+        <a:effectRef idx="1">
+          <a:schemeClr val="accent6"/>
+        </a:effectRef>
+        <a:fontRef idx="minor">
+          <a:schemeClr val="dk1"/>
+        </a:fontRef>
+      </dsp:style>
+    </dsp:sp>
+    <dsp:sp modelId="{9939078C-FCDB-4354-9260-A7140D211969}">
+      <dsp:nvSpPr>
+        <dsp:cNvPr id="0" name=""/>
+        <dsp:cNvSpPr/>
+      </dsp:nvSpPr>
+      <dsp:spPr>
+        <a:xfrm>
+          <a:off x="434340" y="895849"/>
+          <a:ext cx="6080760" cy="590400"/>
+        </a:xfrm>
+        <a:prstGeom prst="roundRect">
+          <a:avLst/>
+        </a:prstGeom>
+        <a:solidFill>
+          <a:srgbClr val="92D050"/>
+        </a:solidFill>
+        <a:ln>
+          <a:noFill/>
+        </a:ln>
+        <a:effectLst>
+          <a:outerShdw blurRad="76200" dist="50800" dir="5400000" rotWithShape="0">
+            <a:srgbClr val="4E3B30">
+              <a:alpha val="60000"/>
+            </a:srgbClr>
+          </a:outerShdw>
+        </a:effectLst>
+        <a:scene3d>
+          <a:camera prst="orthographicFront"/>
+          <a:lightRig rig="flat" dir="t"/>
+        </a:scene3d>
+        <a:sp3d contourW="12700" prstMaterial="matte">
+          <a:bevelT w="60000" h="50800"/>
+          <a:contourClr>
+            <a:schemeClr val="accent6">
+              <a:shade val="60000"/>
+              <a:satMod val="110000"/>
+            </a:schemeClr>
+          </a:contourClr>
+        </a:sp3d>
+      </dsp:spPr>
+      <dsp:style>
+        <a:lnRef idx="0">
+          <a:schemeClr val="accent6"/>
+        </a:lnRef>
+        <a:fillRef idx="3">
+          <a:schemeClr val="accent6"/>
+        </a:fillRef>
+        <a:effectRef idx="3">
+          <a:schemeClr val="accent6"/>
+        </a:effectRef>
+        <a:fontRef idx="minor">
+          <a:schemeClr val="lt1"/>
+        </a:fontRef>
+      </dsp:style>
+      <dsp:txBody>
+        <a:bodyPr spcFirstLastPara="0" vert="horz" wrap="square" lIns="229838" tIns="0" rIns="229838" bIns="0" numCol="1" spcCol="1270" anchor="ctr" anchorCtr="0">
+          <a:noAutofit/>
+        </a:bodyPr>
+        <a:lstStyle/>
+        <a:p>
+          <a:pPr lvl="0" algn="l" defTabSz="889000">
+            <a:lnSpc>
+              <a:spcPct val="90000"/>
+            </a:lnSpc>
+            <a:spcBef>
+              <a:spcPct val="0"/>
+            </a:spcBef>
+            <a:spcAft>
+              <a:spcPct val="35000"/>
+            </a:spcAft>
+          </a:pPr>
+          <a:r>
+            <a:rPr lang="pt-BR" sz="2000" b="1" kern="1200" smtClean="0">
+              <a:solidFill>
+                <a:srgbClr val="0070C0"/>
+              </a:solidFill>
+            </a:rPr>
+            <a:t> Acesso web em dispositivos moveis</a:t>
+          </a:r>
+          <a:endParaRPr lang="pt-BR" sz="2000" b="1" kern="1200" dirty="0">
+            <a:solidFill>
+              <a:srgbClr val="0070C0"/>
+            </a:solidFill>
+          </a:endParaRPr>
+        </a:p>
+      </dsp:txBody>
+      <dsp:txXfrm>
+        <a:off x="463161" y="924670"/>
+        <a:ext cx="6023118" cy="532758"/>
+      </dsp:txXfrm>
+    </dsp:sp>
+    <dsp:sp modelId="{06A3C85D-CDEB-4A13-9986-AD53F22D8EA9}">
+      <dsp:nvSpPr>
+        <dsp:cNvPr id="0" name=""/>
+        <dsp:cNvSpPr/>
+      </dsp:nvSpPr>
+      <dsp:spPr>
+        <a:xfrm>
+          <a:off x="0" y="2142299"/>
+          <a:ext cx="8686800" cy="504000"/>
+        </a:xfrm>
+        <a:prstGeom prst="rect">
+          <a:avLst/>
+        </a:prstGeom>
+        <a:gradFill rotWithShape="1">
+          <a:gsLst>
+            <a:gs pos="0">
+              <a:schemeClr val="accent6">
+                <a:tint val="30000"/>
+                <a:satMod val="250000"/>
+              </a:schemeClr>
+            </a:gs>
+            <a:gs pos="72000">
+              <a:schemeClr val="accent6">
+                <a:tint val="75000"/>
+                <a:satMod val="210000"/>
+              </a:schemeClr>
+            </a:gs>
+            <a:gs pos="100000">
+              <a:schemeClr val="accent6">
+                <a:tint val="85000"/>
+                <a:satMod val="210000"/>
+              </a:schemeClr>
+            </a:gs>
+          </a:gsLst>
+          <a:lin ang="5400000" scaled="1"/>
+        </a:gradFill>
+        <a:ln w="10000" cap="flat" cmpd="sng" algn="ctr">
+          <a:solidFill>
+            <a:schemeClr val="accent6"/>
+          </a:solidFill>
+          <a:prstDash val="solid"/>
+        </a:ln>
+        <a:effectLst>
+          <a:outerShdw blurRad="76200" dist="50800" dir="5400000" rotWithShape="0">
+            <a:srgbClr val="4E3B30">
+              <a:alpha val="60000"/>
+            </a:srgbClr>
+          </a:outerShdw>
+        </a:effectLst>
+        <a:scene3d>
+          <a:camera prst="orthographicFront"/>
+          <a:lightRig rig="flat" dir="t"/>
+        </a:scene3d>
+        <a:sp3d z="190500" extrusionH="12700"/>
+      </dsp:spPr>
+      <dsp:style>
+        <a:lnRef idx="1">
+          <a:schemeClr val="accent6"/>
+        </a:lnRef>
+        <a:fillRef idx="2">
+          <a:schemeClr val="accent6"/>
+        </a:fillRef>
+        <a:effectRef idx="1">
+          <a:schemeClr val="accent6"/>
+        </a:effectRef>
+        <a:fontRef idx="minor">
+          <a:schemeClr val="dk1"/>
+        </a:fontRef>
+      </dsp:style>
+    </dsp:sp>
+    <dsp:sp modelId="{D78DBF14-3A29-4E42-B56E-7380E92A6552}">
+      <dsp:nvSpPr>
+        <dsp:cNvPr id="0" name=""/>
+        <dsp:cNvSpPr/>
+      </dsp:nvSpPr>
+      <dsp:spPr>
+        <a:xfrm>
+          <a:off x="434340" y="1803049"/>
+          <a:ext cx="6080760" cy="590400"/>
+        </a:xfrm>
+        <a:prstGeom prst="roundRect">
+          <a:avLst/>
+        </a:prstGeom>
+        <a:solidFill>
+          <a:srgbClr val="92D050"/>
+        </a:solidFill>
+        <a:ln>
+          <a:noFill/>
+        </a:ln>
+        <a:effectLst>
+          <a:outerShdw blurRad="76200" dist="50800" dir="5400000" rotWithShape="0">
+            <a:srgbClr val="4E3B30">
+              <a:alpha val="60000"/>
+            </a:srgbClr>
+          </a:outerShdw>
+        </a:effectLst>
+        <a:scene3d>
+          <a:camera prst="orthographicFront"/>
+          <a:lightRig rig="flat" dir="t"/>
+        </a:scene3d>
+        <a:sp3d contourW="12700" prstMaterial="matte">
+          <a:bevelT w="60000" h="50800"/>
+          <a:contourClr>
+            <a:schemeClr val="accent6">
+              <a:shade val="60000"/>
+              <a:satMod val="110000"/>
+            </a:schemeClr>
+          </a:contourClr>
+        </a:sp3d>
+      </dsp:spPr>
+      <dsp:style>
+        <a:lnRef idx="0">
+          <a:schemeClr val="accent6"/>
+        </a:lnRef>
+        <a:fillRef idx="3">
+          <a:schemeClr val="accent6"/>
+        </a:fillRef>
+        <a:effectRef idx="3">
+          <a:schemeClr val="accent6"/>
+        </a:effectRef>
+        <a:fontRef idx="minor">
+          <a:schemeClr val="lt1"/>
+        </a:fontRef>
+      </dsp:style>
+      <dsp:txBody>
+        <a:bodyPr spcFirstLastPara="0" vert="horz" wrap="square" lIns="229838" tIns="0" rIns="229838" bIns="0" numCol="1" spcCol="1270" anchor="ctr" anchorCtr="0">
+          <a:noAutofit/>
+        </a:bodyPr>
+        <a:lstStyle/>
+        <a:p>
+          <a:pPr lvl="0" algn="l" defTabSz="889000">
+            <a:lnSpc>
+              <a:spcPct val="90000"/>
+            </a:lnSpc>
+            <a:spcBef>
+              <a:spcPct val="0"/>
+            </a:spcBef>
+            <a:spcAft>
+              <a:spcPct val="35000"/>
+            </a:spcAft>
+          </a:pPr>
+          <a:r>
+            <a:rPr lang="pt-BR" sz="2000" b="1" kern="1200" smtClean="0">
+              <a:solidFill>
+                <a:srgbClr val="0070C0"/>
+              </a:solidFill>
+            </a:rPr>
+            <a:t>Trabalho em grupo em ambiente multiusuário</a:t>
+          </a:r>
+          <a:endParaRPr lang="pt-BR" sz="2000" b="1" kern="1200" dirty="0">
+            <a:solidFill>
+              <a:srgbClr val="0070C0"/>
+            </a:solidFill>
+          </a:endParaRPr>
+        </a:p>
+      </dsp:txBody>
+      <dsp:txXfrm>
+        <a:off x="463161" y="1831870"/>
+        <a:ext cx="6023118" cy="532758"/>
+      </dsp:txXfrm>
+    </dsp:sp>
+    <dsp:sp modelId="{BC58E8B0-740A-43C6-B230-1401E78D7A5B}">
+      <dsp:nvSpPr>
+        <dsp:cNvPr id="0" name=""/>
+        <dsp:cNvSpPr/>
+      </dsp:nvSpPr>
+      <dsp:spPr>
+        <a:xfrm>
+          <a:off x="0" y="3049499"/>
+          <a:ext cx="8686800" cy="504000"/>
+        </a:xfrm>
+        <a:prstGeom prst="rect">
+          <a:avLst/>
+        </a:prstGeom>
+        <a:gradFill rotWithShape="1">
+          <a:gsLst>
+            <a:gs pos="0">
+              <a:schemeClr val="accent6">
+                <a:tint val="30000"/>
+                <a:satMod val="250000"/>
+              </a:schemeClr>
+            </a:gs>
+            <a:gs pos="72000">
+              <a:schemeClr val="accent6">
+                <a:tint val="75000"/>
+                <a:satMod val="210000"/>
+              </a:schemeClr>
+            </a:gs>
+            <a:gs pos="100000">
+              <a:schemeClr val="accent6">
+                <a:tint val="85000"/>
+                <a:satMod val="210000"/>
+              </a:schemeClr>
+            </a:gs>
+          </a:gsLst>
+          <a:lin ang="5400000" scaled="1"/>
+        </a:gradFill>
+        <a:ln w="10000" cap="flat" cmpd="sng" algn="ctr">
+          <a:solidFill>
+            <a:schemeClr val="accent6"/>
+          </a:solidFill>
+          <a:prstDash val="solid"/>
+        </a:ln>
+        <a:effectLst>
+          <a:outerShdw blurRad="76200" dist="50800" dir="5400000" rotWithShape="0">
+            <a:srgbClr val="4E3B30">
+              <a:alpha val="60000"/>
+            </a:srgbClr>
+          </a:outerShdw>
+        </a:effectLst>
+        <a:scene3d>
+          <a:camera prst="orthographicFront"/>
+          <a:lightRig rig="flat" dir="t"/>
+        </a:scene3d>
+        <a:sp3d z="190500" extrusionH="12700"/>
+      </dsp:spPr>
+      <dsp:style>
+        <a:lnRef idx="1">
+          <a:schemeClr val="accent6"/>
+        </a:lnRef>
+        <a:fillRef idx="2">
+          <a:schemeClr val="accent6"/>
+        </a:fillRef>
+        <a:effectRef idx="1">
+          <a:schemeClr val="accent6"/>
+        </a:effectRef>
+        <a:fontRef idx="minor">
+          <a:schemeClr val="dk1"/>
+        </a:fontRef>
+      </dsp:style>
+    </dsp:sp>
+    <dsp:sp modelId="{6C17C5F1-150A-491F-92CE-A1BE931BB55D}">
+      <dsp:nvSpPr>
+        <dsp:cNvPr id="0" name=""/>
+        <dsp:cNvSpPr/>
+      </dsp:nvSpPr>
+      <dsp:spPr>
+        <a:xfrm>
+          <a:off x="434340" y="2754299"/>
+          <a:ext cx="6080760" cy="590400"/>
+        </a:xfrm>
+        <a:prstGeom prst="roundRect">
+          <a:avLst/>
+        </a:prstGeom>
+        <a:solidFill>
+          <a:srgbClr val="92D050"/>
+        </a:solidFill>
+        <a:ln>
+          <a:noFill/>
+        </a:ln>
+        <a:effectLst>
+          <a:outerShdw blurRad="76200" dist="50800" dir="5400000" rotWithShape="0">
+            <a:srgbClr val="4E3B30">
+              <a:alpha val="60000"/>
+            </a:srgbClr>
+          </a:outerShdw>
+        </a:effectLst>
+        <a:scene3d>
+          <a:camera prst="orthographicFront"/>
+          <a:lightRig rig="flat" dir="t"/>
+        </a:scene3d>
+        <a:sp3d contourW="12700" prstMaterial="matte">
+          <a:bevelT w="60000" h="50800"/>
+          <a:contourClr>
+            <a:schemeClr val="accent6">
+              <a:shade val="60000"/>
+              <a:satMod val="110000"/>
+            </a:schemeClr>
+          </a:contourClr>
+        </a:sp3d>
+      </dsp:spPr>
+      <dsp:style>
+        <a:lnRef idx="0">
+          <a:schemeClr val="accent6"/>
+        </a:lnRef>
+        <a:fillRef idx="3">
+          <a:schemeClr val="accent6"/>
+        </a:fillRef>
+        <a:effectRef idx="3">
+          <a:schemeClr val="accent6"/>
+        </a:effectRef>
+        <a:fontRef idx="minor">
+          <a:schemeClr val="lt1"/>
+        </a:fontRef>
+      </dsp:style>
+      <dsp:txBody>
+        <a:bodyPr spcFirstLastPara="0" vert="horz" wrap="square" lIns="229838" tIns="0" rIns="229838" bIns="0" numCol="1" spcCol="1270" anchor="ctr" anchorCtr="0">
+          <a:noAutofit/>
+        </a:bodyPr>
+        <a:lstStyle/>
+        <a:p>
+          <a:pPr lvl="0" algn="l" defTabSz="889000">
+            <a:lnSpc>
+              <a:spcPct val="90000"/>
+            </a:lnSpc>
+            <a:spcBef>
+              <a:spcPct val="0"/>
+            </a:spcBef>
+            <a:spcAft>
+              <a:spcPct val="35000"/>
+            </a:spcAft>
+          </a:pPr>
+          <a:r>
+            <a:rPr lang="pt-BR" sz="2000" b="1" kern="1200" dirty="0" smtClean="0">
+              <a:solidFill>
+                <a:srgbClr val="0070C0"/>
+              </a:solidFill>
+            </a:rPr>
+            <a:t>Controles acadêmicos  </a:t>
+          </a:r>
+          <a:endParaRPr lang="pt-BR" sz="2000" b="1" kern="1200" dirty="0">
+            <a:solidFill>
+              <a:srgbClr val="0070C0"/>
+            </a:solidFill>
+          </a:endParaRPr>
+        </a:p>
+      </dsp:txBody>
+      <dsp:txXfrm>
+        <a:off x="463161" y="2783120"/>
+        <a:ext cx="6023118" cy="532758"/>
+      </dsp:txXfrm>
+    </dsp:sp>
+    <dsp:sp modelId="{7D8B9C6D-02C3-420B-906C-B43C36EE3306}">
+      <dsp:nvSpPr>
+        <dsp:cNvPr id="0" name=""/>
+        <dsp:cNvSpPr/>
+      </dsp:nvSpPr>
+      <dsp:spPr>
+        <a:xfrm>
+          <a:off x="0" y="3956699"/>
+          <a:ext cx="8686800" cy="504000"/>
+        </a:xfrm>
+        <a:prstGeom prst="rect">
+          <a:avLst/>
+        </a:prstGeom>
+        <a:gradFill rotWithShape="1">
+          <a:gsLst>
+            <a:gs pos="0">
+              <a:schemeClr val="accent6">
+                <a:tint val="30000"/>
+                <a:satMod val="250000"/>
+              </a:schemeClr>
+            </a:gs>
+            <a:gs pos="72000">
+              <a:schemeClr val="accent6">
+                <a:tint val="75000"/>
+                <a:satMod val="210000"/>
+              </a:schemeClr>
+            </a:gs>
+            <a:gs pos="100000">
+              <a:schemeClr val="accent6">
+                <a:tint val="85000"/>
+                <a:satMod val="210000"/>
+              </a:schemeClr>
+            </a:gs>
+          </a:gsLst>
+          <a:lin ang="5400000" scaled="1"/>
+        </a:gradFill>
+        <a:ln w="10000" cap="flat" cmpd="sng" algn="ctr">
+          <a:solidFill>
+            <a:schemeClr val="accent6"/>
+          </a:solidFill>
+          <a:prstDash val="solid"/>
+        </a:ln>
+        <a:effectLst>
+          <a:outerShdw blurRad="76200" dist="50800" dir="5400000" rotWithShape="0">
+            <a:srgbClr val="4E3B30">
+              <a:alpha val="60000"/>
+            </a:srgbClr>
+          </a:outerShdw>
+        </a:effectLst>
+        <a:scene3d>
+          <a:camera prst="orthographicFront"/>
+          <a:lightRig rig="flat" dir="t"/>
+        </a:scene3d>
+        <a:sp3d z="190500" extrusionH="12700"/>
+      </dsp:spPr>
+      <dsp:style>
+        <a:lnRef idx="1">
+          <a:schemeClr val="accent6"/>
+        </a:lnRef>
+        <a:fillRef idx="2">
+          <a:schemeClr val="accent6"/>
+        </a:fillRef>
+        <a:effectRef idx="1">
+          <a:schemeClr val="accent6"/>
+        </a:effectRef>
+        <a:fontRef idx="minor">
+          <a:schemeClr val="dk1"/>
+        </a:fontRef>
+      </dsp:style>
+    </dsp:sp>
+    <dsp:sp modelId="{231A70AB-9760-4FFF-B875-5D31C52D60AE}">
+      <dsp:nvSpPr>
+        <dsp:cNvPr id="0" name=""/>
+        <dsp:cNvSpPr/>
+      </dsp:nvSpPr>
+      <dsp:spPr>
+        <a:xfrm>
+          <a:off x="434340" y="3661499"/>
+          <a:ext cx="6080760" cy="590400"/>
+        </a:xfrm>
+        <a:prstGeom prst="roundRect">
+          <a:avLst/>
+        </a:prstGeom>
+        <a:solidFill>
+          <a:srgbClr val="92D050"/>
+        </a:solidFill>
+        <a:ln>
+          <a:noFill/>
+        </a:ln>
+        <a:effectLst>
+          <a:outerShdw blurRad="76200" dist="50800" dir="5400000" rotWithShape="0">
+            <a:srgbClr val="4E3B30">
+              <a:alpha val="60000"/>
+            </a:srgbClr>
+          </a:outerShdw>
+        </a:effectLst>
+        <a:scene3d>
+          <a:camera prst="orthographicFront"/>
+          <a:lightRig rig="flat" dir="t"/>
+        </a:scene3d>
+        <a:sp3d contourW="12700" prstMaterial="matte">
+          <a:bevelT w="60000" h="50800"/>
+          <a:contourClr>
+            <a:schemeClr val="accent6">
+              <a:shade val="60000"/>
+              <a:satMod val="110000"/>
+            </a:schemeClr>
+          </a:contourClr>
+        </a:sp3d>
+      </dsp:spPr>
+      <dsp:style>
+        <a:lnRef idx="0">
+          <a:schemeClr val="accent6"/>
+        </a:lnRef>
+        <a:fillRef idx="3">
+          <a:schemeClr val="accent6"/>
+        </a:fillRef>
+        <a:effectRef idx="3">
+          <a:schemeClr val="accent6"/>
+        </a:effectRef>
+        <a:fontRef idx="minor">
+          <a:schemeClr val="lt1"/>
+        </a:fontRef>
+      </dsp:style>
+      <dsp:txBody>
+        <a:bodyPr spcFirstLastPara="0" vert="horz" wrap="square" lIns="229838" tIns="0" rIns="229838" bIns="0" numCol="1" spcCol="1270" anchor="ctr" anchorCtr="0">
+          <a:noAutofit/>
+        </a:bodyPr>
+        <a:lstStyle/>
+        <a:p>
+          <a:pPr lvl="0" algn="l" defTabSz="889000">
+            <a:lnSpc>
+              <a:spcPct val="90000"/>
+            </a:lnSpc>
+            <a:spcBef>
+              <a:spcPct val="0"/>
+            </a:spcBef>
+            <a:spcAft>
+              <a:spcPct val="35000"/>
+            </a:spcAft>
+          </a:pPr>
+          <a:r>
+            <a:rPr lang="pt-BR" sz="2000" b="1" kern="1200" smtClean="0">
+              <a:solidFill>
+                <a:srgbClr val="0070C0"/>
+              </a:solidFill>
+            </a:rPr>
+            <a:t>Controles financeiros</a:t>
+          </a:r>
+          <a:endParaRPr lang="pt-BR" sz="2000" b="1" kern="1200" dirty="0">
+            <a:solidFill>
+              <a:srgbClr val="0070C0"/>
+            </a:solidFill>
+          </a:endParaRPr>
+        </a:p>
+      </dsp:txBody>
+      <dsp:txXfrm>
+        <a:off x="463161" y="3690320"/>
+        <a:ext cx="6023118" cy="532758"/>
+      </dsp:txXfrm>
+    </dsp:sp>
+    <dsp:sp modelId="{338DDB9A-A6BB-4D1C-8303-E07E7D076CB7}">
+      <dsp:nvSpPr>
+        <dsp:cNvPr id="0" name=""/>
+        <dsp:cNvSpPr/>
+      </dsp:nvSpPr>
+      <dsp:spPr>
+        <a:xfrm>
+          <a:off x="0" y="4863899"/>
+          <a:ext cx="8686800" cy="504000"/>
+        </a:xfrm>
+        <a:prstGeom prst="rect">
+          <a:avLst/>
+        </a:prstGeom>
+        <a:gradFill rotWithShape="1">
+          <a:gsLst>
+            <a:gs pos="0">
+              <a:schemeClr val="accent6">
+                <a:tint val="30000"/>
+                <a:satMod val="250000"/>
+              </a:schemeClr>
+            </a:gs>
+            <a:gs pos="72000">
+              <a:schemeClr val="accent6">
+                <a:tint val="75000"/>
+                <a:satMod val="210000"/>
+              </a:schemeClr>
+            </a:gs>
+            <a:gs pos="100000">
+              <a:schemeClr val="accent6">
+                <a:tint val="85000"/>
+                <a:satMod val="210000"/>
+              </a:schemeClr>
+            </a:gs>
+          </a:gsLst>
+          <a:lin ang="5400000" scaled="1"/>
+        </a:gradFill>
+        <a:ln w="10000" cap="flat" cmpd="sng" algn="ctr">
+          <a:solidFill>
+            <a:schemeClr val="accent6"/>
+          </a:solidFill>
+          <a:prstDash val="solid"/>
+        </a:ln>
+        <a:effectLst>
+          <a:outerShdw blurRad="76200" dist="50800" dir="5400000" rotWithShape="0">
+            <a:srgbClr val="4E3B30">
+              <a:alpha val="60000"/>
+            </a:srgbClr>
+          </a:outerShdw>
+        </a:effectLst>
+        <a:scene3d>
+          <a:camera prst="orthographicFront"/>
+          <a:lightRig rig="flat" dir="t"/>
+        </a:scene3d>
+        <a:sp3d z="190500" extrusionH="12700"/>
+      </dsp:spPr>
+      <dsp:style>
+        <a:lnRef idx="1">
+          <a:schemeClr val="accent6"/>
+        </a:lnRef>
+        <a:fillRef idx="2">
+          <a:schemeClr val="accent6"/>
+        </a:fillRef>
+        <a:effectRef idx="1">
+          <a:schemeClr val="accent6"/>
+        </a:effectRef>
+        <a:fontRef idx="minor">
+          <a:schemeClr val="dk1"/>
+        </a:fontRef>
+      </dsp:style>
+    </dsp:sp>
+    <dsp:sp modelId="{029B9D8C-4A77-4645-9520-CB1F079C0081}">
+      <dsp:nvSpPr>
+        <dsp:cNvPr id="0" name=""/>
+        <dsp:cNvSpPr/>
+      </dsp:nvSpPr>
+      <dsp:spPr>
+        <a:xfrm>
+          <a:off x="434340" y="4568699"/>
+          <a:ext cx="6080760" cy="590400"/>
+        </a:xfrm>
+        <a:prstGeom prst="roundRect">
+          <a:avLst/>
+        </a:prstGeom>
+        <a:solidFill>
+          <a:srgbClr val="92D050"/>
+        </a:solidFill>
+        <a:ln>
+          <a:noFill/>
+        </a:ln>
+        <a:effectLst>
+          <a:outerShdw blurRad="76200" dist="50800" dir="5400000" rotWithShape="0">
+            <a:srgbClr val="4E3B30">
+              <a:alpha val="60000"/>
+            </a:srgbClr>
+          </a:outerShdw>
+        </a:effectLst>
+        <a:scene3d>
+          <a:camera prst="orthographicFront"/>
+          <a:lightRig rig="flat" dir="t"/>
+        </a:scene3d>
+        <a:sp3d contourW="12700" prstMaterial="matte">
+          <a:bevelT w="60000" h="50800"/>
+          <a:contourClr>
+            <a:schemeClr val="accent6">
+              <a:shade val="60000"/>
+              <a:satMod val="110000"/>
+            </a:schemeClr>
+          </a:contourClr>
+        </a:sp3d>
+      </dsp:spPr>
+      <dsp:style>
+        <a:lnRef idx="0">
+          <a:schemeClr val="accent6"/>
+        </a:lnRef>
+        <a:fillRef idx="3">
+          <a:schemeClr val="accent6"/>
+        </a:fillRef>
+        <a:effectRef idx="3">
+          <a:schemeClr val="accent6"/>
+        </a:effectRef>
+        <a:fontRef idx="minor">
+          <a:schemeClr val="lt1"/>
+        </a:fontRef>
+      </dsp:style>
+      <dsp:txBody>
+        <a:bodyPr spcFirstLastPara="0" vert="horz" wrap="square" lIns="229838" tIns="0" rIns="229838" bIns="0" numCol="1" spcCol="1270" anchor="ctr" anchorCtr="0">
+          <a:noAutofit/>
+        </a:bodyPr>
+        <a:lstStyle/>
+        <a:p>
+          <a:pPr lvl="0" algn="l" defTabSz="889000">
+            <a:lnSpc>
+              <a:spcPct val="90000"/>
+            </a:lnSpc>
+            <a:spcBef>
+              <a:spcPct val="0"/>
+            </a:spcBef>
+            <a:spcAft>
+              <a:spcPct val="35000"/>
+            </a:spcAft>
+          </a:pPr>
+          <a:r>
+            <a:rPr lang="pt-BR" sz="2000" b="1" kern="1200" smtClean="0">
+              <a:solidFill>
+                <a:srgbClr val="0070C0"/>
+              </a:solidFill>
+            </a:rPr>
+            <a:t>Controle de contas a pagar</a:t>
+          </a:r>
+          <a:endParaRPr lang="pt-BR" sz="2000" b="1" kern="1200" dirty="0">
+            <a:solidFill>
+              <a:srgbClr val="0070C0"/>
+            </a:solidFill>
+          </a:endParaRPr>
+        </a:p>
+      </dsp:txBody>
+      <dsp:txXfrm>
+        <a:off x="463161" y="4597520"/>
+        <a:ext cx="6023118" cy="532758"/>
+      </dsp:txXfrm>
+    </dsp:sp>
+  </dsp:spTree>
+</dsp:drawing>
+</file>
+
+<file path=ppt/diagrams/drawing3.xml><?xml version="1.0" encoding="utf-8"?>
+<dsp:drawing xmlns:dgm="http://schemas.openxmlformats.org/drawingml/2006/diagram" xmlns:dsp="http://schemas.microsoft.com/office/drawing/2008/diagram" xmlns:a="http://schemas.openxmlformats.org/drawingml/2006/main">
+  <dsp:spTree>
+    <dsp:nvGrpSpPr>
+      <dsp:cNvPr id="0" name=""/>
+      <dsp:cNvGrpSpPr/>
+    </dsp:nvGrpSpPr>
+    <dsp:grpSpPr/>
+    <dsp:sp modelId="{77351131-57DF-4AF2-A89D-95AF9C6149DC}">
+      <dsp:nvSpPr>
+        <dsp:cNvPr id="0" name=""/>
+        <dsp:cNvSpPr/>
+      </dsp:nvSpPr>
+      <dsp:spPr>
+        <a:xfrm>
+          <a:off x="3739" y="1495569"/>
+          <a:ext cx="2373731" cy="1534822"/>
+        </a:xfrm>
+        <a:prstGeom prst="roundRect">
+          <a:avLst>
+            <a:gd name="adj" fmla="val 10000"/>
+          </a:avLst>
+        </a:prstGeom>
+        <a:gradFill rotWithShape="1">
+          <a:gsLst>
+            <a:gs pos="0">
+              <a:schemeClr val="accent3">
+                <a:tint val="75000"/>
+                <a:shade val="85000"/>
+                <a:satMod val="230000"/>
+              </a:schemeClr>
+            </a:gs>
+            <a:gs pos="25000">
+              <a:schemeClr val="accent3">
+                <a:tint val="90000"/>
+                <a:shade val="70000"/>
+                <a:satMod val="220000"/>
+              </a:schemeClr>
+            </a:gs>
+            <a:gs pos="50000">
+              <a:schemeClr val="accent3">
+                <a:tint val="90000"/>
+                <a:shade val="58000"/>
+                <a:satMod val="225000"/>
+              </a:schemeClr>
+            </a:gs>
+            <a:gs pos="65000">
+              <a:schemeClr val="accent3">
+                <a:tint val="90000"/>
+                <a:shade val="58000"/>
+                <a:satMod val="225000"/>
+              </a:schemeClr>
+            </a:gs>
+            <a:gs pos="80000">
+              <a:schemeClr val="accent3">
+                <a:tint val="90000"/>
+                <a:shade val="69000"/>
+                <a:satMod val="220000"/>
+              </a:schemeClr>
+            </a:gs>
+            <a:gs pos="100000">
+              <a:schemeClr val="accent3">
+                <a:tint val="77000"/>
+                <a:shade val="80000"/>
+                <a:satMod val="230000"/>
+              </a:schemeClr>
+            </a:gs>
+          </a:gsLst>
+          <a:lin ang="5400000" scaled="1"/>
+        </a:gradFill>
+        <a:ln w="10000" cap="flat" cmpd="sng" algn="ctr">
+          <a:solidFill>
+            <a:schemeClr val="accent3"/>
+          </a:solidFill>
+          <a:prstDash val="solid"/>
+        </a:ln>
+        <a:effectLst>
+          <a:outerShdw blurRad="76200" dist="50800" dir="5400000" rotWithShape="0">
+            <a:srgbClr val="4E3B30">
+              <a:alpha val="60000"/>
+            </a:srgbClr>
+          </a:outerShdw>
+        </a:effectLst>
+        <a:scene3d>
+          <a:camera prst="orthographicFront"/>
+          <a:lightRig rig="flat" dir="t"/>
+        </a:scene3d>
+        <a:sp3d z="-190500" extrusionH="12700" prstMaterial="metal">
+          <a:bevelT w="10000" h="10000"/>
+        </a:sp3d>
+      </dsp:spPr>
+      <dsp:style>
+        <a:lnRef idx="1">
+          <a:schemeClr val="accent3"/>
+        </a:lnRef>
+        <a:fillRef idx="3">
+          <a:schemeClr val="accent3"/>
+        </a:fillRef>
+        <a:effectRef idx="2">
+          <a:schemeClr val="accent3"/>
+        </a:effectRef>
+        <a:fontRef idx="minor">
+          <a:schemeClr val="lt1"/>
+        </a:fontRef>
+      </dsp:style>
+      <dsp:txBody>
+        <a:bodyPr spcFirstLastPara="0" vert="horz" wrap="square" lIns="123825" tIns="123825" rIns="123825" bIns="123825" numCol="1" spcCol="1270" anchor="t" anchorCtr="0">
+          <a:noAutofit/>
+        </a:bodyPr>
+        <a:lstStyle/>
+        <a:p>
+          <a:pPr marL="171450" lvl="1" indent="-171450" algn="l" defTabSz="711200">
+            <a:lnSpc>
+              <a:spcPct val="90000"/>
+            </a:lnSpc>
+            <a:spcBef>
+              <a:spcPct val="0"/>
+            </a:spcBef>
+            <a:spcAft>
+              <a:spcPct val="15000"/>
+            </a:spcAft>
+            <a:buChar char="••"/>
+          </a:pPr>
+          <a:endParaRPr lang="pt-BR" sz="1600" b="1" kern="1200" dirty="0">
+            <a:solidFill>
+              <a:schemeClr val="bg1">
+                <a:lumMod val="85000"/>
+              </a:schemeClr>
+            </a:solidFill>
+          </a:endParaRPr>
+        </a:p>
+        <a:p>
+          <a:pPr marL="171450" lvl="1" indent="-171450" algn="l" defTabSz="711200">
+            <a:lnSpc>
+              <a:spcPct val="90000"/>
+            </a:lnSpc>
+            <a:spcBef>
+              <a:spcPct val="0"/>
+            </a:spcBef>
+            <a:spcAft>
+              <a:spcPct val="15000"/>
+            </a:spcAft>
+            <a:buChar char="••"/>
+          </a:pPr>
+          <a:r>
+            <a:rPr lang="pt-BR" sz="1600" b="1" kern="1200" dirty="0" smtClean="0">
+              <a:solidFill>
+                <a:schemeClr val="bg1">
+                  <a:lumMod val="85000"/>
+                </a:schemeClr>
+              </a:solidFill>
+            </a:rPr>
+            <a:t>Ambiente de servidor de dados</a:t>
+          </a:r>
+          <a:endParaRPr lang="pt-BR" sz="1600" b="1" kern="1200" dirty="0">
+            <a:solidFill>
+              <a:schemeClr val="bg1">
+                <a:lumMod val="85000"/>
+              </a:schemeClr>
+            </a:solidFill>
+          </a:endParaRPr>
+        </a:p>
+      </dsp:txBody>
+      <dsp:txXfrm>
+        <a:off x="39060" y="1530890"/>
+        <a:ext cx="2303089" cy="1135290"/>
+      </dsp:txXfrm>
+    </dsp:sp>
+    <dsp:sp modelId="{BB47B8A7-A69A-47BA-8429-499D75D98923}">
+      <dsp:nvSpPr>
+        <dsp:cNvPr id="0" name=""/>
+        <dsp:cNvSpPr/>
+      </dsp:nvSpPr>
+      <dsp:spPr>
+        <a:xfrm>
+          <a:off x="5131256" y="4463843"/>
+          <a:ext cx="66552" cy="124236"/>
+        </a:xfrm>
+        <a:prstGeom prst="mathMultiply">
+          <a:avLst/>
+        </a:prstGeom>
+        <a:gradFill rotWithShape="0">
+          <a:gsLst>
+            <a:gs pos="0">
+              <a:schemeClr val="accent2">
+                <a:tint val="60000"/>
+                <a:hueOff val="0"/>
+                <a:satOff val="0"/>
+                <a:lumOff val="0"/>
+                <a:alphaOff val="0"/>
+                <a:tint val="75000"/>
+                <a:shade val="85000"/>
+                <a:satMod val="230000"/>
+              </a:schemeClr>
+            </a:gs>
+            <a:gs pos="25000">
+              <a:schemeClr val="accent2">
+                <a:tint val="60000"/>
+                <a:hueOff val="0"/>
+                <a:satOff val="0"/>
+                <a:lumOff val="0"/>
+                <a:alphaOff val="0"/>
+                <a:tint val="90000"/>
+                <a:shade val="70000"/>
+                <a:satMod val="220000"/>
+              </a:schemeClr>
+            </a:gs>
+            <a:gs pos="50000">
+              <a:schemeClr val="accent2">
+                <a:tint val="60000"/>
+                <a:hueOff val="0"/>
+                <a:satOff val="0"/>
+                <a:lumOff val="0"/>
+                <a:alphaOff val="0"/>
+                <a:tint val="90000"/>
+                <a:shade val="58000"/>
+                <a:satMod val="225000"/>
+              </a:schemeClr>
+            </a:gs>
+            <a:gs pos="65000">
+              <a:schemeClr val="accent2">
+                <a:tint val="60000"/>
+                <a:hueOff val="0"/>
+                <a:satOff val="0"/>
+                <a:lumOff val="0"/>
+                <a:alphaOff val="0"/>
+                <a:tint val="90000"/>
+                <a:shade val="58000"/>
+                <a:satMod val="225000"/>
+              </a:schemeClr>
+            </a:gs>
+            <a:gs pos="80000">
+              <a:schemeClr val="accent2">
+                <a:tint val="60000"/>
+                <a:hueOff val="0"/>
+                <a:satOff val="0"/>
+                <a:lumOff val="0"/>
+                <a:alphaOff val="0"/>
+                <a:tint val="90000"/>
+                <a:shade val="69000"/>
+                <a:satMod val="220000"/>
+              </a:schemeClr>
+            </a:gs>
+            <a:gs pos="100000">
+              <a:schemeClr val="accent2">
+                <a:tint val="60000"/>
+                <a:hueOff val="0"/>
+                <a:satOff val="0"/>
+                <a:lumOff val="0"/>
+                <a:alphaOff val="0"/>
+                <a:tint val="77000"/>
+                <a:shade val="80000"/>
+                <a:satMod val="230000"/>
+              </a:schemeClr>
+            </a:gs>
+          </a:gsLst>
+          <a:lin ang="5400000" scaled="1"/>
+        </a:gradFill>
+        <a:ln>
+          <a:noFill/>
+        </a:ln>
+        <a:effectLst>
+          <a:outerShdw blurRad="76200" dist="50800" dir="5400000" rotWithShape="0">
+            <a:srgbClr val="4E3B30">
+              <a:alpha val="60000"/>
+            </a:srgbClr>
+          </a:outerShdw>
+        </a:effectLst>
+        <a:scene3d>
+          <a:camera prst="orthographicFront"/>
+          <a:lightRig rig="flat" dir="t"/>
+        </a:scene3d>
+        <a:sp3d z="-80000" prstMaterial="plastic">
+          <a:bevelT w="50800" h="50800"/>
+          <a:bevelB w="25400" h="25400" prst="angle"/>
+        </a:sp3d>
+      </dsp:spPr>
+      <dsp:style>
+        <a:lnRef idx="0">
+          <a:scrgbClr r="0" g="0" b="0"/>
+        </a:lnRef>
+        <a:fillRef idx="3">
+          <a:scrgbClr r="0" g="0" b="0"/>
+        </a:fillRef>
+        <a:effectRef idx="2">
+          <a:scrgbClr r="0" g="0" b="0"/>
+        </a:effectRef>
+        <a:fontRef idx="minor">
+          <a:schemeClr val="lt1"/>
+        </a:fontRef>
+      </dsp:style>
+    </dsp:sp>
+    <dsp:sp modelId="{168FD8A5-9BA3-47FA-8D32-ED60BCA98D24}">
+      <dsp:nvSpPr>
+        <dsp:cNvPr id="0" name=""/>
+        <dsp:cNvSpPr/>
+      </dsp:nvSpPr>
+      <dsp:spPr>
+        <a:xfrm>
+          <a:off x="450782" y="938731"/>
+          <a:ext cx="2109983" cy="657781"/>
+        </a:xfrm>
+        <a:prstGeom prst="roundRect">
+          <a:avLst>
+            <a:gd name="adj" fmla="val 10000"/>
+          </a:avLst>
+        </a:prstGeom>
+        <a:gradFill rotWithShape="1">
+          <a:gsLst>
+            <a:gs pos="0">
+              <a:schemeClr val="accent6">
+                <a:tint val="75000"/>
+                <a:shade val="85000"/>
+                <a:satMod val="230000"/>
+              </a:schemeClr>
+            </a:gs>
+            <a:gs pos="25000">
+              <a:schemeClr val="accent6">
+                <a:tint val="90000"/>
+                <a:shade val="70000"/>
+                <a:satMod val="220000"/>
+              </a:schemeClr>
+            </a:gs>
+            <a:gs pos="50000">
+              <a:schemeClr val="accent6">
+                <a:tint val="90000"/>
+                <a:shade val="58000"/>
+                <a:satMod val="225000"/>
+              </a:schemeClr>
+            </a:gs>
+            <a:gs pos="65000">
+              <a:schemeClr val="accent6">
+                <a:tint val="90000"/>
+                <a:shade val="58000"/>
+                <a:satMod val="225000"/>
+              </a:schemeClr>
+            </a:gs>
+            <a:gs pos="80000">
+              <a:schemeClr val="accent6">
+                <a:tint val="90000"/>
+                <a:shade val="69000"/>
+                <a:satMod val="220000"/>
+              </a:schemeClr>
+            </a:gs>
+            <a:gs pos="100000">
+              <a:schemeClr val="accent6">
+                <a:tint val="77000"/>
+                <a:shade val="80000"/>
+                <a:satMod val="230000"/>
+              </a:schemeClr>
+            </a:gs>
+          </a:gsLst>
+          <a:lin ang="5400000" scaled="1"/>
+        </a:gradFill>
+        <a:ln>
+          <a:noFill/>
+        </a:ln>
+        <a:effectLst>
+          <a:outerShdw blurRad="76200" dist="50800" dir="5400000" rotWithShape="0">
+            <a:srgbClr val="4E3B30">
+              <a:alpha val="60000"/>
+            </a:srgbClr>
+          </a:outerShdw>
+        </a:effectLst>
+        <a:scene3d>
+          <a:camera prst="orthographicFront"/>
+          <a:lightRig rig="flat" dir="t"/>
+        </a:scene3d>
+        <a:sp3d contourW="12700" prstMaterial="matte">
+          <a:bevelT w="60000" h="50800"/>
+          <a:contourClr>
+            <a:schemeClr val="accent6">
+              <a:shade val="60000"/>
+              <a:satMod val="110000"/>
+            </a:schemeClr>
+          </a:contourClr>
+        </a:sp3d>
+      </dsp:spPr>
+      <dsp:style>
+        <a:lnRef idx="0">
+          <a:schemeClr val="accent6"/>
+        </a:lnRef>
+        <a:fillRef idx="3">
+          <a:schemeClr val="accent6"/>
+        </a:fillRef>
+        <a:effectRef idx="3">
+          <a:schemeClr val="accent6"/>
+        </a:effectRef>
+        <a:fontRef idx="minor">
+          <a:schemeClr val="lt1"/>
+        </a:fontRef>
+      </dsp:style>
+      <dsp:txBody>
+        <a:bodyPr spcFirstLastPara="0" vert="horz" wrap="square" lIns="30480" tIns="20320" rIns="30480" bIns="20320" numCol="1" spcCol="1270" anchor="ctr" anchorCtr="0">
+          <a:noAutofit/>
+        </a:bodyPr>
+        <a:lstStyle/>
+        <a:p>
+          <a:pPr lvl="0" algn="ctr" defTabSz="711200">
+            <a:lnSpc>
+              <a:spcPct val="90000"/>
+            </a:lnSpc>
+            <a:spcBef>
+              <a:spcPct val="0"/>
+            </a:spcBef>
+            <a:spcAft>
+              <a:spcPct val="35000"/>
+            </a:spcAft>
+          </a:pPr>
+          <a:r>
+            <a:rPr lang="pt-BR" sz="1600" b="1" kern="1200" dirty="0" smtClean="0">
+              <a:solidFill>
+                <a:srgbClr val="0070C0"/>
+              </a:solidFill>
+            </a:rPr>
+            <a:t>Base de dados </a:t>
+          </a:r>
+          <a:endParaRPr lang="pt-BR" sz="1600" b="1" kern="1200" dirty="0">
+            <a:solidFill>
+              <a:srgbClr val="0070C0"/>
+            </a:solidFill>
+          </a:endParaRPr>
+        </a:p>
+      </dsp:txBody>
+      <dsp:txXfrm>
+        <a:off x="470048" y="957997"/>
+        <a:ext cx="2071451" cy="619249"/>
+      </dsp:txXfrm>
+    </dsp:sp>
+    <dsp:sp modelId="{0C27C69B-3C82-4A7E-9AEC-146B678149A2}">
+      <dsp:nvSpPr>
+        <dsp:cNvPr id="0" name=""/>
+        <dsp:cNvSpPr/>
+      </dsp:nvSpPr>
+      <dsp:spPr>
+        <a:xfrm>
+          <a:off x="3024660" y="1495569"/>
+          <a:ext cx="2373731" cy="1534822"/>
+        </a:xfrm>
+        <a:prstGeom prst="roundRect">
+          <a:avLst>
+            <a:gd name="adj" fmla="val 10000"/>
+          </a:avLst>
+        </a:prstGeom>
+        <a:gradFill rotWithShape="1">
+          <a:gsLst>
+            <a:gs pos="0">
+              <a:schemeClr val="accent3">
+                <a:tint val="75000"/>
+                <a:shade val="85000"/>
+                <a:satMod val="230000"/>
+              </a:schemeClr>
+            </a:gs>
+            <a:gs pos="25000">
+              <a:schemeClr val="accent3">
+                <a:tint val="90000"/>
+                <a:shade val="70000"/>
+                <a:satMod val="220000"/>
+              </a:schemeClr>
+            </a:gs>
+            <a:gs pos="50000">
+              <a:schemeClr val="accent3">
+                <a:tint val="90000"/>
+                <a:shade val="58000"/>
+                <a:satMod val="225000"/>
+              </a:schemeClr>
+            </a:gs>
+            <a:gs pos="65000">
+              <a:schemeClr val="accent3">
+                <a:tint val="90000"/>
+                <a:shade val="58000"/>
+                <a:satMod val="225000"/>
+              </a:schemeClr>
+            </a:gs>
+            <a:gs pos="80000">
+              <a:schemeClr val="accent3">
+                <a:tint val="90000"/>
+                <a:shade val="69000"/>
+                <a:satMod val="220000"/>
+              </a:schemeClr>
+            </a:gs>
+            <a:gs pos="100000">
+              <a:schemeClr val="accent3">
+                <a:tint val="77000"/>
+                <a:shade val="80000"/>
+                <a:satMod val="230000"/>
+              </a:schemeClr>
+            </a:gs>
+          </a:gsLst>
+          <a:lin ang="5400000" scaled="1"/>
+        </a:gradFill>
+        <a:ln w="10000" cap="flat" cmpd="sng" algn="ctr">
+          <a:solidFill>
+            <a:schemeClr val="accent3"/>
+          </a:solidFill>
+          <a:prstDash val="solid"/>
+        </a:ln>
+        <a:effectLst>
+          <a:outerShdw blurRad="76200" dist="50800" dir="5400000" rotWithShape="0">
+            <a:srgbClr val="4E3B30">
+              <a:alpha val="60000"/>
+            </a:srgbClr>
+          </a:outerShdw>
+        </a:effectLst>
+        <a:scene3d>
+          <a:camera prst="orthographicFront"/>
+          <a:lightRig rig="flat" dir="t"/>
+        </a:scene3d>
+        <a:sp3d z="-190500" extrusionH="12700" prstMaterial="metal">
+          <a:bevelT w="10000" h="10000"/>
+        </a:sp3d>
+      </dsp:spPr>
+      <dsp:style>
+        <a:lnRef idx="1">
+          <a:schemeClr val="accent3"/>
+        </a:lnRef>
+        <a:fillRef idx="3">
+          <a:schemeClr val="accent3"/>
+        </a:fillRef>
+        <a:effectRef idx="2">
+          <a:schemeClr val="accent3"/>
+        </a:effectRef>
+        <a:fontRef idx="minor">
+          <a:schemeClr val="lt1"/>
+        </a:fontRef>
+      </dsp:style>
+      <dsp:txBody>
+        <a:bodyPr spcFirstLastPara="0" vert="horz" wrap="square" lIns="123825" tIns="123825" rIns="123825" bIns="123825" numCol="1" spcCol="1270" anchor="t" anchorCtr="0">
+          <a:noAutofit/>
+        </a:bodyPr>
+        <a:lstStyle/>
+        <a:p>
+          <a:pPr marL="171450" lvl="1" indent="-171450" algn="l" defTabSz="711200">
+            <a:lnSpc>
+              <a:spcPct val="90000"/>
+            </a:lnSpc>
+            <a:spcBef>
+              <a:spcPct val="0"/>
+            </a:spcBef>
+            <a:spcAft>
+              <a:spcPct val="15000"/>
+            </a:spcAft>
+            <a:buChar char="••"/>
+          </a:pPr>
+          <a:r>
+            <a:rPr lang="pt-BR" sz="1600" b="1" kern="1200" dirty="0" smtClean="0">
+              <a:solidFill>
+                <a:schemeClr val="bg1">
+                  <a:lumMod val="85000"/>
+                </a:schemeClr>
+              </a:solidFill>
+            </a:rPr>
+            <a:t>Processa de solicitações de usuário</a:t>
+          </a:r>
+          <a:endParaRPr lang="pt-BR" sz="1600" b="1" kern="1200" dirty="0">
+            <a:solidFill>
+              <a:schemeClr val="bg1">
+                <a:lumMod val="85000"/>
+              </a:schemeClr>
+            </a:solidFill>
+          </a:endParaRPr>
+        </a:p>
+      </dsp:txBody>
+      <dsp:txXfrm>
+        <a:off x="3059981" y="1859781"/>
+        <a:ext cx="2303089" cy="1135290"/>
+      </dsp:txXfrm>
+    </dsp:sp>
+    <dsp:sp modelId="{E5E8036A-476D-4F9C-9D7B-4ED08A33C842}">
+      <dsp:nvSpPr>
+        <dsp:cNvPr id="0" name=""/>
+        <dsp:cNvSpPr/>
+      </dsp:nvSpPr>
+      <dsp:spPr>
+        <a:xfrm flipV="1">
+          <a:off x="2841986" y="2561983"/>
+          <a:ext cx="40045" cy="553960"/>
+        </a:xfrm>
+        <a:prstGeom prst="leftCircularArrow">
+          <a:avLst>
+            <a:gd name="adj1" fmla="val 2688"/>
+            <a:gd name="adj2" fmla="val 327245"/>
+            <a:gd name="adj3" fmla="val 19397459"/>
+            <a:gd name="adj4" fmla="val 12475726"/>
+            <a:gd name="adj5" fmla="val 3136"/>
+          </a:avLst>
+        </a:prstGeom>
+        <a:gradFill rotWithShape="0">
+          <a:gsLst>
+            <a:gs pos="0">
+              <a:schemeClr val="accent2">
+                <a:tint val="60000"/>
+                <a:hueOff val="0"/>
+                <a:satOff val="0"/>
+                <a:lumOff val="0"/>
+                <a:alphaOff val="0"/>
+                <a:tint val="75000"/>
+                <a:shade val="85000"/>
+                <a:satMod val="230000"/>
+              </a:schemeClr>
+            </a:gs>
+            <a:gs pos="25000">
+              <a:schemeClr val="accent2">
+                <a:tint val="60000"/>
+                <a:hueOff val="0"/>
+                <a:satOff val="0"/>
+                <a:lumOff val="0"/>
+                <a:alphaOff val="0"/>
+                <a:tint val="90000"/>
+                <a:shade val="70000"/>
+                <a:satMod val="220000"/>
+              </a:schemeClr>
+            </a:gs>
+            <a:gs pos="50000">
+              <a:schemeClr val="accent2">
+                <a:tint val="60000"/>
+                <a:hueOff val="0"/>
+                <a:satOff val="0"/>
+                <a:lumOff val="0"/>
+                <a:alphaOff val="0"/>
+                <a:tint val="90000"/>
+                <a:shade val="58000"/>
+                <a:satMod val="225000"/>
+              </a:schemeClr>
+            </a:gs>
+            <a:gs pos="65000">
+              <a:schemeClr val="accent2">
+                <a:tint val="60000"/>
+                <a:hueOff val="0"/>
+                <a:satOff val="0"/>
+                <a:lumOff val="0"/>
+                <a:alphaOff val="0"/>
+                <a:tint val="90000"/>
+                <a:shade val="58000"/>
+                <a:satMod val="225000"/>
+              </a:schemeClr>
+            </a:gs>
+            <a:gs pos="80000">
+              <a:schemeClr val="accent2">
+                <a:tint val="60000"/>
+                <a:hueOff val="0"/>
+                <a:satOff val="0"/>
+                <a:lumOff val="0"/>
+                <a:alphaOff val="0"/>
+                <a:tint val="90000"/>
+                <a:shade val="69000"/>
+                <a:satMod val="220000"/>
+              </a:schemeClr>
+            </a:gs>
+            <a:gs pos="100000">
+              <a:schemeClr val="accent2">
+                <a:tint val="60000"/>
+                <a:hueOff val="0"/>
+                <a:satOff val="0"/>
+                <a:lumOff val="0"/>
+                <a:alphaOff val="0"/>
+                <a:tint val="77000"/>
+                <a:shade val="80000"/>
+                <a:satMod val="230000"/>
+              </a:schemeClr>
+            </a:gs>
+          </a:gsLst>
+          <a:lin ang="5400000" scaled="1"/>
+        </a:gradFill>
+        <a:ln>
+          <a:noFill/>
+        </a:ln>
+        <a:effectLst>
+          <a:outerShdw blurRad="76200" dist="50800" dir="5400000" rotWithShape="0">
+            <a:srgbClr val="4E3B30">
+              <a:alpha val="60000"/>
+            </a:srgbClr>
+          </a:outerShdw>
+        </a:effectLst>
+        <a:scene3d>
+          <a:camera prst="orthographicFront"/>
+          <a:lightRig rig="flat" dir="t"/>
+        </a:scene3d>
+        <a:sp3d z="-80000" prstMaterial="plastic">
+          <a:bevelT w="50800" h="50800"/>
+          <a:bevelB w="25400" h="25400" prst="angle"/>
+        </a:sp3d>
+      </dsp:spPr>
+      <dsp:style>
+        <a:lnRef idx="0">
+          <a:scrgbClr r="0" g="0" b="0"/>
+        </a:lnRef>
+        <a:fillRef idx="3">
+          <a:scrgbClr r="0" g="0" b="0"/>
+        </a:fillRef>
+        <a:effectRef idx="2">
+          <a:scrgbClr r="0" g="0" b="0"/>
+        </a:effectRef>
+        <a:fontRef idx="minor">
+          <a:schemeClr val="lt1"/>
+        </a:fontRef>
+      </dsp:style>
+    </dsp:sp>
+    <dsp:sp modelId="{85BA2879-403E-43AC-A59E-A90A5FACC251}">
+      <dsp:nvSpPr>
+        <dsp:cNvPr id="0" name=""/>
+        <dsp:cNvSpPr/>
+      </dsp:nvSpPr>
+      <dsp:spPr>
+        <a:xfrm>
+          <a:off x="3475120" y="938736"/>
+          <a:ext cx="2109983" cy="657781"/>
+        </a:xfrm>
+        <a:prstGeom prst="roundRect">
+          <a:avLst>
+            <a:gd name="adj" fmla="val 10000"/>
+          </a:avLst>
+        </a:prstGeom>
+        <a:gradFill rotWithShape="1">
+          <a:gsLst>
+            <a:gs pos="0">
+              <a:schemeClr val="accent6">
+                <a:tint val="75000"/>
+                <a:shade val="85000"/>
+                <a:satMod val="230000"/>
+              </a:schemeClr>
+            </a:gs>
+            <a:gs pos="25000">
+              <a:schemeClr val="accent6">
+                <a:tint val="90000"/>
+                <a:shade val="70000"/>
+                <a:satMod val="220000"/>
+              </a:schemeClr>
+            </a:gs>
+            <a:gs pos="50000">
+              <a:schemeClr val="accent6">
+                <a:tint val="90000"/>
+                <a:shade val="58000"/>
+                <a:satMod val="225000"/>
+              </a:schemeClr>
+            </a:gs>
+            <a:gs pos="65000">
+              <a:schemeClr val="accent6">
+                <a:tint val="90000"/>
+                <a:shade val="58000"/>
+                <a:satMod val="225000"/>
+              </a:schemeClr>
+            </a:gs>
+            <a:gs pos="80000">
+              <a:schemeClr val="accent6">
+                <a:tint val="90000"/>
+                <a:shade val="69000"/>
+                <a:satMod val="220000"/>
+              </a:schemeClr>
+            </a:gs>
+            <a:gs pos="100000">
+              <a:schemeClr val="accent6">
+                <a:tint val="77000"/>
+                <a:shade val="80000"/>
+                <a:satMod val="230000"/>
+              </a:schemeClr>
+            </a:gs>
+          </a:gsLst>
+          <a:lin ang="5400000" scaled="1"/>
+        </a:gradFill>
+        <a:ln>
+          <a:noFill/>
+        </a:ln>
+        <a:effectLst>
+          <a:outerShdw blurRad="76200" dist="50800" dir="5400000" rotWithShape="0">
+            <a:srgbClr val="4E3B30">
+              <a:alpha val="60000"/>
+            </a:srgbClr>
+          </a:outerShdw>
+        </a:effectLst>
+        <a:scene3d>
+          <a:camera prst="orthographicFront"/>
+          <a:lightRig rig="flat" dir="t"/>
+        </a:scene3d>
+        <a:sp3d contourW="12700" prstMaterial="matte">
+          <a:bevelT w="60000" h="50800"/>
+          <a:contourClr>
+            <a:schemeClr val="accent6">
+              <a:shade val="60000"/>
+              <a:satMod val="110000"/>
+            </a:schemeClr>
+          </a:contourClr>
+        </a:sp3d>
+      </dsp:spPr>
+      <dsp:style>
+        <a:lnRef idx="0">
+          <a:schemeClr val="accent6"/>
+        </a:lnRef>
+        <a:fillRef idx="3">
+          <a:schemeClr val="accent6"/>
+        </a:fillRef>
+        <a:effectRef idx="3">
+          <a:schemeClr val="accent6"/>
+        </a:effectRef>
+        <a:fontRef idx="minor">
+          <a:schemeClr val="lt1"/>
+        </a:fontRef>
+      </dsp:style>
+      <dsp:txBody>
+        <a:bodyPr spcFirstLastPara="0" vert="horz" wrap="square" lIns="30480" tIns="20320" rIns="30480" bIns="20320" numCol="1" spcCol="1270" anchor="ctr" anchorCtr="0">
+          <a:noAutofit/>
+        </a:bodyPr>
+        <a:lstStyle/>
+        <a:p>
+          <a:pPr lvl="0" algn="ctr" defTabSz="711200">
+            <a:lnSpc>
+              <a:spcPct val="90000"/>
+            </a:lnSpc>
+            <a:spcBef>
+              <a:spcPct val="0"/>
+            </a:spcBef>
+            <a:spcAft>
+              <a:spcPct val="35000"/>
+            </a:spcAft>
+          </a:pPr>
+          <a:r>
+            <a:rPr lang="pt-BR" sz="1600" b="1" kern="1200" dirty="0" smtClean="0">
+              <a:solidFill>
+                <a:srgbClr val="0070C0"/>
+              </a:solidFill>
+            </a:rPr>
+            <a:t>Aplicação</a:t>
+          </a:r>
+          <a:endParaRPr lang="pt-BR" sz="1600" b="1" kern="1200" dirty="0">
+            <a:solidFill>
+              <a:srgbClr val="0070C0"/>
+            </a:solidFill>
+          </a:endParaRPr>
+        </a:p>
+      </dsp:txBody>
+      <dsp:txXfrm>
+        <a:off x="3494386" y="958002"/>
+        <a:ext cx="2071451" cy="619249"/>
+      </dsp:txXfrm>
+    </dsp:sp>
+    <dsp:sp modelId="{AE566E9F-D101-4F88-9692-208EF2AE8557}">
+      <dsp:nvSpPr>
+        <dsp:cNvPr id="0" name=""/>
+        <dsp:cNvSpPr/>
+      </dsp:nvSpPr>
+      <dsp:spPr>
+        <a:xfrm>
+          <a:off x="6045580" y="1495569"/>
+          <a:ext cx="2373731" cy="1534822"/>
+        </a:xfrm>
+        <a:prstGeom prst="roundRect">
+          <a:avLst>
+            <a:gd name="adj" fmla="val 10000"/>
+          </a:avLst>
+        </a:prstGeom>
+        <a:gradFill rotWithShape="1">
+          <a:gsLst>
+            <a:gs pos="0">
+              <a:schemeClr val="accent3">
+                <a:tint val="75000"/>
+                <a:shade val="85000"/>
+                <a:satMod val="230000"/>
+              </a:schemeClr>
+            </a:gs>
+            <a:gs pos="25000">
+              <a:schemeClr val="accent3">
+                <a:tint val="90000"/>
+                <a:shade val="70000"/>
+                <a:satMod val="220000"/>
+              </a:schemeClr>
+            </a:gs>
+            <a:gs pos="50000">
+              <a:schemeClr val="accent3">
+                <a:tint val="90000"/>
+                <a:shade val="58000"/>
+                <a:satMod val="225000"/>
+              </a:schemeClr>
+            </a:gs>
+            <a:gs pos="65000">
+              <a:schemeClr val="accent3">
+                <a:tint val="90000"/>
+                <a:shade val="58000"/>
+                <a:satMod val="225000"/>
+              </a:schemeClr>
+            </a:gs>
+            <a:gs pos="80000">
+              <a:schemeClr val="accent3">
+                <a:tint val="90000"/>
+                <a:shade val="69000"/>
+                <a:satMod val="220000"/>
+              </a:schemeClr>
+            </a:gs>
+            <a:gs pos="100000">
+              <a:schemeClr val="accent3">
+                <a:tint val="77000"/>
+                <a:shade val="80000"/>
+                <a:satMod val="230000"/>
+              </a:schemeClr>
+            </a:gs>
+          </a:gsLst>
+          <a:lin ang="5400000" scaled="1"/>
+        </a:gradFill>
+        <a:ln w="10000" cap="flat" cmpd="sng" algn="ctr">
+          <a:solidFill>
+            <a:schemeClr val="accent3"/>
+          </a:solidFill>
+          <a:prstDash val="solid"/>
+        </a:ln>
+        <a:effectLst>
+          <a:outerShdw blurRad="76200" dist="50800" dir="5400000" rotWithShape="0">
+            <a:srgbClr val="4E3B30">
+              <a:alpha val="60000"/>
+            </a:srgbClr>
+          </a:outerShdw>
+        </a:effectLst>
+        <a:scene3d>
+          <a:camera prst="orthographicFront"/>
+          <a:lightRig rig="flat" dir="t"/>
+        </a:scene3d>
+        <a:sp3d z="-190500" extrusionH="12700" prstMaterial="metal">
+          <a:bevelT w="10000" h="10000"/>
+        </a:sp3d>
+      </dsp:spPr>
+      <dsp:style>
+        <a:lnRef idx="1">
+          <a:schemeClr val="accent3"/>
+        </a:lnRef>
+        <a:fillRef idx="3">
+          <a:schemeClr val="accent3"/>
+        </a:fillRef>
+        <a:effectRef idx="2">
+          <a:schemeClr val="accent3"/>
+        </a:effectRef>
+        <a:fontRef idx="minor">
+          <a:schemeClr val="lt1"/>
+        </a:fontRef>
+      </dsp:style>
+      <dsp:txBody>
+        <a:bodyPr spcFirstLastPara="0" vert="horz" wrap="square" lIns="123825" tIns="123825" rIns="123825" bIns="123825" numCol="1" spcCol="1270" anchor="t" anchorCtr="0">
+          <a:noAutofit/>
+        </a:bodyPr>
+        <a:lstStyle/>
+        <a:p>
+          <a:pPr marL="171450" lvl="1" indent="-171450" algn="l" defTabSz="711200">
+            <a:lnSpc>
+              <a:spcPct val="90000"/>
+            </a:lnSpc>
+            <a:spcBef>
+              <a:spcPct val="0"/>
+            </a:spcBef>
+            <a:spcAft>
+              <a:spcPct val="15000"/>
+            </a:spcAft>
+            <a:buChar char="••"/>
+          </a:pPr>
+          <a:endParaRPr lang="pt-BR" sz="1600" b="1" kern="1200" dirty="0">
+            <a:solidFill>
+              <a:schemeClr val="bg1">
+                <a:lumMod val="85000"/>
+              </a:schemeClr>
+            </a:solidFill>
+          </a:endParaRPr>
+        </a:p>
+        <a:p>
+          <a:pPr marL="171450" lvl="1" indent="-171450" algn="l" defTabSz="711200">
+            <a:lnSpc>
+              <a:spcPct val="90000"/>
+            </a:lnSpc>
+            <a:spcBef>
+              <a:spcPct val="0"/>
+            </a:spcBef>
+            <a:spcAft>
+              <a:spcPct val="15000"/>
+            </a:spcAft>
+            <a:buChar char="••"/>
+          </a:pPr>
+          <a:r>
+            <a:rPr lang="pt-BR" sz="1600" b="1" kern="1200" dirty="0" smtClean="0">
+              <a:solidFill>
+                <a:schemeClr val="bg1">
+                  <a:lumMod val="85000"/>
+                </a:schemeClr>
+              </a:solidFill>
+            </a:rPr>
+            <a:t>Dispositivo de conexão com sistema</a:t>
+          </a:r>
+          <a:endParaRPr lang="pt-BR" sz="1600" b="1" kern="1200" dirty="0">
+            <a:solidFill>
+              <a:schemeClr val="bg1">
+                <a:lumMod val="85000"/>
+              </a:schemeClr>
+            </a:solidFill>
+          </a:endParaRPr>
+        </a:p>
+      </dsp:txBody>
+      <dsp:txXfrm>
+        <a:off x="6080901" y="1530890"/>
+        <a:ext cx="2303089" cy="1135290"/>
+      </dsp:txXfrm>
+    </dsp:sp>
+    <dsp:sp modelId="{301F9B7A-61FD-4D71-8D0E-DCB457B0DAC9}">
+      <dsp:nvSpPr>
+        <dsp:cNvPr id="0" name=""/>
+        <dsp:cNvSpPr/>
+      </dsp:nvSpPr>
+      <dsp:spPr>
+        <a:xfrm>
+          <a:off x="6499438" y="938731"/>
+          <a:ext cx="2109983" cy="657781"/>
+        </a:xfrm>
+        <a:prstGeom prst="roundRect">
+          <a:avLst>
+            <a:gd name="adj" fmla="val 10000"/>
+          </a:avLst>
+        </a:prstGeom>
+        <a:gradFill rotWithShape="1">
+          <a:gsLst>
+            <a:gs pos="0">
+              <a:schemeClr val="accent6">
+                <a:tint val="75000"/>
+                <a:shade val="85000"/>
+                <a:satMod val="230000"/>
+              </a:schemeClr>
+            </a:gs>
+            <a:gs pos="25000">
+              <a:schemeClr val="accent6">
+                <a:tint val="90000"/>
+                <a:shade val="70000"/>
+                <a:satMod val="220000"/>
+              </a:schemeClr>
+            </a:gs>
+            <a:gs pos="50000">
+              <a:schemeClr val="accent6">
+                <a:tint val="90000"/>
+                <a:shade val="58000"/>
+                <a:satMod val="225000"/>
+              </a:schemeClr>
+            </a:gs>
+            <a:gs pos="65000">
+              <a:schemeClr val="accent6">
+                <a:tint val="90000"/>
+                <a:shade val="58000"/>
+                <a:satMod val="225000"/>
+              </a:schemeClr>
+            </a:gs>
+            <a:gs pos="80000">
+              <a:schemeClr val="accent6">
+                <a:tint val="90000"/>
+                <a:shade val="69000"/>
+                <a:satMod val="220000"/>
+              </a:schemeClr>
+            </a:gs>
+            <a:gs pos="100000">
+              <a:schemeClr val="accent6">
+                <a:tint val="77000"/>
+                <a:shade val="80000"/>
+                <a:satMod val="230000"/>
+              </a:schemeClr>
+            </a:gs>
+          </a:gsLst>
+          <a:lin ang="5400000" scaled="1"/>
+        </a:gradFill>
+        <a:ln>
+          <a:noFill/>
+        </a:ln>
+        <a:effectLst>
+          <a:outerShdw blurRad="76200" dist="50800" dir="5400000" rotWithShape="0">
+            <a:srgbClr val="4E3B30">
+              <a:alpha val="60000"/>
+            </a:srgbClr>
+          </a:outerShdw>
+        </a:effectLst>
+        <a:scene3d>
+          <a:camera prst="orthographicFront"/>
+          <a:lightRig rig="flat" dir="t"/>
+        </a:scene3d>
+        <a:sp3d contourW="12700" prstMaterial="matte">
+          <a:bevelT w="60000" h="50800"/>
+          <a:contourClr>
+            <a:schemeClr val="accent6">
+              <a:shade val="60000"/>
+              <a:satMod val="110000"/>
+            </a:schemeClr>
+          </a:contourClr>
+        </a:sp3d>
+      </dsp:spPr>
+      <dsp:style>
+        <a:lnRef idx="0">
+          <a:schemeClr val="accent6"/>
+        </a:lnRef>
+        <a:fillRef idx="3">
+          <a:schemeClr val="accent6"/>
+        </a:fillRef>
+        <a:effectRef idx="3">
+          <a:schemeClr val="accent6"/>
+        </a:effectRef>
+        <a:fontRef idx="minor">
+          <a:schemeClr val="lt1"/>
+        </a:fontRef>
+      </dsp:style>
+      <dsp:txBody>
+        <a:bodyPr spcFirstLastPara="0" vert="horz" wrap="square" lIns="30480" tIns="20320" rIns="30480" bIns="20320" numCol="1" spcCol="1270" anchor="ctr" anchorCtr="0">
+          <a:noAutofit/>
+        </a:bodyPr>
+        <a:lstStyle/>
+        <a:p>
+          <a:pPr lvl="0" algn="ctr" defTabSz="711200">
+            <a:lnSpc>
+              <a:spcPct val="90000"/>
+            </a:lnSpc>
+            <a:spcBef>
+              <a:spcPct val="0"/>
+            </a:spcBef>
+            <a:spcAft>
+              <a:spcPct val="35000"/>
+            </a:spcAft>
+          </a:pPr>
+          <a:r>
+            <a:rPr lang="pt-BR" sz="1600" b="1" kern="1200" dirty="0" smtClean="0">
+              <a:solidFill>
+                <a:srgbClr val="0070C0"/>
+              </a:solidFill>
+            </a:rPr>
+            <a:t>Usuário</a:t>
+          </a:r>
+          <a:endParaRPr lang="pt-BR" sz="1600" b="1" kern="1200" dirty="0">
+            <a:solidFill>
+              <a:srgbClr val="0070C0"/>
+            </a:solidFill>
+          </a:endParaRPr>
+        </a:p>
+      </dsp:txBody>
+      <dsp:txXfrm>
+        <a:off x="6518704" y="957997"/>
+        <a:ext cx="2071451" cy="619249"/>
+      </dsp:txXfrm>
+    </dsp:sp>
+  </dsp:spTree>
+</dsp:drawing>
+</file>
+
+<file path=ppt/diagrams/drawing4.xml><?xml version="1.0" encoding="utf-8"?>
+<dsp:drawing xmlns:dgm="http://schemas.openxmlformats.org/drawingml/2006/diagram" xmlns:dsp="http://schemas.microsoft.com/office/drawing/2008/diagram" xmlns:a="http://schemas.openxmlformats.org/drawingml/2006/main">
+  <dsp:spTree>
+    <dsp:nvGrpSpPr>
+      <dsp:cNvPr id="0" name=""/>
+      <dsp:cNvGrpSpPr/>
+    </dsp:nvGrpSpPr>
+    <dsp:grpSpPr/>
+    <dsp:sp modelId="{DADC7395-583C-4FD5-8691-3342B823E6CA}">
+      <dsp:nvSpPr>
+        <dsp:cNvPr id="0" name=""/>
+        <dsp:cNvSpPr/>
+      </dsp:nvSpPr>
+      <dsp:spPr>
+        <a:xfrm>
+          <a:off x="4320" y="26889"/>
+          <a:ext cx="1964455" cy="2764800"/>
+        </a:xfrm>
+        <a:prstGeom prst="roundRect">
+          <a:avLst>
+            <a:gd name="adj" fmla="val 10000"/>
+          </a:avLst>
+        </a:prstGeom>
+        <a:gradFill rotWithShape="1">
+          <a:gsLst>
+            <a:gs pos="0">
+              <a:schemeClr val="accent6">
+                <a:tint val="75000"/>
+                <a:shade val="85000"/>
+                <a:satMod val="230000"/>
+              </a:schemeClr>
+            </a:gs>
+            <a:gs pos="25000">
+              <a:schemeClr val="accent6">
+                <a:tint val="90000"/>
+                <a:shade val="70000"/>
+                <a:satMod val="220000"/>
+              </a:schemeClr>
+            </a:gs>
+            <a:gs pos="50000">
+              <a:schemeClr val="accent6">
+                <a:tint val="90000"/>
+                <a:shade val="58000"/>
+                <a:satMod val="225000"/>
+              </a:schemeClr>
+            </a:gs>
+            <a:gs pos="65000">
+              <a:schemeClr val="accent6">
+                <a:tint val="90000"/>
+                <a:shade val="58000"/>
+                <a:satMod val="225000"/>
+              </a:schemeClr>
+            </a:gs>
+            <a:gs pos="80000">
+              <a:schemeClr val="accent6">
+                <a:tint val="90000"/>
+                <a:shade val="69000"/>
+                <a:satMod val="220000"/>
+              </a:schemeClr>
+            </a:gs>
+            <a:gs pos="100000">
+              <a:schemeClr val="accent6">
+                <a:tint val="77000"/>
+                <a:shade val="80000"/>
+                <a:satMod val="230000"/>
+              </a:schemeClr>
+            </a:gs>
+          </a:gsLst>
+          <a:lin ang="5400000" scaled="1"/>
+        </a:gradFill>
+        <a:ln>
+          <a:noFill/>
+        </a:ln>
+        <a:effectLst>
+          <a:outerShdw blurRad="76200" dist="50800" dir="5400000" rotWithShape="0">
+            <a:srgbClr val="4E3B30">
+              <a:alpha val="60000"/>
+            </a:srgbClr>
+          </a:outerShdw>
+        </a:effectLst>
+        <a:scene3d>
+          <a:camera prst="obliqueTopLeft" fov="600000">
+            <a:rot lat="0" lon="0" rev="0"/>
+          </a:camera>
+          <a:lightRig rig="balanced" dir="t">
+            <a:rot lat="0" lon="0" rev="19200000"/>
+          </a:lightRig>
+        </a:scene3d>
+        <a:sp3d contourW="12700" prstMaterial="matte">
+          <a:bevelT w="60000" h="50800"/>
+          <a:contourClr>
+            <a:schemeClr val="accent6">
+              <a:shade val="60000"/>
+              <a:satMod val="110000"/>
+            </a:schemeClr>
+          </a:contourClr>
+        </a:sp3d>
+      </dsp:spPr>
+      <dsp:style>
+        <a:lnRef idx="0">
+          <a:schemeClr val="accent6"/>
+        </a:lnRef>
+        <a:fillRef idx="3">
+          <a:schemeClr val="accent6"/>
+        </a:fillRef>
+        <a:effectRef idx="3">
+          <a:schemeClr val="accent6"/>
+        </a:effectRef>
+        <a:fontRef idx="minor">
+          <a:schemeClr val="lt1"/>
+        </a:fontRef>
+      </dsp:style>
+      <dsp:txBody>
+        <a:bodyPr spcFirstLastPara="0" vert="horz" wrap="square" lIns="113792" tIns="113792" rIns="113792" bIns="60960" numCol="1" spcCol="1270" anchor="t" anchorCtr="0">
+          <a:noAutofit/>
+        </a:bodyPr>
+        <a:lstStyle/>
+        <a:p>
+          <a:pPr lvl="0" algn="l" defTabSz="711200">
+            <a:lnSpc>
+              <a:spcPct val="90000"/>
+            </a:lnSpc>
+            <a:spcBef>
+              <a:spcPct val="0"/>
+            </a:spcBef>
+            <a:spcAft>
+              <a:spcPct val="35000"/>
+            </a:spcAft>
+          </a:pPr>
+          <a:r>
+            <a:rPr lang="pt-BR" sz="1600" b="1" kern="1200" dirty="0" smtClean="0"/>
+            <a:t>Sem software local </a:t>
+          </a:r>
+          <a:endParaRPr lang="pt-BR" sz="1600" b="1" kern="1200" dirty="0"/>
+        </a:p>
+      </dsp:txBody>
+      <dsp:txXfrm>
+        <a:off x="4320" y="26889"/>
+        <a:ext cx="1964455" cy="785782"/>
+      </dsp:txXfrm>
+    </dsp:sp>
+    <dsp:sp modelId="{A64C8272-FC1A-4572-A0B1-A3C36EACD2B6}">
+      <dsp:nvSpPr>
+        <dsp:cNvPr id="0" name=""/>
+        <dsp:cNvSpPr/>
+      </dsp:nvSpPr>
+      <dsp:spPr>
+        <a:xfrm>
+          <a:off x="406678" y="812672"/>
+          <a:ext cx="1964455" cy="3686400"/>
+        </a:xfrm>
+        <a:prstGeom prst="roundRect">
+          <a:avLst>
+            <a:gd name="adj" fmla="val 10000"/>
+          </a:avLst>
+        </a:prstGeom>
+        <a:solidFill>
+          <a:schemeClr val="lt1"/>
+        </a:solidFill>
+        <a:ln w="25400" cap="flat" cmpd="sng" algn="ctr">
+          <a:solidFill>
+            <a:schemeClr val="accent1"/>
+          </a:solidFill>
+          <a:prstDash val="solid"/>
+        </a:ln>
+        <a:effectLst/>
+      </dsp:spPr>
+      <dsp:style>
+        <a:lnRef idx="2">
+          <a:schemeClr val="accent1"/>
+        </a:lnRef>
+        <a:fillRef idx="1">
+          <a:schemeClr val="lt1"/>
+        </a:fillRef>
+        <a:effectRef idx="0">
+          <a:schemeClr val="accent1"/>
+        </a:effectRef>
+        <a:fontRef idx="minor">
+          <a:schemeClr val="dk1"/>
+        </a:fontRef>
+      </dsp:style>
+      <dsp:txBody>
+        <a:bodyPr spcFirstLastPara="0" vert="horz" wrap="square" lIns="113792" tIns="113792" rIns="113792" bIns="113792" numCol="1" spcCol="1270" anchor="t" anchorCtr="0">
+          <a:noAutofit/>
+        </a:bodyPr>
+        <a:lstStyle/>
+        <a:p>
+          <a:pPr marL="171450" lvl="1" indent="-171450" algn="l" defTabSz="711200">
+            <a:lnSpc>
+              <a:spcPct val="90000"/>
+            </a:lnSpc>
+            <a:spcBef>
+              <a:spcPct val="0"/>
+            </a:spcBef>
+            <a:spcAft>
+              <a:spcPct val="15000"/>
+            </a:spcAft>
+            <a:buChar char="••"/>
+          </a:pPr>
+          <a:r>
+            <a:rPr lang="pt-BR" sz="1600" kern="1200" dirty="0" smtClean="0"/>
+            <a:t>?</a:t>
+          </a:r>
+          <a:endParaRPr lang="pt-BR" sz="1600" kern="1200" dirty="0"/>
+        </a:p>
+      </dsp:txBody>
+      <dsp:txXfrm>
+        <a:off x="464215" y="870209"/>
+        <a:ext cx="1849381" cy="3571326"/>
+      </dsp:txXfrm>
+    </dsp:sp>
+    <dsp:sp modelId="{330F8E89-32DF-4BC4-AED2-91D2D7CB94C5}">
+      <dsp:nvSpPr>
+        <dsp:cNvPr id="0" name=""/>
+        <dsp:cNvSpPr/>
+      </dsp:nvSpPr>
+      <dsp:spPr>
+        <a:xfrm>
+          <a:off x="2266580" y="175234"/>
+          <a:ext cx="631345" cy="489092"/>
+        </a:xfrm>
+        <a:prstGeom prst="rightArrow">
+          <a:avLst>
+            <a:gd name="adj1" fmla="val 60000"/>
+            <a:gd name="adj2" fmla="val 50000"/>
+          </a:avLst>
+        </a:prstGeom>
+        <a:gradFill rotWithShape="1">
+          <a:gsLst>
+            <a:gs pos="0">
+              <a:schemeClr val="accent6">
+                <a:tint val="75000"/>
+                <a:shade val="85000"/>
+                <a:satMod val="230000"/>
+              </a:schemeClr>
+            </a:gs>
+            <a:gs pos="25000">
+              <a:schemeClr val="accent6">
+                <a:tint val="90000"/>
+                <a:shade val="70000"/>
+                <a:satMod val="220000"/>
+              </a:schemeClr>
+            </a:gs>
+            <a:gs pos="50000">
+              <a:schemeClr val="accent6">
+                <a:tint val="90000"/>
+                <a:shade val="58000"/>
+                <a:satMod val="225000"/>
+              </a:schemeClr>
+            </a:gs>
+            <a:gs pos="65000">
+              <a:schemeClr val="accent6">
+                <a:tint val="90000"/>
+                <a:shade val="58000"/>
+                <a:satMod val="225000"/>
+              </a:schemeClr>
+            </a:gs>
+            <a:gs pos="80000">
+              <a:schemeClr val="accent6">
+                <a:tint val="90000"/>
+                <a:shade val="69000"/>
+                <a:satMod val="220000"/>
+              </a:schemeClr>
+            </a:gs>
+            <a:gs pos="100000">
+              <a:schemeClr val="accent6">
+                <a:tint val="77000"/>
+                <a:shade val="80000"/>
+                <a:satMod val="230000"/>
+              </a:schemeClr>
+            </a:gs>
+          </a:gsLst>
+          <a:lin ang="5400000" scaled="1"/>
+        </a:gradFill>
+        <a:ln>
+          <a:noFill/>
+        </a:ln>
+        <a:effectLst>
+          <a:outerShdw blurRad="76200" dist="50800" dir="5400000" rotWithShape="0">
+            <a:srgbClr val="4E3B30">
+              <a:alpha val="60000"/>
+            </a:srgbClr>
+          </a:outerShdw>
+        </a:effectLst>
+        <a:scene3d>
+          <a:camera prst="obliqueTopLeft" fov="600000">
+            <a:rot lat="0" lon="0" rev="0"/>
+          </a:camera>
+          <a:lightRig rig="balanced" dir="t">
+            <a:rot lat="0" lon="0" rev="19200000"/>
+          </a:lightRig>
+        </a:scene3d>
+        <a:sp3d contourW="12700" prstMaterial="matte">
+          <a:bevelT w="60000" h="50800"/>
+          <a:contourClr>
+            <a:schemeClr val="accent6">
+              <a:shade val="60000"/>
+              <a:satMod val="110000"/>
+            </a:schemeClr>
+          </a:contourClr>
+        </a:sp3d>
+      </dsp:spPr>
+      <dsp:style>
+        <a:lnRef idx="0">
+          <a:schemeClr val="accent6"/>
+        </a:lnRef>
+        <a:fillRef idx="3">
+          <a:schemeClr val="accent6"/>
+        </a:fillRef>
+        <a:effectRef idx="3">
+          <a:schemeClr val="accent6"/>
+        </a:effectRef>
+        <a:fontRef idx="minor">
+          <a:schemeClr val="lt1"/>
+        </a:fontRef>
+      </dsp:style>
+      <dsp:txBody>
+        <a:bodyPr spcFirstLastPara="0" vert="horz" wrap="square" lIns="0" tIns="0" rIns="0" bIns="0" numCol="1" spcCol="1270" anchor="ctr" anchorCtr="0">
+          <a:noAutofit/>
+        </a:bodyPr>
+        <a:lstStyle/>
+        <a:p>
+          <a:pPr lvl="0" algn="ctr" defTabSz="977900">
+            <a:lnSpc>
+              <a:spcPct val="90000"/>
+            </a:lnSpc>
+            <a:spcBef>
+              <a:spcPct val="0"/>
+            </a:spcBef>
+            <a:spcAft>
+              <a:spcPct val="35000"/>
+            </a:spcAft>
+          </a:pPr>
+          <a:endParaRPr lang="pt-BR" sz="2200" kern="1200"/>
+        </a:p>
+      </dsp:txBody>
+      <dsp:txXfrm>
+        <a:off x="2266580" y="273052"/>
+        <a:ext cx="484617" cy="293456"/>
+      </dsp:txXfrm>
+    </dsp:sp>
+    <dsp:sp modelId="{D6C82472-F7A1-44F8-BE16-C0E2E40E0D6B}">
+      <dsp:nvSpPr>
+        <dsp:cNvPr id="0" name=""/>
+        <dsp:cNvSpPr/>
+      </dsp:nvSpPr>
+      <dsp:spPr>
+        <a:xfrm>
+          <a:off x="3159993" y="26889"/>
+          <a:ext cx="1964455" cy="2764800"/>
+        </a:xfrm>
+        <a:prstGeom prst="roundRect">
+          <a:avLst>
+            <a:gd name="adj" fmla="val 10000"/>
+          </a:avLst>
+        </a:prstGeom>
+        <a:gradFill rotWithShape="1">
+          <a:gsLst>
+            <a:gs pos="0">
+              <a:schemeClr val="accent6">
+                <a:tint val="75000"/>
+                <a:shade val="85000"/>
+                <a:satMod val="230000"/>
+              </a:schemeClr>
+            </a:gs>
+            <a:gs pos="25000">
+              <a:schemeClr val="accent6">
+                <a:tint val="90000"/>
+                <a:shade val="70000"/>
+                <a:satMod val="220000"/>
+              </a:schemeClr>
+            </a:gs>
+            <a:gs pos="50000">
+              <a:schemeClr val="accent6">
+                <a:tint val="90000"/>
+                <a:shade val="58000"/>
+                <a:satMod val="225000"/>
+              </a:schemeClr>
+            </a:gs>
+            <a:gs pos="65000">
+              <a:schemeClr val="accent6">
+                <a:tint val="90000"/>
+                <a:shade val="58000"/>
+                <a:satMod val="225000"/>
+              </a:schemeClr>
+            </a:gs>
+            <a:gs pos="80000">
+              <a:schemeClr val="accent6">
+                <a:tint val="90000"/>
+                <a:shade val="69000"/>
+                <a:satMod val="220000"/>
+              </a:schemeClr>
+            </a:gs>
+            <a:gs pos="100000">
+              <a:schemeClr val="accent6">
+                <a:tint val="77000"/>
+                <a:shade val="80000"/>
+                <a:satMod val="230000"/>
+              </a:schemeClr>
+            </a:gs>
+          </a:gsLst>
+          <a:lin ang="5400000" scaled="1"/>
+        </a:gradFill>
+        <a:ln>
+          <a:noFill/>
+        </a:ln>
+        <a:effectLst>
+          <a:outerShdw blurRad="76200" dist="50800" dir="5400000" rotWithShape="0">
+            <a:srgbClr val="4E3B30">
+              <a:alpha val="60000"/>
+            </a:srgbClr>
+          </a:outerShdw>
+        </a:effectLst>
+        <a:scene3d>
+          <a:camera prst="obliqueTopLeft" fov="600000">
+            <a:rot lat="0" lon="0" rev="0"/>
+          </a:camera>
+          <a:lightRig rig="balanced" dir="t">
+            <a:rot lat="0" lon="0" rev="19200000"/>
+          </a:lightRig>
+        </a:scene3d>
+        <a:sp3d contourW="12700" prstMaterial="matte">
+          <a:bevelT w="60000" h="50800"/>
+          <a:contourClr>
+            <a:schemeClr val="accent6">
+              <a:shade val="60000"/>
+              <a:satMod val="110000"/>
+            </a:schemeClr>
+          </a:contourClr>
+        </a:sp3d>
+      </dsp:spPr>
+      <dsp:style>
+        <a:lnRef idx="0">
+          <a:schemeClr val="accent6"/>
+        </a:lnRef>
+        <a:fillRef idx="3">
+          <a:schemeClr val="accent6"/>
+        </a:fillRef>
+        <a:effectRef idx="3">
+          <a:schemeClr val="accent6"/>
+        </a:effectRef>
+        <a:fontRef idx="minor">
+          <a:schemeClr val="lt1"/>
+        </a:fontRef>
+      </dsp:style>
+      <dsp:txBody>
+        <a:bodyPr spcFirstLastPara="0" vert="horz" wrap="square" lIns="113792" tIns="113792" rIns="113792" bIns="60960" numCol="1" spcCol="1270" anchor="t" anchorCtr="0">
+          <a:noAutofit/>
+        </a:bodyPr>
+        <a:lstStyle/>
+        <a:p>
+          <a:pPr lvl="0" algn="l" defTabSz="711200">
+            <a:lnSpc>
+              <a:spcPct val="90000"/>
+            </a:lnSpc>
+            <a:spcBef>
+              <a:spcPct val="0"/>
+            </a:spcBef>
+            <a:spcAft>
+              <a:spcPct val="35000"/>
+            </a:spcAft>
+          </a:pPr>
+          <a:r>
+            <a:rPr lang="pt-BR" sz="1600" b="1" kern="1200" dirty="0" smtClean="0"/>
+            <a:t>Mobilidade</a:t>
+          </a:r>
+          <a:endParaRPr lang="pt-BR" sz="1600" b="1" kern="1200" dirty="0"/>
+        </a:p>
+      </dsp:txBody>
+      <dsp:txXfrm>
+        <a:off x="3159993" y="26889"/>
+        <a:ext cx="1964455" cy="785782"/>
+      </dsp:txXfrm>
+    </dsp:sp>
+    <dsp:sp modelId="{3E47BC9E-87C0-4D93-83F4-A810B62AEF07}">
+      <dsp:nvSpPr>
+        <dsp:cNvPr id="0" name=""/>
+        <dsp:cNvSpPr/>
+      </dsp:nvSpPr>
+      <dsp:spPr>
+        <a:xfrm>
+          <a:off x="3562351" y="812672"/>
+          <a:ext cx="1964455" cy="3686400"/>
+        </a:xfrm>
+        <a:prstGeom prst="roundRect">
+          <a:avLst>
+            <a:gd name="adj" fmla="val 10000"/>
+          </a:avLst>
+        </a:prstGeom>
+        <a:solidFill>
+          <a:schemeClr val="lt1"/>
+        </a:solidFill>
+        <a:ln w="25400" cap="flat" cmpd="sng" algn="ctr">
+          <a:solidFill>
+            <a:schemeClr val="accent1"/>
+          </a:solidFill>
+          <a:prstDash val="solid"/>
+        </a:ln>
+        <a:effectLst/>
+      </dsp:spPr>
+      <dsp:style>
+        <a:lnRef idx="2">
+          <a:schemeClr val="accent1"/>
+        </a:lnRef>
+        <a:fillRef idx="1">
+          <a:schemeClr val="lt1"/>
+        </a:fillRef>
+        <a:effectRef idx="0">
+          <a:schemeClr val="accent1"/>
+        </a:effectRef>
+        <a:fontRef idx="minor">
+          <a:schemeClr val="dk1"/>
+        </a:fontRef>
+      </dsp:style>
+      <dsp:txBody>
+        <a:bodyPr spcFirstLastPara="0" vert="horz" wrap="square" lIns="113792" tIns="113792" rIns="113792" bIns="113792" numCol="1" spcCol="1270" anchor="t" anchorCtr="0">
+          <a:noAutofit/>
+        </a:bodyPr>
+        <a:lstStyle/>
+        <a:p>
+          <a:pPr marL="171450" lvl="1" indent="-171450" algn="l" defTabSz="711200">
+            <a:lnSpc>
+              <a:spcPct val="90000"/>
+            </a:lnSpc>
+            <a:spcBef>
+              <a:spcPct val="0"/>
+            </a:spcBef>
+            <a:spcAft>
+              <a:spcPct val="15000"/>
+            </a:spcAft>
+            <a:buChar char="••"/>
+          </a:pPr>
+          <a:r>
+            <a:rPr lang="pt-BR" sz="1600" kern="1200" dirty="0" smtClean="0"/>
+            <a:t>?</a:t>
+          </a:r>
+          <a:endParaRPr lang="pt-BR" sz="1600" kern="1200" dirty="0"/>
+        </a:p>
+      </dsp:txBody>
+      <dsp:txXfrm>
+        <a:off x="3619888" y="870209"/>
+        <a:ext cx="1849381" cy="3571326"/>
+      </dsp:txXfrm>
+    </dsp:sp>
+    <dsp:sp modelId="{1390A124-BEDA-4A49-9B1B-0ED2FB571A6C}">
+      <dsp:nvSpPr>
+        <dsp:cNvPr id="0" name=""/>
+        <dsp:cNvSpPr/>
+      </dsp:nvSpPr>
+      <dsp:spPr>
+        <a:xfrm>
+          <a:off x="5422252" y="175234"/>
+          <a:ext cx="631345" cy="489092"/>
+        </a:xfrm>
+        <a:prstGeom prst="rightArrow">
+          <a:avLst>
+            <a:gd name="adj1" fmla="val 60000"/>
+            <a:gd name="adj2" fmla="val 50000"/>
+          </a:avLst>
+        </a:prstGeom>
+        <a:gradFill rotWithShape="1">
+          <a:gsLst>
+            <a:gs pos="0">
+              <a:schemeClr val="accent6">
+                <a:tint val="75000"/>
+                <a:shade val="85000"/>
+                <a:satMod val="230000"/>
+              </a:schemeClr>
+            </a:gs>
+            <a:gs pos="25000">
+              <a:schemeClr val="accent6">
+                <a:tint val="90000"/>
+                <a:shade val="70000"/>
+                <a:satMod val="220000"/>
+              </a:schemeClr>
+            </a:gs>
+            <a:gs pos="50000">
+              <a:schemeClr val="accent6">
+                <a:tint val="90000"/>
+                <a:shade val="58000"/>
+                <a:satMod val="225000"/>
+              </a:schemeClr>
+            </a:gs>
+            <a:gs pos="65000">
+              <a:schemeClr val="accent6">
+                <a:tint val="90000"/>
+                <a:shade val="58000"/>
+                <a:satMod val="225000"/>
+              </a:schemeClr>
+            </a:gs>
+            <a:gs pos="80000">
+              <a:schemeClr val="accent6">
+                <a:tint val="90000"/>
+                <a:shade val="69000"/>
+                <a:satMod val="220000"/>
+              </a:schemeClr>
+            </a:gs>
+            <a:gs pos="100000">
+              <a:schemeClr val="accent6">
+                <a:tint val="77000"/>
+                <a:shade val="80000"/>
+                <a:satMod val="230000"/>
+              </a:schemeClr>
+            </a:gs>
+          </a:gsLst>
+          <a:lin ang="5400000" scaled="1"/>
+        </a:gradFill>
+        <a:ln>
+          <a:noFill/>
+        </a:ln>
+        <a:effectLst>
+          <a:outerShdw blurRad="76200" dist="50800" dir="5400000" rotWithShape="0">
+            <a:srgbClr val="4E3B30">
+              <a:alpha val="60000"/>
+            </a:srgbClr>
+          </a:outerShdw>
+        </a:effectLst>
+        <a:scene3d>
+          <a:camera prst="obliqueTopLeft" fov="600000">
+            <a:rot lat="0" lon="0" rev="0"/>
+          </a:camera>
+          <a:lightRig rig="balanced" dir="t">
+            <a:rot lat="0" lon="0" rev="19200000"/>
+          </a:lightRig>
+        </a:scene3d>
+        <a:sp3d contourW="12700" prstMaterial="matte">
+          <a:bevelT w="60000" h="50800"/>
+          <a:contourClr>
+            <a:schemeClr val="accent6">
+              <a:shade val="60000"/>
+              <a:satMod val="110000"/>
+            </a:schemeClr>
+          </a:contourClr>
+        </a:sp3d>
+      </dsp:spPr>
+      <dsp:style>
+        <a:lnRef idx="0">
+          <a:schemeClr val="accent6"/>
+        </a:lnRef>
+        <a:fillRef idx="3">
+          <a:schemeClr val="accent6"/>
+        </a:fillRef>
+        <a:effectRef idx="3">
+          <a:schemeClr val="accent6"/>
+        </a:effectRef>
+        <a:fontRef idx="minor">
+          <a:schemeClr val="lt1"/>
+        </a:fontRef>
+      </dsp:style>
+      <dsp:txBody>
+        <a:bodyPr spcFirstLastPara="0" vert="horz" wrap="square" lIns="0" tIns="0" rIns="0" bIns="0" numCol="1" spcCol="1270" anchor="ctr" anchorCtr="0">
+          <a:noAutofit/>
+        </a:bodyPr>
+        <a:lstStyle/>
+        <a:p>
+          <a:pPr lvl="0" algn="ctr" defTabSz="977900">
+            <a:lnSpc>
+              <a:spcPct val="90000"/>
+            </a:lnSpc>
+            <a:spcBef>
+              <a:spcPct val="0"/>
+            </a:spcBef>
+            <a:spcAft>
+              <a:spcPct val="35000"/>
+            </a:spcAft>
+          </a:pPr>
+          <a:endParaRPr lang="pt-BR" sz="2200" kern="1200"/>
+        </a:p>
+      </dsp:txBody>
+      <dsp:txXfrm>
+        <a:off x="5422252" y="273052"/>
+        <a:ext cx="484617" cy="293456"/>
+      </dsp:txXfrm>
+    </dsp:sp>
+    <dsp:sp modelId="{944B484B-F688-4CFA-A4FB-08B237CA5903}">
+      <dsp:nvSpPr>
+        <dsp:cNvPr id="0" name=""/>
+        <dsp:cNvSpPr/>
+      </dsp:nvSpPr>
+      <dsp:spPr>
+        <a:xfrm>
+          <a:off x="6315665" y="26889"/>
+          <a:ext cx="1964455" cy="2764800"/>
+        </a:xfrm>
+        <a:prstGeom prst="roundRect">
+          <a:avLst>
+            <a:gd name="adj" fmla="val 10000"/>
+          </a:avLst>
+        </a:prstGeom>
+        <a:gradFill rotWithShape="1">
+          <a:gsLst>
+            <a:gs pos="0">
+              <a:schemeClr val="accent6">
+                <a:tint val="75000"/>
+                <a:shade val="85000"/>
+                <a:satMod val="230000"/>
+              </a:schemeClr>
+            </a:gs>
+            <a:gs pos="25000">
+              <a:schemeClr val="accent6">
+                <a:tint val="90000"/>
+                <a:shade val="70000"/>
+                <a:satMod val="220000"/>
+              </a:schemeClr>
+            </a:gs>
+            <a:gs pos="50000">
+              <a:schemeClr val="accent6">
+                <a:tint val="90000"/>
+                <a:shade val="58000"/>
+                <a:satMod val="225000"/>
+              </a:schemeClr>
+            </a:gs>
+            <a:gs pos="65000">
+              <a:schemeClr val="accent6">
+                <a:tint val="90000"/>
+                <a:shade val="58000"/>
+                <a:satMod val="225000"/>
+              </a:schemeClr>
+            </a:gs>
+            <a:gs pos="80000">
+              <a:schemeClr val="accent6">
+                <a:tint val="90000"/>
+                <a:shade val="69000"/>
+                <a:satMod val="220000"/>
+              </a:schemeClr>
+            </a:gs>
+            <a:gs pos="100000">
+              <a:schemeClr val="accent6">
+                <a:tint val="77000"/>
+                <a:shade val="80000"/>
+                <a:satMod val="230000"/>
+              </a:schemeClr>
+            </a:gs>
+          </a:gsLst>
+          <a:lin ang="5400000" scaled="1"/>
+        </a:gradFill>
+        <a:ln>
+          <a:noFill/>
+        </a:ln>
+        <a:effectLst>
+          <a:outerShdw blurRad="76200" dist="50800" dir="5400000" rotWithShape="0">
+            <a:srgbClr val="4E3B30">
+              <a:alpha val="60000"/>
+            </a:srgbClr>
+          </a:outerShdw>
+        </a:effectLst>
+        <a:scene3d>
+          <a:camera prst="obliqueTopLeft" fov="600000">
+            <a:rot lat="0" lon="0" rev="0"/>
+          </a:camera>
+          <a:lightRig rig="balanced" dir="t">
+            <a:rot lat="0" lon="0" rev="19200000"/>
+          </a:lightRig>
+        </a:scene3d>
+        <a:sp3d contourW="12700" prstMaterial="matte">
+          <a:bevelT w="60000" h="50800"/>
+          <a:contourClr>
+            <a:schemeClr val="accent6">
+              <a:shade val="60000"/>
+              <a:satMod val="110000"/>
+            </a:schemeClr>
+          </a:contourClr>
+        </a:sp3d>
+      </dsp:spPr>
+      <dsp:style>
+        <a:lnRef idx="0">
+          <a:schemeClr val="accent6"/>
+        </a:lnRef>
+        <a:fillRef idx="3">
+          <a:schemeClr val="accent6"/>
+        </a:fillRef>
+        <a:effectRef idx="3">
+          <a:schemeClr val="accent6"/>
+        </a:effectRef>
+        <a:fontRef idx="minor">
+          <a:schemeClr val="lt1"/>
+        </a:fontRef>
+      </dsp:style>
+      <dsp:txBody>
+        <a:bodyPr spcFirstLastPara="0" vert="horz" wrap="square" lIns="113792" tIns="113792" rIns="113792" bIns="60960" numCol="1" spcCol="1270" anchor="t" anchorCtr="0">
+          <a:noAutofit/>
+        </a:bodyPr>
+        <a:lstStyle/>
+        <a:p>
+          <a:pPr lvl="0" algn="l" defTabSz="711200">
+            <a:lnSpc>
+              <a:spcPct val="90000"/>
+            </a:lnSpc>
+            <a:spcBef>
+              <a:spcPct val="0"/>
+            </a:spcBef>
+            <a:spcAft>
+              <a:spcPct val="35000"/>
+            </a:spcAft>
+          </a:pPr>
+          <a:r>
+            <a:rPr lang="pt-BR" sz="1600" b="1" kern="1200" dirty="0" smtClean="0"/>
+            <a:t>Recursos locais</a:t>
+          </a:r>
+          <a:endParaRPr lang="pt-BR" sz="1600" b="1" kern="1200" dirty="0"/>
+        </a:p>
+      </dsp:txBody>
+      <dsp:txXfrm>
+        <a:off x="6315665" y="26889"/>
+        <a:ext cx="1964455" cy="785782"/>
+      </dsp:txXfrm>
+    </dsp:sp>
+    <dsp:sp modelId="{1993AEF3-68C8-4F83-9F1E-D1B7B5B4963C}">
+      <dsp:nvSpPr>
+        <dsp:cNvPr id="0" name=""/>
+        <dsp:cNvSpPr/>
+      </dsp:nvSpPr>
+      <dsp:spPr>
+        <a:xfrm>
+          <a:off x="6718024" y="812672"/>
+          <a:ext cx="1964455" cy="3686400"/>
+        </a:xfrm>
+        <a:prstGeom prst="roundRect">
+          <a:avLst>
+            <a:gd name="adj" fmla="val 10000"/>
+          </a:avLst>
+        </a:prstGeom>
+        <a:solidFill>
+          <a:schemeClr val="lt1"/>
+        </a:solidFill>
+        <a:ln w="25400" cap="flat" cmpd="sng" algn="ctr">
+          <a:solidFill>
+            <a:schemeClr val="accent1"/>
+          </a:solidFill>
+          <a:prstDash val="solid"/>
+        </a:ln>
+        <a:effectLst/>
+      </dsp:spPr>
+      <dsp:style>
+        <a:lnRef idx="2">
+          <a:schemeClr val="accent1"/>
+        </a:lnRef>
+        <a:fillRef idx="1">
+          <a:schemeClr val="lt1"/>
+        </a:fillRef>
+        <a:effectRef idx="0">
+          <a:schemeClr val="accent1"/>
+        </a:effectRef>
+        <a:fontRef idx="minor">
+          <a:schemeClr val="dk1"/>
+        </a:fontRef>
+      </dsp:style>
+      <dsp:txBody>
+        <a:bodyPr spcFirstLastPara="0" vert="horz" wrap="square" lIns="113792" tIns="113792" rIns="113792" bIns="113792" numCol="1" spcCol="1270" anchor="t" anchorCtr="0">
+          <a:noAutofit/>
+        </a:bodyPr>
+        <a:lstStyle/>
+        <a:p>
+          <a:pPr marL="171450" lvl="1" indent="-171450" algn="l" defTabSz="711200">
+            <a:lnSpc>
+              <a:spcPct val="90000"/>
+            </a:lnSpc>
+            <a:spcBef>
+              <a:spcPct val="0"/>
+            </a:spcBef>
+            <a:spcAft>
+              <a:spcPct val="15000"/>
+            </a:spcAft>
+            <a:buChar char="••"/>
+          </a:pPr>
+          <a:r>
+            <a:rPr lang="pt-BR" sz="1600" kern="1200" dirty="0" smtClean="0"/>
+            <a:t>?</a:t>
+          </a:r>
+          <a:endParaRPr lang="pt-BR" sz="1600" kern="1200" dirty="0"/>
+        </a:p>
+      </dsp:txBody>
+      <dsp:txXfrm>
+        <a:off x="6775561" y="870209"/>
+        <a:ext cx="1849381" cy="3571326"/>
+      </dsp:txXfrm>
+    </dsp:sp>
+  </dsp:spTree>
+</dsp:drawing>
+</file>
+
+<file path=ppt/diagrams/drawing5.xml><?xml version="1.0" encoding="utf-8"?>
+<dsp:drawing xmlns:dgm="http://schemas.openxmlformats.org/drawingml/2006/diagram" xmlns:dsp="http://schemas.microsoft.com/office/drawing/2008/diagram" xmlns:a="http://schemas.openxmlformats.org/drawingml/2006/main">
+  <dsp:spTree>
+    <dsp:nvGrpSpPr>
+      <dsp:cNvPr id="0" name=""/>
+      <dsp:cNvGrpSpPr/>
+    </dsp:nvGrpSpPr>
+    <dsp:grpSpPr/>
+    <dsp:sp modelId="{18F2EB1D-555E-470E-B78B-9F32BC1302F0}">
+      <dsp:nvSpPr>
+        <dsp:cNvPr id="0" name=""/>
+        <dsp:cNvSpPr/>
+      </dsp:nvSpPr>
+      <dsp:spPr>
+        <a:xfrm>
+          <a:off x="3555504" y="1625330"/>
+          <a:ext cx="1575790" cy="1617659"/>
+        </a:xfrm>
+        <a:prstGeom prst="ellipse">
+          <a:avLst/>
+        </a:prstGeom>
+        <a:solidFill>
+          <a:schemeClr val="accent1">
+            <a:hueOff val="0"/>
+            <a:satOff val="0"/>
+            <a:lumOff val="0"/>
+            <a:alphaOff val="0"/>
+          </a:schemeClr>
+        </a:solidFill>
+        <a:ln w="25400" cap="flat" cmpd="sng" algn="ctr">
+          <a:solidFill>
+            <a:schemeClr val="lt1">
+              <a:hueOff val="0"/>
+              <a:satOff val="0"/>
+              <a:lumOff val="0"/>
+              <a:alphaOff val="0"/>
+            </a:schemeClr>
+          </a:solidFill>
+          <a:prstDash val="solid"/>
+        </a:ln>
+        <a:effectLst/>
+      </dsp:spPr>
+      <dsp:style>
+        <a:lnRef idx="2">
+          <a:scrgbClr r="0" g="0" b="0"/>
+        </a:lnRef>
+        <a:fillRef idx="1">
+          <a:scrgbClr r="0" g="0" b="0"/>
+        </a:fillRef>
+        <a:effectRef idx="0">
+          <a:scrgbClr r="0" g="0" b="0"/>
+        </a:effectRef>
+        <a:fontRef idx="minor">
+          <a:schemeClr val="lt1"/>
+        </a:fontRef>
+      </dsp:style>
+      <dsp:txBody>
+        <a:bodyPr spcFirstLastPara="0" vert="horz" wrap="square" lIns="17780" tIns="17780" rIns="17780" bIns="17780" numCol="1" spcCol="1270" anchor="ctr" anchorCtr="0">
+          <a:noAutofit/>
+        </a:bodyPr>
+        <a:lstStyle/>
+        <a:p>
+          <a:pPr lvl="0" algn="ctr" defTabSz="622300">
+            <a:lnSpc>
+              <a:spcPct val="90000"/>
+            </a:lnSpc>
+            <a:spcBef>
+              <a:spcPct val="0"/>
+            </a:spcBef>
+            <a:spcAft>
+              <a:spcPct val="35000"/>
+            </a:spcAft>
+          </a:pPr>
+          <a:r>
+            <a:rPr lang="pt-BR" sz="1400" kern="1200" dirty="0" smtClean="0"/>
+            <a:t>Paróquia</a:t>
+          </a:r>
+          <a:endParaRPr lang="pt-BR" sz="1400" kern="1200" dirty="0"/>
+        </a:p>
+      </dsp:txBody>
+      <dsp:txXfrm>
+        <a:off x="3786273" y="1862231"/>
+        <a:ext cx="1114252" cy="1143857"/>
+      </dsp:txXfrm>
+    </dsp:sp>
+    <dsp:sp modelId="{D858E594-9B1F-454E-812B-1D569755D339}">
+      <dsp:nvSpPr>
+        <dsp:cNvPr id="0" name=""/>
+        <dsp:cNvSpPr/>
+      </dsp:nvSpPr>
+      <dsp:spPr>
+        <a:xfrm rot="16200000">
+          <a:off x="4252145" y="1240913"/>
+          <a:ext cx="182509" cy="434806"/>
+        </a:xfrm>
+        <a:prstGeom prst="rightArrow">
+          <a:avLst>
+            <a:gd name="adj1" fmla="val 60000"/>
+            <a:gd name="adj2" fmla="val 50000"/>
+          </a:avLst>
+        </a:prstGeom>
+        <a:solidFill>
+          <a:schemeClr val="accent1">
+            <a:tint val="60000"/>
+            <a:hueOff val="0"/>
+            <a:satOff val="0"/>
+            <a:lumOff val="0"/>
+            <a:alphaOff val="0"/>
+          </a:schemeClr>
+        </a:solidFill>
+        <a:ln>
+          <a:noFill/>
+        </a:ln>
+        <a:effectLst/>
+      </dsp:spPr>
+      <dsp:style>
+        <a:lnRef idx="0">
+          <a:scrgbClr r="0" g="0" b="0"/>
+        </a:lnRef>
+        <a:fillRef idx="1">
+          <a:scrgbClr r="0" g="0" b="0"/>
+        </a:fillRef>
+        <a:effectRef idx="0">
+          <a:scrgbClr r="0" g="0" b="0"/>
+        </a:effectRef>
+        <a:fontRef idx="minor">
+          <a:schemeClr val="lt1"/>
+        </a:fontRef>
+      </dsp:style>
+      <dsp:txBody>
+        <a:bodyPr spcFirstLastPara="0" vert="horz" wrap="square" lIns="0" tIns="0" rIns="0" bIns="0" numCol="1" spcCol="1270" anchor="ctr" anchorCtr="0">
+          <a:noAutofit/>
+        </a:bodyPr>
+        <a:lstStyle/>
+        <a:p>
+          <a:pPr lvl="0" algn="ctr" defTabSz="844550">
+            <a:lnSpc>
+              <a:spcPct val="90000"/>
+            </a:lnSpc>
+            <a:spcBef>
+              <a:spcPct val="0"/>
+            </a:spcBef>
+            <a:spcAft>
+              <a:spcPct val="35000"/>
+            </a:spcAft>
+          </a:pPr>
+          <a:endParaRPr lang="pt-BR" sz="1900" kern="1200"/>
+        </a:p>
+      </dsp:txBody>
+      <dsp:txXfrm>
+        <a:off x="4279522" y="1355251"/>
+        <a:ext cx="127756" cy="260884"/>
+      </dsp:txXfrm>
+    </dsp:sp>
+    <dsp:sp modelId="{E0159EA0-1A5D-476D-AD51-865243B2D714}">
+      <dsp:nvSpPr>
+        <dsp:cNvPr id="0" name=""/>
+        <dsp:cNvSpPr/>
+      </dsp:nvSpPr>
+      <dsp:spPr>
+        <a:xfrm>
+          <a:off x="3703978" y="2130"/>
+          <a:ext cx="1278842" cy="1278842"/>
+        </a:xfrm>
+        <a:prstGeom prst="ellipse">
+          <a:avLst/>
+        </a:prstGeom>
+        <a:solidFill>
+          <a:schemeClr val="accent1">
+            <a:hueOff val="0"/>
+            <a:satOff val="0"/>
+            <a:lumOff val="0"/>
+            <a:alphaOff val="0"/>
+          </a:schemeClr>
+        </a:solidFill>
+        <a:ln w="25400" cap="flat" cmpd="sng" algn="ctr">
+          <a:solidFill>
+            <a:schemeClr val="lt1">
+              <a:hueOff val="0"/>
+              <a:satOff val="0"/>
+              <a:lumOff val="0"/>
+              <a:alphaOff val="0"/>
+            </a:schemeClr>
+          </a:solidFill>
+          <a:prstDash val="solid"/>
+        </a:ln>
+        <a:effectLst/>
+      </dsp:spPr>
+      <dsp:style>
+        <a:lnRef idx="2">
+          <a:scrgbClr r="0" g="0" b="0"/>
+        </a:lnRef>
+        <a:fillRef idx="1">
+          <a:scrgbClr r="0" g="0" b="0"/>
+        </a:fillRef>
+        <a:effectRef idx="0">
+          <a:scrgbClr r="0" g="0" b="0"/>
+        </a:effectRef>
+        <a:fontRef idx="minor">
+          <a:schemeClr val="lt1"/>
+        </a:fontRef>
+      </dsp:style>
+      <dsp:txBody>
+        <a:bodyPr spcFirstLastPara="0" vert="horz" wrap="square" lIns="17780" tIns="17780" rIns="17780" bIns="17780" numCol="1" spcCol="1270" anchor="ctr" anchorCtr="0">
+          <a:noAutofit/>
+        </a:bodyPr>
+        <a:lstStyle/>
+        <a:p>
+          <a:pPr lvl="0" algn="ctr" defTabSz="622300">
+            <a:lnSpc>
+              <a:spcPct val="90000"/>
+            </a:lnSpc>
+            <a:spcBef>
+              <a:spcPct val="0"/>
+            </a:spcBef>
+            <a:spcAft>
+              <a:spcPct val="35000"/>
+            </a:spcAft>
+          </a:pPr>
+          <a:endParaRPr lang="pt-BR" sz="1400" kern="1200" dirty="0"/>
+        </a:p>
+      </dsp:txBody>
+      <dsp:txXfrm>
+        <a:off x="3891260" y="189412"/>
+        <a:ext cx="904278" cy="904278"/>
+      </dsp:txXfrm>
+    </dsp:sp>
+    <dsp:sp modelId="{9D95D45C-9B20-4A4E-AD6C-37161FDE50AF}">
+      <dsp:nvSpPr>
+        <dsp:cNvPr id="0" name=""/>
+        <dsp:cNvSpPr/>
+      </dsp:nvSpPr>
+      <dsp:spPr>
+        <a:xfrm rot="20520000">
+          <a:off x="5165881" y="1918229"/>
+          <a:ext cx="192581" cy="434806"/>
+        </a:xfrm>
+        <a:prstGeom prst="rightArrow">
+          <a:avLst>
+            <a:gd name="adj1" fmla="val 60000"/>
+            <a:gd name="adj2" fmla="val 50000"/>
+          </a:avLst>
+        </a:prstGeom>
+        <a:solidFill>
+          <a:schemeClr val="accent1">
+            <a:tint val="60000"/>
+            <a:hueOff val="0"/>
+            <a:satOff val="0"/>
+            <a:lumOff val="0"/>
+            <a:alphaOff val="0"/>
+          </a:schemeClr>
+        </a:solidFill>
+        <a:ln>
+          <a:noFill/>
+        </a:ln>
+        <a:effectLst/>
+      </dsp:spPr>
+      <dsp:style>
+        <a:lnRef idx="0">
+          <a:scrgbClr r="0" g="0" b="0"/>
+        </a:lnRef>
+        <a:fillRef idx="1">
+          <a:scrgbClr r="0" g="0" b="0"/>
+        </a:fillRef>
+        <a:effectRef idx="0">
+          <a:scrgbClr r="0" g="0" b="0"/>
+        </a:effectRef>
+        <a:fontRef idx="minor">
+          <a:schemeClr val="lt1"/>
+        </a:fontRef>
+      </dsp:style>
+      <dsp:txBody>
+        <a:bodyPr spcFirstLastPara="0" vert="horz" wrap="square" lIns="0" tIns="0" rIns="0" bIns="0" numCol="1" spcCol="1270" anchor="ctr" anchorCtr="0">
+          <a:noAutofit/>
+        </a:bodyPr>
+        <a:lstStyle/>
+        <a:p>
+          <a:pPr lvl="0" algn="ctr" defTabSz="844550">
+            <a:lnSpc>
+              <a:spcPct val="90000"/>
+            </a:lnSpc>
+            <a:spcBef>
+              <a:spcPct val="0"/>
+            </a:spcBef>
+            <a:spcAft>
+              <a:spcPct val="35000"/>
+            </a:spcAft>
+          </a:pPr>
+          <a:endParaRPr lang="pt-BR" sz="1900" kern="1200"/>
+        </a:p>
+      </dsp:txBody>
+      <dsp:txXfrm>
+        <a:off x="5167295" y="2014117"/>
+        <a:ext cx="134807" cy="260884"/>
+      </dsp:txXfrm>
+    </dsp:sp>
+    <dsp:sp modelId="{892AB89D-9357-4946-A690-9AB770094366}">
+      <dsp:nvSpPr>
+        <dsp:cNvPr id="0" name=""/>
+        <dsp:cNvSpPr/>
+      </dsp:nvSpPr>
+      <dsp:spPr>
+        <a:xfrm>
+          <a:off x="5408849" y="1240792"/>
+          <a:ext cx="1278842" cy="1278842"/>
+        </a:xfrm>
+        <a:prstGeom prst="ellipse">
+          <a:avLst/>
+        </a:prstGeom>
+        <a:solidFill>
+          <a:schemeClr val="accent1">
+            <a:hueOff val="0"/>
+            <a:satOff val="0"/>
+            <a:lumOff val="0"/>
+            <a:alphaOff val="0"/>
+          </a:schemeClr>
+        </a:solidFill>
+        <a:ln w="25400" cap="flat" cmpd="sng" algn="ctr">
+          <a:solidFill>
+            <a:schemeClr val="lt1">
+              <a:hueOff val="0"/>
+              <a:satOff val="0"/>
+              <a:lumOff val="0"/>
+              <a:alphaOff val="0"/>
+            </a:schemeClr>
+          </a:solidFill>
+          <a:prstDash val="solid"/>
+        </a:ln>
+        <a:effectLst/>
+      </dsp:spPr>
+      <dsp:style>
+        <a:lnRef idx="2">
+          <a:scrgbClr r="0" g="0" b="0"/>
+        </a:lnRef>
+        <a:fillRef idx="1">
+          <a:scrgbClr r="0" g="0" b="0"/>
+        </a:fillRef>
+        <a:effectRef idx="0">
+          <a:scrgbClr r="0" g="0" b="0"/>
+        </a:effectRef>
+        <a:fontRef idx="minor">
+          <a:schemeClr val="lt1"/>
+        </a:fontRef>
+      </dsp:style>
+      <dsp:txBody>
+        <a:bodyPr spcFirstLastPara="0" vert="horz" wrap="square" lIns="17780" tIns="17780" rIns="17780" bIns="17780" numCol="1" spcCol="1270" anchor="ctr" anchorCtr="0">
+          <a:noAutofit/>
+        </a:bodyPr>
+        <a:lstStyle/>
+        <a:p>
+          <a:pPr lvl="0" algn="ctr" defTabSz="622300">
+            <a:lnSpc>
+              <a:spcPct val="90000"/>
+            </a:lnSpc>
+            <a:spcBef>
+              <a:spcPct val="0"/>
+            </a:spcBef>
+            <a:spcAft>
+              <a:spcPct val="35000"/>
+            </a:spcAft>
+          </a:pPr>
+          <a:endParaRPr lang="pt-BR" sz="1400" kern="1200" dirty="0"/>
+        </a:p>
+      </dsp:txBody>
+      <dsp:txXfrm>
+        <a:off x="5596131" y="1428074"/>
+        <a:ext cx="904278" cy="904278"/>
+      </dsp:txXfrm>
+    </dsp:sp>
+    <dsp:sp modelId="{8F93543A-5059-4DE8-A2FC-A99D358C55C0}">
+      <dsp:nvSpPr>
+        <dsp:cNvPr id="0" name=""/>
+        <dsp:cNvSpPr/>
+      </dsp:nvSpPr>
+      <dsp:spPr>
+        <a:xfrm rot="3240000">
+          <a:off x="4821518" y="3003138"/>
+          <a:ext cx="186441" cy="434806"/>
+        </a:xfrm>
+        <a:prstGeom prst="rightArrow">
+          <a:avLst>
+            <a:gd name="adj1" fmla="val 60000"/>
+            <a:gd name="adj2" fmla="val 50000"/>
+          </a:avLst>
+        </a:prstGeom>
+        <a:solidFill>
+          <a:schemeClr val="accent1">
+            <a:tint val="60000"/>
+            <a:hueOff val="0"/>
+            <a:satOff val="0"/>
+            <a:lumOff val="0"/>
+            <a:alphaOff val="0"/>
+          </a:schemeClr>
+        </a:solidFill>
+        <a:ln>
+          <a:noFill/>
+        </a:ln>
+        <a:effectLst/>
+      </dsp:spPr>
+      <dsp:style>
+        <a:lnRef idx="0">
+          <a:scrgbClr r="0" g="0" b="0"/>
+        </a:lnRef>
+        <a:fillRef idx="1">
+          <a:scrgbClr r="0" g="0" b="0"/>
+        </a:fillRef>
+        <a:effectRef idx="0">
+          <a:scrgbClr r="0" g="0" b="0"/>
+        </a:effectRef>
+        <a:fontRef idx="minor">
+          <a:schemeClr val="lt1"/>
+        </a:fontRef>
+      </dsp:style>
+      <dsp:txBody>
+        <a:bodyPr spcFirstLastPara="0" vert="horz" wrap="square" lIns="0" tIns="0" rIns="0" bIns="0" numCol="1" spcCol="1270" anchor="ctr" anchorCtr="0">
+          <a:noAutofit/>
+        </a:bodyPr>
+        <a:lstStyle/>
+        <a:p>
+          <a:pPr lvl="0" algn="ctr" defTabSz="844550">
+            <a:lnSpc>
+              <a:spcPct val="90000"/>
+            </a:lnSpc>
+            <a:spcBef>
+              <a:spcPct val="0"/>
+            </a:spcBef>
+            <a:spcAft>
+              <a:spcPct val="35000"/>
+            </a:spcAft>
+          </a:pPr>
+          <a:endParaRPr lang="pt-BR" sz="1900" kern="1200"/>
+        </a:p>
+      </dsp:txBody>
+      <dsp:txXfrm>
+        <a:off x="4833046" y="3067474"/>
+        <a:ext cx="130509" cy="260884"/>
+      </dsp:txXfrm>
+    </dsp:sp>
+    <dsp:sp modelId="{4AE6AAFA-D59A-4F35-A5E8-C6D2EC6BBFF0}">
+      <dsp:nvSpPr>
+        <dsp:cNvPr id="0" name=""/>
+        <dsp:cNvSpPr/>
+      </dsp:nvSpPr>
+      <dsp:spPr>
+        <a:xfrm>
+          <a:off x="4757647" y="3244988"/>
+          <a:ext cx="1278842" cy="1278842"/>
+        </a:xfrm>
+        <a:prstGeom prst="ellipse">
+          <a:avLst/>
+        </a:prstGeom>
+        <a:solidFill>
+          <a:schemeClr val="accent1">
+            <a:hueOff val="0"/>
+            <a:satOff val="0"/>
+            <a:lumOff val="0"/>
+            <a:alphaOff val="0"/>
+          </a:schemeClr>
+        </a:solidFill>
+        <a:ln w="25400" cap="flat" cmpd="sng" algn="ctr">
+          <a:solidFill>
+            <a:schemeClr val="lt1">
+              <a:hueOff val="0"/>
+              <a:satOff val="0"/>
+              <a:lumOff val="0"/>
+              <a:alphaOff val="0"/>
+            </a:schemeClr>
+          </a:solidFill>
+          <a:prstDash val="solid"/>
+        </a:ln>
+        <a:effectLst/>
+      </dsp:spPr>
+      <dsp:style>
+        <a:lnRef idx="2">
+          <a:scrgbClr r="0" g="0" b="0"/>
+        </a:lnRef>
+        <a:fillRef idx="1">
+          <a:scrgbClr r="0" g="0" b="0"/>
+        </a:fillRef>
+        <a:effectRef idx="0">
+          <a:scrgbClr r="0" g="0" b="0"/>
+        </a:effectRef>
+        <a:fontRef idx="minor">
+          <a:schemeClr val="lt1"/>
+        </a:fontRef>
+      </dsp:style>
+      <dsp:txBody>
+        <a:bodyPr spcFirstLastPara="0" vert="horz" wrap="square" lIns="17780" tIns="17780" rIns="17780" bIns="17780" numCol="1" spcCol="1270" anchor="ctr" anchorCtr="0">
+          <a:noAutofit/>
+        </a:bodyPr>
+        <a:lstStyle/>
+        <a:p>
+          <a:pPr lvl="0" algn="ctr" defTabSz="622300">
+            <a:lnSpc>
+              <a:spcPct val="90000"/>
+            </a:lnSpc>
+            <a:spcBef>
+              <a:spcPct val="0"/>
+            </a:spcBef>
+            <a:spcAft>
+              <a:spcPct val="35000"/>
+            </a:spcAft>
+          </a:pPr>
+          <a:endParaRPr lang="pt-BR" sz="1400" kern="1200" dirty="0"/>
+        </a:p>
+      </dsp:txBody>
+      <dsp:txXfrm>
+        <a:off x="4944929" y="3432270"/>
+        <a:ext cx="904278" cy="904278"/>
+      </dsp:txXfrm>
+    </dsp:sp>
+    <dsp:sp modelId="{D32B50BC-8F9A-4A06-941D-13004E7B3F17}">
+      <dsp:nvSpPr>
+        <dsp:cNvPr id="0" name=""/>
+        <dsp:cNvSpPr/>
+      </dsp:nvSpPr>
+      <dsp:spPr>
+        <a:xfrm rot="7560000">
+          <a:off x="3678839" y="3003138"/>
+          <a:ext cx="186441" cy="434806"/>
+        </a:xfrm>
+        <a:prstGeom prst="rightArrow">
+          <a:avLst>
+            <a:gd name="adj1" fmla="val 60000"/>
+            <a:gd name="adj2" fmla="val 50000"/>
+          </a:avLst>
+        </a:prstGeom>
+        <a:solidFill>
+          <a:schemeClr val="accent1">
+            <a:tint val="60000"/>
+            <a:hueOff val="0"/>
+            <a:satOff val="0"/>
+            <a:lumOff val="0"/>
+            <a:alphaOff val="0"/>
+          </a:schemeClr>
+        </a:solidFill>
+        <a:ln>
+          <a:noFill/>
+        </a:ln>
+        <a:effectLst/>
+      </dsp:spPr>
+      <dsp:style>
+        <a:lnRef idx="0">
+          <a:scrgbClr r="0" g="0" b="0"/>
+        </a:lnRef>
+        <a:fillRef idx="1">
+          <a:scrgbClr r="0" g="0" b="0"/>
+        </a:fillRef>
+        <a:effectRef idx="0">
+          <a:scrgbClr r="0" g="0" b="0"/>
+        </a:effectRef>
+        <a:fontRef idx="minor">
+          <a:schemeClr val="lt1"/>
+        </a:fontRef>
+      </dsp:style>
+      <dsp:txBody>
+        <a:bodyPr spcFirstLastPara="0" vert="horz" wrap="square" lIns="0" tIns="0" rIns="0" bIns="0" numCol="1" spcCol="1270" anchor="ctr" anchorCtr="0">
+          <a:noAutofit/>
+        </a:bodyPr>
+        <a:lstStyle/>
+        <a:p>
+          <a:pPr lvl="0" algn="ctr" defTabSz="844550">
+            <a:lnSpc>
+              <a:spcPct val="90000"/>
+            </a:lnSpc>
+            <a:spcBef>
+              <a:spcPct val="0"/>
+            </a:spcBef>
+            <a:spcAft>
+              <a:spcPct val="35000"/>
+            </a:spcAft>
+          </a:pPr>
+          <a:endParaRPr lang="pt-BR" sz="1900" kern="1200"/>
+        </a:p>
+      </dsp:txBody>
+      <dsp:txXfrm rot="10800000">
+        <a:off x="3723243" y="3067474"/>
+        <a:ext cx="130509" cy="260884"/>
+      </dsp:txXfrm>
+    </dsp:sp>
+    <dsp:sp modelId="{42C28B57-95B0-4561-B729-7C55DC80C4C3}">
+      <dsp:nvSpPr>
+        <dsp:cNvPr id="0" name=""/>
+        <dsp:cNvSpPr/>
+      </dsp:nvSpPr>
+      <dsp:spPr>
+        <a:xfrm>
+          <a:off x="2650310" y="3244988"/>
+          <a:ext cx="1278842" cy="1278842"/>
+        </a:xfrm>
+        <a:prstGeom prst="ellipse">
+          <a:avLst/>
+        </a:prstGeom>
+        <a:solidFill>
+          <a:schemeClr val="accent1">
+            <a:hueOff val="0"/>
+            <a:satOff val="0"/>
+            <a:lumOff val="0"/>
+            <a:alphaOff val="0"/>
+          </a:schemeClr>
+        </a:solidFill>
+        <a:ln w="25400" cap="flat" cmpd="sng" algn="ctr">
+          <a:solidFill>
+            <a:schemeClr val="lt1">
+              <a:hueOff val="0"/>
+              <a:satOff val="0"/>
+              <a:lumOff val="0"/>
+              <a:alphaOff val="0"/>
+            </a:schemeClr>
+          </a:solidFill>
+          <a:prstDash val="solid"/>
+        </a:ln>
+        <a:effectLst/>
+      </dsp:spPr>
+      <dsp:style>
+        <a:lnRef idx="2">
+          <a:scrgbClr r="0" g="0" b="0"/>
+        </a:lnRef>
+        <a:fillRef idx="1">
+          <a:scrgbClr r="0" g="0" b="0"/>
+        </a:fillRef>
+        <a:effectRef idx="0">
+          <a:scrgbClr r="0" g="0" b="0"/>
+        </a:effectRef>
+        <a:fontRef idx="minor">
+          <a:schemeClr val="lt1"/>
+        </a:fontRef>
+      </dsp:style>
+      <dsp:txBody>
+        <a:bodyPr spcFirstLastPara="0" vert="horz" wrap="square" lIns="17780" tIns="17780" rIns="17780" bIns="17780" numCol="1" spcCol="1270" anchor="ctr" anchorCtr="0">
+          <a:noAutofit/>
+        </a:bodyPr>
+        <a:lstStyle/>
+        <a:p>
+          <a:pPr lvl="0" algn="ctr" defTabSz="622300">
+            <a:lnSpc>
+              <a:spcPct val="90000"/>
+            </a:lnSpc>
+            <a:spcBef>
+              <a:spcPct val="0"/>
+            </a:spcBef>
+            <a:spcAft>
+              <a:spcPct val="35000"/>
+            </a:spcAft>
+          </a:pPr>
+          <a:endParaRPr lang="pt-BR" sz="1400" kern="1200"/>
+        </a:p>
+      </dsp:txBody>
+      <dsp:txXfrm>
+        <a:off x="2837592" y="3432270"/>
+        <a:ext cx="904278" cy="904278"/>
+      </dsp:txXfrm>
+    </dsp:sp>
+    <dsp:sp modelId="{BED8CFF9-57DF-415B-BFD2-F23237B98D78}">
+      <dsp:nvSpPr>
+        <dsp:cNvPr id="0" name=""/>
+        <dsp:cNvSpPr/>
+      </dsp:nvSpPr>
+      <dsp:spPr>
+        <a:xfrm rot="11880000">
+          <a:off x="3328336" y="1918229"/>
+          <a:ext cx="192581" cy="434806"/>
+        </a:xfrm>
+        <a:prstGeom prst="rightArrow">
+          <a:avLst>
+            <a:gd name="adj1" fmla="val 60000"/>
+            <a:gd name="adj2" fmla="val 50000"/>
+          </a:avLst>
+        </a:prstGeom>
+        <a:solidFill>
+          <a:schemeClr val="accent1">
+            <a:tint val="60000"/>
+            <a:hueOff val="0"/>
+            <a:satOff val="0"/>
+            <a:lumOff val="0"/>
+            <a:alphaOff val="0"/>
+          </a:schemeClr>
+        </a:solidFill>
+        <a:ln>
+          <a:noFill/>
+        </a:ln>
+        <a:effectLst/>
+      </dsp:spPr>
+      <dsp:style>
+        <a:lnRef idx="0">
+          <a:scrgbClr r="0" g="0" b="0"/>
+        </a:lnRef>
+        <a:fillRef idx="1">
+          <a:scrgbClr r="0" g="0" b="0"/>
+        </a:fillRef>
+        <a:effectRef idx="0">
+          <a:scrgbClr r="0" g="0" b="0"/>
+        </a:effectRef>
+        <a:fontRef idx="minor">
+          <a:schemeClr val="lt1"/>
+        </a:fontRef>
+      </dsp:style>
+      <dsp:txBody>
+        <a:bodyPr spcFirstLastPara="0" vert="horz" wrap="square" lIns="0" tIns="0" rIns="0" bIns="0" numCol="1" spcCol="1270" anchor="ctr" anchorCtr="0">
+          <a:noAutofit/>
+        </a:bodyPr>
+        <a:lstStyle/>
+        <a:p>
+          <a:pPr lvl="0" algn="ctr" defTabSz="844550">
+            <a:lnSpc>
+              <a:spcPct val="90000"/>
+            </a:lnSpc>
+            <a:spcBef>
+              <a:spcPct val="0"/>
+            </a:spcBef>
+            <a:spcAft>
+              <a:spcPct val="35000"/>
+            </a:spcAft>
+          </a:pPr>
+          <a:endParaRPr lang="pt-BR" sz="1900" kern="1200"/>
+        </a:p>
+      </dsp:txBody>
+      <dsp:txXfrm rot="10800000">
+        <a:off x="3384696" y="2014117"/>
+        <a:ext cx="134807" cy="260884"/>
+      </dsp:txXfrm>
+    </dsp:sp>
+    <dsp:sp modelId="{AE23CEE4-5E78-4BF2-A4EC-856A2ACE758E}">
+      <dsp:nvSpPr>
+        <dsp:cNvPr id="0" name=""/>
+        <dsp:cNvSpPr/>
+      </dsp:nvSpPr>
+      <dsp:spPr>
+        <a:xfrm>
+          <a:off x="1999107" y="1240792"/>
+          <a:ext cx="1278842" cy="1278842"/>
+        </a:xfrm>
+        <a:prstGeom prst="ellipse">
+          <a:avLst/>
+        </a:prstGeom>
+        <a:solidFill>
+          <a:schemeClr val="accent1">
+            <a:hueOff val="0"/>
+            <a:satOff val="0"/>
+            <a:lumOff val="0"/>
+            <a:alphaOff val="0"/>
+          </a:schemeClr>
+        </a:solidFill>
+        <a:ln w="25400" cap="flat" cmpd="sng" algn="ctr">
+          <a:solidFill>
+            <a:schemeClr val="lt1">
+              <a:hueOff val="0"/>
+              <a:satOff val="0"/>
+              <a:lumOff val="0"/>
+              <a:alphaOff val="0"/>
+            </a:schemeClr>
+          </a:solidFill>
+          <a:prstDash val="solid"/>
+        </a:ln>
+        <a:effectLst/>
+      </dsp:spPr>
+      <dsp:style>
+        <a:lnRef idx="2">
+          <a:scrgbClr r="0" g="0" b="0"/>
+        </a:lnRef>
+        <a:fillRef idx="1">
+          <a:scrgbClr r="0" g="0" b="0"/>
+        </a:fillRef>
+        <a:effectRef idx="0">
+          <a:scrgbClr r="0" g="0" b="0"/>
+        </a:effectRef>
+        <a:fontRef idx="minor">
+          <a:schemeClr val="lt1"/>
+        </a:fontRef>
+      </dsp:style>
+      <dsp:txBody>
+        <a:bodyPr spcFirstLastPara="0" vert="horz" wrap="square" lIns="17780" tIns="17780" rIns="17780" bIns="17780" numCol="1" spcCol="1270" anchor="ctr" anchorCtr="0">
+          <a:noAutofit/>
+        </a:bodyPr>
+        <a:lstStyle/>
+        <a:p>
+          <a:pPr lvl="0" algn="ctr" defTabSz="622300">
+            <a:lnSpc>
+              <a:spcPct val="90000"/>
+            </a:lnSpc>
+            <a:spcBef>
+              <a:spcPct val="0"/>
+            </a:spcBef>
+            <a:spcAft>
+              <a:spcPct val="35000"/>
+            </a:spcAft>
+          </a:pPr>
+          <a:endParaRPr lang="pt-BR" sz="1400" kern="1200" dirty="0"/>
+        </a:p>
+      </dsp:txBody>
+      <dsp:txXfrm>
+        <a:off x="2186389" y="1428074"/>
+        <a:ext cx="904278" cy="904278"/>
+      </dsp:txXfrm>
+    </dsp:sp>
+  </dsp:spTree>
+</dsp:drawing>
 </file>
 
 <file path=ppt/diagrams/layout1.xml><?xml version="1.0" encoding="utf-8"?>
@@ -14487,7 +19497,7 @@
             <a:fld id="{229FDC3E-7424-49CF-AF38-AA35F4C77C8D}" type="datetimeFigureOut">
               <a:rPr lang="pt-BR" smtClean="0"/>
               <a:pPr/>
-              <a:t>27/3/2014</a:t>
+              <a:t>27/03/2014</a:t>
             </a:fld>
             <a:endParaRPr lang="pt-BR"/>
           </a:p>
@@ -14659,7 +19669,7 @@
             <a:fld id="{229FDC3E-7424-49CF-AF38-AA35F4C77C8D}" type="datetimeFigureOut">
               <a:rPr lang="pt-BR" smtClean="0"/>
               <a:pPr/>
-              <a:t>27/3/2014</a:t>
+              <a:t>27/03/2014</a:t>
             </a:fld>
             <a:endParaRPr lang="pt-BR"/>
           </a:p>
@@ -14836,7 +19846,7 @@
             <a:fld id="{229FDC3E-7424-49CF-AF38-AA35F4C77C8D}" type="datetimeFigureOut">
               <a:rPr lang="pt-BR" smtClean="0"/>
               <a:pPr/>
-              <a:t>27/3/2014</a:t>
+              <a:t>27/03/2014</a:t>
             </a:fld>
             <a:endParaRPr lang="pt-BR"/>
           </a:p>
@@ -15003,7 +20013,7 @@
             <a:fld id="{229FDC3E-7424-49CF-AF38-AA35F4C77C8D}" type="datetimeFigureOut">
               <a:rPr lang="pt-BR" smtClean="0"/>
               <a:pPr/>
-              <a:t>27/3/2014</a:t>
+              <a:t>27/03/2014</a:t>
             </a:fld>
             <a:endParaRPr lang="pt-BR"/>
           </a:p>
@@ -15239,7 +20249,7 @@
             <a:fld id="{229FDC3E-7424-49CF-AF38-AA35F4C77C8D}" type="datetimeFigureOut">
               <a:rPr lang="pt-BR" smtClean="0"/>
               <a:pPr/>
-              <a:t>27/3/2014</a:t>
+              <a:t>27/03/2014</a:t>
             </a:fld>
             <a:endParaRPr lang="pt-BR"/>
           </a:p>
@@ -15537,7 +20547,7 @@
             <a:fld id="{229FDC3E-7424-49CF-AF38-AA35F4C77C8D}" type="datetimeFigureOut">
               <a:rPr lang="pt-BR" smtClean="0"/>
               <a:pPr/>
-              <a:t>27/3/2014</a:t>
+              <a:t>27/03/2014</a:t>
             </a:fld>
             <a:endParaRPr lang="pt-BR"/>
           </a:p>
@@ -15923,7 +20933,7 @@
             <a:fld id="{229FDC3E-7424-49CF-AF38-AA35F4C77C8D}" type="datetimeFigureOut">
               <a:rPr lang="pt-BR" smtClean="0"/>
               <a:pPr/>
-              <a:t>27/3/2014</a:t>
+              <a:t>27/03/2014</a:t>
             </a:fld>
             <a:endParaRPr lang="pt-BR"/>
           </a:p>
@@ -16098,7 +21108,7 @@
             <a:fld id="{229FDC3E-7424-49CF-AF38-AA35F4C77C8D}" type="datetimeFigureOut">
               <a:rPr lang="pt-BR" smtClean="0"/>
               <a:pPr/>
-              <a:t>27/3/2014</a:t>
+              <a:t>27/03/2014</a:t>
             </a:fld>
             <a:endParaRPr lang="pt-BR"/>
           </a:p>
@@ -16190,7 +21200,7 @@
             <a:fld id="{229FDC3E-7424-49CF-AF38-AA35F4C77C8D}" type="datetimeFigureOut">
               <a:rPr lang="pt-BR" smtClean="0"/>
               <a:pPr/>
-              <a:t>27/3/2014</a:t>
+              <a:t>27/03/2014</a:t>
             </a:fld>
             <a:endParaRPr lang="pt-BR"/>
           </a:p>
@@ -16487,7 +21497,7 @@
             <a:fld id="{229FDC3E-7424-49CF-AF38-AA35F4C77C8D}" type="datetimeFigureOut">
               <a:rPr lang="pt-BR" smtClean="0"/>
               <a:pPr/>
-              <a:t>27/3/2014</a:t>
+              <a:t>27/03/2014</a:t>
             </a:fld>
             <a:endParaRPr lang="pt-BR"/>
           </a:p>
@@ -16623,7 +21633,7 @@
             <a:fld id="{229FDC3E-7424-49CF-AF38-AA35F4C77C8D}" type="datetimeFigureOut">
               <a:rPr lang="pt-BR" smtClean="0"/>
               <a:pPr/>
-              <a:t>27/3/2014</a:t>
+              <a:t>27/03/2014</a:t>
             </a:fld>
             <a:endParaRPr lang="pt-BR"/>
           </a:p>
@@ -16928,7 +21938,7 @@
             <a:fld id="{229FDC3E-7424-49CF-AF38-AA35F4C77C8D}" type="datetimeFigureOut">
               <a:rPr lang="pt-BR" smtClean="0"/>
               <a:pPr/>
-              <a:t>27/3/2014</a:t>
+              <a:t>27/03/2014</a:t>
             </a:fld>
             <a:endParaRPr lang="pt-BR"/>
           </a:p>
@@ -17695,6 +22705,11 @@
           </p:cNvGraphicFramePr>
           <p:nvPr>
             <p:ph idx="1"/>
+            <p:extLst>
+              <p:ext uri="{D42A27DB-BD31-4B8C-83A1-F6EECF244321}">
+                <p14:modId xmlns:p14="http://schemas.microsoft.com/office/powerpoint/2010/main" val="2208909862"/>
+              </p:ext>
+            </p:extLst>
           </p:nvPr>
         </p:nvGraphicFramePr>
         <p:xfrm>
@@ -17756,15 +22771,7 @@
           <a:p>
             <a:r>
               <a:rPr lang="pt-BR" dirty="0" smtClean="0"/>
-              <a:t>Conceito </a:t>
-            </a:r>
-            <a:r>
-              <a:rPr lang="pt-BR" dirty="0" smtClean="0"/>
-              <a:t>funcional </a:t>
-            </a:r>
-            <a:r>
-              <a:rPr lang="pt-BR" dirty="0" smtClean="0"/>
-              <a:t>interno </a:t>
+              <a:t>Conceito funcional interno </a:t>
             </a:r>
             <a:endParaRPr lang="pt-BR" dirty="0"/>
           </a:p>
@@ -17929,6 +22936,11 @@
           </p:cNvGraphicFramePr>
           <p:nvPr>
             <p:ph idx="1"/>
+            <p:extLst>
+              <p:ext uri="{D42A27DB-BD31-4B8C-83A1-F6EECF244321}">
+                <p14:modId xmlns:p14="http://schemas.microsoft.com/office/powerpoint/2010/main" val="311956969"/>
+              </p:ext>
+            </p:extLst>
           </p:nvPr>
         </p:nvGraphicFramePr>
         <p:xfrm>
@@ -17946,6 +22958,13 @@
   <p:clrMapOvr>
     <a:masterClrMapping/>
   </p:clrMapOvr>
+  <p:timing>
+    <p:tnLst>
+      <p:par>
+        <p:cTn id="1" dur="indefinite" restart="never" nodeType="tmRoot"/>
+      </p:par>
+    </p:tnLst>
+  </p:timing>
 </p:sld>
 </file>
 
